--- a/images/Images NEW.pptx
+++ b/images/Images NEW.pptx
@@ -4,16 +4,17 @@
   <p:sldMasterIdLst>
     <p:sldMasterId id="2147483648" r:id="rId2"/>
     <p:sldMasterId id="2147483661" r:id="rId3"/>
+    <p:sldMasterId id="2147483674" r:id="rId4"/>
   </p:sldMasterIdLst>
   <p:sldIdLst>
-    <p:sldId id="256" r:id="rId4"/>
-    <p:sldId id="257" r:id="rId5"/>
-    <p:sldId id="258" r:id="rId6"/>
-    <p:sldId id="259" r:id="rId7"/>
-    <p:sldId id="260" r:id="rId8"/>
-    <p:sldId id="261" r:id="rId9"/>
-    <p:sldId id="262" r:id="rId10"/>
-    <p:sldId id="263" r:id="rId11"/>
+    <p:sldId id="256" r:id="rId5"/>
+    <p:sldId id="257" r:id="rId6"/>
+    <p:sldId id="258" r:id="rId7"/>
+    <p:sldId id="259" r:id="rId8"/>
+    <p:sldId id="260" r:id="rId9"/>
+    <p:sldId id="261" r:id="rId10"/>
+    <p:sldId id="262" r:id="rId11"/>
+    <p:sldId id="263" r:id="rId12"/>
   </p:sldIdLst>
   <p:sldSz cx="12192000" cy="6858000"/>
   <p:notesSz cx="7559675" cy="10691812"/>
@@ -61,7 +62,7 @@
       </p:grpSpPr>
       <p:sp>
         <p:nvSpPr>
-          <p:cNvPr id="26" name="PlaceHolder 1"/>
+          <p:cNvPr id="23" name="PlaceHolder 1"/>
           <p:cNvSpPr>
             <a:spLocks noGrp="1"/>
           </p:cNvSpPr>
@@ -72,7 +73,7 @@
         <p:spPr>
           <a:xfrm>
             <a:off x="838080" y="365040"/>
-            <a:ext cx="10515240" cy="1325160"/>
+            <a:ext cx="10514880" cy="1324800"/>
           </a:xfrm>
           <a:prstGeom prst="rect">
             <a:avLst/>
@@ -81,18 +82,16 @@
         <p:txBody>
           <a:bodyPr lIns="0" rIns="0" tIns="0" bIns="0" anchor="ctr"/>
           <a:p>
-            <a:endParaRPr b="0" lang="fr-FR" sz="1800" spc="-1" strike="noStrike">
-              <a:solidFill>
-                <a:srgbClr val="000000"/>
-              </a:solidFill>
-              <a:latin typeface="Calibri"/>
-            </a:endParaRPr>
-          </a:p>
-        </p:txBody>
-      </p:sp>
-      <p:sp>
-        <p:nvSpPr>
-          <p:cNvPr id="27" name="PlaceHolder 2"/>
+            <a:pPr algn="ctr"/>
+            <a:endParaRPr b="0" lang="en-GB" sz="4400" spc="-1" strike="noStrike">
+              <a:latin typeface="Arial"/>
+            </a:endParaRPr>
+          </a:p>
+        </p:txBody>
+      </p:sp>
+      <p:sp>
+        <p:nvSpPr>
+          <p:cNvPr id="24" name="PlaceHolder 2"/>
           <p:cNvSpPr>
             <a:spLocks noGrp="1"/>
           </p:cNvSpPr>
@@ -103,7 +102,7 @@
         <p:spPr>
           <a:xfrm>
             <a:off x="838080" y="1825560"/>
-            <a:ext cx="10515240" cy="2075040"/>
+            <a:ext cx="3385440" cy="989280"/>
           </a:xfrm>
           <a:prstGeom prst="rect">
             <a:avLst/>
@@ -114,18 +113,15 @@
             <a:normAutofit/>
           </a:bodyPr>
           <a:p>
-            <a:endParaRPr b="0" lang="fr-FR" sz="2800" spc="-1" strike="noStrike">
-              <a:solidFill>
-                <a:srgbClr val="000000"/>
-              </a:solidFill>
-              <a:latin typeface="Calibri"/>
-            </a:endParaRPr>
-          </a:p>
-        </p:txBody>
-      </p:sp>
-      <p:sp>
-        <p:nvSpPr>
-          <p:cNvPr id="28" name="PlaceHolder 3"/>
+            <a:endParaRPr b="0" lang="en-GB" sz="3200" spc="-1" strike="noStrike">
+              <a:latin typeface="Arial"/>
+            </a:endParaRPr>
+          </a:p>
+        </p:txBody>
+      </p:sp>
+      <p:sp>
+        <p:nvSpPr>
+          <p:cNvPr id="25" name="PlaceHolder 3"/>
           <p:cNvSpPr>
             <a:spLocks noGrp="1"/>
           </p:cNvSpPr>
@@ -135,8 +131,8 @@
         </p:nvSpPr>
         <p:spPr>
           <a:xfrm>
-            <a:off x="838080" y="4098240"/>
-            <a:ext cx="10515240" cy="2075040"/>
+            <a:off x="838080" y="2909160"/>
+            <a:ext cx="3385440" cy="989280"/>
           </a:xfrm>
           <a:prstGeom prst="rect">
             <a:avLst/>
@@ -147,11 +143,8 @@
             <a:normAutofit/>
           </a:bodyPr>
           <a:p>
-            <a:endParaRPr b="0" lang="fr-FR" sz="2800" spc="-1" strike="noStrike">
-              <a:solidFill>
-                <a:srgbClr val="000000"/>
-              </a:solidFill>
-              <a:latin typeface="Calibri"/>
+            <a:endParaRPr b="0" lang="en-GB" sz="3200" spc="-1" strike="noStrike">
+              <a:latin typeface="Arial"/>
             </a:endParaRPr>
           </a:p>
         </p:txBody>
@@ -180,7 +173,7 @@
       </p:grpSpPr>
       <p:sp>
         <p:nvSpPr>
-          <p:cNvPr id="29" name="PlaceHolder 1"/>
+          <p:cNvPr id="26" name="PlaceHolder 1"/>
           <p:cNvSpPr>
             <a:spLocks noGrp="1"/>
           </p:cNvSpPr>
@@ -191,7 +184,7 @@
         <p:spPr>
           <a:xfrm>
             <a:off x="838080" y="365040"/>
-            <a:ext cx="10515240" cy="1325160"/>
+            <a:ext cx="10514880" cy="1324800"/>
           </a:xfrm>
           <a:prstGeom prst="rect">
             <a:avLst/>
@@ -200,18 +193,16 @@
         <p:txBody>
           <a:bodyPr lIns="0" rIns="0" tIns="0" bIns="0" anchor="ctr"/>
           <a:p>
-            <a:endParaRPr b="0" lang="fr-FR" sz="1800" spc="-1" strike="noStrike">
-              <a:solidFill>
-                <a:srgbClr val="000000"/>
-              </a:solidFill>
-              <a:latin typeface="Calibri"/>
-            </a:endParaRPr>
-          </a:p>
-        </p:txBody>
-      </p:sp>
-      <p:sp>
-        <p:nvSpPr>
-          <p:cNvPr id="30" name="PlaceHolder 2"/>
+            <a:pPr algn="ctr"/>
+            <a:endParaRPr b="0" lang="en-GB" sz="4400" spc="-1" strike="noStrike">
+              <a:latin typeface="Arial"/>
+            </a:endParaRPr>
+          </a:p>
+        </p:txBody>
+      </p:sp>
+      <p:sp>
+        <p:nvSpPr>
+          <p:cNvPr id="27" name="PlaceHolder 2"/>
           <p:cNvSpPr>
             <a:spLocks noGrp="1"/>
           </p:cNvSpPr>
@@ -222,7 +213,7 @@
         <p:spPr>
           <a:xfrm>
             <a:off x="838080" y="1825560"/>
-            <a:ext cx="5131080" cy="2075040"/>
+            <a:ext cx="1652040" cy="989280"/>
           </a:xfrm>
           <a:prstGeom prst="rect">
             <a:avLst/>
@@ -233,18 +224,15 @@
             <a:normAutofit/>
           </a:bodyPr>
           <a:p>
-            <a:endParaRPr b="0" lang="fr-FR" sz="2800" spc="-1" strike="noStrike">
-              <a:solidFill>
-                <a:srgbClr val="000000"/>
-              </a:solidFill>
-              <a:latin typeface="Calibri"/>
-            </a:endParaRPr>
-          </a:p>
-        </p:txBody>
-      </p:sp>
-      <p:sp>
-        <p:nvSpPr>
-          <p:cNvPr id="31" name="PlaceHolder 3"/>
+            <a:endParaRPr b="0" lang="en-GB" sz="3200" spc="-1" strike="noStrike">
+              <a:latin typeface="Arial"/>
+            </a:endParaRPr>
+          </a:p>
+        </p:txBody>
+      </p:sp>
+      <p:sp>
+        <p:nvSpPr>
+          <p:cNvPr id="28" name="PlaceHolder 3"/>
           <p:cNvSpPr>
             <a:spLocks noGrp="1"/>
           </p:cNvSpPr>
@@ -254,8 +242,8 @@
         </p:nvSpPr>
         <p:spPr>
           <a:xfrm>
-            <a:off x="6226200" y="1825560"/>
-            <a:ext cx="5131080" cy="2075040"/>
+            <a:off x="2573280" y="1825560"/>
+            <a:ext cx="1652040" cy="989280"/>
           </a:xfrm>
           <a:prstGeom prst="rect">
             <a:avLst/>
@@ -266,18 +254,15 @@
             <a:normAutofit/>
           </a:bodyPr>
           <a:p>
-            <a:endParaRPr b="0" lang="fr-FR" sz="2800" spc="-1" strike="noStrike">
-              <a:solidFill>
-                <a:srgbClr val="000000"/>
-              </a:solidFill>
-              <a:latin typeface="Calibri"/>
-            </a:endParaRPr>
-          </a:p>
-        </p:txBody>
-      </p:sp>
-      <p:sp>
-        <p:nvSpPr>
-          <p:cNvPr id="32" name="PlaceHolder 4"/>
+            <a:endParaRPr b="0" lang="en-GB" sz="3200" spc="-1" strike="noStrike">
+              <a:latin typeface="Arial"/>
+            </a:endParaRPr>
+          </a:p>
+        </p:txBody>
+      </p:sp>
+      <p:sp>
+        <p:nvSpPr>
+          <p:cNvPr id="29" name="PlaceHolder 4"/>
           <p:cNvSpPr>
             <a:spLocks noGrp="1"/>
           </p:cNvSpPr>
@@ -287,8 +272,8 @@
         </p:nvSpPr>
         <p:spPr>
           <a:xfrm>
-            <a:off x="838080" y="4098240"/>
-            <a:ext cx="5131080" cy="2075040"/>
+            <a:off x="838080" y="2909160"/>
+            <a:ext cx="1652040" cy="989280"/>
           </a:xfrm>
           <a:prstGeom prst="rect">
             <a:avLst/>
@@ -299,18 +284,15 @@
             <a:normAutofit/>
           </a:bodyPr>
           <a:p>
-            <a:endParaRPr b="0" lang="fr-FR" sz="2800" spc="-1" strike="noStrike">
-              <a:solidFill>
-                <a:srgbClr val="000000"/>
-              </a:solidFill>
-              <a:latin typeface="Calibri"/>
-            </a:endParaRPr>
-          </a:p>
-        </p:txBody>
-      </p:sp>
-      <p:sp>
-        <p:nvSpPr>
-          <p:cNvPr id="33" name="PlaceHolder 5"/>
+            <a:endParaRPr b="0" lang="en-GB" sz="3200" spc="-1" strike="noStrike">
+              <a:latin typeface="Arial"/>
+            </a:endParaRPr>
+          </a:p>
+        </p:txBody>
+      </p:sp>
+      <p:sp>
+        <p:nvSpPr>
+          <p:cNvPr id="30" name="PlaceHolder 5"/>
           <p:cNvSpPr>
             <a:spLocks noGrp="1"/>
           </p:cNvSpPr>
@@ -320,8 +302,8 @@
         </p:nvSpPr>
         <p:spPr>
           <a:xfrm>
-            <a:off x="6226200" y="4098240"/>
-            <a:ext cx="5131080" cy="2075040"/>
+            <a:off x="2573280" y="2909160"/>
+            <a:ext cx="1652040" cy="989280"/>
           </a:xfrm>
           <a:prstGeom prst="rect">
             <a:avLst/>
@@ -332,11 +314,8 @@
             <a:normAutofit/>
           </a:bodyPr>
           <a:p>
-            <a:endParaRPr b="0" lang="fr-FR" sz="2800" spc="-1" strike="noStrike">
-              <a:solidFill>
-                <a:srgbClr val="000000"/>
-              </a:solidFill>
-              <a:latin typeface="Calibri"/>
+            <a:endParaRPr b="0" lang="en-GB" sz="3200" spc="-1" strike="noStrike">
+              <a:latin typeface="Arial"/>
             </a:endParaRPr>
           </a:p>
         </p:txBody>
@@ -365,7 +344,7 @@
       </p:grpSpPr>
       <p:sp>
         <p:nvSpPr>
-          <p:cNvPr id="34" name="PlaceHolder 1"/>
+          <p:cNvPr id="31" name="PlaceHolder 1"/>
           <p:cNvSpPr>
             <a:spLocks noGrp="1"/>
           </p:cNvSpPr>
@@ -376,7 +355,7 @@
         <p:spPr>
           <a:xfrm>
             <a:off x="838080" y="365040"/>
-            <a:ext cx="10515240" cy="1325160"/>
+            <a:ext cx="10514880" cy="1324800"/>
           </a:xfrm>
           <a:prstGeom prst="rect">
             <a:avLst/>
@@ -385,18 +364,16 @@
         <p:txBody>
           <a:bodyPr lIns="0" rIns="0" tIns="0" bIns="0" anchor="ctr"/>
           <a:p>
-            <a:endParaRPr b="0" lang="fr-FR" sz="1800" spc="-1" strike="noStrike">
-              <a:solidFill>
-                <a:srgbClr val="000000"/>
-              </a:solidFill>
-              <a:latin typeface="Calibri"/>
-            </a:endParaRPr>
-          </a:p>
-        </p:txBody>
-      </p:sp>
-      <p:sp>
-        <p:nvSpPr>
-          <p:cNvPr id="35" name="PlaceHolder 2"/>
+            <a:pPr algn="ctr"/>
+            <a:endParaRPr b="0" lang="en-GB" sz="4400" spc="-1" strike="noStrike">
+              <a:latin typeface="Arial"/>
+            </a:endParaRPr>
+          </a:p>
+        </p:txBody>
+      </p:sp>
+      <p:sp>
+        <p:nvSpPr>
+          <p:cNvPr id="32" name="PlaceHolder 2"/>
           <p:cNvSpPr>
             <a:spLocks noGrp="1"/>
           </p:cNvSpPr>
@@ -407,7 +384,7 @@
         <p:spPr>
           <a:xfrm>
             <a:off x="838080" y="1825560"/>
-            <a:ext cx="3385800" cy="2075040"/>
+            <a:ext cx="1089720" cy="989280"/>
           </a:xfrm>
           <a:prstGeom prst="rect">
             <a:avLst/>
@@ -418,18 +395,15 @@
             <a:normAutofit/>
           </a:bodyPr>
           <a:p>
-            <a:endParaRPr b="0" lang="fr-FR" sz="2800" spc="-1" strike="noStrike">
-              <a:solidFill>
-                <a:srgbClr val="000000"/>
-              </a:solidFill>
-              <a:latin typeface="Calibri"/>
-            </a:endParaRPr>
-          </a:p>
-        </p:txBody>
-      </p:sp>
-      <p:sp>
-        <p:nvSpPr>
-          <p:cNvPr id="36" name="PlaceHolder 3"/>
+            <a:endParaRPr b="0" lang="en-GB" sz="3200" spc="-1" strike="noStrike">
+              <a:latin typeface="Arial"/>
+            </a:endParaRPr>
+          </a:p>
+        </p:txBody>
+      </p:sp>
+      <p:sp>
+        <p:nvSpPr>
+          <p:cNvPr id="33" name="PlaceHolder 3"/>
           <p:cNvSpPr>
             <a:spLocks noGrp="1"/>
           </p:cNvSpPr>
@@ -439,8 +413,8 @@
         </p:nvSpPr>
         <p:spPr>
           <a:xfrm>
-            <a:off x="4393440" y="1825560"/>
-            <a:ext cx="3385800" cy="2075040"/>
+            <a:off x="1982520" y="1825560"/>
+            <a:ext cx="1089720" cy="989280"/>
           </a:xfrm>
           <a:prstGeom prst="rect">
             <a:avLst/>
@@ -451,18 +425,15 @@
             <a:normAutofit/>
           </a:bodyPr>
           <a:p>
-            <a:endParaRPr b="0" lang="fr-FR" sz="2800" spc="-1" strike="noStrike">
-              <a:solidFill>
-                <a:srgbClr val="000000"/>
-              </a:solidFill>
-              <a:latin typeface="Calibri"/>
-            </a:endParaRPr>
-          </a:p>
-        </p:txBody>
-      </p:sp>
-      <p:sp>
-        <p:nvSpPr>
-          <p:cNvPr id="37" name="PlaceHolder 4"/>
+            <a:endParaRPr b="0" lang="en-GB" sz="3200" spc="-1" strike="noStrike">
+              <a:latin typeface="Arial"/>
+            </a:endParaRPr>
+          </a:p>
+        </p:txBody>
+      </p:sp>
+      <p:sp>
+        <p:nvSpPr>
+          <p:cNvPr id="34" name="PlaceHolder 4"/>
           <p:cNvSpPr>
             <a:spLocks noGrp="1"/>
           </p:cNvSpPr>
@@ -472,8 +443,8 @@
         </p:nvSpPr>
         <p:spPr>
           <a:xfrm>
-            <a:off x="7949160" y="1825560"/>
-            <a:ext cx="3385800" cy="2075040"/>
+            <a:off x="3127320" y="1825560"/>
+            <a:ext cx="1089720" cy="989280"/>
           </a:xfrm>
           <a:prstGeom prst="rect">
             <a:avLst/>
@@ -484,18 +455,15 @@
             <a:normAutofit/>
           </a:bodyPr>
           <a:p>
-            <a:endParaRPr b="0" lang="fr-FR" sz="2800" spc="-1" strike="noStrike">
-              <a:solidFill>
-                <a:srgbClr val="000000"/>
-              </a:solidFill>
-              <a:latin typeface="Calibri"/>
-            </a:endParaRPr>
-          </a:p>
-        </p:txBody>
-      </p:sp>
-      <p:sp>
-        <p:nvSpPr>
-          <p:cNvPr id="38" name="PlaceHolder 5"/>
+            <a:endParaRPr b="0" lang="en-GB" sz="3200" spc="-1" strike="noStrike">
+              <a:latin typeface="Arial"/>
+            </a:endParaRPr>
+          </a:p>
+        </p:txBody>
+      </p:sp>
+      <p:sp>
+        <p:nvSpPr>
+          <p:cNvPr id="35" name="PlaceHolder 5"/>
           <p:cNvSpPr>
             <a:spLocks noGrp="1"/>
           </p:cNvSpPr>
@@ -505,8 +473,8 @@
         </p:nvSpPr>
         <p:spPr>
           <a:xfrm>
-            <a:off x="838080" y="4098240"/>
-            <a:ext cx="3385800" cy="2075040"/>
+            <a:off x="838080" y="2909160"/>
+            <a:ext cx="1089720" cy="989280"/>
           </a:xfrm>
           <a:prstGeom prst="rect">
             <a:avLst/>
@@ -517,18 +485,15 @@
             <a:normAutofit/>
           </a:bodyPr>
           <a:p>
-            <a:endParaRPr b="0" lang="fr-FR" sz="2800" spc="-1" strike="noStrike">
-              <a:solidFill>
-                <a:srgbClr val="000000"/>
-              </a:solidFill>
-              <a:latin typeface="Calibri"/>
-            </a:endParaRPr>
-          </a:p>
-        </p:txBody>
-      </p:sp>
-      <p:sp>
-        <p:nvSpPr>
-          <p:cNvPr id="39" name="PlaceHolder 6"/>
+            <a:endParaRPr b="0" lang="en-GB" sz="3200" spc="-1" strike="noStrike">
+              <a:latin typeface="Arial"/>
+            </a:endParaRPr>
+          </a:p>
+        </p:txBody>
+      </p:sp>
+      <p:sp>
+        <p:nvSpPr>
+          <p:cNvPr id="36" name="PlaceHolder 6"/>
           <p:cNvSpPr>
             <a:spLocks noGrp="1"/>
           </p:cNvSpPr>
@@ -538,8 +503,8 @@
         </p:nvSpPr>
         <p:spPr>
           <a:xfrm>
-            <a:off x="4393440" y="4098240"/>
-            <a:ext cx="3385800" cy="2075040"/>
+            <a:off x="1982520" y="2909160"/>
+            <a:ext cx="1089720" cy="989280"/>
           </a:xfrm>
           <a:prstGeom prst="rect">
             <a:avLst/>
@@ -550,18 +515,15 @@
             <a:normAutofit/>
           </a:bodyPr>
           <a:p>
-            <a:endParaRPr b="0" lang="fr-FR" sz="2800" spc="-1" strike="noStrike">
-              <a:solidFill>
-                <a:srgbClr val="000000"/>
-              </a:solidFill>
-              <a:latin typeface="Calibri"/>
-            </a:endParaRPr>
-          </a:p>
-        </p:txBody>
-      </p:sp>
-      <p:sp>
-        <p:nvSpPr>
-          <p:cNvPr id="40" name="PlaceHolder 7"/>
+            <a:endParaRPr b="0" lang="en-GB" sz="3200" spc="-1" strike="noStrike">
+              <a:latin typeface="Arial"/>
+            </a:endParaRPr>
+          </a:p>
+        </p:txBody>
+      </p:sp>
+      <p:sp>
+        <p:nvSpPr>
+          <p:cNvPr id="37" name="PlaceHolder 7"/>
           <p:cNvSpPr>
             <a:spLocks noGrp="1"/>
           </p:cNvSpPr>
@@ -571,8 +533,8 @@
         </p:nvSpPr>
         <p:spPr>
           <a:xfrm>
-            <a:off x="7949160" y="4098240"/>
-            <a:ext cx="3385800" cy="2075040"/>
+            <a:off x="3127320" y="2909160"/>
+            <a:ext cx="1089720" cy="989280"/>
           </a:xfrm>
           <a:prstGeom prst="rect">
             <a:avLst/>
@@ -583,11 +545,8 @@
             <a:normAutofit/>
           </a:bodyPr>
           <a:p>
-            <a:endParaRPr b="0" lang="fr-FR" sz="2800" spc="-1" strike="noStrike">
-              <a:solidFill>
-                <a:srgbClr val="000000"/>
-              </a:solidFill>
-              <a:latin typeface="Calibri"/>
+            <a:endParaRPr b="0" lang="en-GB" sz="3200" spc="-1" strike="noStrike">
+              <a:latin typeface="Arial"/>
             </a:endParaRPr>
           </a:p>
         </p:txBody>
@@ -638,7 +597,7 @@
       </p:grpSpPr>
       <p:sp>
         <p:nvSpPr>
-          <p:cNvPr id="46" name="PlaceHolder 1"/>
+          <p:cNvPr id="40" name="PlaceHolder 1"/>
           <p:cNvSpPr>
             <a:spLocks noGrp="1"/>
           </p:cNvSpPr>
@@ -649,7 +608,7 @@
         <p:spPr>
           <a:xfrm>
             <a:off x="838080" y="365040"/>
-            <a:ext cx="10515240" cy="1325160"/>
+            <a:ext cx="10514880" cy="1324800"/>
           </a:xfrm>
           <a:prstGeom prst="rect">
             <a:avLst/>
@@ -658,18 +617,16 @@
         <p:txBody>
           <a:bodyPr lIns="0" rIns="0" tIns="0" bIns="0" anchor="ctr"/>
           <a:p>
-            <a:endParaRPr b="0" lang="fr-FR" sz="1800" spc="-1" strike="noStrike">
-              <a:solidFill>
-                <a:srgbClr val="000000"/>
-              </a:solidFill>
-              <a:latin typeface="Calibri"/>
-            </a:endParaRPr>
-          </a:p>
-        </p:txBody>
-      </p:sp>
-      <p:sp>
-        <p:nvSpPr>
-          <p:cNvPr id="47" name="PlaceHolder 2"/>
+            <a:pPr algn="ctr"/>
+            <a:endParaRPr b="0" lang="en-GB" sz="4400" spc="-1" strike="noStrike">
+              <a:latin typeface="Arial"/>
+            </a:endParaRPr>
+          </a:p>
+        </p:txBody>
+      </p:sp>
+      <p:sp>
+        <p:nvSpPr>
+          <p:cNvPr id="41" name="PlaceHolder 2"/>
           <p:cNvSpPr>
             <a:spLocks noGrp="1"/>
           </p:cNvSpPr>
@@ -680,7 +637,7 @@
         <p:spPr>
           <a:xfrm>
             <a:off x="838080" y="1825560"/>
-            <a:ext cx="10515240" cy="4350960"/>
+            <a:ext cx="3385440" cy="2074680"/>
           </a:xfrm>
           <a:prstGeom prst="rect">
             <a:avLst/>
@@ -720,7 +677,7 @@
       </p:grpSpPr>
       <p:sp>
         <p:nvSpPr>
-          <p:cNvPr id="48" name="PlaceHolder 1"/>
+          <p:cNvPr id="42" name="PlaceHolder 1"/>
           <p:cNvSpPr>
             <a:spLocks noGrp="1"/>
           </p:cNvSpPr>
@@ -731,7 +688,7 @@
         <p:spPr>
           <a:xfrm>
             <a:off x="838080" y="365040"/>
-            <a:ext cx="10515240" cy="1325160"/>
+            <a:ext cx="10514880" cy="1324800"/>
           </a:xfrm>
           <a:prstGeom prst="rect">
             <a:avLst/>
@@ -740,18 +697,16 @@
         <p:txBody>
           <a:bodyPr lIns="0" rIns="0" tIns="0" bIns="0" anchor="ctr"/>
           <a:p>
-            <a:endParaRPr b="0" lang="fr-FR" sz="1800" spc="-1" strike="noStrike">
-              <a:solidFill>
-                <a:srgbClr val="000000"/>
-              </a:solidFill>
-              <a:latin typeface="Calibri"/>
-            </a:endParaRPr>
-          </a:p>
-        </p:txBody>
-      </p:sp>
-      <p:sp>
-        <p:nvSpPr>
-          <p:cNvPr id="49" name="PlaceHolder 2"/>
+            <a:pPr algn="ctr"/>
+            <a:endParaRPr b="0" lang="en-GB" sz="4400" spc="-1" strike="noStrike">
+              <a:latin typeface="Arial"/>
+            </a:endParaRPr>
+          </a:p>
+        </p:txBody>
+      </p:sp>
+      <p:sp>
+        <p:nvSpPr>
+          <p:cNvPr id="43" name="PlaceHolder 2"/>
           <p:cNvSpPr>
             <a:spLocks noGrp="1"/>
           </p:cNvSpPr>
@@ -762,7 +717,7 @@
         <p:spPr>
           <a:xfrm>
             <a:off x="838080" y="1825560"/>
-            <a:ext cx="10515240" cy="4350960"/>
+            <a:ext cx="3385440" cy="2074680"/>
           </a:xfrm>
           <a:prstGeom prst="rect">
             <a:avLst/>
@@ -773,11 +728,8 @@
             <a:normAutofit/>
           </a:bodyPr>
           <a:p>
-            <a:endParaRPr b="0" lang="fr-FR" sz="2800" spc="-1" strike="noStrike">
-              <a:solidFill>
-                <a:srgbClr val="000000"/>
-              </a:solidFill>
-              <a:latin typeface="Calibri"/>
+            <a:endParaRPr b="0" lang="en-GB" sz="3200" spc="-1" strike="noStrike">
+              <a:latin typeface="Arial"/>
             </a:endParaRPr>
           </a:p>
         </p:txBody>
@@ -806,7 +758,7 @@
       </p:grpSpPr>
       <p:sp>
         <p:nvSpPr>
-          <p:cNvPr id="50" name="PlaceHolder 1"/>
+          <p:cNvPr id="44" name="PlaceHolder 1"/>
           <p:cNvSpPr>
             <a:spLocks noGrp="1"/>
           </p:cNvSpPr>
@@ -817,7 +769,7 @@
         <p:spPr>
           <a:xfrm>
             <a:off x="838080" y="365040"/>
-            <a:ext cx="10515240" cy="1325160"/>
+            <a:ext cx="10514880" cy="1324800"/>
           </a:xfrm>
           <a:prstGeom prst="rect">
             <a:avLst/>
@@ -826,18 +778,16 @@
         <p:txBody>
           <a:bodyPr lIns="0" rIns="0" tIns="0" bIns="0" anchor="ctr"/>
           <a:p>
-            <a:endParaRPr b="0" lang="fr-FR" sz="1800" spc="-1" strike="noStrike">
-              <a:solidFill>
-                <a:srgbClr val="000000"/>
-              </a:solidFill>
-              <a:latin typeface="Calibri"/>
-            </a:endParaRPr>
-          </a:p>
-        </p:txBody>
-      </p:sp>
-      <p:sp>
-        <p:nvSpPr>
-          <p:cNvPr id="51" name="PlaceHolder 2"/>
+            <a:pPr algn="ctr"/>
+            <a:endParaRPr b="0" lang="en-GB" sz="4400" spc="-1" strike="noStrike">
+              <a:latin typeface="Arial"/>
+            </a:endParaRPr>
+          </a:p>
+        </p:txBody>
+      </p:sp>
+      <p:sp>
+        <p:nvSpPr>
+          <p:cNvPr id="45" name="PlaceHolder 2"/>
           <p:cNvSpPr>
             <a:spLocks noGrp="1"/>
           </p:cNvSpPr>
@@ -848,7 +798,7 @@
         <p:spPr>
           <a:xfrm>
             <a:off x="838080" y="1825560"/>
-            <a:ext cx="5131080" cy="4350960"/>
+            <a:ext cx="1652040" cy="2074680"/>
           </a:xfrm>
           <a:prstGeom prst="rect">
             <a:avLst/>
@@ -859,18 +809,15 @@
             <a:normAutofit/>
           </a:bodyPr>
           <a:p>
-            <a:endParaRPr b="0" lang="fr-FR" sz="2800" spc="-1" strike="noStrike">
-              <a:solidFill>
-                <a:srgbClr val="000000"/>
-              </a:solidFill>
-              <a:latin typeface="Calibri"/>
-            </a:endParaRPr>
-          </a:p>
-        </p:txBody>
-      </p:sp>
-      <p:sp>
-        <p:nvSpPr>
-          <p:cNvPr id="52" name="PlaceHolder 3"/>
+            <a:endParaRPr b="0" lang="en-GB" sz="3200" spc="-1" strike="noStrike">
+              <a:latin typeface="Arial"/>
+            </a:endParaRPr>
+          </a:p>
+        </p:txBody>
+      </p:sp>
+      <p:sp>
+        <p:nvSpPr>
+          <p:cNvPr id="46" name="PlaceHolder 3"/>
           <p:cNvSpPr>
             <a:spLocks noGrp="1"/>
           </p:cNvSpPr>
@@ -880,8 +827,8 @@
         </p:nvSpPr>
         <p:spPr>
           <a:xfrm>
-            <a:off x="6226200" y="1825560"/>
-            <a:ext cx="5131080" cy="4350960"/>
+            <a:off x="2573280" y="1825560"/>
+            <a:ext cx="1652040" cy="2074680"/>
           </a:xfrm>
           <a:prstGeom prst="rect">
             <a:avLst/>
@@ -892,11 +839,8 @@
             <a:normAutofit/>
           </a:bodyPr>
           <a:p>
-            <a:endParaRPr b="0" lang="fr-FR" sz="2800" spc="-1" strike="noStrike">
-              <a:solidFill>
-                <a:srgbClr val="000000"/>
-              </a:solidFill>
-              <a:latin typeface="Calibri"/>
+            <a:endParaRPr b="0" lang="en-GB" sz="3200" spc="-1" strike="noStrike">
+              <a:latin typeface="Arial"/>
             </a:endParaRPr>
           </a:p>
         </p:txBody>
@@ -925,7 +869,7 @@
       </p:grpSpPr>
       <p:sp>
         <p:nvSpPr>
-          <p:cNvPr id="53" name="PlaceHolder 1"/>
+          <p:cNvPr id="47" name="PlaceHolder 1"/>
           <p:cNvSpPr>
             <a:spLocks noGrp="1"/>
           </p:cNvSpPr>
@@ -936,7 +880,7 @@
         <p:spPr>
           <a:xfrm>
             <a:off x="838080" y="365040"/>
-            <a:ext cx="10515240" cy="1325160"/>
+            <a:ext cx="10514880" cy="1324800"/>
           </a:xfrm>
           <a:prstGeom prst="rect">
             <a:avLst/>
@@ -945,11 +889,9 @@
         <p:txBody>
           <a:bodyPr lIns="0" rIns="0" tIns="0" bIns="0" anchor="ctr"/>
           <a:p>
-            <a:endParaRPr b="0" lang="fr-FR" sz="1800" spc="-1" strike="noStrike">
-              <a:solidFill>
-                <a:srgbClr val="000000"/>
-              </a:solidFill>
-              <a:latin typeface="Calibri"/>
+            <a:pPr algn="ctr"/>
+            <a:endParaRPr b="0" lang="en-GB" sz="4400" spc="-1" strike="noStrike">
+              <a:latin typeface="Arial"/>
             </a:endParaRPr>
           </a:p>
         </p:txBody>
@@ -978,7 +920,7 @@
       </p:grpSpPr>
       <p:sp>
         <p:nvSpPr>
-          <p:cNvPr id="54" name="PlaceHolder 1"/>
+          <p:cNvPr id="48" name="PlaceHolder 1"/>
           <p:cNvSpPr>
             <a:spLocks noGrp="1"/>
           </p:cNvSpPr>
@@ -989,7 +931,7 @@
         <p:spPr>
           <a:xfrm>
             <a:off x="838080" y="365040"/>
-            <a:ext cx="10515240" cy="6144120"/>
+            <a:ext cx="10514880" cy="6142320"/>
           </a:xfrm>
           <a:prstGeom prst="rect">
             <a:avLst/>
@@ -1029,7 +971,7 @@
       </p:grpSpPr>
       <p:sp>
         <p:nvSpPr>
-          <p:cNvPr id="55" name="PlaceHolder 1"/>
+          <p:cNvPr id="49" name="PlaceHolder 1"/>
           <p:cNvSpPr>
             <a:spLocks noGrp="1"/>
           </p:cNvSpPr>
@@ -1040,7 +982,7 @@
         <p:spPr>
           <a:xfrm>
             <a:off x="838080" y="365040"/>
-            <a:ext cx="10515240" cy="1325160"/>
+            <a:ext cx="10514880" cy="1324800"/>
           </a:xfrm>
           <a:prstGeom prst="rect">
             <a:avLst/>
@@ -1049,18 +991,16 @@
         <p:txBody>
           <a:bodyPr lIns="0" rIns="0" tIns="0" bIns="0" anchor="ctr"/>
           <a:p>
-            <a:endParaRPr b="0" lang="fr-FR" sz="1800" spc="-1" strike="noStrike">
-              <a:solidFill>
-                <a:srgbClr val="000000"/>
-              </a:solidFill>
-              <a:latin typeface="Calibri"/>
-            </a:endParaRPr>
-          </a:p>
-        </p:txBody>
-      </p:sp>
-      <p:sp>
-        <p:nvSpPr>
-          <p:cNvPr id="56" name="PlaceHolder 2"/>
+            <a:pPr algn="ctr"/>
+            <a:endParaRPr b="0" lang="en-GB" sz="4400" spc="-1" strike="noStrike">
+              <a:latin typeface="Arial"/>
+            </a:endParaRPr>
+          </a:p>
+        </p:txBody>
+      </p:sp>
+      <p:sp>
+        <p:nvSpPr>
+          <p:cNvPr id="50" name="PlaceHolder 2"/>
           <p:cNvSpPr>
             <a:spLocks noGrp="1"/>
           </p:cNvSpPr>
@@ -1071,7 +1011,7 @@
         <p:spPr>
           <a:xfrm>
             <a:off x="838080" y="1825560"/>
-            <a:ext cx="5131080" cy="2075040"/>
+            <a:ext cx="1652040" cy="989280"/>
           </a:xfrm>
           <a:prstGeom prst="rect">
             <a:avLst/>
@@ -1082,18 +1022,15 @@
             <a:normAutofit/>
           </a:bodyPr>
           <a:p>
-            <a:endParaRPr b="0" lang="fr-FR" sz="2800" spc="-1" strike="noStrike">
-              <a:solidFill>
-                <a:srgbClr val="000000"/>
-              </a:solidFill>
-              <a:latin typeface="Calibri"/>
-            </a:endParaRPr>
-          </a:p>
-        </p:txBody>
-      </p:sp>
-      <p:sp>
-        <p:nvSpPr>
-          <p:cNvPr id="57" name="PlaceHolder 3"/>
+            <a:endParaRPr b="0" lang="en-GB" sz="3200" spc="-1" strike="noStrike">
+              <a:latin typeface="Arial"/>
+            </a:endParaRPr>
+          </a:p>
+        </p:txBody>
+      </p:sp>
+      <p:sp>
+        <p:nvSpPr>
+          <p:cNvPr id="51" name="PlaceHolder 3"/>
           <p:cNvSpPr>
             <a:spLocks noGrp="1"/>
           </p:cNvSpPr>
@@ -1103,8 +1040,8 @@
         </p:nvSpPr>
         <p:spPr>
           <a:xfrm>
-            <a:off x="6226200" y="1825560"/>
-            <a:ext cx="5131080" cy="4350960"/>
+            <a:off x="2573280" y="1825560"/>
+            <a:ext cx="1652040" cy="2074680"/>
           </a:xfrm>
           <a:prstGeom prst="rect">
             <a:avLst/>
@@ -1115,18 +1052,15 @@
             <a:normAutofit/>
           </a:bodyPr>
           <a:p>
-            <a:endParaRPr b="0" lang="fr-FR" sz="2800" spc="-1" strike="noStrike">
-              <a:solidFill>
-                <a:srgbClr val="000000"/>
-              </a:solidFill>
-              <a:latin typeface="Calibri"/>
-            </a:endParaRPr>
-          </a:p>
-        </p:txBody>
-      </p:sp>
-      <p:sp>
-        <p:nvSpPr>
-          <p:cNvPr id="58" name="PlaceHolder 4"/>
+            <a:endParaRPr b="0" lang="en-GB" sz="3200" spc="-1" strike="noStrike">
+              <a:latin typeface="Arial"/>
+            </a:endParaRPr>
+          </a:p>
+        </p:txBody>
+      </p:sp>
+      <p:sp>
+        <p:nvSpPr>
+          <p:cNvPr id="52" name="PlaceHolder 4"/>
           <p:cNvSpPr>
             <a:spLocks noGrp="1"/>
           </p:cNvSpPr>
@@ -1136,8 +1070,8 @@
         </p:nvSpPr>
         <p:spPr>
           <a:xfrm>
-            <a:off x="838080" y="4098240"/>
-            <a:ext cx="5131080" cy="2075040"/>
+            <a:off x="838080" y="2909160"/>
+            <a:ext cx="1652040" cy="989280"/>
           </a:xfrm>
           <a:prstGeom prst="rect">
             <a:avLst/>
@@ -1148,11 +1082,8 @@
             <a:normAutofit/>
           </a:bodyPr>
           <a:p>
-            <a:endParaRPr b="0" lang="fr-FR" sz="2800" spc="-1" strike="noStrike">
-              <a:solidFill>
-                <a:srgbClr val="000000"/>
-              </a:solidFill>
-              <a:latin typeface="Calibri"/>
+            <a:endParaRPr b="0" lang="en-GB" sz="3200" spc="-1" strike="noStrike">
+              <a:latin typeface="Arial"/>
             </a:endParaRPr>
           </a:p>
         </p:txBody>
@@ -1181,7 +1112,7 @@
       </p:grpSpPr>
       <p:sp>
         <p:nvSpPr>
-          <p:cNvPr id="5" name="PlaceHolder 1"/>
+          <p:cNvPr id="2" name="PlaceHolder 1"/>
           <p:cNvSpPr>
             <a:spLocks noGrp="1"/>
           </p:cNvSpPr>
@@ -1192,7 +1123,7 @@
         <p:spPr>
           <a:xfrm>
             <a:off x="838080" y="365040"/>
-            <a:ext cx="10515240" cy="1325160"/>
+            <a:ext cx="10514880" cy="1324800"/>
           </a:xfrm>
           <a:prstGeom prst="rect">
             <a:avLst/>
@@ -1201,18 +1132,16 @@
         <p:txBody>
           <a:bodyPr lIns="0" rIns="0" tIns="0" bIns="0" anchor="ctr"/>
           <a:p>
-            <a:endParaRPr b="0" lang="fr-FR" sz="1800" spc="-1" strike="noStrike">
-              <a:solidFill>
-                <a:srgbClr val="000000"/>
-              </a:solidFill>
-              <a:latin typeface="Calibri"/>
-            </a:endParaRPr>
-          </a:p>
-        </p:txBody>
-      </p:sp>
-      <p:sp>
-        <p:nvSpPr>
-          <p:cNvPr id="6" name="PlaceHolder 2"/>
+            <a:pPr algn="ctr"/>
+            <a:endParaRPr b="0" lang="en-GB" sz="4400" spc="-1" strike="noStrike">
+              <a:latin typeface="Arial"/>
+            </a:endParaRPr>
+          </a:p>
+        </p:txBody>
+      </p:sp>
+      <p:sp>
+        <p:nvSpPr>
+          <p:cNvPr id="3" name="PlaceHolder 2"/>
           <p:cNvSpPr>
             <a:spLocks noGrp="1"/>
           </p:cNvSpPr>
@@ -1223,7 +1152,7 @@
         <p:spPr>
           <a:xfrm>
             <a:off x="838080" y="1825560"/>
-            <a:ext cx="10515240" cy="4350960"/>
+            <a:ext cx="3385440" cy="2074680"/>
           </a:xfrm>
           <a:prstGeom prst="rect">
             <a:avLst/>
@@ -1263,7 +1192,7 @@
       </p:grpSpPr>
       <p:sp>
         <p:nvSpPr>
-          <p:cNvPr id="59" name="PlaceHolder 1"/>
+          <p:cNvPr id="53" name="PlaceHolder 1"/>
           <p:cNvSpPr>
             <a:spLocks noGrp="1"/>
           </p:cNvSpPr>
@@ -1274,7 +1203,7 @@
         <p:spPr>
           <a:xfrm>
             <a:off x="838080" y="365040"/>
-            <a:ext cx="10515240" cy="1325160"/>
+            <a:ext cx="10514880" cy="1324800"/>
           </a:xfrm>
           <a:prstGeom prst="rect">
             <a:avLst/>
@@ -1283,18 +1212,16 @@
         <p:txBody>
           <a:bodyPr lIns="0" rIns="0" tIns="0" bIns="0" anchor="ctr"/>
           <a:p>
-            <a:endParaRPr b="0" lang="fr-FR" sz="1800" spc="-1" strike="noStrike">
-              <a:solidFill>
-                <a:srgbClr val="000000"/>
-              </a:solidFill>
-              <a:latin typeface="Calibri"/>
-            </a:endParaRPr>
-          </a:p>
-        </p:txBody>
-      </p:sp>
-      <p:sp>
-        <p:nvSpPr>
-          <p:cNvPr id="60" name="PlaceHolder 2"/>
+            <a:pPr algn="ctr"/>
+            <a:endParaRPr b="0" lang="en-GB" sz="4400" spc="-1" strike="noStrike">
+              <a:latin typeface="Arial"/>
+            </a:endParaRPr>
+          </a:p>
+        </p:txBody>
+      </p:sp>
+      <p:sp>
+        <p:nvSpPr>
+          <p:cNvPr id="54" name="PlaceHolder 2"/>
           <p:cNvSpPr>
             <a:spLocks noGrp="1"/>
           </p:cNvSpPr>
@@ -1305,7 +1232,7 @@
         <p:spPr>
           <a:xfrm>
             <a:off x="838080" y="1825560"/>
-            <a:ext cx="5131080" cy="4350960"/>
+            <a:ext cx="1652040" cy="2074680"/>
           </a:xfrm>
           <a:prstGeom prst="rect">
             <a:avLst/>
@@ -1316,18 +1243,15 @@
             <a:normAutofit/>
           </a:bodyPr>
           <a:p>
-            <a:endParaRPr b="0" lang="fr-FR" sz="2800" spc="-1" strike="noStrike">
-              <a:solidFill>
-                <a:srgbClr val="000000"/>
-              </a:solidFill>
-              <a:latin typeface="Calibri"/>
-            </a:endParaRPr>
-          </a:p>
-        </p:txBody>
-      </p:sp>
-      <p:sp>
-        <p:nvSpPr>
-          <p:cNvPr id="61" name="PlaceHolder 3"/>
+            <a:endParaRPr b="0" lang="en-GB" sz="3200" spc="-1" strike="noStrike">
+              <a:latin typeface="Arial"/>
+            </a:endParaRPr>
+          </a:p>
+        </p:txBody>
+      </p:sp>
+      <p:sp>
+        <p:nvSpPr>
+          <p:cNvPr id="55" name="PlaceHolder 3"/>
           <p:cNvSpPr>
             <a:spLocks noGrp="1"/>
           </p:cNvSpPr>
@@ -1337,8 +1261,8 @@
         </p:nvSpPr>
         <p:spPr>
           <a:xfrm>
-            <a:off x="6226200" y="1825560"/>
-            <a:ext cx="5131080" cy="2075040"/>
+            <a:off x="2573280" y="1825560"/>
+            <a:ext cx="1652040" cy="989280"/>
           </a:xfrm>
           <a:prstGeom prst="rect">
             <a:avLst/>
@@ -1349,18 +1273,15 @@
             <a:normAutofit/>
           </a:bodyPr>
           <a:p>
-            <a:endParaRPr b="0" lang="fr-FR" sz="2800" spc="-1" strike="noStrike">
-              <a:solidFill>
-                <a:srgbClr val="000000"/>
-              </a:solidFill>
-              <a:latin typeface="Calibri"/>
-            </a:endParaRPr>
-          </a:p>
-        </p:txBody>
-      </p:sp>
-      <p:sp>
-        <p:nvSpPr>
-          <p:cNvPr id="62" name="PlaceHolder 4"/>
+            <a:endParaRPr b="0" lang="en-GB" sz="3200" spc="-1" strike="noStrike">
+              <a:latin typeface="Arial"/>
+            </a:endParaRPr>
+          </a:p>
+        </p:txBody>
+      </p:sp>
+      <p:sp>
+        <p:nvSpPr>
+          <p:cNvPr id="56" name="PlaceHolder 4"/>
           <p:cNvSpPr>
             <a:spLocks noGrp="1"/>
           </p:cNvSpPr>
@@ -1370,8 +1291,8 @@
         </p:nvSpPr>
         <p:spPr>
           <a:xfrm>
-            <a:off x="6226200" y="4098240"/>
-            <a:ext cx="5131080" cy="2075040"/>
+            <a:off x="2573280" y="2909160"/>
+            <a:ext cx="1652040" cy="989280"/>
           </a:xfrm>
           <a:prstGeom prst="rect">
             <a:avLst/>
@@ -1382,11 +1303,8 @@
             <a:normAutofit/>
           </a:bodyPr>
           <a:p>
-            <a:endParaRPr b="0" lang="fr-FR" sz="2800" spc="-1" strike="noStrike">
-              <a:solidFill>
-                <a:srgbClr val="000000"/>
-              </a:solidFill>
-              <a:latin typeface="Calibri"/>
+            <a:endParaRPr b="0" lang="en-GB" sz="3200" spc="-1" strike="noStrike">
+              <a:latin typeface="Arial"/>
             </a:endParaRPr>
           </a:p>
         </p:txBody>
@@ -1415,7 +1333,7 @@
       </p:grpSpPr>
       <p:sp>
         <p:nvSpPr>
-          <p:cNvPr id="63" name="PlaceHolder 1"/>
+          <p:cNvPr id="57" name="PlaceHolder 1"/>
           <p:cNvSpPr>
             <a:spLocks noGrp="1"/>
           </p:cNvSpPr>
@@ -1426,7 +1344,7 @@
         <p:spPr>
           <a:xfrm>
             <a:off x="838080" y="365040"/>
-            <a:ext cx="10515240" cy="1325160"/>
+            <a:ext cx="10514880" cy="1324800"/>
           </a:xfrm>
           <a:prstGeom prst="rect">
             <a:avLst/>
@@ -1435,18 +1353,16 @@
         <p:txBody>
           <a:bodyPr lIns="0" rIns="0" tIns="0" bIns="0" anchor="ctr"/>
           <a:p>
-            <a:endParaRPr b="0" lang="fr-FR" sz="1800" spc="-1" strike="noStrike">
-              <a:solidFill>
-                <a:srgbClr val="000000"/>
-              </a:solidFill>
-              <a:latin typeface="Calibri"/>
-            </a:endParaRPr>
-          </a:p>
-        </p:txBody>
-      </p:sp>
-      <p:sp>
-        <p:nvSpPr>
-          <p:cNvPr id="64" name="PlaceHolder 2"/>
+            <a:pPr algn="ctr"/>
+            <a:endParaRPr b="0" lang="en-GB" sz="4400" spc="-1" strike="noStrike">
+              <a:latin typeface="Arial"/>
+            </a:endParaRPr>
+          </a:p>
+        </p:txBody>
+      </p:sp>
+      <p:sp>
+        <p:nvSpPr>
+          <p:cNvPr id="58" name="PlaceHolder 2"/>
           <p:cNvSpPr>
             <a:spLocks noGrp="1"/>
           </p:cNvSpPr>
@@ -1457,7 +1373,7 @@
         <p:spPr>
           <a:xfrm>
             <a:off x="838080" y="1825560"/>
-            <a:ext cx="5131080" cy="2075040"/>
+            <a:ext cx="1652040" cy="989280"/>
           </a:xfrm>
           <a:prstGeom prst="rect">
             <a:avLst/>
@@ -1468,18 +1384,15 @@
             <a:normAutofit/>
           </a:bodyPr>
           <a:p>
-            <a:endParaRPr b="0" lang="fr-FR" sz="2800" spc="-1" strike="noStrike">
-              <a:solidFill>
-                <a:srgbClr val="000000"/>
-              </a:solidFill>
-              <a:latin typeface="Calibri"/>
-            </a:endParaRPr>
-          </a:p>
-        </p:txBody>
-      </p:sp>
-      <p:sp>
-        <p:nvSpPr>
-          <p:cNvPr id="65" name="PlaceHolder 3"/>
+            <a:endParaRPr b="0" lang="en-GB" sz="3200" spc="-1" strike="noStrike">
+              <a:latin typeface="Arial"/>
+            </a:endParaRPr>
+          </a:p>
+        </p:txBody>
+      </p:sp>
+      <p:sp>
+        <p:nvSpPr>
+          <p:cNvPr id="59" name="PlaceHolder 3"/>
           <p:cNvSpPr>
             <a:spLocks noGrp="1"/>
           </p:cNvSpPr>
@@ -1489,8 +1402,8 @@
         </p:nvSpPr>
         <p:spPr>
           <a:xfrm>
-            <a:off x="6226200" y="1825560"/>
-            <a:ext cx="5131080" cy="2075040"/>
+            <a:off x="2573280" y="1825560"/>
+            <a:ext cx="1652040" cy="989280"/>
           </a:xfrm>
           <a:prstGeom prst="rect">
             <a:avLst/>
@@ -1501,18 +1414,15 @@
             <a:normAutofit/>
           </a:bodyPr>
           <a:p>
-            <a:endParaRPr b="0" lang="fr-FR" sz="2800" spc="-1" strike="noStrike">
-              <a:solidFill>
-                <a:srgbClr val="000000"/>
-              </a:solidFill>
-              <a:latin typeface="Calibri"/>
-            </a:endParaRPr>
-          </a:p>
-        </p:txBody>
-      </p:sp>
-      <p:sp>
-        <p:nvSpPr>
-          <p:cNvPr id="66" name="PlaceHolder 4"/>
+            <a:endParaRPr b="0" lang="en-GB" sz="3200" spc="-1" strike="noStrike">
+              <a:latin typeface="Arial"/>
+            </a:endParaRPr>
+          </a:p>
+        </p:txBody>
+      </p:sp>
+      <p:sp>
+        <p:nvSpPr>
+          <p:cNvPr id="60" name="PlaceHolder 4"/>
           <p:cNvSpPr>
             <a:spLocks noGrp="1"/>
           </p:cNvSpPr>
@@ -1522,8 +1432,8 @@
         </p:nvSpPr>
         <p:spPr>
           <a:xfrm>
-            <a:off x="838080" y="4098240"/>
-            <a:ext cx="10515240" cy="2075040"/>
+            <a:off x="838080" y="2909160"/>
+            <a:ext cx="3385440" cy="989280"/>
           </a:xfrm>
           <a:prstGeom prst="rect">
             <a:avLst/>
@@ -1534,11 +1444,8 @@
             <a:normAutofit/>
           </a:bodyPr>
           <a:p>
-            <a:endParaRPr b="0" lang="fr-FR" sz="2800" spc="-1" strike="noStrike">
-              <a:solidFill>
-                <a:srgbClr val="000000"/>
-              </a:solidFill>
-              <a:latin typeface="Calibri"/>
+            <a:endParaRPr b="0" lang="en-GB" sz="3200" spc="-1" strike="noStrike">
+              <a:latin typeface="Arial"/>
             </a:endParaRPr>
           </a:p>
         </p:txBody>
@@ -1567,7 +1474,7 @@
       </p:grpSpPr>
       <p:sp>
         <p:nvSpPr>
-          <p:cNvPr id="67" name="PlaceHolder 1"/>
+          <p:cNvPr id="61" name="PlaceHolder 1"/>
           <p:cNvSpPr>
             <a:spLocks noGrp="1"/>
           </p:cNvSpPr>
@@ -1578,7 +1485,7 @@
         <p:spPr>
           <a:xfrm>
             <a:off x="838080" y="365040"/>
-            <a:ext cx="10515240" cy="1325160"/>
+            <a:ext cx="10514880" cy="1324800"/>
           </a:xfrm>
           <a:prstGeom prst="rect">
             <a:avLst/>
@@ -1587,18 +1494,16 @@
         <p:txBody>
           <a:bodyPr lIns="0" rIns="0" tIns="0" bIns="0" anchor="ctr"/>
           <a:p>
-            <a:endParaRPr b="0" lang="fr-FR" sz="1800" spc="-1" strike="noStrike">
-              <a:solidFill>
-                <a:srgbClr val="000000"/>
-              </a:solidFill>
-              <a:latin typeface="Calibri"/>
-            </a:endParaRPr>
-          </a:p>
-        </p:txBody>
-      </p:sp>
-      <p:sp>
-        <p:nvSpPr>
-          <p:cNvPr id="68" name="PlaceHolder 2"/>
+            <a:pPr algn="ctr"/>
+            <a:endParaRPr b="0" lang="en-GB" sz="4400" spc="-1" strike="noStrike">
+              <a:latin typeface="Arial"/>
+            </a:endParaRPr>
+          </a:p>
+        </p:txBody>
+      </p:sp>
+      <p:sp>
+        <p:nvSpPr>
+          <p:cNvPr id="62" name="PlaceHolder 2"/>
           <p:cNvSpPr>
             <a:spLocks noGrp="1"/>
           </p:cNvSpPr>
@@ -1609,7 +1514,7 @@
         <p:spPr>
           <a:xfrm>
             <a:off x="838080" y="1825560"/>
-            <a:ext cx="10515240" cy="2075040"/>
+            <a:ext cx="3385440" cy="989280"/>
           </a:xfrm>
           <a:prstGeom prst="rect">
             <a:avLst/>
@@ -1620,18 +1525,15 @@
             <a:normAutofit/>
           </a:bodyPr>
           <a:p>
-            <a:endParaRPr b="0" lang="fr-FR" sz="2800" spc="-1" strike="noStrike">
-              <a:solidFill>
-                <a:srgbClr val="000000"/>
-              </a:solidFill>
-              <a:latin typeface="Calibri"/>
-            </a:endParaRPr>
-          </a:p>
-        </p:txBody>
-      </p:sp>
-      <p:sp>
-        <p:nvSpPr>
-          <p:cNvPr id="69" name="PlaceHolder 3"/>
+            <a:endParaRPr b="0" lang="en-GB" sz="3200" spc="-1" strike="noStrike">
+              <a:latin typeface="Arial"/>
+            </a:endParaRPr>
+          </a:p>
+        </p:txBody>
+      </p:sp>
+      <p:sp>
+        <p:nvSpPr>
+          <p:cNvPr id="63" name="PlaceHolder 3"/>
           <p:cNvSpPr>
             <a:spLocks noGrp="1"/>
           </p:cNvSpPr>
@@ -1641,8 +1543,8 @@
         </p:nvSpPr>
         <p:spPr>
           <a:xfrm>
-            <a:off x="838080" y="4098240"/>
-            <a:ext cx="10515240" cy="2075040"/>
+            <a:off x="838080" y="2909160"/>
+            <a:ext cx="3385440" cy="989280"/>
           </a:xfrm>
           <a:prstGeom prst="rect">
             <a:avLst/>
@@ -1653,11 +1555,8 @@
             <a:normAutofit/>
           </a:bodyPr>
           <a:p>
-            <a:endParaRPr b="0" lang="fr-FR" sz="2800" spc="-1" strike="noStrike">
-              <a:solidFill>
-                <a:srgbClr val="000000"/>
-              </a:solidFill>
-              <a:latin typeface="Calibri"/>
+            <a:endParaRPr b="0" lang="en-GB" sz="3200" spc="-1" strike="noStrike">
+              <a:latin typeface="Arial"/>
             </a:endParaRPr>
           </a:p>
         </p:txBody>
@@ -1686,7 +1585,7 @@
       </p:grpSpPr>
       <p:sp>
         <p:nvSpPr>
-          <p:cNvPr id="70" name="PlaceHolder 1"/>
+          <p:cNvPr id="64" name="PlaceHolder 1"/>
           <p:cNvSpPr>
             <a:spLocks noGrp="1"/>
           </p:cNvSpPr>
@@ -1697,7 +1596,7 @@
         <p:spPr>
           <a:xfrm>
             <a:off x="838080" y="365040"/>
-            <a:ext cx="10515240" cy="1325160"/>
+            <a:ext cx="10514880" cy="1324800"/>
           </a:xfrm>
           <a:prstGeom prst="rect">
             <a:avLst/>
@@ -1706,18 +1605,16 @@
         <p:txBody>
           <a:bodyPr lIns="0" rIns="0" tIns="0" bIns="0" anchor="ctr"/>
           <a:p>
-            <a:endParaRPr b="0" lang="fr-FR" sz="1800" spc="-1" strike="noStrike">
-              <a:solidFill>
-                <a:srgbClr val="000000"/>
-              </a:solidFill>
-              <a:latin typeface="Calibri"/>
-            </a:endParaRPr>
-          </a:p>
-        </p:txBody>
-      </p:sp>
-      <p:sp>
-        <p:nvSpPr>
-          <p:cNvPr id="71" name="PlaceHolder 2"/>
+            <a:pPr algn="ctr"/>
+            <a:endParaRPr b="0" lang="en-GB" sz="4400" spc="-1" strike="noStrike">
+              <a:latin typeface="Arial"/>
+            </a:endParaRPr>
+          </a:p>
+        </p:txBody>
+      </p:sp>
+      <p:sp>
+        <p:nvSpPr>
+          <p:cNvPr id="65" name="PlaceHolder 2"/>
           <p:cNvSpPr>
             <a:spLocks noGrp="1"/>
           </p:cNvSpPr>
@@ -1728,7 +1625,7 @@
         <p:spPr>
           <a:xfrm>
             <a:off x="838080" y="1825560"/>
-            <a:ext cx="5131080" cy="2075040"/>
+            <a:ext cx="1652040" cy="989280"/>
           </a:xfrm>
           <a:prstGeom prst="rect">
             <a:avLst/>
@@ -1739,18 +1636,15 @@
             <a:normAutofit/>
           </a:bodyPr>
           <a:p>
-            <a:endParaRPr b="0" lang="fr-FR" sz="2800" spc="-1" strike="noStrike">
-              <a:solidFill>
-                <a:srgbClr val="000000"/>
-              </a:solidFill>
-              <a:latin typeface="Calibri"/>
-            </a:endParaRPr>
-          </a:p>
-        </p:txBody>
-      </p:sp>
-      <p:sp>
-        <p:nvSpPr>
-          <p:cNvPr id="72" name="PlaceHolder 3"/>
+            <a:endParaRPr b="0" lang="en-GB" sz="3200" spc="-1" strike="noStrike">
+              <a:latin typeface="Arial"/>
+            </a:endParaRPr>
+          </a:p>
+        </p:txBody>
+      </p:sp>
+      <p:sp>
+        <p:nvSpPr>
+          <p:cNvPr id="66" name="PlaceHolder 3"/>
           <p:cNvSpPr>
             <a:spLocks noGrp="1"/>
           </p:cNvSpPr>
@@ -1760,8 +1654,8 @@
         </p:nvSpPr>
         <p:spPr>
           <a:xfrm>
-            <a:off x="6226200" y="1825560"/>
-            <a:ext cx="5131080" cy="2075040"/>
+            <a:off x="2573280" y="1825560"/>
+            <a:ext cx="1652040" cy="989280"/>
           </a:xfrm>
           <a:prstGeom prst="rect">
             <a:avLst/>
@@ -1772,18 +1666,15 @@
             <a:normAutofit/>
           </a:bodyPr>
           <a:p>
-            <a:endParaRPr b="0" lang="fr-FR" sz="2800" spc="-1" strike="noStrike">
-              <a:solidFill>
-                <a:srgbClr val="000000"/>
-              </a:solidFill>
-              <a:latin typeface="Calibri"/>
-            </a:endParaRPr>
-          </a:p>
-        </p:txBody>
-      </p:sp>
-      <p:sp>
-        <p:nvSpPr>
-          <p:cNvPr id="73" name="PlaceHolder 4"/>
+            <a:endParaRPr b="0" lang="en-GB" sz="3200" spc="-1" strike="noStrike">
+              <a:latin typeface="Arial"/>
+            </a:endParaRPr>
+          </a:p>
+        </p:txBody>
+      </p:sp>
+      <p:sp>
+        <p:nvSpPr>
+          <p:cNvPr id="67" name="PlaceHolder 4"/>
           <p:cNvSpPr>
             <a:spLocks noGrp="1"/>
           </p:cNvSpPr>
@@ -1793,8 +1684,8 @@
         </p:nvSpPr>
         <p:spPr>
           <a:xfrm>
-            <a:off x="838080" y="4098240"/>
-            <a:ext cx="5131080" cy="2075040"/>
+            <a:off x="838080" y="2909160"/>
+            <a:ext cx="1652040" cy="989280"/>
           </a:xfrm>
           <a:prstGeom prst="rect">
             <a:avLst/>
@@ -1805,18 +1696,15 @@
             <a:normAutofit/>
           </a:bodyPr>
           <a:p>
-            <a:endParaRPr b="0" lang="fr-FR" sz="2800" spc="-1" strike="noStrike">
-              <a:solidFill>
-                <a:srgbClr val="000000"/>
-              </a:solidFill>
-              <a:latin typeface="Calibri"/>
-            </a:endParaRPr>
-          </a:p>
-        </p:txBody>
-      </p:sp>
-      <p:sp>
-        <p:nvSpPr>
-          <p:cNvPr id="74" name="PlaceHolder 5"/>
+            <a:endParaRPr b="0" lang="en-GB" sz="3200" spc="-1" strike="noStrike">
+              <a:latin typeface="Arial"/>
+            </a:endParaRPr>
+          </a:p>
+        </p:txBody>
+      </p:sp>
+      <p:sp>
+        <p:nvSpPr>
+          <p:cNvPr id="68" name="PlaceHolder 5"/>
           <p:cNvSpPr>
             <a:spLocks noGrp="1"/>
           </p:cNvSpPr>
@@ -1826,8 +1714,8 @@
         </p:nvSpPr>
         <p:spPr>
           <a:xfrm>
-            <a:off x="6226200" y="4098240"/>
-            <a:ext cx="5131080" cy="2075040"/>
+            <a:off x="2573280" y="2909160"/>
+            <a:ext cx="1652040" cy="989280"/>
           </a:xfrm>
           <a:prstGeom prst="rect">
             <a:avLst/>
@@ -1838,11 +1726,8 @@
             <a:normAutofit/>
           </a:bodyPr>
           <a:p>
-            <a:endParaRPr b="0" lang="fr-FR" sz="2800" spc="-1" strike="noStrike">
-              <a:solidFill>
-                <a:srgbClr val="000000"/>
-              </a:solidFill>
-              <a:latin typeface="Calibri"/>
+            <a:endParaRPr b="0" lang="en-GB" sz="3200" spc="-1" strike="noStrike">
+              <a:latin typeface="Arial"/>
             </a:endParaRPr>
           </a:p>
         </p:txBody>
@@ -1871,7 +1756,7 @@
       </p:grpSpPr>
       <p:sp>
         <p:nvSpPr>
-          <p:cNvPr id="75" name="PlaceHolder 1"/>
+          <p:cNvPr id="69" name="PlaceHolder 1"/>
           <p:cNvSpPr>
             <a:spLocks noGrp="1"/>
           </p:cNvSpPr>
@@ -1882,7 +1767,7 @@
         <p:spPr>
           <a:xfrm>
             <a:off x="838080" y="365040"/>
-            <a:ext cx="10515240" cy="1325160"/>
+            <a:ext cx="10514880" cy="1324800"/>
           </a:xfrm>
           <a:prstGeom prst="rect">
             <a:avLst/>
@@ -1891,18 +1776,16 @@
         <p:txBody>
           <a:bodyPr lIns="0" rIns="0" tIns="0" bIns="0" anchor="ctr"/>
           <a:p>
-            <a:endParaRPr b="0" lang="fr-FR" sz="1800" spc="-1" strike="noStrike">
-              <a:solidFill>
-                <a:srgbClr val="000000"/>
-              </a:solidFill>
-              <a:latin typeface="Calibri"/>
-            </a:endParaRPr>
-          </a:p>
-        </p:txBody>
-      </p:sp>
-      <p:sp>
-        <p:nvSpPr>
-          <p:cNvPr id="76" name="PlaceHolder 2"/>
+            <a:pPr algn="ctr"/>
+            <a:endParaRPr b="0" lang="en-GB" sz="4400" spc="-1" strike="noStrike">
+              <a:latin typeface="Arial"/>
+            </a:endParaRPr>
+          </a:p>
+        </p:txBody>
+      </p:sp>
+      <p:sp>
+        <p:nvSpPr>
+          <p:cNvPr id="70" name="PlaceHolder 2"/>
           <p:cNvSpPr>
             <a:spLocks noGrp="1"/>
           </p:cNvSpPr>
@@ -1913,7 +1796,7 @@
         <p:spPr>
           <a:xfrm>
             <a:off x="838080" y="1825560"/>
-            <a:ext cx="3385800" cy="2075040"/>
+            <a:ext cx="1089720" cy="989280"/>
           </a:xfrm>
           <a:prstGeom prst="rect">
             <a:avLst/>
@@ -1924,18 +1807,15 @@
             <a:normAutofit/>
           </a:bodyPr>
           <a:p>
-            <a:endParaRPr b="0" lang="fr-FR" sz="2800" spc="-1" strike="noStrike">
-              <a:solidFill>
-                <a:srgbClr val="000000"/>
-              </a:solidFill>
-              <a:latin typeface="Calibri"/>
-            </a:endParaRPr>
-          </a:p>
-        </p:txBody>
-      </p:sp>
-      <p:sp>
-        <p:nvSpPr>
-          <p:cNvPr id="77" name="PlaceHolder 3"/>
+            <a:endParaRPr b="0" lang="en-GB" sz="3200" spc="-1" strike="noStrike">
+              <a:latin typeface="Arial"/>
+            </a:endParaRPr>
+          </a:p>
+        </p:txBody>
+      </p:sp>
+      <p:sp>
+        <p:nvSpPr>
+          <p:cNvPr id="71" name="PlaceHolder 3"/>
           <p:cNvSpPr>
             <a:spLocks noGrp="1"/>
           </p:cNvSpPr>
@@ -1945,8 +1825,8 @@
         </p:nvSpPr>
         <p:spPr>
           <a:xfrm>
-            <a:off x="4393440" y="1825560"/>
-            <a:ext cx="3385800" cy="2075040"/>
+            <a:off x="1982520" y="1825560"/>
+            <a:ext cx="1089720" cy="989280"/>
           </a:xfrm>
           <a:prstGeom prst="rect">
             <a:avLst/>
@@ -1957,18 +1837,15 @@
             <a:normAutofit/>
           </a:bodyPr>
           <a:p>
-            <a:endParaRPr b="0" lang="fr-FR" sz="2800" spc="-1" strike="noStrike">
-              <a:solidFill>
-                <a:srgbClr val="000000"/>
-              </a:solidFill>
-              <a:latin typeface="Calibri"/>
-            </a:endParaRPr>
-          </a:p>
-        </p:txBody>
-      </p:sp>
-      <p:sp>
-        <p:nvSpPr>
-          <p:cNvPr id="78" name="PlaceHolder 4"/>
+            <a:endParaRPr b="0" lang="en-GB" sz="3200" spc="-1" strike="noStrike">
+              <a:latin typeface="Arial"/>
+            </a:endParaRPr>
+          </a:p>
+        </p:txBody>
+      </p:sp>
+      <p:sp>
+        <p:nvSpPr>
+          <p:cNvPr id="72" name="PlaceHolder 4"/>
           <p:cNvSpPr>
             <a:spLocks noGrp="1"/>
           </p:cNvSpPr>
@@ -1978,8 +1855,8 @@
         </p:nvSpPr>
         <p:spPr>
           <a:xfrm>
-            <a:off x="7949160" y="1825560"/>
-            <a:ext cx="3385800" cy="2075040"/>
+            <a:off x="3127320" y="1825560"/>
+            <a:ext cx="1089720" cy="989280"/>
           </a:xfrm>
           <a:prstGeom prst="rect">
             <a:avLst/>
@@ -1990,18 +1867,15 @@
             <a:normAutofit/>
           </a:bodyPr>
           <a:p>
-            <a:endParaRPr b="0" lang="fr-FR" sz="2800" spc="-1" strike="noStrike">
-              <a:solidFill>
-                <a:srgbClr val="000000"/>
-              </a:solidFill>
-              <a:latin typeface="Calibri"/>
-            </a:endParaRPr>
-          </a:p>
-        </p:txBody>
-      </p:sp>
-      <p:sp>
-        <p:nvSpPr>
-          <p:cNvPr id="79" name="PlaceHolder 5"/>
+            <a:endParaRPr b="0" lang="en-GB" sz="3200" spc="-1" strike="noStrike">
+              <a:latin typeface="Arial"/>
+            </a:endParaRPr>
+          </a:p>
+        </p:txBody>
+      </p:sp>
+      <p:sp>
+        <p:nvSpPr>
+          <p:cNvPr id="73" name="PlaceHolder 5"/>
           <p:cNvSpPr>
             <a:spLocks noGrp="1"/>
           </p:cNvSpPr>
@@ -2011,8 +1885,8 @@
         </p:nvSpPr>
         <p:spPr>
           <a:xfrm>
-            <a:off x="838080" y="4098240"/>
-            <a:ext cx="3385800" cy="2075040"/>
+            <a:off x="838080" y="2909160"/>
+            <a:ext cx="1089720" cy="989280"/>
           </a:xfrm>
           <a:prstGeom prst="rect">
             <a:avLst/>
@@ -2023,18 +1897,15 @@
             <a:normAutofit/>
           </a:bodyPr>
           <a:p>
-            <a:endParaRPr b="0" lang="fr-FR" sz="2800" spc="-1" strike="noStrike">
-              <a:solidFill>
-                <a:srgbClr val="000000"/>
-              </a:solidFill>
-              <a:latin typeface="Calibri"/>
-            </a:endParaRPr>
-          </a:p>
-        </p:txBody>
-      </p:sp>
-      <p:sp>
-        <p:nvSpPr>
-          <p:cNvPr id="80" name="PlaceHolder 6"/>
+            <a:endParaRPr b="0" lang="en-GB" sz="3200" spc="-1" strike="noStrike">
+              <a:latin typeface="Arial"/>
+            </a:endParaRPr>
+          </a:p>
+        </p:txBody>
+      </p:sp>
+      <p:sp>
+        <p:nvSpPr>
+          <p:cNvPr id="74" name="PlaceHolder 6"/>
           <p:cNvSpPr>
             <a:spLocks noGrp="1"/>
           </p:cNvSpPr>
@@ -2044,8 +1915,8 @@
         </p:nvSpPr>
         <p:spPr>
           <a:xfrm>
-            <a:off x="4393440" y="4098240"/>
-            <a:ext cx="3385800" cy="2075040"/>
+            <a:off x="1982520" y="2909160"/>
+            <a:ext cx="1089720" cy="989280"/>
           </a:xfrm>
           <a:prstGeom prst="rect">
             <a:avLst/>
@@ -2056,18 +1927,15 @@
             <a:normAutofit/>
           </a:bodyPr>
           <a:p>
-            <a:endParaRPr b="0" lang="fr-FR" sz="2800" spc="-1" strike="noStrike">
-              <a:solidFill>
-                <a:srgbClr val="000000"/>
-              </a:solidFill>
-              <a:latin typeface="Calibri"/>
-            </a:endParaRPr>
-          </a:p>
-        </p:txBody>
-      </p:sp>
-      <p:sp>
-        <p:nvSpPr>
-          <p:cNvPr id="81" name="PlaceHolder 7"/>
+            <a:endParaRPr b="0" lang="en-GB" sz="3200" spc="-1" strike="noStrike">
+              <a:latin typeface="Arial"/>
+            </a:endParaRPr>
+          </a:p>
+        </p:txBody>
+      </p:sp>
+      <p:sp>
+        <p:nvSpPr>
+          <p:cNvPr id="75" name="PlaceHolder 7"/>
           <p:cNvSpPr>
             <a:spLocks noGrp="1"/>
           </p:cNvSpPr>
@@ -2077,8 +1945,8 @@
         </p:nvSpPr>
         <p:spPr>
           <a:xfrm>
-            <a:off x="7949160" y="4098240"/>
-            <a:ext cx="3385800" cy="2075040"/>
+            <a:off x="3127320" y="2909160"/>
+            <a:ext cx="1089720" cy="989280"/>
           </a:xfrm>
           <a:prstGeom prst="rect">
             <a:avLst/>
@@ -2089,11 +1957,353 @@
             <a:normAutofit/>
           </a:bodyPr>
           <a:p>
-            <a:endParaRPr b="0" lang="fr-FR" sz="2800" spc="-1" strike="noStrike">
-              <a:solidFill>
-                <a:srgbClr val="000000"/>
-              </a:solidFill>
-              <a:latin typeface="Calibri"/>
+            <a:endParaRPr b="0" lang="en-GB" sz="3200" spc="-1" strike="noStrike">
+              <a:latin typeface="Arial"/>
+            </a:endParaRPr>
+          </a:p>
+        </p:txBody>
+      </p:sp>
+    </p:spTree>
+  </p:cSld>
+</p:sldLayout>
+</file>
+
+<file path=ppt/slideLayouts/slideLayout25.xml><?xml version="1.0" encoding="utf-8"?>
+<p:sldLayout xmlns:a="http://schemas.openxmlformats.org/drawingml/2006/main" xmlns:p="http://schemas.openxmlformats.org/presentationml/2006/main" xmlns:r="http://schemas.openxmlformats.org/officeDocument/2006/relationships" xmlns:p14="http://schemas.microsoft.com/office/powerpoint/2010/main" xmlns:p15="http://schemas.microsoft.com/office/powerpoint/2012/main" xmlns:mc="http://schemas.openxmlformats.org/markup-compatibility/2006" type="blank" preserve="1">
+  <p:cSld name="Blank Slide">
+    <p:spTree>
+      <p:nvGrpSpPr>
+        <p:cNvPr id="1" name=""/>
+        <p:cNvGrpSpPr/>
+        <p:nvPr/>
+      </p:nvGrpSpPr>
+      <p:grpSpPr>
+        <a:xfrm>
+          <a:off x="0" y="0"/>
+          <a:ext cx="0" cy="0"/>
+          <a:chOff x="0" y="0"/>
+          <a:chExt cx="0" cy="0"/>
+        </a:xfrm>
+      </p:grpSpPr>
+    </p:spTree>
+  </p:cSld>
+</p:sldLayout>
+</file>
+
+<file path=ppt/slideLayouts/slideLayout26.xml><?xml version="1.0" encoding="utf-8"?>
+<p:sldLayout xmlns:a="http://schemas.openxmlformats.org/drawingml/2006/main" xmlns:p="http://schemas.openxmlformats.org/presentationml/2006/main" xmlns:r="http://schemas.openxmlformats.org/officeDocument/2006/relationships" xmlns:p14="http://schemas.microsoft.com/office/powerpoint/2010/main" xmlns:p15="http://schemas.microsoft.com/office/powerpoint/2012/main" xmlns:mc="http://schemas.openxmlformats.org/markup-compatibility/2006" type="tx" preserve="1">
+  <p:cSld name="Title Slide">
+    <p:spTree>
+      <p:nvGrpSpPr>
+        <p:cNvPr id="1" name=""/>
+        <p:cNvGrpSpPr/>
+        <p:nvPr/>
+      </p:nvGrpSpPr>
+      <p:grpSpPr>
+        <a:xfrm>
+          <a:off x="0" y="0"/>
+          <a:ext cx="0" cy="0"/>
+          <a:chOff x="0" y="0"/>
+          <a:chExt cx="0" cy="0"/>
+        </a:xfrm>
+      </p:grpSpPr>
+      <p:sp>
+        <p:nvSpPr>
+          <p:cNvPr id="83" name="PlaceHolder 1"/>
+          <p:cNvSpPr>
+            <a:spLocks noGrp="1"/>
+          </p:cNvSpPr>
+          <p:nvPr>
+            <p:ph type="title"/>
+          </p:nvPr>
+        </p:nvSpPr>
+        <p:spPr>
+          <a:xfrm>
+            <a:off x="838080" y="365040"/>
+            <a:ext cx="10514880" cy="1324800"/>
+          </a:xfrm>
+          <a:prstGeom prst="rect">
+            <a:avLst/>
+          </a:prstGeom>
+        </p:spPr>
+        <p:txBody>
+          <a:bodyPr lIns="0" rIns="0" tIns="0" bIns="0" anchor="ctr"/>
+          <a:p>
+            <a:pPr algn="ctr"/>
+            <a:endParaRPr b="0" lang="en-GB" sz="4400" spc="-1" strike="noStrike">
+              <a:latin typeface="Arial"/>
+            </a:endParaRPr>
+          </a:p>
+        </p:txBody>
+      </p:sp>
+      <p:sp>
+        <p:nvSpPr>
+          <p:cNvPr id="84" name="PlaceHolder 2"/>
+          <p:cNvSpPr>
+            <a:spLocks noGrp="1"/>
+          </p:cNvSpPr>
+          <p:nvPr>
+            <p:ph type="subTitle"/>
+          </p:nvPr>
+        </p:nvSpPr>
+        <p:spPr>
+          <a:xfrm>
+            <a:off x="838080" y="1825560"/>
+            <a:ext cx="3385440" cy="2074680"/>
+          </a:xfrm>
+          <a:prstGeom prst="rect">
+            <a:avLst/>
+          </a:prstGeom>
+        </p:spPr>
+        <p:txBody>
+          <a:bodyPr lIns="0" rIns="0" tIns="0" bIns="0" anchor="ctr"/>
+          <a:p>
+            <a:pPr algn="ctr"/>
+            <a:endParaRPr b="0" lang="en-GB" sz="3200" spc="-1" strike="noStrike">
+              <a:latin typeface="Arial"/>
+            </a:endParaRPr>
+          </a:p>
+        </p:txBody>
+      </p:sp>
+    </p:spTree>
+  </p:cSld>
+</p:sldLayout>
+</file>
+
+<file path=ppt/slideLayouts/slideLayout27.xml><?xml version="1.0" encoding="utf-8"?>
+<p:sldLayout xmlns:a="http://schemas.openxmlformats.org/drawingml/2006/main" xmlns:p="http://schemas.openxmlformats.org/presentationml/2006/main" xmlns:r="http://schemas.openxmlformats.org/officeDocument/2006/relationships" xmlns:p14="http://schemas.microsoft.com/office/powerpoint/2010/main" xmlns:p15="http://schemas.microsoft.com/office/powerpoint/2012/main" xmlns:mc="http://schemas.openxmlformats.org/markup-compatibility/2006" type="obj" preserve="1">
+  <p:cSld name="Title, Content">
+    <p:spTree>
+      <p:nvGrpSpPr>
+        <p:cNvPr id="1" name=""/>
+        <p:cNvGrpSpPr/>
+        <p:nvPr/>
+      </p:nvGrpSpPr>
+      <p:grpSpPr>
+        <a:xfrm>
+          <a:off x="0" y="0"/>
+          <a:ext cx="0" cy="0"/>
+          <a:chOff x="0" y="0"/>
+          <a:chExt cx="0" cy="0"/>
+        </a:xfrm>
+      </p:grpSpPr>
+      <p:sp>
+        <p:nvSpPr>
+          <p:cNvPr id="85" name="PlaceHolder 1"/>
+          <p:cNvSpPr>
+            <a:spLocks noGrp="1"/>
+          </p:cNvSpPr>
+          <p:nvPr>
+            <p:ph type="title"/>
+          </p:nvPr>
+        </p:nvSpPr>
+        <p:spPr>
+          <a:xfrm>
+            <a:off x="838080" y="365040"/>
+            <a:ext cx="10514880" cy="1324800"/>
+          </a:xfrm>
+          <a:prstGeom prst="rect">
+            <a:avLst/>
+          </a:prstGeom>
+        </p:spPr>
+        <p:txBody>
+          <a:bodyPr lIns="0" rIns="0" tIns="0" bIns="0" anchor="ctr"/>
+          <a:p>
+            <a:pPr algn="ctr"/>
+            <a:endParaRPr b="0" lang="en-GB" sz="4400" spc="-1" strike="noStrike">
+              <a:latin typeface="Arial"/>
+            </a:endParaRPr>
+          </a:p>
+        </p:txBody>
+      </p:sp>
+      <p:sp>
+        <p:nvSpPr>
+          <p:cNvPr id="86" name="PlaceHolder 2"/>
+          <p:cNvSpPr>
+            <a:spLocks noGrp="1"/>
+          </p:cNvSpPr>
+          <p:nvPr>
+            <p:ph type="body"/>
+          </p:nvPr>
+        </p:nvSpPr>
+        <p:spPr>
+          <a:xfrm>
+            <a:off x="838080" y="1825560"/>
+            <a:ext cx="3385440" cy="2074680"/>
+          </a:xfrm>
+          <a:prstGeom prst="rect">
+            <a:avLst/>
+          </a:prstGeom>
+        </p:spPr>
+        <p:txBody>
+          <a:bodyPr lIns="0" rIns="0" tIns="0" bIns="0">
+            <a:normAutofit/>
+          </a:bodyPr>
+          <a:p>
+            <a:endParaRPr b="0" lang="en-GB" sz="3200" spc="-1" strike="noStrike">
+              <a:latin typeface="Arial"/>
+            </a:endParaRPr>
+          </a:p>
+        </p:txBody>
+      </p:sp>
+    </p:spTree>
+  </p:cSld>
+</p:sldLayout>
+</file>
+
+<file path=ppt/slideLayouts/slideLayout28.xml><?xml version="1.0" encoding="utf-8"?>
+<p:sldLayout xmlns:a="http://schemas.openxmlformats.org/drawingml/2006/main" xmlns:p="http://schemas.openxmlformats.org/presentationml/2006/main" xmlns:r="http://schemas.openxmlformats.org/officeDocument/2006/relationships" xmlns:p14="http://schemas.microsoft.com/office/powerpoint/2010/main" xmlns:p15="http://schemas.microsoft.com/office/powerpoint/2012/main" xmlns:mc="http://schemas.openxmlformats.org/markup-compatibility/2006" type="twoObj" preserve="1">
+  <p:cSld name="Title, 2 Content">
+    <p:spTree>
+      <p:nvGrpSpPr>
+        <p:cNvPr id="1" name=""/>
+        <p:cNvGrpSpPr/>
+        <p:nvPr/>
+      </p:nvGrpSpPr>
+      <p:grpSpPr>
+        <a:xfrm>
+          <a:off x="0" y="0"/>
+          <a:ext cx="0" cy="0"/>
+          <a:chOff x="0" y="0"/>
+          <a:chExt cx="0" cy="0"/>
+        </a:xfrm>
+      </p:grpSpPr>
+      <p:sp>
+        <p:nvSpPr>
+          <p:cNvPr id="87" name="PlaceHolder 1"/>
+          <p:cNvSpPr>
+            <a:spLocks noGrp="1"/>
+          </p:cNvSpPr>
+          <p:nvPr>
+            <p:ph type="title"/>
+          </p:nvPr>
+        </p:nvSpPr>
+        <p:spPr>
+          <a:xfrm>
+            <a:off x="838080" y="365040"/>
+            <a:ext cx="10514880" cy="1324800"/>
+          </a:xfrm>
+          <a:prstGeom prst="rect">
+            <a:avLst/>
+          </a:prstGeom>
+        </p:spPr>
+        <p:txBody>
+          <a:bodyPr lIns="0" rIns="0" tIns="0" bIns="0" anchor="ctr"/>
+          <a:p>
+            <a:pPr algn="ctr"/>
+            <a:endParaRPr b="0" lang="en-GB" sz="4400" spc="-1" strike="noStrike">
+              <a:latin typeface="Arial"/>
+            </a:endParaRPr>
+          </a:p>
+        </p:txBody>
+      </p:sp>
+      <p:sp>
+        <p:nvSpPr>
+          <p:cNvPr id="88" name="PlaceHolder 2"/>
+          <p:cNvSpPr>
+            <a:spLocks noGrp="1"/>
+          </p:cNvSpPr>
+          <p:nvPr>
+            <p:ph type="body"/>
+          </p:nvPr>
+        </p:nvSpPr>
+        <p:spPr>
+          <a:xfrm>
+            <a:off x="838080" y="1825560"/>
+            <a:ext cx="1652040" cy="2074680"/>
+          </a:xfrm>
+          <a:prstGeom prst="rect">
+            <a:avLst/>
+          </a:prstGeom>
+        </p:spPr>
+        <p:txBody>
+          <a:bodyPr lIns="0" rIns="0" tIns="0" bIns="0">
+            <a:normAutofit/>
+          </a:bodyPr>
+          <a:p>
+            <a:endParaRPr b="0" lang="en-GB" sz="3200" spc="-1" strike="noStrike">
+              <a:latin typeface="Arial"/>
+            </a:endParaRPr>
+          </a:p>
+        </p:txBody>
+      </p:sp>
+      <p:sp>
+        <p:nvSpPr>
+          <p:cNvPr id="89" name="PlaceHolder 3"/>
+          <p:cNvSpPr>
+            <a:spLocks noGrp="1"/>
+          </p:cNvSpPr>
+          <p:nvPr>
+            <p:ph type="body"/>
+          </p:nvPr>
+        </p:nvSpPr>
+        <p:spPr>
+          <a:xfrm>
+            <a:off x="2573280" y="1825560"/>
+            <a:ext cx="1652040" cy="2074680"/>
+          </a:xfrm>
+          <a:prstGeom prst="rect">
+            <a:avLst/>
+          </a:prstGeom>
+        </p:spPr>
+        <p:txBody>
+          <a:bodyPr lIns="0" rIns="0" tIns="0" bIns="0">
+            <a:normAutofit/>
+          </a:bodyPr>
+          <a:p>
+            <a:endParaRPr b="0" lang="en-GB" sz="3200" spc="-1" strike="noStrike">
+              <a:latin typeface="Arial"/>
+            </a:endParaRPr>
+          </a:p>
+        </p:txBody>
+      </p:sp>
+    </p:spTree>
+  </p:cSld>
+</p:sldLayout>
+</file>
+
+<file path=ppt/slideLayouts/slideLayout29.xml><?xml version="1.0" encoding="utf-8"?>
+<p:sldLayout xmlns:a="http://schemas.openxmlformats.org/drawingml/2006/main" xmlns:p="http://schemas.openxmlformats.org/presentationml/2006/main" xmlns:r="http://schemas.openxmlformats.org/officeDocument/2006/relationships" xmlns:p14="http://schemas.microsoft.com/office/powerpoint/2010/main" xmlns:p15="http://schemas.microsoft.com/office/powerpoint/2012/main" xmlns:mc="http://schemas.openxmlformats.org/markup-compatibility/2006" type="titleOnly" preserve="1">
+  <p:cSld name="Title Only">
+    <p:spTree>
+      <p:nvGrpSpPr>
+        <p:cNvPr id="1" name=""/>
+        <p:cNvGrpSpPr/>
+        <p:nvPr/>
+      </p:nvGrpSpPr>
+      <p:grpSpPr>
+        <a:xfrm>
+          <a:off x="0" y="0"/>
+          <a:ext cx="0" cy="0"/>
+          <a:chOff x="0" y="0"/>
+          <a:chExt cx="0" cy="0"/>
+        </a:xfrm>
+      </p:grpSpPr>
+      <p:sp>
+        <p:nvSpPr>
+          <p:cNvPr id="90" name="PlaceHolder 1"/>
+          <p:cNvSpPr>
+            <a:spLocks noGrp="1"/>
+          </p:cNvSpPr>
+          <p:nvPr>
+            <p:ph type="title"/>
+          </p:nvPr>
+        </p:nvSpPr>
+        <p:spPr>
+          <a:xfrm>
+            <a:off x="838080" y="365040"/>
+            <a:ext cx="10514880" cy="1324800"/>
+          </a:xfrm>
+          <a:prstGeom prst="rect">
+            <a:avLst/>
+          </a:prstGeom>
+        </p:spPr>
+        <p:txBody>
+          <a:bodyPr lIns="0" rIns="0" tIns="0" bIns="0" anchor="ctr"/>
+          <a:p>
+            <a:pPr algn="ctr"/>
+            <a:endParaRPr b="0" lang="en-GB" sz="4400" spc="-1" strike="noStrike">
+              <a:latin typeface="Arial"/>
             </a:endParaRPr>
           </a:p>
         </p:txBody>
@@ -2122,7 +2332,7 @@
       </p:grpSpPr>
       <p:sp>
         <p:nvSpPr>
-          <p:cNvPr id="7" name="PlaceHolder 1"/>
+          <p:cNvPr id="4" name="PlaceHolder 1"/>
           <p:cNvSpPr>
             <a:spLocks noGrp="1"/>
           </p:cNvSpPr>
@@ -2133,7 +2343,7 @@
         <p:spPr>
           <a:xfrm>
             <a:off x="838080" y="365040"/>
-            <a:ext cx="10515240" cy="1325160"/>
+            <a:ext cx="10514880" cy="1324800"/>
           </a:xfrm>
           <a:prstGeom prst="rect">
             <a:avLst/>
@@ -2142,18 +2352,16 @@
         <p:txBody>
           <a:bodyPr lIns="0" rIns="0" tIns="0" bIns="0" anchor="ctr"/>
           <a:p>
-            <a:endParaRPr b="0" lang="fr-FR" sz="1800" spc="-1" strike="noStrike">
-              <a:solidFill>
-                <a:srgbClr val="000000"/>
-              </a:solidFill>
-              <a:latin typeface="Calibri"/>
-            </a:endParaRPr>
-          </a:p>
-        </p:txBody>
-      </p:sp>
-      <p:sp>
-        <p:nvSpPr>
-          <p:cNvPr id="8" name="PlaceHolder 2"/>
+            <a:pPr algn="ctr"/>
+            <a:endParaRPr b="0" lang="en-GB" sz="4400" spc="-1" strike="noStrike">
+              <a:latin typeface="Arial"/>
+            </a:endParaRPr>
+          </a:p>
+        </p:txBody>
+      </p:sp>
+      <p:sp>
+        <p:nvSpPr>
+          <p:cNvPr id="5" name="PlaceHolder 2"/>
           <p:cNvSpPr>
             <a:spLocks noGrp="1"/>
           </p:cNvSpPr>
@@ -2164,7 +2372,7 @@
         <p:spPr>
           <a:xfrm>
             <a:off x="838080" y="1825560"/>
-            <a:ext cx="10515240" cy="4350960"/>
+            <a:ext cx="3385440" cy="2074680"/>
           </a:xfrm>
           <a:prstGeom prst="rect">
             <a:avLst/>
@@ -2175,11 +2383,995 @@
             <a:normAutofit/>
           </a:bodyPr>
           <a:p>
-            <a:endParaRPr b="0" lang="fr-FR" sz="2800" spc="-1" strike="noStrike">
-              <a:solidFill>
-                <a:srgbClr val="000000"/>
-              </a:solidFill>
-              <a:latin typeface="Calibri"/>
+            <a:endParaRPr b="0" lang="en-GB" sz="3200" spc="-1" strike="noStrike">
+              <a:latin typeface="Arial"/>
+            </a:endParaRPr>
+          </a:p>
+        </p:txBody>
+      </p:sp>
+    </p:spTree>
+  </p:cSld>
+</p:sldLayout>
+</file>
+
+<file path=ppt/slideLayouts/slideLayout30.xml><?xml version="1.0" encoding="utf-8"?>
+<p:sldLayout xmlns:a="http://schemas.openxmlformats.org/drawingml/2006/main" xmlns:p="http://schemas.openxmlformats.org/presentationml/2006/main" xmlns:r="http://schemas.openxmlformats.org/officeDocument/2006/relationships" xmlns:p14="http://schemas.microsoft.com/office/powerpoint/2010/main" xmlns:p15="http://schemas.microsoft.com/office/powerpoint/2012/main" xmlns:mc="http://schemas.openxmlformats.org/markup-compatibility/2006" type="objOnly" preserve="1">
+  <p:cSld name="Centered Text">
+    <p:spTree>
+      <p:nvGrpSpPr>
+        <p:cNvPr id="1" name=""/>
+        <p:cNvGrpSpPr/>
+        <p:nvPr/>
+      </p:nvGrpSpPr>
+      <p:grpSpPr>
+        <a:xfrm>
+          <a:off x="0" y="0"/>
+          <a:ext cx="0" cy="0"/>
+          <a:chOff x="0" y="0"/>
+          <a:chExt cx="0" cy="0"/>
+        </a:xfrm>
+      </p:grpSpPr>
+      <p:sp>
+        <p:nvSpPr>
+          <p:cNvPr id="91" name="PlaceHolder 1"/>
+          <p:cNvSpPr>
+            <a:spLocks noGrp="1"/>
+          </p:cNvSpPr>
+          <p:nvPr>
+            <p:ph type="subTitle"/>
+          </p:nvPr>
+        </p:nvSpPr>
+        <p:spPr>
+          <a:xfrm>
+            <a:off x="838080" y="365040"/>
+            <a:ext cx="10514880" cy="6142320"/>
+          </a:xfrm>
+          <a:prstGeom prst="rect">
+            <a:avLst/>
+          </a:prstGeom>
+        </p:spPr>
+        <p:txBody>
+          <a:bodyPr lIns="0" rIns="0" tIns="0" bIns="0" anchor="ctr"/>
+          <a:p>
+            <a:pPr algn="ctr"/>
+            <a:endParaRPr b="0" lang="en-GB" sz="3200" spc="-1" strike="noStrike">
+              <a:latin typeface="Arial"/>
+            </a:endParaRPr>
+          </a:p>
+        </p:txBody>
+      </p:sp>
+    </p:spTree>
+  </p:cSld>
+</p:sldLayout>
+</file>
+
+<file path=ppt/slideLayouts/slideLayout31.xml><?xml version="1.0" encoding="utf-8"?>
+<p:sldLayout xmlns:a="http://schemas.openxmlformats.org/drawingml/2006/main" xmlns:p="http://schemas.openxmlformats.org/presentationml/2006/main" xmlns:r="http://schemas.openxmlformats.org/officeDocument/2006/relationships" xmlns:p14="http://schemas.microsoft.com/office/powerpoint/2010/main" xmlns:p15="http://schemas.microsoft.com/office/powerpoint/2012/main" xmlns:mc="http://schemas.openxmlformats.org/markup-compatibility/2006" type="twoObjAndObj" preserve="1">
+  <p:cSld name="Title, 2 Content and Content">
+    <p:spTree>
+      <p:nvGrpSpPr>
+        <p:cNvPr id="1" name=""/>
+        <p:cNvGrpSpPr/>
+        <p:nvPr/>
+      </p:nvGrpSpPr>
+      <p:grpSpPr>
+        <a:xfrm>
+          <a:off x="0" y="0"/>
+          <a:ext cx="0" cy="0"/>
+          <a:chOff x="0" y="0"/>
+          <a:chExt cx="0" cy="0"/>
+        </a:xfrm>
+      </p:grpSpPr>
+      <p:sp>
+        <p:nvSpPr>
+          <p:cNvPr id="92" name="PlaceHolder 1"/>
+          <p:cNvSpPr>
+            <a:spLocks noGrp="1"/>
+          </p:cNvSpPr>
+          <p:nvPr>
+            <p:ph type="title"/>
+          </p:nvPr>
+        </p:nvSpPr>
+        <p:spPr>
+          <a:xfrm>
+            <a:off x="838080" y="365040"/>
+            <a:ext cx="10514880" cy="1324800"/>
+          </a:xfrm>
+          <a:prstGeom prst="rect">
+            <a:avLst/>
+          </a:prstGeom>
+        </p:spPr>
+        <p:txBody>
+          <a:bodyPr lIns="0" rIns="0" tIns="0" bIns="0" anchor="ctr"/>
+          <a:p>
+            <a:pPr algn="ctr"/>
+            <a:endParaRPr b="0" lang="en-GB" sz="4400" spc="-1" strike="noStrike">
+              <a:latin typeface="Arial"/>
+            </a:endParaRPr>
+          </a:p>
+        </p:txBody>
+      </p:sp>
+      <p:sp>
+        <p:nvSpPr>
+          <p:cNvPr id="93" name="PlaceHolder 2"/>
+          <p:cNvSpPr>
+            <a:spLocks noGrp="1"/>
+          </p:cNvSpPr>
+          <p:nvPr>
+            <p:ph type="body"/>
+          </p:nvPr>
+        </p:nvSpPr>
+        <p:spPr>
+          <a:xfrm>
+            <a:off x="838080" y="1825560"/>
+            <a:ext cx="1652040" cy="989280"/>
+          </a:xfrm>
+          <a:prstGeom prst="rect">
+            <a:avLst/>
+          </a:prstGeom>
+        </p:spPr>
+        <p:txBody>
+          <a:bodyPr lIns="0" rIns="0" tIns="0" bIns="0">
+            <a:normAutofit/>
+          </a:bodyPr>
+          <a:p>
+            <a:endParaRPr b="0" lang="en-GB" sz="3200" spc="-1" strike="noStrike">
+              <a:latin typeface="Arial"/>
+            </a:endParaRPr>
+          </a:p>
+        </p:txBody>
+      </p:sp>
+      <p:sp>
+        <p:nvSpPr>
+          <p:cNvPr id="94" name="PlaceHolder 3"/>
+          <p:cNvSpPr>
+            <a:spLocks noGrp="1"/>
+          </p:cNvSpPr>
+          <p:nvPr>
+            <p:ph type="body"/>
+          </p:nvPr>
+        </p:nvSpPr>
+        <p:spPr>
+          <a:xfrm>
+            <a:off x="2573280" y="1825560"/>
+            <a:ext cx="1652040" cy="2074680"/>
+          </a:xfrm>
+          <a:prstGeom prst="rect">
+            <a:avLst/>
+          </a:prstGeom>
+        </p:spPr>
+        <p:txBody>
+          <a:bodyPr lIns="0" rIns="0" tIns="0" bIns="0">
+            <a:normAutofit/>
+          </a:bodyPr>
+          <a:p>
+            <a:endParaRPr b="0" lang="en-GB" sz="3200" spc="-1" strike="noStrike">
+              <a:latin typeface="Arial"/>
+            </a:endParaRPr>
+          </a:p>
+        </p:txBody>
+      </p:sp>
+      <p:sp>
+        <p:nvSpPr>
+          <p:cNvPr id="95" name="PlaceHolder 4"/>
+          <p:cNvSpPr>
+            <a:spLocks noGrp="1"/>
+          </p:cNvSpPr>
+          <p:nvPr>
+            <p:ph type="body"/>
+          </p:nvPr>
+        </p:nvSpPr>
+        <p:spPr>
+          <a:xfrm>
+            <a:off x="838080" y="2909160"/>
+            <a:ext cx="1652040" cy="989280"/>
+          </a:xfrm>
+          <a:prstGeom prst="rect">
+            <a:avLst/>
+          </a:prstGeom>
+        </p:spPr>
+        <p:txBody>
+          <a:bodyPr lIns="0" rIns="0" tIns="0" bIns="0">
+            <a:normAutofit/>
+          </a:bodyPr>
+          <a:p>
+            <a:endParaRPr b="0" lang="en-GB" sz="3200" spc="-1" strike="noStrike">
+              <a:latin typeface="Arial"/>
+            </a:endParaRPr>
+          </a:p>
+        </p:txBody>
+      </p:sp>
+    </p:spTree>
+  </p:cSld>
+</p:sldLayout>
+</file>
+
+<file path=ppt/slideLayouts/slideLayout32.xml><?xml version="1.0" encoding="utf-8"?>
+<p:sldLayout xmlns:a="http://schemas.openxmlformats.org/drawingml/2006/main" xmlns:p="http://schemas.openxmlformats.org/presentationml/2006/main" xmlns:r="http://schemas.openxmlformats.org/officeDocument/2006/relationships" xmlns:p14="http://schemas.microsoft.com/office/powerpoint/2010/main" xmlns:p15="http://schemas.microsoft.com/office/powerpoint/2012/main" xmlns:mc="http://schemas.openxmlformats.org/markup-compatibility/2006" type="objAndTwoObj" preserve="1">
+  <p:cSld name="Title Content and 2 Content">
+    <p:spTree>
+      <p:nvGrpSpPr>
+        <p:cNvPr id="1" name=""/>
+        <p:cNvGrpSpPr/>
+        <p:nvPr/>
+      </p:nvGrpSpPr>
+      <p:grpSpPr>
+        <a:xfrm>
+          <a:off x="0" y="0"/>
+          <a:ext cx="0" cy="0"/>
+          <a:chOff x="0" y="0"/>
+          <a:chExt cx="0" cy="0"/>
+        </a:xfrm>
+      </p:grpSpPr>
+      <p:sp>
+        <p:nvSpPr>
+          <p:cNvPr id="96" name="PlaceHolder 1"/>
+          <p:cNvSpPr>
+            <a:spLocks noGrp="1"/>
+          </p:cNvSpPr>
+          <p:nvPr>
+            <p:ph type="title"/>
+          </p:nvPr>
+        </p:nvSpPr>
+        <p:spPr>
+          <a:xfrm>
+            <a:off x="838080" y="365040"/>
+            <a:ext cx="10514880" cy="1324800"/>
+          </a:xfrm>
+          <a:prstGeom prst="rect">
+            <a:avLst/>
+          </a:prstGeom>
+        </p:spPr>
+        <p:txBody>
+          <a:bodyPr lIns="0" rIns="0" tIns="0" bIns="0" anchor="ctr"/>
+          <a:p>
+            <a:pPr algn="ctr"/>
+            <a:endParaRPr b="0" lang="en-GB" sz="4400" spc="-1" strike="noStrike">
+              <a:latin typeface="Arial"/>
+            </a:endParaRPr>
+          </a:p>
+        </p:txBody>
+      </p:sp>
+      <p:sp>
+        <p:nvSpPr>
+          <p:cNvPr id="97" name="PlaceHolder 2"/>
+          <p:cNvSpPr>
+            <a:spLocks noGrp="1"/>
+          </p:cNvSpPr>
+          <p:nvPr>
+            <p:ph type="body"/>
+          </p:nvPr>
+        </p:nvSpPr>
+        <p:spPr>
+          <a:xfrm>
+            <a:off x="838080" y="1825560"/>
+            <a:ext cx="1652040" cy="2074680"/>
+          </a:xfrm>
+          <a:prstGeom prst="rect">
+            <a:avLst/>
+          </a:prstGeom>
+        </p:spPr>
+        <p:txBody>
+          <a:bodyPr lIns="0" rIns="0" tIns="0" bIns="0">
+            <a:normAutofit/>
+          </a:bodyPr>
+          <a:p>
+            <a:endParaRPr b="0" lang="en-GB" sz="3200" spc="-1" strike="noStrike">
+              <a:latin typeface="Arial"/>
+            </a:endParaRPr>
+          </a:p>
+        </p:txBody>
+      </p:sp>
+      <p:sp>
+        <p:nvSpPr>
+          <p:cNvPr id="98" name="PlaceHolder 3"/>
+          <p:cNvSpPr>
+            <a:spLocks noGrp="1"/>
+          </p:cNvSpPr>
+          <p:nvPr>
+            <p:ph type="body"/>
+          </p:nvPr>
+        </p:nvSpPr>
+        <p:spPr>
+          <a:xfrm>
+            <a:off x="2573280" y="1825560"/>
+            <a:ext cx="1652040" cy="989280"/>
+          </a:xfrm>
+          <a:prstGeom prst="rect">
+            <a:avLst/>
+          </a:prstGeom>
+        </p:spPr>
+        <p:txBody>
+          <a:bodyPr lIns="0" rIns="0" tIns="0" bIns="0">
+            <a:normAutofit/>
+          </a:bodyPr>
+          <a:p>
+            <a:endParaRPr b="0" lang="en-GB" sz="3200" spc="-1" strike="noStrike">
+              <a:latin typeface="Arial"/>
+            </a:endParaRPr>
+          </a:p>
+        </p:txBody>
+      </p:sp>
+      <p:sp>
+        <p:nvSpPr>
+          <p:cNvPr id="99" name="PlaceHolder 4"/>
+          <p:cNvSpPr>
+            <a:spLocks noGrp="1"/>
+          </p:cNvSpPr>
+          <p:nvPr>
+            <p:ph type="body"/>
+          </p:nvPr>
+        </p:nvSpPr>
+        <p:spPr>
+          <a:xfrm>
+            <a:off x="2573280" y="2909160"/>
+            <a:ext cx="1652040" cy="989280"/>
+          </a:xfrm>
+          <a:prstGeom prst="rect">
+            <a:avLst/>
+          </a:prstGeom>
+        </p:spPr>
+        <p:txBody>
+          <a:bodyPr lIns="0" rIns="0" tIns="0" bIns="0">
+            <a:normAutofit/>
+          </a:bodyPr>
+          <a:p>
+            <a:endParaRPr b="0" lang="en-GB" sz="3200" spc="-1" strike="noStrike">
+              <a:latin typeface="Arial"/>
+            </a:endParaRPr>
+          </a:p>
+        </p:txBody>
+      </p:sp>
+    </p:spTree>
+  </p:cSld>
+</p:sldLayout>
+</file>
+
+<file path=ppt/slideLayouts/slideLayout33.xml><?xml version="1.0" encoding="utf-8"?>
+<p:sldLayout xmlns:a="http://schemas.openxmlformats.org/drawingml/2006/main" xmlns:p="http://schemas.openxmlformats.org/presentationml/2006/main" xmlns:r="http://schemas.openxmlformats.org/officeDocument/2006/relationships" xmlns:p14="http://schemas.microsoft.com/office/powerpoint/2010/main" xmlns:p15="http://schemas.microsoft.com/office/powerpoint/2012/main" xmlns:mc="http://schemas.openxmlformats.org/markup-compatibility/2006" type="twoObjOverTx" preserve="1">
+  <p:cSld name="Title, 2 Content over Content">
+    <p:spTree>
+      <p:nvGrpSpPr>
+        <p:cNvPr id="1" name=""/>
+        <p:cNvGrpSpPr/>
+        <p:nvPr/>
+      </p:nvGrpSpPr>
+      <p:grpSpPr>
+        <a:xfrm>
+          <a:off x="0" y="0"/>
+          <a:ext cx="0" cy="0"/>
+          <a:chOff x="0" y="0"/>
+          <a:chExt cx="0" cy="0"/>
+        </a:xfrm>
+      </p:grpSpPr>
+      <p:sp>
+        <p:nvSpPr>
+          <p:cNvPr id="100" name="PlaceHolder 1"/>
+          <p:cNvSpPr>
+            <a:spLocks noGrp="1"/>
+          </p:cNvSpPr>
+          <p:nvPr>
+            <p:ph type="title"/>
+          </p:nvPr>
+        </p:nvSpPr>
+        <p:spPr>
+          <a:xfrm>
+            <a:off x="838080" y="365040"/>
+            <a:ext cx="10514880" cy="1324800"/>
+          </a:xfrm>
+          <a:prstGeom prst="rect">
+            <a:avLst/>
+          </a:prstGeom>
+        </p:spPr>
+        <p:txBody>
+          <a:bodyPr lIns="0" rIns="0" tIns="0" bIns="0" anchor="ctr"/>
+          <a:p>
+            <a:pPr algn="ctr"/>
+            <a:endParaRPr b="0" lang="en-GB" sz="4400" spc="-1" strike="noStrike">
+              <a:latin typeface="Arial"/>
+            </a:endParaRPr>
+          </a:p>
+        </p:txBody>
+      </p:sp>
+      <p:sp>
+        <p:nvSpPr>
+          <p:cNvPr id="101" name="PlaceHolder 2"/>
+          <p:cNvSpPr>
+            <a:spLocks noGrp="1"/>
+          </p:cNvSpPr>
+          <p:nvPr>
+            <p:ph type="body"/>
+          </p:nvPr>
+        </p:nvSpPr>
+        <p:spPr>
+          <a:xfrm>
+            <a:off x="838080" y="1825560"/>
+            <a:ext cx="1652040" cy="989280"/>
+          </a:xfrm>
+          <a:prstGeom prst="rect">
+            <a:avLst/>
+          </a:prstGeom>
+        </p:spPr>
+        <p:txBody>
+          <a:bodyPr lIns="0" rIns="0" tIns="0" bIns="0">
+            <a:normAutofit/>
+          </a:bodyPr>
+          <a:p>
+            <a:endParaRPr b="0" lang="en-GB" sz="3200" spc="-1" strike="noStrike">
+              <a:latin typeface="Arial"/>
+            </a:endParaRPr>
+          </a:p>
+        </p:txBody>
+      </p:sp>
+      <p:sp>
+        <p:nvSpPr>
+          <p:cNvPr id="102" name="PlaceHolder 3"/>
+          <p:cNvSpPr>
+            <a:spLocks noGrp="1"/>
+          </p:cNvSpPr>
+          <p:nvPr>
+            <p:ph type="body"/>
+          </p:nvPr>
+        </p:nvSpPr>
+        <p:spPr>
+          <a:xfrm>
+            <a:off x="2573280" y="1825560"/>
+            <a:ext cx="1652040" cy="989280"/>
+          </a:xfrm>
+          <a:prstGeom prst="rect">
+            <a:avLst/>
+          </a:prstGeom>
+        </p:spPr>
+        <p:txBody>
+          <a:bodyPr lIns="0" rIns="0" tIns="0" bIns="0">
+            <a:normAutofit/>
+          </a:bodyPr>
+          <a:p>
+            <a:endParaRPr b="0" lang="en-GB" sz="3200" spc="-1" strike="noStrike">
+              <a:latin typeface="Arial"/>
+            </a:endParaRPr>
+          </a:p>
+        </p:txBody>
+      </p:sp>
+      <p:sp>
+        <p:nvSpPr>
+          <p:cNvPr id="103" name="PlaceHolder 4"/>
+          <p:cNvSpPr>
+            <a:spLocks noGrp="1"/>
+          </p:cNvSpPr>
+          <p:nvPr>
+            <p:ph type="body"/>
+          </p:nvPr>
+        </p:nvSpPr>
+        <p:spPr>
+          <a:xfrm>
+            <a:off x="838080" y="2909160"/>
+            <a:ext cx="3385440" cy="989280"/>
+          </a:xfrm>
+          <a:prstGeom prst="rect">
+            <a:avLst/>
+          </a:prstGeom>
+        </p:spPr>
+        <p:txBody>
+          <a:bodyPr lIns="0" rIns="0" tIns="0" bIns="0">
+            <a:normAutofit/>
+          </a:bodyPr>
+          <a:p>
+            <a:endParaRPr b="0" lang="en-GB" sz="3200" spc="-1" strike="noStrike">
+              <a:latin typeface="Arial"/>
+            </a:endParaRPr>
+          </a:p>
+        </p:txBody>
+      </p:sp>
+    </p:spTree>
+  </p:cSld>
+</p:sldLayout>
+</file>
+
+<file path=ppt/slideLayouts/slideLayout34.xml><?xml version="1.0" encoding="utf-8"?>
+<p:sldLayout xmlns:a="http://schemas.openxmlformats.org/drawingml/2006/main" xmlns:p="http://schemas.openxmlformats.org/presentationml/2006/main" xmlns:r="http://schemas.openxmlformats.org/officeDocument/2006/relationships" xmlns:p14="http://schemas.microsoft.com/office/powerpoint/2010/main" xmlns:p15="http://schemas.microsoft.com/office/powerpoint/2012/main" xmlns:mc="http://schemas.openxmlformats.org/markup-compatibility/2006" type="objOverTx" preserve="1">
+  <p:cSld name="Title, Content over Content">
+    <p:spTree>
+      <p:nvGrpSpPr>
+        <p:cNvPr id="1" name=""/>
+        <p:cNvGrpSpPr/>
+        <p:nvPr/>
+      </p:nvGrpSpPr>
+      <p:grpSpPr>
+        <a:xfrm>
+          <a:off x="0" y="0"/>
+          <a:ext cx="0" cy="0"/>
+          <a:chOff x="0" y="0"/>
+          <a:chExt cx="0" cy="0"/>
+        </a:xfrm>
+      </p:grpSpPr>
+      <p:sp>
+        <p:nvSpPr>
+          <p:cNvPr id="104" name="PlaceHolder 1"/>
+          <p:cNvSpPr>
+            <a:spLocks noGrp="1"/>
+          </p:cNvSpPr>
+          <p:nvPr>
+            <p:ph type="title"/>
+          </p:nvPr>
+        </p:nvSpPr>
+        <p:spPr>
+          <a:xfrm>
+            <a:off x="838080" y="365040"/>
+            <a:ext cx="10514880" cy="1324800"/>
+          </a:xfrm>
+          <a:prstGeom prst="rect">
+            <a:avLst/>
+          </a:prstGeom>
+        </p:spPr>
+        <p:txBody>
+          <a:bodyPr lIns="0" rIns="0" tIns="0" bIns="0" anchor="ctr"/>
+          <a:p>
+            <a:pPr algn="ctr"/>
+            <a:endParaRPr b="0" lang="en-GB" sz="4400" spc="-1" strike="noStrike">
+              <a:latin typeface="Arial"/>
+            </a:endParaRPr>
+          </a:p>
+        </p:txBody>
+      </p:sp>
+      <p:sp>
+        <p:nvSpPr>
+          <p:cNvPr id="105" name="PlaceHolder 2"/>
+          <p:cNvSpPr>
+            <a:spLocks noGrp="1"/>
+          </p:cNvSpPr>
+          <p:nvPr>
+            <p:ph type="body"/>
+          </p:nvPr>
+        </p:nvSpPr>
+        <p:spPr>
+          <a:xfrm>
+            <a:off x="838080" y="1825560"/>
+            <a:ext cx="3385440" cy="989280"/>
+          </a:xfrm>
+          <a:prstGeom prst="rect">
+            <a:avLst/>
+          </a:prstGeom>
+        </p:spPr>
+        <p:txBody>
+          <a:bodyPr lIns="0" rIns="0" tIns="0" bIns="0">
+            <a:normAutofit/>
+          </a:bodyPr>
+          <a:p>
+            <a:endParaRPr b="0" lang="en-GB" sz="3200" spc="-1" strike="noStrike">
+              <a:latin typeface="Arial"/>
+            </a:endParaRPr>
+          </a:p>
+        </p:txBody>
+      </p:sp>
+      <p:sp>
+        <p:nvSpPr>
+          <p:cNvPr id="106" name="PlaceHolder 3"/>
+          <p:cNvSpPr>
+            <a:spLocks noGrp="1"/>
+          </p:cNvSpPr>
+          <p:nvPr>
+            <p:ph type="body"/>
+          </p:nvPr>
+        </p:nvSpPr>
+        <p:spPr>
+          <a:xfrm>
+            <a:off x="838080" y="2909160"/>
+            <a:ext cx="3385440" cy="989280"/>
+          </a:xfrm>
+          <a:prstGeom prst="rect">
+            <a:avLst/>
+          </a:prstGeom>
+        </p:spPr>
+        <p:txBody>
+          <a:bodyPr lIns="0" rIns="0" tIns="0" bIns="0">
+            <a:normAutofit/>
+          </a:bodyPr>
+          <a:p>
+            <a:endParaRPr b="0" lang="en-GB" sz="3200" spc="-1" strike="noStrike">
+              <a:latin typeface="Arial"/>
+            </a:endParaRPr>
+          </a:p>
+        </p:txBody>
+      </p:sp>
+    </p:spTree>
+  </p:cSld>
+</p:sldLayout>
+</file>
+
+<file path=ppt/slideLayouts/slideLayout35.xml><?xml version="1.0" encoding="utf-8"?>
+<p:sldLayout xmlns:a="http://schemas.openxmlformats.org/drawingml/2006/main" xmlns:p="http://schemas.openxmlformats.org/presentationml/2006/main" xmlns:r="http://schemas.openxmlformats.org/officeDocument/2006/relationships" xmlns:p14="http://schemas.microsoft.com/office/powerpoint/2010/main" xmlns:p15="http://schemas.microsoft.com/office/powerpoint/2012/main" xmlns:mc="http://schemas.openxmlformats.org/markup-compatibility/2006" type="fourObj" preserve="1">
+  <p:cSld name="Title, 4 Content">
+    <p:spTree>
+      <p:nvGrpSpPr>
+        <p:cNvPr id="1" name=""/>
+        <p:cNvGrpSpPr/>
+        <p:nvPr/>
+      </p:nvGrpSpPr>
+      <p:grpSpPr>
+        <a:xfrm>
+          <a:off x="0" y="0"/>
+          <a:ext cx="0" cy="0"/>
+          <a:chOff x="0" y="0"/>
+          <a:chExt cx="0" cy="0"/>
+        </a:xfrm>
+      </p:grpSpPr>
+      <p:sp>
+        <p:nvSpPr>
+          <p:cNvPr id="107" name="PlaceHolder 1"/>
+          <p:cNvSpPr>
+            <a:spLocks noGrp="1"/>
+          </p:cNvSpPr>
+          <p:nvPr>
+            <p:ph type="title"/>
+          </p:nvPr>
+        </p:nvSpPr>
+        <p:spPr>
+          <a:xfrm>
+            <a:off x="838080" y="365040"/>
+            <a:ext cx="10514880" cy="1324800"/>
+          </a:xfrm>
+          <a:prstGeom prst="rect">
+            <a:avLst/>
+          </a:prstGeom>
+        </p:spPr>
+        <p:txBody>
+          <a:bodyPr lIns="0" rIns="0" tIns="0" bIns="0" anchor="ctr"/>
+          <a:p>
+            <a:pPr algn="ctr"/>
+            <a:endParaRPr b="0" lang="en-GB" sz="4400" spc="-1" strike="noStrike">
+              <a:latin typeface="Arial"/>
+            </a:endParaRPr>
+          </a:p>
+        </p:txBody>
+      </p:sp>
+      <p:sp>
+        <p:nvSpPr>
+          <p:cNvPr id="108" name="PlaceHolder 2"/>
+          <p:cNvSpPr>
+            <a:spLocks noGrp="1"/>
+          </p:cNvSpPr>
+          <p:nvPr>
+            <p:ph type="body"/>
+          </p:nvPr>
+        </p:nvSpPr>
+        <p:spPr>
+          <a:xfrm>
+            <a:off x="838080" y="1825560"/>
+            <a:ext cx="1652040" cy="989280"/>
+          </a:xfrm>
+          <a:prstGeom prst="rect">
+            <a:avLst/>
+          </a:prstGeom>
+        </p:spPr>
+        <p:txBody>
+          <a:bodyPr lIns="0" rIns="0" tIns="0" bIns="0">
+            <a:normAutofit/>
+          </a:bodyPr>
+          <a:p>
+            <a:endParaRPr b="0" lang="en-GB" sz="3200" spc="-1" strike="noStrike">
+              <a:latin typeface="Arial"/>
+            </a:endParaRPr>
+          </a:p>
+        </p:txBody>
+      </p:sp>
+      <p:sp>
+        <p:nvSpPr>
+          <p:cNvPr id="109" name="PlaceHolder 3"/>
+          <p:cNvSpPr>
+            <a:spLocks noGrp="1"/>
+          </p:cNvSpPr>
+          <p:nvPr>
+            <p:ph type="body"/>
+          </p:nvPr>
+        </p:nvSpPr>
+        <p:spPr>
+          <a:xfrm>
+            <a:off x="2573280" y="1825560"/>
+            <a:ext cx="1652040" cy="989280"/>
+          </a:xfrm>
+          <a:prstGeom prst="rect">
+            <a:avLst/>
+          </a:prstGeom>
+        </p:spPr>
+        <p:txBody>
+          <a:bodyPr lIns="0" rIns="0" tIns="0" bIns="0">
+            <a:normAutofit/>
+          </a:bodyPr>
+          <a:p>
+            <a:endParaRPr b="0" lang="en-GB" sz="3200" spc="-1" strike="noStrike">
+              <a:latin typeface="Arial"/>
+            </a:endParaRPr>
+          </a:p>
+        </p:txBody>
+      </p:sp>
+      <p:sp>
+        <p:nvSpPr>
+          <p:cNvPr id="110" name="PlaceHolder 4"/>
+          <p:cNvSpPr>
+            <a:spLocks noGrp="1"/>
+          </p:cNvSpPr>
+          <p:nvPr>
+            <p:ph type="body"/>
+          </p:nvPr>
+        </p:nvSpPr>
+        <p:spPr>
+          <a:xfrm>
+            <a:off x="838080" y="2909160"/>
+            <a:ext cx="1652040" cy="989280"/>
+          </a:xfrm>
+          <a:prstGeom prst="rect">
+            <a:avLst/>
+          </a:prstGeom>
+        </p:spPr>
+        <p:txBody>
+          <a:bodyPr lIns="0" rIns="0" tIns="0" bIns="0">
+            <a:normAutofit/>
+          </a:bodyPr>
+          <a:p>
+            <a:endParaRPr b="0" lang="en-GB" sz="3200" spc="-1" strike="noStrike">
+              <a:latin typeface="Arial"/>
+            </a:endParaRPr>
+          </a:p>
+        </p:txBody>
+      </p:sp>
+      <p:sp>
+        <p:nvSpPr>
+          <p:cNvPr id="111" name="PlaceHolder 5"/>
+          <p:cNvSpPr>
+            <a:spLocks noGrp="1"/>
+          </p:cNvSpPr>
+          <p:nvPr>
+            <p:ph type="body"/>
+          </p:nvPr>
+        </p:nvSpPr>
+        <p:spPr>
+          <a:xfrm>
+            <a:off x="2573280" y="2909160"/>
+            <a:ext cx="1652040" cy="989280"/>
+          </a:xfrm>
+          <a:prstGeom prst="rect">
+            <a:avLst/>
+          </a:prstGeom>
+        </p:spPr>
+        <p:txBody>
+          <a:bodyPr lIns="0" rIns="0" tIns="0" bIns="0">
+            <a:normAutofit/>
+          </a:bodyPr>
+          <a:p>
+            <a:endParaRPr b="0" lang="en-GB" sz="3200" spc="-1" strike="noStrike">
+              <a:latin typeface="Arial"/>
+            </a:endParaRPr>
+          </a:p>
+        </p:txBody>
+      </p:sp>
+    </p:spTree>
+  </p:cSld>
+</p:sldLayout>
+</file>
+
+<file path=ppt/slideLayouts/slideLayout36.xml><?xml version="1.0" encoding="utf-8"?>
+<p:sldLayout xmlns:a="http://schemas.openxmlformats.org/drawingml/2006/main" xmlns:p="http://schemas.openxmlformats.org/presentationml/2006/main" xmlns:r="http://schemas.openxmlformats.org/officeDocument/2006/relationships" xmlns:p14="http://schemas.microsoft.com/office/powerpoint/2010/main" xmlns:p15="http://schemas.microsoft.com/office/powerpoint/2012/main" xmlns:mc="http://schemas.openxmlformats.org/markup-compatibility/2006" type="blank" preserve="1">
+  <p:cSld name="Title, 6 Content">
+    <p:spTree>
+      <p:nvGrpSpPr>
+        <p:cNvPr id="1" name=""/>
+        <p:cNvGrpSpPr/>
+        <p:nvPr/>
+      </p:nvGrpSpPr>
+      <p:grpSpPr>
+        <a:xfrm>
+          <a:off x="0" y="0"/>
+          <a:ext cx="0" cy="0"/>
+          <a:chOff x="0" y="0"/>
+          <a:chExt cx="0" cy="0"/>
+        </a:xfrm>
+      </p:grpSpPr>
+      <p:sp>
+        <p:nvSpPr>
+          <p:cNvPr id="112" name="PlaceHolder 1"/>
+          <p:cNvSpPr>
+            <a:spLocks noGrp="1"/>
+          </p:cNvSpPr>
+          <p:nvPr>
+            <p:ph type="title"/>
+          </p:nvPr>
+        </p:nvSpPr>
+        <p:spPr>
+          <a:xfrm>
+            <a:off x="838080" y="365040"/>
+            <a:ext cx="10514880" cy="1324800"/>
+          </a:xfrm>
+          <a:prstGeom prst="rect">
+            <a:avLst/>
+          </a:prstGeom>
+        </p:spPr>
+        <p:txBody>
+          <a:bodyPr lIns="0" rIns="0" tIns="0" bIns="0" anchor="ctr"/>
+          <a:p>
+            <a:pPr algn="ctr"/>
+            <a:endParaRPr b="0" lang="en-GB" sz="4400" spc="-1" strike="noStrike">
+              <a:latin typeface="Arial"/>
+            </a:endParaRPr>
+          </a:p>
+        </p:txBody>
+      </p:sp>
+      <p:sp>
+        <p:nvSpPr>
+          <p:cNvPr id="113" name="PlaceHolder 2"/>
+          <p:cNvSpPr>
+            <a:spLocks noGrp="1"/>
+          </p:cNvSpPr>
+          <p:nvPr>
+            <p:ph type="body"/>
+          </p:nvPr>
+        </p:nvSpPr>
+        <p:spPr>
+          <a:xfrm>
+            <a:off x="838080" y="1825560"/>
+            <a:ext cx="1089720" cy="989280"/>
+          </a:xfrm>
+          <a:prstGeom prst="rect">
+            <a:avLst/>
+          </a:prstGeom>
+        </p:spPr>
+        <p:txBody>
+          <a:bodyPr lIns="0" rIns="0" tIns="0" bIns="0">
+            <a:normAutofit/>
+          </a:bodyPr>
+          <a:p>
+            <a:endParaRPr b="0" lang="en-GB" sz="3200" spc="-1" strike="noStrike">
+              <a:latin typeface="Arial"/>
+            </a:endParaRPr>
+          </a:p>
+        </p:txBody>
+      </p:sp>
+      <p:sp>
+        <p:nvSpPr>
+          <p:cNvPr id="114" name="PlaceHolder 3"/>
+          <p:cNvSpPr>
+            <a:spLocks noGrp="1"/>
+          </p:cNvSpPr>
+          <p:nvPr>
+            <p:ph type="body"/>
+          </p:nvPr>
+        </p:nvSpPr>
+        <p:spPr>
+          <a:xfrm>
+            <a:off x="1982520" y="1825560"/>
+            <a:ext cx="1089720" cy="989280"/>
+          </a:xfrm>
+          <a:prstGeom prst="rect">
+            <a:avLst/>
+          </a:prstGeom>
+        </p:spPr>
+        <p:txBody>
+          <a:bodyPr lIns="0" rIns="0" tIns="0" bIns="0">
+            <a:normAutofit/>
+          </a:bodyPr>
+          <a:p>
+            <a:endParaRPr b="0" lang="en-GB" sz="3200" spc="-1" strike="noStrike">
+              <a:latin typeface="Arial"/>
+            </a:endParaRPr>
+          </a:p>
+        </p:txBody>
+      </p:sp>
+      <p:sp>
+        <p:nvSpPr>
+          <p:cNvPr id="115" name="PlaceHolder 4"/>
+          <p:cNvSpPr>
+            <a:spLocks noGrp="1"/>
+          </p:cNvSpPr>
+          <p:nvPr>
+            <p:ph type="body"/>
+          </p:nvPr>
+        </p:nvSpPr>
+        <p:spPr>
+          <a:xfrm>
+            <a:off x="3127320" y="1825560"/>
+            <a:ext cx="1089720" cy="989280"/>
+          </a:xfrm>
+          <a:prstGeom prst="rect">
+            <a:avLst/>
+          </a:prstGeom>
+        </p:spPr>
+        <p:txBody>
+          <a:bodyPr lIns="0" rIns="0" tIns="0" bIns="0">
+            <a:normAutofit/>
+          </a:bodyPr>
+          <a:p>
+            <a:endParaRPr b="0" lang="en-GB" sz="3200" spc="-1" strike="noStrike">
+              <a:latin typeface="Arial"/>
+            </a:endParaRPr>
+          </a:p>
+        </p:txBody>
+      </p:sp>
+      <p:sp>
+        <p:nvSpPr>
+          <p:cNvPr id="116" name="PlaceHolder 5"/>
+          <p:cNvSpPr>
+            <a:spLocks noGrp="1"/>
+          </p:cNvSpPr>
+          <p:nvPr>
+            <p:ph type="body"/>
+          </p:nvPr>
+        </p:nvSpPr>
+        <p:spPr>
+          <a:xfrm>
+            <a:off x="838080" y="2909160"/>
+            <a:ext cx="1089720" cy="989280"/>
+          </a:xfrm>
+          <a:prstGeom prst="rect">
+            <a:avLst/>
+          </a:prstGeom>
+        </p:spPr>
+        <p:txBody>
+          <a:bodyPr lIns="0" rIns="0" tIns="0" bIns="0">
+            <a:normAutofit/>
+          </a:bodyPr>
+          <a:p>
+            <a:endParaRPr b="0" lang="en-GB" sz="3200" spc="-1" strike="noStrike">
+              <a:latin typeface="Arial"/>
+            </a:endParaRPr>
+          </a:p>
+        </p:txBody>
+      </p:sp>
+      <p:sp>
+        <p:nvSpPr>
+          <p:cNvPr id="117" name="PlaceHolder 6"/>
+          <p:cNvSpPr>
+            <a:spLocks noGrp="1"/>
+          </p:cNvSpPr>
+          <p:nvPr>
+            <p:ph type="body"/>
+          </p:nvPr>
+        </p:nvSpPr>
+        <p:spPr>
+          <a:xfrm>
+            <a:off x="1982520" y="2909160"/>
+            <a:ext cx="1089720" cy="989280"/>
+          </a:xfrm>
+          <a:prstGeom prst="rect">
+            <a:avLst/>
+          </a:prstGeom>
+        </p:spPr>
+        <p:txBody>
+          <a:bodyPr lIns="0" rIns="0" tIns="0" bIns="0">
+            <a:normAutofit/>
+          </a:bodyPr>
+          <a:p>
+            <a:endParaRPr b="0" lang="en-GB" sz="3200" spc="-1" strike="noStrike">
+              <a:latin typeface="Arial"/>
+            </a:endParaRPr>
+          </a:p>
+        </p:txBody>
+      </p:sp>
+      <p:sp>
+        <p:nvSpPr>
+          <p:cNvPr id="118" name="PlaceHolder 7"/>
+          <p:cNvSpPr>
+            <a:spLocks noGrp="1"/>
+          </p:cNvSpPr>
+          <p:nvPr>
+            <p:ph type="body"/>
+          </p:nvPr>
+        </p:nvSpPr>
+        <p:spPr>
+          <a:xfrm>
+            <a:off x="3127320" y="2909160"/>
+            <a:ext cx="1089720" cy="989280"/>
+          </a:xfrm>
+          <a:prstGeom prst="rect">
+            <a:avLst/>
+          </a:prstGeom>
+        </p:spPr>
+        <p:txBody>
+          <a:bodyPr lIns="0" rIns="0" tIns="0" bIns="0">
+            <a:normAutofit/>
+          </a:bodyPr>
+          <a:p>
+            <a:endParaRPr b="0" lang="en-GB" sz="3200" spc="-1" strike="noStrike">
+              <a:latin typeface="Arial"/>
             </a:endParaRPr>
           </a:p>
         </p:txBody>
@@ -2208,7 +3400,7 @@
       </p:grpSpPr>
       <p:sp>
         <p:nvSpPr>
-          <p:cNvPr id="9" name="PlaceHolder 1"/>
+          <p:cNvPr id="6" name="PlaceHolder 1"/>
           <p:cNvSpPr>
             <a:spLocks noGrp="1"/>
           </p:cNvSpPr>
@@ -2219,7 +3411,7 @@
         <p:spPr>
           <a:xfrm>
             <a:off x="838080" y="365040"/>
-            <a:ext cx="10515240" cy="1325160"/>
+            <a:ext cx="10514880" cy="1324800"/>
           </a:xfrm>
           <a:prstGeom prst="rect">
             <a:avLst/>
@@ -2228,18 +3420,16 @@
         <p:txBody>
           <a:bodyPr lIns="0" rIns="0" tIns="0" bIns="0" anchor="ctr"/>
           <a:p>
-            <a:endParaRPr b="0" lang="fr-FR" sz="1800" spc="-1" strike="noStrike">
-              <a:solidFill>
-                <a:srgbClr val="000000"/>
-              </a:solidFill>
-              <a:latin typeface="Calibri"/>
-            </a:endParaRPr>
-          </a:p>
-        </p:txBody>
-      </p:sp>
-      <p:sp>
-        <p:nvSpPr>
-          <p:cNvPr id="10" name="PlaceHolder 2"/>
+            <a:pPr algn="ctr"/>
+            <a:endParaRPr b="0" lang="en-GB" sz="4400" spc="-1" strike="noStrike">
+              <a:latin typeface="Arial"/>
+            </a:endParaRPr>
+          </a:p>
+        </p:txBody>
+      </p:sp>
+      <p:sp>
+        <p:nvSpPr>
+          <p:cNvPr id="7" name="PlaceHolder 2"/>
           <p:cNvSpPr>
             <a:spLocks noGrp="1"/>
           </p:cNvSpPr>
@@ -2250,7 +3440,7 @@
         <p:spPr>
           <a:xfrm>
             <a:off x="838080" y="1825560"/>
-            <a:ext cx="5131080" cy="4350960"/>
+            <a:ext cx="1652040" cy="2074680"/>
           </a:xfrm>
           <a:prstGeom prst="rect">
             <a:avLst/>
@@ -2261,18 +3451,15 @@
             <a:normAutofit/>
           </a:bodyPr>
           <a:p>
-            <a:endParaRPr b="0" lang="fr-FR" sz="2800" spc="-1" strike="noStrike">
-              <a:solidFill>
-                <a:srgbClr val="000000"/>
-              </a:solidFill>
-              <a:latin typeface="Calibri"/>
-            </a:endParaRPr>
-          </a:p>
-        </p:txBody>
-      </p:sp>
-      <p:sp>
-        <p:nvSpPr>
-          <p:cNvPr id="11" name="PlaceHolder 3"/>
+            <a:endParaRPr b="0" lang="en-GB" sz="3200" spc="-1" strike="noStrike">
+              <a:latin typeface="Arial"/>
+            </a:endParaRPr>
+          </a:p>
+        </p:txBody>
+      </p:sp>
+      <p:sp>
+        <p:nvSpPr>
+          <p:cNvPr id="8" name="PlaceHolder 3"/>
           <p:cNvSpPr>
             <a:spLocks noGrp="1"/>
           </p:cNvSpPr>
@@ -2282,8 +3469,8 @@
         </p:nvSpPr>
         <p:spPr>
           <a:xfrm>
-            <a:off x="6226200" y="1825560"/>
-            <a:ext cx="5131080" cy="4350960"/>
+            <a:off x="2573280" y="1825560"/>
+            <a:ext cx="1652040" cy="2074680"/>
           </a:xfrm>
           <a:prstGeom prst="rect">
             <a:avLst/>
@@ -2294,11 +3481,8 @@
             <a:normAutofit/>
           </a:bodyPr>
           <a:p>
-            <a:endParaRPr b="0" lang="fr-FR" sz="2800" spc="-1" strike="noStrike">
-              <a:solidFill>
-                <a:srgbClr val="000000"/>
-              </a:solidFill>
-              <a:latin typeface="Calibri"/>
+            <a:endParaRPr b="0" lang="en-GB" sz="3200" spc="-1" strike="noStrike">
+              <a:latin typeface="Arial"/>
             </a:endParaRPr>
           </a:p>
         </p:txBody>
@@ -2327,7 +3511,7 @@
       </p:grpSpPr>
       <p:sp>
         <p:nvSpPr>
-          <p:cNvPr id="12" name="PlaceHolder 1"/>
+          <p:cNvPr id="9" name="PlaceHolder 1"/>
           <p:cNvSpPr>
             <a:spLocks noGrp="1"/>
           </p:cNvSpPr>
@@ -2338,7 +3522,7 @@
         <p:spPr>
           <a:xfrm>
             <a:off x="838080" y="365040"/>
-            <a:ext cx="10515240" cy="1325160"/>
+            <a:ext cx="10514880" cy="1324800"/>
           </a:xfrm>
           <a:prstGeom prst="rect">
             <a:avLst/>
@@ -2347,11 +3531,9 @@
         <p:txBody>
           <a:bodyPr lIns="0" rIns="0" tIns="0" bIns="0" anchor="ctr"/>
           <a:p>
-            <a:endParaRPr b="0" lang="fr-FR" sz="1800" spc="-1" strike="noStrike">
-              <a:solidFill>
-                <a:srgbClr val="000000"/>
-              </a:solidFill>
-              <a:latin typeface="Calibri"/>
+            <a:pPr algn="ctr"/>
+            <a:endParaRPr b="0" lang="en-GB" sz="4400" spc="-1" strike="noStrike">
+              <a:latin typeface="Arial"/>
             </a:endParaRPr>
           </a:p>
         </p:txBody>
@@ -2380,7 +3562,7 @@
       </p:grpSpPr>
       <p:sp>
         <p:nvSpPr>
-          <p:cNvPr id="13" name="PlaceHolder 1"/>
+          <p:cNvPr id="10" name="PlaceHolder 1"/>
           <p:cNvSpPr>
             <a:spLocks noGrp="1"/>
           </p:cNvSpPr>
@@ -2391,7 +3573,7 @@
         <p:spPr>
           <a:xfrm>
             <a:off x="838080" y="365040"/>
-            <a:ext cx="10515240" cy="6144120"/>
+            <a:ext cx="10514880" cy="6142320"/>
           </a:xfrm>
           <a:prstGeom prst="rect">
             <a:avLst/>
@@ -2431,7 +3613,7 @@
       </p:grpSpPr>
       <p:sp>
         <p:nvSpPr>
-          <p:cNvPr id="14" name="PlaceHolder 1"/>
+          <p:cNvPr id="11" name="PlaceHolder 1"/>
           <p:cNvSpPr>
             <a:spLocks noGrp="1"/>
           </p:cNvSpPr>
@@ -2442,7 +3624,7 @@
         <p:spPr>
           <a:xfrm>
             <a:off x="838080" y="365040"/>
-            <a:ext cx="10515240" cy="1325160"/>
+            <a:ext cx="10514880" cy="1324800"/>
           </a:xfrm>
           <a:prstGeom prst="rect">
             <a:avLst/>
@@ -2451,18 +3633,16 @@
         <p:txBody>
           <a:bodyPr lIns="0" rIns="0" tIns="0" bIns="0" anchor="ctr"/>
           <a:p>
-            <a:endParaRPr b="0" lang="fr-FR" sz="1800" spc="-1" strike="noStrike">
-              <a:solidFill>
-                <a:srgbClr val="000000"/>
-              </a:solidFill>
-              <a:latin typeface="Calibri"/>
-            </a:endParaRPr>
-          </a:p>
-        </p:txBody>
-      </p:sp>
-      <p:sp>
-        <p:nvSpPr>
-          <p:cNvPr id="15" name="PlaceHolder 2"/>
+            <a:pPr algn="ctr"/>
+            <a:endParaRPr b="0" lang="en-GB" sz="4400" spc="-1" strike="noStrike">
+              <a:latin typeface="Arial"/>
+            </a:endParaRPr>
+          </a:p>
+        </p:txBody>
+      </p:sp>
+      <p:sp>
+        <p:nvSpPr>
+          <p:cNvPr id="12" name="PlaceHolder 2"/>
           <p:cNvSpPr>
             <a:spLocks noGrp="1"/>
           </p:cNvSpPr>
@@ -2473,7 +3653,7 @@
         <p:spPr>
           <a:xfrm>
             <a:off x="838080" y="1825560"/>
-            <a:ext cx="5131080" cy="2075040"/>
+            <a:ext cx="1652040" cy="989280"/>
           </a:xfrm>
           <a:prstGeom prst="rect">
             <a:avLst/>
@@ -2484,18 +3664,15 @@
             <a:normAutofit/>
           </a:bodyPr>
           <a:p>
-            <a:endParaRPr b="0" lang="fr-FR" sz="2800" spc="-1" strike="noStrike">
-              <a:solidFill>
-                <a:srgbClr val="000000"/>
-              </a:solidFill>
-              <a:latin typeface="Calibri"/>
-            </a:endParaRPr>
-          </a:p>
-        </p:txBody>
-      </p:sp>
-      <p:sp>
-        <p:nvSpPr>
-          <p:cNvPr id="16" name="PlaceHolder 3"/>
+            <a:endParaRPr b="0" lang="en-GB" sz="3200" spc="-1" strike="noStrike">
+              <a:latin typeface="Arial"/>
+            </a:endParaRPr>
+          </a:p>
+        </p:txBody>
+      </p:sp>
+      <p:sp>
+        <p:nvSpPr>
+          <p:cNvPr id="13" name="PlaceHolder 3"/>
           <p:cNvSpPr>
             <a:spLocks noGrp="1"/>
           </p:cNvSpPr>
@@ -2505,8 +3682,8 @@
         </p:nvSpPr>
         <p:spPr>
           <a:xfrm>
-            <a:off x="6226200" y="1825560"/>
-            <a:ext cx="5131080" cy="4350960"/>
+            <a:off x="2573280" y="1825560"/>
+            <a:ext cx="1652040" cy="2074680"/>
           </a:xfrm>
           <a:prstGeom prst="rect">
             <a:avLst/>
@@ -2517,18 +3694,15 @@
             <a:normAutofit/>
           </a:bodyPr>
           <a:p>
-            <a:endParaRPr b="0" lang="fr-FR" sz="2800" spc="-1" strike="noStrike">
-              <a:solidFill>
-                <a:srgbClr val="000000"/>
-              </a:solidFill>
-              <a:latin typeface="Calibri"/>
-            </a:endParaRPr>
-          </a:p>
-        </p:txBody>
-      </p:sp>
-      <p:sp>
-        <p:nvSpPr>
-          <p:cNvPr id="17" name="PlaceHolder 4"/>
+            <a:endParaRPr b="0" lang="en-GB" sz="3200" spc="-1" strike="noStrike">
+              <a:latin typeface="Arial"/>
+            </a:endParaRPr>
+          </a:p>
+        </p:txBody>
+      </p:sp>
+      <p:sp>
+        <p:nvSpPr>
+          <p:cNvPr id="14" name="PlaceHolder 4"/>
           <p:cNvSpPr>
             <a:spLocks noGrp="1"/>
           </p:cNvSpPr>
@@ -2538,8 +3712,8 @@
         </p:nvSpPr>
         <p:spPr>
           <a:xfrm>
-            <a:off x="838080" y="4098240"/>
-            <a:ext cx="5131080" cy="2075040"/>
+            <a:off x="838080" y="2909160"/>
+            <a:ext cx="1652040" cy="989280"/>
           </a:xfrm>
           <a:prstGeom prst="rect">
             <a:avLst/>
@@ -2550,11 +3724,8 @@
             <a:normAutofit/>
           </a:bodyPr>
           <a:p>
-            <a:endParaRPr b="0" lang="fr-FR" sz="2800" spc="-1" strike="noStrike">
-              <a:solidFill>
-                <a:srgbClr val="000000"/>
-              </a:solidFill>
-              <a:latin typeface="Calibri"/>
+            <a:endParaRPr b="0" lang="en-GB" sz="3200" spc="-1" strike="noStrike">
+              <a:latin typeface="Arial"/>
             </a:endParaRPr>
           </a:p>
         </p:txBody>
@@ -2583,7 +3754,7 @@
       </p:grpSpPr>
       <p:sp>
         <p:nvSpPr>
-          <p:cNvPr id="18" name="PlaceHolder 1"/>
+          <p:cNvPr id="15" name="PlaceHolder 1"/>
           <p:cNvSpPr>
             <a:spLocks noGrp="1"/>
           </p:cNvSpPr>
@@ -2594,7 +3765,7 @@
         <p:spPr>
           <a:xfrm>
             <a:off x="838080" y="365040"/>
-            <a:ext cx="10515240" cy="1325160"/>
+            <a:ext cx="10514880" cy="1324800"/>
           </a:xfrm>
           <a:prstGeom prst="rect">
             <a:avLst/>
@@ -2603,18 +3774,16 @@
         <p:txBody>
           <a:bodyPr lIns="0" rIns="0" tIns="0" bIns="0" anchor="ctr"/>
           <a:p>
-            <a:endParaRPr b="0" lang="fr-FR" sz="1800" spc="-1" strike="noStrike">
-              <a:solidFill>
-                <a:srgbClr val="000000"/>
-              </a:solidFill>
-              <a:latin typeface="Calibri"/>
-            </a:endParaRPr>
-          </a:p>
-        </p:txBody>
-      </p:sp>
-      <p:sp>
-        <p:nvSpPr>
-          <p:cNvPr id="19" name="PlaceHolder 2"/>
+            <a:pPr algn="ctr"/>
+            <a:endParaRPr b="0" lang="en-GB" sz="4400" spc="-1" strike="noStrike">
+              <a:latin typeface="Arial"/>
+            </a:endParaRPr>
+          </a:p>
+        </p:txBody>
+      </p:sp>
+      <p:sp>
+        <p:nvSpPr>
+          <p:cNvPr id="16" name="PlaceHolder 2"/>
           <p:cNvSpPr>
             <a:spLocks noGrp="1"/>
           </p:cNvSpPr>
@@ -2625,7 +3794,7 @@
         <p:spPr>
           <a:xfrm>
             <a:off x="838080" y="1825560"/>
-            <a:ext cx="5131080" cy="4350960"/>
+            <a:ext cx="1652040" cy="2074680"/>
           </a:xfrm>
           <a:prstGeom prst="rect">
             <a:avLst/>
@@ -2636,18 +3805,15 @@
             <a:normAutofit/>
           </a:bodyPr>
           <a:p>
-            <a:endParaRPr b="0" lang="fr-FR" sz="2800" spc="-1" strike="noStrike">
-              <a:solidFill>
-                <a:srgbClr val="000000"/>
-              </a:solidFill>
-              <a:latin typeface="Calibri"/>
-            </a:endParaRPr>
-          </a:p>
-        </p:txBody>
-      </p:sp>
-      <p:sp>
-        <p:nvSpPr>
-          <p:cNvPr id="20" name="PlaceHolder 3"/>
+            <a:endParaRPr b="0" lang="en-GB" sz="3200" spc="-1" strike="noStrike">
+              <a:latin typeface="Arial"/>
+            </a:endParaRPr>
+          </a:p>
+        </p:txBody>
+      </p:sp>
+      <p:sp>
+        <p:nvSpPr>
+          <p:cNvPr id="17" name="PlaceHolder 3"/>
           <p:cNvSpPr>
             <a:spLocks noGrp="1"/>
           </p:cNvSpPr>
@@ -2657,8 +3823,8 @@
         </p:nvSpPr>
         <p:spPr>
           <a:xfrm>
-            <a:off x="6226200" y="1825560"/>
-            <a:ext cx="5131080" cy="2075040"/>
+            <a:off x="2573280" y="1825560"/>
+            <a:ext cx="1652040" cy="989280"/>
           </a:xfrm>
           <a:prstGeom prst="rect">
             <a:avLst/>
@@ -2669,18 +3835,15 @@
             <a:normAutofit/>
           </a:bodyPr>
           <a:p>
-            <a:endParaRPr b="0" lang="fr-FR" sz="2800" spc="-1" strike="noStrike">
-              <a:solidFill>
-                <a:srgbClr val="000000"/>
-              </a:solidFill>
-              <a:latin typeface="Calibri"/>
-            </a:endParaRPr>
-          </a:p>
-        </p:txBody>
-      </p:sp>
-      <p:sp>
-        <p:nvSpPr>
-          <p:cNvPr id="21" name="PlaceHolder 4"/>
+            <a:endParaRPr b="0" lang="en-GB" sz="3200" spc="-1" strike="noStrike">
+              <a:latin typeface="Arial"/>
+            </a:endParaRPr>
+          </a:p>
+        </p:txBody>
+      </p:sp>
+      <p:sp>
+        <p:nvSpPr>
+          <p:cNvPr id="18" name="PlaceHolder 4"/>
           <p:cNvSpPr>
             <a:spLocks noGrp="1"/>
           </p:cNvSpPr>
@@ -2690,8 +3853,8 @@
         </p:nvSpPr>
         <p:spPr>
           <a:xfrm>
-            <a:off x="6226200" y="4098240"/>
-            <a:ext cx="5131080" cy="2075040"/>
+            <a:off x="2573280" y="2909160"/>
+            <a:ext cx="1652040" cy="989280"/>
           </a:xfrm>
           <a:prstGeom prst="rect">
             <a:avLst/>
@@ -2702,11 +3865,8 @@
             <a:normAutofit/>
           </a:bodyPr>
           <a:p>
-            <a:endParaRPr b="0" lang="fr-FR" sz="2800" spc="-1" strike="noStrike">
-              <a:solidFill>
-                <a:srgbClr val="000000"/>
-              </a:solidFill>
-              <a:latin typeface="Calibri"/>
+            <a:endParaRPr b="0" lang="en-GB" sz="3200" spc="-1" strike="noStrike">
+              <a:latin typeface="Arial"/>
             </a:endParaRPr>
           </a:p>
         </p:txBody>
@@ -2735,7 +3895,7 @@
       </p:grpSpPr>
       <p:sp>
         <p:nvSpPr>
-          <p:cNvPr id="22" name="PlaceHolder 1"/>
+          <p:cNvPr id="19" name="PlaceHolder 1"/>
           <p:cNvSpPr>
             <a:spLocks noGrp="1"/>
           </p:cNvSpPr>
@@ -2746,7 +3906,7 @@
         <p:spPr>
           <a:xfrm>
             <a:off x="838080" y="365040"/>
-            <a:ext cx="10515240" cy="1325160"/>
+            <a:ext cx="10514880" cy="1324800"/>
           </a:xfrm>
           <a:prstGeom prst="rect">
             <a:avLst/>
@@ -2755,18 +3915,16 @@
         <p:txBody>
           <a:bodyPr lIns="0" rIns="0" tIns="0" bIns="0" anchor="ctr"/>
           <a:p>
-            <a:endParaRPr b="0" lang="fr-FR" sz="1800" spc="-1" strike="noStrike">
-              <a:solidFill>
-                <a:srgbClr val="000000"/>
-              </a:solidFill>
-              <a:latin typeface="Calibri"/>
-            </a:endParaRPr>
-          </a:p>
-        </p:txBody>
-      </p:sp>
-      <p:sp>
-        <p:nvSpPr>
-          <p:cNvPr id="23" name="PlaceHolder 2"/>
+            <a:pPr algn="ctr"/>
+            <a:endParaRPr b="0" lang="en-GB" sz="4400" spc="-1" strike="noStrike">
+              <a:latin typeface="Arial"/>
+            </a:endParaRPr>
+          </a:p>
+        </p:txBody>
+      </p:sp>
+      <p:sp>
+        <p:nvSpPr>
+          <p:cNvPr id="20" name="PlaceHolder 2"/>
           <p:cNvSpPr>
             <a:spLocks noGrp="1"/>
           </p:cNvSpPr>
@@ -2777,7 +3935,7 @@
         <p:spPr>
           <a:xfrm>
             <a:off x="838080" y="1825560"/>
-            <a:ext cx="5131080" cy="2075040"/>
+            <a:ext cx="1652040" cy="989280"/>
           </a:xfrm>
           <a:prstGeom prst="rect">
             <a:avLst/>
@@ -2788,18 +3946,15 @@
             <a:normAutofit/>
           </a:bodyPr>
           <a:p>
-            <a:endParaRPr b="0" lang="fr-FR" sz="2800" spc="-1" strike="noStrike">
-              <a:solidFill>
-                <a:srgbClr val="000000"/>
-              </a:solidFill>
-              <a:latin typeface="Calibri"/>
-            </a:endParaRPr>
-          </a:p>
-        </p:txBody>
-      </p:sp>
-      <p:sp>
-        <p:nvSpPr>
-          <p:cNvPr id="24" name="PlaceHolder 3"/>
+            <a:endParaRPr b="0" lang="en-GB" sz="3200" spc="-1" strike="noStrike">
+              <a:latin typeface="Arial"/>
+            </a:endParaRPr>
+          </a:p>
+        </p:txBody>
+      </p:sp>
+      <p:sp>
+        <p:nvSpPr>
+          <p:cNvPr id="21" name="PlaceHolder 3"/>
           <p:cNvSpPr>
             <a:spLocks noGrp="1"/>
           </p:cNvSpPr>
@@ -2809,8 +3964,8 @@
         </p:nvSpPr>
         <p:spPr>
           <a:xfrm>
-            <a:off x="6226200" y="1825560"/>
-            <a:ext cx="5131080" cy="2075040"/>
+            <a:off x="2573280" y="1825560"/>
+            <a:ext cx="1652040" cy="989280"/>
           </a:xfrm>
           <a:prstGeom prst="rect">
             <a:avLst/>
@@ -2821,18 +3976,15 @@
             <a:normAutofit/>
           </a:bodyPr>
           <a:p>
-            <a:endParaRPr b="0" lang="fr-FR" sz="2800" spc="-1" strike="noStrike">
-              <a:solidFill>
-                <a:srgbClr val="000000"/>
-              </a:solidFill>
-              <a:latin typeface="Calibri"/>
-            </a:endParaRPr>
-          </a:p>
-        </p:txBody>
-      </p:sp>
-      <p:sp>
-        <p:nvSpPr>
-          <p:cNvPr id="25" name="PlaceHolder 4"/>
+            <a:endParaRPr b="0" lang="en-GB" sz="3200" spc="-1" strike="noStrike">
+              <a:latin typeface="Arial"/>
+            </a:endParaRPr>
+          </a:p>
+        </p:txBody>
+      </p:sp>
+      <p:sp>
+        <p:nvSpPr>
+          <p:cNvPr id="22" name="PlaceHolder 4"/>
           <p:cNvSpPr>
             <a:spLocks noGrp="1"/>
           </p:cNvSpPr>
@@ -2842,8 +3994,8 @@
         </p:nvSpPr>
         <p:spPr>
           <a:xfrm>
-            <a:off x="838080" y="4098240"/>
-            <a:ext cx="10515240" cy="2075040"/>
+            <a:off x="838080" y="2909160"/>
+            <a:ext cx="3385440" cy="989280"/>
           </a:xfrm>
           <a:prstGeom prst="rect">
             <a:avLst/>
@@ -2854,11 +4006,8 @@
             <a:normAutofit/>
           </a:bodyPr>
           <a:p>
-            <a:endParaRPr b="0" lang="fr-FR" sz="2800" spc="-1" strike="noStrike">
-              <a:solidFill>
-                <a:srgbClr val="000000"/>
-              </a:solidFill>
-              <a:latin typeface="Calibri"/>
+            <a:endParaRPr b="0" lang="en-GB" sz="3200" spc="-1" strike="noStrike">
+              <a:latin typeface="Arial"/>
             </a:endParaRPr>
           </a:p>
         </p:txBody>
@@ -2904,35 +4053,24 @@
         </p:nvSpPr>
         <p:spPr>
           <a:xfrm>
-            <a:off x="1523880" y="1122480"/>
-            <a:ext cx="9143640" cy="2387160"/>
-          </a:xfrm>
-          <a:prstGeom prst="rect">
-            <a:avLst/>
-          </a:prstGeom>
-        </p:spPr>
-        <p:txBody>
-          <a:bodyPr anchor="b"/>
-          <a:p>
-            <a:pPr algn="ctr">
-              <a:lnSpc>
-                <a:spcPct val="90000"/>
-              </a:lnSpc>
-            </a:pPr>
-            <a:r>
-              <a:rPr b="0" lang="fr-FR" sz="6000" spc="-1" strike="noStrike">
-                <a:solidFill>
-                  <a:srgbClr val="000000"/>
-                </a:solidFill>
-                <a:latin typeface="Calibri Light"/>
-              </a:rPr>
-              <a:t>Modifiez le style du titre</a:t>
-            </a:r>
-            <a:endParaRPr b="0" lang="fr-FR" sz="6000" spc="-1" strike="noStrike">
-              <a:solidFill>
-                <a:srgbClr val="000000"/>
-              </a:solidFill>
-              <a:latin typeface="Calibri"/>
+            <a:off x="838080" y="365040"/>
+            <a:ext cx="10514880" cy="1324800"/>
+          </a:xfrm>
+          <a:prstGeom prst="rect">
+            <a:avLst/>
+          </a:prstGeom>
+        </p:spPr>
+        <p:txBody>
+          <a:bodyPr lIns="0" rIns="0" tIns="0" bIns="0" anchor="ctr"/>
+          <a:p>
+            <a:r>
+              <a:rPr b="0" lang="en-GB" sz="1800" spc="-1" strike="noStrike">
+                <a:latin typeface="Arial"/>
+              </a:rPr>
+              <a:t>Click to edit the title text format</a:t>
+            </a:r>
+            <a:endParaRPr b="0" lang="en-GB" sz="1800" spc="-1" strike="noStrike">
+              <a:latin typeface="Arial"/>
             </a:endParaRPr>
           </a:p>
         </p:txBody>
@@ -2940,118 +4078,6 @@
       <p:sp>
         <p:nvSpPr>
           <p:cNvPr id="1" name="PlaceHolder 2"/>
-          <p:cNvSpPr>
-            <a:spLocks noGrp="1"/>
-          </p:cNvSpPr>
-          <p:nvPr>
-            <p:ph type="dt"/>
-          </p:nvPr>
-        </p:nvSpPr>
-        <p:spPr>
-          <a:xfrm>
-            <a:off x="838080" y="6356520"/>
-            <a:ext cx="2742840" cy="364680"/>
-          </a:xfrm>
-          <a:prstGeom prst="rect">
-            <a:avLst/>
-          </a:prstGeom>
-        </p:spPr>
-        <p:txBody>
-          <a:bodyPr anchor="ctr"/>
-          <a:p>
-            <a:pPr>
-              <a:lnSpc>
-                <a:spcPct val="100000"/>
-              </a:lnSpc>
-            </a:pPr>
-            <a:fld id="{B84F1C5E-8BA6-4AE8-B4DB-A0936E372C7F}" type="datetime">
-              <a:rPr b="0" lang="en-GB" sz="1200" spc="-1" strike="noStrike">
-                <a:solidFill>
-                  <a:srgbClr val="8b8b8b"/>
-                </a:solidFill>
-                <a:latin typeface="Calibri"/>
-              </a:rPr>
-              <a:t>18/03/20</a:t>
-            </a:fld>
-            <a:endParaRPr b="0" lang="en-GB" sz="1200" spc="-1" strike="noStrike">
-              <a:latin typeface="Times New Roman"/>
-            </a:endParaRPr>
-          </a:p>
-        </p:txBody>
-      </p:sp>
-      <p:sp>
-        <p:nvSpPr>
-          <p:cNvPr id="2" name="PlaceHolder 3"/>
-          <p:cNvSpPr>
-            <a:spLocks noGrp="1"/>
-          </p:cNvSpPr>
-          <p:nvPr>
-            <p:ph type="ftr"/>
-          </p:nvPr>
-        </p:nvSpPr>
-        <p:spPr>
-          <a:xfrm>
-            <a:off x="4038480" y="6356520"/>
-            <a:ext cx="4114440" cy="364680"/>
-          </a:xfrm>
-          <a:prstGeom prst="rect">
-            <a:avLst/>
-          </a:prstGeom>
-        </p:spPr>
-        <p:txBody>
-          <a:bodyPr anchor="ctr"/>
-          <a:p>
-            <a:endParaRPr b="0" lang="en-GB" sz="2400" spc="-1" strike="noStrike">
-              <a:latin typeface="Times New Roman"/>
-            </a:endParaRPr>
-          </a:p>
-        </p:txBody>
-      </p:sp>
-      <p:sp>
-        <p:nvSpPr>
-          <p:cNvPr id="3" name="PlaceHolder 4"/>
-          <p:cNvSpPr>
-            <a:spLocks noGrp="1"/>
-          </p:cNvSpPr>
-          <p:nvPr>
-            <p:ph type="sldNum"/>
-          </p:nvPr>
-        </p:nvSpPr>
-        <p:spPr>
-          <a:xfrm>
-            <a:off x="8610480" y="6356520"/>
-            <a:ext cx="2742840" cy="364680"/>
-          </a:xfrm>
-          <a:prstGeom prst="rect">
-            <a:avLst/>
-          </a:prstGeom>
-        </p:spPr>
-        <p:txBody>
-          <a:bodyPr anchor="ctr"/>
-          <a:p>
-            <a:pPr algn="r">
-              <a:lnSpc>
-                <a:spcPct val="100000"/>
-              </a:lnSpc>
-            </a:pPr>
-            <a:fld id="{CAAB401A-E939-41F6-B1DF-A82BED772D20}" type="slidenum">
-              <a:rPr b="0" lang="en-GB" sz="1200" spc="-1" strike="noStrike">
-                <a:solidFill>
-                  <a:srgbClr val="8b8b8b"/>
-                </a:solidFill>
-                <a:latin typeface="Calibri"/>
-              </a:rPr>
-              <a:t>&lt;number&gt;</a:t>
-            </a:fld>
-            <a:endParaRPr b="0" lang="en-GB" sz="1200" spc="-1" strike="noStrike">
-              <a:latin typeface="Times New Roman"/>
-            </a:endParaRPr>
-          </a:p>
-        </p:txBody>
-      </p:sp>
-      <p:sp>
-        <p:nvSpPr>
-          <p:cNvPr id="4" name="PlaceHolder 5"/>
           <p:cNvSpPr>
             <a:spLocks noGrp="1"/>
           </p:cNvSpPr>
@@ -3085,37 +4111,13 @@
               <a:buChar char=""/>
             </a:pPr>
             <a:r>
-              <a:rPr b="0" lang="fr-FR" sz="2800" spc="-1" strike="noStrike">
-                <a:solidFill>
-                  <a:srgbClr val="000000"/>
-                </a:solidFill>
-                <a:latin typeface="Calibri"/>
-              </a:rPr>
-              <a:t>Click to edit the </a:t>
-            </a:r>
-            <a:r>
-              <a:rPr b="0" lang="fr-FR" sz="2800" spc="-1" strike="noStrike">
-                <a:solidFill>
-                  <a:srgbClr val="000000"/>
-                </a:solidFill>
-                <a:latin typeface="Calibri"/>
-              </a:rPr>
-              <a:t>outline text </a:t>
-            </a:r>
-            <a:r>
-              <a:rPr b="0" lang="fr-FR" sz="2800" spc="-1" strike="noStrike">
-                <a:solidFill>
-                  <a:srgbClr val="000000"/>
-                </a:solidFill>
-                <a:latin typeface="Calibri"/>
-              </a:rPr>
-              <a:t>format</a:t>
-            </a:r>
-            <a:endParaRPr b="0" lang="fr-FR" sz="2800" spc="-1" strike="noStrike">
-              <a:solidFill>
-                <a:srgbClr val="000000"/>
-              </a:solidFill>
-              <a:latin typeface="Calibri"/>
+              <a:rPr b="0" lang="en-GB" sz="3200" spc="-1" strike="noStrike">
+                <a:latin typeface="Arial"/>
+              </a:rPr>
+              <a:t>Click to edit the outline text format</a:t>
+            </a:r>
+            <a:endParaRPr b="0" lang="en-GB" sz="3200" spc="-1" strike="noStrike">
+              <a:latin typeface="Arial"/>
             </a:endParaRPr>
           </a:p>
           <a:p>
@@ -3131,28 +4133,13 @@
               <a:buChar char=""/>
             </a:pPr>
             <a:r>
-              <a:rPr b="0" lang="fr-FR" sz="2000" spc="-1" strike="noStrike">
-                <a:solidFill>
-                  <a:srgbClr val="000000"/>
-                </a:solidFill>
-                <a:latin typeface="Calibri"/>
-              </a:rPr>
-              <a:t>Second Outline </a:t>
-            </a:r>
-            <a:r>
-              <a:rPr b="0" lang="fr-FR" sz="2000" spc="-1" strike="noStrike">
-                <a:solidFill>
-                  <a:srgbClr val="000000"/>
-                </a:solidFill>
-                <a:latin typeface="Calibri"/>
-              </a:rPr>
-              <a:t>Level</a:t>
-            </a:r>
-            <a:endParaRPr b="0" lang="fr-FR" sz="2000" spc="-1" strike="noStrike">
-              <a:solidFill>
-                <a:srgbClr val="000000"/>
-              </a:solidFill>
-              <a:latin typeface="Calibri"/>
+              <a:rPr b="0" lang="en-GB" sz="2800" spc="-1" strike="noStrike">
+                <a:latin typeface="Arial"/>
+              </a:rPr>
+              <a:t>Second Outline Level</a:t>
+            </a:r>
+            <a:endParaRPr b="0" lang="en-GB" sz="2800" spc="-1" strike="noStrike">
+              <a:latin typeface="Arial"/>
             </a:endParaRPr>
           </a:p>
           <a:p>
@@ -3168,28 +4155,13 @@
               <a:buChar char=""/>
             </a:pPr>
             <a:r>
-              <a:rPr b="0" lang="fr-FR" sz="1800" spc="-1" strike="noStrike">
-                <a:solidFill>
-                  <a:srgbClr val="000000"/>
-                </a:solidFill>
-                <a:latin typeface="Calibri"/>
-              </a:rPr>
-              <a:t>Third Outline </a:t>
-            </a:r>
-            <a:r>
-              <a:rPr b="0" lang="fr-FR" sz="1800" spc="-1" strike="noStrike">
-                <a:solidFill>
-                  <a:srgbClr val="000000"/>
-                </a:solidFill>
-                <a:latin typeface="Calibri"/>
-              </a:rPr>
-              <a:t>Level</a:t>
-            </a:r>
-            <a:endParaRPr b="0" lang="fr-FR" sz="1800" spc="-1" strike="noStrike">
-              <a:solidFill>
-                <a:srgbClr val="000000"/>
-              </a:solidFill>
-              <a:latin typeface="Calibri"/>
+              <a:rPr b="0" lang="en-GB" sz="2400" spc="-1" strike="noStrike">
+                <a:latin typeface="Arial"/>
+              </a:rPr>
+              <a:t>Third Outline Level</a:t>
+            </a:r>
+            <a:endParaRPr b="0" lang="en-GB" sz="2400" spc="-1" strike="noStrike">
+              <a:latin typeface="Arial"/>
             </a:endParaRPr>
           </a:p>
           <a:p>
@@ -3205,28 +4177,13 @@
               <a:buChar char=""/>
             </a:pPr>
             <a:r>
-              <a:rPr b="0" lang="fr-FR" sz="1800" spc="-1" strike="noStrike">
-                <a:solidFill>
-                  <a:srgbClr val="000000"/>
-                </a:solidFill>
-                <a:latin typeface="Calibri"/>
-              </a:rPr>
-              <a:t>Fourth Outline </a:t>
-            </a:r>
-            <a:r>
-              <a:rPr b="0" lang="fr-FR" sz="1800" spc="-1" strike="noStrike">
-                <a:solidFill>
-                  <a:srgbClr val="000000"/>
-                </a:solidFill>
-                <a:latin typeface="Calibri"/>
-              </a:rPr>
-              <a:t>Level</a:t>
-            </a:r>
-            <a:endParaRPr b="0" lang="fr-FR" sz="1800" spc="-1" strike="noStrike">
-              <a:solidFill>
-                <a:srgbClr val="000000"/>
-              </a:solidFill>
-              <a:latin typeface="Calibri"/>
+              <a:rPr b="0" lang="en-GB" sz="2000" spc="-1" strike="noStrike">
+                <a:latin typeface="Arial"/>
+              </a:rPr>
+              <a:t>Fourth Outline Level</a:t>
+            </a:r>
+            <a:endParaRPr b="0" lang="en-GB" sz="2000" spc="-1" strike="noStrike">
+              <a:latin typeface="Arial"/>
             </a:endParaRPr>
           </a:p>
           <a:p>
@@ -3242,37 +4199,13 @@
               <a:buChar char=""/>
             </a:pPr>
             <a:r>
-              <a:rPr b="0" lang="fr-FR" sz="2000" spc="-1" strike="noStrike">
-                <a:solidFill>
-                  <a:srgbClr val="000000"/>
-                </a:solidFill>
-                <a:latin typeface="Calibri"/>
-              </a:rPr>
-              <a:t>Fifth </a:t>
-            </a:r>
-            <a:r>
-              <a:rPr b="0" lang="fr-FR" sz="2000" spc="-1" strike="noStrike">
-                <a:solidFill>
-                  <a:srgbClr val="000000"/>
-                </a:solidFill>
-                <a:latin typeface="Calibri"/>
-              </a:rPr>
-              <a:t>Outline </a:t>
-            </a:r>
-            <a:r>
-              <a:rPr b="0" lang="fr-FR" sz="2000" spc="-1" strike="noStrike">
-                <a:solidFill>
-                  <a:srgbClr val="000000"/>
-                </a:solidFill>
-                <a:latin typeface="Calibri"/>
-              </a:rPr>
-              <a:t>Level</a:t>
-            </a:r>
-            <a:endParaRPr b="0" lang="fr-FR" sz="2000" spc="-1" strike="noStrike">
-              <a:solidFill>
-                <a:srgbClr val="000000"/>
-              </a:solidFill>
-              <a:latin typeface="Calibri"/>
+              <a:rPr b="0" lang="en-GB" sz="2000" spc="-1" strike="noStrike">
+                <a:latin typeface="Arial"/>
+              </a:rPr>
+              <a:t>Fifth Outline Level</a:t>
+            </a:r>
+            <a:endParaRPr b="0" lang="en-GB" sz="2000" spc="-1" strike="noStrike">
+              <a:latin typeface="Arial"/>
             </a:endParaRPr>
           </a:p>
           <a:p>
@@ -3288,46 +4221,13 @@
               <a:buChar char=""/>
             </a:pPr>
             <a:r>
-              <a:rPr b="0" lang="fr-FR" sz="2000" spc="-1" strike="noStrike">
-                <a:solidFill>
-                  <a:srgbClr val="000000"/>
-                </a:solidFill>
-                <a:latin typeface="Calibri"/>
-              </a:rPr>
-              <a:t>Sixth </a:t>
-            </a:r>
-            <a:r>
-              <a:rPr b="0" lang="fr-FR" sz="2000" spc="-1" strike="noStrike">
-                <a:solidFill>
-                  <a:srgbClr val="000000"/>
-                </a:solidFill>
-                <a:latin typeface="Calibri"/>
-              </a:rPr>
-              <a:t>Outlin</a:t>
-            </a:r>
-            <a:r>
-              <a:rPr b="0" lang="fr-FR" sz="2000" spc="-1" strike="noStrike">
-                <a:solidFill>
-                  <a:srgbClr val="000000"/>
-                </a:solidFill>
-                <a:latin typeface="Calibri"/>
-              </a:rPr>
-              <a:t>e </a:t>
-            </a:r>
-            <a:r>
-              <a:rPr b="0" lang="fr-FR" sz="2000" spc="-1" strike="noStrike">
-                <a:solidFill>
-                  <a:srgbClr val="000000"/>
-                </a:solidFill>
-                <a:latin typeface="Calibri"/>
-              </a:rPr>
-              <a:t>Level</a:t>
-            </a:r>
-            <a:endParaRPr b="0" lang="fr-FR" sz="2000" spc="-1" strike="noStrike">
-              <a:solidFill>
-                <a:srgbClr val="000000"/>
-              </a:solidFill>
-              <a:latin typeface="Calibri"/>
+              <a:rPr b="0" lang="en-GB" sz="2000" spc="-1" strike="noStrike">
+                <a:latin typeface="Arial"/>
+              </a:rPr>
+              <a:t>Sixth Outline Level</a:t>
+            </a:r>
+            <a:endParaRPr b="0" lang="en-GB" sz="2000" spc="-1" strike="noStrike">
+              <a:latin typeface="Arial"/>
             </a:endParaRPr>
           </a:p>
           <a:p>
@@ -3343,100 +4243,13 @@
               <a:buChar char=""/>
             </a:pPr>
             <a:r>
-              <a:rPr b="0" lang="fr-FR" sz="2000" spc="-1" strike="noStrike">
-                <a:solidFill>
-                  <a:srgbClr val="000000"/>
-                </a:solidFill>
-                <a:latin typeface="Calibri"/>
-              </a:rPr>
-              <a:t>Se</a:t>
-            </a:r>
-            <a:r>
-              <a:rPr b="0" lang="fr-FR" sz="2000" spc="-1" strike="noStrike">
-                <a:solidFill>
-                  <a:srgbClr val="000000"/>
-                </a:solidFill>
-                <a:latin typeface="Calibri"/>
-              </a:rPr>
-              <a:t>ve</a:t>
-            </a:r>
-            <a:r>
-              <a:rPr b="0" lang="fr-FR" sz="2000" spc="-1" strike="noStrike">
-                <a:solidFill>
-                  <a:srgbClr val="000000"/>
-                </a:solidFill>
-                <a:latin typeface="Calibri"/>
-              </a:rPr>
-              <a:t>nt</a:t>
-            </a:r>
-            <a:r>
-              <a:rPr b="0" lang="fr-FR" sz="2000" spc="-1" strike="noStrike">
-                <a:solidFill>
-                  <a:srgbClr val="000000"/>
-                </a:solidFill>
-                <a:latin typeface="Calibri"/>
-              </a:rPr>
-              <a:t>h </a:t>
-            </a:r>
-            <a:r>
-              <a:rPr b="0" lang="fr-FR" sz="2000" spc="-1" strike="noStrike">
-                <a:solidFill>
-                  <a:srgbClr val="000000"/>
-                </a:solidFill>
-                <a:latin typeface="Calibri"/>
-              </a:rPr>
-              <a:t>Ou</a:t>
-            </a:r>
-            <a:r>
-              <a:rPr b="0" lang="fr-FR" sz="2000" spc="-1" strike="noStrike">
-                <a:solidFill>
-                  <a:srgbClr val="000000"/>
-                </a:solidFill>
-                <a:latin typeface="Calibri"/>
-              </a:rPr>
-              <a:t>tli</a:t>
-            </a:r>
-            <a:r>
-              <a:rPr b="0" lang="fr-FR" sz="2000" spc="-1" strike="noStrike">
-                <a:solidFill>
-                  <a:srgbClr val="000000"/>
-                </a:solidFill>
-                <a:latin typeface="Calibri"/>
-              </a:rPr>
-              <a:t>ne </a:t>
-            </a:r>
-            <a:r>
-              <a:rPr b="0" lang="fr-FR" sz="2000" spc="-1" strike="noStrike">
-                <a:solidFill>
-                  <a:srgbClr val="000000"/>
-                </a:solidFill>
-                <a:latin typeface="Calibri"/>
-              </a:rPr>
-              <a:t>Le</a:t>
-            </a:r>
-            <a:r>
-              <a:rPr b="0" lang="fr-FR" sz="2000" spc="-1" strike="noStrike">
-                <a:solidFill>
-                  <a:srgbClr val="000000"/>
-                </a:solidFill>
-                <a:latin typeface="Calibri"/>
-              </a:rPr>
-              <a:t>ve</a:t>
-            </a:r>
-            <a:r>
-              <a:rPr b="0" lang="fr-FR" sz="2000" spc="-1" strike="noStrike">
-                <a:solidFill>
-                  <a:srgbClr val="000000"/>
-                </a:solidFill>
-                <a:latin typeface="Calibri"/>
-              </a:rPr>
-              <a:t>l</a:t>
-            </a:r>
-            <a:endParaRPr b="0" lang="fr-FR" sz="2000" spc="-1" strike="noStrike">
-              <a:solidFill>
-                <a:srgbClr val="000000"/>
-              </a:solidFill>
-              <a:latin typeface="Calibri"/>
+              <a:rPr b="0" lang="en-GB" sz="2000" spc="-1" strike="noStrike">
+                <a:latin typeface="Arial"/>
+              </a:rPr>
+              <a:t>Seventh Outline Level</a:t>
+            </a:r>
+            <a:endParaRPr b="0" lang="en-GB" sz="2000" spc="-1" strike="noStrike">
+              <a:latin typeface="Arial"/>
             </a:endParaRPr>
           </a:p>
         </p:txBody>
@@ -3487,7 +4300,7 @@
       </p:grpSpPr>
       <p:sp>
         <p:nvSpPr>
-          <p:cNvPr id="41" name="PlaceHolder 1"/>
+          <p:cNvPr id="38" name="PlaceHolder 1"/>
           <p:cNvSpPr>
             <a:spLocks noGrp="1"/>
           </p:cNvSpPr>
@@ -3497,42 +4310,32 @@
         </p:nvSpPr>
         <p:spPr>
           <a:xfrm>
-            <a:off x="838080" y="365040"/>
-            <a:ext cx="10515240" cy="1325160"/>
-          </a:xfrm>
-          <a:prstGeom prst="rect">
-            <a:avLst/>
-          </a:prstGeom>
-        </p:spPr>
-        <p:txBody>
-          <a:bodyPr anchor="ctr"/>
-          <a:p>
-            <a:pPr>
-              <a:lnSpc>
-                <a:spcPct val="90000"/>
-              </a:lnSpc>
-            </a:pPr>
-            <a:r>
-              <a:rPr b="0" lang="fr-FR" sz="4400" spc="-1" strike="noStrike">
-                <a:solidFill>
-                  <a:srgbClr val="000000"/>
-                </a:solidFill>
-                <a:latin typeface="Calibri Light"/>
-              </a:rPr>
-              <a:t>Modifiez le style du titre</a:t>
-            </a:r>
-            <a:endParaRPr b="0" lang="fr-FR" sz="4400" spc="-1" strike="noStrike">
-              <a:solidFill>
-                <a:srgbClr val="000000"/>
-              </a:solidFill>
-              <a:latin typeface="Calibri"/>
-            </a:endParaRPr>
-          </a:p>
-        </p:txBody>
-      </p:sp>
-      <p:sp>
-        <p:nvSpPr>
-          <p:cNvPr id="42" name="PlaceHolder 2"/>
+            <a:off x="609480" y="273600"/>
+            <a:ext cx="10972440" cy="1144800"/>
+          </a:xfrm>
+          <a:prstGeom prst="rect">
+            <a:avLst/>
+          </a:prstGeom>
+        </p:spPr>
+        <p:txBody>
+          <a:bodyPr lIns="0" rIns="0" tIns="0" bIns="0" anchor="ctr"/>
+          <a:p>
+            <a:pPr algn="ctr"/>
+            <a:r>
+              <a:rPr b="0" lang="en-GB" sz="4400" spc="-1" strike="noStrike">
+                <a:latin typeface="Arial"/>
+              </a:rPr>
+              <a:t>Click to edit the title text format</a:t>
+            </a:r>
+            <a:endParaRPr b="0" lang="en-GB" sz="4400" spc="-1" strike="noStrike">
+              <a:latin typeface="Arial"/>
+            </a:endParaRPr>
+          </a:p>
+        </p:txBody>
+      </p:sp>
+      <p:sp>
+        <p:nvSpPr>
+          <p:cNvPr id="39" name="PlaceHolder 2"/>
           <p:cNvSpPr>
             <a:spLocks noGrp="1"/>
           </p:cNvSpPr>
@@ -3542,275 +4345,169 @@
         </p:nvSpPr>
         <p:spPr>
           <a:xfrm>
-            <a:off x="838080" y="1825560"/>
-            <a:ext cx="10515240" cy="4350960"/>
-          </a:xfrm>
-          <a:prstGeom prst="rect">
-            <a:avLst/>
-          </a:prstGeom>
-        </p:spPr>
-        <p:txBody>
-          <a:bodyPr/>
-          <a:p>
-            <a:pPr marL="228600" indent="-228240">
-              <a:lnSpc>
-                <a:spcPct val="90000"/>
-              </a:lnSpc>
+            <a:off x="609480" y="1604520"/>
+            <a:ext cx="10972440" cy="3977280"/>
+          </a:xfrm>
+          <a:prstGeom prst="rect">
+            <a:avLst/>
+          </a:prstGeom>
+        </p:spPr>
+        <p:txBody>
+          <a:bodyPr lIns="0" rIns="0" tIns="0" bIns="0">
+            <a:normAutofit/>
+          </a:bodyPr>
+          <a:p>
+            <a:pPr marL="432000" indent="-324000">
               <a:spcBef>
-                <a:spcPts val="1001"/>
+                <a:spcPts val="1417"/>
               </a:spcBef>
               <a:buClr>
                 <a:srgbClr val="000000"/>
               </a:buClr>
-              <a:buFont typeface="Arial"/>
-              <a:buChar char="•"/>
-            </a:pPr>
-            <a:r>
-              <a:rPr b="0" lang="fr-FR" sz="2800" spc="-1" strike="noStrike">
-                <a:solidFill>
-                  <a:srgbClr val="000000"/>
-                </a:solidFill>
-                <a:latin typeface="Calibri"/>
-              </a:rPr>
-              <a:t>Cliquez pour modifier les styles du texte du masque</a:t>
-            </a:r>
-            <a:endParaRPr b="0" lang="fr-FR" sz="2800" spc="-1" strike="noStrike">
-              <a:solidFill>
-                <a:srgbClr val="000000"/>
-              </a:solidFill>
-              <a:latin typeface="Calibri"/>
-            </a:endParaRPr>
-          </a:p>
-          <a:p>
-            <a:pPr lvl="1" marL="685800" indent="-228240">
-              <a:lnSpc>
-                <a:spcPct val="90000"/>
-              </a:lnSpc>
+              <a:buSzPct val="45000"/>
+              <a:buFont typeface="Wingdings" charset="2"/>
+              <a:buChar char=""/>
+            </a:pPr>
+            <a:r>
+              <a:rPr b="0" lang="en-GB" sz="3200" spc="-1" strike="noStrike">
+                <a:latin typeface="Arial"/>
+              </a:rPr>
+              <a:t>Click to edit the outline text format</a:t>
+            </a:r>
+            <a:endParaRPr b="0" lang="en-GB" sz="3200" spc="-1" strike="noStrike">
+              <a:latin typeface="Arial"/>
+            </a:endParaRPr>
+          </a:p>
+          <a:p>
+            <a:pPr lvl="1" marL="864000" indent="-324000">
               <a:spcBef>
-                <a:spcPts val="499"/>
+                <a:spcPts val="1134"/>
               </a:spcBef>
               <a:buClr>
                 <a:srgbClr val="000000"/>
               </a:buClr>
-              <a:buFont typeface="Arial"/>
-              <a:buChar char="•"/>
-            </a:pPr>
-            <a:r>
-              <a:rPr b="0" lang="fr-FR" sz="2400" spc="-1" strike="noStrike">
-                <a:solidFill>
-                  <a:srgbClr val="000000"/>
-                </a:solidFill>
-                <a:latin typeface="Calibri"/>
-              </a:rPr>
-              <a:t>Deuxième niveau</a:t>
-            </a:r>
-            <a:endParaRPr b="0" lang="fr-FR" sz="2400" spc="-1" strike="noStrike">
-              <a:solidFill>
-                <a:srgbClr val="000000"/>
-              </a:solidFill>
-              <a:latin typeface="Calibri"/>
-            </a:endParaRPr>
-          </a:p>
-          <a:p>
-            <a:pPr lvl="2" marL="1143000" indent="-228240">
-              <a:lnSpc>
-                <a:spcPct val="90000"/>
-              </a:lnSpc>
+              <a:buSzPct val="75000"/>
+              <a:buFont typeface="Symbol" charset="2"/>
+              <a:buChar char=""/>
+            </a:pPr>
+            <a:r>
+              <a:rPr b="0" lang="en-GB" sz="2800" spc="-1" strike="noStrike">
+                <a:latin typeface="Arial"/>
+              </a:rPr>
+              <a:t>Second Outline Level</a:t>
+            </a:r>
+            <a:endParaRPr b="0" lang="en-GB" sz="2800" spc="-1" strike="noStrike">
+              <a:latin typeface="Arial"/>
+            </a:endParaRPr>
+          </a:p>
+          <a:p>
+            <a:pPr lvl="2" marL="1296000" indent="-288000">
               <a:spcBef>
-                <a:spcPts val="499"/>
+                <a:spcPts val="850"/>
               </a:spcBef>
               <a:buClr>
                 <a:srgbClr val="000000"/>
               </a:buClr>
-              <a:buFont typeface="Arial"/>
-              <a:buChar char="•"/>
-            </a:pPr>
-            <a:r>
-              <a:rPr b="0" lang="fr-FR" sz="2000" spc="-1" strike="noStrike">
-                <a:solidFill>
-                  <a:srgbClr val="000000"/>
-                </a:solidFill>
-                <a:latin typeface="Calibri"/>
-              </a:rPr>
-              <a:t>Troisième niveau</a:t>
-            </a:r>
-            <a:endParaRPr b="0" lang="fr-FR" sz="2000" spc="-1" strike="noStrike">
-              <a:solidFill>
-                <a:srgbClr val="000000"/>
-              </a:solidFill>
-              <a:latin typeface="Calibri"/>
-            </a:endParaRPr>
-          </a:p>
-          <a:p>
-            <a:pPr lvl="3" marL="1600200" indent="-228240">
-              <a:lnSpc>
-                <a:spcPct val="90000"/>
-              </a:lnSpc>
+              <a:buSzPct val="45000"/>
+              <a:buFont typeface="Wingdings" charset="2"/>
+              <a:buChar char=""/>
+            </a:pPr>
+            <a:r>
+              <a:rPr b="0" lang="en-GB" sz="2400" spc="-1" strike="noStrike">
+                <a:latin typeface="Arial"/>
+              </a:rPr>
+              <a:t>Third Outline Level</a:t>
+            </a:r>
+            <a:endParaRPr b="0" lang="en-GB" sz="2400" spc="-1" strike="noStrike">
+              <a:latin typeface="Arial"/>
+            </a:endParaRPr>
+          </a:p>
+          <a:p>
+            <a:pPr lvl="3" marL="1728000" indent="-216000">
               <a:spcBef>
-                <a:spcPts val="499"/>
+                <a:spcPts val="567"/>
               </a:spcBef>
               <a:buClr>
                 <a:srgbClr val="000000"/>
               </a:buClr>
-              <a:buFont typeface="Arial"/>
-              <a:buChar char="•"/>
-            </a:pPr>
-            <a:r>
-              <a:rPr b="0" lang="fr-FR" sz="1800" spc="-1" strike="noStrike">
-                <a:solidFill>
-                  <a:srgbClr val="000000"/>
-                </a:solidFill>
-                <a:latin typeface="Calibri"/>
-              </a:rPr>
-              <a:t>Quatrième niveau</a:t>
-            </a:r>
-            <a:endParaRPr b="0" lang="fr-FR" sz="1800" spc="-1" strike="noStrike">
-              <a:solidFill>
-                <a:srgbClr val="000000"/>
-              </a:solidFill>
-              <a:latin typeface="Calibri"/>
-            </a:endParaRPr>
-          </a:p>
-          <a:p>
-            <a:pPr lvl="4" marL="2057400" indent="-228240">
-              <a:lnSpc>
-                <a:spcPct val="90000"/>
-              </a:lnSpc>
+              <a:buSzPct val="75000"/>
+              <a:buFont typeface="Symbol" charset="2"/>
+              <a:buChar char=""/>
+            </a:pPr>
+            <a:r>
+              <a:rPr b="0" lang="en-GB" sz="2000" spc="-1" strike="noStrike">
+                <a:latin typeface="Arial"/>
+              </a:rPr>
+              <a:t>Fourth Outline Level</a:t>
+            </a:r>
+            <a:endParaRPr b="0" lang="en-GB" sz="2000" spc="-1" strike="noStrike">
+              <a:latin typeface="Arial"/>
+            </a:endParaRPr>
+          </a:p>
+          <a:p>
+            <a:pPr lvl="4" marL="2160000" indent="-216000">
               <a:spcBef>
-                <a:spcPts val="499"/>
+                <a:spcPts val="283"/>
               </a:spcBef>
               <a:buClr>
                 <a:srgbClr val="000000"/>
               </a:buClr>
-              <a:buFont typeface="Arial"/>
-              <a:buChar char="•"/>
-            </a:pPr>
-            <a:r>
-              <a:rPr b="0" lang="fr-FR" sz="1800" spc="-1" strike="noStrike">
-                <a:solidFill>
-                  <a:srgbClr val="000000"/>
-                </a:solidFill>
-                <a:latin typeface="Calibri"/>
-              </a:rPr>
-              <a:t>Cinquième niveau</a:t>
-            </a:r>
-            <a:endParaRPr b="0" lang="fr-FR" sz="1800" spc="-1" strike="noStrike">
-              <a:solidFill>
+              <a:buSzPct val="45000"/>
+              <a:buFont typeface="Wingdings" charset="2"/>
+              <a:buChar char=""/>
+            </a:pPr>
+            <a:r>
+              <a:rPr b="0" lang="en-GB" sz="2000" spc="-1" strike="noStrike">
+                <a:latin typeface="Arial"/>
+              </a:rPr>
+              <a:t>Fifth Outline Level</a:t>
+            </a:r>
+            <a:endParaRPr b="0" lang="en-GB" sz="2000" spc="-1" strike="noStrike">
+              <a:latin typeface="Arial"/>
+            </a:endParaRPr>
+          </a:p>
+          <a:p>
+            <a:pPr lvl="5" marL="2592000" indent="-216000">
+              <a:spcBef>
+                <a:spcPts val="283"/>
+              </a:spcBef>
+              <a:buClr>
                 <a:srgbClr val="000000"/>
-              </a:solidFill>
-              <a:latin typeface="Calibri"/>
-            </a:endParaRPr>
-          </a:p>
-        </p:txBody>
-      </p:sp>
-      <p:sp>
-        <p:nvSpPr>
-          <p:cNvPr id="43" name="PlaceHolder 3"/>
-          <p:cNvSpPr>
-            <a:spLocks noGrp="1"/>
-          </p:cNvSpPr>
-          <p:nvPr>
-            <p:ph type="dt"/>
-          </p:nvPr>
-        </p:nvSpPr>
-        <p:spPr>
-          <a:xfrm>
-            <a:off x="838080" y="6356520"/>
-            <a:ext cx="2742840" cy="364680"/>
-          </a:xfrm>
-          <a:prstGeom prst="rect">
-            <a:avLst/>
-          </a:prstGeom>
-        </p:spPr>
-        <p:txBody>
-          <a:bodyPr anchor="ctr"/>
-          <a:p>
-            <a:pPr>
-              <a:lnSpc>
-                <a:spcPct val="100000"/>
-              </a:lnSpc>
-            </a:pPr>
-            <a:fld id="{A36B5BC7-4C51-4CF2-9E18-9118BC9CE1B3}" type="datetime">
-              <a:rPr b="0" lang="en-GB" sz="1200" spc="-1" strike="noStrike">
-                <a:solidFill>
-                  <a:srgbClr val="8b8b8b"/>
-                </a:solidFill>
-                <a:latin typeface="Calibri"/>
-              </a:rPr>
-              <a:t>18/03/20</a:t>
-            </a:fld>
-            <a:endParaRPr b="0" lang="en-GB" sz="1200" spc="-1" strike="noStrike">
-              <a:latin typeface="Times New Roman"/>
-            </a:endParaRPr>
-          </a:p>
-        </p:txBody>
-      </p:sp>
-      <p:sp>
-        <p:nvSpPr>
-          <p:cNvPr id="44" name="PlaceHolder 4"/>
-          <p:cNvSpPr>
-            <a:spLocks noGrp="1"/>
-          </p:cNvSpPr>
-          <p:nvPr>
-            <p:ph type="ftr"/>
-          </p:nvPr>
-        </p:nvSpPr>
-        <p:spPr>
-          <a:xfrm>
-            <a:off x="4038480" y="6356520"/>
-            <a:ext cx="4114440" cy="364680"/>
-          </a:xfrm>
-          <a:prstGeom prst="rect">
-            <a:avLst/>
-          </a:prstGeom>
-        </p:spPr>
-        <p:txBody>
-          <a:bodyPr anchor="ctr"/>
-          <a:p>
-            <a:endParaRPr b="0" lang="en-GB" sz="2400" spc="-1" strike="noStrike">
-              <a:latin typeface="Times New Roman"/>
-            </a:endParaRPr>
-          </a:p>
-        </p:txBody>
-      </p:sp>
-      <p:sp>
-        <p:nvSpPr>
-          <p:cNvPr id="45" name="PlaceHolder 5"/>
-          <p:cNvSpPr>
-            <a:spLocks noGrp="1"/>
-          </p:cNvSpPr>
-          <p:nvPr>
-            <p:ph type="sldNum"/>
-          </p:nvPr>
-        </p:nvSpPr>
-        <p:spPr>
-          <a:xfrm>
-            <a:off x="8610480" y="6356520"/>
-            <a:ext cx="2742840" cy="364680"/>
-          </a:xfrm>
-          <a:prstGeom prst="rect">
-            <a:avLst/>
-          </a:prstGeom>
-        </p:spPr>
-        <p:txBody>
-          <a:bodyPr anchor="ctr"/>
-          <a:p>
-            <a:pPr algn="r">
-              <a:lnSpc>
-                <a:spcPct val="100000"/>
-              </a:lnSpc>
-            </a:pPr>
-            <a:fld id="{7AE8A23F-1050-46EC-82C1-6CF37B0311B0}" type="slidenum">
-              <a:rPr b="0" lang="en-GB" sz="1200" spc="-1" strike="noStrike">
-                <a:solidFill>
-                  <a:srgbClr val="8b8b8b"/>
-                </a:solidFill>
-                <a:latin typeface="Calibri"/>
-              </a:rPr>
-              <a:t>1</a:t>
-            </a:fld>
-            <a:endParaRPr b="0" lang="en-GB" sz="1200" spc="-1" strike="noStrike">
-              <a:latin typeface="Times New Roman"/>
+              </a:buClr>
+              <a:buSzPct val="45000"/>
+              <a:buFont typeface="Wingdings" charset="2"/>
+              <a:buChar char=""/>
+            </a:pPr>
+            <a:r>
+              <a:rPr b="0" lang="en-GB" sz="2000" spc="-1" strike="noStrike">
+                <a:latin typeface="Arial"/>
+              </a:rPr>
+              <a:t>Sixth Outline Level</a:t>
+            </a:r>
+            <a:endParaRPr b="0" lang="en-GB" sz="2000" spc="-1" strike="noStrike">
+              <a:latin typeface="Arial"/>
+            </a:endParaRPr>
+          </a:p>
+          <a:p>
+            <a:pPr lvl="6" marL="3024000" indent="-216000">
+              <a:spcBef>
+                <a:spcPts val="283"/>
+              </a:spcBef>
+              <a:buClr>
+                <a:srgbClr val="000000"/>
+              </a:buClr>
+              <a:buSzPct val="45000"/>
+              <a:buFont typeface="Wingdings" charset="2"/>
+              <a:buChar char=""/>
+            </a:pPr>
+            <a:r>
+              <a:rPr b="0" lang="en-GB" sz="2000" spc="-1" strike="noStrike">
+                <a:latin typeface="Arial"/>
+              </a:rPr>
+              <a:t>Seventh Outline Level</a:t>
+            </a:r>
+            <a:endParaRPr b="0" lang="en-GB" sz="2000" spc="-1" strike="noStrike">
+              <a:latin typeface="Arial"/>
             </a:endParaRPr>
           </a:p>
         </p:txBody>
@@ -3831,6 +4528,1158 @@
     <p:sldLayoutId id="2147483671" r:id="rId11"/>
     <p:sldLayoutId id="2147483672" r:id="rId12"/>
     <p:sldLayoutId id="2147483673" r:id="rId13"/>
+  </p:sldLayoutIdLst>
+</p:sldMaster>
+</file>
+
+<file path=ppt/slideMasters/slideMaster3.xml><?xml version="1.0" encoding="utf-8"?>
+<p:sldMaster xmlns:a="http://schemas.openxmlformats.org/drawingml/2006/main" xmlns:p="http://schemas.openxmlformats.org/presentationml/2006/main" xmlns:r="http://schemas.openxmlformats.org/officeDocument/2006/relationships" xmlns:p14="http://schemas.microsoft.com/office/powerpoint/2010/main" xmlns:p15="http://schemas.microsoft.com/office/powerpoint/2012/main" xmlns:mc="http://schemas.openxmlformats.org/markup-compatibility/2006">
+  <p:cSld>
+    <p:bg>
+      <p:bgPr>
+        <a:solidFill>
+          <a:srgbClr val="ffffff"/>
+        </a:solidFill>
+      </p:bgPr>
+    </p:bg>
+    <p:spTree>
+      <p:nvGrpSpPr>
+        <p:cNvPr id="1" name=""/>
+        <p:cNvGrpSpPr/>
+        <p:nvPr/>
+      </p:nvGrpSpPr>
+      <p:grpSpPr>
+        <a:xfrm>
+          <a:off x="0" y="0"/>
+          <a:ext cx="0" cy="0"/>
+          <a:chOff x="0" y="0"/>
+          <a:chExt cx="0" cy="0"/>
+        </a:xfrm>
+      </p:grpSpPr>
+      <p:sp>
+        <p:nvSpPr>
+          <p:cNvPr id="76" name="PlaceHolder 1"/>
+          <p:cNvSpPr>
+            <a:spLocks noGrp="1"/>
+          </p:cNvSpPr>
+          <p:nvPr>
+            <p:ph type="title"/>
+          </p:nvPr>
+        </p:nvSpPr>
+        <p:spPr>
+          <a:xfrm>
+            <a:off x="838080" y="365040"/>
+            <a:ext cx="10514880" cy="1324800"/>
+          </a:xfrm>
+          <a:prstGeom prst="rect">
+            <a:avLst/>
+          </a:prstGeom>
+        </p:spPr>
+        <p:txBody>
+          <a:bodyPr lIns="0" rIns="0" tIns="0" bIns="0" anchor="ctr"/>
+          <a:p>
+            <a:r>
+              <a:rPr b="0" lang="en-GB" sz="1800" spc="-1" strike="noStrike">
+                <a:latin typeface="Arial"/>
+              </a:rPr>
+              <a:t>Click to edit the title text format</a:t>
+            </a:r>
+            <a:endParaRPr b="0" lang="en-GB" sz="1800" spc="-1" strike="noStrike">
+              <a:latin typeface="Arial"/>
+            </a:endParaRPr>
+          </a:p>
+        </p:txBody>
+      </p:sp>
+      <p:sp>
+        <p:nvSpPr>
+          <p:cNvPr id="77" name="PlaceHolder 2"/>
+          <p:cNvSpPr>
+            <a:spLocks noGrp="1"/>
+          </p:cNvSpPr>
+          <p:nvPr>
+            <p:ph type="body"/>
+          </p:nvPr>
+        </p:nvSpPr>
+        <p:spPr>
+          <a:xfrm>
+            <a:off x="838080" y="1825560"/>
+            <a:ext cx="3385440" cy="2074680"/>
+          </a:xfrm>
+          <a:prstGeom prst="rect">
+            <a:avLst/>
+          </a:prstGeom>
+        </p:spPr>
+        <p:txBody>
+          <a:bodyPr lIns="0" rIns="0" tIns="0" bIns="0">
+            <a:normAutofit/>
+          </a:bodyPr>
+          <a:p>
+            <a:pPr marL="432000" indent="-324000">
+              <a:spcBef>
+                <a:spcPts val="1417"/>
+              </a:spcBef>
+              <a:buClr>
+                <a:srgbClr val="000000"/>
+              </a:buClr>
+              <a:buSzPct val="45000"/>
+              <a:buFont typeface="Wingdings" charset="2"/>
+              <a:buChar char=""/>
+            </a:pPr>
+            <a:r>
+              <a:rPr b="0" lang="en-GB" sz="1800" spc="-1" strike="noStrike">
+                <a:latin typeface="Arial"/>
+              </a:rPr>
+              <a:t>Click to edit the outline text format</a:t>
+            </a:r>
+            <a:endParaRPr b="0" lang="en-GB" sz="1800" spc="-1" strike="noStrike">
+              <a:latin typeface="Arial"/>
+            </a:endParaRPr>
+          </a:p>
+          <a:p>
+            <a:pPr lvl="1" marL="864000" indent="-324000">
+              <a:spcBef>
+                <a:spcPts val="1134"/>
+              </a:spcBef>
+              <a:buClr>
+                <a:srgbClr val="000000"/>
+              </a:buClr>
+              <a:buSzPct val="75000"/>
+              <a:buFont typeface="Symbol" charset="2"/>
+              <a:buChar char=""/>
+            </a:pPr>
+            <a:r>
+              <a:rPr b="0" lang="en-GB" sz="1800" spc="-1" strike="noStrike">
+                <a:latin typeface="Arial"/>
+              </a:rPr>
+              <a:t>Second Outline Level</a:t>
+            </a:r>
+            <a:endParaRPr b="0" lang="en-GB" sz="1800" spc="-1" strike="noStrike">
+              <a:latin typeface="Arial"/>
+            </a:endParaRPr>
+          </a:p>
+          <a:p>
+            <a:pPr lvl="2" marL="1296000" indent="-288000">
+              <a:spcBef>
+                <a:spcPts val="850"/>
+              </a:spcBef>
+              <a:buClr>
+                <a:srgbClr val="000000"/>
+              </a:buClr>
+              <a:buSzPct val="45000"/>
+              <a:buFont typeface="Wingdings" charset="2"/>
+              <a:buChar char=""/>
+            </a:pPr>
+            <a:r>
+              <a:rPr b="0" lang="en-GB" sz="1800" spc="-1" strike="noStrike">
+                <a:latin typeface="Arial"/>
+              </a:rPr>
+              <a:t>Third Outline Level</a:t>
+            </a:r>
+            <a:endParaRPr b="0" lang="en-GB" sz="1800" spc="-1" strike="noStrike">
+              <a:latin typeface="Arial"/>
+            </a:endParaRPr>
+          </a:p>
+          <a:p>
+            <a:pPr lvl="3" marL="1728000" indent="-216000">
+              <a:spcBef>
+                <a:spcPts val="567"/>
+              </a:spcBef>
+              <a:buClr>
+                <a:srgbClr val="000000"/>
+              </a:buClr>
+              <a:buSzPct val="75000"/>
+              <a:buFont typeface="Symbol" charset="2"/>
+              <a:buChar char=""/>
+            </a:pPr>
+            <a:r>
+              <a:rPr b="0" lang="en-GB" sz="1800" spc="-1" strike="noStrike">
+                <a:latin typeface="Arial"/>
+              </a:rPr>
+              <a:t>Fourth Outline Level</a:t>
+            </a:r>
+            <a:endParaRPr b="0" lang="en-GB" sz="1800" spc="-1" strike="noStrike">
+              <a:latin typeface="Arial"/>
+            </a:endParaRPr>
+          </a:p>
+          <a:p>
+            <a:pPr lvl="4" marL="2160000" indent="-216000">
+              <a:spcBef>
+                <a:spcPts val="283"/>
+              </a:spcBef>
+              <a:buClr>
+                <a:srgbClr val="000000"/>
+              </a:buClr>
+              <a:buSzPct val="45000"/>
+              <a:buFont typeface="Wingdings" charset="2"/>
+              <a:buChar char=""/>
+            </a:pPr>
+            <a:r>
+              <a:rPr b="0" lang="en-GB" sz="1800" spc="-1" strike="noStrike">
+                <a:latin typeface="Arial"/>
+              </a:rPr>
+              <a:t>Fifth Outline Level</a:t>
+            </a:r>
+            <a:endParaRPr b="0" lang="en-GB" sz="1800" spc="-1" strike="noStrike">
+              <a:latin typeface="Arial"/>
+            </a:endParaRPr>
+          </a:p>
+          <a:p>
+            <a:pPr lvl="5" marL="2592000" indent="-216000">
+              <a:spcBef>
+                <a:spcPts val="283"/>
+              </a:spcBef>
+              <a:buClr>
+                <a:srgbClr val="000000"/>
+              </a:buClr>
+              <a:buSzPct val="45000"/>
+              <a:buFont typeface="Wingdings" charset="2"/>
+              <a:buChar char=""/>
+            </a:pPr>
+            <a:r>
+              <a:rPr b="0" lang="en-GB" sz="1800" spc="-1" strike="noStrike">
+                <a:latin typeface="Arial"/>
+              </a:rPr>
+              <a:t>Sixth Outline Level</a:t>
+            </a:r>
+            <a:endParaRPr b="0" lang="en-GB" sz="1800" spc="-1" strike="noStrike">
+              <a:latin typeface="Arial"/>
+            </a:endParaRPr>
+          </a:p>
+          <a:p>
+            <a:pPr lvl="6" marL="3024000" indent="-216000">
+              <a:spcBef>
+                <a:spcPts val="283"/>
+              </a:spcBef>
+              <a:buClr>
+                <a:srgbClr val="000000"/>
+              </a:buClr>
+              <a:buSzPct val="45000"/>
+              <a:buFont typeface="Wingdings" charset="2"/>
+              <a:buChar char=""/>
+            </a:pPr>
+            <a:r>
+              <a:rPr b="0" lang="en-GB" sz="1800" spc="-1" strike="noStrike">
+                <a:latin typeface="Arial"/>
+              </a:rPr>
+              <a:t>Seventh Outline Level</a:t>
+            </a:r>
+            <a:endParaRPr b="0" lang="en-GB" sz="1800" spc="-1" strike="noStrike">
+              <a:latin typeface="Arial"/>
+            </a:endParaRPr>
+          </a:p>
+        </p:txBody>
+      </p:sp>
+      <p:sp>
+        <p:nvSpPr>
+          <p:cNvPr id="78" name="PlaceHolder 3"/>
+          <p:cNvSpPr>
+            <a:spLocks noGrp="1"/>
+          </p:cNvSpPr>
+          <p:nvPr>
+            <p:ph type="body"/>
+          </p:nvPr>
+        </p:nvSpPr>
+        <p:spPr>
+          <a:xfrm>
+            <a:off x="4393440" y="1825560"/>
+            <a:ext cx="3385440" cy="2074680"/>
+          </a:xfrm>
+          <a:prstGeom prst="rect">
+            <a:avLst/>
+          </a:prstGeom>
+        </p:spPr>
+        <p:txBody>
+          <a:bodyPr lIns="0" rIns="0" tIns="0" bIns="0">
+            <a:normAutofit/>
+          </a:bodyPr>
+          <a:p>
+            <a:pPr marL="432000" indent="-324000">
+              <a:spcBef>
+                <a:spcPts val="1417"/>
+              </a:spcBef>
+              <a:buClr>
+                <a:srgbClr val="000000"/>
+              </a:buClr>
+              <a:buSzPct val="45000"/>
+              <a:buFont typeface="Wingdings" charset="2"/>
+              <a:buChar char=""/>
+            </a:pPr>
+            <a:r>
+              <a:rPr b="0" lang="en-GB" sz="1800" spc="-1" strike="noStrike">
+                <a:latin typeface="Arial"/>
+              </a:rPr>
+              <a:t>Click to edit the outline text format</a:t>
+            </a:r>
+            <a:endParaRPr b="0" lang="en-GB" sz="1800" spc="-1" strike="noStrike">
+              <a:latin typeface="Arial"/>
+            </a:endParaRPr>
+          </a:p>
+          <a:p>
+            <a:pPr lvl="1" marL="864000" indent="-324000">
+              <a:spcBef>
+                <a:spcPts val="1134"/>
+              </a:spcBef>
+              <a:buClr>
+                <a:srgbClr val="000000"/>
+              </a:buClr>
+              <a:buSzPct val="75000"/>
+              <a:buFont typeface="Symbol" charset="2"/>
+              <a:buChar char=""/>
+            </a:pPr>
+            <a:r>
+              <a:rPr b="0" lang="en-GB" sz="1800" spc="-1" strike="noStrike">
+                <a:latin typeface="Arial"/>
+              </a:rPr>
+              <a:t>Second Outline Level</a:t>
+            </a:r>
+            <a:endParaRPr b="0" lang="en-GB" sz="1800" spc="-1" strike="noStrike">
+              <a:latin typeface="Arial"/>
+            </a:endParaRPr>
+          </a:p>
+          <a:p>
+            <a:pPr lvl="2" marL="1296000" indent="-288000">
+              <a:spcBef>
+                <a:spcPts val="850"/>
+              </a:spcBef>
+              <a:buClr>
+                <a:srgbClr val="000000"/>
+              </a:buClr>
+              <a:buSzPct val="45000"/>
+              <a:buFont typeface="Wingdings" charset="2"/>
+              <a:buChar char=""/>
+            </a:pPr>
+            <a:r>
+              <a:rPr b="0" lang="en-GB" sz="1800" spc="-1" strike="noStrike">
+                <a:latin typeface="Arial"/>
+              </a:rPr>
+              <a:t>Third Outline Level</a:t>
+            </a:r>
+            <a:endParaRPr b="0" lang="en-GB" sz="1800" spc="-1" strike="noStrike">
+              <a:latin typeface="Arial"/>
+            </a:endParaRPr>
+          </a:p>
+          <a:p>
+            <a:pPr lvl="3" marL="1728000" indent="-216000">
+              <a:spcBef>
+                <a:spcPts val="567"/>
+              </a:spcBef>
+              <a:buClr>
+                <a:srgbClr val="000000"/>
+              </a:buClr>
+              <a:buSzPct val="75000"/>
+              <a:buFont typeface="Symbol" charset="2"/>
+              <a:buChar char=""/>
+            </a:pPr>
+            <a:r>
+              <a:rPr b="0" lang="en-GB" sz="1800" spc="-1" strike="noStrike">
+                <a:latin typeface="Arial"/>
+              </a:rPr>
+              <a:t>Fourth Outline Level</a:t>
+            </a:r>
+            <a:endParaRPr b="0" lang="en-GB" sz="1800" spc="-1" strike="noStrike">
+              <a:latin typeface="Arial"/>
+            </a:endParaRPr>
+          </a:p>
+          <a:p>
+            <a:pPr lvl="4" marL="2160000" indent="-216000">
+              <a:spcBef>
+                <a:spcPts val="283"/>
+              </a:spcBef>
+              <a:buClr>
+                <a:srgbClr val="000000"/>
+              </a:buClr>
+              <a:buSzPct val="45000"/>
+              <a:buFont typeface="Wingdings" charset="2"/>
+              <a:buChar char=""/>
+            </a:pPr>
+            <a:r>
+              <a:rPr b="0" lang="en-GB" sz="1800" spc="-1" strike="noStrike">
+                <a:latin typeface="Arial"/>
+              </a:rPr>
+              <a:t>Fifth Outline Level</a:t>
+            </a:r>
+            <a:endParaRPr b="0" lang="en-GB" sz="1800" spc="-1" strike="noStrike">
+              <a:latin typeface="Arial"/>
+            </a:endParaRPr>
+          </a:p>
+          <a:p>
+            <a:pPr lvl="5" marL="2592000" indent="-216000">
+              <a:spcBef>
+                <a:spcPts val="283"/>
+              </a:spcBef>
+              <a:buClr>
+                <a:srgbClr val="000000"/>
+              </a:buClr>
+              <a:buSzPct val="45000"/>
+              <a:buFont typeface="Wingdings" charset="2"/>
+              <a:buChar char=""/>
+            </a:pPr>
+            <a:r>
+              <a:rPr b="0" lang="en-GB" sz="1800" spc="-1" strike="noStrike">
+                <a:latin typeface="Arial"/>
+              </a:rPr>
+              <a:t>Sixth Outline Level</a:t>
+            </a:r>
+            <a:endParaRPr b="0" lang="en-GB" sz="1800" spc="-1" strike="noStrike">
+              <a:latin typeface="Arial"/>
+            </a:endParaRPr>
+          </a:p>
+          <a:p>
+            <a:pPr lvl="6" marL="3024000" indent="-216000">
+              <a:spcBef>
+                <a:spcPts val="283"/>
+              </a:spcBef>
+              <a:buClr>
+                <a:srgbClr val="000000"/>
+              </a:buClr>
+              <a:buSzPct val="45000"/>
+              <a:buFont typeface="Wingdings" charset="2"/>
+              <a:buChar char=""/>
+            </a:pPr>
+            <a:r>
+              <a:rPr b="0" lang="en-GB" sz="1800" spc="-1" strike="noStrike">
+                <a:latin typeface="Arial"/>
+              </a:rPr>
+              <a:t>Seventh Outline Level</a:t>
+            </a:r>
+            <a:endParaRPr b="0" lang="en-GB" sz="1800" spc="-1" strike="noStrike">
+              <a:latin typeface="Arial"/>
+            </a:endParaRPr>
+          </a:p>
+        </p:txBody>
+      </p:sp>
+      <p:sp>
+        <p:nvSpPr>
+          <p:cNvPr id="79" name="PlaceHolder 4"/>
+          <p:cNvSpPr>
+            <a:spLocks noGrp="1"/>
+          </p:cNvSpPr>
+          <p:nvPr>
+            <p:ph type="body"/>
+          </p:nvPr>
+        </p:nvSpPr>
+        <p:spPr>
+          <a:xfrm>
+            <a:off x="7949160" y="1825560"/>
+            <a:ext cx="3385440" cy="2074680"/>
+          </a:xfrm>
+          <a:prstGeom prst="rect">
+            <a:avLst/>
+          </a:prstGeom>
+        </p:spPr>
+        <p:txBody>
+          <a:bodyPr lIns="0" rIns="0" tIns="0" bIns="0">
+            <a:normAutofit/>
+          </a:bodyPr>
+          <a:p>
+            <a:pPr marL="432000" indent="-324000">
+              <a:spcBef>
+                <a:spcPts val="1417"/>
+              </a:spcBef>
+              <a:buClr>
+                <a:srgbClr val="000000"/>
+              </a:buClr>
+              <a:buSzPct val="45000"/>
+              <a:buFont typeface="Wingdings" charset="2"/>
+              <a:buChar char=""/>
+            </a:pPr>
+            <a:r>
+              <a:rPr b="0" lang="en-GB" sz="1800" spc="-1" strike="noStrike">
+                <a:latin typeface="Arial"/>
+              </a:rPr>
+              <a:t>Click to edit the outline text format</a:t>
+            </a:r>
+            <a:endParaRPr b="0" lang="en-GB" sz="1800" spc="-1" strike="noStrike">
+              <a:latin typeface="Arial"/>
+            </a:endParaRPr>
+          </a:p>
+          <a:p>
+            <a:pPr lvl="1" marL="864000" indent="-324000">
+              <a:spcBef>
+                <a:spcPts val="1134"/>
+              </a:spcBef>
+              <a:buClr>
+                <a:srgbClr val="000000"/>
+              </a:buClr>
+              <a:buSzPct val="75000"/>
+              <a:buFont typeface="Symbol" charset="2"/>
+              <a:buChar char=""/>
+            </a:pPr>
+            <a:r>
+              <a:rPr b="0" lang="en-GB" sz="1800" spc="-1" strike="noStrike">
+                <a:latin typeface="Arial"/>
+              </a:rPr>
+              <a:t>Second Outline Level</a:t>
+            </a:r>
+            <a:endParaRPr b="0" lang="en-GB" sz="1800" spc="-1" strike="noStrike">
+              <a:latin typeface="Arial"/>
+            </a:endParaRPr>
+          </a:p>
+          <a:p>
+            <a:pPr lvl="2" marL="1296000" indent="-288000">
+              <a:spcBef>
+                <a:spcPts val="850"/>
+              </a:spcBef>
+              <a:buClr>
+                <a:srgbClr val="000000"/>
+              </a:buClr>
+              <a:buSzPct val="45000"/>
+              <a:buFont typeface="Wingdings" charset="2"/>
+              <a:buChar char=""/>
+            </a:pPr>
+            <a:r>
+              <a:rPr b="0" lang="en-GB" sz="1800" spc="-1" strike="noStrike">
+                <a:latin typeface="Arial"/>
+              </a:rPr>
+              <a:t>Third Outline Level</a:t>
+            </a:r>
+            <a:endParaRPr b="0" lang="en-GB" sz="1800" spc="-1" strike="noStrike">
+              <a:latin typeface="Arial"/>
+            </a:endParaRPr>
+          </a:p>
+          <a:p>
+            <a:pPr lvl="3" marL="1728000" indent="-216000">
+              <a:spcBef>
+                <a:spcPts val="567"/>
+              </a:spcBef>
+              <a:buClr>
+                <a:srgbClr val="000000"/>
+              </a:buClr>
+              <a:buSzPct val="75000"/>
+              <a:buFont typeface="Symbol" charset="2"/>
+              <a:buChar char=""/>
+            </a:pPr>
+            <a:r>
+              <a:rPr b="0" lang="en-GB" sz="1800" spc="-1" strike="noStrike">
+                <a:latin typeface="Arial"/>
+              </a:rPr>
+              <a:t>Fourth Outline Level</a:t>
+            </a:r>
+            <a:endParaRPr b="0" lang="en-GB" sz="1800" spc="-1" strike="noStrike">
+              <a:latin typeface="Arial"/>
+            </a:endParaRPr>
+          </a:p>
+          <a:p>
+            <a:pPr lvl="4" marL="2160000" indent="-216000">
+              <a:spcBef>
+                <a:spcPts val="283"/>
+              </a:spcBef>
+              <a:buClr>
+                <a:srgbClr val="000000"/>
+              </a:buClr>
+              <a:buSzPct val="45000"/>
+              <a:buFont typeface="Wingdings" charset="2"/>
+              <a:buChar char=""/>
+            </a:pPr>
+            <a:r>
+              <a:rPr b="0" lang="en-GB" sz="1800" spc="-1" strike="noStrike">
+                <a:latin typeface="Arial"/>
+              </a:rPr>
+              <a:t>Fifth Outline Level</a:t>
+            </a:r>
+            <a:endParaRPr b="0" lang="en-GB" sz="1800" spc="-1" strike="noStrike">
+              <a:latin typeface="Arial"/>
+            </a:endParaRPr>
+          </a:p>
+          <a:p>
+            <a:pPr lvl="5" marL="2592000" indent="-216000">
+              <a:spcBef>
+                <a:spcPts val="283"/>
+              </a:spcBef>
+              <a:buClr>
+                <a:srgbClr val="000000"/>
+              </a:buClr>
+              <a:buSzPct val="45000"/>
+              <a:buFont typeface="Wingdings" charset="2"/>
+              <a:buChar char=""/>
+            </a:pPr>
+            <a:r>
+              <a:rPr b="0" lang="en-GB" sz="1800" spc="-1" strike="noStrike">
+                <a:latin typeface="Arial"/>
+              </a:rPr>
+              <a:t>Sixth Outline Level</a:t>
+            </a:r>
+            <a:endParaRPr b="0" lang="en-GB" sz="1800" spc="-1" strike="noStrike">
+              <a:latin typeface="Arial"/>
+            </a:endParaRPr>
+          </a:p>
+          <a:p>
+            <a:pPr lvl="6" marL="3024000" indent="-216000">
+              <a:spcBef>
+                <a:spcPts val="283"/>
+              </a:spcBef>
+              <a:buClr>
+                <a:srgbClr val="000000"/>
+              </a:buClr>
+              <a:buSzPct val="45000"/>
+              <a:buFont typeface="Wingdings" charset="2"/>
+              <a:buChar char=""/>
+            </a:pPr>
+            <a:r>
+              <a:rPr b="0" lang="en-GB" sz="1800" spc="-1" strike="noStrike">
+                <a:latin typeface="Arial"/>
+              </a:rPr>
+              <a:t>Seventh Outline Level</a:t>
+            </a:r>
+            <a:endParaRPr b="0" lang="en-GB" sz="1800" spc="-1" strike="noStrike">
+              <a:latin typeface="Arial"/>
+            </a:endParaRPr>
+          </a:p>
+        </p:txBody>
+      </p:sp>
+      <p:sp>
+        <p:nvSpPr>
+          <p:cNvPr id="80" name="PlaceHolder 5"/>
+          <p:cNvSpPr>
+            <a:spLocks noGrp="1"/>
+          </p:cNvSpPr>
+          <p:nvPr>
+            <p:ph type="body"/>
+          </p:nvPr>
+        </p:nvSpPr>
+        <p:spPr>
+          <a:xfrm>
+            <a:off x="838080" y="4098240"/>
+            <a:ext cx="3385440" cy="2074680"/>
+          </a:xfrm>
+          <a:prstGeom prst="rect">
+            <a:avLst/>
+          </a:prstGeom>
+        </p:spPr>
+        <p:txBody>
+          <a:bodyPr lIns="0" rIns="0" tIns="0" bIns="0">
+            <a:normAutofit/>
+          </a:bodyPr>
+          <a:p>
+            <a:pPr marL="432000" indent="-324000">
+              <a:spcBef>
+                <a:spcPts val="1417"/>
+              </a:spcBef>
+              <a:buClr>
+                <a:srgbClr val="000000"/>
+              </a:buClr>
+              <a:buSzPct val="45000"/>
+              <a:buFont typeface="Wingdings" charset="2"/>
+              <a:buChar char=""/>
+            </a:pPr>
+            <a:r>
+              <a:rPr b="0" lang="en-GB" sz="1800" spc="-1" strike="noStrike">
+                <a:latin typeface="Arial"/>
+              </a:rPr>
+              <a:t>Click to edit the outline text format</a:t>
+            </a:r>
+            <a:endParaRPr b="0" lang="en-GB" sz="1800" spc="-1" strike="noStrike">
+              <a:latin typeface="Arial"/>
+            </a:endParaRPr>
+          </a:p>
+          <a:p>
+            <a:pPr lvl="1" marL="864000" indent="-324000">
+              <a:spcBef>
+                <a:spcPts val="1134"/>
+              </a:spcBef>
+              <a:buClr>
+                <a:srgbClr val="000000"/>
+              </a:buClr>
+              <a:buSzPct val="75000"/>
+              <a:buFont typeface="Symbol" charset="2"/>
+              <a:buChar char=""/>
+            </a:pPr>
+            <a:r>
+              <a:rPr b="0" lang="en-GB" sz="1800" spc="-1" strike="noStrike">
+                <a:latin typeface="Arial"/>
+              </a:rPr>
+              <a:t>Second Outline Level</a:t>
+            </a:r>
+            <a:endParaRPr b="0" lang="en-GB" sz="1800" spc="-1" strike="noStrike">
+              <a:latin typeface="Arial"/>
+            </a:endParaRPr>
+          </a:p>
+          <a:p>
+            <a:pPr lvl="2" marL="1296000" indent="-288000">
+              <a:spcBef>
+                <a:spcPts val="850"/>
+              </a:spcBef>
+              <a:buClr>
+                <a:srgbClr val="000000"/>
+              </a:buClr>
+              <a:buSzPct val="45000"/>
+              <a:buFont typeface="Wingdings" charset="2"/>
+              <a:buChar char=""/>
+            </a:pPr>
+            <a:r>
+              <a:rPr b="0" lang="en-GB" sz="1800" spc="-1" strike="noStrike">
+                <a:latin typeface="Arial"/>
+              </a:rPr>
+              <a:t>Third Outline Level</a:t>
+            </a:r>
+            <a:endParaRPr b="0" lang="en-GB" sz="1800" spc="-1" strike="noStrike">
+              <a:latin typeface="Arial"/>
+            </a:endParaRPr>
+          </a:p>
+          <a:p>
+            <a:pPr lvl="3" marL="1728000" indent="-216000">
+              <a:spcBef>
+                <a:spcPts val="567"/>
+              </a:spcBef>
+              <a:buClr>
+                <a:srgbClr val="000000"/>
+              </a:buClr>
+              <a:buSzPct val="75000"/>
+              <a:buFont typeface="Symbol" charset="2"/>
+              <a:buChar char=""/>
+            </a:pPr>
+            <a:r>
+              <a:rPr b="0" lang="en-GB" sz="1800" spc="-1" strike="noStrike">
+                <a:latin typeface="Arial"/>
+              </a:rPr>
+              <a:t>Fourth Outline Level</a:t>
+            </a:r>
+            <a:endParaRPr b="0" lang="en-GB" sz="1800" spc="-1" strike="noStrike">
+              <a:latin typeface="Arial"/>
+            </a:endParaRPr>
+          </a:p>
+          <a:p>
+            <a:pPr lvl="4" marL="2160000" indent="-216000">
+              <a:spcBef>
+                <a:spcPts val="283"/>
+              </a:spcBef>
+              <a:buClr>
+                <a:srgbClr val="000000"/>
+              </a:buClr>
+              <a:buSzPct val="45000"/>
+              <a:buFont typeface="Wingdings" charset="2"/>
+              <a:buChar char=""/>
+            </a:pPr>
+            <a:r>
+              <a:rPr b="0" lang="en-GB" sz="1800" spc="-1" strike="noStrike">
+                <a:latin typeface="Arial"/>
+              </a:rPr>
+              <a:t>Fifth Outline Level</a:t>
+            </a:r>
+            <a:endParaRPr b="0" lang="en-GB" sz="1800" spc="-1" strike="noStrike">
+              <a:latin typeface="Arial"/>
+            </a:endParaRPr>
+          </a:p>
+          <a:p>
+            <a:pPr lvl="5" marL="2592000" indent="-216000">
+              <a:spcBef>
+                <a:spcPts val="283"/>
+              </a:spcBef>
+              <a:buClr>
+                <a:srgbClr val="000000"/>
+              </a:buClr>
+              <a:buSzPct val="45000"/>
+              <a:buFont typeface="Wingdings" charset="2"/>
+              <a:buChar char=""/>
+            </a:pPr>
+            <a:r>
+              <a:rPr b="0" lang="en-GB" sz="1800" spc="-1" strike="noStrike">
+                <a:latin typeface="Arial"/>
+              </a:rPr>
+              <a:t>Sixth Outline Level</a:t>
+            </a:r>
+            <a:endParaRPr b="0" lang="en-GB" sz="1800" spc="-1" strike="noStrike">
+              <a:latin typeface="Arial"/>
+            </a:endParaRPr>
+          </a:p>
+          <a:p>
+            <a:pPr lvl="6" marL="3024000" indent="-216000">
+              <a:spcBef>
+                <a:spcPts val="283"/>
+              </a:spcBef>
+              <a:buClr>
+                <a:srgbClr val="000000"/>
+              </a:buClr>
+              <a:buSzPct val="45000"/>
+              <a:buFont typeface="Wingdings" charset="2"/>
+              <a:buChar char=""/>
+            </a:pPr>
+            <a:r>
+              <a:rPr b="0" lang="en-GB" sz="1800" spc="-1" strike="noStrike">
+                <a:latin typeface="Arial"/>
+              </a:rPr>
+              <a:t>Seventh Outline Level</a:t>
+            </a:r>
+            <a:endParaRPr b="0" lang="en-GB" sz="1800" spc="-1" strike="noStrike">
+              <a:latin typeface="Arial"/>
+            </a:endParaRPr>
+          </a:p>
+        </p:txBody>
+      </p:sp>
+      <p:sp>
+        <p:nvSpPr>
+          <p:cNvPr id="81" name="PlaceHolder 6"/>
+          <p:cNvSpPr>
+            <a:spLocks noGrp="1"/>
+          </p:cNvSpPr>
+          <p:nvPr>
+            <p:ph type="body"/>
+          </p:nvPr>
+        </p:nvSpPr>
+        <p:spPr>
+          <a:xfrm>
+            <a:off x="4393440" y="4098240"/>
+            <a:ext cx="3385440" cy="2074680"/>
+          </a:xfrm>
+          <a:prstGeom prst="rect">
+            <a:avLst/>
+          </a:prstGeom>
+        </p:spPr>
+        <p:txBody>
+          <a:bodyPr lIns="0" rIns="0" tIns="0" bIns="0">
+            <a:normAutofit/>
+          </a:bodyPr>
+          <a:p>
+            <a:pPr marL="432000" indent="-324000">
+              <a:spcBef>
+                <a:spcPts val="1417"/>
+              </a:spcBef>
+              <a:buClr>
+                <a:srgbClr val="000000"/>
+              </a:buClr>
+              <a:buSzPct val="45000"/>
+              <a:buFont typeface="Wingdings" charset="2"/>
+              <a:buChar char=""/>
+            </a:pPr>
+            <a:r>
+              <a:rPr b="0" lang="en-GB" sz="1800" spc="-1" strike="noStrike">
+                <a:latin typeface="Arial"/>
+              </a:rPr>
+              <a:t>Click to edit the outline text format</a:t>
+            </a:r>
+            <a:endParaRPr b="0" lang="en-GB" sz="1800" spc="-1" strike="noStrike">
+              <a:latin typeface="Arial"/>
+            </a:endParaRPr>
+          </a:p>
+          <a:p>
+            <a:pPr lvl="1" marL="864000" indent="-324000">
+              <a:spcBef>
+                <a:spcPts val="1134"/>
+              </a:spcBef>
+              <a:buClr>
+                <a:srgbClr val="000000"/>
+              </a:buClr>
+              <a:buSzPct val="75000"/>
+              <a:buFont typeface="Symbol" charset="2"/>
+              <a:buChar char=""/>
+            </a:pPr>
+            <a:r>
+              <a:rPr b="0" lang="en-GB" sz="1800" spc="-1" strike="noStrike">
+                <a:latin typeface="Arial"/>
+              </a:rPr>
+              <a:t>Second Outline Level</a:t>
+            </a:r>
+            <a:endParaRPr b="0" lang="en-GB" sz="1800" spc="-1" strike="noStrike">
+              <a:latin typeface="Arial"/>
+            </a:endParaRPr>
+          </a:p>
+          <a:p>
+            <a:pPr lvl="2" marL="1296000" indent="-288000">
+              <a:spcBef>
+                <a:spcPts val="850"/>
+              </a:spcBef>
+              <a:buClr>
+                <a:srgbClr val="000000"/>
+              </a:buClr>
+              <a:buSzPct val="45000"/>
+              <a:buFont typeface="Wingdings" charset="2"/>
+              <a:buChar char=""/>
+            </a:pPr>
+            <a:r>
+              <a:rPr b="0" lang="en-GB" sz="1800" spc="-1" strike="noStrike">
+                <a:latin typeface="Arial"/>
+              </a:rPr>
+              <a:t>Third Outline Level</a:t>
+            </a:r>
+            <a:endParaRPr b="0" lang="en-GB" sz="1800" spc="-1" strike="noStrike">
+              <a:latin typeface="Arial"/>
+            </a:endParaRPr>
+          </a:p>
+          <a:p>
+            <a:pPr lvl="3" marL="1728000" indent="-216000">
+              <a:spcBef>
+                <a:spcPts val="567"/>
+              </a:spcBef>
+              <a:buClr>
+                <a:srgbClr val="000000"/>
+              </a:buClr>
+              <a:buSzPct val="75000"/>
+              <a:buFont typeface="Symbol" charset="2"/>
+              <a:buChar char=""/>
+            </a:pPr>
+            <a:r>
+              <a:rPr b="0" lang="en-GB" sz="1800" spc="-1" strike="noStrike">
+                <a:latin typeface="Arial"/>
+              </a:rPr>
+              <a:t>Fourth Outline Level</a:t>
+            </a:r>
+            <a:endParaRPr b="0" lang="en-GB" sz="1800" spc="-1" strike="noStrike">
+              <a:latin typeface="Arial"/>
+            </a:endParaRPr>
+          </a:p>
+          <a:p>
+            <a:pPr lvl="4" marL="2160000" indent="-216000">
+              <a:spcBef>
+                <a:spcPts val="283"/>
+              </a:spcBef>
+              <a:buClr>
+                <a:srgbClr val="000000"/>
+              </a:buClr>
+              <a:buSzPct val="45000"/>
+              <a:buFont typeface="Wingdings" charset="2"/>
+              <a:buChar char=""/>
+            </a:pPr>
+            <a:r>
+              <a:rPr b="0" lang="en-GB" sz="1800" spc="-1" strike="noStrike">
+                <a:latin typeface="Arial"/>
+              </a:rPr>
+              <a:t>Fifth Outline Level</a:t>
+            </a:r>
+            <a:endParaRPr b="0" lang="en-GB" sz="1800" spc="-1" strike="noStrike">
+              <a:latin typeface="Arial"/>
+            </a:endParaRPr>
+          </a:p>
+          <a:p>
+            <a:pPr lvl="5" marL="2592000" indent="-216000">
+              <a:spcBef>
+                <a:spcPts val="283"/>
+              </a:spcBef>
+              <a:buClr>
+                <a:srgbClr val="000000"/>
+              </a:buClr>
+              <a:buSzPct val="45000"/>
+              <a:buFont typeface="Wingdings" charset="2"/>
+              <a:buChar char=""/>
+            </a:pPr>
+            <a:r>
+              <a:rPr b="0" lang="en-GB" sz="1800" spc="-1" strike="noStrike">
+                <a:latin typeface="Arial"/>
+              </a:rPr>
+              <a:t>Sixth Outline Level</a:t>
+            </a:r>
+            <a:endParaRPr b="0" lang="en-GB" sz="1800" spc="-1" strike="noStrike">
+              <a:latin typeface="Arial"/>
+            </a:endParaRPr>
+          </a:p>
+          <a:p>
+            <a:pPr lvl="6" marL="3024000" indent="-216000">
+              <a:spcBef>
+                <a:spcPts val="283"/>
+              </a:spcBef>
+              <a:buClr>
+                <a:srgbClr val="000000"/>
+              </a:buClr>
+              <a:buSzPct val="45000"/>
+              <a:buFont typeface="Wingdings" charset="2"/>
+              <a:buChar char=""/>
+            </a:pPr>
+            <a:r>
+              <a:rPr b="0" lang="en-GB" sz="1800" spc="-1" strike="noStrike">
+                <a:latin typeface="Arial"/>
+              </a:rPr>
+              <a:t>Seventh Outline Level</a:t>
+            </a:r>
+            <a:endParaRPr b="0" lang="en-GB" sz="1800" spc="-1" strike="noStrike">
+              <a:latin typeface="Arial"/>
+            </a:endParaRPr>
+          </a:p>
+        </p:txBody>
+      </p:sp>
+      <p:sp>
+        <p:nvSpPr>
+          <p:cNvPr id="82" name="PlaceHolder 7"/>
+          <p:cNvSpPr>
+            <a:spLocks noGrp="1"/>
+          </p:cNvSpPr>
+          <p:nvPr>
+            <p:ph type="body"/>
+          </p:nvPr>
+        </p:nvSpPr>
+        <p:spPr>
+          <a:xfrm>
+            <a:off x="7949160" y="4098240"/>
+            <a:ext cx="3385440" cy="2074680"/>
+          </a:xfrm>
+          <a:prstGeom prst="rect">
+            <a:avLst/>
+          </a:prstGeom>
+        </p:spPr>
+        <p:txBody>
+          <a:bodyPr lIns="0" rIns="0" tIns="0" bIns="0">
+            <a:normAutofit/>
+          </a:bodyPr>
+          <a:p>
+            <a:pPr marL="432000" indent="-324000">
+              <a:spcBef>
+                <a:spcPts val="1417"/>
+              </a:spcBef>
+              <a:buClr>
+                <a:srgbClr val="000000"/>
+              </a:buClr>
+              <a:buSzPct val="45000"/>
+              <a:buFont typeface="Wingdings" charset="2"/>
+              <a:buChar char=""/>
+            </a:pPr>
+            <a:r>
+              <a:rPr b="0" lang="en-GB" sz="1800" spc="-1" strike="noStrike">
+                <a:latin typeface="Arial"/>
+              </a:rPr>
+              <a:t>Click to edit the outline text format</a:t>
+            </a:r>
+            <a:endParaRPr b="0" lang="en-GB" sz="1800" spc="-1" strike="noStrike">
+              <a:latin typeface="Arial"/>
+            </a:endParaRPr>
+          </a:p>
+          <a:p>
+            <a:pPr lvl="1" marL="864000" indent="-324000">
+              <a:spcBef>
+                <a:spcPts val="1134"/>
+              </a:spcBef>
+              <a:buClr>
+                <a:srgbClr val="000000"/>
+              </a:buClr>
+              <a:buSzPct val="75000"/>
+              <a:buFont typeface="Symbol" charset="2"/>
+              <a:buChar char=""/>
+            </a:pPr>
+            <a:r>
+              <a:rPr b="0" lang="en-GB" sz="1800" spc="-1" strike="noStrike">
+                <a:latin typeface="Arial"/>
+              </a:rPr>
+              <a:t>Second Outline Level</a:t>
+            </a:r>
+            <a:endParaRPr b="0" lang="en-GB" sz="1800" spc="-1" strike="noStrike">
+              <a:latin typeface="Arial"/>
+            </a:endParaRPr>
+          </a:p>
+          <a:p>
+            <a:pPr lvl="2" marL="1296000" indent="-288000">
+              <a:spcBef>
+                <a:spcPts val="850"/>
+              </a:spcBef>
+              <a:buClr>
+                <a:srgbClr val="000000"/>
+              </a:buClr>
+              <a:buSzPct val="45000"/>
+              <a:buFont typeface="Wingdings" charset="2"/>
+              <a:buChar char=""/>
+            </a:pPr>
+            <a:r>
+              <a:rPr b="0" lang="en-GB" sz="1800" spc="-1" strike="noStrike">
+                <a:latin typeface="Arial"/>
+              </a:rPr>
+              <a:t>Third Outline Level</a:t>
+            </a:r>
+            <a:endParaRPr b="0" lang="en-GB" sz="1800" spc="-1" strike="noStrike">
+              <a:latin typeface="Arial"/>
+            </a:endParaRPr>
+          </a:p>
+          <a:p>
+            <a:pPr lvl="3" marL="1728000" indent="-216000">
+              <a:spcBef>
+                <a:spcPts val="567"/>
+              </a:spcBef>
+              <a:buClr>
+                <a:srgbClr val="000000"/>
+              </a:buClr>
+              <a:buSzPct val="75000"/>
+              <a:buFont typeface="Symbol" charset="2"/>
+              <a:buChar char=""/>
+            </a:pPr>
+            <a:r>
+              <a:rPr b="0" lang="en-GB" sz="1800" spc="-1" strike="noStrike">
+                <a:latin typeface="Arial"/>
+              </a:rPr>
+              <a:t>Fourth Outline Level</a:t>
+            </a:r>
+            <a:endParaRPr b="0" lang="en-GB" sz="1800" spc="-1" strike="noStrike">
+              <a:latin typeface="Arial"/>
+            </a:endParaRPr>
+          </a:p>
+          <a:p>
+            <a:pPr lvl="4" marL="2160000" indent="-216000">
+              <a:spcBef>
+                <a:spcPts val="283"/>
+              </a:spcBef>
+              <a:buClr>
+                <a:srgbClr val="000000"/>
+              </a:buClr>
+              <a:buSzPct val="45000"/>
+              <a:buFont typeface="Wingdings" charset="2"/>
+              <a:buChar char=""/>
+            </a:pPr>
+            <a:r>
+              <a:rPr b="0" lang="en-GB" sz="1800" spc="-1" strike="noStrike">
+                <a:latin typeface="Arial"/>
+              </a:rPr>
+              <a:t>Fifth Outline Level</a:t>
+            </a:r>
+            <a:endParaRPr b="0" lang="en-GB" sz="1800" spc="-1" strike="noStrike">
+              <a:latin typeface="Arial"/>
+            </a:endParaRPr>
+          </a:p>
+          <a:p>
+            <a:pPr lvl="5" marL="2592000" indent="-216000">
+              <a:spcBef>
+                <a:spcPts val="283"/>
+              </a:spcBef>
+              <a:buClr>
+                <a:srgbClr val="000000"/>
+              </a:buClr>
+              <a:buSzPct val="45000"/>
+              <a:buFont typeface="Wingdings" charset="2"/>
+              <a:buChar char=""/>
+            </a:pPr>
+            <a:r>
+              <a:rPr b="0" lang="en-GB" sz="1800" spc="-1" strike="noStrike">
+                <a:latin typeface="Arial"/>
+              </a:rPr>
+              <a:t>Sixth Outline Level</a:t>
+            </a:r>
+            <a:endParaRPr b="0" lang="en-GB" sz="1800" spc="-1" strike="noStrike">
+              <a:latin typeface="Arial"/>
+            </a:endParaRPr>
+          </a:p>
+          <a:p>
+            <a:pPr lvl="6" marL="3024000" indent="-216000">
+              <a:spcBef>
+                <a:spcPts val="283"/>
+              </a:spcBef>
+              <a:buClr>
+                <a:srgbClr val="000000"/>
+              </a:buClr>
+              <a:buSzPct val="45000"/>
+              <a:buFont typeface="Wingdings" charset="2"/>
+              <a:buChar char=""/>
+            </a:pPr>
+            <a:r>
+              <a:rPr b="0" lang="en-GB" sz="1800" spc="-1" strike="noStrike">
+                <a:latin typeface="Arial"/>
+              </a:rPr>
+              <a:t>Seventh Outline Level</a:t>
+            </a:r>
+            <a:endParaRPr b="0" lang="en-GB" sz="1800" spc="-1" strike="noStrike">
+              <a:latin typeface="Arial"/>
+            </a:endParaRPr>
+          </a:p>
+        </p:txBody>
+      </p:sp>
+    </p:spTree>
+  </p:cSld>
+  <p:clrMap bg1="lt1" bg2="lt2" tx1="dk1" tx2="dk2" accent1="accent1" accent2="accent2" accent3="accent3" accent4="accent4" accent5="accent5" accent6="accent6" hlink="hlink" folHlink="folHlink"/>
+  <p:sldLayoutIdLst>
+    <p:sldLayoutId id="2147483675" r:id="rId2"/>
+    <p:sldLayoutId id="2147483676" r:id="rId3"/>
+    <p:sldLayoutId id="2147483677" r:id="rId4"/>
+    <p:sldLayoutId id="2147483678" r:id="rId5"/>
+    <p:sldLayoutId id="2147483679" r:id="rId6"/>
+    <p:sldLayoutId id="2147483680" r:id="rId7"/>
+    <p:sldLayoutId id="2147483681" r:id="rId8"/>
+    <p:sldLayoutId id="2147483682" r:id="rId9"/>
+    <p:sldLayoutId id="2147483683" r:id="rId10"/>
+    <p:sldLayoutId id="2147483684" r:id="rId11"/>
+    <p:sldLayoutId id="2147483685" r:id="rId12"/>
+    <p:sldLayoutId id="2147483686" r:id="rId13"/>
   </p:sldLayoutIdLst>
 </p:sldMaster>
 </file>
@@ -3854,14 +5703,14 @@
       </p:grpSpPr>
       <p:sp>
         <p:nvSpPr>
-          <p:cNvPr id="82" name="CustomShape 1"/>
+          <p:cNvPr id="119" name="CustomShape 1"/>
           <p:cNvSpPr/>
           <p:nvPr/>
         </p:nvSpPr>
         <p:spPr>
           <a:xfrm>
             <a:off x="5453640" y="549000"/>
-            <a:ext cx="1261440" cy="547200"/>
+            <a:ext cx="1261080" cy="546840"/>
           </a:xfrm>
           <a:prstGeom prst="rect">
             <a:avLst/>
@@ -3891,6 +5740,7 @@
                   <a:srgbClr val="000000"/>
                 </a:solidFill>
                 <a:latin typeface="Arial"/>
+                <a:ea typeface="DejaVu Sans"/>
               </a:rPr>
               <a:t>Hello !</a:t>
             </a:r>
@@ -3902,14 +5752,14 @@
       </p:sp>
       <p:sp>
         <p:nvSpPr>
-          <p:cNvPr id="83" name="CustomShape 2"/>
+          <p:cNvPr id="120" name="CustomShape 2"/>
           <p:cNvSpPr/>
           <p:nvPr/>
         </p:nvSpPr>
         <p:spPr>
           <a:xfrm>
             <a:off x="2556360" y="1527840"/>
-            <a:ext cx="7056000" cy="1004040"/>
+            <a:ext cx="7055640" cy="1003680"/>
           </a:xfrm>
           <a:prstGeom prst="rect">
             <a:avLst/>
@@ -3939,6 +5789,7 @@
                   <a:srgbClr val="000000"/>
                 </a:solidFill>
                 <a:latin typeface="Arial"/>
+                <a:ea typeface="DejaVu Sans"/>
               </a:rPr>
               <a:t>Dans cet exercice, </a:t>
             </a:r>
@@ -3958,6 +5809,7 @@
                   <a:srgbClr val="000000"/>
                 </a:solidFill>
                 <a:latin typeface="Arial"/>
+                <a:ea typeface="DejaVu Sans"/>
               </a:rPr>
               <a:t>tu vas apprendre des mots en Hongrois !</a:t>
             </a:r>
@@ -3969,14 +5821,14 @@
       </p:sp>
       <p:sp>
         <p:nvSpPr>
-          <p:cNvPr id="84" name="CustomShape 3"/>
+          <p:cNvPr id="121" name="CustomShape 3"/>
           <p:cNvSpPr/>
           <p:nvPr/>
         </p:nvSpPr>
         <p:spPr>
           <a:xfrm>
             <a:off x="6465960" y="3968280"/>
-            <a:ext cx="1159560" cy="395280"/>
+            <a:ext cx="1159200" cy="394920"/>
           </a:xfrm>
           <a:prstGeom prst="rect">
             <a:avLst/>
@@ -4006,6 +5858,7 @@
                   <a:srgbClr val="000000"/>
                 </a:solidFill>
                 <a:latin typeface="Arial"/>
+                <a:ea typeface="DejaVu Sans"/>
               </a:rPr>
               <a:t>Français</a:t>
             </a:r>
@@ -4017,14 +5870,14 @@
       </p:sp>
       <p:sp>
         <p:nvSpPr>
-          <p:cNvPr id="85" name="CustomShape 4"/>
+          <p:cNvPr id="122" name="CustomShape 4"/>
           <p:cNvSpPr/>
           <p:nvPr/>
         </p:nvSpPr>
         <p:spPr>
           <a:xfrm>
             <a:off x="4282920" y="3968280"/>
-            <a:ext cx="1202040" cy="395280"/>
+            <a:ext cx="1201680" cy="394920"/>
           </a:xfrm>
           <a:prstGeom prst="rect">
             <a:avLst/>
@@ -4054,6 +5907,7 @@
                   <a:srgbClr val="000000"/>
                 </a:solidFill>
                 <a:latin typeface="Arial"/>
+                <a:ea typeface="DejaVu Sans"/>
               </a:rPr>
               <a:t>Hongrois</a:t>
             </a:r>
@@ -4065,14 +5919,14 @@
       </p:sp>
       <p:sp>
         <p:nvSpPr>
-          <p:cNvPr id="86" name="CustomShape 5"/>
+          <p:cNvPr id="123" name="CustomShape 5"/>
           <p:cNvSpPr/>
           <p:nvPr/>
         </p:nvSpPr>
         <p:spPr>
           <a:xfrm>
             <a:off x="4284000" y="4596480"/>
-            <a:ext cx="1154880" cy="547200"/>
+            <a:ext cx="1154520" cy="546840"/>
           </a:xfrm>
           <a:prstGeom prst="rect">
             <a:avLst/>
@@ -4102,6 +5956,7 @@
                   <a:srgbClr val="000000"/>
                 </a:solidFill>
                 <a:latin typeface="Arial"/>
+                <a:ea typeface="DejaVu Sans"/>
               </a:rPr>
               <a:t>Vonat</a:t>
             </a:r>
@@ -4113,14 +5968,14 @@
       </p:sp>
       <p:sp>
         <p:nvSpPr>
-          <p:cNvPr id="87" name="CustomShape 6"/>
+          <p:cNvPr id="124" name="CustomShape 6"/>
           <p:cNvSpPr/>
           <p:nvPr/>
         </p:nvSpPr>
         <p:spPr>
           <a:xfrm>
             <a:off x="6590160" y="4596480"/>
-            <a:ext cx="1034640" cy="547200"/>
+            <a:ext cx="1034280" cy="546840"/>
           </a:xfrm>
           <a:prstGeom prst="rect">
             <a:avLst/>
@@ -4150,6 +6005,7 @@
                   <a:srgbClr val="000000"/>
                 </a:solidFill>
                 <a:latin typeface="Arial"/>
+                <a:ea typeface="DejaVu Sans"/>
               </a:rPr>
               <a:t>Train</a:t>
             </a:r>
@@ -4161,14 +6017,14 @@
       </p:sp>
       <p:sp>
         <p:nvSpPr>
-          <p:cNvPr id="88" name="CustomShape 7"/>
+          <p:cNvPr id="125" name="CustomShape 7"/>
           <p:cNvSpPr/>
           <p:nvPr/>
         </p:nvSpPr>
         <p:spPr>
           <a:xfrm>
             <a:off x="3378960" y="2968200"/>
-            <a:ext cx="5407200" cy="547200"/>
+            <a:ext cx="5406840" cy="546840"/>
           </a:xfrm>
           <a:prstGeom prst="rect">
             <a:avLst/>
@@ -4199,6 +6055,7 @@
                 </a:solidFill>
                 <a:uFillTx/>
                 <a:latin typeface="Arial"/>
+                <a:ea typeface="DejaVu Sans"/>
               </a:rPr>
               <a:t>Essaye de retenir</a:t>
             </a:r>
@@ -4208,6 +6065,7 @@
                   <a:srgbClr val="000000"/>
                 </a:solidFill>
                 <a:latin typeface="Arial"/>
+                <a:ea typeface="DejaVu Sans"/>
               </a:rPr>
               <a:t> cet exemple:</a:t>
             </a:r>
@@ -4219,14 +6077,14 @@
       </p:sp>
       <p:sp>
         <p:nvSpPr>
-          <p:cNvPr id="89" name="CustomShape 8"/>
+          <p:cNvPr id="126" name="CustomShape 8"/>
           <p:cNvSpPr/>
           <p:nvPr/>
         </p:nvSpPr>
         <p:spPr>
           <a:xfrm>
             <a:off x="2830680" y="5670720"/>
-            <a:ext cx="6530040" cy="547200"/>
+            <a:ext cx="6529680" cy="546840"/>
           </a:xfrm>
           <a:prstGeom prst="rect">
             <a:avLst/>
@@ -4256,6 +6114,7 @@
                   <a:srgbClr val="000000"/>
                 </a:solidFill>
                 <a:latin typeface="Arial"/>
+                <a:ea typeface="DejaVu Sans"/>
               </a:rPr>
               <a:t>Appuie sur une touche pour continuer</a:t>
             </a:r>
@@ -4267,14 +6126,14 @@
       </p:sp>
       <p:sp>
         <p:nvSpPr>
-          <p:cNvPr id="90" name="CustomShape 9"/>
+          <p:cNvPr id="127" name="CustomShape 9"/>
           <p:cNvSpPr/>
           <p:nvPr/>
         </p:nvSpPr>
         <p:spPr>
           <a:xfrm>
             <a:off x="5689800" y="4319280"/>
-            <a:ext cx="403560" cy="547200"/>
+            <a:ext cx="403200" cy="546840"/>
           </a:xfrm>
           <a:prstGeom prst="rect">
             <a:avLst/>
@@ -4304,6 +6163,7 @@
                   <a:srgbClr val="000000"/>
                 </a:solidFill>
                 <a:latin typeface="Arial"/>
+                <a:ea typeface="DejaVu Sans"/>
               </a:rPr>
               <a:t>=</a:t>
             </a:r>
@@ -4315,6 +6175,33 @@
       </p:sp>
     </p:spTree>
   </p:cSld>
+  <p:timing>
+    <p:tnLst>
+      <p:par>
+        <p:cTn id="1" dur="indefinite" restart="never" nodeType="tmRoot">
+          <p:childTnLst>
+            <p:seq>
+              <p:cTn id="2" dur="indefinite" nodeType="mainSeq"/>
+              <p:prevCondLst>
+                <p:cond delay="0" evt="onPrev">
+                  <p:tgtEl>
+                    <p:sldTgt/>
+                  </p:tgtEl>
+                </p:cond>
+              </p:prevCondLst>
+              <p:nextCondLst>
+                <p:cond delay="0" evt="onNext">
+                  <p:tgtEl>
+                    <p:sldTgt/>
+                  </p:tgtEl>
+                </p:cond>
+              </p:nextCondLst>
+            </p:seq>
+          </p:childTnLst>
+        </p:cTn>
+      </p:par>
+    </p:tnLst>
+  </p:timing>
 </p:sld>
 </file>
 
@@ -4337,14 +6224,14 @@
       </p:grpSpPr>
       <p:sp>
         <p:nvSpPr>
-          <p:cNvPr id="91" name="CustomShape 1"/>
+          <p:cNvPr id="128" name="CustomShape 1"/>
           <p:cNvSpPr/>
           <p:nvPr/>
         </p:nvSpPr>
         <p:spPr>
           <a:xfrm>
             <a:off x="3362400" y="918360"/>
-            <a:ext cx="4812480" cy="547200"/>
+            <a:ext cx="4812120" cy="546840"/>
           </a:xfrm>
           <a:prstGeom prst="rect">
             <a:avLst/>
@@ -4374,6 +6261,7 @@
                   <a:srgbClr val="000000"/>
                 </a:solidFill>
                 <a:latin typeface="Arial"/>
+                <a:ea typeface="DejaVu Sans"/>
               </a:rPr>
               <a:t>Essaye de traduire ce mot !</a:t>
             </a:r>
@@ -4385,14 +6273,14 @@
       </p:sp>
       <p:sp>
         <p:nvSpPr>
-          <p:cNvPr id="92" name="CustomShape 2"/>
+          <p:cNvPr id="129" name="CustomShape 2"/>
           <p:cNvSpPr/>
           <p:nvPr/>
         </p:nvSpPr>
         <p:spPr>
           <a:xfrm>
             <a:off x="3621960" y="2238120"/>
-            <a:ext cx="4052160" cy="547200"/>
+            <a:ext cx="4051800" cy="546840"/>
           </a:xfrm>
           <a:prstGeom prst="rect">
             <a:avLst/>
@@ -4422,6 +6310,7 @@
                   <a:srgbClr val="000000"/>
                 </a:solidFill>
                 <a:latin typeface="Arial"/>
+                <a:ea typeface="DejaVu Sans"/>
               </a:rPr>
               <a:t>Ecrit le mot en français</a:t>
             </a:r>
@@ -4433,14 +6322,14 @@
       </p:sp>
       <p:sp>
         <p:nvSpPr>
-          <p:cNvPr id="93" name="CustomShape 3"/>
+          <p:cNvPr id="130" name="CustomShape 3"/>
           <p:cNvSpPr/>
           <p:nvPr/>
         </p:nvSpPr>
         <p:spPr>
           <a:xfrm>
             <a:off x="3504240" y="3558240"/>
-            <a:ext cx="1154880" cy="547200"/>
+            <a:ext cx="1154520" cy="546840"/>
           </a:xfrm>
           <a:prstGeom prst="rect">
             <a:avLst/>
@@ -4470,6 +6359,7 @@
                   <a:srgbClr val="000000"/>
                 </a:solidFill>
                 <a:latin typeface="Arial"/>
+                <a:ea typeface="DejaVu Sans"/>
               </a:rPr>
               <a:t>Vonat</a:t>
             </a:r>
@@ -4481,14 +6371,14 @@
       </p:sp>
       <p:sp>
         <p:nvSpPr>
-          <p:cNvPr id="94" name="CustomShape 4"/>
+          <p:cNvPr id="131" name="CustomShape 4"/>
           <p:cNvSpPr/>
           <p:nvPr/>
         </p:nvSpPr>
         <p:spPr>
           <a:xfrm>
             <a:off x="6482520" y="3558240"/>
-            <a:ext cx="392760" cy="547200"/>
+            <a:ext cx="392400" cy="546840"/>
           </a:xfrm>
           <a:prstGeom prst="rect">
             <a:avLst/>
@@ -4518,6 +6408,7 @@
                   <a:srgbClr val="000000"/>
                 </a:solidFill>
                 <a:latin typeface="Arial"/>
+                <a:ea typeface="DejaVu Sans"/>
               </a:rPr>
               <a:t>?</a:t>
             </a:r>
@@ -4529,14 +6420,14 @@
       </p:sp>
       <p:sp>
         <p:nvSpPr>
-          <p:cNvPr id="95" name="CustomShape 5"/>
+          <p:cNvPr id="132" name="CustomShape 5"/>
           <p:cNvSpPr/>
           <p:nvPr/>
         </p:nvSpPr>
         <p:spPr>
           <a:xfrm>
             <a:off x="5241600" y="3558240"/>
-            <a:ext cx="403560" cy="547200"/>
+            <a:ext cx="403200" cy="546840"/>
           </a:xfrm>
           <a:prstGeom prst="rect">
             <a:avLst/>
@@ -4566,6 +6457,7 @@
                   <a:srgbClr val="000000"/>
                 </a:solidFill>
                 <a:latin typeface="Arial"/>
+                <a:ea typeface="DejaVu Sans"/>
               </a:rPr>
               <a:t>=</a:t>
             </a:r>
@@ -4580,10 +6472,10 @@
   <p:timing>
     <p:tnLst>
       <p:par>
-        <p:cTn id="1" dur="indefinite" restart="never" nodeType="tmRoot">
+        <p:cTn id="3" dur="indefinite" restart="never" nodeType="tmRoot">
           <p:childTnLst>
             <p:seq>
-              <p:cTn id="2" dur="indefinite" nodeType="mainSeq"/>
+              <p:cTn id="4" dur="indefinite" nodeType="mainSeq"/>
               <p:prevCondLst>
                 <p:cond delay="0" evt="onPrev">
                   <p:tgtEl>
@@ -4626,14 +6518,14 @@
       </p:grpSpPr>
       <p:sp>
         <p:nvSpPr>
-          <p:cNvPr id="96" name="CustomShape 1"/>
+          <p:cNvPr id="133" name="CustomShape 1"/>
           <p:cNvSpPr/>
           <p:nvPr/>
         </p:nvSpPr>
         <p:spPr>
           <a:xfrm>
             <a:off x="3320280" y="1256760"/>
-            <a:ext cx="4670640" cy="699840"/>
+            <a:ext cx="4670280" cy="699480"/>
           </a:xfrm>
           <a:prstGeom prst="rect">
             <a:avLst/>
@@ -4663,6 +6555,7 @@
                   <a:srgbClr val="000000"/>
                 </a:solidFill>
                 <a:latin typeface="Arial"/>
+                <a:ea typeface="DejaVu Sans"/>
               </a:rPr>
               <a:t>Bravo ! Tu as réussi</a:t>
             </a:r>
@@ -4674,14 +6567,14 @@
       </p:sp>
       <p:sp>
         <p:nvSpPr>
-          <p:cNvPr id="97" name="CustomShape 2"/>
+          <p:cNvPr id="134" name="CustomShape 2"/>
           <p:cNvSpPr/>
           <p:nvPr/>
         </p:nvSpPr>
         <p:spPr>
           <a:xfrm>
             <a:off x="3605760" y="2959920"/>
-            <a:ext cx="1154880" cy="547200"/>
+            <a:ext cx="1154520" cy="546840"/>
           </a:xfrm>
           <a:prstGeom prst="rect">
             <a:avLst/>
@@ -4711,6 +6604,7 @@
                   <a:srgbClr val="000000"/>
                 </a:solidFill>
                 <a:latin typeface="Arial"/>
+                <a:ea typeface="DejaVu Sans"/>
               </a:rPr>
               <a:t>Vonat</a:t>
             </a:r>
@@ -4722,14 +6616,14 @@
       </p:sp>
       <p:sp>
         <p:nvSpPr>
-          <p:cNvPr id="98" name="CustomShape 3"/>
+          <p:cNvPr id="135" name="CustomShape 3"/>
           <p:cNvSpPr/>
           <p:nvPr/>
         </p:nvSpPr>
         <p:spPr>
           <a:xfrm>
             <a:off x="6263280" y="2959920"/>
-            <a:ext cx="1034640" cy="547200"/>
+            <a:ext cx="1034280" cy="546840"/>
           </a:xfrm>
           <a:prstGeom prst="rect">
             <a:avLst/>
@@ -4759,6 +6653,7 @@
                   <a:srgbClr val="000000"/>
                 </a:solidFill>
                 <a:latin typeface="Arial"/>
+                <a:ea typeface="DejaVu Sans"/>
               </a:rPr>
               <a:t>Train</a:t>
             </a:r>
@@ -4770,14 +6665,14 @@
       </p:sp>
       <p:sp>
         <p:nvSpPr>
-          <p:cNvPr id="99" name="CustomShape 4"/>
+          <p:cNvPr id="136" name="CustomShape 4"/>
           <p:cNvSpPr/>
           <p:nvPr/>
         </p:nvSpPr>
         <p:spPr>
           <a:xfrm>
             <a:off x="5343120" y="2959920"/>
-            <a:ext cx="403560" cy="547200"/>
+            <a:ext cx="403200" cy="546840"/>
           </a:xfrm>
           <a:prstGeom prst="rect">
             <a:avLst/>
@@ -4807,6 +6702,7 @@
                   <a:srgbClr val="000000"/>
                 </a:solidFill>
                 <a:latin typeface="Arial"/>
+                <a:ea typeface="DejaVu Sans"/>
               </a:rPr>
               <a:t>=</a:t>
             </a:r>
@@ -4818,14 +6714,14 @@
       </p:sp>
       <p:sp>
         <p:nvSpPr>
-          <p:cNvPr id="100" name="CustomShape 5"/>
+          <p:cNvPr id="137" name="CustomShape 5"/>
           <p:cNvSpPr/>
           <p:nvPr/>
         </p:nvSpPr>
         <p:spPr>
           <a:xfrm>
             <a:off x="2279880" y="4339080"/>
-            <a:ext cx="6530040" cy="547200"/>
+            <a:ext cx="6529680" cy="546840"/>
           </a:xfrm>
           <a:prstGeom prst="rect">
             <a:avLst/>
@@ -4855,6 +6751,7 @@
                   <a:srgbClr val="000000"/>
                 </a:solidFill>
                 <a:latin typeface="Arial"/>
+                <a:ea typeface="DejaVu Sans"/>
               </a:rPr>
               <a:t>Appuie sur une touche pour continuer</a:t>
             </a:r>
@@ -4888,14 +6785,14 @@
       </p:grpSpPr>
       <p:sp>
         <p:nvSpPr>
-          <p:cNvPr id="101" name="CustomShape 1"/>
+          <p:cNvPr id="138" name="CustomShape 1"/>
           <p:cNvSpPr/>
           <p:nvPr/>
         </p:nvSpPr>
         <p:spPr>
           <a:xfrm>
             <a:off x="1308240" y="997200"/>
-            <a:ext cx="8942400" cy="1918800"/>
+            <a:ext cx="8942040" cy="1918440"/>
           </a:xfrm>
           <a:prstGeom prst="rect">
             <a:avLst/>
@@ -4925,6 +6822,7 @@
                   <a:srgbClr val="000000"/>
                 </a:solidFill>
                 <a:latin typeface="Arial"/>
+                <a:ea typeface="DejaVu Sans"/>
               </a:rPr>
               <a:t>Ooups ! </a:t>
             </a:r>
@@ -4954,6 +6852,7 @@
                   <a:srgbClr val="000000"/>
                 </a:solidFill>
                 <a:latin typeface="Arial"/>
+                <a:ea typeface="DejaVu Sans"/>
               </a:rPr>
               <a:t>Tu n’as pas écrit le mot correctement...</a:t>
             </a:r>
@@ -4965,14 +6864,14 @@
       </p:sp>
       <p:sp>
         <p:nvSpPr>
-          <p:cNvPr id="102" name="CustomShape 2"/>
+          <p:cNvPr id="139" name="CustomShape 2"/>
           <p:cNvSpPr/>
           <p:nvPr/>
         </p:nvSpPr>
         <p:spPr>
           <a:xfrm>
             <a:off x="3535560" y="3851280"/>
-            <a:ext cx="1317960" cy="623880"/>
+            <a:ext cx="1317600" cy="623520"/>
           </a:xfrm>
           <a:prstGeom prst="rect">
             <a:avLst/>
@@ -5002,6 +6901,7 @@
                   <a:srgbClr val="000000"/>
                 </a:solidFill>
                 <a:latin typeface="Arial"/>
+                <a:ea typeface="DejaVu Sans"/>
               </a:rPr>
               <a:t>Vonat</a:t>
             </a:r>
@@ -5013,14 +6913,14 @@
       </p:sp>
       <p:sp>
         <p:nvSpPr>
-          <p:cNvPr id="103" name="CustomShape 3"/>
+          <p:cNvPr id="140" name="CustomShape 3"/>
           <p:cNvSpPr/>
           <p:nvPr/>
         </p:nvSpPr>
         <p:spPr>
           <a:xfrm>
             <a:off x="6203160" y="3851280"/>
-            <a:ext cx="1177920" cy="623880"/>
+            <a:ext cx="1177560" cy="623520"/>
           </a:xfrm>
           <a:prstGeom prst="rect">
             <a:avLst/>
@@ -5050,6 +6950,7 @@
                   <a:srgbClr val="000000"/>
                 </a:solidFill>
                 <a:latin typeface="Arial"/>
+                <a:ea typeface="DejaVu Sans"/>
               </a:rPr>
               <a:t>Train</a:t>
             </a:r>
@@ -5061,14 +6962,14 @@
       </p:sp>
       <p:sp>
         <p:nvSpPr>
-          <p:cNvPr id="104" name="CustomShape 4"/>
+          <p:cNvPr id="141" name="CustomShape 4"/>
           <p:cNvSpPr/>
           <p:nvPr/>
         </p:nvSpPr>
         <p:spPr>
           <a:xfrm>
             <a:off x="5335200" y="3851280"/>
-            <a:ext cx="441720" cy="623880"/>
+            <a:ext cx="441360" cy="623520"/>
           </a:xfrm>
           <a:prstGeom prst="rect">
             <a:avLst/>
@@ -5098,6 +6999,7 @@
                   <a:srgbClr val="000000"/>
                 </a:solidFill>
                 <a:latin typeface="Arial"/>
+                <a:ea typeface="DejaVu Sans"/>
               </a:rPr>
               <a:t>=</a:t>
             </a:r>
@@ -5109,14 +7011,14 @@
       </p:sp>
       <p:sp>
         <p:nvSpPr>
-          <p:cNvPr id="105" name="CustomShape 5"/>
+          <p:cNvPr id="142" name="CustomShape 5"/>
           <p:cNvSpPr/>
           <p:nvPr/>
         </p:nvSpPr>
         <p:spPr>
           <a:xfrm>
             <a:off x="6288120" y="3429000"/>
-            <a:ext cx="1159560" cy="395280"/>
+            <a:ext cx="1159200" cy="394920"/>
           </a:xfrm>
           <a:prstGeom prst="rect">
             <a:avLst/>
@@ -5146,6 +7048,7 @@
                   <a:srgbClr val="000000"/>
                 </a:solidFill>
                 <a:latin typeface="Arial"/>
+                <a:ea typeface="DejaVu Sans"/>
               </a:rPr>
               <a:t>Français</a:t>
             </a:r>
@@ -5157,14 +7060,14 @@
       </p:sp>
       <p:sp>
         <p:nvSpPr>
-          <p:cNvPr id="106" name="CustomShape 6"/>
+          <p:cNvPr id="143" name="CustomShape 6"/>
           <p:cNvSpPr/>
           <p:nvPr/>
         </p:nvSpPr>
         <p:spPr>
           <a:xfrm>
             <a:off x="3531960" y="3450960"/>
-            <a:ext cx="1202040" cy="395280"/>
+            <a:ext cx="1201680" cy="394920"/>
           </a:xfrm>
           <a:prstGeom prst="rect">
             <a:avLst/>
@@ -5194,6 +7097,7 @@
                   <a:srgbClr val="000000"/>
                 </a:solidFill>
                 <a:latin typeface="Arial"/>
+                <a:ea typeface="DejaVu Sans"/>
               </a:rPr>
               <a:t>Hongrois</a:t>
             </a:r>
@@ -5205,14 +7109,14 @@
       </p:sp>
       <p:sp>
         <p:nvSpPr>
-          <p:cNvPr id="107" name="CustomShape 7"/>
+          <p:cNvPr id="144" name="CustomShape 7"/>
           <p:cNvSpPr/>
           <p:nvPr/>
         </p:nvSpPr>
         <p:spPr>
           <a:xfrm>
             <a:off x="1576440" y="5229720"/>
-            <a:ext cx="7959600" cy="623880"/>
+            <a:ext cx="7959240" cy="623520"/>
           </a:xfrm>
           <a:prstGeom prst="rect">
             <a:avLst/>
@@ -5242,6 +7146,7 @@
                   <a:srgbClr val="000000"/>
                 </a:solidFill>
                 <a:latin typeface="Arial"/>
+                <a:ea typeface="DejaVu Sans"/>
               </a:rPr>
               <a:t>Appuie sur une touche pour réessayer !</a:t>
             </a:r>
@@ -5275,14 +7180,14 @@
       </p:grpSpPr>
       <p:sp>
         <p:nvSpPr>
-          <p:cNvPr id="108" name="CustomShape 1"/>
+          <p:cNvPr id="145" name="CustomShape 1"/>
           <p:cNvSpPr/>
           <p:nvPr/>
         </p:nvSpPr>
         <p:spPr>
           <a:xfrm>
             <a:off x="544680" y="573120"/>
-            <a:ext cx="10739520" cy="699840"/>
+            <a:ext cx="10739160" cy="699480"/>
           </a:xfrm>
           <a:prstGeom prst="rect">
             <a:avLst/>
@@ -5312,6 +7217,7 @@
                   <a:srgbClr val="000000"/>
                 </a:solidFill>
                 <a:latin typeface="Arial"/>
+                <a:ea typeface="DejaVu Sans"/>
               </a:rPr>
               <a:t>On va te présenter 15 paires de mots à la suite</a:t>
             </a:r>
@@ -5323,14 +7229,14 @@
       </p:sp>
       <p:sp>
         <p:nvSpPr>
-          <p:cNvPr id="109" name="CustomShape 2"/>
+          <p:cNvPr id="146" name="CustomShape 2"/>
           <p:cNvSpPr/>
           <p:nvPr/>
         </p:nvSpPr>
         <p:spPr>
           <a:xfrm>
             <a:off x="1671840" y="5653800"/>
-            <a:ext cx="8330040" cy="623880"/>
+            <a:ext cx="8329680" cy="623520"/>
           </a:xfrm>
           <a:prstGeom prst="rect">
             <a:avLst/>
@@ -5360,6 +7266,7 @@
                   <a:srgbClr val="000000"/>
                 </a:solidFill>
                 <a:latin typeface="Arial"/>
+                <a:ea typeface="DejaVu Sans"/>
               </a:rPr>
               <a:t>Appuie sur une touche pour commencer !</a:t>
             </a:r>
@@ -5371,14 +7278,14 @@
       </p:sp>
       <p:sp>
         <p:nvSpPr>
-          <p:cNvPr id="110" name="CustomShape 3"/>
+          <p:cNvPr id="147" name="CustomShape 3"/>
           <p:cNvSpPr/>
           <p:nvPr/>
         </p:nvSpPr>
         <p:spPr>
           <a:xfrm>
             <a:off x="1020240" y="1758600"/>
-            <a:ext cx="9788400" cy="623880"/>
+            <a:ext cx="9788040" cy="623520"/>
           </a:xfrm>
           <a:prstGeom prst="rect">
             <a:avLst/>
@@ -5408,6 +7315,7 @@
                   <a:srgbClr val="000000"/>
                 </a:solidFill>
                 <a:latin typeface="Arial"/>
+                <a:ea typeface="DejaVu Sans"/>
               </a:rPr>
               <a:t>Essaye de retenir la traduction de tous les mots !</a:t>
             </a:r>
@@ -5419,14 +7327,14 @@
       </p:sp>
       <p:sp>
         <p:nvSpPr>
-          <p:cNvPr id="111" name="CustomShape 4"/>
+          <p:cNvPr id="148" name="CustomShape 4"/>
           <p:cNvSpPr/>
           <p:nvPr/>
         </p:nvSpPr>
         <p:spPr>
           <a:xfrm>
             <a:off x="1449720" y="3183120"/>
-            <a:ext cx="8775000" cy="1157400"/>
+            <a:ext cx="8774640" cy="1157040"/>
           </a:xfrm>
           <a:prstGeom prst="rect">
             <a:avLst/>
@@ -5456,6 +7364,7 @@
                   <a:srgbClr val="000000"/>
                 </a:solidFill>
                 <a:latin typeface="Arial"/>
+                <a:ea typeface="DejaVu Sans"/>
               </a:rPr>
               <a:t>Plus tard, on te donnera le mot Hongrois et </a:t>
             </a:r>
@@ -5475,6 +7384,7 @@
                   <a:srgbClr val="000000"/>
                 </a:solidFill>
                 <a:latin typeface="Arial"/>
+                <a:ea typeface="DejaVu Sans"/>
               </a:rPr>
               <a:t>tu devras écrire la traduction en français</a:t>
             </a:r>
@@ -5508,14 +7418,14 @@
       </p:grpSpPr>
       <p:sp>
         <p:nvSpPr>
-          <p:cNvPr id="112" name="CustomShape 1"/>
+          <p:cNvPr id="149" name="CustomShape 1"/>
           <p:cNvSpPr/>
           <p:nvPr/>
         </p:nvSpPr>
         <p:spPr>
           <a:xfrm>
             <a:off x="2952000" y="3176640"/>
-            <a:ext cx="1479600" cy="699840"/>
+            <a:ext cx="1479240" cy="699480"/>
           </a:xfrm>
           <a:prstGeom prst="rect">
             <a:avLst/>
@@ -5545,6 +7455,7 @@
                   <a:srgbClr val="000000"/>
                 </a:solidFill>
                 <a:latin typeface="Arial"/>
+                <a:ea typeface="DejaVu Sans"/>
               </a:rPr>
               <a:t>Vonat</a:t>
             </a:r>
@@ -5556,14 +7467,14 @@
       </p:sp>
       <p:sp>
         <p:nvSpPr>
-          <p:cNvPr id="113" name="CustomShape 2"/>
+          <p:cNvPr id="150" name="CustomShape 2"/>
           <p:cNvSpPr/>
           <p:nvPr/>
         </p:nvSpPr>
         <p:spPr>
           <a:xfrm>
             <a:off x="5347800" y="3253680"/>
-            <a:ext cx="441720" cy="623880"/>
+            <a:ext cx="441360" cy="623520"/>
           </a:xfrm>
           <a:prstGeom prst="rect">
             <a:avLst/>
@@ -5593,6 +7504,7 @@
                   <a:srgbClr val="000000"/>
                 </a:solidFill>
                 <a:latin typeface="Arial"/>
+                <a:ea typeface="DejaVu Sans"/>
               </a:rPr>
               <a:t>=</a:t>
             </a:r>
@@ -5604,14 +7516,14 @@
       </p:sp>
       <p:sp>
         <p:nvSpPr>
-          <p:cNvPr id="114" name="CustomShape 3"/>
+          <p:cNvPr id="151" name="CustomShape 3"/>
           <p:cNvSpPr/>
           <p:nvPr/>
         </p:nvSpPr>
         <p:spPr>
           <a:xfrm>
             <a:off x="6598080" y="3176640"/>
-            <a:ext cx="1317960" cy="699840"/>
+            <a:ext cx="1317600" cy="699480"/>
           </a:xfrm>
           <a:prstGeom prst="rect">
             <a:avLst/>
@@ -5641,6 +7553,7 @@
                   <a:srgbClr val="000000"/>
                 </a:solidFill>
                 <a:latin typeface="Arial"/>
+                <a:ea typeface="DejaVu Sans"/>
               </a:rPr>
               <a:t>Train</a:t>
             </a:r>
@@ -5652,14 +7565,14 @@
       </p:sp>
       <p:sp>
         <p:nvSpPr>
-          <p:cNvPr id="115" name="CustomShape 4"/>
+          <p:cNvPr id="152" name="CustomShape 4"/>
           <p:cNvSpPr/>
           <p:nvPr/>
         </p:nvSpPr>
         <p:spPr>
           <a:xfrm>
             <a:off x="3587400" y="1259640"/>
-            <a:ext cx="3885840" cy="623880"/>
+            <a:ext cx="3885480" cy="623520"/>
           </a:xfrm>
           <a:prstGeom prst="rect">
             <a:avLst/>
@@ -5689,6 +7602,7 @@
                   <a:srgbClr val="000000"/>
                 </a:solidFill>
                 <a:latin typeface="Arial"/>
+                <a:ea typeface="DejaVu Sans"/>
               </a:rPr>
               <a:t>Essaye de retenir !</a:t>
             </a:r>
@@ -5703,10 +7617,10 @@
   <p:timing>
     <p:tnLst>
       <p:par>
-        <p:cTn id="3" dur="indefinite" restart="never" nodeType="tmRoot">
+        <p:cTn id="5" dur="indefinite" restart="never" nodeType="tmRoot">
           <p:childTnLst>
             <p:seq>
-              <p:cTn id="4" dur="indefinite" nodeType="mainSeq"/>
+              <p:cTn id="6" dur="indefinite" nodeType="mainSeq"/>
               <p:prevCondLst>
                 <p:cond delay="0" evt="onPrev">
                   <p:tgtEl>
@@ -5749,14 +7663,14 @@
       </p:grpSpPr>
       <p:sp>
         <p:nvSpPr>
-          <p:cNvPr id="116" name="CustomShape 1"/>
+          <p:cNvPr id="153" name="CustomShape 1"/>
           <p:cNvSpPr/>
           <p:nvPr/>
         </p:nvSpPr>
         <p:spPr>
           <a:xfrm>
             <a:off x="3535920" y="206640"/>
-            <a:ext cx="4670640" cy="699840"/>
+            <a:ext cx="4670280" cy="699480"/>
           </a:xfrm>
           <a:prstGeom prst="rect">
             <a:avLst/>
@@ -5786,6 +7700,7 @@
                   <a:srgbClr val="000000"/>
                 </a:solidFill>
                 <a:latin typeface="Arial"/>
+                <a:ea typeface="DejaVu Sans"/>
               </a:rPr>
               <a:t>Bravo ! Tu as réussi</a:t>
             </a:r>
@@ -5797,14 +7712,14 @@
       </p:sp>
       <p:sp>
         <p:nvSpPr>
-          <p:cNvPr id="117" name="CustomShape 2"/>
+          <p:cNvPr id="154" name="CustomShape 2"/>
           <p:cNvSpPr/>
           <p:nvPr/>
         </p:nvSpPr>
         <p:spPr>
           <a:xfrm>
             <a:off x="3948480" y="1280880"/>
-            <a:ext cx="1154880" cy="547200"/>
+            <a:ext cx="1154520" cy="546840"/>
           </a:xfrm>
           <a:prstGeom prst="rect">
             <a:avLst/>
@@ -5834,6 +7749,7 @@
                   <a:srgbClr val="000000"/>
                 </a:solidFill>
                 <a:latin typeface="Arial"/>
+                <a:ea typeface="DejaVu Sans"/>
               </a:rPr>
               <a:t>Vonat</a:t>
             </a:r>
@@ -5845,14 +7761,14 @@
       </p:sp>
       <p:sp>
         <p:nvSpPr>
-          <p:cNvPr id="118" name="CustomShape 3"/>
+          <p:cNvPr id="155" name="CustomShape 3"/>
           <p:cNvSpPr/>
           <p:nvPr/>
         </p:nvSpPr>
         <p:spPr>
           <a:xfrm>
             <a:off x="6606360" y="1280880"/>
-            <a:ext cx="1034640" cy="547200"/>
+            <a:ext cx="1034280" cy="546840"/>
           </a:xfrm>
           <a:prstGeom prst="rect">
             <a:avLst/>
@@ -5882,6 +7798,7 @@
                   <a:srgbClr val="000000"/>
                 </a:solidFill>
                 <a:latin typeface="Arial"/>
+                <a:ea typeface="DejaVu Sans"/>
               </a:rPr>
               <a:t>Train</a:t>
             </a:r>
@@ -5893,14 +7810,14 @@
       </p:sp>
       <p:sp>
         <p:nvSpPr>
-          <p:cNvPr id="119" name="CustomShape 4"/>
+          <p:cNvPr id="156" name="CustomShape 4"/>
           <p:cNvSpPr/>
           <p:nvPr/>
         </p:nvSpPr>
         <p:spPr>
           <a:xfrm>
             <a:off x="5686200" y="1280880"/>
-            <a:ext cx="403560" cy="547200"/>
+            <a:ext cx="403200" cy="546840"/>
           </a:xfrm>
           <a:prstGeom prst="rect">
             <a:avLst/>
@@ -5930,6 +7847,7 @@
                   <a:srgbClr val="000000"/>
                 </a:solidFill>
                 <a:latin typeface="Arial"/>
+                <a:ea typeface="DejaVu Sans"/>
               </a:rPr>
               <a:t>=</a:t>
             </a:r>
@@ -5941,14 +7859,14 @@
       </p:sp>
       <p:sp>
         <p:nvSpPr>
-          <p:cNvPr id="120" name="CustomShape 5"/>
+          <p:cNvPr id="157" name="CustomShape 5"/>
           <p:cNvSpPr/>
           <p:nvPr/>
         </p:nvSpPr>
         <p:spPr>
           <a:xfrm>
             <a:off x="3446640" y="2112840"/>
-            <a:ext cx="5034960" cy="699840"/>
+            <a:ext cx="5034600" cy="699480"/>
           </a:xfrm>
           <a:prstGeom prst="rect">
             <a:avLst/>
@@ -5978,6 +7896,7 @@
                   <a:srgbClr val="000000"/>
                 </a:solidFill>
                 <a:latin typeface="Arial"/>
+                <a:ea typeface="DejaVu Sans"/>
               </a:rPr>
               <a:t>Que souhaiterais-tu ?</a:t>
             </a:r>
@@ -5989,14 +7908,14 @@
       </p:sp>
       <p:sp>
         <p:nvSpPr>
-          <p:cNvPr id="121" name="CustomShape 6"/>
+          <p:cNvPr id="158" name="CustomShape 6"/>
           <p:cNvSpPr/>
           <p:nvPr/>
         </p:nvSpPr>
         <p:spPr>
           <a:xfrm>
             <a:off x="833400" y="3191760"/>
-            <a:ext cx="7372800" cy="547200"/>
+            <a:ext cx="7372440" cy="546840"/>
           </a:xfrm>
           <a:prstGeom prst="rect">
             <a:avLst/>
@@ -6026,6 +7945,7 @@
                   <a:srgbClr val="000000"/>
                 </a:solidFill>
                 <a:latin typeface="Arial"/>
+                <a:ea typeface="DejaVu Sans"/>
               </a:rPr>
               <a:t>1- Je veux revoir la paire de mots plus tard</a:t>
             </a:r>
@@ -6037,14 +7957,14 @@
       </p:sp>
       <p:sp>
         <p:nvSpPr>
-          <p:cNvPr id="122" name="CustomShape 7"/>
+          <p:cNvPr id="159" name="CustomShape 7"/>
           <p:cNvSpPr/>
           <p:nvPr/>
         </p:nvSpPr>
         <p:spPr>
           <a:xfrm>
             <a:off x="837360" y="4023720"/>
-            <a:ext cx="7921440" cy="547200"/>
+            <a:ext cx="7921080" cy="546840"/>
           </a:xfrm>
           <a:prstGeom prst="rect">
             <a:avLst/>
@@ -6074,6 +7994,7 @@
                   <a:srgbClr val="000000"/>
                 </a:solidFill>
                 <a:latin typeface="Arial"/>
+                <a:ea typeface="DejaVu Sans"/>
               </a:rPr>
               <a:t>2- Je veux me re-tester avec la paire plus tard</a:t>
             </a:r>
@@ -6085,14 +8006,14 @@
       </p:sp>
       <p:sp>
         <p:nvSpPr>
-          <p:cNvPr id="123" name="CustomShape 8"/>
+          <p:cNvPr id="160" name="CustomShape 8"/>
           <p:cNvSpPr/>
           <p:nvPr/>
         </p:nvSpPr>
         <p:spPr>
           <a:xfrm>
             <a:off x="838800" y="4855680"/>
-            <a:ext cx="8259840" cy="547200"/>
+            <a:ext cx="8259480" cy="546840"/>
           </a:xfrm>
           <a:prstGeom prst="rect">
             <a:avLst/>
@@ -6122,6 +8043,7 @@
                   <a:srgbClr val="000000"/>
                 </a:solidFill>
                 <a:latin typeface="Arial"/>
+                <a:ea typeface="DejaVu Sans"/>
               </a:rPr>
               <a:t>3- Je ne veux pas revoir la paire ni me re-tester </a:t>
             </a:r>
@@ -6133,14 +8055,14 @@
       </p:sp>
       <p:sp>
         <p:nvSpPr>
-          <p:cNvPr id="124" name="CustomShape 9"/>
+          <p:cNvPr id="161" name="CustomShape 9"/>
           <p:cNvSpPr/>
           <p:nvPr/>
         </p:nvSpPr>
         <p:spPr>
           <a:xfrm>
             <a:off x="3855240" y="5780880"/>
-            <a:ext cx="4474080" cy="547200"/>
+            <a:ext cx="4473720" cy="546840"/>
           </a:xfrm>
           <a:prstGeom prst="rect">
             <a:avLst/>
@@ -6170,6 +8092,7 @@
                   <a:srgbClr val="000000"/>
                 </a:solidFill>
                 <a:latin typeface="Arial"/>
+                <a:ea typeface="DejaVu Sans"/>
               </a:rPr>
               <a:t>Tape ton choix (1, 2 ou 3)</a:t>
             </a:r>
@@ -6181,6 +8104,33 @@
       </p:sp>
     </p:spTree>
   </p:cSld>
+  <p:timing>
+    <p:tnLst>
+      <p:par>
+        <p:cTn id="7" dur="indefinite" restart="never" nodeType="tmRoot">
+          <p:childTnLst>
+            <p:seq>
+              <p:cTn id="8" dur="indefinite" nodeType="mainSeq"/>
+              <p:prevCondLst>
+                <p:cond delay="0" evt="onPrev">
+                  <p:tgtEl>
+                    <p:sldTgt/>
+                  </p:tgtEl>
+                </p:cond>
+              </p:prevCondLst>
+              <p:nextCondLst>
+                <p:cond delay="0" evt="onNext">
+                  <p:tgtEl>
+                    <p:sldTgt/>
+                  </p:tgtEl>
+                </p:cond>
+              </p:nextCondLst>
+            </p:seq>
+          </p:childTnLst>
+        </p:cTn>
+      </p:par>
+    </p:tnLst>
+  </p:timing>
 </p:sld>
 </file>
 
@@ -6203,14 +8153,14 @@
       </p:grpSpPr>
       <p:sp>
         <p:nvSpPr>
-          <p:cNvPr id="125" name="TextShape 1"/>
-          <p:cNvSpPr txBox="1"/>
+          <p:cNvPr id="162" name="CustomShape 1"/>
+          <p:cNvSpPr/>
           <p:nvPr/>
         </p:nvSpPr>
         <p:spPr>
           <a:xfrm>
             <a:off x="838080" y="365040"/>
-            <a:ext cx="10515240" cy="1325160"/>
+            <a:ext cx="10514880" cy="1324800"/>
           </a:xfrm>
           <a:prstGeom prst="rect">
             <a:avLst/>
@@ -6220,28 +8170,23 @@
             <a:noFill/>
           </a:ln>
         </p:spPr>
-        <p:txBody>
-          <a:bodyPr lIns="0" rIns="0" tIns="0" bIns="0" anchor="ctr"/>
-          <a:p>
-            <a:endParaRPr b="0" lang="fr-FR" sz="1800" spc="-1" strike="noStrike">
-              <a:solidFill>
-                <a:srgbClr val="000000"/>
-              </a:solidFill>
-              <a:latin typeface="Calibri"/>
-            </a:endParaRPr>
-          </a:p>
-        </p:txBody>
-      </p:sp>
-      <p:sp>
-        <p:nvSpPr>
-          <p:cNvPr id="126" name="TextShape 2"/>
-          <p:cNvSpPr txBox="1"/>
+        <p:style>
+          <a:lnRef idx="0"/>
+          <a:fillRef idx="0"/>
+          <a:effectRef idx="0"/>
+          <a:fontRef idx="minor"/>
+        </p:style>
+      </p:sp>
+      <p:sp>
+        <p:nvSpPr>
+          <p:cNvPr id="163" name="CustomShape 2"/>
+          <p:cNvSpPr/>
           <p:nvPr/>
         </p:nvSpPr>
         <p:spPr>
           <a:xfrm>
             <a:off x="838080" y="1825560"/>
-            <a:ext cx="3385800" cy="2075040"/>
+            <a:ext cx="3385440" cy="2074680"/>
           </a:xfrm>
           <a:prstGeom prst="rect">
             <a:avLst/>
@@ -6251,30 +8196,23 @@
             <a:noFill/>
           </a:ln>
         </p:spPr>
-        <p:txBody>
-          <a:bodyPr lIns="0" rIns="0" tIns="0" bIns="0">
-            <a:normAutofit/>
-          </a:bodyPr>
-          <a:p>
-            <a:endParaRPr b="0" lang="fr-FR" sz="2800" spc="-1" strike="noStrike">
-              <a:solidFill>
-                <a:srgbClr val="000000"/>
-              </a:solidFill>
-              <a:latin typeface="Calibri"/>
-            </a:endParaRPr>
-          </a:p>
-        </p:txBody>
-      </p:sp>
-      <p:sp>
-        <p:nvSpPr>
-          <p:cNvPr id="127" name="TextShape 3"/>
-          <p:cNvSpPr txBox="1"/>
+        <p:style>
+          <a:lnRef idx="0"/>
+          <a:fillRef idx="0"/>
+          <a:effectRef idx="0"/>
+          <a:fontRef idx="minor"/>
+        </p:style>
+      </p:sp>
+      <p:sp>
+        <p:nvSpPr>
+          <p:cNvPr id="164" name="CustomShape 3"/>
+          <p:cNvSpPr/>
           <p:nvPr/>
         </p:nvSpPr>
         <p:spPr>
           <a:xfrm>
             <a:off x="4393440" y="1825560"/>
-            <a:ext cx="3385800" cy="2075040"/>
+            <a:ext cx="3385440" cy="2074680"/>
           </a:xfrm>
           <a:prstGeom prst="rect">
             <a:avLst/>
@@ -6284,30 +8222,23 @@
             <a:noFill/>
           </a:ln>
         </p:spPr>
-        <p:txBody>
-          <a:bodyPr lIns="0" rIns="0" tIns="0" bIns="0">
-            <a:normAutofit/>
-          </a:bodyPr>
-          <a:p>
-            <a:endParaRPr b="0" lang="fr-FR" sz="2800" spc="-1" strike="noStrike">
-              <a:solidFill>
-                <a:srgbClr val="000000"/>
-              </a:solidFill>
-              <a:latin typeface="Calibri"/>
-            </a:endParaRPr>
-          </a:p>
-        </p:txBody>
-      </p:sp>
-      <p:sp>
-        <p:nvSpPr>
-          <p:cNvPr id="128" name="TextShape 4"/>
-          <p:cNvSpPr txBox="1"/>
+        <p:style>
+          <a:lnRef idx="0"/>
+          <a:fillRef idx="0"/>
+          <a:effectRef idx="0"/>
+          <a:fontRef idx="minor"/>
+        </p:style>
+      </p:sp>
+      <p:sp>
+        <p:nvSpPr>
+          <p:cNvPr id="165" name="CustomShape 4"/>
+          <p:cNvSpPr/>
           <p:nvPr/>
         </p:nvSpPr>
         <p:spPr>
           <a:xfrm>
             <a:off x="7949160" y="1825560"/>
-            <a:ext cx="3385800" cy="2075040"/>
+            <a:ext cx="3385440" cy="2074680"/>
           </a:xfrm>
           <a:prstGeom prst="rect">
             <a:avLst/>
@@ -6317,30 +8248,23 @@
             <a:noFill/>
           </a:ln>
         </p:spPr>
-        <p:txBody>
-          <a:bodyPr lIns="0" rIns="0" tIns="0" bIns="0">
-            <a:normAutofit/>
-          </a:bodyPr>
-          <a:p>
-            <a:endParaRPr b="0" lang="fr-FR" sz="2800" spc="-1" strike="noStrike">
-              <a:solidFill>
-                <a:srgbClr val="000000"/>
-              </a:solidFill>
-              <a:latin typeface="Calibri"/>
-            </a:endParaRPr>
-          </a:p>
-        </p:txBody>
-      </p:sp>
-      <p:sp>
-        <p:nvSpPr>
-          <p:cNvPr id="129" name="TextShape 5"/>
-          <p:cNvSpPr txBox="1"/>
+        <p:style>
+          <a:lnRef idx="0"/>
+          <a:fillRef idx="0"/>
+          <a:effectRef idx="0"/>
+          <a:fontRef idx="minor"/>
+        </p:style>
+      </p:sp>
+      <p:sp>
+        <p:nvSpPr>
+          <p:cNvPr id="166" name="CustomShape 5"/>
+          <p:cNvSpPr/>
           <p:nvPr/>
         </p:nvSpPr>
         <p:spPr>
           <a:xfrm>
             <a:off x="838080" y="4098240"/>
-            <a:ext cx="3385800" cy="2075040"/>
+            <a:ext cx="3385440" cy="2074680"/>
           </a:xfrm>
           <a:prstGeom prst="rect">
             <a:avLst/>
@@ -6350,30 +8274,23 @@
             <a:noFill/>
           </a:ln>
         </p:spPr>
-        <p:txBody>
-          <a:bodyPr lIns="0" rIns="0" tIns="0" bIns="0">
-            <a:normAutofit/>
-          </a:bodyPr>
-          <a:p>
-            <a:endParaRPr b="0" lang="fr-FR" sz="2800" spc="-1" strike="noStrike">
-              <a:solidFill>
-                <a:srgbClr val="000000"/>
-              </a:solidFill>
-              <a:latin typeface="Calibri"/>
-            </a:endParaRPr>
-          </a:p>
-        </p:txBody>
-      </p:sp>
-      <p:sp>
-        <p:nvSpPr>
-          <p:cNvPr id="130" name="TextShape 6"/>
-          <p:cNvSpPr txBox="1"/>
+        <p:style>
+          <a:lnRef idx="0"/>
+          <a:fillRef idx="0"/>
+          <a:effectRef idx="0"/>
+          <a:fontRef idx="minor"/>
+        </p:style>
+      </p:sp>
+      <p:sp>
+        <p:nvSpPr>
+          <p:cNvPr id="167" name="CustomShape 6"/>
+          <p:cNvSpPr/>
           <p:nvPr/>
         </p:nvSpPr>
         <p:spPr>
           <a:xfrm>
             <a:off x="4393440" y="4098240"/>
-            <a:ext cx="3385800" cy="2075040"/>
+            <a:ext cx="3385440" cy="2074680"/>
           </a:xfrm>
           <a:prstGeom prst="rect">
             <a:avLst/>
@@ -6383,30 +8300,23 @@
             <a:noFill/>
           </a:ln>
         </p:spPr>
-        <p:txBody>
-          <a:bodyPr lIns="0" rIns="0" tIns="0" bIns="0">
-            <a:normAutofit/>
-          </a:bodyPr>
-          <a:p>
-            <a:endParaRPr b="0" lang="fr-FR" sz="2800" spc="-1" strike="noStrike">
-              <a:solidFill>
-                <a:srgbClr val="000000"/>
-              </a:solidFill>
-              <a:latin typeface="Calibri"/>
-            </a:endParaRPr>
-          </a:p>
-        </p:txBody>
-      </p:sp>
-      <p:sp>
-        <p:nvSpPr>
-          <p:cNvPr id="131" name="TextShape 7"/>
-          <p:cNvSpPr txBox="1"/>
+        <p:style>
+          <a:lnRef idx="0"/>
+          <a:fillRef idx="0"/>
+          <a:effectRef idx="0"/>
+          <a:fontRef idx="minor"/>
+        </p:style>
+      </p:sp>
+      <p:sp>
+        <p:nvSpPr>
+          <p:cNvPr id="168" name="CustomShape 7"/>
+          <p:cNvSpPr/>
           <p:nvPr/>
         </p:nvSpPr>
         <p:spPr>
           <a:xfrm>
             <a:off x="7949160" y="4098240"/>
-            <a:ext cx="3385800" cy="2075040"/>
+            <a:ext cx="3385440" cy="2074680"/>
           </a:xfrm>
           <a:prstGeom prst="rect">
             <a:avLst/>
@@ -6416,22 +8326,144 @@
             <a:noFill/>
           </a:ln>
         </p:spPr>
-        <p:txBody>
-          <a:bodyPr lIns="0" rIns="0" tIns="0" bIns="0">
-            <a:normAutofit/>
-          </a:bodyPr>
-          <a:p>
-            <a:endParaRPr b="0" lang="fr-FR" sz="2800" spc="-1" strike="noStrike">
-              <a:solidFill>
-                <a:srgbClr val="000000"/>
-              </a:solidFill>
-              <a:latin typeface="Calibri"/>
+        <p:style>
+          <a:lnRef idx="0"/>
+          <a:fillRef idx="0"/>
+          <a:effectRef idx="0"/>
+          <a:fontRef idx="minor"/>
+        </p:style>
+      </p:sp>
+      <p:pic>
+        <p:nvPicPr>
+          <p:cNvPr id="169" name="" descr=""/>
+          <p:cNvPicPr/>
+          <p:nvPr/>
+        </p:nvPicPr>
+        <p:blipFill>
+          <a:blip r:embed="rId1"/>
+          <a:stretch/>
+        </p:blipFill>
+        <p:spPr>
+          <a:xfrm>
+            <a:off x="4176000" y="2376000"/>
+            <a:ext cx="3404520" cy="4165200"/>
+          </a:xfrm>
+          <a:prstGeom prst="rect">
+            <a:avLst/>
+          </a:prstGeom>
+          <a:ln>
+            <a:noFill/>
+          </a:ln>
+        </p:spPr>
+      </p:pic>
+      <p:sp>
+        <p:nvSpPr>
+          <p:cNvPr id="170" name="CustomShape 8"/>
+          <p:cNvSpPr/>
+          <p:nvPr/>
+        </p:nvSpPr>
+        <p:spPr>
+          <a:xfrm>
+            <a:off x="3535920" y="206640"/>
+            <a:ext cx="4670280" cy="699480"/>
+          </a:xfrm>
+          <a:prstGeom prst="rect">
+            <a:avLst/>
+          </a:prstGeom>
+          <a:noFill/>
+          <a:ln>
+            <a:noFill/>
+          </a:ln>
+        </p:spPr>
+        <p:style>
+          <a:lnRef idx="0"/>
+          <a:fillRef idx="0"/>
+          <a:effectRef idx="0"/>
+          <a:fontRef idx="minor"/>
+        </p:style>
+        <p:txBody>
+          <a:bodyPr wrap="none" lIns="90000" rIns="90000" tIns="45000" bIns="45000"/>
+          <a:p>
+            <a:pPr algn="ctr">
+              <a:lnSpc>
+                <a:spcPct val="100000"/>
+              </a:lnSpc>
+            </a:pPr>
+            <a:r>
+              <a:rPr b="0" lang="en-GB" sz="4000" spc="-1" strike="noStrike">
+                <a:solidFill>
+                  <a:srgbClr val="000000"/>
+                </a:solidFill>
+                <a:latin typeface="Arial"/>
+                <a:ea typeface="DejaVu Sans"/>
+              </a:rPr>
+              <a:t>Merci d’avoir participé !</a:t>
+            </a:r>
+            <a:endParaRPr b="0" lang="en-GB" sz="4000" spc="-1" strike="noStrike">
+              <a:latin typeface="Arial"/>
+            </a:endParaRPr>
+          </a:p>
+          <a:p>
+            <a:pPr algn="ctr">
+              <a:lnSpc>
+                <a:spcPct val="100000"/>
+              </a:lnSpc>
+            </a:pPr>
+            <a:endParaRPr b="0" lang="en-GB" sz="4000" spc="-1" strike="noStrike">
+              <a:latin typeface="Arial"/>
+            </a:endParaRPr>
+          </a:p>
+          <a:p>
+            <a:pPr algn="ctr">
+              <a:lnSpc>
+                <a:spcPct val="100000"/>
+              </a:lnSpc>
+            </a:pPr>
+            <a:r>
+              <a:rPr b="0" lang="en-GB" sz="4000" spc="-1" strike="noStrike">
+                <a:solidFill>
+                  <a:srgbClr val="000000"/>
+                </a:solidFill>
+                <a:latin typeface="Arial"/>
+                <a:ea typeface="DejaVu Sans"/>
+              </a:rPr>
+              <a:t>À bientôt !</a:t>
+            </a:r>
+            <a:endParaRPr b="0" lang="en-GB" sz="4000" spc="-1" strike="noStrike">
+              <a:latin typeface="Arial"/>
             </a:endParaRPr>
           </a:p>
         </p:txBody>
       </p:sp>
     </p:spTree>
   </p:cSld>
+  <p:timing>
+    <p:tnLst>
+      <p:par>
+        <p:cTn id="9" dur="indefinite" restart="never" nodeType="tmRoot">
+          <p:childTnLst>
+            <p:seq>
+              <p:cTn id="10" dur="indefinite" nodeType="mainSeq"/>
+              <p:prevCondLst>
+                <p:cond delay="0" evt="onPrev">
+                  <p:tgtEl>
+                    <p:sldTgt/>
+                  </p:tgtEl>
+                </p:cond>
+              </p:prevCondLst>
+              <p:nextCondLst>
+                <p:cond delay="0" evt="onNext">
+                  <p:tgtEl>
+                    <p:sldTgt/>
+                  </p:tgtEl>
+                </p:cond>
+              </p:nextCondLst>
+            </p:seq>
+          </p:childTnLst>
+        </p:cTn>
+      </p:par>
+    </p:tnLst>
+  </p:timing>
 </p:sld>
 </file>
 
@@ -6879,4 +8911,227 @@
     </a:fmtScheme>
   </a:themeElements>
 </a:theme>
+</file>
+
+<file path=ppt/theme/theme3.xml><?xml version="1.0" encoding="utf-8"?>
+<a:theme xmlns:a="http://schemas.openxmlformats.org/drawingml/2006/main" name="Office Theme">
+  <a:themeElements>
+    <a:clrScheme name="Office">
+      <a:dk1>
+        <a:sysClr val="windowText" lastClr="000000"/>
+      </a:dk1>
+      <a:lt1>
+        <a:sysClr val="window" lastClr="FFFFFF"/>
+      </a:lt1>
+      <a:dk2>
+        <a:srgbClr val="44546a"/>
+      </a:dk2>
+      <a:lt2>
+        <a:srgbClr val="e7e6e6"/>
+      </a:lt2>
+      <a:accent1>
+        <a:srgbClr val="4472c4"/>
+      </a:accent1>
+      <a:accent2>
+        <a:srgbClr val="ed7d31"/>
+      </a:accent2>
+      <a:accent3>
+        <a:srgbClr val="a5a5a5"/>
+      </a:accent3>
+      <a:accent4>
+        <a:srgbClr val="ffc000"/>
+      </a:accent4>
+      <a:accent5>
+        <a:srgbClr val="5b9bd5"/>
+      </a:accent5>
+      <a:accent6>
+        <a:srgbClr val="70ad47"/>
+      </a:accent6>
+      <a:hlink>
+        <a:srgbClr val="0563c1"/>
+      </a:hlink>
+      <a:folHlink>
+        <a:srgbClr val="954f72"/>
+      </a:folHlink>
+    </a:clrScheme>
+    <a:fontScheme name="Office">
+      <a:majorFont>
+        <a:latin typeface="Arial"/>
+        <a:ea typeface="DejaVu Sans"/>
+        <a:cs typeface="DejaVu Sans"/>
+      </a:majorFont>
+      <a:minorFont>
+        <a:latin typeface="Arial"/>
+        <a:ea typeface="DejaVu Sans"/>
+        <a:cs typeface="DejaVu Sans"/>
+      </a:minorFont>
+    </a:fontScheme>
+    <a:fmtScheme name="Office">
+      <a:fillStyleLst>
+        <a:solidFill>
+          <a:schemeClr val="phClr"/>
+        </a:solidFill>
+        <a:gradFill rotWithShape="1">
+          <a:gsLst>
+            <a:gs pos="0">
+              <a:schemeClr val="phClr">
+                <a:tint val="50000"/>
+                <a:satMod val="300000"/>
+              </a:schemeClr>
+            </a:gs>
+            <a:gs pos="35000">
+              <a:schemeClr val="phClr">
+                <a:tint val="37000"/>
+                <a:satMod val="300000"/>
+              </a:schemeClr>
+            </a:gs>
+            <a:gs pos="100000">
+              <a:schemeClr val="phClr">
+                <a:tint val="15000"/>
+                <a:satMod val="350000"/>
+              </a:schemeClr>
+            </a:gs>
+          </a:gsLst>
+          <a:lin ang="16200000" scaled="1"/>
+        </a:gradFill>
+        <a:gradFill rotWithShape="1">
+          <a:gsLst>
+            <a:gs pos="0">
+              <a:schemeClr val="phClr">
+                <a:shade val="51000"/>
+                <a:satMod val="130000"/>
+              </a:schemeClr>
+            </a:gs>
+            <a:gs pos="80000">
+              <a:schemeClr val="phClr">
+                <a:shade val="93000"/>
+                <a:satMod val="130000"/>
+              </a:schemeClr>
+            </a:gs>
+            <a:gs pos="100000">
+              <a:schemeClr val="phClr">
+                <a:shade val="94000"/>
+                <a:satMod val="135000"/>
+              </a:schemeClr>
+            </a:gs>
+          </a:gsLst>
+          <a:lin ang="16200000" scaled="0"/>
+        </a:gradFill>
+      </a:fillStyleLst>
+      <a:lnStyleLst>
+        <a:ln w="9525" cap="flat" cmpd="sng" algn="ctr">
+          <a:solidFill>
+            <a:schemeClr val="phClr">
+              <a:shade val="95000"/>
+              <a:satMod val="105000"/>
+            </a:schemeClr>
+          </a:solidFill>
+          <a:prstDash val="solid"/>
+        </a:ln>
+        <a:ln w="25400" cap="flat" cmpd="sng" algn="ctr">
+          <a:solidFill>
+            <a:schemeClr val="phClr"/>
+          </a:solidFill>
+          <a:prstDash val="solid"/>
+        </a:ln>
+        <a:ln w="38100" cap="flat" cmpd="sng" algn="ctr">
+          <a:solidFill>
+            <a:schemeClr val="phClr"/>
+          </a:solidFill>
+          <a:prstDash val="solid"/>
+        </a:ln>
+      </a:lnStyleLst>
+      <a:effectStyleLst>
+        <a:effectStyle>
+          <a:effectLst>
+            <a:outerShdw blurRad="40000" dist="20000" dir="5400000" rotWithShape="0">
+              <a:srgbClr val="000000">
+                <a:alpha val="38000"/>
+              </a:srgbClr>
+            </a:outerShdw>
+          </a:effectLst>
+        </a:effectStyle>
+        <a:effectStyle>
+          <a:effectLst>
+            <a:outerShdw blurRad="40000" dist="23000" dir="5400000" rotWithShape="0">
+              <a:srgbClr val="000000">
+                <a:alpha val="35000"/>
+              </a:srgbClr>
+            </a:outerShdw>
+          </a:effectLst>
+        </a:effectStyle>
+        <a:effectStyle>
+          <a:effectLst>
+            <a:outerShdw blurRad="40000" dist="23000" dir="5400000" rotWithShape="0">
+              <a:srgbClr val="000000">
+                <a:alpha val="35000"/>
+              </a:srgbClr>
+            </a:outerShdw>
+          </a:effectLst>
+          <a:scene3d>
+            <a:camera prst="orthographicFront">
+              <a:rot lat="0" lon="0" rev="0"/>
+            </a:camera>
+            <a:lightRig rig="threePt" dir="t">
+              <a:rot lat="0" lon="0" rev="1200000"/>
+            </a:lightRig>
+          </a:scene3d>
+          <a:sp3d>
+            <a:bevelT w="63500" h="25400"/>
+          </a:sp3d>
+        </a:effectStyle>
+      </a:effectStyleLst>
+      <a:bgFillStyleLst>
+        <a:solidFill>
+          <a:schemeClr val="phClr"/>
+        </a:solidFill>
+        <a:gradFill rotWithShape="1">
+          <a:gsLst>
+            <a:gs pos="0">
+              <a:schemeClr val="phClr">
+                <a:tint val="40000"/>
+                <a:satMod val="350000"/>
+              </a:schemeClr>
+            </a:gs>
+            <a:gs pos="40000">
+              <a:schemeClr val="phClr">
+                <a:tint val="45000"/>
+                <a:shade val="99000"/>
+                <a:satMod val="350000"/>
+              </a:schemeClr>
+            </a:gs>
+            <a:gs pos="100000">
+              <a:schemeClr val="phClr">
+                <a:shade val="20000"/>
+                <a:satMod val="255000"/>
+              </a:schemeClr>
+            </a:gs>
+          </a:gsLst>
+          <a:path path="circle">
+            <a:fillToRect l="50000" t="-80000" r="50000" b="180000"/>
+          </a:path>
+        </a:gradFill>
+        <a:gradFill rotWithShape="1">
+          <a:gsLst>
+            <a:gs pos="0">
+              <a:schemeClr val="phClr">
+                <a:tint val="80000"/>
+                <a:satMod val="300000"/>
+              </a:schemeClr>
+            </a:gs>
+            <a:gs pos="100000">
+              <a:schemeClr val="phClr">
+                <a:shade val="30000"/>
+                <a:satMod val="200000"/>
+              </a:schemeClr>
+            </a:gs>
+          </a:gsLst>
+          <a:path path="circle">
+            <a:fillToRect l="50000" t="50000" r="50000" b="50000"/>
+          </a:path>
+        </a:gradFill>
+      </a:bgFillStyleLst>
+    </a:fmtScheme>
+  </a:themeElements>
+</a:theme>
 </file>
--- a/images/Images NEW.pptx
+++ b/images/Images NEW.pptx
@@ -15,6 +15,14 @@
     <p:sldId id="261" r:id="rId10"/>
     <p:sldId id="262" r:id="rId11"/>
     <p:sldId id="263" r:id="rId12"/>
+    <p:sldId id="264" r:id="rId13"/>
+    <p:sldId id="265" r:id="rId14"/>
+    <p:sldId id="266" r:id="rId15"/>
+    <p:sldId id="267" r:id="rId16"/>
+    <p:sldId id="268" r:id="rId17"/>
+    <p:sldId id="269" r:id="rId18"/>
+    <p:sldId id="270" r:id="rId19"/>
+    <p:sldId id="271" r:id="rId20"/>
   </p:sldIdLst>
   <p:sldSz cx="12192000" cy="6858000"/>
   <p:notesSz cx="7559675" cy="10691812"/>
@@ -72,8 +80,8 @@
         </p:nvSpPr>
         <p:spPr>
           <a:xfrm>
-            <a:off x="838080" y="365040"/>
-            <a:ext cx="10514880" cy="1324800"/>
+            <a:off x="609480" y="273600"/>
+            <a:ext cx="10972440" cy="1144800"/>
           </a:xfrm>
           <a:prstGeom prst="rect">
             <a:avLst/>
@@ -101,8 +109,8 @@
         </p:nvSpPr>
         <p:spPr>
           <a:xfrm>
-            <a:off x="838080" y="1825560"/>
-            <a:ext cx="3385440" cy="989280"/>
+            <a:off x="609480" y="1604520"/>
+            <a:ext cx="10972440" cy="1896840"/>
           </a:xfrm>
           <a:prstGeom prst="rect">
             <a:avLst/>
@@ -131,8 +139,8 @@
         </p:nvSpPr>
         <p:spPr>
           <a:xfrm>
-            <a:off x="838080" y="2909160"/>
-            <a:ext cx="3385440" cy="989280"/>
+            <a:off x="609480" y="3682080"/>
+            <a:ext cx="10972440" cy="1896840"/>
           </a:xfrm>
           <a:prstGeom prst="rect">
             <a:avLst/>
@@ -183,8 +191,8 @@
         </p:nvSpPr>
         <p:spPr>
           <a:xfrm>
-            <a:off x="838080" y="365040"/>
-            <a:ext cx="10514880" cy="1324800"/>
+            <a:off x="609480" y="273600"/>
+            <a:ext cx="10972440" cy="1144800"/>
           </a:xfrm>
           <a:prstGeom prst="rect">
             <a:avLst/>
@@ -212,8 +220,8 @@
         </p:nvSpPr>
         <p:spPr>
           <a:xfrm>
-            <a:off x="838080" y="1825560"/>
-            <a:ext cx="1652040" cy="989280"/>
+            <a:off x="609480" y="1604520"/>
+            <a:ext cx="5354280" cy="1896840"/>
           </a:xfrm>
           <a:prstGeom prst="rect">
             <a:avLst/>
@@ -242,8 +250,8 @@
         </p:nvSpPr>
         <p:spPr>
           <a:xfrm>
-            <a:off x="2573280" y="1825560"/>
-            <a:ext cx="1652040" cy="989280"/>
+            <a:off x="6231960" y="1604520"/>
+            <a:ext cx="5354280" cy="1896840"/>
           </a:xfrm>
           <a:prstGeom prst="rect">
             <a:avLst/>
@@ -272,8 +280,8 @@
         </p:nvSpPr>
         <p:spPr>
           <a:xfrm>
-            <a:off x="838080" y="2909160"/>
-            <a:ext cx="1652040" cy="989280"/>
+            <a:off x="609480" y="3682080"/>
+            <a:ext cx="5354280" cy="1896840"/>
           </a:xfrm>
           <a:prstGeom prst="rect">
             <a:avLst/>
@@ -302,8 +310,8 @@
         </p:nvSpPr>
         <p:spPr>
           <a:xfrm>
-            <a:off x="2573280" y="2909160"/>
-            <a:ext cx="1652040" cy="989280"/>
+            <a:off x="6231960" y="3682080"/>
+            <a:ext cx="5354280" cy="1896840"/>
           </a:xfrm>
           <a:prstGeom prst="rect">
             <a:avLst/>
@@ -354,8 +362,8 @@
         </p:nvSpPr>
         <p:spPr>
           <a:xfrm>
-            <a:off x="838080" y="365040"/>
-            <a:ext cx="10514880" cy="1324800"/>
+            <a:off x="609480" y="273600"/>
+            <a:ext cx="10972440" cy="1144800"/>
           </a:xfrm>
           <a:prstGeom prst="rect">
             <a:avLst/>
@@ -383,8 +391,8 @@
         </p:nvSpPr>
         <p:spPr>
           <a:xfrm>
-            <a:off x="838080" y="1825560"/>
-            <a:ext cx="1089720" cy="989280"/>
+            <a:off x="609480" y="1604520"/>
+            <a:ext cx="3533040" cy="1896840"/>
           </a:xfrm>
           <a:prstGeom prst="rect">
             <a:avLst/>
@@ -413,8 +421,8 @@
         </p:nvSpPr>
         <p:spPr>
           <a:xfrm>
-            <a:off x="1982520" y="1825560"/>
-            <a:ext cx="1089720" cy="989280"/>
+            <a:off x="4319640" y="1604520"/>
+            <a:ext cx="3533040" cy="1896840"/>
           </a:xfrm>
           <a:prstGeom prst="rect">
             <a:avLst/>
@@ -443,8 +451,8 @@
         </p:nvSpPr>
         <p:spPr>
           <a:xfrm>
-            <a:off x="3127320" y="1825560"/>
-            <a:ext cx="1089720" cy="989280"/>
+            <a:off x="8029800" y="1604520"/>
+            <a:ext cx="3533040" cy="1896840"/>
           </a:xfrm>
           <a:prstGeom prst="rect">
             <a:avLst/>
@@ -473,8 +481,8 @@
         </p:nvSpPr>
         <p:spPr>
           <a:xfrm>
-            <a:off x="838080" y="2909160"/>
-            <a:ext cx="1089720" cy="989280"/>
+            <a:off x="609480" y="3682080"/>
+            <a:ext cx="3533040" cy="1896840"/>
           </a:xfrm>
           <a:prstGeom prst="rect">
             <a:avLst/>
@@ -503,8 +511,8 @@
         </p:nvSpPr>
         <p:spPr>
           <a:xfrm>
-            <a:off x="1982520" y="2909160"/>
-            <a:ext cx="1089720" cy="989280"/>
+            <a:off x="4319640" y="3682080"/>
+            <a:ext cx="3533040" cy="1896840"/>
           </a:xfrm>
           <a:prstGeom prst="rect">
             <a:avLst/>
@@ -533,8 +541,8 @@
         </p:nvSpPr>
         <p:spPr>
           <a:xfrm>
-            <a:off x="3127320" y="2909160"/>
-            <a:ext cx="1089720" cy="989280"/>
+            <a:off x="8029800" y="3682080"/>
+            <a:ext cx="3533040" cy="1896840"/>
           </a:xfrm>
           <a:prstGeom prst="rect">
             <a:avLst/>
@@ -607,8 +615,8 @@
         </p:nvSpPr>
         <p:spPr>
           <a:xfrm>
-            <a:off x="838080" y="365040"/>
-            <a:ext cx="10514880" cy="1324800"/>
+            <a:off x="609480" y="273600"/>
+            <a:ext cx="10972440" cy="1144800"/>
           </a:xfrm>
           <a:prstGeom prst="rect">
             <a:avLst/>
@@ -636,8 +644,8 @@
         </p:nvSpPr>
         <p:spPr>
           <a:xfrm>
-            <a:off x="838080" y="1825560"/>
-            <a:ext cx="3385440" cy="2074680"/>
+            <a:off x="609480" y="1604520"/>
+            <a:ext cx="10972440" cy="3977280"/>
           </a:xfrm>
           <a:prstGeom prst="rect">
             <a:avLst/>
@@ -687,8 +695,8 @@
         </p:nvSpPr>
         <p:spPr>
           <a:xfrm>
-            <a:off x="838080" y="365040"/>
-            <a:ext cx="10514880" cy="1324800"/>
+            <a:off x="609480" y="273600"/>
+            <a:ext cx="10972440" cy="1144800"/>
           </a:xfrm>
           <a:prstGeom prst="rect">
             <a:avLst/>
@@ -716,8 +724,8 @@
         </p:nvSpPr>
         <p:spPr>
           <a:xfrm>
-            <a:off x="838080" y="1825560"/>
-            <a:ext cx="3385440" cy="2074680"/>
+            <a:off x="609480" y="1604520"/>
+            <a:ext cx="10972440" cy="3977280"/>
           </a:xfrm>
           <a:prstGeom prst="rect">
             <a:avLst/>
@@ -768,8 +776,8 @@
         </p:nvSpPr>
         <p:spPr>
           <a:xfrm>
-            <a:off x="838080" y="365040"/>
-            <a:ext cx="10514880" cy="1324800"/>
+            <a:off x="609480" y="273600"/>
+            <a:ext cx="10972440" cy="1144800"/>
           </a:xfrm>
           <a:prstGeom prst="rect">
             <a:avLst/>
@@ -797,8 +805,8 @@
         </p:nvSpPr>
         <p:spPr>
           <a:xfrm>
-            <a:off x="838080" y="1825560"/>
-            <a:ext cx="1652040" cy="2074680"/>
+            <a:off x="609480" y="1604520"/>
+            <a:ext cx="5354280" cy="3977280"/>
           </a:xfrm>
           <a:prstGeom prst="rect">
             <a:avLst/>
@@ -827,8 +835,8 @@
         </p:nvSpPr>
         <p:spPr>
           <a:xfrm>
-            <a:off x="2573280" y="1825560"/>
-            <a:ext cx="1652040" cy="2074680"/>
+            <a:off x="6231960" y="1604520"/>
+            <a:ext cx="5354280" cy="3977280"/>
           </a:xfrm>
           <a:prstGeom prst="rect">
             <a:avLst/>
@@ -879,8 +887,8 @@
         </p:nvSpPr>
         <p:spPr>
           <a:xfrm>
-            <a:off x="838080" y="365040"/>
-            <a:ext cx="10514880" cy="1324800"/>
+            <a:off x="609480" y="273600"/>
+            <a:ext cx="10972440" cy="1144800"/>
           </a:xfrm>
           <a:prstGeom prst="rect">
             <a:avLst/>
@@ -930,8 +938,8 @@
         </p:nvSpPr>
         <p:spPr>
           <a:xfrm>
-            <a:off x="838080" y="365040"/>
-            <a:ext cx="10514880" cy="6142320"/>
+            <a:off x="609480" y="273600"/>
+            <a:ext cx="10972440" cy="5307840"/>
           </a:xfrm>
           <a:prstGeom prst="rect">
             <a:avLst/>
@@ -981,8 +989,8 @@
         </p:nvSpPr>
         <p:spPr>
           <a:xfrm>
-            <a:off x="838080" y="365040"/>
-            <a:ext cx="10514880" cy="1324800"/>
+            <a:off x="609480" y="273600"/>
+            <a:ext cx="10972440" cy="1144800"/>
           </a:xfrm>
           <a:prstGeom prst="rect">
             <a:avLst/>
@@ -1010,8 +1018,8 @@
         </p:nvSpPr>
         <p:spPr>
           <a:xfrm>
-            <a:off x="838080" y="1825560"/>
-            <a:ext cx="1652040" cy="989280"/>
+            <a:off x="609480" y="1604520"/>
+            <a:ext cx="5354280" cy="1896840"/>
           </a:xfrm>
           <a:prstGeom prst="rect">
             <a:avLst/>
@@ -1040,8 +1048,8 @@
         </p:nvSpPr>
         <p:spPr>
           <a:xfrm>
-            <a:off x="2573280" y="1825560"/>
-            <a:ext cx="1652040" cy="2074680"/>
+            <a:off x="6231960" y="1604520"/>
+            <a:ext cx="5354280" cy="3977280"/>
           </a:xfrm>
           <a:prstGeom prst="rect">
             <a:avLst/>
@@ -1070,8 +1078,8 @@
         </p:nvSpPr>
         <p:spPr>
           <a:xfrm>
-            <a:off x="838080" y="2909160"/>
-            <a:ext cx="1652040" cy="989280"/>
+            <a:off x="609480" y="3682080"/>
+            <a:ext cx="5354280" cy="1896840"/>
           </a:xfrm>
           <a:prstGeom prst="rect">
             <a:avLst/>
@@ -1122,8 +1130,8 @@
         </p:nvSpPr>
         <p:spPr>
           <a:xfrm>
-            <a:off x="838080" y="365040"/>
-            <a:ext cx="10514880" cy="1324800"/>
+            <a:off x="609480" y="273600"/>
+            <a:ext cx="10972440" cy="1144800"/>
           </a:xfrm>
           <a:prstGeom prst="rect">
             <a:avLst/>
@@ -1151,8 +1159,8 @@
         </p:nvSpPr>
         <p:spPr>
           <a:xfrm>
-            <a:off x="838080" y="1825560"/>
-            <a:ext cx="3385440" cy="2074680"/>
+            <a:off x="609480" y="1604520"/>
+            <a:ext cx="10972440" cy="3977280"/>
           </a:xfrm>
           <a:prstGeom prst="rect">
             <a:avLst/>
@@ -1202,8 +1210,8 @@
         </p:nvSpPr>
         <p:spPr>
           <a:xfrm>
-            <a:off x="838080" y="365040"/>
-            <a:ext cx="10514880" cy="1324800"/>
+            <a:off x="609480" y="273600"/>
+            <a:ext cx="10972440" cy="1144800"/>
           </a:xfrm>
           <a:prstGeom prst="rect">
             <a:avLst/>
@@ -1231,8 +1239,8 @@
         </p:nvSpPr>
         <p:spPr>
           <a:xfrm>
-            <a:off x="838080" y="1825560"/>
-            <a:ext cx="1652040" cy="2074680"/>
+            <a:off x="609480" y="1604520"/>
+            <a:ext cx="5354280" cy="3977280"/>
           </a:xfrm>
           <a:prstGeom prst="rect">
             <a:avLst/>
@@ -1261,8 +1269,8 @@
         </p:nvSpPr>
         <p:spPr>
           <a:xfrm>
-            <a:off x="2573280" y="1825560"/>
-            <a:ext cx="1652040" cy="989280"/>
+            <a:off x="6231960" y="1604520"/>
+            <a:ext cx="5354280" cy="1896840"/>
           </a:xfrm>
           <a:prstGeom prst="rect">
             <a:avLst/>
@@ -1291,8 +1299,8 @@
         </p:nvSpPr>
         <p:spPr>
           <a:xfrm>
-            <a:off x="2573280" y="2909160"/>
-            <a:ext cx="1652040" cy="989280"/>
+            <a:off x="6231960" y="3682080"/>
+            <a:ext cx="5354280" cy="1896840"/>
           </a:xfrm>
           <a:prstGeom prst="rect">
             <a:avLst/>
@@ -1343,8 +1351,8 @@
         </p:nvSpPr>
         <p:spPr>
           <a:xfrm>
-            <a:off x="838080" y="365040"/>
-            <a:ext cx="10514880" cy="1324800"/>
+            <a:off x="609480" y="273600"/>
+            <a:ext cx="10972440" cy="1144800"/>
           </a:xfrm>
           <a:prstGeom prst="rect">
             <a:avLst/>
@@ -1372,8 +1380,8 @@
         </p:nvSpPr>
         <p:spPr>
           <a:xfrm>
-            <a:off x="838080" y="1825560"/>
-            <a:ext cx="1652040" cy="989280"/>
+            <a:off x="609480" y="1604520"/>
+            <a:ext cx="5354280" cy="1896840"/>
           </a:xfrm>
           <a:prstGeom prst="rect">
             <a:avLst/>
@@ -1402,8 +1410,8 @@
         </p:nvSpPr>
         <p:spPr>
           <a:xfrm>
-            <a:off x="2573280" y="1825560"/>
-            <a:ext cx="1652040" cy="989280"/>
+            <a:off x="6231960" y="1604520"/>
+            <a:ext cx="5354280" cy="1896840"/>
           </a:xfrm>
           <a:prstGeom prst="rect">
             <a:avLst/>
@@ -1432,8 +1440,8 @@
         </p:nvSpPr>
         <p:spPr>
           <a:xfrm>
-            <a:off x="838080" y="2909160"/>
-            <a:ext cx="3385440" cy="989280"/>
+            <a:off x="609480" y="3682080"/>
+            <a:ext cx="10972440" cy="1896840"/>
           </a:xfrm>
           <a:prstGeom prst="rect">
             <a:avLst/>
@@ -1484,8 +1492,8 @@
         </p:nvSpPr>
         <p:spPr>
           <a:xfrm>
-            <a:off x="838080" y="365040"/>
-            <a:ext cx="10514880" cy="1324800"/>
+            <a:off x="609480" y="273600"/>
+            <a:ext cx="10972440" cy="1144800"/>
           </a:xfrm>
           <a:prstGeom prst="rect">
             <a:avLst/>
@@ -1513,8 +1521,8 @@
         </p:nvSpPr>
         <p:spPr>
           <a:xfrm>
-            <a:off x="838080" y="1825560"/>
-            <a:ext cx="3385440" cy="989280"/>
+            <a:off x="609480" y="1604520"/>
+            <a:ext cx="10972440" cy="1896840"/>
           </a:xfrm>
           <a:prstGeom prst="rect">
             <a:avLst/>
@@ -1543,8 +1551,8 @@
         </p:nvSpPr>
         <p:spPr>
           <a:xfrm>
-            <a:off x="838080" y="2909160"/>
-            <a:ext cx="3385440" cy="989280"/>
+            <a:off x="609480" y="3682080"/>
+            <a:ext cx="10972440" cy="1896840"/>
           </a:xfrm>
           <a:prstGeom prst="rect">
             <a:avLst/>
@@ -1595,8 +1603,8 @@
         </p:nvSpPr>
         <p:spPr>
           <a:xfrm>
-            <a:off x="838080" y="365040"/>
-            <a:ext cx="10514880" cy="1324800"/>
+            <a:off x="609480" y="273600"/>
+            <a:ext cx="10972440" cy="1144800"/>
           </a:xfrm>
           <a:prstGeom prst="rect">
             <a:avLst/>
@@ -1624,8 +1632,8 @@
         </p:nvSpPr>
         <p:spPr>
           <a:xfrm>
-            <a:off x="838080" y="1825560"/>
-            <a:ext cx="1652040" cy="989280"/>
+            <a:off x="609480" y="1604520"/>
+            <a:ext cx="5354280" cy="1896840"/>
           </a:xfrm>
           <a:prstGeom prst="rect">
             <a:avLst/>
@@ -1654,8 +1662,8 @@
         </p:nvSpPr>
         <p:spPr>
           <a:xfrm>
-            <a:off x="2573280" y="1825560"/>
-            <a:ext cx="1652040" cy="989280"/>
+            <a:off x="6231960" y="1604520"/>
+            <a:ext cx="5354280" cy="1896840"/>
           </a:xfrm>
           <a:prstGeom prst="rect">
             <a:avLst/>
@@ -1684,8 +1692,8 @@
         </p:nvSpPr>
         <p:spPr>
           <a:xfrm>
-            <a:off x="838080" y="2909160"/>
-            <a:ext cx="1652040" cy="989280"/>
+            <a:off x="609480" y="3682080"/>
+            <a:ext cx="5354280" cy="1896840"/>
           </a:xfrm>
           <a:prstGeom prst="rect">
             <a:avLst/>
@@ -1714,8 +1722,8 @@
         </p:nvSpPr>
         <p:spPr>
           <a:xfrm>
-            <a:off x="2573280" y="2909160"/>
-            <a:ext cx="1652040" cy="989280"/>
+            <a:off x="6231960" y="3682080"/>
+            <a:ext cx="5354280" cy="1896840"/>
           </a:xfrm>
           <a:prstGeom prst="rect">
             <a:avLst/>
@@ -1766,8 +1774,8 @@
         </p:nvSpPr>
         <p:spPr>
           <a:xfrm>
-            <a:off x="838080" y="365040"/>
-            <a:ext cx="10514880" cy="1324800"/>
+            <a:off x="609480" y="273600"/>
+            <a:ext cx="10972440" cy="1144800"/>
           </a:xfrm>
           <a:prstGeom prst="rect">
             <a:avLst/>
@@ -1795,8 +1803,8 @@
         </p:nvSpPr>
         <p:spPr>
           <a:xfrm>
-            <a:off x="838080" y="1825560"/>
-            <a:ext cx="1089720" cy="989280"/>
+            <a:off x="609480" y="1604520"/>
+            <a:ext cx="3533040" cy="1896840"/>
           </a:xfrm>
           <a:prstGeom prst="rect">
             <a:avLst/>
@@ -1825,8 +1833,8 @@
         </p:nvSpPr>
         <p:spPr>
           <a:xfrm>
-            <a:off x="1982520" y="1825560"/>
-            <a:ext cx="1089720" cy="989280"/>
+            <a:off x="4319640" y="1604520"/>
+            <a:ext cx="3533040" cy="1896840"/>
           </a:xfrm>
           <a:prstGeom prst="rect">
             <a:avLst/>
@@ -1855,8 +1863,8 @@
         </p:nvSpPr>
         <p:spPr>
           <a:xfrm>
-            <a:off x="3127320" y="1825560"/>
-            <a:ext cx="1089720" cy="989280"/>
+            <a:off x="8029800" y="1604520"/>
+            <a:ext cx="3533040" cy="1896840"/>
           </a:xfrm>
           <a:prstGeom prst="rect">
             <a:avLst/>
@@ -1885,8 +1893,8 @@
         </p:nvSpPr>
         <p:spPr>
           <a:xfrm>
-            <a:off x="838080" y="2909160"/>
-            <a:ext cx="1089720" cy="989280"/>
+            <a:off x="609480" y="3682080"/>
+            <a:ext cx="3533040" cy="1896840"/>
           </a:xfrm>
           <a:prstGeom prst="rect">
             <a:avLst/>
@@ -1915,8 +1923,8 @@
         </p:nvSpPr>
         <p:spPr>
           <a:xfrm>
-            <a:off x="1982520" y="2909160"/>
-            <a:ext cx="1089720" cy="989280"/>
+            <a:off x="4319640" y="3682080"/>
+            <a:ext cx="3533040" cy="1896840"/>
           </a:xfrm>
           <a:prstGeom prst="rect">
             <a:avLst/>
@@ -1945,8 +1953,8 @@
         </p:nvSpPr>
         <p:spPr>
           <a:xfrm>
-            <a:off x="3127320" y="2909160"/>
-            <a:ext cx="1089720" cy="989280"/>
+            <a:off x="8029800" y="3682080"/>
+            <a:ext cx="3533040" cy="1896840"/>
           </a:xfrm>
           <a:prstGeom prst="rect">
             <a:avLst/>
@@ -2009,7 +2017,7 @@
       </p:grpSpPr>
       <p:sp>
         <p:nvSpPr>
-          <p:cNvPr id="83" name="PlaceHolder 1"/>
+          <p:cNvPr id="78" name="PlaceHolder 1"/>
           <p:cNvSpPr>
             <a:spLocks noGrp="1"/>
           </p:cNvSpPr>
@@ -2019,8 +2027,8 @@
         </p:nvSpPr>
         <p:spPr>
           <a:xfrm>
-            <a:off x="838080" y="365040"/>
-            <a:ext cx="10514880" cy="1324800"/>
+            <a:off x="609480" y="273600"/>
+            <a:ext cx="10972440" cy="1144800"/>
           </a:xfrm>
           <a:prstGeom prst="rect">
             <a:avLst/>
@@ -2038,7 +2046,7 @@
       </p:sp>
       <p:sp>
         <p:nvSpPr>
-          <p:cNvPr id="84" name="PlaceHolder 2"/>
+          <p:cNvPr id="79" name="PlaceHolder 2"/>
           <p:cNvSpPr>
             <a:spLocks noGrp="1"/>
           </p:cNvSpPr>
@@ -2048,8 +2056,8 @@
         </p:nvSpPr>
         <p:spPr>
           <a:xfrm>
-            <a:off x="838080" y="1825560"/>
-            <a:ext cx="3385440" cy="2074680"/>
+            <a:off x="609480" y="1604520"/>
+            <a:ext cx="10972440" cy="3977280"/>
           </a:xfrm>
           <a:prstGeom prst="rect">
             <a:avLst/>
@@ -2089,7 +2097,7 @@
       </p:grpSpPr>
       <p:sp>
         <p:nvSpPr>
-          <p:cNvPr id="85" name="PlaceHolder 1"/>
+          <p:cNvPr id="80" name="PlaceHolder 1"/>
           <p:cNvSpPr>
             <a:spLocks noGrp="1"/>
           </p:cNvSpPr>
@@ -2099,8 +2107,8 @@
         </p:nvSpPr>
         <p:spPr>
           <a:xfrm>
-            <a:off x="838080" y="365040"/>
-            <a:ext cx="10514880" cy="1324800"/>
+            <a:off x="609480" y="273600"/>
+            <a:ext cx="10972440" cy="1144800"/>
           </a:xfrm>
           <a:prstGeom prst="rect">
             <a:avLst/>
@@ -2118,7 +2126,7 @@
       </p:sp>
       <p:sp>
         <p:nvSpPr>
-          <p:cNvPr id="86" name="PlaceHolder 2"/>
+          <p:cNvPr id="81" name="PlaceHolder 2"/>
           <p:cNvSpPr>
             <a:spLocks noGrp="1"/>
           </p:cNvSpPr>
@@ -2128,8 +2136,8 @@
         </p:nvSpPr>
         <p:spPr>
           <a:xfrm>
-            <a:off x="838080" y="1825560"/>
-            <a:ext cx="3385440" cy="2074680"/>
+            <a:off x="609480" y="1604520"/>
+            <a:ext cx="10972440" cy="3977280"/>
           </a:xfrm>
           <a:prstGeom prst="rect">
             <a:avLst/>
@@ -2170,7 +2178,7 @@
       </p:grpSpPr>
       <p:sp>
         <p:nvSpPr>
-          <p:cNvPr id="87" name="PlaceHolder 1"/>
+          <p:cNvPr id="82" name="PlaceHolder 1"/>
           <p:cNvSpPr>
             <a:spLocks noGrp="1"/>
           </p:cNvSpPr>
@@ -2180,8 +2188,8 @@
         </p:nvSpPr>
         <p:spPr>
           <a:xfrm>
-            <a:off x="838080" y="365040"/>
-            <a:ext cx="10514880" cy="1324800"/>
+            <a:off x="609480" y="273600"/>
+            <a:ext cx="10972440" cy="1144800"/>
           </a:xfrm>
           <a:prstGeom prst="rect">
             <a:avLst/>
@@ -2199,7 +2207,7 @@
       </p:sp>
       <p:sp>
         <p:nvSpPr>
-          <p:cNvPr id="88" name="PlaceHolder 2"/>
+          <p:cNvPr id="83" name="PlaceHolder 2"/>
           <p:cNvSpPr>
             <a:spLocks noGrp="1"/>
           </p:cNvSpPr>
@@ -2209,8 +2217,8 @@
         </p:nvSpPr>
         <p:spPr>
           <a:xfrm>
-            <a:off x="838080" y="1825560"/>
-            <a:ext cx="1652040" cy="2074680"/>
+            <a:off x="609480" y="1604520"/>
+            <a:ext cx="5354280" cy="3977280"/>
           </a:xfrm>
           <a:prstGeom prst="rect">
             <a:avLst/>
@@ -2229,7 +2237,7 @@
       </p:sp>
       <p:sp>
         <p:nvSpPr>
-          <p:cNvPr id="89" name="PlaceHolder 3"/>
+          <p:cNvPr id="84" name="PlaceHolder 3"/>
           <p:cNvSpPr>
             <a:spLocks noGrp="1"/>
           </p:cNvSpPr>
@@ -2239,8 +2247,8 @@
         </p:nvSpPr>
         <p:spPr>
           <a:xfrm>
-            <a:off x="2573280" y="1825560"/>
-            <a:ext cx="1652040" cy="2074680"/>
+            <a:off x="6231960" y="1604520"/>
+            <a:ext cx="5354280" cy="3977280"/>
           </a:xfrm>
           <a:prstGeom prst="rect">
             <a:avLst/>
@@ -2281,7 +2289,7 @@
       </p:grpSpPr>
       <p:sp>
         <p:nvSpPr>
-          <p:cNvPr id="90" name="PlaceHolder 1"/>
+          <p:cNvPr id="85" name="PlaceHolder 1"/>
           <p:cNvSpPr>
             <a:spLocks noGrp="1"/>
           </p:cNvSpPr>
@@ -2291,8 +2299,8 @@
         </p:nvSpPr>
         <p:spPr>
           <a:xfrm>
-            <a:off x="838080" y="365040"/>
-            <a:ext cx="10514880" cy="1324800"/>
+            <a:off x="609480" y="273600"/>
+            <a:ext cx="10972440" cy="1144800"/>
           </a:xfrm>
           <a:prstGeom prst="rect">
             <a:avLst/>
@@ -2342,8 +2350,8 @@
         </p:nvSpPr>
         <p:spPr>
           <a:xfrm>
-            <a:off x="838080" y="365040"/>
-            <a:ext cx="10514880" cy="1324800"/>
+            <a:off x="609480" y="273600"/>
+            <a:ext cx="10972440" cy="1144800"/>
           </a:xfrm>
           <a:prstGeom prst="rect">
             <a:avLst/>
@@ -2371,8 +2379,8 @@
         </p:nvSpPr>
         <p:spPr>
           <a:xfrm>
-            <a:off x="838080" y="1825560"/>
-            <a:ext cx="3385440" cy="2074680"/>
+            <a:off x="609480" y="1604520"/>
+            <a:ext cx="10972440" cy="3977280"/>
           </a:xfrm>
           <a:prstGeom prst="rect">
             <a:avLst/>
@@ -2413,7 +2421,7 @@
       </p:grpSpPr>
       <p:sp>
         <p:nvSpPr>
-          <p:cNvPr id="91" name="PlaceHolder 1"/>
+          <p:cNvPr id="86" name="PlaceHolder 1"/>
           <p:cNvSpPr>
             <a:spLocks noGrp="1"/>
           </p:cNvSpPr>
@@ -2423,8 +2431,8 @@
         </p:nvSpPr>
         <p:spPr>
           <a:xfrm>
-            <a:off x="838080" y="365040"/>
-            <a:ext cx="10514880" cy="6142320"/>
+            <a:off x="609480" y="273600"/>
+            <a:ext cx="10972440" cy="5307840"/>
           </a:xfrm>
           <a:prstGeom prst="rect">
             <a:avLst/>
@@ -2464,7 +2472,7 @@
       </p:grpSpPr>
       <p:sp>
         <p:nvSpPr>
-          <p:cNvPr id="92" name="PlaceHolder 1"/>
+          <p:cNvPr id="87" name="PlaceHolder 1"/>
           <p:cNvSpPr>
             <a:spLocks noGrp="1"/>
           </p:cNvSpPr>
@@ -2474,8 +2482,8 @@
         </p:nvSpPr>
         <p:spPr>
           <a:xfrm>
-            <a:off x="838080" y="365040"/>
-            <a:ext cx="10514880" cy="1324800"/>
+            <a:off x="609480" y="273600"/>
+            <a:ext cx="10972440" cy="1144800"/>
           </a:xfrm>
           <a:prstGeom prst="rect">
             <a:avLst/>
@@ -2493,7 +2501,7 @@
       </p:sp>
       <p:sp>
         <p:nvSpPr>
-          <p:cNvPr id="93" name="PlaceHolder 2"/>
+          <p:cNvPr id="88" name="PlaceHolder 2"/>
           <p:cNvSpPr>
             <a:spLocks noGrp="1"/>
           </p:cNvSpPr>
@@ -2503,8 +2511,8 @@
         </p:nvSpPr>
         <p:spPr>
           <a:xfrm>
-            <a:off x="838080" y="1825560"/>
-            <a:ext cx="1652040" cy="989280"/>
+            <a:off x="609480" y="1604520"/>
+            <a:ext cx="5354280" cy="1896840"/>
           </a:xfrm>
           <a:prstGeom prst="rect">
             <a:avLst/>
@@ -2523,7 +2531,7 @@
       </p:sp>
       <p:sp>
         <p:nvSpPr>
-          <p:cNvPr id="94" name="PlaceHolder 3"/>
+          <p:cNvPr id="89" name="PlaceHolder 3"/>
           <p:cNvSpPr>
             <a:spLocks noGrp="1"/>
           </p:cNvSpPr>
@@ -2533,8 +2541,8 @@
         </p:nvSpPr>
         <p:spPr>
           <a:xfrm>
-            <a:off x="2573280" y="1825560"/>
-            <a:ext cx="1652040" cy="2074680"/>
+            <a:off x="6231960" y="1604520"/>
+            <a:ext cx="5354280" cy="3977280"/>
           </a:xfrm>
           <a:prstGeom prst="rect">
             <a:avLst/>
@@ -2553,7 +2561,7 @@
       </p:sp>
       <p:sp>
         <p:nvSpPr>
-          <p:cNvPr id="95" name="PlaceHolder 4"/>
+          <p:cNvPr id="90" name="PlaceHolder 4"/>
           <p:cNvSpPr>
             <a:spLocks noGrp="1"/>
           </p:cNvSpPr>
@@ -2563,8 +2571,8 @@
         </p:nvSpPr>
         <p:spPr>
           <a:xfrm>
-            <a:off x="838080" y="2909160"/>
-            <a:ext cx="1652040" cy="989280"/>
+            <a:off x="609480" y="3682080"/>
+            <a:ext cx="5354280" cy="1896840"/>
           </a:xfrm>
           <a:prstGeom prst="rect">
             <a:avLst/>
@@ -2605,7 +2613,7 @@
       </p:grpSpPr>
       <p:sp>
         <p:nvSpPr>
-          <p:cNvPr id="96" name="PlaceHolder 1"/>
+          <p:cNvPr id="91" name="PlaceHolder 1"/>
           <p:cNvSpPr>
             <a:spLocks noGrp="1"/>
           </p:cNvSpPr>
@@ -2615,8 +2623,8 @@
         </p:nvSpPr>
         <p:spPr>
           <a:xfrm>
-            <a:off x="838080" y="365040"/>
-            <a:ext cx="10514880" cy="1324800"/>
+            <a:off x="609480" y="273600"/>
+            <a:ext cx="10972440" cy="1144800"/>
           </a:xfrm>
           <a:prstGeom prst="rect">
             <a:avLst/>
@@ -2634,7 +2642,7 @@
       </p:sp>
       <p:sp>
         <p:nvSpPr>
-          <p:cNvPr id="97" name="PlaceHolder 2"/>
+          <p:cNvPr id="92" name="PlaceHolder 2"/>
           <p:cNvSpPr>
             <a:spLocks noGrp="1"/>
           </p:cNvSpPr>
@@ -2644,8 +2652,8 @@
         </p:nvSpPr>
         <p:spPr>
           <a:xfrm>
-            <a:off x="838080" y="1825560"/>
-            <a:ext cx="1652040" cy="2074680"/>
+            <a:off x="609480" y="1604520"/>
+            <a:ext cx="5354280" cy="3977280"/>
           </a:xfrm>
           <a:prstGeom prst="rect">
             <a:avLst/>
@@ -2664,7 +2672,7 @@
       </p:sp>
       <p:sp>
         <p:nvSpPr>
-          <p:cNvPr id="98" name="PlaceHolder 3"/>
+          <p:cNvPr id="93" name="PlaceHolder 3"/>
           <p:cNvSpPr>
             <a:spLocks noGrp="1"/>
           </p:cNvSpPr>
@@ -2674,8 +2682,8 @@
         </p:nvSpPr>
         <p:spPr>
           <a:xfrm>
-            <a:off x="2573280" y="1825560"/>
-            <a:ext cx="1652040" cy="989280"/>
+            <a:off x="6231960" y="1604520"/>
+            <a:ext cx="5354280" cy="1896840"/>
           </a:xfrm>
           <a:prstGeom prst="rect">
             <a:avLst/>
@@ -2694,7 +2702,7 @@
       </p:sp>
       <p:sp>
         <p:nvSpPr>
-          <p:cNvPr id="99" name="PlaceHolder 4"/>
+          <p:cNvPr id="94" name="PlaceHolder 4"/>
           <p:cNvSpPr>
             <a:spLocks noGrp="1"/>
           </p:cNvSpPr>
@@ -2704,8 +2712,8 @@
         </p:nvSpPr>
         <p:spPr>
           <a:xfrm>
-            <a:off x="2573280" y="2909160"/>
-            <a:ext cx="1652040" cy="989280"/>
+            <a:off x="6231960" y="3682080"/>
+            <a:ext cx="5354280" cy="1896840"/>
           </a:xfrm>
           <a:prstGeom prst="rect">
             <a:avLst/>
@@ -2746,7 +2754,7 @@
       </p:grpSpPr>
       <p:sp>
         <p:nvSpPr>
-          <p:cNvPr id="100" name="PlaceHolder 1"/>
+          <p:cNvPr id="95" name="PlaceHolder 1"/>
           <p:cNvSpPr>
             <a:spLocks noGrp="1"/>
           </p:cNvSpPr>
@@ -2756,8 +2764,8 @@
         </p:nvSpPr>
         <p:spPr>
           <a:xfrm>
-            <a:off x="838080" y="365040"/>
-            <a:ext cx="10514880" cy="1324800"/>
+            <a:off x="609480" y="273600"/>
+            <a:ext cx="10972440" cy="1144800"/>
           </a:xfrm>
           <a:prstGeom prst="rect">
             <a:avLst/>
@@ -2775,7 +2783,7 @@
       </p:sp>
       <p:sp>
         <p:nvSpPr>
-          <p:cNvPr id="101" name="PlaceHolder 2"/>
+          <p:cNvPr id="96" name="PlaceHolder 2"/>
           <p:cNvSpPr>
             <a:spLocks noGrp="1"/>
           </p:cNvSpPr>
@@ -2785,8 +2793,8 @@
         </p:nvSpPr>
         <p:spPr>
           <a:xfrm>
-            <a:off x="838080" y="1825560"/>
-            <a:ext cx="1652040" cy="989280"/>
+            <a:off x="609480" y="1604520"/>
+            <a:ext cx="5354280" cy="1896840"/>
           </a:xfrm>
           <a:prstGeom prst="rect">
             <a:avLst/>
@@ -2805,7 +2813,7 @@
       </p:sp>
       <p:sp>
         <p:nvSpPr>
-          <p:cNvPr id="102" name="PlaceHolder 3"/>
+          <p:cNvPr id="97" name="PlaceHolder 3"/>
           <p:cNvSpPr>
             <a:spLocks noGrp="1"/>
           </p:cNvSpPr>
@@ -2815,8 +2823,8 @@
         </p:nvSpPr>
         <p:spPr>
           <a:xfrm>
-            <a:off x="2573280" y="1825560"/>
-            <a:ext cx="1652040" cy="989280"/>
+            <a:off x="6231960" y="1604520"/>
+            <a:ext cx="5354280" cy="1896840"/>
           </a:xfrm>
           <a:prstGeom prst="rect">
             <a:avLst/>
@@ -2835,7 +2843,7 @@
       </p:sp>
       <p:sp>
         <p:nvSpPr>
-          <p:cNvPr id="103" name="PlaceHolder 4"/>
+          <p:cNvPr id="98" name="PlaceHolder 4"/>
           <p:cNvSpPr>
             <a:spLocks noGrp="1"/>
           </p:cNvSpPr>
@@ -2845,8 +2853,8 @@
         </p:nvSpPr>
         <p:spPr>
           <a:xfrm>
-            <a:off x="838080" y="2909160"/>
-            <a:ext cx="3385440" cy="989280"/>
+            <a:off x="609480" y="3682080"/>
+            <a:ext cx="10972440" cy="1896840"/>
           </a:xfrm>
           <a:prstGeom prst="rect">
             <a:avLst/>
@@ -2887,7 +2895,7 @@
       </p:grpSpPr>
       <p:sp>
         <p:nvSpPr>
-          <p:cNvPr id="104" name="PlaceHolder 1"/>
+          <p:cNvPr id="99" name="PlaceHolder 1"/>
           <p:cNvSpPr>
             <a:spLocks noGrp="1"/>
           </p:cNvSpPr>
@@ -2897,8 +2905,8 @@
         </p:nvSpPr>
         <p:spPr>
           <a:xfrm>
-            <a:off x="838080" y="365040"/>
-            <a:ext cx="10514880" cy="1324800"/>
+            <a:off x="609480" y="273600"/>
+            <a:ext cx="10972440" cy="1144800"/>
           </a:xfrm>
           <a:prstGeom prst="rect">
             <a:avLst/>
@@ -2916,7 +2924,7 @@
       </p:sp>
       <p:sp>
         <p:nvSpPr>
-          <p:cNvPr id="105" name="PlaceHolder 2"/>
+          <p:cNvPr id="100" name="PlaceHolder 2"/>
           <p:cNvSpPr>
             <a:spLocks noGrp="1"/>
           </p:cNvSpPr>
@@ -2926,8 +2934,8 @@
         </p:nvSpPr>
         <p:spPr>
           <a:xfrm>
-            <a:off x="838080" y="1825560"/>
-            <a:ext cx="3385440" cy="989280"/>
+            <a:off x="609480" y="1604520"/>
+            <a:ext cx="10972440" cy="1896840"/>
           </a:xfrm>
           <a:prstGeom prst="rect">
             <a:avLst/>
@@ -2946,7 +2954,7 @@
       </p:sp>
       <p:sp>
         <p:nvSpPr>
-          <p:cNvPr id="106" name="PlaceHolder 3"/>
+          <p:cNvPr id="101" name="PlaceHolder 3"/>
           <p:cNvSpPr>
             <a:spLocks noGrp="1"/>
           </p:cNvSpPr>
@@ -2956,8 +2964,8 @@
         </p:nvSpPr>
         <p:spPr>
           <a:xfrm>
-            <a:off x="838080" y="2909160"/>
-            <a:ext cx="3385440" cy="989280"/>
+            <a:off x="609480" y="3682080"/>
+            <a:ext cx="10972440" cy="1896840"/>
           </a:xfrm>
           <a:prstGeom prst="rect">
             <a:avLst/>
@@ -2998,7 +3006,7 @@
       </p:grpSpPr>
       <p:sp>
         <p:nvSpPr>
-          <p:cNvPr id="107" name="PlaceHolder 1"/>
+          <p:cNvPr id="102" name="PlaceHolder 1"/>
           <p:cNvSpPr>
             <a:spLocks noGrp="1"/>
           </p:cNvSpPr>
@@ -3008,8 +3016,8 @@
         </p:nvSpPr>
         <p:spPr>
           <a:xfrm>
-            <a:off x="838080" y="365040"/>
-            <a:ext cx="10514880" cy="1324800"/>
+            <a:off x="609480" y="273600"/>
+            <a:ext cx="10972440" cy="1144800"/>
           </a:xfrm>
           <a:prstGeom prst="rect">
             <a:avLst/>
@@ -3027,7 +3035,7 @@
       </p:sp>
       <p:sp>
         <p:nvSpPr>
-          <p:cNvPr id="108" name="PlaceHolder 2"/>
+          <p:cNvPr id="103" name="PlaceHolder 2"/>
           <p:cNvSpPr>
             <a:spLocks noGrp="1"/>
           </p:cNvSpPr>
@@ -3037,8 +3045,8 @@
         </p:nvSpPr>
         <p:spPr>
           <a:xfrm>
-            <a:off x="838080" y="1825560"/>
-            <a:ext cx="1652040" cy="989280"/>
+            <a:off x="609480" y="1604520"/>
+            <a:ext cx="5354280" cy="1896840"/>
           </a:xfrm>
           <a:prstGeom prst="rect">
             <a:avLst/>
@@ -3057,7 +3065,7 @@
       </p:sp>
       <p:sp>
         <p:nvSpPr>
-          <p:cNvPr id="109" name="PlaceHolder 3"/>
+          <p:cNvPr id="104" name="PlaceHolder 3"/>
           <p:cNvSpPr>
             <a:spLocks noGrp="1"/>
           </p:cNvSpPr>
@@ -3067,8 +3075,8 @@
         </p:nvSpPr>
         <p:spPr>
           <a:xfrm>
-            <a:off x="2573280" y="1825560"/>
-            <a:ext cx="1652040" cy="989280"/>
+            <a:off x="6231960" y="1604520"/>
+            <a:ext cx="5354280" cy="1896840"/>
           </a:xfrm>
           <a:prstGeom prst="rect">
             <a:avLst/>
@@ -3087,7 +3095,7 @@
       </p:sp>
       <p:sp>
         <p:nvSpPr>
-          <p:cNvPr id="110" name="PlaceHolder 4"/>
+          <p:cNvPr id="105" name="PlaceHolder 4"/>
           <p:cNvSpPr>
             <a:spLocks noGrp="1"/>
           </p:cNvSpPr>
@@ -3097,8 +3105,8 @@
         </p:nvSpPr>
         <p:spPr>
           <a:xfrm>
-            <a:off x="838080" y="2909160"/>
-            <a:ext cx="1652040" cy="989280"/>
+            <a:off x="609480" y="3682080"/>
+            <a:ext cx="5354280" cy="1896840"/>
           </a:xfrm>
           <a:prstGeom prst="rect">
             <a:avLst/>
@@ -3117,7 +3125,7 @@
       </p:sp>
       <p:sp>
         <p:nvSpPr>
-          <p:cNvPr id="111" name="PlaceHolder 5"/>
+          <p:cNvPr id="106" name="PlaceHolder 5"/>
           <p:cNvSpPr>
             <a:spLocks noGrp="1"/>
           </p:cNvSpPr>
@@ -3127,8 +3135,8 @@
         </p:nvSpPr>
         <p:spPr>
           <a:xfrm>
-            <a:off x="2573280" y="2909160"/>
-            <a:ext cx="1652040" cy="989280"/>
+            <a:off x="6231960" y="3682080"/>
+            <a:ext cx="5354280" cy="1896840"/>
           </a:xfrm>
           <a:prstGeom prst="rect">
             <a:avLst/>
@@ -3169,7 +3177,7 @@
       </p:grpSpPr>
       <p:sp>
         <p:nvSpPr>
-          <p:cNvPr id="112" name="PlaceHolder 1"/>
+          <p:cNvPr id="107" name="PlaceHolder 1"/>
           <p:cNvSpPr>
             <a:spLocks noGrp="1"/>
           </p:cNvSpPr>
@@ -3179,8 +3187,8 @@
         </p:nvSpPr>
         <p:spPr>
           <a:xfrm>
-            <a:off x="838080" y="365040"/>
-            <a:ext cx="10514880" cy="1324800"/>
+            <a:off x="609480" y="273600"/>
+            <a:ext cx="10972440" cy="1144800"/>
           </a:xfrm>
           <a:prstGeom prst="rect">
             <a:avLst/>
@@ -3198,7 +3206,7 @@
       </p:sp>
       <p:sp>
         <p:nvSpPr>
-          <p:cNvPr id="113" name="PlaceHolder 2"/>
+          <p:cNvPr id="108" name="PlaceHolder 2"/>
           <p:cNvSpPr>
             <a:spLocks noGrp="1"/>
           </p:cNvSpPr>
@@ -3208,8 +3216,8 @@
         </p:nvSpPr>
         <p:spPr>
           <a:xfrm>
-            <a:off x="838080" y="1825560"/>
-            <a:ext cx="1089720" cy="989280"/>
+            <a:off x="609480" y="1604520"/>
+            <a:ext cx="3533040" cy="1896840"/>
           </a:xfrm>
           <a:prstGeom prst="rect">
             <a:avLst/>
@@ -3228,7 +3236,7 @@
       </p:sp>
       <p:sp>
         <p:nvSpPr>
-          <p:cNvPr id="114" name="PlaceHolder 3"/>
+          <p:cNvPr id="109" name="PlaceHolder 3"/>
           <p:cNvSpPr>
             <a:spLocks noGrp="1"/>
           </p:cNvSpPr>
@@ -3238,8 +3246,8 @@
         </p:nvSpPr>
         <p:spPr>
           <a:xfrm>
-            <a:off x="1982520" y="1825560"/>
-            <a:ext cx="1089720" cy="989280"/>
+            <a:off x="4319640" y="1604520"/>
+            <a:ext cx="3533040" cy="1896840"/>
           </a:xfrm>
           <a:prstGeom prst="rect">
             <a:avLst/>
@@ -3258,7 +3266,7 @@
       </p:sp>
       <p:sp>
         <p:nvSpPr>
-          <p:cNvPr id="115" name="PlaceHolder 4"/>
+          <p:cNvPr id="110" name="PlaceHolder 4"/>
           <p:cNvSpPr>
             <a:spLocks noGrp="1"/>
           </p:cNvSpPr>
@@ -3268,8 +3276,8 @@
         </p:nvSpPr>
         <p:spPr>
           <a:xfrm>
-            <a:off x="3127320" y="1825560"/>
-            <a:ext cx="1089720" cy="989280"/>
+            <a:off x="8029800" y="1604520"/>
+            <a:ext cx="3533040" cy="1896840"/>
           </a:xfrm>
           <a:prstGeom prst="rect">
             <a:avLst/>
@@ -3288,7 +3296,7 @@
       </p:sp>
       <p:sp>
         <p:nvSpPr>
-          <p:cNvPr id="116" name="PlaceHolder 5"/>
+          <p:cNvPr id="111" name="PlaceHolder 5"/>
           <p:cNvSpPr>
             <a:spLocks noGrp="1"/>
           </p:cNvSpPr>
@@ -3298,8 +3306,8 @@
         </p:nvSpPr>
         <p:spPr>
           <a:xfrm>
-            <a:off x="838080" y="2909160"/>
-            <a:ext cx="1089720" cy="989280"/>
+            <a:off x="609480" y="3682080"/>
+            <a:ext cx="3533040" cy="1896840"/>
           </a:xfrm>
           <a:prstGeom prst="rect">
             <a:avLst/>
@@ -3318,7 +3326,7 @@
       </p:sp>
       <p:sp>
         <p:nvSpPr>
-          <p:cNvPr id="117" name="PlaceHolder 6"/>
+          <p:cNvPr id="112" name="PlaceHolder 6"/>
           <p:cNvSpPr>
             <a:spLocks noGrp="1"/>
           </p:cNvSpPr>
@@ -3328,8 +3336,8 @@
         </p:nvSpPr>
         <p:spPr>
           <a:xfrm>
-            <a:off x="1982520" y="2909160"/>
-            <a:ext cx="1089720" cy="989280"/>
+            <a:off x="4319640" y="3682080"/>
+            <a:ext cx="3533040" cy="1896840"/>
           </a:xfrm>
           <a:prstGeom prst="rect">
             <a:avLst/>
@@ -3348,7 +3356,7 @@
       </p:sp>
       <p:sp>
         <p:nvSpPr>
-          <p:cNvPr id="118" name="PlaceHolder 7"/>
+          <p:cNvPr id="113" name="PlaceHolder 7"/>
           <p:cNvSpPr>
             <a:spLocks noGrp="1"/>
           </p:cNvSpPr>
@@ -3358,8 +3366,8 @@
         </p:nvSpPr>
         <p:spPr>
           <a:xfrm>
-            <a:off x="3127320" y="2909160"/>
-            <a:ext cx="1089720" cy="989280"/>
+            <a:off x="8029800" y="3682080"/>
+            <a:ext cx="3533040" cy="1896840"/>
           </a:xfrm>
           <a:prstGeom prst="rect">
             <a:avLst/>
@@ -3410,8 +3418,8 @@
         </p:nvSpPr>
         <p:spPr>
           <a:xfrm>
-            <a:off x="838080" y="365040"/>
-            <a:ext cx="10514880" cy="1324800"/>
+            <a:off x="609480" y="273600"/>
+            <a:ext cx="10972440" cy="1144800"/>
           </a:xfrm>
           <a:prstGeom prst="rect">
             <a:avLst/>
@@ -3439,8 +3447,8 @@
         </p:nvSpPr>
         <p:spPr>
           <a:xfrm>
-            <a:off x="838080" y="1825560"/>
-            <a:ext cx="1652040" cy="2074680"/>
+            <a:off x="609480" y="1604520"/>
+            <a:ext cx="5354280" cy="3977280"/>
           </a:xfrm>
           <a:prstGeom prst="rect">
             <a:avLst/>
@@ -3469,8 +3477,8 @@
         </p:nvSpPr>
         <p:spPr>
           <a:xfrm>
-            <a:off x="2573280" y="1825560"/>
-            <a:ext cx="1652040" cy="2074680"/>
+            <a:off x="6231960" y="1604520"/>
+            <a:ext cx="5354280" cy="3977280"/>
           </a:xfrm>
           <a:prstGeom prst="rect">
             <a:avLst/>
@@ -3521,8 +3529,8 @@
         </p:nvSpPr>
         <p:spPr>
           <a:xfrm>
-            <a:off x="838080" y="365040"/>
-            <a:ext cx="10514880" cy="1324800"/>
+            <a:off x="609480" y="273600"/>
+            <a:ext cx="10972440" cy="1144800"/>
           </a:xfrm>
           <a:prstGeom prst="rect">
             <a:avLst/>
@@ -3572,8 +3580,8 @@
         </p:nvSpPr>
         <p:spPr>
           <a:xfrm>
-            <a:off x="838080" y="365040"/>
-            <a:ext cx="10514880" cy="6142320"/>
+            <a:off x="609480" y="273600"/>
+            <a:ext cx="10972440" cy="5307840"/>
           </a:xfrm>
           <a:prstGeom prst="rect">
             <a:avLst/>
@@ -3623,8 +3631,8 @@
         </p:nvSpPr>
         <p:spPr>
           <a:xfrm>
-            <a:off x="838080" y="365040"/>
-            <a:ext cx="10514880" cy="1324800"/>
+            <a:off x="609480" y="273600"/>
+            <a:ext cx="10972440" cy="1144800"/>
           </a:xfrm>
           <a:prstGeom prst="rect">
             <a:avLst/>
@@ -3652,8 +3660,8 @@
         </p:nvSpPr>
         <p:spPr>
           <a:xfrm>
-            <a:off x="838080" y="1825560"/>
-            <a:ext cx="1652040" cy="989280"/>
+            <a:off x="609480" y="1604520"/>
+            <a:ext cx="5354280" cy="1896840"/>
           </a:xfrm>
           <a:prstGeom prst="rect">
             <a:avLst/>
@@ -3682,8 +3690,8 @@
         </p:nvSpPr>
         <p:spPr>
           <a:xfrm>
-            <a:off x="2573280" y="1825560"/>
-            <a:ext cx="1652040" cy="2074680"/>
+            <a:off x="6231960" y="1604520"/>
+            <a:ext cx="5354280" cy="3977280"/>
           </a:xfrm>
           <a:prstGeom prst="rect">
             <a:avLst/>
@@ -3712,8 +3720,8 @@
         </p:nvSpPr>
         <p:spPr>
           <a:xfrm>
-            <a:off x="838080" y="2909160"/>
-            <a:ext cx="1652040" cy="989280"/>
+            <a:off x="609480" y="3682080"/>
+            <a:ext cx="5354280" cy="1896840"/>
           </a:xfrm>
           <a:prstGeom prst="rect">
             <a:avLst/>
@@ -3764,8 +3772,8 @@
         </p:nvSpPr>
         <p:spPr>
           <a:xfrm>
-            <a:off x="838080" y="365040"/>
-            <a:ext cx="10514880" cy="1324800"/>
+            <a:off x="609480" y="273600"/>
+            <a:ext cx="10972440" cy="1144800"/>
           </a:xfrm>
           <a:prstGeom prst="rect">
             <a:avLst/>
@@ -3793,8 +3801,8 @@
         </p:nvSpPr>
         <p:spPr>
           <a:xfrm>
-            <a:off x="838080" y="1825560"/>
-            <a:ext cx="1652040" cy="2074680"/>
+            <a:off x="609480" y="1604520"/>
+            <a:ext cx="5354280" cy="3977280"/>
           </a:xfrm>
           <a:prstGeom prst="rect">
             <a:avLst/>
@@ -3823,8 +3831,8 @@
         </p:nvSpPr>
         <p:spPr>
           <a:xfrm>
-            <a:off x="2573280" y="1825560"/>
-            <a:ext cx="1652040" cy="989280"/>
+            <a:off x="6231960" y="1604520"/>
+            <a:ext cx="5354280" cy="1896840"/>
           </a:xfrm>
           <a:prstGeom prst="rect">
             <a:avLst/>
@@ -3853,8 +3861,8 @@
         </p:nvSpPr>
         <p:spPr>
           <a:xfrm>
-            <a:off x="2573280" y="2909160"/>
-            <a:ext cx="1652040" cy="989280"/>
+            <a:off x="6231960" y="3682080"/>
+            <a:ext cx="5354280" cy="1896840"/>
           </a:xfrm>
           <a:prstGeom prst="rect">
             <a:avLst/>
@@ -3905,8 +3913,8 @@
         </p:nvSpPr>
         <p:spPr>
           <a:xfrm>
-            <a:off x="838080" y="365040"/>
-            <a:ext cx="10514880" cy="1324800"/>
+            <a:off x="609480" y="273600"/>
+            <a:ext cx="10972440" cy="1144800"/>
           </a:xfrm>
           <a:prstGeom prst="rect">
             <a:avLst/>
@@ -3934,8 +3942,8 @@
         </p:nvSpPr>
         <p:spPr>
           <a:xfrm>
-            <a:off x="838080" y="1825560"/>
-            <a:ext cx="1652040" cy="989280"/>
+            <a:off x="609480" y="1604520"/>
+            <a:ext cx="5354280" cy="1896840"/>
           </a:xfrm>
           <a:prstGeom prst="rect">
             <a:avLst/>
@@ -3964,8 +3972,8 @@
         </p:nvSpPr>
         <p:spPr>
           <a:xfrm>
-            <a:off x="2573280" y="1825560"/>
-            <a:ext cx="1652040" cy="989280"/>
+            <a:off x="6231960" y="1604520"/>
+            <a:ext cx="5354280" cy="1896840"/>
           </a:xfrm>
           <a:prstGeom prst="rect">
             <a:avLst/>
@@ -3994,8 +4002,8 @@
         </p:nvSpPr>
         <p:spPr>
           <a:xfrm>
-            <a:off x="838080" y="2909160"/>
-            <a:ext cx="3385440" cy="989280"/>
+            <a:off x="609480" y="3682080"/>
+            <a:ext cx="10972440" cy="1896840"/>
           </a:xfrm>
           <a:prstGeom prst="rect">
             <a:avLst/>
@@ -4053,8 +4061,8 @@
         </p:nvSpPr>
         <p:spPr>
           <a:xfrm>
-            <a:off x="838080" y="365040"/>
-            <a:ext cx="10514880" cy="1324800"/>
+            <a:off x="609480" y="273600"/>
+            <a:ext cx="10972440" cy="1144800"/>
           </a:xfrm>
           <a:prstGeom prst="rect">
             <a:avLst/>
@@ -4063,13 +4071,14 @@
         <p:txBody>
           <a:bodyPr lIns="0" rIns="0" tIns="0" bIns="0" anchor="ctr"/>
           <a:p>
-            <a:r>
-              <a:rPr b="0" lang="en-GB" sz="1800" spc="-1" strike="noStrike">
+            <a:pPr algn="ctr"/>
+            <a:r>
+              <a:rPr b="0" lang="en-GB" sz="4400" spc="-1" strike="noStrike">
                 <a:latin typeface="Arial"/>
               </a:rPr>
               <a:t>Click to edit the title text format</a:t>
             </a:r>
-            <a:endParaRPr b="0" lang="en-GB" sz="1800" spc="-1" strike="noStrike">
+            <a:endParaRPr b="0" lang="en-GB" sz="4400" spc="-1" strike="noStrike">
               <a:latin typeface="Arial"/>
             </a:endParaRPr>
           </a:p>
@@ -4568,8 +4577,8 @@
         </p:nvSpPr>
         <p:spPr>
           <a:xfrm>
-            <a:off x="838080" y="365040"/>
-            <a:ext cx="10514880" cy="1324800"/>
+            <a:off x="609480" y="273600"/>
+            <a:ext cx="10972440" cy="1144800"/>
           </a:xfrm>
           <a:prstGeom prst="rect">
             <a:avLst/>
@@ -4578,13 +4587,14 @@
         <p:txBody>
           <a:bodyPr lIns="0" rIns="0" tIns="0" bIns="0" anchor="ctr"/>
           <a:p>
-            <a:r>
-              <a:rPr b="0" lang="en-GB" sz="1800" spc="-1" strike="noStrike">
+            <a:pPr algn="ctr"/>
+            <a:r>
+              <a:rPr b="0" lang="en-GB" sz="4400" spc="-1" strike="noStrike">
                 <a:latin typeface="Arial"/>
               </a:rPr>
               <a:t>Click to edit the title text format</a:t>
             </a:r>
-            <a:endParaRPr b="0" lang="en-GB" sz="1800" spc="-1" strike="noStrike">
+            <a:endParaRPr b="0" lang="en-GB" sz="4400" spc="-1" strike="noStrike">
               <a:latin typeface="Arial"/>
             </a:endParaRPr>
           </a:p>
@@ -4602,8 +4612,8 @@
         </p:nvSpPr>
         <p:spPr>
           <a:xfrm>
-            <a:off x="838080" y="1825560"/>
-            <a:ext cx="3385440" cy="2074680"/>
+            <a:off x="609480" y="1604520"/>
+            <a:ext cx="10972440" cy="3977280"/>
           </a:xfrm>
           <a:prstGeom prst="rect">
             <a:avLst/>
@@ -4626,12 +4636,12 @@
               <a:buChar char=""/>
             </a:pPr>
             <a:r>
-              <a:rPr b="0" lang="en-GB" sz="1800" spc="-1" strike="noStrike">
+              <a:rPr b="0" lang="en-GB" sz="3200" spc="-1" strike="noStrike">
                 <a:latin typeface="Arial"/>
               </a:rPr>
               <a:t>Click to edit the outline text format</a:t>
             </a:r>
-            <a:endParaRPr b="0" lang="en-GB" sz="1800" spc="-1" strike="noStrike">
+            <a:endParaRPr b="0" lang="en-GB" sz="3200" spc="-1" strike="noStrike">
               <a:latin typeface="Arial"/>
             </a:endParaRPr>
           </a:p>
@@ -4648,12 +4658,12 @@
               <a:buChar char=""/>
             </a:pPr>
             <a:r>
-              <a:rPr b="0" lang="en-GB" sz="1800" spc="-1" strike="noStrike">
+              <a:rPr b="0" lang="en-GB" sz="2800" spc="-1" strike="noStrike">
                 <a:latin typeface="Arial"/>
               </a:rPr>
               <a:t>Second Outline Level</a:t>
             </a:r>
-            <a:endParaRPr b="0" lang="en-GB" sz="1800" spc="-1" strike="noStrike">
+            <a:endParaRPr b="0" lang="en-GB" sz="2800" spc="-1" strike="noStrike">
               <a:latin typeface="Arial"/>
             </a:endParaRPr>
           </a:p>
@@ -4670,12 +4680,12 @@
               <a:buChar char=""/>
             </a:pPr>
             <a:r>
-              <a:rPr b="0" lang="en-GB" sz="1800" spc="-1" strike="noStrike">
+              <a:rPr b="0" lang="en-GB" sz="2400" spc="-1" strike="noStrike">
                 <a:latin typeface="Arial"/>
               </a:rPr>
               <a:t>Third Outline Level</a:t>
             </a:r>
-            <a:endParaRPr b="0" lang="en-GB" sz="1800" spc="-1" strike="noStrike">
+            <a:endParaRPr b="0" lang="en-GB" sz="2400" spc="-1" strike="noStrike">
               <a:latin typeface="Arial"/>
             </a:endParaRPr>
           </a:p>
@@ -4692,12 +4702,12 @@
               <a:buChar char=""/>
             </a:pPr>
             <a:r>
-              <a:rPr b="0" lang="en-GB" sz="1800" spc="-1" strike="noStrike">
+              <a:rPr b="0" lang="en-GB" sz="2000" spc="-1" strike="noStrike">
                 <a:latin typeface="Arial"/>
               </a:rPr>
               <a:t>Fourth Outline Level</a:t>
             </a:r>
-            <a:endParaRPr b="0" lang="en-GB" sz="1800" spc="-1" strike="noStrike">
+            <a:endParaRPr b="0" lang="en-GB" sz="2000" spc="-1" strike="noStrike">
               <a:latin typeface="Arial"/>
             </a:endParaRPr>
           </a:p>
@@ -4714,12 +4724,12 @@
               <a:buChar char=""/>
             </a:pPr>
             <a:r>
-              <a:rPr b="0" lang="en-GB" sz="1800" spc="-1" strike="noStrike">
+              <a:rPr b="0" lang="en-GB" sz="2000" spc="-1" strike="noStrike">
                 <a:latin typeface="Arial"/>
               </a:rPr>
               <a:t>Fifth Outline Level</a:t>
             </a:r>
-            <a:endParaRPr b="0" lang="en-GB" sz="1800" spc="-1" strike="noStrike">
+            <a:endParaRPr b="0" lang="en-GB" sz="2000" spc="-1" strike="noStrike">
               <a:latin typeface="Arial"/>
             </a:endParaRPr>
           </a:p>
@@ -4736,12 +4746,12 @@
               <a:buChar char=""/>
             </a:pPr>
             <a:r>
-              <a:rPr b="0" lang="en-GB" sz="1800" spc="-1" strike="noStrike">
+              <a:rPr b="0" lang="en-GB" sz="2000" spc="-1" strike="noStrike">
                 <a:latin typeface="Arial"/>
               </a:rPr>
               <a:t>Sixth Outline Level</a:t>
             </a:r>
-            <a:endParaRPr b="0" lang="en-GB" sz="1800" spc="-1" strike="noStrike">
+            <a:endParaRPr b="0" lang="en-GB" sz="2000" spc="-1" strike="noStrike">
               <a:latin typeface="Arial"/>
             </a:endParaRPr>
           </a:p>
@@ -4758,907 +4768,12 @@
               <a:buChar char=""/>
             </a:pPr>
             <a:r>
-              <a:rPr b="0" lang="en-GB" sz="1800" spc="-1" strike="noStrike">
+              <a:rPr b="0" lang="en-GB" sz="2000" spc="-1" strike="noStrike">
                 <a:latin typeface="Arial"/>
               </a:rPr>
               <a:t>Seventh Outline Level</a:t>
             </a:r>
-            <a:endParaRPr b="0" lang="en-GB" sz="1800" spc="-1" strike="noStrike">
-              <a:latin typeface="Arial"/>
-            </a:endParaRPr>
-          </a:p>
-        </p:txBody>
-      </p:sp>
-      <p:sp>
-        <p:nvSpPr>
-          <p:cNvPr id="78" name="PlaceHolder 3"/>
-          <p:cNvSpPr>
-            <a:spLocks noGrp="1"/>
-          </p:cNvSpPr>
-          <p:nvPr>
-            <p:ph type="body"/>
-          </p:nvPr>
-        </p:nvSpPr>
-        <p:spPr>
-          <a:xfrm>
-            <a:off x="4393440" y="1825560"/>
-            <a:ext cx="3385440" cy="2074680"/>
-          </a:xfrm>
-          <a:prstGeom prst="rect">
-            <a:avLst/>
-          </a:prstGeom>
-        </p:spPr>
-        <p:txBody>
-          <a:bodyPr lIns="0" rIns="0" tIns="0" bIns="0">
-            <a:normAutofit/>
-          </a:bodyPr>
-          <a:p>
-            <a:pPr marL="432000" indent="-324000">
-              <a:spcBef>
-                <a:spcPts val="1417"/>
-              </a:spcBef>
-              <a:buClr>
-                <a:srgbClr val="000000"/>
-              </a:buClr>
-              <a:buSzPct val="45000"/>
-              <a:buFont typeface="Wingdings" charset="2"/>
-              <a:buChar char=""/>
-            </a:pPr>
-            <a:r>
-              <a:rPr b="0" lang="en-GB" sz="1800" spc="-1" strike="noStrike">
-                <a:latin typeface="Arial"/>
-              </a:rPr>
-              <a:t>Click to edit the outline text format</a:t>
-            </a:r>
-            <a:endParaRPr b="0" lang="en-GB" sz="1800" spc="-1" strike="noStrike">
-              <a:latin typeface="Arial"/>
-            </a:endParaRPr>
-          </a:p>
-          <a:p>
-            <a:pPr lvl="1" marL="864000" indent="-324000">
-              <a:spcBef>
-                <a:spcPts val="1134"/>
-              </a:spcBef>
-              <a:buClr>
-                <a:srgbClr val="000000"/>
-              </a:buClr>
-              <a:buSzPct val="75000"/>
-              <a:buFont typeface="Symbol" charset="2"/>
-              <a:buChar char=""/>
-            </a:pPr>
-            <a:r>
-              <a:rPr b="0" lang="en-GB" sz="1800" spc="-1" strike="noStrike">
-                <a:latin typeface="Arial"/>
-              </a:rPr>
-              <a:t>Second Outline Level</a:t>
-            </a:r>
-            <a:endParaRPr b="0" lang="en-GB" sz="1800" spc="-1" strike="noStrike">
-              <a:latin typeface="Arial"/>
-            </a:endParaRPr>
-          </a:p>
-          <a:p>
-            <a:pPr lvl="2" marL="1296000" indent="-288000">
-              <a:spcBef>
-                <a:spcPts val="850"/>
-              </a:spcBef>
-              <a:buClr>
-                <a:srgbClr val="000000"/>
-              </a:buClr>
-              <a:buSzPct val="45000"/>
-              <a:buFont typeface="Wingdings" charset="2"/>
-              <a:buChar char=""/>
-            </a:pPr>
-            <a:r>
-              <a:rPr b="0" lang="en-GB" sz="1800" spc="-1" strike="noStrike">
-                <a:latin typeface="Arial"/>
-              </a:rPr>
-              <a:t>Third Outline Level</a:t>
-            </a:r>
-            <a:endParaRPr b="0" lang="en-GB" sz="1800" spc="-1" strike="noStrike">
-              <a:latin typeface="Arial"/>
-            </a:endParaRPr>
-          </a:p>
-          <a:p>
-            <a:pPr lvl="3" marL="1728000" indent="-216000">
-              <a:spcBef>
-                <a:spcPts val="567"/>
-              </a:spcBef>
-              <a:buClr>
-                <a:srgbClr val="000000"/>
-              </a:buClr>
-              <a:buSzPct val="75000"/>
-              <a:buFont typeface="Symbol" charset="2"/>
-              <a:buChar char=""/>
-            </a:pPr>
-            <a:r>
-              <a:rPr b="0" lang="en-GB" sz="1800" spc="-1" strike="noStrike">
-                <a:latin typeface="Arial"/>
-              </a:rPr>
-              <a:t>Fourth Outline Level</a:t>
-            </a:r>
-            <a:endParaRPr b="0" lang="en-GB" sz="1800" spc="-1" strike="noStrike">
-              <a:latin typeface="Arial"/>
-            </a:endParaRPr>
-          </a:p>
-          <a:p>
-            <a:pPr lvl="4" marL="2160000" indent="-216000">
-              <a:spcBef>
-                <a:spcPts val="283"/>
-              </a:spcBef>
-              <a:buClr>
-                <a:srgbClr val="000000"/>
-              </a:buClr>
-              <a:buSzPct val="45000"/>
-              <a:buFont typeface="Wingdings" charset="2"/>
-              <a:buChar char=""/>
-            </a:pPr>
-            <a:r>
-              <a:rPr b="0" lang="en-GB" sz="1800" spc="-1" strike="noStrike">
-                <a:latin typeface="Arial"/>
-              </a:rPr>
-              <a:t>Fifth Outline Level</a:t>
-            </a:r>
-            <a:endParaRPr b="0" lang="en-GB" sz="1800" spc="-1" strike="noStrike">
-              <a:latin typeface="Arial"/>
-            </a:endParaRPr>
-          </a:p>
-          <a:p>
-            <a:pPr lvl="5" marL="2592000" indent="-216000">
-              <a:spcBef>
-                <a:spcPts val="283"/>
-              </a:spcBef>
-              <a:buClr>
-                <a:srgbClr val="000000"/>
-              </a:buClr>
-              <a:buSzPct val="45000"/>
-              <a:buFont typeface="Wingdings" charset="2"/>
-              <a:buChar char=""/>
-            </a:pPr>
-            <a:r>
-              <a:rPr b="0" lang="en-GB" sz="1800" spc="-1" strike="noStrike">
-                <a:latin typeface="Arial"/>
-              </a:rPr>
-              <a:t>Sixth Outline Level</a:t>
-            </a:r>
-            <a:endParaRPr b="0" lang="en-GB" sz="1800" spc="-1" strike="noStrike">
-              <a:latin typeface="Arial"/>
-            </a:endParaRPr>
-          </a:p>
-          <a:p>
-            <a:pPr lvl="6" marL="3024000" indent="-216000">
-              <a:spcBef>
-                <a:spcPts val="283"/>
-              </a:spcBef>
-              <a:buClr>
-                <a:srgbClr val="000000"/>
-              </a:buClr>
-              <a:buSzPct val="45000"/>
-              <a:buFont typeface="Wingdings" charset="2"/>
-              <a:buChar char=""/>
-            </a:pPr>
-            <a:r>
-              <a:rPr b="0" lang="en-GB" sz="1800" spc="-1" strike="noStrike">
-                <a:latin typeface="Arial"/>
-              </a:rPr>
-              <a:t>Seventh Outline Level</a:t>
-            </a:r>
-            <a:endParaRPr b="0" lang="en-GB" sz="1800" spc="-1" strike="noStrike">
-              <a:latin typeface="Arial"/>
-            </a:endParaRPr>
-          </a:p>
-        </p:txBody>
-      </p:sp>
-      <p:sp>
-        <p:nvSpPr>
-          <p:cNvPr id="79" name="PlaceHolder 4"/>
-          <p:cNvSpPr>
-            <a:spLocks noGrp="1"/>
-          </p:cNvSpPr>
-          <p:nvPr>
-            <p:ph type="body"/>
-          </p:nvPr>
-        </p:nvSpPr>
-        <p:spPr>
-          <a:xfrm>
-            <a:off x="7949160" y="1825560"/>
-            <a:ext cx="3385440" cy="2074680"/>
-          </a:xfrm>
-          <a:prstGeom prst="rect">
-            <a:avLst/>
-          </a:prstGeom>
-        </p:spPr>
-        <p:txBody>
-          <a:bodyPr lIns="0" rIns="0" tIns="0" bIns="0">
-            <a:normAutofit/>
-          </a:bodyPr>
-          <a:p>
-            <a:pPr marL="432000" indent="-324000">
-              <a:spcBef>
-                <a:spcPts val="1417"/>
-              </a:spcBef>
-              <a:buClr>
-                <a:srgbClr val="000000"/>
-              </a:buClr>
-              <a:buSzPct val="45000"/>
-              <a:buFont typeface="Wingdings" charset="2"/>
-              <a:buChar char=""/>
-            </a:pPr>
-            <a:r>
-              <a:rPr b="0" lang="en-GB" sz="1800" spc="-1" strike="noStrike">
-                <a:latin typeface="Arial"/>
-              </a:rPr>
-              <a:t>Click to edit the outline text format</a:t>
-            </a:r>
-            <a:endParaRPr b="0" lang="en-GB" sz="1800" spc="-1" strike="noStrike">
-              <a:latin typeface="Arial"/>
-            </a:endParaRPr>
-          </a:p>
-          <a:p>
-            <a:pPr lvl="1" marL="864000" indent="-324000">
-              <a:spcBef>
-                <a:spcPts val="1134"/>
-              </a:spcBef>
-              <a:buClr>
-                <a:srgbClr val="000000"/>
-              </a:buClr>
-              <a:buSzPct val="75000"/>
-              <a:buFont typeface="Symbol" charset="2"/>
-              <a:buChar char=""/>
-            </a:pPr>
-            <a:r>
-              <a:rPr b="0" lang="en-GB" sz="1800" spc="-1" strike="noStrike">
-                <a:latin typeface="Arial"/>
-              </a:rPr>
-              <a:t>Second Outline Level</a:t>
-            </a:r>
-            <a:endParaRPr b="0" lang="en-GB" sz="1800" spc="-1" strike="noStrike">
-              <a:latin typeface="Arial"/>
-            </a:endParaRPr>
-          </a:p>
-          <a:p>
-            <a:pPr lvl="2" marL="1296000" indent="-288000">
-              <a:spcBef>
-                <a:spcPts val="850"/>
-              </a:spcBef>
-              <a:buClr>
-                <a:srgbClr val="000000"/>
-              </a:buClr>
-              <a:buSzPct val="45000"/>
-              <a:buFont typeface="Wingdings" charset="2"/>
-              <a:buChar char=""/>
-            </a:pPr>
-            <a:r>
-              <a:rPr b="0" lang="en-GB" sz="1800" spc="-1" strike="noStrike">
-                <a:latin typeface="Arial"/>
-              </a:rPr>
-              <a:t>Third Outline Level</a:t>
-            </a:r>
-            <a:endParaRPr b="0" lang="en-GB" sz="1800" spc="-1" strike="noStrike">
-              <a:latin typeface="Arial"/>
-            </a:endParaRPr>
-          </a:p>
-          <a:p>
-            <a:pPr lvl="3" marL="1728000" indent="-216000">
-              <a:spcBef>
-                <a:spcPts val="567"/>
-              </a:spcBef>
-              <a:buClr>
-                <a:srgbClr val="000000"/>
-              </a:buClr>
-              <a:buSzPct val="75000"/>
-              <a:buFont typeface="Symbol" charset="2"/>
-              <a:buChar char=""/>
-            </a:pPr>
-            <a:r>
-              <a:rPr b="0" lang="en-GB" sz="1800" spc="-1" strike="noStrike">
-                <a:latin typeface="Arial"/>
-              </a:rPr>
-              <a:t>Fourth Outline Level</a:t>
-            </a:r>
-            <a:endParaRPr b="0" lang="en-GB" sz="1800" spc="-1" strike="noStrike">
-              <a:latin typeface="Arial"/>
-            </a:endParaRPr>
-          </a:p>
-          <a:p>
-            <a:pPr lvl="4" marL="2160000" indent="-216000">
-              <a:spcBef>
-                <a:spcPts val="283"/>
-              </a:spcBef>
-              <a:buClr>
-                <a:srgbClr val="000000"/>
-              </a:buClr>
-              <a:buSzPct val="45000"/>
-              <a:buFont typeface="Wingdings" charset="2"/>
-              <a:buChar char=""/>
-            </a:pPr>
-            <a:r>
-              <a:rPr b="0" lang="en-GB" sz="1800" spc="-1" strike="noStrike">
-                <a:latin typeface="Arial"/>
-              </a:rPr>
-              <a:t>Fifth Outline Level</a:t>
-            </a:r>
-            <a:endParaRPr b="0" lang="en-GB" sz="1800" spc="-1" strike="noStrike">
-              <a:latin typeface="Arial"/>
-            </a:endParaRPr>
-          </a:p>
-          <a:p>
-            <a:pPr lvl="5" marL="2592000" indent="-216000">
-              <a:spcBef>
-                <a:spcPts val="283"/>
-              </a:spcBef>
-              <a:buClr>
-                <a:srgbClr val="000000"/>
-              </a:buClr>
-              <a:buSzPct val="45000"/>
-              <a:buFont typeface="Wingdings" charset="2"/>
-              <a:buChar char=""/>
-            </a:pPr>
-            <a:r>
-              <a:rPr b="0" lang="en-GB" sz="1800" spc="-1" strike="noStrike">
-                <a:latin typeface="Arial"/>
-              </a:rPr>
-              <a:t>Sixth Outline Level</a:t>
-            </a:r>
-            <a:endParaRPr b="0" lang="en-GB" sz="1800" spc="-1" strike="noStrike">
-              <a:latin typeface="Arial"/>
-            </a:endParaRPr>
-          </a:p>
-          <a:p>
-            <a:pPr lvl="6" marL="3024000" indent="-216000">
-              <a:spcBef>
-                <a:spcPts val="283"/>
-              </a:spcBef>
-              <a:buClr>
-                <a:srgbClr val="000000"/>
-              </a:buClr>
-              <a:buSzPct val="45000"/>
-              <a:buFont typeface="Wingdings" charset="2"/>
-              <a:buChar char=""/>
-            </a:pPr>
-            <a:r>
-              <a:rPr b="0" lang="en-GB" sz="1800" spc="-1" strike="noStrike">
-                <a:latin typeface="Arial"/>
-              </a:rPr>
-              <a:t>Seventh Outline Level</a:t>
-            </a:r>
-            <a:endParaRPr b="0" lang="en-GB" sz="1800" spc="-1" strike="noStrike">
-              <a:latin typeface="Arial"/>
-            </a:endParaRPr>
-          </a:p>
-        </p:txBody>
-      </p:sp>
-      <p:sp>
-        <p:nvSpPr>
-          <p:cNvPr id="80" name="PlaceHolder 5"/>
-          <p:cNvSpPr>
-            <a:spLocks noGrp="1"/>
-          </p:cNvSpPr>
-          <p:nvPr>
-            <p:ph type="body"/>
-          </p:nvPr>
-        </p:nvSpPr>
-        <p:spPr>
-          <a:xfrm>
-            <a:off x="838080" y="4098240"/>
-            <a:ext cx="3385440" cy="2074680"/>
-          </a:xfrm>
-          <a:prstGeom prst="rect">
-            <a:avLst/>
-          </a:prstGeom>
-        </p:spPr>
-        <p:txBody>
-          <a:bodyPr lIns="0" rIns="0" tIns="0" bIns="0">
-            <a:normAutofit/>
-          </a:bodyPr>
-          <a:p>
-            <a:pPr marL="432000" indent="-324000">
-              <a:spcBef>
-                <a:spcPts val="1417"/>
-              </a:spcBef>
-              <a:buClr>
-                <a:srgbClr val="000000"/>
-              </a:buClr>
-              <a:buSzPct val="45000"/>
-              <a:buFont typeface="Wingdings" charset="2"/>
-              <a:buChar char=""/>
-            </a:pPr>
-            <a:r>
-              <a:rPr b="0" lang="en-GB" sz="1800" spc="-1" strike="noStrike">
-                <a:latin typeface="Arial"/>
-              </a:rPr>
-              <a:t>Click to edit the outline text format</a:t>
-            </a:r>
-            <a:endParaRPr b="0" lang="en-GB" sz="1800" spc="-1" strike="noStrike">
-              <a:latin typeface="Arial"/>
-            </a:endParaRPr>
-          </a:p>
-          <a:p>
-            <a:pPr lvl="1" marL="864000" indent="-324000">
-              <a:spcBef>
-                <a:spcPts val="1134"/>
-              </a:spcBef>
-              <a:buClr>
-                <a:srgbClr val="000000"/>
-              </a:buClr>
-              <a:buSzPct val="75000"/>
-              <a:buFont typeface="Symbol" charset="2"/>
-              <a:buChar char=""/>
-            </a:pPr>
-            <a:r>
-              <a:rPr b="0" lang="en-GB" sz="1800" spc="-1" strike="noStrike">
-                <a:latin typeface="Arial"/>
-              </a:rPr>
-              <a:t>Second Outline Level</a:t>
-            </a:r>
-            <a:endParaRPr b="0" lang="en-GB" sz="1800" spc="-1" strike="noStrike">
-              <a:latin typeface="Arial"/>
-            </a:endParaRPr>
-          </a:p>
-          <a:p>
-            <a:pPr lvl="2" marL="1296000" indent="-288000">
-              <a:spcBef>
-                <a:spcPts val="850"/>
-              </a:spcBef>
-              <a:buClr>
-                <a:srgbClr val="000000"/>
-              </a:buClr>
-              <a:buSzPct val="45000"/>
-              <a:buFont typeface="Wingdings" charset="2"/>
-              <a:buChar char=""/>
-            </a:pPr>
-            <a:r>
-              <a:rPr b="0" lang="en-GB" sz="1800" spc="-1" strike="noStrike">
-                <a:latin typeface="Arial"/>
-              </a:rPr>
-              <a:t>Third Outline Level</a:t>
-            </a:r>
-            <a:endParaRPr b="0" lang="en-GB" sz="1800" spc="-1" strike="noStrike">
-              <a:latin typeface="Arial"/>
-            </a:endParaRPr>
-          </a:p>
-          <a:p>
-            <a:pPr lvl="3" marL="1728000" indent="-216000">
-              <a:spcBef>
-                <a:spcPts val="567"/>
-              </a:spcBef>
-              <a:buClr>
-                <a:srgbClr val="000000"/>
-              </a:buClr>
-              <a:buSzPct val="75000"/>
-              <a:buFont typeface="Symbol" charset="2"/>
-              <a:buChar char=""/>
-            </a:pPr>
-            <a:r>
-              <a:rPr b="0" lang="en-GB" sz="1800" spc="-1" strike="noStrike">
-                <a:latin typeface="Arial"/>
-              </a:rPr>
-              <a:t>Fourth Outline Level</a:t>
-            </a:r>
-            <a:endParaRPr b="0" lang="en-GB" sz="1800" spc="-1" strike="noStrike">
-              <a:latin typeface="Arial"/>
-            </a:endParaRPr>
-          </a:p>
-          <a:p>
-            <a:pPr lvl="4" marL="2160000" indent="-216000">
-              <a:spcBef>
-                <a:spcPts val="283"/>
-              </a:spcBef>
-              <a:buClr>
-                <a:srgbClr val="000000"/>
-              </a:buClr>
-              <a:buSzPct val="45000"/>
-              <a:buFont typeface="Wingdings" charset="2"/>
-              <a:buChar char=""/>
-            </a:pPr>
-            <a:r>
-              <a:rPr b="0" lang="en-GB" sz="1800" spc="-1" strike="noStrike">
-                <a:latin typeface="Arial"/>
-              </a:rPr>
-              <a:t>Fifth Outline Level</a:t>
-            </a:r>
-            <a:endParaRPr b="0" lang="en-GB" sz="1800" spc="-1" strike="noStrike">
-              <a:latin typeface="Arial"/>
-            </a:endParaRPr>
-          </a:p>
-          <a:p>
-            <a:pPr lvl="5" marL="2592000" indent="-216000">
-              <a:spcBef>
-                <a:spcPts val="283"/>
-              </a:spcBef>
-              <a:buClr>
-                <a:srgbClr val="000000"/>
-              </a:buClr>
-              <a:buSzPct val="45000"/>
-              <a:buFont typeface="Wingdings" charset="2"/>
-              <a:buChar char=""/>
-            </a:pPr>
-            <a:r>
-              <a:rPr b="0" lang="en-GB" sz="1800" spc="-1" strike="noStrike">
-                <a:latin typeface="Arial"/>
-              </a:rPr>
-              <a:t>Sixth Outline Level</a:t>
-            </a:r>
-            <a:endParaRPr b="0" lang="en-GB" sz="1800" spc="-1" strike="noStrike">
-              <a:latin typeface="Arial"/>
-            </a:endParaRPr>
-          </a:p>
-          <a:p>
-            <a:pPr lvl="6" marL="3024000" indent="-216000">
-              <a:spcBef>
-                <a:spcPts val="283"/>
-              </a:spcBef>
-              <a:buClr>
-                <a:srgbClr val="000000"/>
-              </a:buClr>
-              <a:buSzPct val="45000"/>
-              <a:buFont typeface="Wingdings" charset="2"/>
-              <a:buChar char=""/>
-            </a:pPr>
-            <a:r>
-              <a:rPr b="0" lang="en-GB" sz="1800" spc="-1" strike="noStrike">
-                <a:latin typeface="Arial"/>
-              </a:rPr>
-              <a:t>Seventh Outline Level</a:t>
-            </a:r>
-            <a:endParaRPr b="0" lang="en-GB" sz="1800" spc="-1" strike="noStrike">
-              <a:latin typeface="Arial"/>
-            </a:endParaRPr>
-          </a:p>
-        </p:txBody>
-      </p:sp>
-      <p:sp>
-        <p:nvSpPr>
-          <p:cNvPr id="81" name="PlaceHolder 6"/>
-          <p:cNvSpPr>
-            <a:spLocks noGrp="1"/>
-          </p:cNvSpPr>
-          <p:nvPr>
-            <p:ph type="body"/>
-          </p:nvPr>
-        </p:nvSpPr>
-        <p:spPr>
-          <a:xfrm>
-            <a:off x="4393440" y="4098240"/>
-            <a:ext cx="3385440" cy="2074680"/>
-          </a:xfrm>
-          <a:prstGeom prst="rect">
-            <a:avLst/>
-          </a:prstGeom>
-        </p:spPr>
-        <p:txBody>
-          <a:bodyPr lIns="0" rIns="0" tIns="0" bIns="0">
-            <a:normAutofit/>
-          </a:bodyPr>
-          <a:p>
-            <a:pPr marL="432000" indent="-324000">
-              <a:spcBef>
-                <a:spcPts val="1417"/>
-              </a:spcBef>
-              <a:buClr>
-                <a:srgbClr val="000000"/>
-              </a:buClr>
-              <a:buSzPct val="45000"/>
-              <a:buFont typeface="Wingdings" charset="2"/>
-              <a:buChar char=""/>
-            </a:pPr>
-            <a:r>
-              <a:rPr b="0" lang="en-GB" sz="1800" spc="-1" strike="noStrike">
-                <a:latin typeface="Arial"/>
-              </a:rPr>
-              <a:t>Click to edit the outline text format</a:t>
-            </a:r>
-            <a:endParaRPr b="0" lang="en-GB" sz="1800" spc="-1" strike="noStrike">
-              <a:latin typeface="Arial"/>
-            </a:endParaRPr>
-          </a:p>
-          <a:p>
-            <a:pPr lvl="1" marL="864000" indent="-324000">
-              <a:spcBef>
-                <a:spcPts val="1134"/>
-              </a:spcBef>
-              <a:buClr>
-                <a:srgbClr val="000000"/>
-              </a:buClr>
-              <a:buSzPct val="75000"/>
-              <a:buFont typeface="Symbol" charset="2"/>
-              <a:buChar char=""/>
-            </a:pPr>
-            <a:r>
-              <a:rPr b="0" lang="en-GB" sz="1800" spc="-1" strike="noStrike">
-                <a:latin typeface="Arial"/>
-              </a:rPr>
-              <a:t>Second Outline Level</a:t>
-            </a:r>
-            <a:endParaRPr b="0" lang="en-GB" sz="1800" spc="-1" strike="noStrike">
-              <a:latin typeface="Arial"/>
-            </a:endParaRPr>
-          </a:p>
-          <a:p>
-            <a:pPr lvl="2" marL="1296000" indent="-288000">
-              <a:spcBef>
-                <a:spcPts val="850"/>
-              </a:spcBef>
-              <a:buClr>
-                <a:srgbClr val="000000"/>
-              </a:buClr>
-              <a:buSzPct val="45000"/>
-              <a:buFont typeface="Wingdings" charset="2"/>
-              <a:buChar char=""/>
-            </a:pPr>
-            <a:r>
-              <a:rPr b="0" lang="en-GB" sz="1800" spc="-1" strike="noStrike">
-                <a:latin typeface="Arial"/>
-              </a:rPr>
-              <a:t>Third Outline Level</a:t>
-            </a:r>
-            <a:endParaRPr b="0" lang="en-GB" sz="1800" spc="-1" strike="noStrike">
-              <a:latin typeface="Arial"/>
-            </a:endParaRPr>
-          </a:p>
-          <a:p>
-            <a:pPr lvl="3" marL="1728000" indent="-216000">
-              <a:spcBef>
-                <a:spcPts val="567"/>
-              </a:spcBef>
-              <a:buClr>
-                <a:srgbClr val="000000"/>
-              </a:buClr>
-              <a:buSzPct val="75000"/>
-              <a:buFont typeface="Symbol" charset="2"/>
-              <a:buChar char=""/>
-            </a:pPr>
-            <a:r>
-              <a:rPr b="0" lang="en-GB" sz="1800" spc="-1" strike="noStrike">
-                <a:latin typeface="Arial"/>
-              </a:rPr>
-              <a:t>Fourth Outline Level</a:t>
-            </a:r>
-            <a:endParaRPr b="0" lang="en-GB" sz="1800" spc="-1" strike="noStrike">
-              <a:latin typeface="Arial"/>
-            </a:endParaRPr>
-          </a:p>
-          <a:p>
-            <a:pPr lvl="4" marL="2160000" indent="-216000">
-              <a:spcBef>
-                <a:spcPts val="283"/>
-              </a:spcBef>
-              <a:buClr>
-                <a:srgbClr val="000000"/>
-              </a:buClr>
-              <a:buSzPct val="45000"/>
-              <a:buFont typeface="Wingdings" charset="2"/>
-              <a:buChar char=""/>
-            </a:pPr>
-            <a:r>
-              <a:rPr b="0" lang="en-GB" sz="1800" spc="-1" strike="noStrike">
-                <a:latin typeface="Arial"/>
-              </a:rPr>
-              <a:t>Fifth Outline Level</a:t>
-            </a:r>
-            <a:endParaRPr b="0" lang="en-GB" sz="1800" spc="-1" strike="noStrike">
-              <a:latin typeface="Arial"/>
-            </a:endParaRPr>
-          </a:p>
-          <a:p>
-            <a:pPr lvl="5" marL="2592000" indent="-216000">
-              <a:spcBef>
-                <a:spcPts val="283"/>
-              </a:spcBef>
-              <a:buClr>
-                <a:srgbClr val="000000"/>
-              </a:buClr>
-              <a:buSzPct val="45000"/>
-              <a:buFont typeface="Wingdings" charset="2"/>
-              <a:buChar char=""/>
-            </a:pPr>
-            <a:r>
-              <a:rPr b="0" lang="en-GB" sz="1800" spc="-1" strike="noStrike">
-                <a:latin typeface="Arial"/>
-              </a:rPr>
-              <a:t>Sixth Outline Level</a:t>
-            </a:r>
-            <a:endParaRPr b="0" lang="en-GB" sz="1800" spc="-1" strike="noStrike">
-              <a:latin typeface="Arial"/>
-            </a:endParaRPr>
-          </a:p>
-          <a:p>
-            <a:pPr lvl="6" marL="3024000" indent="-216000">
-              <a:spcBef>
-                <a:spcPts val="283"/>
-              </a:spcBef>
-              <a:buClr>
-                <a:srgbClr val="000000"/>
-              </a:buClr>
-              <a:buSzPct val="45000"/>
-              <a:buFont typeface="Wingdings" charset="2"/>
-              <a:buChar char=""/>
-            </a:pPr>
-            <a:r>
-              <a:rPr b="0" lang="en-GB" sz="1800" spc="-1" strike="noStrike">
-                <a:latin typeface="Arial"/>
-              </a:rPr>
-              <a:t>Seventh Outline Level</a:t>
-            </a:r>
-            <a:endParaRPr b="0" lang="en-GB" sz="1800" spc="-1" strike="noStrike">
-              <a:latin typeface="Arial"/>
-            </a:endParaRPr>
-          </a:p>
-        </p:txBody>
-      </p:sp>
-      <p:sp>
-        <p:nvSpPr>
-          <p:cNvPr id="82" name="PlaceHolder 7"/>
-          <p:cNvSpPr>
-            <a:spLocks noGrp="1"/>
-          </p:cNvSpPr>
-          <p:nvPr>
-            <p:ph type="body"/>
-          </p:nvPr>
-        </p:nvSpPr>
-        <p:spPr>
-          <a:xfrm>
-            <a:off x="7949160" y="4098240"/>
-            <a:ext cx="3385440" cy="2074680"/>
-          </a:xfrm>
-          <a:prstGeom prst="rect">
-            <a:avLst/>
-          </a:prstGeom>
-        </p:spPr>
-        <p:txBody>
-          <a:bodyPr lIns="0" rIns="0" tIns="0" bIns="0">
-            <a:normAutofit/>
-          </a:bodyPr>
-          <a:p>
-            <a:pPr marL="432000" indent="-324000">
-              <a:spcBef>
-                <a:spcPts val="1417"/>
-              </a:spcBef>
-              <a:buClr>
-                <a:srgbClr val="000000"/>
-              </a:buClr>
-              <a:buSzPct val="45000"/>
-              <a:buFont typeface="Wingdings" charset="2"/>
-              <a:buChar char=""/>
-            </a:pPr>
-            <a:r>
-              <a:rPr b="0" lang="en-GB" sz="1800" spc="-1" strike="noStrike">
-                <a:latin typeface="Arial"/>
-              </a:rPr>
-              <a:t>Click to edit the outline text format</a:t>
-            </a:r>
-            <a:endParaRPr b="0" lang="en-GB" sz="1800" spc="-1" strike="noStrike">
-              <a:latin typeface="Arial"/>
-            </a:endParaRPr>
-          </a:p>
-          <a:p>
-            <a:pPr lvl="1" marL="864000" indent="-324000">
-              <a:spcBef>
-                <a:spcPts val="1134"/>
-              </a:spcBef>
-              <a:buClr>
-                <a:srgbClr val="000000"/>
-              </a:buClr>
-              <a:buSzPct val="75000"/>
-              <a:buFont typeface="Symbol" charset="2"/>
-              <a:buChar char=""/>
-            </a:pPr>
-            <a:r>
-              <a:rPr b="0" lang="en-GB" sz="1800" spc="-1" strike="noStrike">
-                <a:latin typeface="Arial"/>
-              </a:rPr>
-              <a:t>Second Outline Level</a:t>
-            </a:r>
-            <a:endParaRPr b="0" lang="en-GB" sz="1800" spc="-1" strike="noStrike">
-              <a:latin typeface="Arial"/>
-            </a:endParaRPr>
-          </a:p>
-          <a:p>
-            <a:pPr lvl="2" marL="1296000" indent="-288000">
-              <a:spcBef>
-                <a:spcPts val="850"/>
-              </a:spcBef>
-              <a:buClr>
-                <a:srgbClr val="000000"/>
-              </a:buClr>
-              <a:buSzPct val="45000"/>
-              <a:buFont typeface="Wingdings" charset="2"/>
-              <a:buChar char=""/>
-            </a:pPr>
-            <a:r>
-              <a:rPr b="0" lang="en-GB" sz="1800" spc="-1" strike="noStrike">
-                <a:latin typeface="Arial"/>
-              </a:rPr>
-              <a:t>Third Outline Level</a:t>
-            </a:r>
-            <a:endParaRPr b="0" lang="en-GB" sz="1800" spc="-1" strike="noStrike">
-              <a:latin typeface="Arial"/>
-            </a:endParaRPr>
-          </a:p>
-          <a:p>
-            <a:pPr lvl="3" marL="1728000" indent="-216000">
-              <a:spcBef>
-                <a:spcPts val="567"/>
-              </a:spcBef>
-              <a:buClr>
-                <a:srgbClr val="000000"/>
-              </a:buClr>
-              <a:buSzPct val="75000"/>
-              <a:buFont typeface="Symbol" charset="2"/>
-              <a:buChar char=""/>
-            </a:pPr>
-            <a:r>
-              <a:rPr b="0" lang="en-GB" sz="1800" spc="-1" strike="noStrike">
-                <a:latin typeface="Arial"/>
-              </a:rPr>
-              <a:t>Fourth Outline Level</a:t>
-            </a:r>
-            <a:endParaRPr b="0" lang="en-GB" sz="1800" spc="-1" strike="noStrike">
-              <a:latin typeface="Arial"/>
-            </a:endParaRPr>
-          </a:p>
-          <a:p>
-            <a:pPr lvl="4" marL="2160000" indent="-216000">
-              <a:spcBef>
-                <a:spcPts val="283"/>
-              </a:spcBef>
-              <a:buClr>
-                <a:srgbClr val="000000"/>
-              </a:buClr>
-              <a:buSzPct val="45000"/>
-              <a:buFont typeface="Wingdings" charset="2"/>
-              <a:buChar char=""/>
-            </a:pPr>
-            <a:r>
-              <a:rPr b="0" lang="en-GB" sz="1800" spc="-1" strike="noStrike">
-                <a:latin typeface="Arial"/>
-              </a:rPr>
-              <a:t>Fifth Outline Level</a:t>
-            </a:r>
-            <a:endParaRPr b="0" lang="en-GB" sz="1800" spc="-1" strike="noStrike">
-              <a:latin typeface="Arial"/>
-            </a:endParaRPr>
-          </a:p>
-          <a:p>
-            <a:pPr lvl="5" marL="2592000" indent="-216000">
-              <a:spcBef>
-                <a:spcPts val="283"/>
-              </a:spcBef>
-              <a:buClr>
-                <a:srgbClr val="000000"/>
-              </a:buClr>
-              <a:buSzPct val="45000"/>
-              <a:buFont typeface="Wingdings" charset="2"/>
-              <a:buChar char=""/>
-            </a:pPr>
-            <a:r>
-              <a:rPr b="0" lang="en-GB" sz="1800" spc="-1" strike="noStrike">
-                <a:latin typeface="Arial"/>
-              </a:rPr>
-              <a:t>Sixth Outline Level</a:t>
-            </a:r>
-            <a:endParaRPr b="0" lang="en-GB" sz="1800" spc="-1" strike="noStrike">
-              <a:latin typeface="Arial"/>
-            </a:endParaRPr>
-          </a:p>
-          <a:p>
-            <a:pPr lvl="6" marL="3024000" indent="-216000">
-              <a:spcBef>
-                <a:spcPts val="283"/>
-              </a:spcBef>
-              <a:buClr>
-                <a:srgbClr val="000000"/>
-              </a:buClr>
-              <a:buSzPct val="45000"/>
-              <a:buFont typeface="Wingdings" charset="2"/>
-              <a:buChar char=""/>
-            </a:pPr>
-            <a:r>
-              <a:rPr b="0" lang="en-GB" sz="1800" spc="-1" strike="noStrike">
-                <a:latin typeface="Arial"/>
-              </a:rPr>
-              <a:t>Seventh Outline Level</a:t>
-            </a:r>
-            <a:endParaRPr b="0" lang="en-GB" sz="1800" spc="-1" strike="noStrike">
+            <a:endParaRPr b="0" lang="en-GB" sz="2000" spc="-1" strike="noStrike">
               <a:latin typeface="Arial"/>
             </a:endParaRPr>
           </a:p>
@@ -5703,14 +4818,14 @@
       </p:grpSpPr>
       <p:sp>
         <p:nvSpPr>
-          <p:cNvPr id="119" name="CustomShape 1"/>
+          <p:cNvPr id="114" name="CustomShape 1"/>
           <p:cNvSpPr/>
           <p:nvPr/>
         </p:nvSpPr>
         <p:spPr>
           <a:xfrm>
             <a:off x="5453640" y="549000"/>
-            <a:ext cx="1261080" cy="546840"/>
+            <a:ext cx="1260360" cy="546120"/>
           </a:xfrm>
           <a:prstGeom prst="rect">
             <a:avLst/>
@@ -5752,14 +4867,14 @@
       </p:sp>
       <p:sp>
         <p:nvSpPr>
-          <p:cNvPr id="120" name="CustomShape 2"/>
+          <p:cNvPr id="115" name="CustomShape 2"/>
           <p:cNvSpPr/>
           <p:nvPr/>
         </p:nvSpPr>
         <p:spPr>
           <a:xfrm>
             <a:off x="2556360" y="1527840"/>
-            <a:ext cx="7055640" cy="1003680"/>
+            <a:ext cx="7054920" cy="1002960"/>
           </a:xfrm>
           <a:prstGeom prst="rect">
             <a:avLst/>
@@ -5821,14 +4936,14 @@
       </p:sp>
       <p:sp>
         <p:nvSpPr>
-          <p:cNvPr id="121" name="CustomShape 3"/>
+          <p:cNvPr id="116" name="CustomShape 3"/>
           <p:cNvSpPr/>
           <p:nvPr/>
         </p:nvSpPr>
         <p:spPr>
           <a:xfrm>
             <a:off x="6465960" y="3968280"/>
-            <a:ext cx="1159200" cy="394920"/>
+            <a:ext cx="1158480" cy="394200"/>
           </a:xfrm>
           <a:prstGeom prst="rect">
             <a:avLst/>
@@ -5870,14 +4985,14 @@
       </p:sp>
       <p:sp>
         <p:nvSpPr>
-          <p:cNvPr id="122" name="CustomShape 4"/>
+          <p:cNvPr id="117" name="CustomShape 4"/>
           <p:cNvSpPr/>
           <p:nvPr/>
         </p:nvSpPr>
         <p:spPr>
           <a:xfrm>
             <a:off x="4282920" y="3968280"/>
-            <a:ext cx="1201680" cy="394920"/>
+            <a:ext cx="1200960" cy="394200"/>
           </a:xfrm>
           <a:prstGeom prst="rect">
             <a:avLst/>
@@ -5919,14 +5034,14 @@
       </p:sp>
       <p:sp>
         <p:nvSpPr>
-          <p:cNvPr id="123" name="CustomShape 5"/>
+          <p:cNvPr id="118" name="CustomShape 5"/>
           <p:cNvSpPr/>
           <p:nvPr/>
         </p:nvSpPr>
         <p:spPr>
           <a:xfrm>
             <a:off x="4284000" y="4596480"/>
-            <a:ext cx="1154520" cy="546840"/>
+            <a:ext cx="1153800" cy="546120"/>
           </a:xfrm>
           <a:prstGeom prst="rect">
             <a:avLst/>
@@ -5968,14 +5083,14 @@
       </p:sp>
       <p:sp>
         <p:nvSpPr>
-          <p:cNvPr id="124" name="CustomShape 6"/>
+          <p:cNvPr id="119" name="CustomShape 6"/>
           <p:cNvSpPr/>
           <p:nvPr/>
         </p:nvSpPr>
         <p:spPr>
           <a:xfrm>
             <a:off x="6590160" y="4596480"/>
-            <a:ext cx="1034280" cy="546840"/>
+            <a:ext cx="1033560" cy="546120"/>
           </a:xfrm>
           <a:prstGeom prst="rect">
             <a:avLst/>
@@ -6017,14 +5132,14 @@
       </p:sp>
       <p:sp>
         <p:nvSpPr>
-          <p:cNvPr id="125" name="CustomShape 7"/>
+          <p:cNvPr id="120" name="CustomShape 7"/>
           <p:cNvSpPr/>
           <p:nvPr/>
         </p:nvSpPr>
         <p:spPr>
           <a:xfrm>
             <a:off x="3378960" y="2968200"/>
-            <a:ext cx="5406840" cy="546840"/>
+            <a:ext cx="5406120" cy="546120"/>
           </a:xfrm>
           <a:prstGeom prst="rect">
             <a:avLst/>
@@ -6077,14 +5192,14 @@
       </p:sp>
       <p:sp>
         <p:nvSpPr>
-          <p:cNvPr id="126" name="CustomShape 8"/>
+          <p:cNvPr id="121" name="CustomShape 8"/>
           <p:cNvSpPr/>
           <p:nvPr/>
         </p:nvSpPr>
         <p:spPr>
           <a:xfrm>
             <a:off x="2830680" y="5670720"/>
-            <a:ext cx="6529680" cy="546840"/>
+            <a:ext cx="6528960" cy="546120"/>
           </a:xfrm>
           <a:prstGeom prst="rect">
             <a:avLst/>
@@ -6126,14 +5241,14 @@
       </p:sp>
       <p:sp>
         <p:nvSpPr>
-          <p:cNvPr id="127" name="CustomShape 9"/>
+          <p:cNvPr id="122" name="CustomShape 9"/>
           <p:cNvSpPr/>
           <p:nvPr/>
         </p:nvSpPr>
         <p:spPr>
           <a:xfrm>
             <a:off x="5689800" y="4319280"/>
-            <a:ext cx="403200" cy="546840"/>
+            <a:ext cx="402480" cy="546120"/>
           </a:xfrm>
           <a:prstGeom prst="rect">
             <a:avLst/>
@@ -6182,6 +5297,2280 @@
           <p:childTnLst>
             <p:seq>
               <p:cTn id="2" dur="indefinite" nodeType="mainSeq"/>
+              <p:prevCondLst>
+                <p:cond delay="0" evt="onPrev">
+                  <p:tgtEl>
+                    <p:sldTgt/>
+                  </p:tgtEl>
+                </p:cond>
+              </p:prevCondLst>
+              <p:nextCondLst>
+                <p:cond delay="0" evt="onNext">
+                  <p:tgtEl>
+                    <p:sldTgt/>
+                  </p:tgtEl>
+                </p:cond>
+              </p:nextCondLst>
+            </p:seq>
+          </p:childTnLst>
+        </p:cTn>
+      </p:par>
+    </p:tnLst>
+  </p:timing>
+</p:sld>
+</file>
+
+<file path=ppt/slides/slide10.xml><?xml version="1.0" encoding="utf-8"?>
+<p:sld xmlns:a="http://schemas.openxmlformats.org/drawingml/2006/main" xmlns:p="http://schemas.openxmlformats.org/presentationml/2006/main" xmlns:r="http://schemas.openxmlformats.org/officeDocument/2006/relationships" xmlns:p14="http://schemas.microsoft.com/office/powerpoint/2010/main" xmlns:p15="http://schemas.microsoft.com/office/powerpoint/2012/main" xmlns:mc="http://schemas.openxmlformats.org/markup-compatibility/2006">
+  <p:cSld>
+    <p:spTree>
+      <p:nvGrpSpPr>
+        <p:cNvPr id="1" name=""/>
+        <p:cNvGrpSpPr/>
+        <p:nvPr/>
+      </p:nvGrpSpPr>
+      <p:grpSpPr>
+        <a:xfrm>
+          <a:off x="0" y="0"/>
+          <a:ext cx="0" cy="0"/>
+          <a:chOff x="0" y="0"/>
+          <a:chExt cx="0" cy="0"/>
+        </a:xfrm>
+      </p:grpSpPr>
+      <p:sp>
+        <p:nvSpPr>
+          <p:cNvPr id="164" name="CustomShape 1"/>
+          <p:cNvSpPr/>
+          <p:nvPr/>
+        </p:nvSpPr>
+        <p:spPr>
+          <a:xfrm>
+            <a:off x="544680" y="573120"/>
+            <a:ext cx="10738440" cy="698760"/>
+          </a:xfrm>
+          <a:prstGeom prst="rect">
+            <a:avLst/>
+          </a:prstGeom>
+          <a:noFill/>
+          <a:ln>
+            <a:noFill/>
+          </a:ln>
+        </p:spPr>
+        <p:style>
+          <a:lnRef idx="0"/>
+          <a:fillRef idx="0"/>
+          <a:effectRef idx="0"/>
+          <a:fontRef idx="minor"/>
+        </p:style>
+        <p:txBody>
+          <a:bodyPr wrap="none" lIns="90000" rIns="90000" tIns="45000" bIns="45000"/>
+          <a:p>
+            <a:pPr algn="ctr">
+              <a:lnSpc>
+                <a:spcPct val="100000"/>
+              </a:lnSpc>
+            </a:pPr>
+            <a:r>
+              <a:rPr b="0" lang="en-GB" sz="4000" spc="-1" strike="noStrike">
+                <a:solidFill>
+                  <a:srgbClr val="000000"/>
+                </a:solidFill>
+                <a:latin typeface="Arial"/>
+                <a:ea typeface="DejaVu Sans"/>
+              </a:rPr>
+              <a:t>On va te présenter 15 paires de mots à la suite</a:t>
+            </a:r>
+            <a:endParaRPr b="0" lang="en-GB" sz="4000" spc="-1" strike="noStrike">
+              <a:latin typeface="Arial"/>
+            </a:endParaRPr>
+          </a:p>
+        </p:txBody>
+      </p:sp>
+      <p:sp>
+        <p:nvSpPr>
+          <p:cNvPr id="165" name="CustomShape 2"/>
+          <p:cNvSpPr/>
+          <p:nvPr/>
+        </p:nvSpPr>
+        <p:spPr>
+          <a:xfrm>
+            <a:off x="1671840" y="5653800"/>
+            <a:ext cx="8328960" cy="622800"/>
+          </a:xfrm>
+          <a:prstGeom prst="rect">
+            <a:avLst/>
+          </a:prstGeom>
+          <a:noFill/>
+          <a:ln>
+            <a:noFill/>
+          </a:ln>
+        </p:spPr>
+        <p:style>
+          <a:lnRef idx="0"/>
+          <a:fillRef idx="0"/>
+          <a:effectRef idx="0"/>
+          <a:fontRef idx="minor"/>
+        </p:style>
+        <p:txBody>
+          <a:bodyPr wrap="none" lIns="90000" rIns="90000" tIns="45000" bIns="45000"/>
+          <a:p>
+            <a:pPr algn="ctr">
+              <a:lnSpc>
+                <a:spcPct val="100000"/>
+              </a:lnSpc>
+            </a:pPr>
+            <a:r>
+              <a:rPr b="0" lang="en-GB" sz="3500" spc="-1" strike="noStrike">
+                <a:solidFill>
+                  <a:srgbClr val="000000"/>
+                </a:solidFill>
+                <a:latin typeface="Arial"/>
+                <a:ea typeface="DejaVu Sans"/>
+              </a:rPr>
+              <a:t>Appuie sur une touche pour commencer !</a:t>
+            </a:r>
+            <a:endParaRPr b="0" lang="en-GB" sz="3500" spc="-1" strike="noStrike">
+              <a:latin typeface="Arial"/>
+            </a:endParaRPr>
+          </a:p>
+        </p:txBody>
+      </p:sp>
+      <p:sp>
+        <p:nvSpPr>
+          <p:cNvPr id="166" name="CustomShape 3"/>
+          <p:cNvSpPr/>
+          <p:nvPr/>
+        </p:nvSpPr>
+        <p:spPr>
+          <a:xfrm>
+            <a:off x="1020240" y="1758600"/>
+            <a:ext cx="9787320" cy="622800"/>
+          </a:xfrm>
+          <a:prstGeom prst="rect">
+            <a:avLst/>
+          </a:prstGeom>
+          <a:noFill/>
+          <a:ln>
+            <a:noFill/>
+          </a:ln>
+        </p:spPr>
+        <p:style>
+          <a:lnRef idx="0"/>
+          <a:fillRef idx="0"/>
+          <a:effectRef idx="0"/>
+          <a:fontRef idx="minor"/>
+        </p:style>
+        <p:txBody>
+          <a:bodyPr wrap="none" lIns="90000" rIns="90000" tIns="45000" bIns="45000"/>
+          <a:p>
+            <a:pPr algn="ctr">
+              <a:lnSpc>
+                <a:spcPct val="100000"/>
+              </a:lnSpc>
+            </a:pPr>
+            <a:r>
+              <a:rPr b="0" lang="en-GB" sz="3500" spc="-1" strike="noStrike">
+                <a:solidFill>
+                  <a:srgbClr val="000000"/>
+                </a:solidFill>
+                <a:latin typeface="Arial"/>
+                <a:ea typeface="DejaVu Sans"/>
+              </a:rPr>
+              <a:t>Essaye de retenir la traduction de tous les mots !</a:t>
+            </a:r>
+            <a:endParaRPr b="0" lang="en-GB" sz="3500" spc="-1" strike="noStrike">
+              <a:latin typeface="Arial"/>
+            </a:endParaRPr>
+          </a:p>
+        </p:txBody>
+      </p:sp>
+      <p:sp>
+        <p:nvSpPr>
+          <p:cNvPr id="167" name="CustomShape 4"/>
+          <p:cNvSpPr/>
+          <p:nvPr/>
+        </p:nvSpPr>
+        <p:spPr>
+          <a:xfrm>
+            <a:off x="1449720" y="3183120"/>
+            <a:ext cx="8773920" cy="1156320"/>
+          </a:xfrm>
+          <a:prstGeom prst="rect">
+            <a:avLst/>
+          </a:prstGeom>
+          <a:noFill/>
+          <a:ln>
+            <a:noFill/>
+          </a:ln>
+        </p:spPr>
+        <p:style>
+          <a:lnRef idx="0"/>
+          <a:fillRef idx="0"/>
+          <a:effectRef idx="0"/>
+          <a:fontRef idx="minor"/>
+        </p:style>
+        <p:txBody>
+          <a:bodyPr wrap="none" lIns="90000" rIns="90000" tIns="45000" bIns="45000"/>
+          <a:p>
+            <a:pPr algn="ctr">
+              <a:lnSpc>
+                <a:spcPct val="100000"/>
+              </a:lnSpc>
+            </a:pPr>
+            <a:r>
+              <a:rPr b="0" lang="en-GB" sz="3500" spc="-1" strike="noStrike">
+                <a:solidFill>
+                  <a:srgbClr val="000000"/>
+                </a:solidFill>
+                <a:latin typeface="Arial"/>
+                <a:ea typeface="DejaVu Sans"/>
+              </a:rPr>
+              <a:t>Plus tard, on te donnera le mot Hongrois et </a:t>
+            </a:r>
+            <a:endParaRPr b="0" lang="en-GB" sz="3500" spc="-1" strike="noStrike">
+              <a:latin typeface="Arial"/>
+            </a:endParaRPr>
+          </a:p>
+          <a:p>
+            <a:pPr algn="ctr">
+              <a:lnSpc>
+                <a:spcPct val="100000"/>
+              </a:lnSpc>
+            </a:pPr>
+            <a:r>
+              <a:rPr b="0" lang="en-GB" sz="3500" spc="-1" strike="noStrike">
+                <a:solidFill>
+                  <a:srgbClr val="000000"/>
+                </a:solidFill>
+                <a:latin typeface="Arial"/>
+                <a:ea typeface="DejaVu Sans"/>
+              </a:rPr>
+              <a:t>tu devras écrire la traduction en français</a:t>
+            </a:r>
+            <a:endParaRPr b="0" lang="en-GB" sz="3500" spc="-1" strike="noStrike">
+              <a:latin typeface="Arial"/>
+            </a:endParaRPr>
+          </a:p>
+        </p:txBody>
+      </p:sp>
+    </p:spTree>
+  </p:cSld>
+</p:sld>
+</file>
+
+<file path=ppt/slides/slide11.xml><?xml version="1.0" encoding="utf-8"?>
+<p:sld xmlns:a="http://schemas.openxmlformats.org/drawingml/2006/main" xmlns:p="http://schemas.openxmlformats.org/presentationml/2006/main" xmlns:r="http://schemas.openxmlformats.org/officeDocument/2006/relationships" xmlns:p14="http://schemas.microsoft.com/office/powerpoint/2010/main" xmlns:p15="http://schemas.microsoft.com/office/powerpoint/2012/main" xmlns:mc="http://schemas.openxmlformats.org/markup-compatibility/2006">
+  <p:cSld>
+    <p:spTree>
+      <p:nvGrpSpPr>
+        <p:cNvPr id="1" name=""/>
+        <p:cNvGrpSpPr/>
+        <p:nvPr/>
+      </p:nvGrpSpPr>
+      <p:grpSpPr>
+        <a:xfrm>
+          <a:off x="0" y="0"/>
+          <a:ext cx="0" cy="0"/>
+          <a:chOff x="0" y="0"/>
+          <a:chExt cx="0" cy="0"/>
+        </a:xfrm>
+      </p:grpSpPr>
+      <p:sp>
+        <p:nvSpPr>
+          <p:cNvPr id="168" name="CustomShape 1"/>
+          <p:cNvSpPr/>
+          <p:nvPr/>
+        </p:nvSpPr>
+        <p:spPr>
+          <a:xfrm>
+            <a:off x="544680" y="573120"/>
+            <a:ext cx="10738440" cy="698760"/>
+          </a:xfrm>
+          <a:prstGeom prst="rect">
+            <a:avLst/>
+          </a:prstGeom>
+          <a:noFill/>
+          <a:ln>
+            <a:noFill/>
+          </a:ln>
+        </p:spPr>
+        <p:style>
+          <a:lnRef idx="0"/>
+          <a:fillRef idx="0"/>
+          <a:effectRef idx="0"/>
+          <a:fontRef idx="minor"/>
+        </p:style>
+        <p:txBody>
+          <a:bodyPr wrap="none" lIns="90000" rIns="90000" tIns="45000" bIns="45000"/>
+          <a:p>
+            <a:pPr algn="ctr">
+              <a:lnSpc>
+                <a:spcPct val="100000"/>
+              </a:lnSpc>
+            </a:pPr>
+            <a:r>
+              <a:rPr b="0" lang="en-GB" sz="4000" spc="-1" strike="noStrike">
+                <a:solidFill>
+                  <a:srgbClr val="000000"/>
+                </a:solidFill>
+                <a:latin typeface="Arial"/>
+                <a:ea typeface="DejaVu Sans"/>
+              </a:rPr>
+              <a:t>On va te présenter 40 paires de mots à la suite</a:t>
+            </a:r>
+            <a:endParaRPr b="0" lang="en-GB" sz="4000" spc="-1" strike="noStrike">
+              <a:latin typeface="Arial"/>
+            </a:endParaRPr>
+          </a:p>
+        </p:txBody>
+      </p:sp>
+      <p:sp>
+        <p:nvSpPr>
+          <p:cNvPr id="169" name="CustomShape 2"/>
+          <p:cNvSpPr/>
+          <p:nvPr/>
+        </p:nvSpPr>
+        <p:spPr>
+          <a:xfrm>
+            <a:off x="1671840" y="5653800"/>
+            <a:ext cx="8328960" cy="622800"/>
+          </a:xfrm>
+          <a:prstGeom prst="rect">
+            <a:avLst/>
+          </a:prstGeom>
+          <a:noFill/>
+          <a:ln>
+            <a:noFill/>
+          </a:ln>
+        </p:spPr>
+        <p:style>
+          <a:lnRef idx="0"/>
+          <a:fillRef idx="0"/>
+          <a:effectRef idx="0"/>
+          <a:fontRef idx="minor"/>
+        </p:style>
+        <p:txBody>
+          <a:bodyPr wrap="none" lIns="90000" rIns="90000" tIns="45000" bIns="45000"/>
+          <a:p>
+            <a:pPr algn="ctr">
+              <a:lnSpc>
+                <a:spcPct val="100000"/>
+              </a:lnSpc>
+            </a:pPr>
+            <a:r>
+              <a:rPr b="0" lang="en-GB" sz="3500" spc="-1" strike="noStrike">
+                <a:solidFill>
+                  <a:srgbClr val="000000"/>
+                </a:solidFill>
+                <a:latin typeface="Arial"/>
+                <a:ea typeface="DejaVu Sans"/>
+              </a:rPr>
+              <a:t>Appuie sur une touche pour commencer !</a:t>
+            </a:r>
+            <a:endParaRPr b="0" lang="en-GB" sz="3500" spc="-1" strike="noStrike">
+              <a:latin typeface="Arial"/>
+            </a:endParaRPr>
+          </a:p>
+        </p:txBody>
+      </p:sp>
+      <p:sp>
+        <p:nvSpPr>
+          <p:cNvPr id="170" name="CustomShape 3"/>
+          <p:cNvSpPr/>
+          <p:nvPr/>
+        </p:nvSpPr>
+        <p:spPr>
+          <a:xfrm>
+            <a:off x="1020240" y="1758600"/>
+            <a:ext cx="9787320" cy="622800"/>
+          </a:xfrm>
+          <a:prstGeom prst="rect">
+            <a:avLst/>
+          </a:prstGeom>
+          <a:noFill/>
+          <a:ln>
+            <a:noFill/>
+          </a:ln>
+        </p:spPr>
+        <p:style>
+          <a:lnRef idx="0"/>
+          <a:fillRef idx="0"/>
+          <a:effectRef idx="0"/>
+          <a:fontRef idx="minor"/>
+        </p:style>
+        <p:txBody>
+          <a:bodyPr wrap="none" lIns="90000" rIns="90000" tIns="45000" bIns="45000"/>
+          <a:p>
+            <a:pPr algn="ctr">
+              <a:lnSpc>
+                <a:spcPct val="100000"/>
+              </a:lnSpc>
+            </a:pPr>
+            <a:r>
+              <a:rPr b="0" lang="en-GB" sz="3500" spc="-1" strike="noStrike">
+                <a:solidFill>
+                  <a:srgbClr val="000000"/>
+                </a:solidFill>
+                <a:latin typeface="Arial"/>
+                <a:ea typeface="DejaVu Sans"/>
+              </a:rPr>
+              <a:t>Essaye de retenir la traduction de tous les mots !</a:t>
+            </a:r>
+            <a:endParaRPr b="0" lang="en-GB" sz="3500" spc="-1" strike="noStrike">
+              <a:latin typeface="Arial"/>
+            </a:endParaRPr>
+          </a:p>
+        </p:txBody>
+      </p:sp>
+      <p:sp>
+        <p:nvSpPr>
+          <p:cNvPr id="171" name="CustomShape 4"/>
+          <p:cNvSpPr/>
+          <p:nvPr/>
+        </p:nvSpPr>
+        <p:spPr>
+          <a:xfrm>
+            <a:off x="1449720" y="3183120"/>
+            <a:ext cx="8773920" cy="1156320"/>
+          </a:xfrm>
+          <a:prstGeom prst="rect">
+            <a:avLst/>
+          </a:prstGeom>
+          <a:noFill/>
+          <a:ln>
+            <a:noFill/>
+          </a:ln>
+        </p:spPr>
+        <p:style>
+          <a:lnRef idx="0"/>
+          <a:fillRef idx="0"/>
+          <a:effectRef idx="0"/>
+          <a:fontRef idx="minor"/>
+        </p:style>
+        <p:txBody>
+          <a:bodyPr wrap="none" lIns="90000" rIns="90000" tIns="45000" bIns="45000"/>
+          <a:p>
+            <a:pPr algn="ctr">
+              <a:lnSpc>
+                <a:spcPct val="100000"/>
+              </a:lnSpc>
+            </a:pPr>
+            <a:r>
+              <a:rPr b="0" lang="en-GB" sz="3500" spc="-1" strike="noStrike">
+                <a:solidFill>
+                  <a:srgbClr val="000000"/>
+                </a:solidFill>
+                <a:latin typeface="Arial"/>
+                <a:ea typeface="DejaVu Sans"/>
+              </a:rPr>
+              <a:t>Plus tard, on te donnera le mot Hongrois et </a:t>
+            </a:r>
+            <a:endParaRPr b="0" lang="en-GB" sz="3500" spc="-1" strike="noStrike">
+              <a:latin typeface="Arial"/>
+            </a:endParaRPr>
+          </a:p>
+          <a:p>
+            <a:pPr algn="ctr">
+              <a:lnSpc>
+                <a:spcPct val="100000"/>
+              </a:lnSpc>
+            </a:pPr>
+            <a:r>
+              <a:rPr b="0" lang="en-GB" sz="3500" spc="-1" strike="noStrike">
+                <a:solidFill>
+                  <a:srgbClr val="000000"/>
+                </a:solidFill>
+                <a:latin typeface="Arial"/>
+                <a:ea typeface="DejaVu Sans"/>
+              </a:rPr>
+              <a:t>tu devras écrire la traduction en français</a:t>
+            </a:r>
+            <a:endParaRPr b="0" lang="en-GB" sz="3500" spc="-1" strike="noStrike">
+              <a:latin typeface="Arial"/>
+            </a:endParaRPr>
+          </a:p>
+        </p:txBody>
+      </p:sp>
+    </p:spTree>
+  </p:cSld>
+</p:sld>
+</file>
+
+<file path=ppt/slides/slide12.xml><?xml version="1.0" encoding="utf-8"?>
+<p:sld xmlns:a="http://schemas.openxmlformats.org/drawingml/2006/main" xmlns:p="http://schemas.openxmlformats.org/presentationml/2006/main" xmlns:r="http://schemas.openxmlformats.org/officeDocument/2006/relationships" xmlns:p14="http://schemas.microsoft.com/office/powerpoint/2010/main" xmlns:p15="http://schemas.microsoft.com/office/powerpoint/2012/main" xmlns:mc="http://schemas.openxmlformats.org/markup-compatibility/2006">
+  <p:cSld>
+    <p:spTree>
+      <p:nvGrpSpPr>
+        <p:cNvPr id="1" name=""/>
+        <p:cNvGrpSpPr/>
+        <p:nvPr/>
+      </p:nvGrpSpPr>
+      <p:grpSpPr>
+        <a:xfrm>
+          <a:off x="0" y="0"/>
+          <a:ext cx="0" cy="0"/>
+          <a:chOff x="0" y="0"/>
+          <a:chExt cx="0" cy="0"/>
+        </a:xfrm>
+      </p:grpSpPr>
+      <p:sp>
+        <p:nvSpPr>
+          <p:cNvPr id="172" name="CustomShape 1"/>
+          <p:cNvSpPr/>
+          <p:nvPr/>
+        </p:nvSpPr>
+        <p:spPr>
+          <a:xfrm>
+            <a:off x="2952000" y="3176640"/>
+            <a:ext cx="1478520" cy="698760"/>
+          </a:xfrm>
+          <a:prstGeom prst="rect">
+            <a:avLst/>
+          </a:prstGeom>
+          <a:noFill/>
+          <a:ln>
+            <a:noFill/>
+          </a:ln>
+        </p:spPr>
+        <p:style>
+          <a:lnRef idx="0"/>
+          <a:fillRef idx="0"/>
+          <a:effectRef idx="0"/>
+          <a:fontRef idx="minor"/>
+        </p:style>
+        <p:txBody>
+          <a:bodyPr wrap="none" lIns="90000" rIns="90000" tIns="45000" bIns="45000"/>
+          <a:p>
+            <a:pPr algn="ctr">
+              <a:lnSpc>
+                <a:spcPct val="100000"/>
+              </a:lnSpc>
+            </a:pPr>
+            <a:r>
+              <a:rPr b="0" lang="en-GB" sz="4000" spc="-1" strike="noStrike">
+                <a:solidFill>
+                  <a:srgbClr val="000000"/>
+                </a:solidFill>
+                <a:latin typeface="Arial"/>
+                <a:ea typeface="DejaVu Sans"/>
+              </a:rPr>
+              <a:t>Vonat</a:t>
+            </a:r>
+            <a:endParaRPr b="0" lang="en-GB" sz="4000" spc="-1" strike="noStrike">
+              <a:latin typeface="Arial"/>
+            </a:endParaRPr>
+          </a:p>
+        </p:txBody>
+      </p:sp>
+      <p:sp>
+        <p:nvSpPr>
+          <p:cNvPr id="173" name="CustomShape 2"/>
+          <p:cNvSpPr/>
+          <p:nvPr/>
+        </p:nvSpPr>
+        <p:spPr>
+          <a:xfrm>
+            <a:off x="5347800" y="3253680"/>
+            <a:ext cx="440640" cy="622800"/>
+          </a:xfrm>
+          <a:prstGeom prst="rect">
+            <a:avLst/>
+          </a:prstGeom>
+          <a:noFill/>
+          <a:ln>
+            <a:noFill/>
+          </a:ln>
+        </p:spPr>
+        <p:style>
+          <a:lnRef idx="0"/>
+          <a:fillRef idx="0"/>
+          <a:effectRef idx="0"/>
+          <a:fontRef idx="minor"/>
+        </p:style>
+        <p:txBody>
+          <a:bodyPr wrap="none" lIns="90000" rIns="90000" tIns="45000" bIns="45000"/>
+          <a:p>
+            <a:pPr algn="ctr">
+              <a:lnSpc>
+                <a:spcPct val="100000"/>
+              </a:lnSpc>
+            </a:pPr>
+            <a:r>
+              <a:rPr b="0" lang="en-GB" sz="3500" spc="-1" strike="noStrike">
+                <a:solidFill>
+                  <a:srgbClr val="000000"/>
+                </a:solidFill>
+                <a:latin typeface="Arial"/>
+                <a:ea typeface="DejaVu Sans"/>
+              </a:rPr>
+              <a:t>=</a:t>
+            </a:r>
+            <a:endParaRPr b="0" lang="en-GB" sz="3500" spc="-1" strike="noStrike">
+              <a:latin typeface="Arial"/>
+            </a:endParaRPr>
+          </a:p>
+        </p:txBody>
+      </p:sp>
+      <p:sp>
+        <p:nvSpPr>
+          <p:cNvPr id="174" name="CustomShape 3"/>
+          <p:cNvSpPr/>
+          <p:nvPr/>
+        </p:nvSpPr>
+        <p:spPr>
+          <a:xfrm>
+            <a:off x="6598080" y="3176640"/>
+            <a:ext cx="1316880" cy="698760"/>
+          </a:xfrm>
+          <a:prstGeom prst="rect">
+            <a:avLst/>
+          </a:prstGeom>
+          <a:noFill/>
+          <a:ln>
+            <a:noFill/>
+          </a:ln>
+        </p:spPr>
+        <p:style>
+          <a:lnRef idx="0"/>
+          <a:fillRef idx="0"/>
+          <a:effectRef idx="0"/>
+          <a:fontRef idx="minor"/>
+        </p:style>
+        <p:txBody>
+          <a:bodyPr wrap="none" lIns="90000" rIns="90000" tIns="45000" bIns="45000"/>
+          <a:p>
+            <a:pPr algn="ctr">
+              <a:lnSpc>
+                <a:spcPct val="100000"/>
+              </a:lnSpc>
+            </a:pPr>
+            <a:r>
+              <a:rPr b="0" lang="en-GB" sz="4000" spc="-1" strike="noStrike">
+                <a:solidFill>
+                  <a:srgbClr val="000000"/>
+                </a:solidFill>
+                <a:latin typeface="Arial"/>
+                <a:ea typeface="DejaVu Sans"/>
+              </a:rPr>
+              <a:t>Train</a:t>
+            </a:r>
+            <a:endParaRPr b="0" lang="en-GB" sz="4000" spc="-1" strike="noStrike">
+              <a:latin typeface="Arial"/>
+            </a:endParaRPr>
+          </a:p>
+        </p:txBody>
+      </p:sp>
+      <p:sp>
+        <p:nvSpPr>
+          <p:cNvPr id="175" name="CustomShape 4"/>
+          <p:cNvSpPr/>
+          <p:nvPr/>
+        </p:nvSpPr>
+        <p:spPr>
+          <a:xfrm>
+            <a:off x="3587400" y="1259640"/>
+            <a:ext cx="3884760" cy="622800"/>
+          </a:xfrm>
+          <a:prstGeom prst="rect">
+            <a:avLst/>
+          </a:prstGeom>
+          <a:noFill/>
+          <a:ln>
+            <a:noFill/>
+          </a:ln>
+        </p:spPr>
+        <p:style>
+          <a:lnRef idx="0"/>
+          <a:fillRef idx="0"/>
+          <a:effectRef idx="0"/>
+          <a:fontRef idx="minor"/>
+        </p:style>
+        <p:txBody>
+          <a:bodyPr wrap="none" lIns="90000" rIns="90000" tIns="45000" bIns="45000"/>
+          <a:p>
+            <a:pPr algn="ctr">
+              <a:lnSpc>
+                <a:spcPct val="100000"/>
+              </a:lnSpc>
+            </a:pPr>
+            <a:r>
+              <a:rPr b="0" lang="en-GB" sz="3500" spc="-1" strike="noStrike">
+                <a:solidFill>
+                  <a:srgbClr val="000000"/>
+                </a:solidFill>
+                <a:latin typeface="Arial"/>
+                <a:ea typeface="DejaVu Sans"/>
+              </a:rPr>
+              <a:t>Essaye de retenir !</a:t>
+            </a:r>
+            <a:endParaRPr b="0" lang="en-GB" sz="3500" spc="-1" strike="noStrike">
+              <a:latin typeface="Arial"/>
+            </a:endParaRPr>
+          </a:p>
+        </p:txBody>
+      </p:sp>
+    </p:spTree>
+  </p:cSld>
+  <p:timing>
+    <p:tnLst>
+      <p:par>
+        <p:cTn id="13" dur="indefinite" restart="never" nodeType="tmRoot">
+          <p:childTnLst>
+            <p:seq>
+              <p:cTn id="14" dur="indefinite" nodeType="mainSeq"/>
+              <p:prevCondLst>
+                <p:cond delay="0" evt="onPrev">
+                  <p:tgtEl>
+                    <p:sldTgt/>
+                  </p:tgtEl>
+                </p:cond>
+              </p:prevCondLst>
+              <p:nextCondLst>
+                <p:cond delay="0" evt="onNext">
+                  <p:tgtEl>
+                    <p:sldTgt/>
+                  </p:tgtEl>
+                </p:cond>
+              </p:nextCondLst>
+            </p:seq>
+          </p:childTnLst>
+        </p:cTn>
+      </p:par>
+    </p:tnLst>
+  </p:timing>
+</p:sld>
+</file>
+
+<file path=ppt/slides/slide13.xml><?xml version="1.0" encoding="utf-8"?>
+<p:sld xmlns:a="http://schemas.openxmlformats.org/drawingml/2006/main" xmlns:p="http://schemas.openxmlformats.org/presentationml/2006/main" xmlns:r="http://schemas.openxmlformats.org/officeDocument/2006/relationships" xmlns:p14="http://schemas.microsoft.com/office/powerpoint/2010/main" xmlns:p15="http://schemas.microsoft.com/office/powerpoint/2012/main" xmlns:mc="http://schemas.openxmlformats.org/markup-compatibility/2006">
+  <p:cSld>
+    <p:spTree>
+      <p:nvGrpSpPr>
+        <p:cNvPr id="1" name=""/>
+        <p:cNvGrpSpPr/>
+        <p:nvPr/>
+      </p:nvGrpSpPr>
+      <p:grpSpPr>
+        <a:xfrm>
+          <a:off x="0" y="0"/>
+          <a:ext cx="0" cy="0"/>
+          <a:chOff x="0" y="0"/>
+          <a:chExt cx="0" cy="0"/>
+        </a:xfrm>
+      </p:grpSpPr>
+      <p:sp>
+        <p:nvSpPr>
+          <p:cNvPr id="176" name="CustomShape 1"/>
+          <p:cNvSpPr/>
+          <p:nvPr/>
+        </p:nvSpPr>
+        <p:spPr>
+          <a:xfrm>
+            <a:off x="3535920" y="206640"/>
+            <a:ext cx="4669560" cy="698760"/>
+          </a:xfrm>
+          <a:prstGeom prst="rect">
+            <a:avLst/>
+          </a:prstGeom>
+          <a:noFill/>
+          <a:ln>
+            <a:noFill/>
+          </a:ln>
+        </p:spPr>
+        <p:style>
+          <a:lnRef idx="0"/>
+          <a:fillRef idx="0"/>
+          <a:effectRef idx="0"/>
+          <a:fontRef idx="minor"/>
+        </p:style>
+        <p:txBody>
+          <a:bodyPr wrap="none" lIns="90000" rIns="90000" tIns="45000" bIns="45000"/>
+          <a:p>
+            <a:pPr algn="ctr">
+              <a:lnSpc>
+                <a:spcPct val="100000"/>
+              </a:lnSpc>
+            </a:pPr>
+            <a:r>
+              <a:rPr b="0" lang="en-GB" sz="4000" spc="-1" strike="noStrike">
+                <a:solidFill>
+                  <a:srgbClr val="000000"/>
+                </a:solidFill>
+                <a:latin typeface="Arial"/>
+                <a:ea typeface="DejaVu Sans"/>
+              </a:rPr>
+              <a:t>Bravo ! Tu as réussi</a:t>
+            </a:r>
+            <a:endParaRPr b="0" lang="en-GB" sz="4000" spc="-1" strike="noStrike">
+              <a:latin typeface="Arial"/>
+            </a:endParaRPr>
+          </a:p>
+        </p:txBody>
+      </p:sp>
+      <p:sp>
+        <p:nvSpPr>
+          <p:cNvPr id="177" name="CustomShape 2"/>
+          <p:cNvSpPr/>
+          <p:nvPr/>
+        </p:nvSpPr>
+        <p:spPr>
+          <a:xfrm>
+            <a:off x="3948480" y="1280880"/>
+            <a:ext cx="1153800" cy="546120"/>
+          </a:xfrm>
+          <a:prstGeom prst="rect">
+            <a:avLst/>
+          </a:prstGeom>
+          <a:noFill/>
+          <a:ln>
+            <a:noFill/>
+          </a:ln>
+        </p:spPr>
+        <p:style>
+          <a:lnRef idx="0"/>
+          <a:fillRef idx="0"/>
+          <a:effectRef idx="0"/>
+          <a:fontRef idx="minor"/>
+        </p:style>
+        <p:txBody>
+          <a:bodyPr wrap="none" lIns="90000" rIns="90000" tIns="45000" bIns="45000"/>
+          <a:p>
+            <a:pPr algn="ctr">
+              <a:lnSpc>
+                <a:spcPct val="100000"/>
+              </a:lnSpc>
+            </a:pPr>
+            <a:r>
+              <a:rPr b="0" lang="en-GB" sz="3000" spc="-1" strike="noStrike">
+                <a:solidFill>
+                  <a:srgbClr val="000000"/>
+                </a:solidFill>
+                <a:latin typeface="Arial"/>
+                <a:ea typeface="DejaVu Sans"/>
+              </a:rPr>
+              <a:t>Vonat</a:t>
+            </a:r>
+            <a:endParaRPr b="0" lang="en-GB" sz="3000" spc="-1" strike="noStrike">
+              <a:latin typeface="Arial"/>
+            </a:endParaRPr>
+          </a:p>
+        </p:txBody>
+      </p:sp>
+      <p:sp>
+        <p:nvSpPr>
+          <p:cNvPr id="178" name="CustomShape 3"/>
+          <p:cNvSpPr/>
+          <p:nvPr/>
+        </p:nvSpPr>
+        <p:spPr>
+          <a:xfrm>
+            <a:off x="6606360" y="1280880"/>
+            <a:ext cx="1033560" cy="546120"/>
+          </a:xfrm>
+          <a:prstGeom prst="rect">
+            <a:avLst/>
+          </a:prstGeom>
+          <a:noFill/>
+          <a:ln>
+            <a:noFill/>
+          </a:ln>
+        </p:spPr>
+        <p:style>
+          <a:lnRef idx="0"/>
+          <a:fillRef idx="0"/>
+          <a:effectRef idx="0"/>
+          <a:fontRef idx="minor"/>
+        </p:style>
+        <p:txBody>
+          <a:bodyPr wrap="none" lIns="90000" rIns="90000" tIns="45000" bIns="45000"/>
+          <a:p>
+            <a:pPr algn="ctr">
+              <a:lnSpc>
+                <a:spcPct val="100000"/>
+              </a:lnSpc>
+            </a:pPr>
+            <a:r>
+              <a:rPr b="0" lang="en-GB" sz="3000" spc="-1" strike="noStrike">
+                <a:solidFill>
+                  <a:srgbClr val="000000"/>
+                </a:solidFill>
+                <a:latin typeface="Arial"/>
+                <a:ea typeface="DejaVu Sans"/>
+              </a:rPr>
+              <a:t>Train</a:t>
+            </a:r>
+            <a:endParaRPr b="0" lang="en-GB" sz="3000" spc="-1" strike="noStrike">
+              <a:latin typeface="Arial"/>
+            </a:endParaRPr>
+          </a:p>
+        </p:txBody>
+      </p:sp>
+      <p:sp>
+        <p:nvSpPr>
+          <p:cNvPr id="179" name="CustomShape 4"/>
+          <p:cNvSpPr/>
+          <p:nvPr/>
+        </p:nvSpPr>
+        <p:spPr>
+          <a:xfrm>
+            <a:off x="5686200" y="1280880"/>
+            <a:ext cx="402480" cy="546120"/>
+          </a:xfrm>
+          <a:prstGeom prst="rect">
+            <a:avLst/>
+          </a:prstGeom>
+          <a:noFill/>
+          <a:ln>
+            <a:noFill/>
+          </a:ln>
+        </p:spPr>
+        <p:style>
+          <a:lnRef idx="0"/>
+          <a:fillRef idx="0"/>
+          <a:effectRef idx="0"/>
+          <a:fontRef idx="minor"/>
+        </p:style>
+        <p:txBody>
+          <a:bodyPr wrap="none" lIns="90000" rIns="90000" tIns="45000" bIns="45000"/>
+          <a:p>
+            <a:pPr algn="ctr">
+              <a:lnSpc>
+                <a:spcPct val="100000"/>
+              </a:lnSpc>
+            </a:pPr>
+            <a:r>
+              <a:rPr b="0" lang="en-GB" sz="3000" spc="-1" strike="noStrike">
+                <a:solidFill>
+                  <a:srgbClr val="000000"/>
+                </a:solidFill>
+                <a:latin typeface="Arial"/>
+                <a:ea typeface="DejaVu Sans"/>
+              </a:rPr>
+              <a:t>=</a:t>
+            </a:r>
+            <a:endParaRPr b="0" lang="en-GB" sz="3000" spc="-1" strike="noStrike">
+              <a:latin typeface="Arial"/>
+            </a:endParaRPr>
+          </a:p>
+        </p:txBody>
+      </p:sp>
+      <p:sp>
+        <p:nvSpPr>
+          <p:cNvPr id="180" name="CustomShape 5"/>
+          <p:cNvSpPr/>
+          <p:nvPr/>
+        </p:nvSpPr>
+        <p:spPr>
+          <a:xfrm>
+            <a:off x="3446640" y="2112840"/>
+            <a:ext cx="5033880" cy="698760"/>
+          </a:xfrm>
+          <a:prstGeom prst="rect">
+            <a:avLst/>
+          </a:prstGeom>
+          <a:noFill/>
+          <a:ln>
+            <a:noFill/>
+          </a:ln>
+        </p:spPr>
+        <p:style>
+          <a:lnRef idx="0"/>
+          <a:fillRef idx="0"/>
+          <a:effectRef idx="0"/>
+          <a:fontRef idx="minor"/>
+        </p:style>
+        <p:txBody>
+          <a:bodyPr wrap="none" lIns="90000" rIns="90000" tIns="45000" bIns="45000"/>
+          <a:p>
+            <a:pPr algn="ctr">
+              <a:lnSpc>
+                <a:spcPct val="100000"/>
+              </a:lnSpc>
+            </a:pPr>
+            <a:r>
+              <a:rPr b="0" lang="en-GB" sz="4000" spc="-1" strike="noStrike">
+                <a:solidFill>
+                  <a:srgbClr val="000000"/>
+                </a:solidFill>
+                <a:latin typeface="Arial"/>
+                <a:ea typeface="DejaVu Sans"/>
+              </a:rPr>
+              <a:t>Que souhaiterais-tu ?</a:t>
+            </a:r>
+            <a:endParaRPr b="0" lang="en-GB" sz="4000" spc="-1" strike="noStrike">
+              <a:latin typeface="Arial"/>
+            </a:endParaRPr>
+          </a:p>
+        </p:txBody>
+      </p:sp>
+      <p:sp>
+        <p:nvSpPr>
+          <p:cNvPr id="181" name="CustomShape 6"/>
+          <p:cNvSpPr/>
+          <p:nvPr/>
+        </p:nvSpPr>
+        <p:spPr>
+          <a:xfrm>
+            <a:off x="833400" y="3191760"/>
+            <a:ext cx="7371720" cy="546120"/>
+          </a:xfrm>
+          <a:prstGeom prst="rect">
+            <a:avLst/>
+          </a:prstGeom>
+          <a:noFill/>
+          <a:ln>
+            <a:noFill/>
+          </a:ln>
+        </p:spPr>
+        <p:style>
+          <a:lnRef idx="0"/>
+          <a:fillRef idx="0"/>
+          <a:effectRef idx="0"/>
+          <a:fontRef idx="minor"/>
+        </p:style>
+        <p:txBody>
+          <a:bodyPr wrap="none" lIns="90000" rIns="90000" tIns="45000" bIns="45000"/>
+          <a:p>
+            <a:pPr algn="ctr">
+              <a:lnSpc>
+                <a:spcPct val="100000"/>
+              </a:lnSpc>
+            </a:pPr>
+            <a:r>
+              <a:rPr b="0" lang="en-GB" sz="3000" spc="-1" strike="noStrike">
+                <a:solidFill>
+                  <a:srgbClr val="000000"/>
+                </a:solidFill>
+                <a:latin typeface="Arial"/>
+                <a:ea typeface="DejaVu Sans"/>
+              </a:rPr>
+              <a:t>1- Je veux revoir la paire de mots plus tard</a:t>
+            </a:r>
+            <a:endParaRPr b="0" lang="en-GB" sz="3000" spc="-1" strike="noStrike">
+              <a:latin typeface="Arial"/>
+            </a:endParaRPr>
+          </a:p>
+        </p:txBody>
+      </p:sp>
+      <p:sp>
+        <p:nvSpPr>
+          <p:cNvPr id="182" name="CustomShape 7"/>
+          <p:cNvSpPr/>
+          <p:nvPr/>
+        </p:nvSpPr>
+        <p:spPr>
+          <a:xfrm>
+            <a:off x="837360" y="4023720"/>
+            <a:ext cx="7920360" cy="546120"/>
+          </a:xfrm>
+          <a:prstGeom prst="rect">
+            <a:avLst/>
+          </a:prstGeom>
+          <a:noFill/>
+          <a:ln>
+            <a:noFill/>
+          </a:ln>
+        </p:spPr>
+        <p:style>
+          <a:lnRef idx="0"/>
+          <a:fillRef idx="0"/>
+          <a:effectRef idx="0"/>
+          <a:fontRef idx="minor"/>
+        </p:style>
+        <p:txBody>
+          <a:bodyPr wrap="none" lIns="90000" rIns="90000" tIns="45000" bIns="45000"/>
+          <a:p>
+            <a:pPr algn="ctr">
+              <a:lnSpc>
+                <a:spcPct val="100000"/>
+              </a:lnSpc>
+            </a:pPr>
+            <a:r>
+              <a:rPr b="0" lang="en-GB" sz="3000" spc="-1" strike="noStrike">
+                <a:solidFill>
+                  <a:srgbClr val="000000"/>
+                </a:solidFill>
+                <a:latin typeface="Arial"/>
+                <a:ea typeface="DejaVu Sans"/>
+              </a:rPr>
+              <a:t>2- Je veux me re-tester avec la paire plus tard</a:t>
+            </a:r>
+            <a:endParaRPr b="0" lang="en-GB" sz="3000" spc="-1" strike="noStrike">
+              <a:latin typeface="Arial"/>
+            </a:endParaRPr>
+          </a:p>
+        </p:txBody>
+      </p:sp>
+      <p:sp>
+        <p:nvSpPr>
+          <p:cNvPr id="183" name="CustomShape 8"/>
+          <p:cNvSpPr/>
+          <p:nvPr/>
+        </p:nvSpPr>
+        <p:spPr>
+          <a:xfrm>
+            <a:off x="838800" y="4855680"/>
+            <a:ext cx="8258760" cy="546120"/>
+          </a:xfrm>
+          <a:prstGeom prst="rect">
+            <a:avLst/>
+          </a:prstGeom>
+          <a:noFill/>
+          <a:ln>
+            <a:noFill/>
+          </a:ln>
+        </p:spPr>
+        <p:style>
+          <a:lnRef idx="0"/>
+          <a:fillRef idx="0"/>
+          <a:effectRef idx="0"/>
+          <a:fontRef idx="minor"/>
+        </p:style>
+        <p:txBody>
+          <a:bodyPr wrap="none" lIns="90000" rIns="90000" tIns="45000" bIns="45000"/>
+          <a:p>
+            <a:pPr algn="ctr">
+              <a:lnSpc>
+                <a:spcPct val="100000"/>
+              </a:lnSpc>
+            </a:pPr>
+            <a:r>
+              <a:rPr b="0" lang="en-GB" sz="3000" spc="-1" strike="noStrike">
+                <a:solidFill>
+                  <a:srgbClr val="000000"/>
+                </a:solidFill>
+                <a:latin typeface="Arial"/>
+                <a:ea typeface="DejaVu Sans"/>
+              </a:rPr>
+              <a:t>3- Je ne veux pas revoir la paire ni me re-tester </a:t>
+            </a:r>
+            <a:endParaRPr b="0" lang="en-GB" sz="3000" spc="-1" strike="noStrike">
+              <a:latin typeface="Arial"/>
+            </a:endParaRPr>
+          </a:p>
+        </p:txBody>
+      </p:sp>
+      <p:sp>
+        <p:nvSpPr>
+          <p:cNvPr id="184" name="CustomShape 9"/>
+          <p:cNvSpPr/>
+          <p:nvPr/>
+        </p:nvSpPr>
+        <p:spPr>
+          <a:xfrm>
+            <a:off x="3855240" y="5780880"/>
+            <a:ext cx="4473000" cy="546120"/>
+          </a:xfrm>
+          <a:prstGeom prst="rect">
+            <a:avLst/>
+          </a:prstGeom>
+          <a:noFill/>
+          <a:ln>
+            <a:noFill/>
+          </a:ln>
+        </p:spPr>
+        <p:style>
+          <a:lnRef idx="0"/>
+          <a:fillRef idx="0"/>
+          <a:effectRef idx="0"/>
+          <a:fontRef idx="minor"/>
+        </p:style>
+        <p:txBody>
+          <a:bodyPr wrap="none" lIns="90000" rIns="90000" tIns="45000" bIns="45000"/>
+          <a:p>
+            <a:pPr algn="ctr">
+              <a:lnSpc>
+                <a:spcPct val="100000"/>
+              </a:lnSpc>
+            </a:pPr>
+            <a:r>
+              <a:rPr b="0" lang="en-GB" sz="3000" spc="-1" strike="noStrike">
+                <a:solidFill>
+                  <a:srgbClr val="000000"/>
+                </a:solidFill>
+                <a:latin typeface="Arial"/>
+                <a:ea typeface="DejaVu Sans"/>
+              </a:rPr>
+              <a:t>Tape ton choix (1, 2 ou 3)</a:t>
+            </a:r>
+            <a:endParaRPr b="0" lang="en-GB" sz="3000" spc="-1" strike="noStrike">
+              <a:latin typeface="Arial"/>
+            </a:endParaRPr>
+          </a:p>
+        </p:txBody>
+      </p:sp>
+    </p:spTree>
+  </p:cSld>
+  <p:timing>
+    <p:tnLst>
+      <p:par>
+        <p:cTn id="15" dur="indefinite" restart="never" nodeType="tmRoot">
+          <p:childTnLst>
+            <p:seq>
+              <p:cTn id="16" dur="indefinite" nodeType="mainSeq"/>
+              <p:prevCondLst>
+                <p:cond delay="0" evt="onPrev">
+                  <p:tgtEl>
+                    <p:sldTgt/>
+                  </p:tgtEl>
+                </p:cond>
+              </p:prevCondLst>
+              <p:nextCondLst>
+                <p:cond delay="0" evt="onNext">
+                  <p:tgtEl>
+                    <p:sldTgt/>
+                  </p:tgtEl>
+                </p:cond>
+              </p:nextCondLst>
+            </p:seq>
+          </p:childTnLst>
+        </p:cTn>
+      </p:par>
+    </p:tnLst>
+  </p:timing>
+</p:sld>
+</file>
+
+<file path=ppt/slides/slide14.xml><?xml version="1.0" encoding="utf-8"?>
+<p:sld xmlns:a="http://schemas.openxmlformats.org/drawingml/2006/main" xmlns:p="http://schemas.openxmlformats.org/presentationml/2006/main" xmlns:r="http://schemas.openxmlformats.org/officeDocument/2006/relationships" xmlns:p14="http://schemas.microsoft.com/office/powerpoint/2010/main" xmlns:p15="http://schemas.microsoft.com/office/powerpoint/2012/main" xmlns:mc="http://schemas.openxmlformats.org/markup-compatibility/2006">
+  <p:cSld>
+    <p:spTree>
+      <p:nvGrpSpPr>
+        <p:cNvPr id="1" name=""/>
+        <p:cNvGrpSpPr/>
+        <p:nvPr/>
+      </p:nvGrpSpPr>
+      <p:grpSpPr>
+        <a:xfrm>
+          <a:off x="0" y="0"/>
+          <a:ext cx="0" cy="0"/>
+          <a:chOff x="0" y="0"/>
+          <a:chExt cx="0" cy="0"/>
+        </a:xfrm>
+      </p:grpSpPr>
+      <p:sp>
+        <p:nvSpPr>
+          <p:cNvPr id="185" name="CustomShape 1"/>
+          <p:cNvSpPr/>
+          <p:nvPr/>
+        </p:nvSpPr>
+        <p:spPr>
+          <a:xfrm>
+            <a:off x="3535560" y="206640"/>
+            <a:ext cx="4669560" cy="698760"/>
+          </a:xfrm>
+          <a:prstGeom prst="rect">
+            <a:avLst/>
+          </a:prstGeom>
+          <a:noFill/>
+          <a:ln>
+            <a:noFill/>
+          </a:ln>
+        </p:spPr>
+        <p:style>
+          <a:lnRef idx="0"/>
+          <a:fillRef idx="0"/>
+          <a:effectRef idx="0"/>
+          <a:fontRef idx="minor"/>
+        </p:style>
+        <p:txBody>
+          <a:bodyPr wrap="none" lIns="90000" rIns="90000" tIns="45000" bIns="45000"/>
+          <a:p>
+            <a:pPr algn="ctr">
+              <a:lnSpc>
+                <a:spcPct val="100000"/>
+              </a:lnSpc>
+            </a:pPr>
+            <a:r>
+              <a:rPr b="0" lang="en-GB" sz="4000" spc="-1" strike="noStrike">
+                <a:solidFill>
+                  <a:srgbClr val="000000"/>
+                </a:solidFill>
+                <a:latin typeface="Arial"/>
+                <a:ea typeface="DejaVu Sans"/>
+              </a:rPr>
+              <a:t>Bravo ! Tu as réussi</a:t>
+            </a:r>
+            <a:endParaRPr b="0" lang="en-GB" sz="4000" spc="-1" strike="noStrike">
+              <a:latin typeface="Arial"/>
+            </a:endParaRPr>
+          </a:p>
+        </p:txBody>
+      </p:sp>
+      <p:sp>
+        <p:nvSpPr>
+          <p:cNvPr id="186" name="CustomShape 2"/>
+          <p:cNvSpPr/>
+          <p:nvPr/>
+        </p:nvSpPr>
+        <p:spPr>
+          <a:xfrm>
+            <a:off x="5685840" y="1280880"/>
+            <a:ext cx="402480" cy="546120"/>
+          </a:xfrm>
+          <a:prstGeom prst="rect">
+            <a:avLst/>
+          </a:prstGeom>
+          <a:noFill/>
+          <a:ln>
+            <a:noFill/>
+          </a:ln>
+        </p:spPr>
+        <p:style>
+          <a:lnRef idx="0"/>
+          <a:fillRef idx="0"/>
+          <a:effectRef idx="0"/>
+          <a:fontRef idx="minor"/>
+        </p:style>
+        <p:txBody>
+          <a:bodyPr wrap="none" lIns="90000" rIns="90000" tIns="45000" bIns="45000"/>
+          <a:p>
+            <a:pPr algn="ctr">
+              <a:lnSpc>
+                <a:spcPct val="100000"/>
+              </a:lnSpc>
+            </a:pPr>
+            <a:r>
+              <a:rPr b="0" lang="en-GB" sz="3000" spc="-1" strike="noStrike">
+                <a:solidFill>
+                  <a:srgbClr val="000000"/>
+                </a:solidFill>
+                <a:latin typeface="Arial"/>
+                <a:ea typeface="DejaVu Sans"/>
+              </a:rPr>
+              <a:t>=</a:t>
+            </a:r>
+            <a:endParaRPr b="0" lang="en-GB" sz="3000" spc="-1" strike="noStrike">
+              <a:latin typeface="Arial"/>
+            </a:endParaRPr>
+          </a:p>
+        </p:txBody>
+      </p:sp>
+      <p:sp>
+        <p:nvSpPr>
+          <p:cNvPr id="187" name="CustomShape 3"/>
+          <p:cNvSpPr/>
+          <p:nvPr/>
+        </p:nvSpPr>
+        <p:spPr>
+          <a:xfrm>
+            <a:off x="3446280" y="2112840"/>
+            <a:ext cx="5033880" cy="698760"/>
+          </a:xfrm>
+          <a:prstGeom prst="rect">
+            <a:avLst/>
+          </a:prstGeom>
+          <a:noFill/>
+          <a:ln>
+            <a:noFill/>
+          </a:ln>
+        </p:spPr>
+        <p:style>
+          <a:lnRef idx="0"/>
+          <a:fillRef idx="0"/>
+          <a:effectRef idx="0"/>
+          <a:fontRef idx="minor"/>
+        </p:style>
+        <p:txBody>
+          <a:bodyPr wrap="none" lIns="90000" rIns="90000" tIns="45000" bIns="45000"/>
+          <a:p>
+            <a:pPr algn="ctr">
+              <a:lnSpc>
+                <a:spcPct val="100000"/>
+              </a:lnSpc>
+            </a:pPr>
+            <a:r>
+              <a:rPr b="0" lang="en-GB" sz="4000" spc="-1" strike="noStrike">
+                <a:solidFill>
+                  <a:srgbClr val="000000"/>
+                </a:solidFill>
+                <a:latin typeface="Arial"/>
+                <a:ea typeface="DejaVu Sans"/>
+              </a:rPr>
+              <a:t>Que souhaiterais-tu ?</a:t>
+            </a:r>
+            <a:endParaRPr b="0" lang="en-GB" sz="4000" spc="-1" strike="noStrike">
+              <a:latin typeface="Arial"/>
+            </a:endParaRPr>
+          </a:p>
+        </p:txBody>
+      </p:sp>
+      <p:sp>
+        <p:nvSpPr>
+          <p:cNvPr id="188" name="CustomShape 4"/>
+          <p:cNvSpPr/>
+          <p:nvPr/>
+        </p:nvSpPr>
+        <p:spPr>
+          <a:xfrm>
+            <a:off x="833040" y="3191760"/>
+            <a:ext cx="7371720" cy="546120"/>
+          </a:xfrm>
+          <a:prstGeom prst="rect">
+            <a:avLst/>
+          </a:prstGeom>
+          <a:noFill/>
+          <a:ln>
+            <a:noFill/>
+          </a:ln>
+        </p:spPr>
+        <p:style>
+          <a:lnRef idx="0"/>
+          <a:fillRef idx="0"/>
+          <a:effectRef idx="0"/>
+          <a:fontRef idx="minor"/>
+        </p:style>
+        <p:txBody>
+          <a:bodyPr wrap="none" lIns="90000" rIns="90000" tIns="45000" bIns="45000"/>
+          <a:p>
+            <a:pPr algn="ctr">
+              <a:lnSpc>
+                <a:spcPct val="100000"/>
+              </a:lnSpc>
+            </a:pPr>
+            <a:r>
+              <a:rPr b="0" lang="en-GB" sz="3000" spc="-1" strike="noStrike">
+                <a:solidFill>
+                  <a:srgbClr val="000000"/>
+                </a:solidFill>
+                <a:latin typeface="Arial"/>
+                <a:ea typeface="DejaVu Sans"/>
+              </a:rPr>
+              <a:t>1- Je veux revoir la paire de mots plus tard</a:t>
+            </a:r>
+            <a:endParaRPr b="0" lang="en-GB" sz="3000" spc="-1" strike="noStrike">
+              <a:latin typeface="Arial"/>
+            </a:endParaRPr>
+          </a:p>
+        </p:txBody>
+      </p:sp>
+      <p:sp>
+        <p:nvSpPr>
+          <p:cNvPr id="189" name="CustomShape 5"/>
+          <p:cNvSpPr/>
+          <p:nvPr/>
+        </p:nvSpPr>
+        <p:spPr>
+          <a:xfrm>
+            <a:off x="837000" y="4023720"/>
+            <a:ext cx="7920360" cy="546120"/>
+          </a:xfrm>
+          <a:prstGeom prst="rect">
+            <a:avLst/>
+          </a:prstGeom>
+          <a:noFill/>
+          <a:ln>
+            <a:noFill/>
+          </a:ln>
+        </p:spPr>
+        <p:style>
+          <a:lnRef idx="0"/>
+          <a:fillRef idx="0"/>
+          <a:effectRef idx="0"/>
+          <a:fontRef idx="minor"/>
+        </p:style>
+        <p:txBody>
+          <a:bodyPr wrap="none" lIns="90000" rIns="90000" tIns="45000" bIns="45000"/>
+          <a:p>
+            <a:pPr algn="ctr">
+              <a:lnSpc>
+                <a:spcPct val="100000"/>
+              </a:lnSpc>
+            </a:pPr>
+            <a:r>
+              <a:rPr b="0" lang="en-GB" sz="3000" spc="-1" strike="noStrike">
+                <a:solidFill>
+                  <a:srgbClr val="000000"/>
+                </a:solidFill>
+                <a:latin typeface="Arial"/>
+                <a:ea typeface="DejaVu Sans"/>
+              </a:rPr>
+              <a:t>2- Je veux me re-tester avec la paire plus tard</a:t>
+            </a:r>
+            <a:endParaRPr b="0" lang="en-GB" sz="3000" spc="-1" strike="noStrike">
+              <a:latin typeface="Arial"/>
+            </a:endParaRPr>
+          </a:p>
+        </p:txBody>
+      </p:sp>
+      <p:sp>
+        <p:nvSpPr>
+          <p:cNvPr id="190" name="CustomShape 6"/>
+          <p:cNvSpPr/>
+          <p:nvPr/>
+        </p:nvSpPr>
+        <p:spPr>
+          <a:xfrm>
+            <a:off x="838440" y="4855680"/>
+            <a:ext cx="8258760" cy="546120"/>
+          </a:xfrm>
+          <a:prstGeom prst="rect">
+            <a:avLst/>
+          </a:prstGeom>
+          <a:noFill/>
+          <a:ln>
+            <a:noFill/>
+          </a:ln>
+        </p:spPr>
+        <p:style>
+          <a:lnRef idx="0"/>
+          <a:fillRef idx="0"/>
+          <a:effectRef idx="0"/>
+          <a:fontRef idx="minor"/>
+        </p:style>
+        <p:txBody>
+          <a:bodyPr wrap="none" lIns="90000" rIns="90000" tIns="45000" bIns="45000"/>
+          <a:p>
+            <a:pPr algn="ctr">
+              <a:lnSpc>
+                <a:spcPct val="100000"/>
+              </a:lnSpc>
+            </a:pPr>
+            <a:r>
+              <a:rPr b="0" lang="en-GB" sz="3000" spc="-1" strike="noStrike">
+                <a:solidFill>
+                  <a:srgbClr val="000000"/>
+                </a:solidFill>
+                <a:latin typeface="Arial"/>
+                <a:ea typeface="DejaVu Sans"/>
+              </a:rPr>
+              <a:t>3- Je ne veux pas revoir la paire ni me re-tester </a:t>
+            </a:r>
+            <a:endParaRPr b="0" lang="en-GB" sz="3000" spc="-1" strike="noStrike">
+              <a:latin typeface="Arial"/>
+            </a:endParaRPr>
+          </a:p>
+        </p:txBody>
+      </p:sp>
+      <p:sp>
+        <p:nvSpPr>
+          <p:cNvPr id="191" name="CustomShape 7"/>
+          <p:cNvSpPr/>
+          <p:nvPr/>
+        </p:nvSpPr>
+        <p:spPr>
+          <a:xfrm>
+            <a:off x="3854880" y="5780880"/>
+            <a:ext cx="4473000" cy="546120"/>
+          </a:xfrm>
+          <a:prstGeom prst="rect">
+            <a:avLst/>
+          </a:prstGeom>
+          <a:noFill/>
+          <a:ln>
+            <a:noFill/>
+          </a:ln>
+        </p:spPr>
+        <p:style>
+          <a:lnRef idx="0"/>
+          <a:fillRef idx="0"/>
+          <a:effectRef idx="0"/>
+          <a:fontRef idx="minor"/>
+        </p:style>
+        <p:txBody>
+          <a:bodyPr wrap="none" lIns="90000" rIns="90000" tIns="45000" bIns="45000"/>
+          <a:p>
+            <a:pPr algn="ctr">
+              <a:lnSpc>
+                <a:spcPct val="100000"/>
+              </a:lnSpc>
+            </a:pPr>
+            <a:r>
+              <a:rPr b="0" lang="en-GB" sz="3000" spc="-1" strike="noStrike">
+                <a:solidFill>
+                  <a:srgbClr val="000000"/>
+                </a:solidFill>
+                <a:latin typeface="Arial"/>
+                <a:ea typeface="DejaVu Sans"/>
+              </a:rPr>
+              <a:t>Tape ton choix (1, 2 ou 3)</a:t>
+            </a:r>
+            <a:endParaRPr b="0" lang="en-GB" sz="3000" spc="-1" strike="noStrike">
+              <a:latin typeface="Arial"/>
+            </a:endParaRPr>
+          </a:p>
+        </p:txBody>
+      </p:sp>
+    </p:spTree>
+  </p:cSld>
+</p:sld>
+</file>
+
+<file path=ppt/slides/slide15.xml><?xml version="1.0" encoding="utf-8"?>
+<p:sld xmlns:a="http://schemas.openxmlformats.org/drawingml/2006/main" xmlns:p="http://schemas.openxmlformats.org/presentationml/2006/main" xmlns:r="http://schemas.openxmlformats.org/officeDocument/2006/relationships" xmlns:p14="http://schemas.microsoft.com/office/powerpoint/2010/main" xmlns:p15="http://schemas.microsoft.com/office/powerpoint/2012/main" xmlns:mc="http://schemas.openxmlformats.org/markup-compatibility/2006">
+  <p:cSld>
+    <p:spTree>
+      <p:nvGrpSpPr>
+        <p:cNvPr id="1" name=""/>
+        <p:cNvGrpSpPr/>
+        <p:nvPr/>
+      </p:nvGrpSpPr>
+      <p:grpSpPr>
+        <a:xfrm>
+          <a:off x="0" y="0"/>
+          <a:ext cx="0" cy="0"/>
+          <a:chOff x="0" y="0"/>
+          <a:chExt cx="0" cy="0"/>
+        </a:xfrm>
+      </p:grpSpPr>
+      <p:sp>
+        <p:nvSpPr>
+          <p:cNvPr id="192" name="CustomShape 1"/>
+          <p:cNvSpPr/>
+          <p:nvPr/>
+        </p:nvSpPr>
+        <p:spPr>
+          <a:xfrm>
+            <a:off x="3535560" y="206640"/>
+            <a:ext cx="4669560" cy="698760"/>
+          </a:xfrm>
+          <a:prstGeom prst="rect">
+            <a:avLst/>
+          </a:prstGeom>
+          <a:noFill/>
+          <a:ln>
+            <a:noFill/>
+          </a:ln>
+        </p:spPr>
+        <p:style>
+          <a:lnRef idx="0"/>
+          <a:fillRef idx="0"/>
+          <a:effectRef idx="0"/>
+          <a:fontRef idx="minor"/>
+        </p:style>
+        <p:txBody>
+          <a:bodyPr wrap="none" lIns="90000" rIns="90000" tIns="45000" bIns="45000"/>
+          <a:p>
+            <a:pPr algn="ctr">
+              <a:lnSpc>
+                <a:spcPct val="100000"/>
+              </a:lnSpc>
+            </a:pPr>
+            <a:r>
+              <a:rPr b="0" lang="en-GB" sz="4000" spc="-1" strike="noStrike">
+                <a:solidFill>
+                  <a:srgbClr val="000000"/>
+                </a:solidFill>
+                <a:latin typeface="Arial"/>
+                <a:ea typeface="DejaVu Sans"/>
+              </a:rPr>
+              <a:t>Bravo ! Tu as réussi</a:t>
+            </a:r>
+            <a:endParaRPr b="0" lang="en-GB" sz="4000" spc="-1" strike="noStrike">
+              <a:latin typeface="Arial"/>
+            </a:endParaRPr>
+          </a:p>
+        </p:txBody>
+      </p:sp>
+      <p:sp>
+        <p:nvSpPr>
+          <p:cNvPr id="193" name="CustomShape 2"/>
+          <p:cNvSpPr/>
+          <p:nvPr/>
+        </p:nvSpPr>
+        <p:spPr>
+          <a:xfrm>
+            <a:off x="5685840" y="1280880"/>
+            <a:ext cx="402480" cy="546120"/>
+          </a:xfrm>
+          <a:prstGeom prst="rect">
+            <a:avLst/>
+          </a:prstGeom>
+          <a:noFill/>
+          <a:ln>
+            <a:noFill/>
+          </a:ln>
+        </p:spPr>
+        <p:style>
+          <a:lnRef idx="0"/>
+          <a:fillRef idx="0"/>
+          <a:effectRef idx="0"/>
+          <a:fontRef idx="minor"/>
+        </p:style>
+        <p:txBody>
+          <a:bodyPr wrap="none" lIns="90000" rIns="90000" tIns="45000" bIns="45000"/>
+          <a:p>
+            <a:pPr algn="ctr">
+              <a:lnSpc>
+                <a:spcPct val="100000"/>
+              </a:lnSpc>
+            </a:pPr>
+            <a:r>
+              <a:rPr b="0" lang="en-GB" sz="3000" spc="-1" strike="noStrike">
+                <a:solidFill>
+                  <a:srgbClr val="000000"/>
+                </a:solidFill>
+                <a:latin typeface="Arial"/>
+                <a:ea typeface="DejaVu Sans"/>
+              </a:rPr>
+              <a:t>=</a:t>
+            </a:r>
+            <a:endParaRPr b="0" lang="en-GB" sz="3000" spc="-1" strike="noStrike">
+              <a:latin typeface="Arial"/>
+            </a:endParaRPr>
+          </a:p>
+        </p:txBody>
+      </p:sp>
+      <p:sp>
+        <p:nvSpPr>
+          <p:cNvPr id="194" name="CustomShape 3"/>
+          <p:cNvSpPr/>
+          <p:nvPr/>
+        </p:nvSpPr>
+        <p:spPr>
+          <a:xfrm>
+            <a:off x="3446280" y="2112840"/>
+            <a:ext cx="5033880" cy="698760"/>
+          </a:xfrm>
+          <a:prstGeom prst="rect">
+            <a:avLst/>
+          </a:prstGeom>
+          <a:noFill/>
+          <a:ln>
+            <a:noFill/>
+          </a:ln>
+        </p:spPr>
+        <p:style>
+          <a:lnRef idx="0"/>
+          <a:fillRef idx="0"/>
+          <a:effectRef idx="0"/>
+          <a:fontRef idx="minor"/>
+        </p:style>
+        <p:txBody>
+          <a:bodyPr wrap="none" lIns="90000" rIns="90000" tIns="45000" bIns="45000"/>
+          <a:p>
+            <a:pPr algn="ctr">
+              <a:lnSpc>
+                <a:spcPct val="100000"/>
+              </a:lnSpc>
+            </a:pPr>
+            <a:r>
+              <a:rPr b="0" lang="en-GB" sz="4000" spc="-1" strike="noStrike">
+                <a:solidFill>
+                  <a:srgbClr val="000000"/>
+                </a:solidFill>
+                <a:latin typeface="Arial"/>
+                <a:ea typeface="DejaVu Sans"/>
+              </a:rPr>
+              <a:t>Que souhaiterais-tu ?</a:t>
+            </a:r>
+            <a:endParaRPr b="0" lang="en-GB" sz="4000" spc="-1" strike="noStrike">
+              <a:latin typeface="Arial"/>
+            </a:endParaRPr>
+          </a:p>
+        </p:txBody>
+      </p:sp>
+      <p:sp>
+        <p:nvSpPr>
+          <p:cNvPr id="195" name="CustomShape 4"/>
+          <p:cNvSpPr/>
+          <p:nvPr/>
+        </p:nvSpPr>
+        <p:spPr>
+          <a:xfrm>
+            <a:off x="833040" y="3191760"/>
+            <a:ext cx="7371720" cy="546120"/>
+          </a:xfrm>
+          <a:prstGeom prst="rect">
+            <a:avLst/>
+          </a:prstGeom>
+          <a:noFill/>
+          <a:ln>
+            <a:noFill/>
+          </a:ln>
+        </p:spPr>
+        <p:style>
+          <a:lnRef idx="0"/>
+          <a:fillRef idx="0"/>
+          <a:effectRef idx="0"/>
+          <a:fontRef idx="minor"/>
+        </p:style>
+        <p:txBody>
+          <a:bodyPr wrap="none" lIns="90000" rIns="90000" tIns="45000" bIns="45000"/>
+          <a:p>
+            <a:pPr algn="ctr">
+              <a:lnSpc>
+                <a:spcPct val="100000"/>
+              </a:lnSpc>
+            </a:pPr>
+            <a:r>
+              <a:rPr b="0" lang="en-GB" sz="3000" spc="-1" strike="noStrike">
+                <a:solidFill>
+                  <a:srgbClr val="000000"/>
+                </a:solidFill>
+                <a:latin typeface="Arial"/>
+                <a:ea typeface="DejaVu Sans"/>
+              </a:rPr>
+              <a:t>1- Je veux revoir la paire de mots plus tard</a:t>
+            </a:r>
+            <a:endParaRPr b="0" lang="en-GB" sz="3000" spc="-1" strike="noStrike">
+              <a:latin typeface="Arial"/>
+            </a:endParaRPr>
+          </a:p>
+        </p:txBody>
+      </p:sp>
+      <p:sp>
+        <p:nvSpPr>
+          <p:cNvPr id="196" name="CustomShape 5"/>
+          <p:cNvSpPr/>
+          <p:nvPr/>
+        </p:nvSpPr>
+        <p:spPr>
+          <a:xfrm>
+            <a:off x="837000" y="4023720"/>
+            <a:ext cx="7920360" cy="546120"/>
+          </a:xfrm>
+          <a:prstGeom prst="rect">
+            <a:avLst/>
+          </a:prstGeom>
+          <a:noFill/>
+          <a:ln>
+            <a:noFill/>
+          </a:ln>
+        </p:spPr>
+        <p:style>
+          <a:lnRef idx="0"/>
+          <a:fillRef idx="0"/>
+          <a:effectRef idx="0"/>
+          <a:fontRef idx="minor"/>
+        </p:style>
+        <p:txBody>
+          <a:bodyPr wrap="none" lIns="90000" rIns="90000" tIns="45000" bIns="45000"/>
+          <a:p>
+            <a:pPr algn="ctr">
+              <a:lnSpc>
+                <a:spcPct val="100000"/>
+              </a:lnSpc>
+            </a:pPr>
+            <a:r>
+              <a:rPr b="0" lang="en-GB" sz="3000" spc="-1" strike="noStrike">
+                <a:solidFill>
+                  <a:srgbClr val="000000"/>
+                </a:solidFill>
+                <a:latin typeface="Arial"/>
+                <a:ea typeface="DejaVu Sans"/>
+              </a:rPr>
+              <a:t>2- Je veux me re-tester avec la paire plus tard</a:t>
+            </a:r>
+            <a:endParaRPr b="0" lang="en-GB" sz="3000" spc="-1" strike="noStrike">
+              <a:latin typeface="Arial"/>
+            </a:endParaRPr>
+          </a:p>
+        </p:txBody>
+      </p:sp>
+      <p:sp>
+        <p:nvSpPr>
+          <p:cNvPr id="197" name="CustomShape 6"/>
+          <p:cNvSpPr/>
+          <p:nvPr/>
+        </p:nvSpPr>
+        <p:spPr>
+          <a:xfrm>
+            <a:off x="838440" y="4855680"/>
+            <a:ext cx="8258760" cy="546120"/>
+          </a:xfrm>
+          <a:prstGeom prst="rect">
+            <a:avLst/>
+          </a:prstGeom>
+          <a:noFill/>
+          <a:ln>
+            <a:noFill/>
+          </a:ln>
+        </p:spPr>
+        <p:style>
+          <a:lnRef idx="0"/>
+          <a:fillRef idx="0"/>
+          <a:effectRef idx="0"/>
+          <a:fontRef idx="minor"/>
+        </p:style>
+        <p:txBody>
+          <a:bodyPr wrap="none" lIns="90000" rIns="90000" tIns="45000" bIns="45000"/>
+          <a:p>
+            <a:pPr algn="ctr">
+              <a:lnSpc>
+                <a:spcPct val="100000"/>
+              </a:lnSpc>
+            </a:pPr>
+            <a:r>
+              <a:rPr b="0" lang="en-GB" sz="3000" spc="-1" strike="noStrike">
+                <a:solidFill>
+                  <a:srgbClr val="000000"/>
+                </a:solidFill>
+                <a:latin typeface="Arial"/>
+                <a:ea typeface="DejaVu Sans"/>
+              </a:rPr>
+              <a:t>3- Je ne veux pas revoir la paire ni me re-tester </a:t>
+            </a:r>
+            <a:endParaRPr b="0" lang="en-GB" sz="3000" spc="-1" strike="noStrike">
+              <a:latin typeface="Arial"/>
+            </a:endParaRPr>
+          </a:p>
+        </p:txBody>
+      </p:sp>
+      <p:sp>
+        <p:nvSpPr>
+          <p:cNvPr id="198" name="CustomShape 7"/>
+          <p:cNvSpPr/>
+          <p:nvPr/>
+        </p:nvSpPr>
+        <p:spPr>
+          <a:xfrm>
+            <a:off x="3854880" y="5780880"/>
+            <a:ext cx="4473000" cy="546120"/>
+          </a:xfrm>
+          <a:prstGeom prst="rect">
+            <a:avLst/>
+          </a:prstGeom>
+          <a:noFill/>
+          <a:ln>
+            <a:noFill/>
+          </a:ln>
+        </p:spPr>
+        <p:style>
+          <a:lnRef idx="0"/>
+          <a:fillRef idx="0"/>
+          <a:effectRef idx="0"/>
+          <a:fontRef idx="minor"/>
+        </p:style>
+        <p:txBody>
+          <a:bodyPr wrap="none" lIns="90000" rIns="90000" tIns="45000" bIns="45000"/>
+          <a:p>
+            <a:pPr algn="ctr">
+              <a:lnSpc>
+                <a:spcPct val="100000"/>
+              </a:lnSpc>
+            </a:pPr>
+            <a:r>
+              <a:rPr b="0" lang="en-GB" sz="3000" spc="-1" strike="noStrike">
+                <a:solidFill>
+                  <a:srgbClr val="000000"/>
+                </a:solidFill>
+                <a:latin typeface="Arial"/>
+                <a:ea typeface="DejaVu Sans"/>
+              </a:rPr>
+              <a:t>Tape ton choix (1, 2 ou 3)</a:t>
+            </a:r>
+            <a:endParaRPr b="0" lang="en-GB" sz="3000" spc="-1" strike="noStrike">
+              <a:latin typeface="Arial"/>
+            </a:endParaRPr>
+          </a:p>
+        </p:txBody>
+      </p:sp>
+    </p:spTree>
+  </p:cSld>
+</p:sld>
+</file>
+
+<file path=ppt/slides/slide16.xml><?xml version="1.0" encoding="utf-8"?>
+<p:sld xmlns:a="http://schemas.openxmlformats.org/drawingml/2006/main" xmlns:p="http://schemas.openxmlformats.org/presentationml/2006/main" xmlns:r="http://schemas.openxmlformats.org/officeDocument/2006/relationships" xmlns:p14="http://schemas.microsoft.com/office/powerpoint/2010/main" xmlns:p15="http://schemas.microsoft.com/office/powerpoint/2012/main" xmlns:mc="http://schemas.openxmlformats.org/markup-compatibility/2006">
+  <p:cSld>
+    <p:spTree>
+      <p:nvGrpSpPr>
+        <p:cNvPr id="1" name=""/>
+        <p:cNvGrpSpPr/>
+        <p:nvPr/>
+      </p:nvGrpSpPr>
+      <p:grpSpPr>
+        <a:xfrm>
+          <a:off x="0" y="0"/>
+          <a:ext cx="0" cy="0"/>
+          <a:chOff x="0" y="0"/>
+          <a:chExt cx="0" cy="0"/>
+        </a:xfrm>
+      </p:grpSpPr>
+      <p:sp>
+        <p:nvSpPr>
+          <p:cNvPr id="199" name="CustomShape 1"/>
+          <p:cNvSpPr/>
+          <p:nvPr/>
+        </p:nvSpPr>
+        <p:spPr>
+          <a:xfrm>
+            <a:off x="838080" y="365040"/>
+            <a:ext cx="10514160" cy="1324080"/>
+          </a:xfrm>
+          <a:prstGeom prst="rect">
+            <a:avLst/>
+          </a:prstGeom>
+          <a:noFill/>
+          <a:ln>
+            <a:noFill/>
+          </a:ln>
+        </p:spPr>
+        <p:style>
+          <a:lnRef idx="0"/>
+          <a:fillRef idx="0"/>
+          <a:effectRef idx="0"/>
+          <a:fontRef idx="minor"/>
+        </p:style>
+      </p:sp>
+      <p:sp>
+        <p:nvSpPr>
+          <p:cNvPr id="200" name="CustomShape 2"/>
+          <p:cNvSpPr/>
+          <p:nvPr/>
+        </p:nvSpPr>
+        <p:spPr>
+          <a:xfrm>
+            <a:off x="838080" y="1825560"/>
+            <a:ext cx="3384720" cy="2073960"/>
+          </a:xfrm>
+          <a:prstGeom prst="rect">
+            <a:avLst/>
+          </a:prstGeom>
+          <a:noFill/>
+          <a:ln>
+            <a:noFill/>
+          </a:ln>
+        </p:spPr>
+        <p:style>
+          <a:lnRef idx="0"/>
+          <a:fillRef idx="0"/>
+          <a:effectRef idx="0"/>
+          <a:fontRef idx="minor"/>
+        </p:style>
+      </p:sp>
+      <p:sp>
+        <p:nvSpPr>
+          <p:cNvPr id="201" name="CustomShape 3"/>
+          <p:cNvSpPr/>
+          <p:nvPr/>
+        </p:nvSpPr>
+        <p:spPr>
+          <a:xfrm>
+            <a:off x="4393440" y="1825560"/>
+            <a:ext cx="3384720" cy="2073960"/>
+          </a:xfrm>
+          <a:prstGeom prst="rect">
+            <a:avLst/>
+          </a:prstGeom>
+          <a:noFill/>
+          <a:ln>
+            <a:noFill/>
+          </a:ln>
+        </p:spPr>
+        <p:style>
+          <a:lnRef idx="0"/>
+          <a:fillRef idx="0"/>
+          <a:effectRef idx="0"/>
+          <a:fontRef idx="minor"/>
+        </p:style>
+      </p:sp>
+      <p:sp>
+        <p:nvSpPr>
+          <p:cNvPr id="202" name="CustomShape 4"/>
+          <p:cNvSpPr/>
+          <p:nvPr/>
+        </p:nvSpPr>
+        <p:spPr>
+          <a:xfrm>
+            <a:off x="7949160" y="1825560"/>
+            <a:ext cx="3384720" cy="2073960"/>
+          </a:xfrm>
+          <a:prstGeom prst="rect">
+            <a:avLst/>
+          </a:prstGeom>
+          <a:noFill/>
+          <a:ln>
+            <a:noFill/>
+          </a:ln>
+        </p:spPr>
+        <p:style>
+          <a:lnRef idx="0"/>
+          <a:fillRef idx="0"/>
+          <a:effectRef idx="0"/>
+          <a:fontRef idx="minor"/>
+        </p:style>
+      </p:sp>
+      <p:sp>
+        <p:nvSpPr>
+          <p:cNvPr id="203" name="CustomShape 5"/>
+          <p:cNvSpPr/>
+          <p:nvPr/>
+        </p:nvSpPr>
+        <p:spPr>
+          <a:xfrm>
+            <a:off x="838080" y="4098240"/>
+            <a:ext cx="3384720" cy="2073960"/>
+          </a:xfrm>
+          <a:prstGeom prst="rect">
+            <a:avLst/>
+          </a:prstGeom>
+          <a:noFill/>
+          <a:ln>
+            <a:noFill/>
+          </a:ln>
+        </p:spPr>
+        <p:style>
+          <a:lnRef idx="0"/>
+          <a:fillRef idx="0"/>
+          <a:effectRef idx="0"/>
+          <a:fontRef idx="minor"/>
+        </p:style>
+      </p:sp>
+      <p:sp>
+        <p:nvSpPr>
+          <p:cNvPr id="204" name="CustomShape 6"/>
+          <p:cNvSpPr/>
+          <p:nvPr/>
+        </p:nvSpPr>
+        <p:spPr>
+          <a:xfrm>
+            <a:off x="4393440" y="4098240"/>
+            <a:ext cx="3384720" cy="2073960"/>
+          </a:xfrm>
+          <a:prstGeom prst="rect">
+            <a:avLst/>
+          </a:prstGeom>
+          <a:noFill/>
+          <a:ln>
+            <a:noFill/>
+          </a:ln>
+        </p:spPr>
+        <p:style>
+          <a:lnRef idx="0"/>
+          <a:fillRef idx="0"/>
+          <a:effectRef idx="0"/>
+          <a:fontRef idx="minor"/>
+        </p:style>
+      </p:sp>
+      <p:sp>
+        <p:nvSpPr>
+          <p:cNvPr id="205" name="CustomShape 7"/>
+          <p:cNvSpPr/>
+          <p:nvPr/>
+        </p:nvSpPr>
+        <p:spPr>
+          <a:xfrm>
+            <a:off x="7949160" y="4098240"/>
+            <a:ext cx="3384720" cy="2073960"/>
+          </a:xfrm>
+          <a:prstGeom prst="rect">
+            <a:avLst/>
+          </a:prstGeom>
+          <a:noFill/>
+          <a:ln>
+            <a:noFill/>
+          </a:ln>
+        </p:spPr>
+        <p:style>
+          <a:lnRef idx="0"/>
+          <a:fillRef idx="0"/>
+          <a:effectRef idx="0"/>
+          <a:fontRef idx="minor"/>
+        </p:style>
+      </p:sp>
+      <p:pic>
+        <p:nvPicPr>
+          <p:cNvPr id="206" name="" descr=""/>
+          <p:cNvPicPr/>
+          <p:nvPr/>
+        </p:nvPicPr>
+        <p:blipFill>
+          <a:blip r:embed="rId1"/>
+          <a:stretch/>
+        </p:blipFill>
+        <p:spPr>
+          <a:xfrm>
+            <a:off x="4176000" y="2376000"/>
+            <a:ext cx="3403800" cy="4164480"/>
+          </a:xfrm>
+          <a:prstGeom prst="rect">
+            <a:avLst/>
+          </a:prstGeom>
+          <a:ln>
+            <a:noFill/>
+          </a:ln>
+        </p:spPr>
+      </p:pic>
+      <p:sp>
+        <p:nvSpPr>
+          <p:cNvPr id="207" name="CustomShape 8"/>
+          <p:cNvSpPr/>
+          <p:nvPr/>
+        </p:nvSpPr>
+        <p:spPr>
+          <a:xfrm>
+            <a:off x="3535920" y="206640"/>
+            <a:ext cx="4669560" cy="698760"/>
+          </a:xfrm>
+          <a:prstGeom prst="rect">
+            <a:avLst/>
+          </a:prstGeom>
+          <a:noFill/>
+          <a:ln>
+            <a:noFill/>
+          </a:ln>
+        </p:spPr>
+        <p:style>
+          <a:lnRef idx="0"/>
+          <a:fillRef idx="0"/>
+          <a:effectRef idx="0"/>
+          <a:fontRef idx="minor"/>
+        </p:style>
+        <p:txBody>
+          <a:bodyPr wrap="none" lIns="90000" rIns="90000" tIns="45000" bIns="45000"/>
+          <a:p>
+            <a:pPr algn="ctr">
+              <a:lnSpc>
+                <a:spcPct val="100000"/>
+              </a:lnSpc>
+            </a:pPr>
+            <a:r>
+              <a:rPr b="0" lang="en-GB" sz="4000" spc="-1" strike="noStrike">
+                <a:solidFill>
+                  <a:srgbClr val="000000"/>
+                </a:solidFill>
+                <a:latin typeface="Arial"/>
+                <a:ea typeface="DejaVu Sans"/>
+              </a:rPr>
+              <a:t>Merci d’avoir participé !</a:t>
+            </a:r>
+            <a:endParaRPr b="0" lang="en-GB" sz="4000" spc="-1" strike="noStrike">
+              <a:latin typeface="Arial"/>
+            </a:endParaRPr>
+          </a:p>
+          <a:p>
+            <a:pPr algn="ctr">
+              <a:lnSpc>
+                <a:spcPct val="100000"/>
+              </a:lnSpc>
+            </a:pPr>
+            <a:endParaRPr b="0" lang="en-GB" sz="4000" spc="-1" strike="noStrike">
+              <a:latin typeface="Arial"/>
+            </a:endParaRPr>
+          </a:p>
+          <a:p>
+            <a:pPr algn="ctr">
+              <a:lnSpc>
+                <a:spcPct val="100000"/>
+              </a:lnSpc>
+            </a:pPr>
+            <a:r>
+              <a:rPr b="0" lang="en-GB" sz="4000" spc="-1" strike="noStrike">
+                <a:solidFill>
+                  <a:srgbClr val="000000"/>
+                </a:solidFill>
+                <a:latin typeface="Arial"/>
+                <a:ea typeface="DejaVu Sans"/>
+              </a:rPr>
+              <a:t>À bientôt !</a:t>
+            </a:r>
+            <a:endParaRPr b="0" lang="en-GB" sz="4000" spc="-1" strike="noStrike">
+              <a:latin typeface="Arial"/>
+            </a:endParaRPr>
+          </a:p>
+        </p:txBody>
+      </p:sp>
+    </p:spTree>
+  </p:cSld>
+  <p:timing>
+    <p:tnLst>
+      <p:par>
+        <p:cTn id="17" dur="indefinite" restart="never" nodeType="tmRoot">
+          <p:childTnLst>
+            <p:seq>
+              <p:cTn id="18" dur="indefinite" nodeType="mainSeq"/>
               <p:prevCondLst>
                 <p:cond delay="0" evt="onPrev">
                   <p:tgtEl>
@@ -6224,14 +7613,14 @@
       </p:grpSpPr>
       <p:sp>
         <p:nvSpPr>
-          <p:cNvPr id="128" name="CustomShape 1"/>
+          <p:cNvPr id="123" name="CustomShape 1"/>
           <p:cNvSpPr/>
           <p:nvPr/>
         </p:nvSpPr>
         <p:spPr>
           <a:xfrm>
-            <a:off x="3362400" y="918360"/>
-            <a:ext cx="4812120" cy="546840"/>
+            <a:off x="3535560" y="206640"/>
+            <a:ext cx="4669560" cy="698760"/>
           </a:xfrm>
           <a:prstGeom prst="rect">
             <a:avLst/>
@@ -6256,31 +7645,31 @@
               </a:lnSpc>
             </a:pPr>
             <a:r>
-              <a:rPr b="0" lang="en-GB" sz="3000" spc="-1" strike="noStrike">
+              <a:rPr b="0" lang="en-GB" sz="4000" spc="-1" strike="noStrike">
                 <a:solidFill>
                   <a:srgbClr val="000000"/>
                 </a:solidFill>
                 <a:latin typeface="Arial"/>
                 <a:ea typeface="DejaVu Sans"/>
               </a:rPr>
-              <a:t>Essaye de traduire ce mot !</a:t>
-            </a:r>
-            <a:endParaRPr b="0" lang="en-GB" sz="3000" spc="-1" strike="noStrike">
-              <a:latin typeface="Arial"/>
-            </a:endParaRPr>
-          </a:p>
-        </p:txBody>
-      </p:sp>
-      <p:sp>
-        <p:nvSpPr>
-          <p:cNvPr id="129" name="CustomShape 2"/>
+              <a:t>Bravo ! Tu as réussi</a:t>
+            </a:r>
+            <a:endParaRPr b="0" lang="en-GB" sz="4000" spc="-1" strike="noStrike">
+              <a:latin typeface="Arial"/>
+            </a:endParaRPr>
+          </a:p>
+        </p:txBody>
+      </p:sp>
+      <p:sp>
+        <p:nvSpPr>
+          <p:cNvPr id="124" name="CustomShape 2"/>
           <p:cNvSpPr/>
           <p:nvPr/>
         </p:nvSpPr>
         <p:spPr>
           <a:xfrm>
-            <a:off x="3621960" y="2238120"/>
-            <a:ext cx="4051800" cy="546840"/>
+            <a:off x="3948120" y="1280880"/>
+            <a:ext cx="1153800" cy="546120"/>
           </a:xfrm>
           <a:prstGeom prst="rect">
             <a:avLst/>
@@ -6296,40 +7685,17 @@
           <a:effectRef idx="0"/>
           <a:fontRef idx="minor"/>
         </p:style>
-        <p:txBody>
-          <a:bodyPr wrap="none" lIns="90000" rIns="90000" tIns="45000" bIns="45000"/>
-          <a:p>
-            <a:pPr algn="ctr">
-              <a:lnSpc>
-                <a:spcPct val="100000"/>
-              </a:lnSpc>
-            </a:pPr>
-            <a:r>
-              <a:rPr b="0" lang="en-GB" sz="3000" spc="-1" strike="noStrike">
-                <a:solidFill>
-                  <a:srgbClr val="000000"/>
-                </a:solidFill>
-                <a:latin typeface="Arial"/>
-                <a:ea typeface="DejaVu Sans"/>
-              </a:rPr>
-              <a:t>Ecrit le mot en français</a:t>
-            </a:r>
-            <a:endParaRPr b="0" lang="en-GB" sz="3000" spc="-1" strike="noStrike">
-              <a:latin typeface="Arial"/>
-            </a:endParaRPr>
-          </a:p>
-        </p:txBody>
-      </p:sp>
-      <p:sp>
-        <p:nvSpPr>
-          <p:cNvPr id="130" name="CustomShape 3"/>
+      </p:sp>
+      <p:sp>
+        <p:nvSpPr>
+          <p:cNvPr id="125" name="CustomShape 3"/>
           <p:cNvSpPr/>
           <p:nvPr/>
         </p:nvSpPr>
         <p:spPr>
           <a:xfrm>
-            <a:off x="3504240" y="3558240"/>
-            <a:ext cx="1154520" cy="546840"/>
+            <a:off x="6606000" y="1280880"/>
+            <a:ext cx="1033560" cy="546120"/>
           </a:xfrm>
           <a:prstGeom prst="rect">
             <a:avLst/>
@@ -6345,40 +7711,17 @@
           <a:effectRef idx="0"/>
           <a:fontRef idx="minor"/>
         </p:style>
-        <p:txBody>
-          <a:bodyPr wrap="none" lIns="90000" rIns="90000" tIns="45000" bIns="45000"/>
-          <a:p>
-            <a:pPr algn="ctr">
-              <a:lnSpc>
-                <a:spcPct val="100000"/>
-              </a:lnSpc>
-            </a:pPr>
-            <a:r>
-              <a:rPr b="0" lang="en-GB" sz="3000" spc="-1" strike="noStrike">
-                <a:solidFill>
-                  <a:srgbClr val="000000"/>
-                </a:solidFill>
-                <a:latin typeface="Arial"/>
-                <a:ea typeface="DejaVu Sans"/>
-              </a:rPr>
-              <a:t>Vonat</a:t>
-            </a:r>
-            <a:endParaRPr b="0" lang="en-GB" sz="3000" spc="-1" strike="noStrike">
-              <a:latin typeface="Arial"/>
-            </a:endParaRPr>
-          </a:p>
-        </p:txBody>
-      </p:sp>
-      <p:sp>
-        <p:nvSpPr>
-          <p:cNvPr id="131" name="CustomShape 4"/>
+      </p:sp>
+      <p:sp>
+        <p:nvSpPr>
+          <p:cNvPr id="126" name="CustomShape 4"/>
           <p:cNvSpPr/>
           <p:nvPr/>
         </p:nvSpPr>
         <p:spPr>
           <a:xfrm>
-            <a:off x="6482520" y="3558240"/>
-            <a:ext cx="392400" cy="546840"/>
+            <a:off x="5685840" y="1280880"/>
+            <a:ext cx="402480" cy="546120"/>
           </a:xfrm>
           <a:prstGeom prst="rect">
             <a:avLst/>
@@ -6410,7 +7753,7 @@
                 <a:latin typeface="Arial"/>
                 <a:ea typeface="DejaVu Sans"/>
               </a:rPr>
-              <a:t>?</a:t>
+              <a:t>=</a:t>
             </a:r>
             <a:endParaRPr b="0" lang="en-GB" sz="3000" spc="-1" strike="noStrike">
               <a:latin typeface="Arial"/>
@@ -6420,14 +7763,14 @@
       </p:sp>
       <p:sp>
         <p:nvSpPr>
-          <p:cNvPr id="132" name="CustomShape 5"/>
+          <p:cNvPr id="127" name="CustomShape 5"/>
           <p:cNvSpPr/>
           <p:nvPr/>
         </p:nvSpPr>
         <p:spPr>
           <a:xfrm>
-            <a:off x="5241600" y="3558240"/>
-            <a:ext cx="403200" cy="546840"/>
+            <a:off x="3446280" y="2112840"/>
+            <a:ext cx="5033880" cy="698760"/>
           </a:xfrm>
           <a:prstGeom prst="rect">
             <a:avLst/>
@@ -6452,6 +7795,55 @@
               </a:lnSpc>
             </a:pPr>
             <a:r>
+              <a:rPr b="0" lang="en-GB" sz="4000" spc="-1" strike="noStrike">
+                <a:solidFill>
+                  <a:srgbClr val="000000"/>
+                </a:solidFill>
+                <a:latin typeface="Arial"/>
+                <a:ea typeface="DejaVu Sans"/>
+              </a:rPr>
+              <a:t>Que souhaiterais-tu ?</a:t>
+            </a:r>
+            <a:endParaRPr b="0" lang="en-GB" sz="4000" spc="-1" strike="noStrike">
+              <a:latin typeface="Arial"/>
+            </a:endParaRPr>
+          </a:p>
+        </p:txBody>
+      </p:sp>
+      <p:sp>
+        <p:nvSpPr>
+          <p:cNvPr id="128" name="CustomShape 6"/>
+          <p:cNvSpPr/>
+          <p:nvPr/>
+        </p:nvSpPr>
+        <p:spPr>
+          <a:xfrm>
+            <a:off x="833040" y="3191760"/>
+            <a:ext cx="7371720" cy="546120"/>
+          </a:xfrm>
+          <a:prstGeom prst="rect">
+            <a:avLst/>
+          </a:prstGeom>
+          <a:noFill/>
+          <a:ln>
+            <a:noFill/>
+          </a:ln>
+        </p:spPr>
+        <p:style>
+          <a:lnRef idx="0"/>
+          <a:fillRef idx="0"/>
+          <a:effectRef idx="0"/>
+          <a:fontRef idx="minor"/>
+        </p:style>
+        <p:txBody>
+          <a:bodyPr wrap="none" lIns="90000" rIns="90000" tIns="45000" bIns="45000"/>
+          <a:p>
+            <a:pPr algn="ctr">
+              <a:lnSpc>
+                <a:spcPct val="100000"/>
+              </a:lnSpc>
+            </a:pPr>
+            <a:r>
               <a:rPr b="0" lang="en-GB" sz="3000" spc="-1" strike="noStrike">
                 <a:solidFill>
                   <a:srgbClr val="000000"/>
@@ -6459,9 +7851,276 @@
                 <a:latin typeface="Arial"/>
                 <a:ea typeface="DejaVu Sans"/>
               </a:rPr>
+              <a:t>1- Je veux revoir la paire de mots plus tard</a:t>
+            </a:r>
+            <a:endParaRPr b="0" lang="en-GB" sz="3000" spc="-1" strike="noStrike">
+              <a:latin typeface="Arial"/>
+            </a:endParaRPr>
+          </a:p>
+        </p:txBody>
+      </p:sp>
+      <p:sp>
+        <p:nvSpPr>
+          <p:cNvPr id="129" name="CustomShape 7"/>
+          <p:cNvSpPr/>
+          <p:nvPr/>
+        </p:nvSpPr>
+        <p:spPr>
+          <a:xfrm>
+            <a:off x="837000" y="4023720"/>
+            <a:ext cx="7920360" cy="546120"/>
+          </a:xfrm>
+          <a:prstGeom prst="rect">
+            <a:avLst/>
+          </a:prstGeom>
+          <a:noFill/>
+          <a:ln>
+            <a:noFill/>
+          </a:ln>
+        </p:spPr>
+        <p:style>
+          <a:lnRef idx="0"/>
+          <a:fillRef idx="0"/>
+          <a:effectRef idx="0"/>
+          <a:fontRef idx="minor"/>
+        </p:style>
+        <p:txBody>
+          <a:bodyPr wrap="none" lIns="90000" rIns="90000" tIns="45000" bIns="45000"/>
+          <a:p>
+            <a:pPr algn="ctr">
+              <a:lnSpc>
+                <a:spcPct val="100000"/>
+              </a:lnSpc>
+            </a:pPr>
+            <a:r>
+              <a:rPr b="0" lang="en-GB" sz="3000" spc="-1" strike="noStrike">
+                <a:solidFill>
+                  <a:srgbClr val="000000"/>
+                </a:solidFill>
+                <a:latin typeface="Arial"/>
+                <a:ea typeface="DejaVu Sans"/>
+              </a:rPr>
+              <a:t>2- Je veux me re-tester avec la paire plus tard</a:t>
+            </a:r>
+            <a:endParaRPr b="0" lang="en-GB" sz="3000" spc="-1" strike="noStrike">
+              <a:latin typeface="Arial"/>
+            </a:endParaRPr>
+          </a:p>
+        </p:txBody>
+      </p:sp>
+      <p:sp>
+        <p:nvSpPr>
+          <p:cNvPr id="130" name="CustomShape 8"/>
+          <p:cNvSpPr/>
+          <p:nvPr/>
+        </p:nvSpPr>
+        <p:spPr>
+          <a:xfrm>
+            <a:off x="838440" y="4855680"/>
+            <a:ext cx="8258760" cy="546120"/>
+          </a:xfrm>
+          <a:prstGeom prst="rect">
+            <a:avLst/>
+          </a:prstGeom>
+          <a:noFill/>
+          <a:ln>
+            <a:noFill/>
+          </a:ln>
+        </p:spPr>
+        <p:style>
+          <a:lnRef idx="0"/>
+          <a:fillRef idx="0"/>
+          <a:effectRef idx="0"/>
+          <a:fontRef idx="minor"/>
+        </p:style>
+        <p:txBody>
+          <a:bodyPr wrap="none" lIns="90000" rIns="90000" tIns="45000" bIns="45000"/>
+          <a:p>
+            <a:pPr algn="ctr">
+              <a:lnSpc>
+                <a:spcPct val="100000"/>
+              </a:lnSpc>
+            </a:pPr>
+            <a:r>
+              <a:rPr b="0" lang="en-GB" sz="3000" spc="-1" strike="noStrike">
+                <a:solidFill>
+                  <a:srgbClr val="000000"/>
+                </a:solidFill>
+                <a:latin typeface="Arial"/>
+                <a:ea typeface="DejaVu Sans"/>
+              </a:rPr>
+              <a:t>3- Je ne veux pas revoir la paire ni me re-tester </a:t>
+            </a:r>
+            <a:endParaRPr b="0" lang="en-GB" sz="3000" spc="-1" strike="noStrike">
+              <a:latin typeface="Arial"/>
+            </a:endParaRPr>
+          </a:p>
+        </p:txBody>
+      </p:sp>
+      <p:sp>
+        <p:nvSpPr>
+          <p:cNvPr id="131" name="CustomShape 9"/>
+          <p:cNvSpPr/>
+          <p:nvPr/>
+        </p:nvSpPr>
+        <p:spPr>
+          <a:xfrm>
+            <a:off x="3854880" y="5780880"/>
+            <a:ext cx="4473000" cy="546120"/>
+          </a:xfrm>
+          <a:prstGeom prst="rect">
+            <a:avLst/>
+          </a:prstGeom>
+          <a:noFill/>
+          <a:ln>
+            <a:noFill/>
+          </a:ln>
+        </p:spPr>
+        <p:style>
+          <a:lnRef idx="0"/>
+          <a:fillRef idx="0"/>
+          <a:effectRef idx="0"/>
+          <a:fontRef idx="minor"/>
+        </p:style>
+        <p:txBody>
+          <a:bodyPr wrap="none" lIns="90000" rIns="90000" tIns="45000" bIns="45000"/>
+          <a:p>
+            <a:pPr algn="ctr">
+              <a:lnSpc>
+                <a:spcPct val="100000"/>
+              </a:lnSpc>
+            </a:pPr>
+            <a:r>
+              <a:rPr b="0" lang="en-GB" sz="3000" spc="-1" strike="noStrike">
+                <a:solidFill>
+                  <a:srgbClr val="000000"/>
+                </a:solidFill>
+                <a:latin typeface="Arial"/>
+                <a:ea typeface="DejaVu Sans"/>
+              </a:rPr>
+              <a:t>Tape ton choix (1, 2 ou 3)</a:t>
+            </a:r>
+            <a:endParaRPr b="0" lang="en-GB" sz="3000" spc="-1" strike="noStrike">
+              <a:latin typeface="Arial"/>
+            </a:endParaRPr>
+          </a:p>
+        </p:txBody>
+      </p:sp>
+    </p:spTree>
+  </p:cSld>
+</p:sld>
+</file>
+
+<file path=ppt/slides/slide3.xml><?xml version="1.0" encoding="utf-8"?>
+<p:sld xmlns:a="http://schemas.openxmlformats.org/drawingml/2006/main" xmlns:p="http://schemas.openxmlformats.org/presentationml/2006/main" xmlns:r="http://schemas.openxmlformats.org/officeDocument/2006/relationships" xmlns:p14="http://schemas.microsoft.com/office/powerpoint/2010/main" xmlns:p15="http://schemas.microsoft.com/office/powerpoint/2012/main" xmlns:mc="http://schemas.openxmlformats.org/markup-compatibility/2006">
+  <p:cSld>
+    <p:spTree>
+      <p:nvGrpSpPr>
+        <p:cNvPr id="1" name=""/>
+        <p:cNvGrpSpPr/>
+        <p:nvPr/>
+      </p:nvGrpSpPr>
+      <p:grpSpPr>
+        <a:xfrm>
+          <a:off x="0" y="0"/>
+          <a:ext cx="0" cy="0"/>
+          <a:chOff x="0" y="0"/>
+          <a:chExt cx="0" cy="0"/>
+        </a:xfrm>
+      </p:grpSpPr>
+      <p:sp>
+        <p:nvSpPr>
+          <p:cNvPr id="132" name="CustomShape 1"/>
+          <p:cNvSpPr/>
+          <p:nvPr/>
+        </p:nvSpPr>
+        <p:spPr>
+          <a:xfrm>
+            <a:off x="5347800" y="3254040"/>
+            <a:ext cx="440640" cy="622800"/>
+          </a:xfrm>
+          <a:prstGeom prst="rect">
+            <a:avLst/>
+          </a:prstGeom>
+          <a:noFill/>
+          <a:ln>
+            <a:noFill/>
+          </a:ln>
+        </p:spPr>
+        <p:style>
+          <a:lnRef idx="0"/>
+          <a:fillRef idx="0"/>
+          <a:effectRef idx="0"/>
+          <a:fontRef idx="minor"/>
+        </p:style>
+        <p:txBody>
+          <a:bodyPr wrap="none" lIns="90000" rIns="90000" tIns="45000" bIns="45000"/>
+          <a:p>
+            <a:pPr algn="ctr">
+              <a:lnSpc>
+                <a:spcPct val="100000"/>
+              </a:lnSpc>
+            </a:pPr>
+            <a:r>
+              <a:rPr b="0" lang="en-GB" sz="3500" spc="-1" strike="noStrike">
+                <a:solidFill>
+                  <a:srgbClr val="000000"/>
+                </a:solidFill>
+                <a:latin typeface="Arial"/>
+                <a:ea typeface="DejaVu Sans"/>
+              </a:rPr>
               <a:t>=</a:t>
             </a:r>
-            <a:endParaRPr b="0" lang="en-GB" sz="3000" spc="-1" strike="noStrike">
+            <a:endParaRPr b="0" lang="en-GB" sz="3500" spc="-1" strike="noStrike">
+              <a:latin typeface="Arial"/>
+            </a:endParaRPr>
+          </a:p>
+        </p:txBody>
+      </p:sp>
+      <p:sp>
+        <p:nvSpPr>
+          <p:cNvPr id="133" name="CustomShape 2"/>
+          <p:cNvSpPr/>
+          <p:nvPr/>
+        </p:nvSpPr>
+        <p:spPr>
+          <a:xfrm>
+            <a:off x="3587400" y="1260000"/>
+            <a:ext cx="3884760" cy="622800"/>
+          </a:xfrm>
+          <a:prstGeom prst="rect">
+            <a:avLst/>
+          </a:prstGeom>
+          <a:noFill/>
+          <a:ln>
+            <a:noFill/>
+          </a:ln>
+        </p:spPr>
+        <p:style>
+          <a:lnRef idx="0"/>
+          <a:fillRef idx="0"/>
+          <a:effectRef idx="0"/>
+          <a:fontRef idx="minor"/>
+        </p:style>
+        <p:txBody>
+          <a:bodyPr wrap="none" lIns="90000" rIns="90000" tIns="45000" bIns="45000"/>
+          <a:p>
+            <a:pPr algn="ctr">
+              <a:lnSpc>
+                <a:spcPct val="100000"/>
+              </a:lnSpc>
+            </a:pPr>
+            <a:r>
+              <a:rPr b="0" lang="en-GB" sz="3500" spc="-1" strike="noStrike">
+                <a:solidFill>
+                  <a:srgbClr val="000000"/>
+                </a:solidFill>
+                <a:latin typeface="Arial"/>
+                <a:ea typeface="DejaVu Sans"/>
+              </a:rPr>
+              <a:t>Essaye de retenir !</a:t>
+            </a:r>
+            <a:endParaRPr b="0" lang="en-GB" sz="3500" spc="-1" strike="noStrike">
               <a:latin typeface="Arial"/>
             </a:endParaRPr>
           </a:p>
@@ -6499,273 +8158,6 @@
 </p:sld>
 </file>
 
-<file path=ppt/slides/slide3.xml><?xml version="1.0" encoding="utf-8"?>
-<p:sld xmlns:a="http://schemas.openxmlformats.org/drawingml/2006/main" xmlns:p="http://schemas.openxmlformats.org/presentationml/2006/main" xmlns:r="http://schemas.openxmlformats.org/officeDocument/2006/relationships" xmlns:p14="http://schemas.microsoft.com/office/powerpoint/2010/main" xmlns:p15="http://schemas.microsoft.com/office/powerpoint/2012/main" xmlns:mc="http://schemas.openxmlformats.org/markup-compatibility/2006">
-  <p:cSld>
-    <p:spTree>
-      <p:nvGrpSpPr>
-        <p:cNvPr id="1" name=""/>
-        <p:cNvGrpSpPr/>
-        <p:nvPr/>
-      </p:nvGrpSpPr>
-      <p:grpSpPr>
-        <a:xfrm>
-          <a:off x="0" y="0"/>
-          <a:ext cx="0" cy="0"/>
-          <a:chOff x="0" y="0"/>
-          <a:chExt cx="0" cy="0"/>
-        </a:xfrm>
-      </p:grpSpPr>
-      <p:sp>
-        <p:nvSpPr>
-          <p:cNvPr id="133" name="CustomShape 1"/>
-          <p:cNvSpPr/>
-          <p:nvPr/>
-        </p:nvSpPr>
-        <p:spPr>
-          <a:xfrm>
-            <a:off x="3320280" y="1256760"/>
-            <a:ext cx="4670280" cy="699480"/>
-          </a:xfrm>
-          <a:prstGeom prst="rect">
-            <a:avLst/>
-          </a:prstGeom>
-          <a:noFill/>
-          <a:ln>
-            <a:noFill/>
-          </a:ln>
-        </p:spPr>
-        <p:style>
-          <a:lnRef idx="0"/>
-          <a:fillRef idx="0"/>
-          <a:effectRef idx="0"/>
-          <a:fontRef idx="minor"/>
-        </p:style>
-        <p:txBody>
-          <a:bodyPr wrap="none" lIns="90000" rIns="90000" tIns="45000" bIns="45000"/>
-          <a:p>
-            <a:pPr algn="ctr">
-              <a:lnSpc>
-                <a:spcPct val="100000"/>
-              </a:lnSpc>
-            </a:pPr>
-            <a:r>
-              <a:rPr b="0" lang="en-GB" sz="4000" spc="-1" strike="noStrike">
-                <a:solidFill>
-                  <a:srgbClr val="000000"/>
-                </a:solidFill>
-                <a:latin typeface="Arial"/>
-                <a:ea typeface="DejaVu Sans"/>
-              </a:rPr>
-              <a:t>Bravo ! Tu as réussi</a:t>
-            </a:r>
-            <a:endParaRPr b="0" lang="en-GB" sz="4000" spc="-1" strike="noStrike">
-              <a:latin typeface="Arial"/>
-            </a:endParaRPr>
-          </a:p>
-        </p:txBody>
-      </p:sp>
-      <p:sp>
-        <p:nvSpPr>
-          <p:cNvPr id="134" name="CustomShape 2"/>
-          <p:cNvSpPr/>
-          <p:nvPr/>
-        </p:nvSpPr>
-        <p:spPr>
-          <a:xfrm>
-            <a:off x="3605760" y="2959920"/>
-            <a:ext cx="1154520" cy="546840"/>
-          </a:xfrm>
-          <a:prstGeom prst="rect">
-            <a:avLst/>
-          </a:prstGeom>
-          <a:noFill/>
-          <a:ln>
-            <a:noFill/>
-          </a:ln>
-        </p:spPr>
-        <p:style>
-          <a:lnRef idx="0"/>
-          <a:fillRef idx="0"/>
-          <a:effectRef idx="0"/>
-          <a:fontRef idx="minor"/>
-        </p:style>
-        <p:txBody>
-          <a:bodyPr wrap="none" lIns="90000" rIns="90000" tIns="45000" bIns="45000"/>
-          <a:p>
-            <a:pPr algn="ctr">
-              <a:lnSpc>
-                <a:spcPct val="100000"/>
-              </a:lnSpc>
-            </a:pPr>
-            <a:r>
-              <a:rPr b="0" lang="en-GB" sz="3000" spc="-1" strike="noStrike">
-                <a:solidFill>
-                  <a:srgbClr val="000000"/>
-                </a:solidFill>
-                <a:latin typeface="Arial"/>
-                <a:ea typeface="DejaVu Sans"/>
-              </a:rPr>
-              <a:t>Vonat</a:t>
-            </a:r>
-            <a:endParaRPr b="0" lang="en-GB" sz="3000" spc="-1" strike="noStrike">
-              <a:latin typeface="Arial"/>
-            </a:endParaRPr>
-          </a:p>
-        </p:txBody>
-      </p:sp>
-      <p:sp>
-        <p:nvSpPr>
-          <p:cNvPr id="135" name="CustomShape 3"/>
-          <p:cNvSpPr/>
-          <p:nvPr/>
-        </p:nvSpPr>
-        <p:spPr>
-          <a:xfrm>
-            <a:off x="6263280" y="2959920"/>
-            <a:ext cx="1034280" cy="546840"/>
-          </a:xfrm>
-          <a:prstGeom prst="rect">
-            <a:avLst/>
-          </a:prstGeom>
-          <a:noFill/>
-          <a:ln>
-            <a:noFill/>
-          </a:ln>
-        </p:spPr>
-        <p:style>
-          <a:lnRef idx="0"/>
-          <a:fillRef idx="0"/>
-          <a:effectRef idx="0"/>
-          <a:fontRef idx="minor"/>
-        </p:style>
-        <p:txBody>
-          <a:bodyPr wrap="none" lIns="90000" rIns="90000" tIns="45000" bIns="45000"/>
-          <a:p>
-            <a:pPr algn="ctr">
-              <a:lnSpc>
-                <a:spcPct val="100000"/>
-              </a:lnSpc>
-            </a:pPr>
-            <a:r>
-              <a:rPr b="0" lang="en-GB" sz="3000" spc="-1" strike="noStrike">
-                <a:solidFill>
-                  <a:srgbClr val="000000"/>
-                </a:solidFill>
-                <a:latin typeface="Arial"/>
-                <a:ea typeface="DejaVu Sans"/>
-              </a:rPr>
-              <a:t>Train</a:t>
-            </a:r>
-            <a:endParaRPr b="0" lang="en-GB" sz="3000" spc="-1" strike="noStrike">
-              <a:latin typeface="Arial"/>
-            </a:endParaRPr>
-          </a:p>
-        </p:txBody>
-      </p:sp>
-      <p:sp>
-        <p:nvSpPr>
-          <p:cNvPr id="136" name="CustomShape 4"/>
-          <p:cNvSpPr/>
-          <p:nvPr/>
-        </p:nvSpPr>
-        <p:spPr>
-          <a:xfrm>
-            <a:off x="5343120" y="2959920"/>
-            <a:ext cx="403200" cy="546840"/>
-          </a:xfrm>
-          <a:prstGeom prst="rect">
-            <a:avLst/>
-          </a:prstGeom>
-          <a:noFill/>
-          <a:ln>
-            <a:noFill/>
-          </a:ln>
-        </p:spPr>
-        <p:style>
-          <a:lnRef idx="0"/>
-          <a:fillRef idx="0"/>
-          <a:effectRef idx="0"/>
-          <a:fontRef idx="minor"/>
-        </p:style>
-        <p:txBody>
-          <a:bodyPr wrap="none" lIns="90000" rIns="90000" tIns="45000" bIns="45000"/>
-          <a:p>
-            <a:pPr algn="ctr">
-              <a:lnSpc>
-                <a:spcPct val="100000"/>
-              </a:lnSpc>
-            </a:pPr>
-            <a:r>
-              <a:rPr b="0" lang="en-GB" sz="3000" spc="-1" strike="noStrike">
-                <a:solidFill>
-                  <a:srgbClr val="000000"/>
-                </a:solidFill>
-                <a:latin typeface="Arial"/>
-                <a:ea typeface="DejaVu Sans"/>
-              </a:rPr>
-              <a:t>=</a:t>
-            </a:r>
-            <a:endParaRPr b="0" lang="en-GB" sz="3000" spc="-1" strike="noStrike">
-              <a:latin typeface="Arial"/>
-            </a:endParaRPr>
-          </a:p>
-        </p:txBody>
-      </p:sp>
-      <p:sp>
-        <p:nvSpPr>
-          <p:cNvPr id="137" name="CustomShape 5"/>
-          <p:cNvSpPr/>
-          <p:nvPr/>
-        </p:nvSpPr>
-        <p:spPr>
-          <a:xfrm>
-            <a:off x="2279880" y="4339080"/>
-            <a:ext cx="6529680" cy="546840"/>
-          </a:xfrm>
-          <a:prstGeom prst="rect">
-            <a:avLst/>
-          </a:prstGeom>
-          <a:noFill/>
-          <a:ln>
-            <a:noFill/>
-          </a:ln>
-        </p:spPr>
-        <p:style>
-          <a:lnRef idx="0"/>
-          <a:fillRef idx="0"/>
-          <a:effectRef idx="0"/>
-          <a:fontRef idx="minor"/>
-        </p:style>
-        <p:txBody>
-          <a:bodyPr wrap="none" lIns="90000" rIns="90000" tIns="45000" bIns="45000"/>
-          <a:p>
-            <a:pPr algn="ctr">
-              <a:lnSpc>
-                <a:spcPct val="100000"/>
-              </a:lnSpc>
-            </a:pPr>
-            <a:r>
-              <a:rPr b="0" lang="en-GB" sz="3000" spc="-1" strike="noStrike">
-                <a:solidFill>
-                  <a:srgbClr val="000000"/>
-                </a:solidFill>
-                <a:latin typeface="Arial"/>
-                <a:ea typeface="DejaVu Sans"/>
-              </a:rPr>
-              <a:t>Appuie sur une touche pour continuer</a:t>
-            </a:r>
-            <a:endParaRPr b="0" lang="en-GB" sz="3000" spc="-1" strike="noStrike">
-              <a:latin typeface="Arial"/>
-            </a:endParaRPr>
-          </a:p>
-        </p:txBody>
-      </p:sp>
-    </p:spTree>
-  </p:cSld>
-</p:sld>
-</file>
-
 <file path=ppt/slides/slide4.xml><?xml version="1.0" encoding="utf-8"?>
 <p:sld xmlns:a="http://schemas.openxmlformats.org/drawingml/2006/main" xmlns:p="http://schemas.openxmlformats.org/presentationml/2006/main" xmlns:r="http://schemas.openxmlformats.org/officeDocument/2006/relationships" xmlns:p14="http://schemas.microsoft.com/office/powerpoint/2010/main" xmlns:p15="http://schemas.microsoft.com/office/powerpoint/2012/main" xmlns:mc="http://schemas.openxmlformats.org/markup-compatibility/2006">
   <p:cSld>
@@ -6785,14 +8177,14 @@
       </p:grpSpPr>
       <p:sp>
         <p:nvSpPr>
-          <p:cNvPr id="138" name="CustomShape 1"/>
+          <p:cNvPr id="134" name="CustomShape 1"/>
           <p:cNvSpPr/>
           <p:nvPr/>
         </p:nvSpPr>
         <p:spPr>
           <a:xfrm>
-            <a:off x="1308240" y="997200"/>
-            <a:ext cx="8942040" cy="1918440"/>
+            <a:off x="3362400" y="918360"/>
+            <a:ext cx="4811400" cy="546120"/>
           </a:xfrm>
           <a:prstGeom prst="rect">
             <a:avLst/>
@@ -6817,61 +8209,31 @@
               </a:lnSpc>
             </a:pPr>
             <a:r>
-              <a:rPr b="0" lang="en-GB" sz="4000" spc="-1" strike="noStrike">
+              <a:rPr b="0" lang="en-GB" sz="3000" spc="-1" strike="noStrike">
                 <a:solidFill>
                   <a:srgbClr val="000000"/>
                 </a:solidFill>
                 <a:latin typeface="Arial"/>
                 <a:ea typeface="DejaVu Sans"/>
               </a:rPr>
-              <a:t>Ooups ! </a:t>
-            </a:r>
-            <a:endParaRPr b="0" lang="en-GB" sz="4000" spc="-1" strike="noStrike">
-              <a:latin typeface="Arial"/>
-            </a:endParaRPr>
-          </a:p>
-          <a:p>
-            <a:pPr algn="ctr">
-              <a:lnSpc>
-                <a:spcPct val="100000"/>
-              </a:lnSpc>
-            </a:pPr>
-            <a:endParaRPr b="0" lang="en-GB" sz="4000" spc="-1" strike="noStrike">
-              <a:latin typeface="Arial"/>
-            </a:endParaRPr>
-          </a:p>
-          <a:p>
-            <a:pPr algn="ctr">
-              <a:lnSpc>
-                <a:spcPct val="100000"/>
-              </a:lnSpc>
-            </a:pPr>
-            <a:r>
-              <a:rPr b="0" lang="en-GB" sz="4000" spc="-1" strike="noStrike">
-                <a:solidFill>
-                  <a:srgbClr val="000000"/>
-                </a:solidFill>
-                <a:latin typeface="Arial"/>
-                <a:ea typeface="DejaVu Sans"/>
-              </a:rPr>
-              <a:t>Tu n’as pas écrit le mot correctement...</a:t>
-            </a:r>
-            <a:endParaRPr b="0" lang="en-GB" sz="4000" spc="-1" strike="noStrike">
-              <a:latin typeface="Arial"/>
-            </a:endParaRPr>
-          </a:p>
-        </p:txBody>
-      </p:sp>
-      <p:sp>
-        <p:nvSpPr>
-          <p:cNvPr id="139" name="CustomShape 2"/>
+              <a:t>Essaye de traduire ce mot !</a:t>
+            </a:r>
+            <a:endParaRPr b="0" lang="en-GB" sz="3000" spc="-1" strike="noStrike">
+              <a:latin typeface="Arial"/>
+            </a:endParaRPr>
+          </a:p>
+        </p:txBody>
+      </p:sp>
+      <p:sp>
+        <p:nvSpPr>
+          <p:cNvPr id="135" name="CustomShape 2"/>
           <p:cNvSpPr/>
           <p:nvPr/>
         </p:nvSpPr>
         <p:spPr>
           <a:xfrm>
-            <a:off x="3535560" y="3851280"/>
-            <a:ext cx="1317600" cy="623520"/>
+            <a:off x="3621960" y="2238120"/>
+            <a:ext cx="4051080" cy="546120"/>
           </a:xfrm>
           <a:prstGeom prst="rect">
             <a:avLst/>
@@ -6896,31 +8258,31 @@
               </a:lnSpc>
             </a:pPr>
             <a:r>
-              <a:rPr b="0" lang="en-GB" sz="3500" spc="-1" strike="noStrike">
+              <a:rPr b="0" lang="en-GB" sz="3000" spc="-1" strike="noStrike">
                 <a:solidFill>
                   <a:srgbClr val="000000"/>
                 </a:solidFill>
                 <a:latin typeface="Arial"/>
                 <a:ea typeface="DejaVu Sans"/>
               </a:rPr>
-              <a:t>Vonat</a:t>
-            </a:r>
-            <a:endParaRPr b="0" lang="en-GB" sz="3500" spc="-1" strike="noStrike">
-              <a:latin typeface="Arial"/>
-            </a:endParaRPr>
-          </a:p>
-        </p:txBody>
-      </p:sp>
-      <p:sp>
-        <p:nvSpPr>
-          <p:cNvPr id="140" name="CustomShape 3"/>
+              <a:t>Ecrit le mot en français</a:t>
+            </a:r>
+            <a:endParaRPr b="0" lang="en-GB" sz="3000" spc="-1" strike="noStrike">
+              <a:latin typeface="Arial"/>
+            </a:endParaRPr>
+          </a:p>
+        </p:txBody>
+      </p:sp>
+      <p:sp>
+        <p:nvSpPr>
+          <p:cNvPr id="136" name="CustomShape 3"/>
           <p:cNvSpPr/>
           <p:nvPr/>
         </p:nvSpPr>
         <p:spPr>
           <a:xfrm>
-            <a:off x="6203160" y="3851280"/>
-            <a:ext cx="1177560" cy="623520"/>
+            <a:off x="3504240" y="3558240"/>
+            <a:ext cx="1153800" cy="546120"/>
           </a:xfrm>
           <a:prstGeom prst="rect">
             <a:avLst/>
@@ -6945,31 +8307,31 @@
               </a:lnSpc>
             </a:pPr>
             <a:r>
-              <a:rPr b="0" lang="en-GB" sz="3500" spc="-1" strike="noStrike">
+              <a:rPr b="0" lang="en-GB" sz="3000" spc="-1" strike="noStrike">
                 <a:solidFill>
                   <a:srgbClr val="000000"/>
                 </a:solidFill>
                 <a:latin typeface="Arial"/>
                 <a:ea typeface="DejaVu Sans"/>
               </a:rPr>
-              <a:t>Train</a:t>
-            </a:r>
-            <a:endParaRPr b="0" lang="en-GB" sz="3500" spc="-1" strike="noStrike">
-              <a:latin typeface="Arial"/>
-            </a:endParaRPr>
-          </a:p>
-        </p:txBody>
-      </p:sp>
-      <p:sp>
-        <p:nvSpPr>
-          <p:cNvPr id="141" name="CustomShape 4"/>
+              <a:t>Vonat</a:t>
+            </a:r>
+            <a:endParaRPr b="0" lang="en-GB" sz="3000" spc="-1" strike="noStrike">
+              <a:latin typeface="Arial"/>
+            </a:endParaRPr>
+          </a:p>
+        </p:txBody>
+      </p:sp>
+      <p:sp>
+        <p:nvSpPr>
+          <p:cNvPr id="137" name="CustomShape 4"/>
           <p:cNvSpPr/>
           <p:nvPr/>
         </p:nvSpPr>
         <p:spPr>
           <a:xfrm>
-            <a:off x="5335200" y="3851280"/>
-            <a:ext cx="441360" cy="623520"/>
+            <a:off x="6482520" y="3558240"/>
+            <a:ext cx="391680" cy="546120"/>
           </a:xfrm>
           <a:prstGeom prst="rect">
             <a:avLst/>
@@ -6994,31 +8356,31 @@
               </a:lnSpc>
             </a:pPr>
             <a:r>
-              <a:rPr b="0" lang="en-GB" sz="3500" spc="-1" strike="noStrike">
+              <a:rPr b="0" lang="en-GB" sz="3000" spc="-1" strike="noStrike">
                 <a:solidFill>
                   <a:srgbClr val="000000"/>
                 </a:solidFill>
                 <a:latin typeface="Arial"/>
                 <a:ea typeface="DejaVu Sans"/>
               </a:rPr>
-              <a:t>=</a:t>
-            </a:r>
-            <a:endParaRPr b="0" lang="en-GB" sz="3500" spc="-1" strike="noStrike">
-              <a:latin typeface="Arial"/>
-            </a:endParaRPr>
-          </a:p>
-        </p:txBody>
-      </p:sp>
-      <p:sp>
-        <p:nvSpPr>
-          <p:cNvPr id="142" name="CustomShape 5"/>
+              <a:t>?</a:t>
+            </a:r>
+            <a:endParaRPr b="0" lang="en-GB" sz="3000" spc="-1" strike="noStrike">
+              <a:latin typeface="Arial"/>
+            </a:endParaRPr>
+          </a:p>
+        </p:txBody>
+      </p:sp>
+      <p:sp>
+        <p:nvSpPr>
+          <p:cNvPr id="138" name="CustomShape 5"/>
           <p:cNvSpPr/>
           <p:nvPr/>
         </p:nvSpPr>
         <p:spPr>
           <a:xfrm>
-            <a:off x="6288120" y="3429000"/>
-            <a:ext cx="1159200" cy="394920"/>
+            <a:off x="5241600" y="3558240"/>
+            <a:ext cx="402480" cy="546120"/>
           </a:xfrm>
           <a:prstGeom prst="rect">
             <a:avLst/>
@@ -7037,576 +8399,22 @@
         <p:txBody>
           <a:bodyPr wrap="none" lIns="90000" rIns="90000" tIns="45000" bIns="45000"/>
           <a:p>
-            <a:pPr>
-              <a:lnSpc>
-                <a:spcPct val="100000"/>
-              </a:lnSpc>
-            </a:pPr>
-            <a:r>
-              <a:rPr b="0" lang="en-GB" sz="2000" spc="-1" strike="noStrike">
-                <a:solidFill>
-                  <a:srgbClr val="000000"/>
-                </a:solidFill>
-                <a:latin typeface="Arial"/>
-                <a:ea typeface="DejaVu Sans"/>
-              </a:rPr>
-              <a:t>Français</a:t>
-            </a:r>
-            <a:endParaRPr b="0" lang="en-GB" sz="2000" spc="-1" strike="noStrike">
-              <a:latin typeface="Arial"/>
-            </a:endParaRPr>
-          </a:p>
-        </p:txBody>
-      </p:sp>
-      <p:sp>
-        <p:nvSpPr>
-          <p:cNvPr id="143" name="CustomShape 6"/>
-          <p:cNvSpPr/>
-          <p:nvPr/>
-        </p:nvSpPr>
-        <p:spPr>
-          <a:xfrm>
-            <a:off x="3531960" y="3450960"/>
-            <a:ext cx="1201680" cy="394920"/>
-          </a:xfrm>
-          <a:prstGeom prst="rect">
-            <a:avLst/>
-          </a:prstGeom>
-          <a:noFill/>
-          <a:ln>
-            <a:noFill/>
-          </a:ln>
-        </p:spPr>
-        <p:style>
-          <a:lnRef idx="0"/>
-          <a:fillRef idx="0"/>
-          <a:effectRef idx="0"/>
-          <a:fontRef idx="minor"/>
-        </p:style>
-        <p:txBody>
-          <a:bodyPr wrap="none" lIns="90000" rIns="90000" tIns="45000" bIns="45000"/>
-          <a:p>
-            <a:pPr>
-              <a:lnSpc>
-                <a:spcPct val="100000"/>
-              </a:lnSpc>
-            </a:pPr>
-            <a:r>
-              <a:rPr b="0" lang="en-GB" sz="2000" spc="-1" strike="noStrike">
-                <a:solidFill>
-                  <a:srgbClr val="000000"/>
-                </a:solidFill>
-                <a:latin typeface="Arial"/>
-                <a:ea typeface="DejaVu Sans"/>
-              </a:rPr>
-              <a:t>Hongrois</a:t>
-            </a:r>
-            <a:endParaRPr b="0" lang="en-GB" sz="2000" spc="-1" strike="noStrike">
-              <a:latin typeface="Arial"/>
-            </a:endParaRPr>
-          </a:p>
-        </p:txBody>
-      </p:sp>
-      <p:sp>
-        <p:nvSpPr>
-          <p:cNvPr id="144" name="CustomShape 7"/>
-          <p:cNvSpPr/>
-          <p:nvPr/>
-        </p:nvSpPr>
-        <p:spPr>
-          <a:xfrm>
-            <a:off x="1576440" y="5229720"/>
-            <a:ext cx="7959240" cy="623520"/>
-          </a:xfrm>
-          <a:prstGeom prst="rect">
-            <a:avLst/>
-          </a:prstGeom>
-          <a:noFill/>
-          <a:ln>
-            <a:noFill/>
-          </a:ln>
-        </p:spPr>
-        <p:style>
-          <a:lnRef idx="0"/>
-          <a:fillRef idx="0"/>
-          <a:effectRef idx="0"/>
-          <a:fontRef idx="minor"/>
-        </p:style>
-        <p:txBody>
-          <a:bodyPr wrap="none" lIns="90000" rIns="90000" tIns="45000" bIns="45000"/>
-          <a:p>
             <a:pPr algn="ctr">
               <a:lnSpc>
                 <a:spcPct val="100000"/>
               </a:lnSpc>
             </a:pPr>
             <a:r>
-              <a:rPr b="0" lang="en-GB" sz="3500" spc="-1" strike="noStrike">
+              <a:rPr b="0" lang="en-GB" sz="3000" spc="-1" strike="noStrike">
                 <a:solidFill>
                   <a:srgbClr val="000000"/>
                 </a:solidFill>
                 <a:latin typeface="Arial"/>
                 <a:ea typeface="DejaVu Sans"/>
               </a:rPr>
-              <a:t>Appuie sur une touche pour réessayer !</a:t>
-            </a:r>
-            <a:endParaRPr b="0" lang="en-GB" sz="3500" spc="-1" strike="noStrike">
-              <a:latin typeface="Arial"/>
-            </a:endParaRPr>
-          </a:p>
-        </p:txBody>
-      </p:sp>
-    </p:spTree>
-  </p:cSld>
-</p:sld>
-</file>
-
-<file path=ppt/slides/slide5.xml><?xml version="1.0" encoding="utf-8"?>
-<p:sld xmlns:a="http://schemas.openxmlformats.org/drawingml/2006/main" xmlns:p="http://schemas.openxmlformats.org/presentationml/2006/main" xmlns:r="http://schemas.openxmlformats.org/officeDocument/2006/relationships" xmlns:p14="http://schemas.microsoft.com/office/powerpoint/2010/main" xmlns:p15="http://schemas.microsoft.com/office/powerpoint/2012/main" xmlns:mc="http://schemas.openxmlformats.org/markup-compatibility/2006">
-  <p:cSld>
-    <p:spTree>
-      <p:nvGrpSpPr>
-        <p:cNvPr id="1" name=""/>
-        <p:cNvGrpSpPr/>
-        <p:nvPr/>
-      </p:nvGrpSpPr>
-      <p:grpSpPr>
-        <a:xfrm>
-          <a:off x="0" y="0"/>
-          <a:ext cx="0" cy="0"/>
-          <a:chOff x="0" y="0"/>
-          <a:chExt cx="0" cy="0"/>
-        </a:xfrm>
-      </p:grpSpPr>
-      <p:sp>
-        <p:nvSpPr>
-          <p:cNvPr id="145" name="CustomShape 1"/>
-          <p:cNvSpPr/>
-          <p:nvPr/>
-        </p:nvSpPr>
-        <p:spPr>
-          <a:xfrm>
-            <a:off x="544680" y="573120"/>
-            <a:ext cx="10739160" cy="699480"/>
-          </a:xfrm>
-          <a:prstGeom prst="rect">
-            <a:avLst/>
-          </a:prstGeom>
-          <a:noFill/>
-          <a:ln>
-            <a:noFill/>
-          </a:ln>
-        </p:spPr>
-        <p:style>
-          <a:lnRef idx="0"/>
-          <a:fillRef idx="0"/>
-          <a:effectRef idx="0"/>
-          <a:fontRef idx="minor"/>
-        </p:style>
-        <p:txBody>
-          <a:bodyPr wrap="none" lIns="90000" rIns="90000" tIns="45000" bIns="45000"/>
-          <a:p>
-            <a:pPr algn="ctr">
-              <a:lnSpc>
-                <a:spcPct val="100000"/>
-              </a:lnSpc>
-            </a:pPr>
-            <a:r>
-              <a:rPr b="0" lang="en-GB" sz="4000" spc="-1" strike="noStrike">
-                <a:solidFill>
-                  <a:srgbClr val="000000"/>
-                </a:solidFill>
-                <a:latin typeface="Arial"/>
-                <a:ea typeface="DejaVu Sans"/>
-              </a:rPr>
-              <a:t>On va te présenter 15 paires de mots à la suite</a:t>
-            </a:r>
-            <a:endParaRPr b="0" lang="en-GB" sz="4000" spc="-1" strike="noStrike">
-              <a:latin typeface="Arial"/>
-            </a:endParaRPr>
-          </a:p>
-        </p:txBody>
-      </p:sp>
-      <p:sp>
-        <p:nvSpPr>
-          <p:cNvPr id="146" name="CustomShape 2"/>
-          <p:cNvSpPr/>
-          <p:nvPr/>
-        </p:nvSpPr>
-        <p:spPr>
-          <a:xfrm>
-            <a:off x="1671840" y="5653800"/>
-            <a:ext cx="8329680" cy="623520"/>
-          </a:xfrm>
-          <a:prstGeom prst="rect">
-            <a:avLst/>
-          </a:prstGeom>
-          <a:noFill/>
-          <a:ln>
-            <a:noFill/>
-          </a:ln>
-        </p:spPr>
-        <p:style>
-          <a:lnRef idx="0"/>
-          <a:fillRef idx="0"/>
-          <a:effectRef idx="0"/>
-          <a:fontRef idx="minor"/>
-        </p:style>
-        <p:txBody>
-          <a:bodyPr wrap="none" lIns="90000" rIns="90000" tIns="45000" bIns="45000"/>
-          <a:p>
-            <a:pPr algn="ctr">
-              <a:lnSpc>
-                <a:spcPct val="100000"/>
-              </a:lnSpc>
-            </a:pPr>
-            <a:r>
-              <a:rPr b="0" lang="en-GB" sz="3500" spc="-1" strike="noStrike">
-                <a:solidFill>
-                  <a:srgbClr val="000000"/>
-                </a:solidFill>
-                <a:latin typeface="Arial"/>
-                <a:ea typeface="DejaVu Sans"/>
-              </a:rPr>
-              <a:t>Appuie sur une touche pour commencer !</a:t>
-            </a:r>
-            <a:endParaRPr b="0" lang="en-GB" sz="3500" spc="-1" strike="noStrike">
-              <a:latin typeface="Arial"/>
-            </a:endParaRPr>
-          </a:p>
-        </p:txBody>
-      </p:sp>
-      <p:sp>
-        <p:nvSpPr>
-          <p:cNvPr id="147" name="CustomShape 3"/>
-          <p:cNvSpPr/>
-          <p:nvPr/>
-        </p:nvSpPr>
-        <p:spPr>
-          <a:xfrm>
-            <a:off x="1020240" y="1758600"/>
-            <a:ext cx="9788040" cy="623520"/>
-          </a:xfrm>
-          <a:prstGeom prst="rect">
-            <a:avLst/>
-          </a:prstGeom>
-          <a:noFill/>
-          <a:ln>
-            <a:noFill/>
-          </a:ln>
-        </p:spPr>
-        <p:style>
-          <a:lnRef idx="0"/>
-          <a:fillRef idx="0"/>
-          <a:effectRef idx="0"/>
-          <a:fontRef idx="minor"/>
-        </p:style>
-        <p:txBody>
-          <a:bodyPr wrap="none" lIns="90000" rIns="90000" tIns="45000" bIns="45000"/>
-          <a:p>
-            <a:pPr algn="ctr">
-              <a:lnSpc>
-                <a:spcPct val="100000"/>
-              </a:lnSpc>
-            </a:pPr>
-            <a:r>
-              <a:rPr b="0" lang="en-GB" sz="3500" spc="-1" strike="noStrike">
-                <a:solidFill>
-                  <a:srgbClr val="000000"/>
-                </a:solidFill>
-                <a:latin typeface="Arial"/>
-                <a:ea typeface="DejaVu Sans"/>
-              </a:rPr>
-              <a:t>Essaye de retenir la traduction de tous les mots !</a:t>
-            </a:r>
-            <a:endParaRPr b="0" lang="en-GB" sz="3500" spc="-1" strike="noStrike">
-              <a:latin typeface="Arial"/>
-            </a:endParaRPr>
-          </a:p>
-        </p:txBody>
-      </p:sp>
-      <p:sp>
-        <p:nvSpPr>
-          <p:cNvPr id="148" name="CustomShape 4"/>
-          <p:cNvSpPr/>
-          <p:nvPr/>
-        </p:nvSpPr>
-        <p:spPr>
-          <a:xfrm>
-            <a:off x="1449720" y="3183120"/>
-            <a:ext cx="8774640" cy="1157040"/>
-          </a:xfrm>
-          <a:prstGeom prst="rect">
-            <a:avLst/>
-          </a:prstGeom>
-          <a:noFill/>
-          <a:ln>
-            <a:noFill/>
-          </a:ln>
-        </p:spPr>
-        <p:style>
-          <a:lnRef idx="0"/>
-          <a:fillRef idx="0"/>
-          <a:effectRef idx="0"/>
-          <a:fontRef idx="minor"/>
-        </p:style>
-        <p:txBody>
-          <a:bodyPr wrap="none" lIns="90000" rIns="90000" tIns="45000" bIns="45000"/>
-          <a:p>
-            <a:pPr algn="ctr">
-              <a:lnSpc>
-                <a:spcPct val="100000"/>
-              </a:lnSpc>
-            </a:pPr>
-            <a:r>
-              <a:rPr b="0" lang="en-GB" sz="3500" spc="-1" strike="noStrike">
-                <a:solidFill>
-                  <a:srgbClr val="000000"/>
-                </a:solidFill>
-                <a:latin typeface="Arial"/>
-                <a:ea typeface="DejaVu Sans"/>
-              </a:rPr>
-              <a:t>Plus tard, on te donnera le mot Hongrois et </a:t>
-            </a:r>
-            <a:endParaRPr b="0" lang="en-GB" sz="3500" spc="-1" strike="noStrike">
-              <a:latin typeface="Arial"/>
-            </a:endParaRPr>
-          </a:p>
-          <a:p>
-            <a:pPr algn="ctr">
-              <a:lnSpc>
-                <a:spcPct val="100000"/>
-              </a:lnSpc>
-            </a:pPr>
-            <a:r>
-              <a:rPr b="0" lang="en-GB" sz="3500" spc="-1" strike="noStrike">
-                <a:solidFill>
-                  <a:srgbClr val="000000"/>
-                </a:solidFill>
-                <a:latin typeface="Arial"/>
-                <a:ea typeface="DejaVu Sans"/>
-              </a:rPr>
-              <a:t>tu devras écrire la traduction en français</a:t>
-            </a:r>
-            <a:endParaRPr b="0" lang="en-GB" sz="3500" spc="-1" strike="noStrike">
-              <a:latin typeface="Arial"/>
-            </a:endParaRPr>
-          </a:p>
-        </p:txBody>
-      </p:sp>
-    </p:spTree>
-  </p:cSld>
-</p:sld>
-</file>
-
-<file path=ppt/slides/slide6.xml><?xml version="1.0" encoding="utf-8"?>
-<p:sld xmlns:a="http://schemas.openxmlformats.org/drawingml/2006/main" xmlns:p="http://schemas.openxmlformats.org/presentationml/2006/main" xmlns:r="http://schemas.openxmlformats.org/officeDocument/2006/relationships" xmlns:p14="http://schemas.microsoft.com/office/powerpoint/2010/main" xmlns:p15="http://schemas.microsoft.com/office/powerpoint/2012/main" xmlns:mc="http://schemas.openxmlformats.org/markup-compatibility/2006">
-  <p:cSld>
-    <p:spTree>
-      <p:nvGrpSpPr>
-        <p:cNvPr id="1" name=""/>
-        <p:cNvGrpSpPr/>
-        <p:nvPr/>
-      </p:nvGrpSpPr>
-      <p:grpSpPr>
-        <a:xfrm>
-          <a:off x="0" y="0"/>
-          <a:ext cx="0" cy="0"/>
-          <a:chOff x="0" y="0"/>
-          <a:chExt cx="0" cy="0"/>
-        </a:xfrm>
-      </p:grpSpPr>
-      <p:sp>
-        <p:nvSpPr>
-          <p:cNvPr id="149" name="CustomShape 1"/>
-          <p:cNvSpPr/>
-          <p:nvPr/>
-        </p:nvSpPr>
-        <p:spPr>
-          <a:xfrm>
-            <a:off x="2952000" y="3176640"/>
-            <a:ext cx="1479240" cy="699480"/>
-          </a:xfrm>
-          <a:prstGeom prst="rect">
-            <a:avLst/>
-          </a:prstGeom>
-          <a:noFill/>
-          <a:ln>
-            <a:noFill/>
-          </a:ln>
-        </p:spPr>
-        <p:style>
-          <a:lnRef idx="0"/>
-          <a:fillRef idx="0"/>
-          <a:effectRef idx="0"/>
-          <a:fontRef idx="minor"/>
-        </p:style>
-        <p:txBody>
-          <a:bodyPr wrap="none" lIns="90000" rIns="90000" tIns="45000" bIns="45000"/>
-          <a:p>
-            <a:pPr algn="ctr">
-              <a:lnSpc>
-                <a:spcPct val="100000"/>
-              </a:lnSpc>
-            </a:pPr>
-            <a:r>
-              <a:rPr b="0" lang="en-GB" sz="4000" spc="-1" strike="noStrike">
-                <a:solidFill>
-                  <a:srgbClr val="000000"/>
-                </a:solidFill>
-                <a:latin typeface="Arial"/>
-                <a:ea typeface="DejaVu Sans"/>
-              </a:rPr>
-              <a:t>Vonat</a:t>
-            </a:r>
-            <a:endParaRPr b="0" lang="en-GB" sz="4000" spc="-1" strike="noStrike">
-              <a:latin typeface="Arial"/>
-            </a:endParaRPr>
-          </a:p>
-        </p:txBody>
-      </p:sp>
-      <p:sp>
-        <p:nvSpPr>
-          <p:cNvPr id="150" name="CustomShape 2"/>
-          <p:cNvSpPr/>
-          <p:nvPr/>
-        </p:nvSpPr>
-        <p:spPr>
-          <a:xfrm>
-            <a:off x="5347800" y="3253680"/>
-            <a:ext cx="441360" cy="623520"/>
-          </a:xfrm>
-          <a:prstGeom prst="rect">
-            <a:avLst/>
-          </a:prstGeom>
-          <a:noFill/>
-          <a:ln>
-            <a:noFill/>
-          </a:ln>
-        </p:spPr>
-        <p:style>
-          <a:lnRef idx="0"/>
-          <a:fillRef idx="0"/>
-          <a:effectRef idx="0"/>
-          <a:fontRef idx="minor"/>
-        </p:style>
-        <p:txBody>
-          <a:bodyPr wrap="none" lIns="90000" rIns="90000" tIns="45000" bIns="45000"/>
-          <a:p>
-            <a:pPr algn="ctr">
-              <a:lnSpc>
-                <a:spcPct val="100000"/>
-              </a:lnSpc>
-            </a:pPr>
-            <a:r>
-              <a:rPr b="0" lang="en-GB" sz="3500" spc="-1" strike="noStrike">
-                <a:solidFill>
-                  <a:srgbClr val="000000"/>
-                </a:solidFill>
-                <a:latin typeface="Arial"/>
-                <a:ea typeface="DejaVu Sans"/>
-              </a:rPr>
               <a:t>=</a:t>
             </a:r>
-            <a:endParaRPr b="0" lang="en-GB" sz="3500" spc="-1" strike="noStrike">
-              <a:latin typeface="Arial"/>
-            </a:endParaRPr>
-          </a:p>
-        </p:txBody>
-      </p:sp>
-      <p:sp>
-        <p:nvSpPr>
-          <p:cNvPr id="151" name="CustomShape 3"/>
-          <p:cNvSpPr/>
-          <p:nvPr/>
-        </p:nvSpPr>
-        <p:spPr>
-          <a:xfrm>
-            <a:off x="6598080" y="3176640"/>
-            <a:ext cx="1317600" cy="699480"/>
-          </a:xfrm>
-          <a:prstGeom prst="rect">
-            <a:avLst/>
-          </a:prstGeom>
-          <a:noFill/>
-          <a:ln>
-            <a:noFill/>
-          </a:ln>
-        </p:spPr>
-        <p:style>
-          <a:lnRef idx="0"/>
-          <a:fillRef idx="0"/>
-          <a:effectRef idx="0"/>
-          <a:fontRef idx="minor"/>
-        </p:style>
-        <p:txBody>
-          <a:bodyPr wrap="none" lIns="90000" rIns="90000" tIns="45000" bIns="45000"/>
-          <a:p>
-            <a:pPr algn="ctr">
-              <a:lnSpc>
-                <a:spcPct val="100000"/>
-              </a:lnSpc>
-            </a:pPr>
-            <a:r>
-              <a:rPr b="0" lang="en-GB" sz="4000" spc="-1" strike="noStrike">
-                <a:solidFill>
-                  <a:srgbClr val="000000"/>
-                </a:solidFill>
-                <a:latin typeface="Arial"/>
-                <a:ea typeface="DejaVu Sans"/>
-              </a:rPr>
-              <a:t>Train</a:t>
-            </a:r>
-            <a:endParaRPr b="0" lang="en-GB" sz="4000" spc="-1" strike="noStrike">
-              <a:latin typeface="Arial"/>
-            </a:endParaRPr>
-          </a:p>
-        </p:txBody>
-      </p:sp>
-      <p:sp>
-        <p:nvSpPr>
-          <p:cNvPr id="152" name="CustomShape 4"/>
-          <p:cNvSpPr/>
-          <p:nvPr/>
-        </p:nvSpPr>
-        <p:spPr>
-          <a:xfrm>
-            <a:off x="3587400" y="1259640"/>
-            <a:ext cx="3885480" cy="623520"/>
-          </a:xfrm>
-          <a:prstGeom prst="rect">
-            <a:avLst/>
-          </a:prstGeom>
-          <a:noFill/>
-          <a:ln>
-            <a:noFill/>
-          </a:ln>
-        </p:spPr>
-        <p:style>
-          <a:lnRef idx="0"/>
-          <a:fillRef idx="0"/>
-          <a:effectRef idx="0"/>
-          <a:fontRef idx="minor"/>
-        </p:style>
-        <p:txBody>
-          <a:bodyPr wrap="none" lIns="90000" rIns="90000" tIns="45000" bIns="45000"/>
-          <a:p>
-            <a:pPr algn="ctr">
-              <a:lnSpc>
-                <a:spcPct val="100000"/>
-              </a:lnSpc>
-            </a:pPr>
-            <a:r>
-              <a:rPr b="0" lang="en-GB" sz="3500" spc="-1" strike="noStrike">
-                <a:solidFill>
-                  <a:srgbClr val="000000"/>
-                </a:solidFill>
-                <a:latin typeface="Arial"/>
-                <a:ea typeface="DejaVu Sans"/>
-              </a:rPr>
-              <a:t>Essaye de retenir !</a:t>
-            </a:r>
-            <a:endParaRPr b="0" lang="en-GB" sz="3500" spc="-1" strike="noStrike">
+            <a:endParaRPr b="0" lang="en-GB" sz="3000" spc="-1" strike="noStrike">
               <a:latin typeface="Arial"/>
             </a:endParaRPr>
           </a:p>
@@ -7644,6 +8452,518 @@
 </p:sld>
 </file>
 
+<file path=ppt/slides/slide5.xml><?xml version="1.0" encoding="utf-8"?>
+<p:sld xmlns:a="http://schemas.openxmlformats.org/drawingml/2006/main" xmlns:p="http://schemas.openxmlformats.org/presentationml/2006/main" xmlns:r="http://schemas.openxmlformats.org/officeDocument/2006/relationships" xmlns:p14="http://schemas.microsoft.com/office/powerpoint/2010/main" xmlns:p15="http://schemas.microsoft.com/office/powerpoint/2012/main" xmlns:mc="http://schemas.openxmlformats.org/markup-compatibility/2006">
+  <p:cSld>
+    <p:spTree>
+      <p:nvGrpSpPr>
+        <p:cNvPr id="1" name=""/>
+        <p:cNvGrpSpPr/>
+        <p:nvPr/>
+      </p:nvGrpSpPr>
+      <p:grpSpPr>
+        <a:xfrm>
+          <a:off x="0" y="0"/>
+          <a:ext cx="0" cy="0"/>
+          <a:chOff x="0" y="0"/>
+          <a:chExt cx="0" cy="0"/>
+        </a:xfrm>
+      </p:grpSpPr>
+      <p:sp>
+        <p:nvSpPr>
+          <p:cNvPr id="139" name="CustomShape 1"/>
+          <p:cNvSpPr/>
+          <p:nvPr/>
+        </p:nvSpPr>
+        <p:spPr>
+          <a:xfrm>
+            <a:off x="3362400" y="918000"/>
+            <a:ext cx="4811400" cy="546120"/>
+          </a:xfrm>
+          <a:prstGeom prst="rect">
+            <a:avLst/>
+          </a:prstGeom>
+          <a:noFill/>
+          <a:ln>
+            <a:noFill/>
+          </a:ln>
+        </p:spPr>
+        <p:style>
+          <a:lnRef idx="0"/>
+          <a:fillRef idx="0"/>
+          <a:effectRef idx="0"/>
+          <a:fontRef idx="minor"/>
+        </p:style>
+        <p:txBody>
+          <a:bodyPr wrap="none" lIns="90000" rIns="90000" tIns="45000" bIns="45000"/>
+          <a:p>
+            <a:pPr algn="ctr">
+              <a:lnSpc>
+                <a:spcPct val="100000"/>
+              </a:lnSpc>
+            </a:pPr>
+            <a:r>
+              <a:rPr b="0" lang="en-GB" sz="3000" spc="-1" strike="noStrike">
+                <a:solidFill>
+                  <a:srgbClr val="000000"/>
+                </a:solidFill>
+                <a:latin typeface="Arial"/>
+                <a:ea typeface="DejaVu Sans"/>
+              </a:rPr>
+              <a:t>Essaye de traduire ce mot !</a:t>
+            </a:r>
+            <a:endParaRPr b="0" lang="en-GB" sz="3000" spc="-1" strike="noStrike">
+              <a:latin typeface="Arial"/>
+            </a:endParaRPr>
+          </a:p>
+        </p:txBody>
+      </p:sp>
+      <p:sp>
+        <p:nvSpPr>
+          <p:cNvPr id="140" name="CustomShape 2"/>
+          <p:cNvSpPr/>
+          <p:nvPr/>
+        </p:nvSpPr>
+        <p:spPr>
+          <a:xfrm>
+            <a:off x="3621960" y="2237760"/>
+            <a:ext cx="4051080" cy="546120"/>
+          </a:xfrm>
+          <a:prstGeom prst="rect">
+            <a:avLst/>
+          </a:prstGeom>
+          <a:noFill/>
+          <a:ln>
+            <a:noFill/>
+          </a:ln>
+        </p:spPr>
+        <p:style>
+          <a:lnRef idx="0"/>
+          <a:fillRef idx="0"/>
+          <a:effectRef idx="0"/>
+          <a:fontRef idx="minor"/>
+        </p:style>
+        <p:txBody>
+          <a:bodyPr wrap="none" lIns="90000" rIns="90000" tIns="45000" bIns="45000"/>
+          <a:p>
+            <a:pPr algn="ctr">
+              <a:lnSpc>
+                <a:spcPct val="100000"/>
+              </a:lnSpc>
+            </a:pPr>
+            <a:r>
+              <a:rPr b="0" lang="en-GB" sz="3000" spc="-1" strike="noStrike">
+                <a:solidFill>
+                  <a:srgbClr val="000000"/>
+                </a:solidFill>
+                <a:latin typeface="Arial"/>
+                <a:ea typeface="DejaVu Sans"/>
+              </a:rPr>
+              <a:t>Ecrit le mot en français</a:t>
+            </a:r>
+            <a:endParaRPr b="0" lang="en-GB" sz="3000" spc="-1" strike="noStrike">
+              <a:latin typeface="Arial"/>
+            </a:endParaRPr>
+          </a:p>
+        </p:txBody>
+      </p:sp>
+      <p:sp>
+        <p:nvSpPr>
+          <p:cNvPr id="141" name="CustomShape 3"/>
+          <p:cNvSpPr/>
+          <p:nvPr/>
+        </p:nvSpPr>
+        <p:spPr>
+          <a:xfrm>
+            <a:off x="6482520" y="3557880"/>
+            <a:ext cx="391680" cy="546120"/>
+          </a:xfrm>
+          <a:prstGeom prst="rect">
+            <a:avLst/>
+          </a:prstGeom>
+          <a:noFill/>
+          <a:ln>
+            <a:noFill/>
+          </a:ln>
+        </p:spPr>
+        <p:style>
+          <a:lnRef idx="0"/>
+          <a:fillRef idx="0"/>
+          <a:effectRef idx="0"/>
+          <a:fontRef idx="minor"/>
+        </p:style>
+        <p:txBody>
+          <a:bodyPr wrap="none" lIns="90000" rIns="90000" tIns="45000" bIns="45000"/>
+          <a:p>
+            <a:pPr algn="ctr">
+              <a:lnSpc>
+                <a:spcPct val="100000"/>
+              </a:lnSpc>
+            </a:pPr>
+            <a:r>
+              <a:rPr b="0" lang="en-GB" sz="3000" spc="-1" strike="noStrike">
+                <a:solidFill>
+                  <a:srgbClr val="000000"/>
+                </a:solidFill>
+                <a:latin typeface="Arial"/>
+                <a:ea typeface="DejaVu Sans"/>
+              </a:rPr>
+              <a:t>?</a:t>
+            </a:r>
+            <a:endParaRPr b="0" lang="en-GB" sz="3000" spc="-1" strike="noStrike">
+              <a:latin typeface="Arial"/>
+            </a:endParaRPr>
+          </a:p>
+        </p:txBody>
+      </p:sp>
+      <p:sp>
+        <p:nvSpPr>
+          <p:cNvPr id="142" name="CustomShape 4"/>
+          <p:cNvSpPr/>
+          <p:nvPr/>
+        </p:nvSpPr>
+        <p:spPr>
+          <a:xfrm>
+            <a:off x="5241600" y="3557880"/>
+            <a:ext cx="402480" cy="546120"/>
+          </a:xfrm>
+          <a:prstGeom prst="rect">
+            <a:avLst/>
+          </a:prstGeom>
+          <a:noFill/>
+          <a:ln>
+            <a:noFill/>
+          </a:ln>
+        </p:spPr>
+        <p:style>
+          <a:lnRef idx="0"/>
+          <a:fillRef idx="0"/>
+          <a:effectRef idx="0"/>
+          <a:fontRef idx="minor"/>
+        </p:style>
+        <p:txBody>
+          <a:bodyPr wrap="none" lIns="90000" rIns="90000" tIns="45000" bIns="45000"/>
+          <a:p>
+            <a:pPr algn="ctr">
+              <a:lnSpc>
+                <a:spcPct val="100000"/>
+              </a:lnSpc>
+            </a:pPr>
+            <a:r>
+              <a:rPr b="0" lang="en-GB" sz="3000" spc="-1" strike="noStrike">
+                <a:solidFill>
+                  <a:srgbClr val="000000"/>
+                </a:solidFill>
+                <a:latin typeface="Arial"/>
+                <a:ea typeface="DejaVu Sans"/>
+              </a:rPr>
+              <a:t>=</a:t>
+            </a:r>
+            <a:endParaRPr b="0" lang="en-GB" sz="3000" spc="-1" strike="noStrike">
+              <a:latin typeface="Arial"/>
+            </a:endParaRPr>
+          </a:p>
+        </p:txBody>
+      </p:sp>
+    </p:spTree>
+  </p:cSld>
+  <p:timing>
+    <p:tnLst>
+      <p:par>
+        <p:cTn id="7" dur="indefinite" restart="never" nodeType="tmRoot">
+          <p:childTnLst>
+            <p:seq>
+              <p:cTn id="8" dur="indefinite" nodeType="mainSeq"/>
+              <p:prevCondLst>
+                <p:cond delay="0" evt="onPrev">
+                  <p:tgtEl>
+                    <p:sldTgt/>
+                  </p:tgtEl>
+                </p:cond>
+              </p:prevCondLst>
+              <p:nextCondLst>
+                <p:cond delay="0" evt="onNext">
+                  <p:tgtEl>
+                    <p:sldTgt/>
+                  </p:tgtEl>
+                </p:cond>
+              </p:nextCondLst>
+            </p:seq>
+          </p:childTnLst>
+        </p:cTn>
+      </p:par>
+    </p:tnLst>
+  </p:timing>
+</p:sld>
+</file>
+
+<file path=ppt/slides/slide6.xml><?xml version="1.0" encoding="utf-8"?>
+<p:sld xmlns:a="http://schemas.openxmlformats.org/drawingml/2006/main" xmlns:p="http://schemas.openxmlformats.org/presentationml/2006/main" xmlns:r="http://schemas.openxmlformats.org/officeDocument/2006/relationships" xmlns:p14="http://schemas.microsoft.com/office/powerpoint/2010/main" xmlns:p15="http://schemas.microsoft.com/office/powerpoint/2012/main" xmlns:mc="http://schemas.openxmlformats.org/markup-compatibility/2006">
+  <p:cSld>
+    <p:spTree>
+      <p:nvGrpSpPr>
+        <p:cNvPr id="1" name=""/>
+        <p:cNvGrpSpPr/>
+        <p:nvPr/>
+      </p:nvGrpSpPr>
+      <p:grpSpPr>
+        <a:xfrm>
+          <a:off x="0" y="0"/>
+          <a:ext cx="0" cy="0"/>
+          <a:chOff x="0" y="0"/>
+          <a:chExt cx="0" cy="0"/>
+        </a:xfrm>
+      </p:grpSpPr>
+      <p:sp>
+        <p:nvSpPr>
+          <p:cNvPr id="143" name="CustomShape 1"/>
+          <p:cNvSpPr/>
+          <p:nvPr/>
+        </p:nvSpPr>
+        <p:spPr>
+          <a:xfrm>
+            <a:off x="3320280" y="1256760"/>
+            <a:ext cx="4669560" cy="698760"/>
+          </a:xfrm>
+          <a:prstGeom prst="rect">
+            <a:avLst/>
+          </a:prstGeom>
+          <a:noFill/>
+          <a:ln>
+            <a:noFill/>
+          </a:ln>
+        </p:spPr>
+        <p:style>
+          <a:lnRef idx="0"/>
+          <a:fillRef idx="0"/>
+          <a:effectRef idx="0"/>
+          <a:fontRef idx="minor"/>
+        </p:style>
+        <p:txBody>
+          <a:bodyPr wrap="none" lIns="90000" rIns="90000" tIns="45000" bIns="45000"/>
+          <a:p>
+            <a:pPr algn="ctr">
+              <a:lnSpc>
+                <a:spcPct val="100000"/>
+              </a:lnSpc>
+            </a:pPr>
+            <a:r>
+              <a:rPr b="0" lang="en-GB" sz="4000" spc="-1" strike="noStrike">
+                <a:solidFill>
+                  <a:srgbClr val="000000"/>
+                </a:solidFill>
+                <a:latin typeface="Arial"/>
+                <a:ea typeface="DejaVu Sans"/>
+              </a:rPr>
+              <a:t>Bravo ! Tu as réussi</a:t>
+            </a:r>
+            <a:endParaRPr b="0" lang="en-GB" sz="4000" spc="-1" strike="noStrike">
+              <a:latin typeface="Arial"/>
+            </a:endParaRPr>
+          </a:p>
+        </p:txBody>
+      </p:sp>
+      <p:sp>
+        <p:nvSpPr>
+          <p:cNvPr id="144" name="CustomShape 2"/>
+          <p:cNvSpPr/>
+          <p:nvPr/>
+        </p:nvSpPr>
+        <p:spPr>
+          <a:xfrm>
+            <a:off x="3605760" y="2959920"/>
+            <a:ext cx="1153800" cy="546120"/>
+          </a:xfrm>
+          <a:prstGeom prst="rect">
+            <a:avLst/>
+          </a:prstGeom>
+          <a:noFill/>
+          <a:ln>
+            <a:noFill/>
+          </a:ln>
+        </p:spPr>
+        <p:style>
+          <a:lnRef idx="0"/>
+          <a:fillRef idx="0"/>
+          <a:effectRef idx="0"/>
+          <a:fontRef idx="minor"/>
+        </p:style>
+        <p:txBody>
+          <a:bodyPr wrap="none" lIns="90000" rIns="90000" tIns="45000" bIns="45000"/>
+          <a:p>
+            <a:pPr algn="ctr">
+              <a:lnSpc>
+                <a:spcPct val="100000"/>
+              </a:lnSpc>
+            </a:pPr>
+            <a:r>
+              <a:rPr b="0" lang="en-GB" sz="3000" spc="-1" strike="noStrike">
+                <a:solidFill>
+                  <a:srgbClr val="000000"/>
+                </a:solidFill>
+                <a:latin typeface="Arial"/>
+                <a:ea typeface="DejaVu Sans"/>
+              </a:rPr>
+              <a:t>Vonat</a:t>
+            </a:r>
+            <a:endParaRPr b="0" lang="en-GB" sz="3000" spc="-1" strike="noStrike">
+              <a:latin typeface="Arial"/>
+            </a:endParaRPr>
+          </a:p>
+        </p:txBody>
+      </p:sp>
+      <p:sp>
+        <p:nvSpPr>
+          <p:cNvPr id="145" name="CustomShape 3"/>
+          <p:cNvSpPr/>
+          <p:nvPr/>
+        </p:nvSpPr>
+        <p:spPr>
+          <a:xfrm>
+            <a:off x="6263280" y="2959920"/>
+            <a:ext cx="1033560" cy="546120"/>
+          </a:xfrm>
+          <a:prstGeom prst="rect">
+            <a:avLst/>
+          </a:prstGeom>
+          <a:noFill/>
+          <a:ln>
+            <a:noFill/>
+          </a:ln>
+        </p:spPr>
+        <p:style>
+          <a:lnRef idx="0"/>
+          <a:fillRef idx="0"/>
+          <a:effectRef idx="0"/>
+          <a:fontRef idx="minor"/>
+        </p:style>
+        <p:txBody>
+          <a:bodyPr wrap="none" lIns="90000" rIns="90000" tIns="45000" bIns="45000"/>
+          <a:p>
+            <a:pPr algn="ctr">
+              <a:lnSpc>
+                <a:spcPct val="100000"/>
+              </a:lnSpc>
+            </a:pPr>
+            <a:r>
+              <a:rPr b="0" lang="en-GB" sz="3000" spc="-1" strike="noStrike">
+                <a:solidFill>
+                  <a:srgbClr val="000000"/>
+                </a:solidFill>
+                <a:latin typeface="Arial"/>
+                <a:ea typeface="DejaVu Sans"/>
+              </a:rPr>
+              <a:t>Train</a:t>
+            </a:r>
+            <a:endParaRPr b="0" lang="en-GB" sz="3000" spc="-1" strike="noStrike">
+              <a:latin typeface="Arial"/>
+            </a:endParaRPr>
+          </a:p>
+        </p:txBody>
+      </p:sp>
+      <p:sp>
+        <p:nvSpPr>
+          <p:cNvPr id="146" name="CustomShape 4"/>
+          <p:cNvSpPr/>
+          <p:nvPr/>
+        </p:nvSpPr>
+        <p:spPr>
+          <a:xfrm>
+            <a:off x="5343120" y="2959920"/>
+            <a:ext cx="402480" cy="546120"/>
+          </a:xfrm>
+          <a:prstGeom prst="rect">
+            <a:avLst/>
+          </a:prstGeom>
+          <a:noFill/>
+          <a:ln>
+            <a:noFill/>
+          </a:ln>
+        </p:spPr>
+        <p:style>
+          <a:lnRef idx="0"/>
+          <a:fillRef idx="0"/>
+          <a:effectRef idx="0"/>
+          <a:fontRef idx="minor"/>
+        </p:style>
+        <p:txBody>
+          <a:bodyPr wrap="none" lIns="90000" rIns="90000" tIns="45000" bIns="45000"/>
+          <a:p>
+            <a:pPr algn="ctr">
+              <a:lnSpc>
+                <a:spcPct val="100000"/>
+              </a:lnSpc>
+            </a:pPr>
+            <a:r>
+              <a:rPr b="0" lang="en-GB" sz="3000" spc="-1" strike="noStrike">
+                <a:solidFill>
+                  <a:srgbClr val="000000"/>
+                </a:solidFill>
+                <a:latin typeface="Arial"/>
+                <a:ea typeface="DejaVu Sans"/>
+              </a:rPr>
+              <a:t>=</a:t>
+            </a:r>
+            <a:endParaRPr b="0" lang="en-GB" sz="3000" spc="-1" strike="noStrike">
+              <a:latin typeface="Arial"/>
+            </a:endParaRPr>
+          </a:p>
+        </p:txBody>
+      </p:sp>
+      <p:sp>
+        <p:nvSpPr>
+          <p:cNvPr id="147" name="CustomShape 5"/>
+          <p:cNvSpPr/>
+          <p:nvPr/>
+        </p:nvSpPr>
+        <p:spPr>
+          <a:xfrm>
+            <a:off x="2279880" y="4339080"/>
+            <a:ext cx="6528960" cy="546120"/>
+          </a:xfrm>
+          <a:prstGeom prst="rect">
+            <a:avLst/>
+          </a:prstGeom>
+          <a:noFill/>
+          <a:ln>
+            <a:noFill/>
+          </a:ln>
+        </p:spPr>
+        <p:style>
+          <a:lnRef idx="0"/>
+          <a:fillRef idx="0"/>
+          <a:effectRef idx="0"/>
+          <a:fontRef idx="minor"/>
+        </p:style>
+        <p:txBody>
+          <a:bodyPr wrap="none" lIns="90000" rIns="90000" tIns="45000" bIns="45000"/>
+          <a:p>
+            <a:pPr algn="ctr">
+              <a:lnSpc>
+                <a:spcPct val="100000"/>
+              </a:lnSpc>
+            </a:pPr>
+            <a:r>
+              <a:rPr b="0" lang="en-GB" sz="3000" spc="-1" strike="noStrike">
+                <a:solidFill>
+                  <a:srgbClr val="000000"/>
+                </a:solidFill>
+                <a:latin typeface="Arial"/>
+                <a:ea typeface="DejaVu Sans"/>
+              </a:rPr>
+              <a:t>Appuie sur une touche pour continuer</a:t>
+            </a:r>
+            <a:endParaRPr b="0" lang="en-GB" sz="3000" spc="-1" strike="noStrike">
+              <a:latin typeface="Arial"/>
+            </a:endParaRPr>
+          </a:p>
+        </p:txBody>
+      </p:sp>
+    </p:spTree>
+  </p:cSld>
+</p:sld>
+</file>
+
 <file path=ppt/slides/slide7.xml><?xml version="1.0" encoding="utf-8"?>
 <p:sld xmlns:a="http://schemas.openxmlformats.org/drawingml/2006/main" xmlns:p="http://schemas.openxmlformats.org/presentationml/2006/main" xmlns:r="http://schemas.openxmlformats.org/officeDocument/2006/relationships" xmlns:p14="http://schemas.microsoft.com/office/powerpoint/2010/main" xmlns:p15="http://schemas.microsoft.com/office/powerpoint/2012/main" xmlns:mc="http://schemas.openxmlformats.org/markup-compatibility/2006">
   <p:cSld>
@@ -7663,14 +8983,14 @@
       </p:grpSpPr>
       <p:sp>
         <p:nvSpPr>
-          <p:cNvPr id="153" name="CustomShape 1"/>
+          <p:cNvPr id="148" name="CustomShape 1"/>
           <p:cNvSpPr/>
           <p:nvPr/>
         </p:nvSpPr>
         <p:spPr>
           <a:xfrm>
-            <a:off x="3535920" y="206640"/>
-            <a:ext cx="4670280" cy="699480"/>
+            <a:off x="1308240" y="997200"/>
+            <a:ext cx="8941320" cy="1917720"/>
           </a:xfrm>
           <a:prstGeom prst="rect">
             <a:avLst/>
@@ -7702,24 +9022,54 @@
                 <a:latin typeface="Arial"/>
                 <a:ea typeface="DejaVu Sans"/>
               </a:rPr>
-              <a:t>Bravo ! Tu as réussi</a:t>
+              <a:t>Ooups ! </a:t>
             </a:r>
             <a:endParaRPr b="0" lang="en-GB" sz="4000" spc="-1" strike="noStrike">
               <a:latin typeface="Arial"/>
             </a:endParaRPr>
           </a:p>
-        </p:txBody>
-      </p:sp>
-      <p:sp>
-        <p:nvSpPr>
-          <p:cNvPr id="154" name="CustomShape 2"/>
+          <a:p>
+            <a:pPr algn="ctr">
+              <a:lnSpc>
+                <a:spcPct val="100000"/>
+              </a:lnSpc>
+            </a:pPr>
+            <a:endParaRPr b="0" lang="en-GB" sz="4000" spc="-1" strike="noStrike">
+              <a:latin typeface="Arial"/>
+            </a:endParaRPr>
+          </a:p>
+          <a:p>
+            <a:pPr algn="ctr">
+              <a:lnSpc>
+                <a:spcPct val="100000"/>
+              </a:lnSpc>
+            </a:pPr>
+            <a:r>
+              <a:rPr b="0" lang="en-GB" sz="4000" spc="-1" strike="noStrike">
+                <a:solidFill>
+                  <a:srgbClr val="000000"/>
+                </a:solidFill>
+                <a:latin typeface="Arial"/>
+                <a:ea typeface="DejaVu Sans"/>
+              </a:rPr>
+              <a:t>Tu n’as pas écrit le mot correctement...</a:t>
+            </a:r>
+            <a:endParaRPr b="0" lang="en-GB" sz="4000" spc="-1" strike="noStrike">
+              <a:latin typeface="Arial"/>
+            </a:endParaRPr>
+          </a:p>
+        </p:txBody>
+      </p:sp>
+      <p:sp>
+        <p:nvSpPr>
+          <p:cNvPr id="149" name="CustomShape 2"/>
           <p:cNvSpPr/>
           <p:nvPr/>
         </p:nvSpPr>
         <p:spPr>
           <a:xfrm>
-            <a:off x="3948480" y="1280880"/>
-            <a:ext cx="1154520" cy="546840"/>
+            <a:off x="3535560" y="3851280"/>
+            <a:ext cx="1316880" cy="622800"/>
           </a:xfrm>
           <a:prstGeom prst="rect">
             <a:avLst/>
@@ -7744,7 +9094,7 @@
               </a:lnSpc>
             </a:pPr>
             <a:r>
-              <a:rPr b="0" lang="en-GB" sz="3000" spc="-1" strike="noStrike">
+              <a:rPr b="0" lang="en-GB" sz="3500" spc="-1" strike="noStrike">
                 <a:solidFill>
                   <a:srgbClr val="000000"/>
                 </a:solidFill>
@@ -7753,22 +9103,22 @@
               </a:rPr>
               <a:t>Vonat</a:t>
             </a:r>
-            <a:endParaRPr b="0" lang="en-GB" sz="3000" spc="-1" strike="noStrike">
-              <a:latin typeface="Arial"/>
-            </a:endParaRPr>
-          </a:p>
-        </p:txBody>
-      </p:sp>
-      <p:sp>
-        <p:nvSpPr>
-          <p:cNvPr id="155" name="CustomShape 3"/>
+            <a:endParaRPr b="0" lang="en-GB" sz="3500" spc="-1" strike="noStrike">
+              <a:latin typeface="Arial"/>
+            </a:endParaRPr>
+          </a:p>
+        </p:txBody>
+      </p:sp>
+      <p:sp>
+        <p:nvSpPr>
+          <p:cNvPr id="150" name="CustomShape 3"/>
           <p:cNvSpPr/>
           <p:nvPr/>
         </p:nvSpPr>
         <p:spPr>
           <a:xfrm>
-            <a:off x="6606360" y="1280880"/>
-            <a:ext cx="1034280" cy="546840"/>
+            <a:off x="6203160" y="3851280"/>
+            <a:ext cx="1176840" cy="622800"/>
           </a:xfrm>
           <a:prstGeom prst="rect">
             <a:avLst/>
@@ -7793,7 +9143,7 @@
               </a:lnSpc>
             </a:pPr>
             <a:r>
-              <a:rPr b="0" lang="en-GB" sz="3000" spc="-1" strike="noStrike">
+              <a:rPr b="0" lang="en-GB" sz="3500" spc="-1" strike="noStrike">
                 <a:solidFill>
                   <a:srgbClr val="000000"/>
                 </a:solidFill>
@@ -7802,22 +9152,22 @@
               </a:rPr>
               <a:t>Train</a:t>
             </a:r>
-            <a:endParaRPr b="0" lang="en-GB" sz="3000" spc="-1" strike="noStrike">
-              <a:latin typeface="Arial"/>
-            </a:endParaRPr>
-          </a:p>
-        </p:txBody>
-      </p:sp>
-      <p:sp>
-        <p:nvSpPr>
-          <p:cNvPr id="156" name="CustomShape 4"/>
+            <a:endParaRPr b="0" lang="en-GB" sz="3500" spc="-1" strike="noStrike">
+              <a:latin typeface="Arial"/>
+            </a:endParaRPr>
+          </a:p>
+        </p:txBody>
+      </p:sp>
+      <p:sp>
+        <p:nvSpPr>
+          <p:cNvPr id="151" name="CustomShape 4"/>
           <p:cNvSpPr/>
           <p:nvPr/>
         </p:nvSpPr>
         <p:spPr>
           <a:xfrm>
-            <a:off x="5686200" y="1280880"/>
-            <a:ext cx="403200" cy="546840"/>
+            <a:off x="5335200" y="3851280"/>
+            <a:ext cx="440640" cy="622800"/>
           </a:xfrm>
           <a:prstGeom prst="rect">
             <a:avLst/>
@@ -7842,7 +9192,7 @@
               </a:lnSpc>
             </a:pPr>
             <a:r>
-              <a:rPr b="0" lang="en-GB" sz="3000" spc="-1" strike="noStrike">
+              <a:rPr b="0" lang="en-GB" sz="3500" spc="-1" strike="noStrike">
                 <a:solidFill>
                   <a:srgbClr val="000000"/>
                 </a:solidFill>
@@ -7851,22 +9201,22 @@
               </a:rPr>
               <a:t>=</a:t>
             </a:r>
-            <a:endParaRPr b="0" lang="en-GB" sz="3000" spc="-1" strike="noStrike">
-              <a:latin typeface="Arial"/>
-            </a:endParaRPr>
-          </a:p>
-        </p:txBody>
-      </p:sp>
-      <p:sp>
-        <p:nvSpPr>
-          <p:cNvPr id="157" name="CustomShape 5"/>
+            <a:endParaRPr b="0" lang="en-GB" sz="3500" spc="-1" strike="noStrike">
+              <a:latin typeface="Arial"/>
+            </a:endParaRPr>
+          </a:p>
+        </p:txBody>
+      </p:sp>
+      <p:sp>
+        <p:nvSpPr>
+          <p:cNvPr id="152" name="CustomShape 5"/>
           <p:cNvSpPr/>
           <p:nvPr/>
         </p:nvSpPr>
         <p:spPr>
           <a:xfrm>
-            <a:off x="3446640" y="2112840"/>
-            <a:ext cx="5034600" cy="699480"/>
+            <a:off x="6288120" y="3429000"/>
+            <a:ext cx="1158480" cy="394200"/>
           </a:xfrm>
           <a:prstGeom prst="rect">
             <a:avLst/>
@@ -7885,37 +9235,37 @@
         <p:txBody>
           <a:bodyPr wrap="none" lIns="90000" rIns="90000" tIns="45000" bIns="45000"/>
           <a:p>
-            <a:pPr algn="ctr">
+            <a:pPr>
               <a:lnSpc>
                 <a:spcPct val="100000"/>
               </a:lnSpc>
             </a:pPr>
             <a:r>
-              <a:rPr b="0" lang="en-GB" sz="4000" spc="-1" strike="noStrike">
+              <a:rPr b="0" lang="en-GB" sz="2000" spc="-1" strike="noStrike">
                 <a:solidFill>
                   <a:srgbClr val="000000"/>
                 </a:solidFill>
                 <a:latin typeface="Arial"/>
                 <a:ea typeface="DejaVu Sans"/>
               </a:rPr>
-              <a:t>Que souhaiterais-tu ?</a:t>
-            </a:r>
-            <a:endParaRPr b="0" lang="en-GB" sz="4000" spc="-1" strike="noStrike">
-              <a:latin typeface="Arial"/>
-            </a:endParaRPr>
-          </a:p>
-        </p:txBody>
-      </p:sp>
-      <p:sp>
-        <p:nvSpPr>
-          <p:cNvPr id="158" name="CustomShape 6"/>
+              <a:t>Français</a:t>
+            </a:r>
+            <a:endParaRPr b="0" lang="en-GB" sz="2000" spc="-1" strike="noStrike">
+              <a:latin typeface="Arial"/>
+            </a:endParaRPr>
+          </a:p>
+        </p:txBody>
+      </p:sp>
+      <p:sp>
+        <p:nvSpPr>
+          <p:cNvPr id="153" name="CustomShape 6"/>
           <p:cNvSpPr/>
           <p:nvPr/>
         </p:nvSpPr>
         <p:spPr>
           <a:xfrm>
-            <a:off x="833400" y="3191760"/>
-            <a:ext cx="7372440" cy="546840"/>
+            <a:off x="3531960" y="3450960"/>
+            <a:ext cx="1200960" cy="394200"/>
           </a:xfrm>
           <a:prstGeom prst="rect">
             <a:avLst/>
@@ -7934,37 +9284,37 @@
         <p:txBody>
           <a:bodyPr wrap="none" lIns="90000" rIns="90000" tIns="45000" bIns="45000"/>
           <a:p>
-            <a:pPr algn="ctr">
+            <a:pPr>
               <a:lnSpc>
                 <a:spcPct val="100000"/>
               </a:lnSpc>
             </a:pPr>
             <a:r>
-              <a:rPr b="0" lang="en-GB" sz="3000" spc="-1" strike="noStrike">
+              <a:rPr b="0" lang="en-GB" sz="2000" spc="-1" strike="noStrike">
                 <a:solidFill>
                   <a:srgbClr val="000000"/>
                 </a:solidFill>
                 <a:latin typeface="Arial"/>
                 <a:ea typeface="DejaVu Sans"/>
               </a:rPr>
-              <a:t>1- Je veux revoir la paire de mots plus tard</a:t>
-            </a:r>
-            <a:endParaRPr b="0" lang="en-GB" sz="3000" spc="-1" strike="noStrike">
-              <a:latin typeface="Arial"/>
-            </a:endParaRPr>
-          </a:p>
-        </p:txBody>
-      </p:sp>
-      <p:sp>
-        <p:nvSpPr>
-          <p:cNvPr id="159" name="CustomShape 7"/>
+              <a:t>Hongrois</a:t>
+            </a:r>
+            <a:endParaRPr b="0" lang="en-GB" sz="2000" spc="-1" strike="noStrike">
+              <a:latin typeface="Arial"/>
+            </a:endParaRPr>
+          </a:p>
+        </p:txBody>
+      </p:sp>
+      <p:sp>
+        <p:nvSpPr>
+          <p:cNvPr id="154" name="CustomShape 7"/>
           <p:cNvSpPr/>
           <p:nvPr/>
         </p:nvSpPr>
         <p:spPr>
           <a:xfrm>
-            <a:off x="837360" y="4023720"/>
-            <a:ext cx="7921080" cy="546840"/>
+            <a:off x="1576440" y="5229720"/>
+            <a:ext cx="7958520" cy="622800"/>
           </a:xfrm>
           <a:prstGeom prst="rect">
             <a:avLst/>
@@ -7989,114 +9339,16 @@
               </a:lnSpc>
             </a:pPr>
             <a:r>
-              <a:rPr b="0" lang="en-GB" sz="3000" spc="-1" strike="noStrike">
+              <a:rPr b="0" lang="en-GB" sz="3500" spc="-1" strike="noStrike">
                 <a:solidFill>
                   <a:srgbClr val="000000"/>
                 </a:solidFill>
                 <a:latin typeface="Arial"/>
                 <a:ea typeface="DejaVu Sans"/>
               </a:rPr>
-              <a:t>2- Je veux me re-tester avec la paire plus tard</a:t>
-            </a:r>
-            <a:endParaRPr b="0" lang="en-GB" sz="3000" spc="-1" strike="noStrike">
-              <a:latin typeface="Arial"/>
-            </a:endParaRPr>
-          </a:p>
-        </p:txBody>
-      </p:sp>
-      <p:sp>
-        <p:nvSpPr>
-          <p:cNvPr id="160" name="CustomShape 8"/>
-          <p:cNvSpPr/>
-          <p:nvPr/>
-        </p:nvSpPr>
-        <p:spPr>
-          <a:xfrm>
-            <a:off x="838800" y="4855680"/>
-            <a:ext cx="8259480" cy="546840"/>
-          </a:xfrm>
-          <a:prstGeom prst="rect">
-            <a:avLst/>
-          </a:prstGeom>
-          <a:noFill/>
-          <a:ln>
-            <a:noFill/>
-          </a:ln>
-        </p:spPr>
-        <p:style>
-          <a:lnRef idx="0"/>
-          <a:fillRef idx="0"/>
-          <a:effectRef idx="0"/>
-          <a:fontRef idx="minor"/>
-        </p:style>
-        <p:txBody>
-          <a:bodyPr wrap="none" lIns="90000" rIns="90000" tIns="45000" bIns="45000"/>
-          <a:p>
-            <a:pPr algn="ctr">
-              <a:lnSpc>
-                <a:spcPct val="100000"/>
-              </a:lnSpc>
-            </a:pPr>
-            <a:r>
-              <a:rPr b="0" lang="en-GB" sz="3000" spc="-1" strike="noStrike">
-                <a:solidFill>
-                  <a:srgbClr val="000000"/>
-                </a:solidFill>
-                <a:latin typeface="Arial"/>
-                <a:ea typeface="DejaVu Sans"/>
-              </a:rPr>
-              <a:t>3- Je ne veux pas revoir la paire ni me re-tester </a:t>
-            </a:r>
-            <a:endParaRPr b="0" lang="en-GB" sz="3000" spc="-1" strike="noStrike">
-              <a:latin typeface="Arial"/>
-            </a:endParaRPr>
-          </a:p>
-        </p:txBody>
-      </p:sp>
-      <p:sp>
-        <p:nvSpPr>
-          <p:cNvPr id="161" name="CustomShape 9"/>
-          <p:cNvSpPr/>
-          <p:nvPr/>
-        </p:nvSpPr>
-        <p:spPr>
-          <a:xfrm>
-            <a:off x="3855240" y="5780880"/>
-            <a:ext cx="4473720" cy="546840"/>
-          </a:xfrm>
-          <a:prstGeom prst="rect">
-            <a:avLst/>
-          </a:prstGeom>
-          <a:noFill/>
-          <a:ln>
-            <a:noFill/>
-          </a:ln>
-        </p:spPr>
-        <p:style>
-          <a:lnRef idx="0"/>
-          <a:fillRef idx="0"/>
-          <a:effectRef idx="0"/>
-          <a:fontRef idx="minor"/>
-        </p:style>
-        <p:txBody>
-          <a:bodyPr wrap="none" lIns="90000" rIns="90000" tIns="45000" bIns="45000"/>
-          <a:p>
-            <a:pPr algn="ctr">
-              <a:lnSpc>
-                <a:spcPct val="100000"/>
-              </a:lnSpc>
-            </a:pPr>
-            <a:r>
-              <a:rPr b="0" lang="en-GB" sz="3000" spc="-1" strike="noStrike">
-                <a:solidFill>
-                  <a:srgbClr val="000000"/>
-                </a:solidFill>
-                <a:latin typeface="Arial"/>
-                <a:ea typeface="DejaVu Sans"/>
-              </a:rPr>
-              <a:t>Tape ton choix (1, 2 ou 3)</a:t>
-            </a:r>
-            <a:endParaRPr b="0" lang="en-GB" sz="3000" spc="-1" strike="noStrike">
+              <a:t>Appuie sur une touche pour réessayer !</a:t>
+            </a:r>
+            <a:endParaRPr b="0" lang="en-GB" sz="3500" spc="-1" strike="noStrike">
               <a:latin typeface="Arial"/>
             </a:endParaRPr>
           </a:p>
@@ -8107,10 +9359,10 @@
   <p:timing>
     <p:tnLst>
       <p:par>
-        <p:cTn id="7" dur="indefinite" restart="never" nodeType="tmRoot">
+        <p:cTn id="9" dur="indefinite" restart="never" nodeType="tmRoot">
           <p:childTnLst>
             <p:seq>
-              <p:cTn id="8" dur="indefinite" nodeType="mainSeq"/>
+              <p:cTn id="10" dur="indefinite" nodeType="mainSeq"/>
               <p:prevCondLst>
                 <p:cond delay="0" evt="onPrev">
                   <p:tgtEl>
@@ -8153,14 +9405,14 @@
       </p:grpSpPr>
       <p:sp>
         <p:nvSpPr>
-          <p:cNvPr id="162" name="CustomShape 1"/>
+          <p:cNvPr id="155" name="CustomShape 1"/>
           <p:cNvSpPr/>
           <p:nvPr/>
         </p:nvSpPr>
         <p:spPr>
           <a:xfrm>
-            <a:off x="838080" y="365040"/>
-            <a:ext cx="10514880" cy="1324800"/>
+            <a:off x="3362400" y="917640"/>
+            <a:ext cx="4811400" cy="546120"/>
           </a:xfrm>
           <a:prstGeom prst="rect">
             <a:avLst/>
@@ -8176,17 +9428,40 @@
           <a:effectRef idx="0"/>
           <a:fontRef idx="minor"/>
         </p:style>
-      </p:sp>
-      <p:sp>
-        <p:nvSpPr>
-          <p:cNvPr id="163" name="CustomShape 2"/>
+        <p:txBody>
+          <a:bodyPr wrap="none" lIns="90000" rIns="90000" tIns="45000" bIns="45000"/>
+          <a:p>
+            <a:pPr algn="ctr">
+              <a:lnSpc>
+                <a:spcPct val="100000"/>
+              </a:lnSpc>
+            </a:pPr>
+            <a:r>
+              <a:rPr b="0" lang="en-GB" sz="3000" spc="-1" strike="noStrike">
+                <a:solidFill>
+                  <a:srgbClr val="000000"/>
+                </a:solidFill>
+                <a:latin typeface="Arial"/>
+                <a:ea typeface="DejaVu Sans"/>
+              </a:rPr>
+              <a:t>Essaye de traduire ce mot !</a:t>
+            </a:r>
+            <a:endParaRPr b="0" lang="en-GB" sz="3000" spc="-1" strike="noStrike">
+              <a:latin typeface="Arial"/>
+            </a:endParaRPr>
+          </a:p>
+        </p:txBody>
+      </p:sp>
+      <p:sp>
+        <p:nvSpPr>
+          <p:cNvPr id="156" name="CustomShape 2"/>
           <p:cNvSpPr/>
           <p:nvPr/>
         </p:nvSpPr>
         <p:spPr>
           <a:xfrm>
-            <a:off x="838080" y="1825560"/>
-            <a:ext cx="3385440" cy="2074680"/>
+            <a:off x="3621960" y="2237400"/>
+            <a:ext cx="4051080" cy="546120"/>
           </a:xfrm>
           <a:prstGeom prst="rect">
             <a:avLst/>
@@ -8202,17 +9477,60 @@
           <a:effectRef idx="0"/>
           <a:fontRef idx="minor"/>
         </p:style>
-      </p:sp>
-      <p:sp>
-        <p:nvSpPr>
-          <p:cNvPr id="164" name="CustomShape 3"/>
+        <p:txBody>
+          <a:bodyPr wrap="none" lIns="90000" rIns="90000" tIns="45000" bIns="45000"/>
+          <a:p>
+            <a:pPr algn="ctr">
+              <a:lnSpc>
+                <a:spcPct val="100000"/>
+              </a:lnSpc>
+            </a:pPr>
+            <a:r>
+              <a:rPr b="0" lang="en-GB" sz="3000" spc="-1" strike="noStrike">
+                <a:solidFill>
+                  <a:srgbClr val="000000"/>
+                </a:solidFill>
+                <a:latin typeface="Arial"/>
+                <a:ea typeface="DejaVu Sans"/>
+              </a:rPr>
+              <a:t>Ecrit le mot en français</a:t>
+            </a:r>
+            <a:endParaRPr b="0" lang="en-GB" sz="3000" spc="-1" strike="noStrike">
+              <a:latin typeface="Arial"/>
+            </a:endParaRPr>
+          </a:p>
+          <a:p>
+            <a:pPr algn="ctr">
+              <a:lnSpc>
+                <a:spcPct val="100000"/>
+              </a:lnSpc>
+            </a:pPr>
+            <a:r>
+              <a:rPr b="0" lang="en-GB" sz="3000" spc="-1" strike="noStrike">
+                <a:solidFill>
+                  <a:srgbClr val="000000"/>
+                </a:solidFill>
+                <a:latin typeface="Arial"/>
+                <a:ea typeface="DejaVu Sans"/>
+              </a:rPr>
+              <a:t> </a:t>
+            </a:r>
+            <a:endParaRPr b="0" lang="en-GB" sz="3000" spc="-1" strike="noStrike">
+              <a:latin typeface="Arial"/>
+            </a:endParaRPr>
+          </a:p>
+        </p:txBody>
+      </p:sp>
+      <p:sp>
+        <p:nvSpPr>
+          <p:cNvPr id="157" name="CustomShape 3"/>
           <p:cNvSpPr/>
           <p:nvPr/>
         </p:nvSpPr>
         <p:spPr>
           <a:xfrm>
-            <a:off x="4393440" y="1825560"/>
-            <a:ext cx="3385440" cy="2074680"/>
+            <a:off x="6482520" y="3557520"/>
+            <a:ext cx="391680" cy="546120"/>
           </a:xfrm>
           <a:prstGeom prst="rect">
             <a:avLst/>
@@ -8228,17 +9546,40 @@
           <a:effectRef idx="0"/>
           <a:fontRef idx="minor"/>
         </p:style>
-      </p:sp>
-      <p:sp>
-        <p:nvSpPr>
-          <p:cNvPr id="165" name="CustomShape 4"/>
+        <p:txBody>
+          <a:bodyPr wrap="none" lIns="90000" rIns="90000" tIns="45000" bIns="45000"/>
+          <a:p>
+            <a:pPr algn="ctr">
+              <a:lnSpc>
+                <a:spcPct val="100000"/>
+              </a:lnSpc>
+            </a:pPr>
+            <a:r>
+              <a:rPr b="0" lang="en-GB" sz="3000" spc="-1" strike="noStrike">
+                <a:solidFill>
+                  <a:srgbClr val="000000"/>
+                </a:solidFill>
+                <a:latin typeface="Arial"/>
+                <a:ea typeface="DejaVu Sans"/>
+              </a:rPr>
+              <a:t>?</a:t>
+            </a:r>
+            <a:endParaRPr b="0" lang="en-GB" sz="3000" spc="-1" strike="noStrike">
+              <a:latin typeface="Arial"/>
+            </a:endParaRPr>
+          </a:p>
+        </p:txBody>
+      </p:sp>
+      <p:sp>
+        <p:nvSpPr>
+          <p:cNvPr id="158" name="CustomShape 4"/>
           <p:cNvSpPr/>
           <p:nvPr/>
         </p:nvSpPr>
         <p:spPr>
           <a:xfrm>
-            <a:off x="7949160" y="1825560"/>
-            <a:ext cx="3385440" cy="2074680"/>
+            <a:off x="5241600" y="3557520"/>
+            <a:ext cx="402480" cy="546120"/>
           </a:xfrm>
           <a:prstGeom prst="rect">
             <a:avLst/>
@@ -8254,133 +9595,6 @@
           <a:effectRef idx="0"/>
           <a:fontRef idx="minor"/>
         </p:style>
-      </p:sp>
-      <p:sp>
-        <p:nvSpPr>
-          <p:cNvPr id="166" name="CustomShape 5"/>
-          <p:cNvSpPr/>
-          <p:nvPr/>
-        </p:nvSpPr>
-        <p:spPr>
-          <a:xfrm>
-            <a:off x="838080" y="4098240"/>
-            <a:ext cx="3385440" cy="2074680"/>
-          </a:xfrm>
-          <a:prstGeom prst="rect">
-            <a:avLst/>
-          </a:prstGeom>
-          <a:noFill/>
-          <a:ln>
-            <a:noFill/>
-          </a:ln>
-        </p:spPr>
-        <p:style>
-          <a:lnRef idx="0"/>
-          <a:fillRef idx="0"/>
-          <a:effectRef idx="0"/>
-          <a:fontRef idx="minor"/>
-        </p:style>
-      </p:sp>
-      <p:sp>
-        <p:nvSpPr>
-          <p:cNvPr id="167" name="CustomShape 6"/>
-          <p:cNvSpPr/>
-          <p:nvPr/>
-        </p:nvSpPr>
-        <p:spPr>
-          <a:xfrm>
-            <a:off x="4393440" y="4098240"/>
-            <a:ext cx="3385440" cy="2074680"/>
-          </a:xfrm>
-          <a:prstGeom prst="rect">
-            <a:avLst/>
-          </a:prstGeom>
-          <a:noFill/>
-          <a:ln>
-            <a:noFill/>
-          </a:ln>
-        </p:spPr>
-        <p:style>
-          <a:lnRef idx="0"/>
-          <a:fillRef idx="0"/>
-          <a:effectRef idx="0"/>
-          <a:fontRef idx="minor"/>
-        </p:style>
-      </p:sp>
-      <p:sp>
-        <p:nvSpPr>
-          <p:cNvPr id="168" name="CustomShape 7"/>
-          <p:cNvSpPr/>
-          <p:nvPr/>
-        </p:nvSpPr>
-        <p:spPr>
-          <a:xfrm>
-            <a:off x="7949160" y="4098240"/>
-            <a:ext cx="3385440" cy="2074680"/>
-          </a:xfrm>
-          <a:prstGeom prst="rect">
-            <a:avLst/>
-          </a:prstGeom>
-          <a:noFill/>
-          <a:ln>
-            <a:noFill/>
-          </a:ln>
-        </p:spPr>
-        <p:style>
-          <a:lnRef idx="0"/>
-          <a:fillRef idx="0"/>
-          <a:effectRef idx="0"/>
-          <a:fontRef idx="minor"/>
-        </p:style>
-      </p:sp>
-      <p:pic>
-        <p:nvPicPr>
-          <p:cNvPr id="169" name="" descr=""/>
-          <p:cNvPicPr/>
-          <p:nvPr/>
-        </p:nvPicPr>
-        <p:blipFill>
-          <a:blip r:embed="rId1"/>
-          <a:stretch/>
-        </p:blipFill>
-        <p:spPr>
-          <a:xfrm>
-            <a:off x="4176000" y="2376000"/>
-            <a:ext cx="3404520" cy="4165200"/>
-          </a:xfrm>
-          <a:prstGeom prst="rect">
-            <a:avLst/>
-          </a:prstGeom>
-          <a:ln>
-            <a:noFill/>
-          </a:ln>
-        </p:spPr>
-      </p:pic>
-      <p:sp>
-        <p:nvSpPr>
-          <p:cNvPr id="170" name="CustomShape 8"/>
-          <p:cNvSpPr/>
-          <p:nvPr/>
-        </p:nvSpPr>
-        <p:spPr>
-          <a:xfrm>
-            <a:off x="3535920" y="206640"/>
-            <a:ext cx="4670280" cy="699480"/>
-          </a:xfrm>
-          <a:prstGeom prst="rect">
-            <a:avLst/>
-          </a:prstGeom>
-          <a:noFill/>
-          <a:ln>
-            <a:noFill/>
-          </a:ln>
-        </p:spPr>
-        <p:style>
-          <a:lnRef idx="0"/>
-          <a:fillRef idx="0"/>
-          <a:effectRef idx="0"/>
-          <a:fontRef idx="minor"/>
-        </p:style>
         <p:txBody>
           <a:bodyPr wrap="none" lIns="90000" rIns="90000" tIns="45000" bIns="45000"/>
           <a:p>
@@ -8390,46 +9604,16 @@
               </a:lnSpc>
             </a:pPr>
             <a:r>
-              <a:rPr b="0" lang="en-GB" sz="4000" spc="-1" strike="noStrike">
+              <a:rPr b="0" lang="en-GB" sz="3000" spc="-1" strike="noStrike">
                 <a:solidFill>
                   <a:srgbClr val="000000"/>
                 </a:solidFill>
                 <a:latin typeface="Arial"/>
                 <a:ea typeface="DejaVu Sans"/>
               </a:rPr>
-              <a:t>Merci d’avoir participé !</a:t>
-            </a:r>
-            <a:endParaRPr b="0" lang="en-GB" sz="4000" spc="-1" strike="noStrike">
-              <a:latin typeface="Arial"/>
-            </a:endParaRPr>
-          </a:p>
-          <a:p>
-            <a:pPr algn="ctr">
-              <a:lnSpc>
-                <a:spcPct val="100000"/>
-              </a:lnSpc>
-            </a:pPr>
-            <a:endParaRPr b="0" lang="en-GB" sz="4000" spc="-1" strike="noStrike">
-              <a:latin typeface="Arial"/>
-            </a:endParaRPr>
-          </a:p>
-          <a:p>
-            <a:pPr algn="ctr">
-              <a:lnSpc>
-                <a:spcPct val="100000"/>
-              </a:lnSpc>
-            </a:pPr>
-            <a:r>
-              <a:rPr b="0" lang="en-GB" sz="4000" spc="-1" strike="noStrike">
-                <a:solidFill>
-                  <a:srgbClr val="000000"/>
-                </a:solidFill>
-                <a:latin typeface="Arial"/>
-                <a:ea typeface="DejaVu Sans"/>
-              </a:rPr>
-              <a:t>À bientôt !</a:t>
-            </a:r>
-            <a:endParaRPr b="0" lang="en-GB" sz="4000" spc="-1" strike="noStrike">
+              <a:t>=</a:t>
+            </a:r>
+            <a:endParaRPr b="0" lang="en-GB" sz="3000" spc="-1" strike="noStrike">
               <a:latin typeface="Arial"/>
             </a:endParaRPr>
           </a:p>
@@ -8440,10 +9624,10 @@
   <p:timing>
     <p:tnLst>
       <p:par>
-        <p:cTn id="9" dur="indefinite" restart="never" nodeType="tmRoot">
+        <p:cTn id="11" dur="indefinite" restart="never" nodeType="tmRoot">
           <p:childTnLst>
             <p:seq>
-              <p:cTn id="10" dur="indefinite" nodeType="mainSeq"/>
+              <p:cTn id="12" dur="indefinite" nodeType="mainSeq"/>
               <p:prevCondLst>
                 <p:cond delay="0" evt="onPrev">
                   <p:tgtEl>
@@ -8464,6 +9648,303 @@
       </p:par>
     </p:tnLst>
   </p:timing>
+</p:sld>
+</file>
+
+<file path=ppt/slides/slide9.xml><?xml version="1.0" encoding="utf-8"?>
+<p:sld xmlns:a="http://schemas.openxmlformats.org/drawingml/2006/main" xmlns:p="http://schemas.openxmlformats.org/presentationml/2006/main" xmlns:r="http://schemas.openxmlformats.org/officeDocument/2006/relationships" xmlns:p14="http://schemas.microsoft.com/office/powerpoint/2010/main" xmlns:p15="http://schemas.microsoft.com/office/powerpoint/2012/main" xmlns:mc="http://schemas.openxmlformats.org/markup-compatibility/2006">
+  <p:cSld>
+    <p:spTree>
+      <p:nvGrpSpPr>
+        <p:cNvPr id="1" name=""/>
+        <p:cNvGrpSpPr/>
+        <p:nvPr/>
+      </p:nvGrpSpPr>
+      <p:grpSpPr>
+        <a:xfrm>
+          <a:off x="0" y="0"/>
+          <a:ext cx="0" cy="0"/>
+          <a:chOff x="0" y="0"/>
+          <a:chExt cx="0" cy="0"/>
+        </a:xfrm>
+      </p:grpSpPr>
+      <p:sp>
+        <p:nvSpPr>
+          <p:cNvPr id="159" name="CustomShape 1"/>
+          <p:cNvSpPr/>
+          <p:nvPr/>
+        </p:nvSpPr>
+        <p:spPr>
+          <a:xfrm>
+            <a:off x="1308240" y="997200"/>
+            <a:ext cx="8941320" cy="1917720"/>
+          </a:xfrm>
+          <a:prstGeom prst="rect">
+            <a:avLst/>
+          </a:prstGeom>
+          <a:noFill/>
+          <a:ln>
+            <a:noFill/>
+          </a:ln>
+        </p:spPr>
+        <p:style>
+          <a:lnRef idx="0"/>
+          <a:fillRef idx="0"/>
+          <a:effectRef idx="0"/>
+          <a:fontRef idx="minor"/>
+        </p:style>
+        <p:txBody>
+          <a:bodyPr wrap="none" lIns="90000" rIns="90000" tIns="45000" bIns="45000"/>
+          <a:p>
+            <a:pPr algn="ctr">
+              <a:lnSpc>
+                <a:spcPct val="100000"/>
+              </a:lnSpc>
+            </a:pPr>
+            <a:r>
+              <a:rPr b="0" lang="en-GB" sz="4000" spc="-1" strike="noStrike">
+                <a:solidFill>
+                  <a:srgbClr val="000000"/>
+                </a:solidFill>
+                <a:latin typeface="Arial"/>
+                <a:ea typeface="DejaVu Sans"/>
+              </a:rPr>
+              <a:t>Ooups ! </a:t>
+            </a:r>
+            <a:endParaRPr b="0" lang="en-GB" sz="4000" spc="-1" strike="noStrike">
+              <a:latin typeface="Arial"/>
+            </a:endParaRPr>
+          </a:p>
+          <a:p>
+            <a:pPr algn="ctr">
+              <a:lnSpc>
+                <a:spcPct val="100000"/>
+              </a:lnSpc>
+            </a:pPr>
+            <a:endParaRPr b="0" lang="en-GB" sz="4000" spc="-1" strike="noStrike">
+              <a:latin typeface="Arial"/>
+            </a:endParaRPr>
+          </a:p>
+          <a:p>
+            <a:pPr algn="ctr">
+              <a:lnSpc>
+                <a:spcPct val="100000"/>
+              </a:lnSpc>
+            </a:pPr>
+            <a:r>
+              <a:rPr b="0" lang="en-GB" sz="4000" spc="-1" strike="noStrike">
+                <a:solidFill>
+                  <a:srgbClr val="000000"/>
+                </a:solidFill>
+                <a:latin typeface="Arial"/>
+                <a:ea typeface="DejaVu Sans"/>
+              </a:rPr>
+              <a:t>Tu n’as pas écrit le mot correctement...</a:t>
+            </a:r>
+            <a:endParaRPr b="0" lang="en-GB" sz="4000" spc="-1" strike="noStrike">
+              <a:latin typeface="Arial"/>
+            </a:endParaRPr>
+          </a:p>
+        </p:txBody>
+      </p:sp>
+      <p:sp>
+        <p:nvSpPr>
+          <p:cNvPr id="160" name="CustomShape 2"/>
+          <p:cNvSpPr/>
+          <p:nvPr/>
+        </p:nvSpPr>
+        <p:spPr>
+          <a:xfrm>
+            <a:off x="5335200" y="3851280"/>
+            <a:ext cx="440640" cy="622800"/>
+          </a:xfrm>
+          <a:prstGeom prst="rect">
+            <a:avLst/>
+          </a:prstGeom>
+          <a:noFill/>
+          <a:ln>
+            <a:noFill/>
+          </a:ln>
+        </p:spPr>
+        <p:style>
+          <a:lnRef idx="0"/>
+          <a:fillRef idx="0"/>
+          <a:effectRef idx="0"/>
+          <a:fontRef idx="minor"/>
+        </p:style>
+        <p:txBody>
+          <a:bodyPr wrap="none" lIns="90000" rIns="90000" tIns="45000" bIns="45000"/>
+          <a:p>
+            <a:pPr algn="ctr">
+              <a:lnSpc>
+                <a:spcPct val="100000"/>
+              </a:lnSpc>
+            </a:pPr>
+            <a:r>
+              <a:rPr b="0" lang="en-GB" sz="3500" spc="-1" strike="noStrike">
+                <a:solidFill>
+                  <a:srgbClr val="000000"/>
+                </a:solidFill>
+                <a:latin typeface="Arial"/>
+                <a:ea typeface="DejaVu Sans"/>
+              </a:rPr>
+              <a:t>=</a:t>
+            </a:r>
+            <a:endParaRPr b="0" lang="en-GB" sz="3500" spc="-1" strike="noStrike">
+              <a:latin typeface="Arial"/>
+            </a:endParaRPr>
+          </a:p>
+        </p:txBody>
+      </p:sp>
+      <p:sp>
+        <p:nvSpPr>
+          <p:cNvPr id="161" name="CustomShape 3"/>
+          <p:cNvSpPr/>
+          <p:nvPr/>
+        </p:nvSpPr>
+        <p:spPr>
+          <a:xfrm>
+            <a:off x="6288120" y="3429000"/>
+            <a:ext cx="1158480" cy="394200"/>
+          </a:xfrm>
+          <a:prstGeom prst="rect">
+            <a:avLst/>
+          </a:prstGeom>
+          <a:noFill/>
+          <a:ln>
+            <a:noFill/>
+          </a:ln>
+        </p:spPr>
+        <p:style>
+          <a:lnRef idx="0"/>
+          <a:fillRef idx="0"/>
+          <a:effectRef idx="0"/>
+          <a:fontRef idx="minor"/>
+        </p:style>
+        <p:txBody>
+          <a:bodyPr wrap="none" lIns="90000" rIns="90000" tIns="45000" bIns="45000"/>
+          <a:p>
+            <a:pPr>
+              <a:lnSpc>
+                <a:spcPct val="100000"/>
+              </a:lnSpc>
+            </a:pPr>
+            <a:r>
+              <a:rPr b="0" lang="en-GB" sz="2000" spc="-1" strike="noStrike">
+                <a:solidFill>
+                  <a:srgbClr val="000000"/>
+                </a:solidFill>
+                <a:latin typeface="Arial"/>
+                <a:ea typeface="DejaVu Sans"/>
+              </a:rPr>
+              <a:t>Français</a:t>
+            </a:r>
+            <a:endParaRPr b="0" lang="en-GB" sz="2000" spc="-1" strike="noStrike">
+              <a:latin typeface="Arial"/>
+            </a:endParaRPr>
+          </a:p>
+        </p:txBody>
+      </p:sp>
+      <p:sp>
+        <p:nvSpPr>
+          <p:cNvPr id="162" name="CustomShape 4"/>
+          <p:cNvSpPr/>
+          <p:nvPr/>
+        </p:nvSpPr>
+        <p:spPr>
+          <a:xfrm>
+            <a:off x="3531960" y="3450960"/>
+            <a:ext cx="1200960" cy="394200"/>
+          </a:xfrm>
+          <a:prstGeom prst="rect">
+            <a:avLst/>
+          </a:prstGeom>
+          <a:noFill/>
+          <a:ln>
+            <a:noFill/>
+          </a:ln>
+        </p:spPr>
+        <p:style>
+          <a:lnRef idx="0"/>
+          <a:fillRef idx="0"/>
+          <a:effectRef idx="0"/>
+          <a:fontRef idx="minor"/>
+        </p:style>
+        <p:txBody>
+          <a:bodyPr wrap="none" lIns="90000" rIns="90000" tIns="45000" bIns="45000"/>
+          <a:p>
+            <a:pPr>
+              <a:lnSpc>
+                <a:spcPct val="100000"/>
+              </a:lnSpc>
+            </a:pPr>
+            <a:r>
+              <a:rPr b="0" lang="en-GB" sz="2000" spc="-1" strike="noStrike">
+                <a:solidFill>
+                  <a:srgbClr val="000000"/>
+                </a:solidFill>
+                <a:latin typeface="Arial"/>
+                <a:ea typeface="DejaVu Sans"/>
+              </a:rPr>
+              <a:t>Hongrois</a:t>
+            </a:r>
+            <a:endParaRPr b="0" lang="en-GB" sz="2000" spc="-1" strike="noStrike">
+              <a:latin typeface="Arial"/>
+            </a:endParaRPr>
+          </a:p>
+        </p:txBody>
+      </p:sp>
+      <p:sp>
+        <p:nvSpPr>
+          <p:cNvPr id="163" name="CustomShape 5"/>
+          <p:cNvSpPr/>
+          <p:nvPr/>
+        </p:nvSpPr>
+        <p:spPr>
+          <a:xfrm>
+            <a:off x="1576440" y="5229720"/>
+            <a:ext cx="7958520" cy="622800"/>
+          </a:xfrm>
+          <a:prstGeom prst="rect">
+            <a:avLst/>
+          </a:prstGeom>
+          <a:noFill/>
+          <a:ln>
+            <a:noFill/>
+          </a:ln>
+        </p:spPr>
+        <p:style>
+          <a:lnRef idx="0"/>
+          <a:fillRef idx="0"/>
+          <a:effectRef idx="0"/>
+          <a:fontRef idx="minor"/>
+        </p:style>
+        <p:txBody>
+          <a:bodyPr wrap="none" lIns="90000" rIns="90000" tIns="45000" bIns="45000"/>
+          <a:p>
+            <a:pPr algn="ctr">
+              <a:lnSpc>
+                <a:spcPct val="100000"/>
+              </a:lnSpc>
+            </a:pPr>
+            <a:r>
+              <a:rPr b="0" lang="en-GB" sz="3500" spc="-1" strike="noStrike">
+                <a:solidFill>
+                  <a:srgbClr val="000000"/>
+                </a:solidFill>
+                <a:latin typeface="Arial"/>
+                <a:ea typeface="DejaVu Sans"/>
+              </a:rPr>
+              <a:t>Appuie sur une touche pour continuer !</a:t>
+            </a:r>
+            <a:endParaRPr b="0" lang="en-GB" sz="3500" spc="-1" strike="noStrike">
+              <a:latin typeface="Arial"/>
+            </a:endParaRPr>
+          </a:p>
+        </p:txBody>
+      </p:sp>
+    </p:spTree>
+  </p:cSld>
 </p:sld>
 </file>
 

--- a/images/Images NEW.pptx
+++ b/images/Images NEW.pptx
@@ -23,6 +23,8 @@
     <p:sldId id="269" r:id="rId18"/>
     <p:sldId id="270" r:id="rId19"/>
     <p:sldId id="271" r:id="rId20"/>
+    <p:sldId id="272" r:id="rId21"/>
+    <p:sldId id="273" r:id="rId22"/>
   </p:sldIdLst>
   <p:sldSz cx="12192000" cy="6858000"/>
   <p:notesSz cx="7559675" cy="10691812"/>
@@ -4076,7 +4078,79 @@
               <a:rPr b="0" lang="en-GB" sz="4400" spc="-1" strike="noStrike">
                 <a:latin typeface="Arial"/>
               </a:rPr>
-              <a:t>Click to edit the title text format</a:t>
+              <a:t>Cli</a:t>
+            </a:r>
+            <a:r>
+              <a:rPr b="0" lang="en-GB" sz="4400" spc="-1" strike="noStrike">
+                <a:latin typeface="Arial"/>
+              </a:rPr>
+              <a:t>ck </a:t>
+            </a:r>
+            <a:r>
+              <a:rPr b="0" lang="en-GB" sz="4400" spc="-1" strike="noStrike">
+                <a:latin typeface="Arial"/>
+              </a:rPr>
+              <a:t>to </a:t>
+            </a:r>
+            <a:r>
+              <a:rPr b="0" lang="en-GB" sz="4400" spc="-1" strike="noStrike">
+                <a:latin typeface="Arial"/>
+              </a:rPr>
+              <a:t>edi</a:t>
+            </a:r>
+            <a:r>
+              <a:rPr b="0" lang="en-GB" sz="4400" spc="-1" strike="noStrike">
+                <a:latin typeface="Arial"/>
+              </a:rPr>
+              <a:t>t </a:t>
+            </a:r>
+            <a:r>
+              <a:rPr b="0" lang="en-GB" sz="4400" spc="-1" strike="noStrike">
+                <a:latin typeface="Arial"/>
+              </a:rPr>
+              <a:t>the </a:t>
+            </a:r>
+            <a:r>
+              <a:rPr b="0" lang="en-GB" sz="4400" spc="-1" strike="noStrike">
+                <a:latin typeface="Arial"/>
+              </a:rPr>
+              <a:t>titl</a:t>
+            </a:r>
+            <a:r>
+              <a:rPr b="0" lang="en-GB" sz="4400" spc="-1" strike="noStrike">
+                <a:latin typeface="Arial"/>
+              </a:rPr>
+              <a:t>e </a:t>
+            </a:r>
+            <a:r>
+              <a:rPr b="0" lang="en-GB" sz="4400" spc="-1" strike="noStrike">
+                <a:latin typeface="Arial"/>
+              </a:rPr>
+              <a:t>tex</a:t>
+            </a:r>
+            <a:r>
+              <a:rPr b="0" lang="en-GB" sz="4400" spc="-1" strike="noStrike">
+                <a:latin typeface="Arial"/>
+              </a:rPr>
+              <a:t>t </a:t>
+            </a:r>
+            <a:r>
+              <a:rPr b="0" lang="en-GB" sz="4400" spc="-1" strike="noStrike">
+                <a:latin typeface="Arial"/>
+              </a:rPr>
+              <a:t>for</a:t>
+            </a:r>
+            <a:r>
+              <a:rPr b="0" lang="en-GB" sz="4400" spc="-1" strike="noStrike">
+                <a:latin typeface="Arial"/>
+              </a:rPr>
+              <a:t>ma</a:t>
+            </a:r>
+            <a:r>
+              <a:rPr b="0" lang="en-GB" sz="4400" spc="-1" strike="noStrike">
+                <a:latin typeface="Arial"/>
+              </a:rPr>
+              <a:t>t</a:t>
             </a:r>
             <a:endParaRPr b="0" lang="en-GB" sz="4400" spc="-1" strike="noStrike">
               <a:latin typeface="Arial"/>
@@ -4825,7 +4899,7 @@
         <p:spPr>
           <a:xfrm>
             <a:off x="5453640" y="549000"/>
-            <a:ext cx="1260360" cy="546120"/>
+            <a:ext cx="1260000" cy="545760"/>
           </a:xfrm>
           <a:prstGeom prst="rect">
             <a:avLst/>
@@ -4874,7 +4948,7 @@
         <p:spPr>
           <a:xfrm>
             <a:off x="2556360" y="1527840"/>
-            <a:ext cx="7054920" cy="1002960"/>
+            <a:ext cx="7054560" cy="1002600"/>
           </a:xfrm>
           <a:prstGeom prst="rect">
             <a:avLst/>
@@ -4943,7 +5017,7 @@
         <p:spPr>
           <a:xfrm>
             <a:off x="6465960" y="3968280"/>
-            <a:ext cx="1158480" cy="394200"/>
+            <a:ext cx="1158120" cy="393840"/>
           </a:xfrm>
           <a:prstGeom prst="rect">
             <a:avLst/>
@@ -4992,7 +5066,7 @@
         <p:spPr>
           <a:xfrm>
             <a:off x="4282920" y="3968280"/>
-            <a:ext cx="1200960" cy="394200"/>
+            <a:ext cx="1200600" cy="393840"/>
           </a:xfrm>
           <a:prstGeom prst="rect">
             <a:avLst/>
@@ -5041,7 +5115,7 @@
         <p:spPr>
           <a:xfrm>
             <a:off x="4284000" y="4596480"/>
-            <a:ext cx="1153800" cy="546120"/>
+            <a:ext cx="1153440" cy="545760"/>
           </a:xfrm>
           <a:prstGeom prst="rect">
             <a:avLst/>
@@ -5090,7 +5164,7 @@
         <p:spPr>
           <a:xfrm>
             <a:off x="6590160" y="4596480"/>
-            <a:ext cx="1033560" cy="546120"/>
+            <a:ext cx="1033200" cy="545760"/>
           </a:xfrm>
           <a:prstGeom prst="rect">
             <a:avLst/>
@@ -5139,7 +5213,7 @@
         <p:spPr>
           <a:xfrm>
             <a:off x="3378960" y="2968200"/>
-            <a:ext cx="5406120" cy="546120"/>
+            <a:ext cx="5405760" cy="545760"/>
           </a:xfrm>
           <a:prstGeom prst="rect">
             <a:avLst/>
@@ -5199,7 +5273,7 @@
         <p:spPr>
           <a:xfrm>
             <a:off x="2830680" y="5670720"/>
-            <a:ext cx="6528960" cy="546120"/>
+            <a:ext cx="6528600" cy="545760"/>
           </a:xfrm>
           <a:prstGeom prst="rect">
             <a:avLst/>
@@ -5248,7 +5322,7 @@
         <p:spPr>
           <a:xfrm>
             <a:off x="5689800" y="4319280"/>
-            <a:ext cx="402480" cy="546120"/>
+            <a:ext cx="402120" cy="545760"/>
           </a:xfrm>
           <a:prstGeom prst="rect">
             <a:avLst/>
@@ -5345,8 +5419,8 @@
         </p:nvSpPr>
         <p:spPr>
           <a:xfrm>
-            <a:off x="544680" y="573120"/>
-            <a:ext cx="10738440" cy="698760"/>
+            <a:off x="3362400" y="917640"/>
+            <a:ext cx="4811040" cy="545760"/>
           </a:xfrm>
           <a:prstGeom prst="rect">
             <a:avLst/>
@@ -5371,16 +5445,16 @@
               </a:lnSpc>
             </a:pPr>
             <a:r>
-              <a:rPr b="0" lang="en-GB" sz="4000" spc="-1" strike="noStrike">
+              <a:rPr b="0" lang="en-GB" sz="3000" spc="-1" strike="noStrike">
                 <a:solidFill>
                   <a:srgbClr val="000000"/>
                 </a:solidFill>
                 <a:latin typeface="Arial"/>
                 <a:ea typeface="DejaVu Sans"/>
               </a:rPr>
-              <a:t>On va te présenter 15 paires de mots à la suite</a:t>
-            </a:r>
-            <a:endParaRPr b="0" lang="en-GB" sz="4000" spc="-1" strike="noStrike">
+              <a:t>Essaye de traduire ce mot !</a:t>
+            </a:r>
+            <a:endParaRPr b="0" lang="en-GB" sz="3000" spc="-1" strike="noStrike">
               <a:latin typeface="Arial"/>
             </a:endParaRPr>
           </a:p>
@@ -5394,8 +5468,8 @@
         </p:nvSpPr>
         <p:spPr>
           <a:xfrm>
-            <a:off x="1671840" y="5653800"/>
-            <a:ext cx="8328960" cy="622800"/>
+            <a:off x="3621960" y="2237400"/>
+            <a:ext cx="4050720" cy="545760"/>
           </a:xfrm>
           <a:prstGeom prst="rect">
             <a:avLst/>
@@ -5420,16 +5494,36 @@
               </a:lnSpc>
             </a:pPr>
             <a:r>
-              <a:rPr b="0" lang="en-GB" sz="3500" spc="-1" strike="noStrike">
+              <a:rPr b="0" lang="en-GB" sz="3000" spc="-1" strike="noStrike">
                 <a:solidFill>
                   <a:srgbClr val="000000"/>
                 </a:solidFill>
                 <a:latin typeface="Arial"/>
                 <a:ea typeface="DejaVu Sans"/>
               </a:rPr>
-              <a:t>Appuie sur une touche pour commencer !</a:t>
-            </a:r>
-            <a:endParaRPr b="0" lang="en-GB" sz="3500" spc="-1" strike="noStrike">
+              <a:t>Ecrit le mot en français</a:t>
+            </a:r>
+            <a:endParaRPr b="0" lang="en-GB" sz="3000" spc="-1" strike="noStrike">
+              <a:latin typeface="Arial"/>
+            </a:endParaRPr>
+          </a:p>
+          <a:p>
+            <a:pPr algn="ctr">
+              <a:lnSpc>
+                <a:spcPct val="100000"/>
+              </a:lnSpc>
+            </a:pPr>
+            <a:r>
+              <a:rPr b="0" lang="en-GB" sz="3000" spc="-1" strike="noStrike">
+                <a:solidFill>
+                  <a:srgbClr val="000000"/>
+                </a:solidFill>
+                <a:latin typeface="Arial"/>
+                <a:ea typeface="DejaVu Sans"/>
+              </a:rPr>
+              <a:t> </a:t>
+            </a:r>
+            <a:endParaRPr b="0" lang="en-GB" sz="3000" spc="-1" strike="noStrike">
               <a:latin typeface="Arial"/>
             </a:endParaRPr>
           </a:p>
@@ -5443,8 +5537,8 @@
         </p:nvSpPr>
         <p:spPr>
           <a:xfrm>
-            <a:off x="1020240" y="1758600"/>
-            <a:ext cx="9787320" cy="622800"/>
+            <a:off x="6482520" y="3557520"/>
+            <a:ext cx="391320" cy="545760"/>
           </a:xfrm>
           <a:prstGeom prst="rect">
             <a:avLst/>
@@ -5469,16 +5563,16 @@
               </a:lnSpc>
             </a:pPr>
             <a:r>
-              <a:rPr b="0" lang="en-GB" sz="3500" spc="-1" strike="noStrike">
+              <a:rPr b="0" lang="en-GB" sz="3000" spc="-1" strike="noStrike">
                 <a:solidFill>
                   <a:srgbClr val="000000"/>
                 </a:solidFill>
                 <a:latin typeface="Arial"/>
                 <a:ea typeface="DejaVu Sans"/>
               </a:rPr>
-              <a:t>Essaye de retenir la traduction de tous les mots !</a:t>
-            </a:r>
-            <a:endParaRPr b="0" lang="en-GB" sz="3500" spc="-1" strike="noStrike">
+              <a:t>?</a:t>
+            </a:r>
+            <a:endParaRPr b="0" lang="en-GB" sz="3000" spc="-1" strike="noStrike">
               <a:latin typeface="Arial"/>
             </a:endParaRPr>
           </a:p>
@@ -5492,8 +5586,8 @@
         </p:nvSpPr>
         <p:spPr>
           <a:xfrm>
-            <a:off x="1449720" y="3183120"/>
-            <a:ext cx="8773920" cy="1156320"/>
+            <a:off x="5241600" y="3557520"/>
+            <a:ext cx="402120" cy="545760"/>
           </a:xfrm>
           <a:prstGeom prst="rect">
             <a:avLst/>
@@ -5518,492 +5612,16 @@
               </a:lnSpc>
             </a:pPr>
             <a:r>
-              <a:rPr b="0" lang="en-GB" sz="3500" spc="-1" strike="noStrike">
+              <a:rPr b="0" lang="en-GB" sz="3000" spc="-1" strike="noStrike">
                 <a:solidFill>
                   <a:srgbClr val="000000"/>
                 </a:solidFill>
                 <a:latin typeface="Arial"/>
                 <a:ea typeface="DejaVu Sans"/>
               </a:rPr>
-              <a:t>Plus tard, on te donnera le mot Hongrois et </a:t>
-            </a:r>
-            <a:endParaRPr b="0" lang="en-GB" sz="3500" spc="-1" strike="noStrike">
-              <a:latin typeface="Arial"/>
-            </a:endParaRPr>
-          </a:p>
-          <a:p>
-            <a:pPr algn="ctr">
-              <a:lnSpc>
-                <a:spcPct val="100000"/>
-              </a:lnSpc>
-            </a:pPr>
-            <a:r>
-              <a:rPr b="0" lang="en-GB" sz="3500" spc="-1" strike="noStrike">
-                <a:solidFill>
-                  <a:srgbClr val="000000"/>
-                </a:solidFill>
-                <a:latin typeface="Arial"/>
-                <a:ea typeface="DejaVu Sans"/>
-              </a:rPr>
-              <a:t>tu devras écrire la traduction en français</a:t>
-            </a:r>
-            <a:endParaRPr b="0" lang="en-GB" sz="3500" spc="-1" strike="noStrike">
-              <a:latin typeface="Arial"/>
-            </a:endParaRPr>
-          </a:p>
-        </p:txBody>
-      </p:sp>
-    </p:spTree>
-  </p:cSld>
-</p:sld>
-</file>
-
-<file path=ppt/slides/slide11.xml><?xml version="1.0" encoding="utf-8"?>
-<p:sld xmlns:a="http://schemas.openxmlformats.org/drawingml/2006/main" xmlns:p="http://schemas.openxmlformats.org/presentationml/2006/main" xmlns:r="http://schemas.openxmlformats.org/officeDocument/2006/relationships" xmlns:p14="http://schemas.microsoft.com/office/powerpoint/2010/main" xmlns:p15="http://schemas.microsoft.com/office/powerpoint/2012/main" xmlns:mc="http://schemas.openxmlformats.org/markup-compatibility/2006">
-  <p:cSld>
-    <p:spTree>
-      <p:nvGrpSpPr>
-        <p:cNvPr id="1" name=""/>
-        <p:cNvGrpSpPr/>
-        <p:nvPr/>
-      </p:nvGrpSpPr>
-      <p:grpSpPr>
-        <a:xfrm>
-          <a:off x="0" y="0"/>
-          <a:ext cx="0" cy="0"/>
-          <a:chOff x="0" y="0"/>
-          <a:chExt cx="0" cy="0"/>
-        </a:xfrm>
-      </p:grpSpPr>
-      <p:sp>
-        <p:nvSpPr>
-          <p:cNvPr id="168" name="CustomShape 1"/>
-          <p:cNvSpPr/>
-          <p:nvPr/>
-        </p:nvSpPr>
-        <p:spPr>
-          <a:xfrm>
-            <a:off x="544680" y="573120"/>
-            <a:ext cx="10738440" cy="698760"/>
-          </a:xfrm>
-          <a:prstGeom prst="rect">
-            <a:avLst/>
-          </a:prstGeom>
-          <a:noFill/>
-          <a:ln>
-            <a:noFill/>
-          </a:ln>
-        </p:spPr>
-        <p:style>
-          <a:lnRef idx="0"/>
-          <a:fillRef idx="0"/>
-          <a:effectRef idx="0"/>
-          <a:fontRef idx="minor"/>
-        </p:style>
-        <p:txBody>
-          <a:bodyPr wrap="none" lIns="90000" rIns="90000" tIns="45000" bIns="45000"/>
-          <a:p>
-            <a:pPr algn="ctr">
-              <a:lnSpc>
-                <a:spcPct val="100000"/>
-              </a:lnSpc>
-            </a:pPr>
-            <a:r>
-              <a:rPr b="0" lang="en-GB" sz="4000" spc="-1" strike="noStrike">
-                <a:solidFill>
-                  <a:srgbClr val="000000"/>
-                </a:solidFill>
-                <a:latin typeface="Arial"/>
-                <a:ea typeface="DejaVu Sans"/>
-              </a:rPr>
-              <a:t>On va te présenter 40 paires de mots à la suite</a:t>
-            </a:r>
-            <a:endParaRPr b="0" lang="en-GB" sz="4000" spc="-1" strike="noStrike">
-              <a:latin typeface="Arial"/>
-            </a:endParaRPr>
-          </a:p>
-        </p:txBody>
-      </p:sp>
-      <p:sp>
-        <p:nvSpPr>
-          <p:cNvPr id="169" name="CustomShape 2"/>
-          <p:cNvSpPr/>
-          <p:nvPr/>
-        </p:nvSpPr>
-        <p:spPr>
-          <a:xfrm>
-            <a:off x="1671840" y="5653800"/>
-            <a:ext cx="8328960" cy="622800"/>
-          </a:xfrm>
-          <a:prstGeom prst="rect">
-            <a:avLst/>
-          </a:prstGeom>
-          <a:noFill/>
-          <a:ln>
-            <a:noFill/>
-          </a:ln>
-        </p:spPr>
-        <p:style>
-          <a:lnRef idx="0"/>
-          <a:fillRef idx="0"/>
-          <a:effectRef idx="0"/>
-          <a:fontRef idx="minor"/>
-        </p:style>
-        <p:txBody>
-          <a:bodyPr wrap="none" lIns="90000" rIns="90000" tIns="45000" bIns="45000"/>
-          <a:p>
-            <a:pPr algn="ctr">
-              <a:lnSpc>
-                <a:spcPct val="100000"/>
-              </a:lnSpc>
-            </a:pPr>
-            <a:r>
-              <a:rPr b="0" lang="en-GB" sz="3500" spc="-1" strike="noStrike">
-                <a:solidFill>
-                  <a:srgbClr val="000000"/>
-                </a:solidFill>
-                <a:latin typeface="Arial"/>
-                <a:ea typeface="DejaVu Sans"/>
-              </a:rPr>
-              <a:t>Appuie sur une touche pour commencer !</a:t>
-            </a:r>
-            <a:endParaRPr b="0" lang="en-GB" sz="3500" spc="-1" strike="noStrike">
-              <a:latin typeface="Arial"/>
-            </a:endParaRPr>
-          </a:p>
-        </p:txBody>
-      </p:sp>
-      <p:sp>
-        <p:nvSpPr>
-          <p:cNvPr id="170" name="CustomShape 3"/>
-          <p:cNvSpPr/>
-          <p:nvPr/>
-        </p:nvSpPr>
-        <p:spPr>
-          <a:xfrm>
-            <a:off x="1020240" y="1758600"/>
-            <a:ext cx="9787320" cy="622800"/>
-          </a:xfrm>
-          <a:prstGeom prst="rect">
-            <a:avLst/>
-          </a:prstGeom>
-          <a:noFill/>
-          <a:ln>
-            <a:noFill/>
-          </a:ln>
-        </p:spPr>
-        <p:style>
-          <a:lnRef idx="0"/>
-          <a:fillRef idx="0"/>
-          <a:effectRef idx="0"/>
-          <a:fontRef idx="minor"/>
-        </p:style>
-        <p:txBody>
-          <a:bodyPr wrap="none" lIns="90000" rIns="90000" tIns="45000" bIns="45000"/>
-          <a:p>
-            <a:pPr algn="ctr">
-              <a:lnSpc>
-                <a:spcPct val="100000"/>
-              </a:lnSpc>
-            </a:pPr>
-            <a:r>
-              <a:rPr b="0" lang="en-GB" sz="3500" spc="-1" strike="noStrike">
-                <a:solidFill>
-                  <a:srgbClr val="000000"/>
-                </a:solidFill>
-                <a:latin typeface="Arial"/>
-                <a:ea typeface="DejaVu Sans"/>
-              </a:rPr>
-              <a:t>Essaye de retenir la traduction de tous les mots !</a:t>
-            </a:r>
-            <a:endParaRPr b="0" lang="en-GB" sz="3500" spc="-1" strike="noStrike">
-              <a:latin typeface="Arial"/>
-            </a:endParaRPr>
-          </a:p>
-        </p:txBody>
-      </p:sp>
-      <p:sp>
-        <p:nvSpPr>
-          <p:cNvPr id="171" name="CustomShape 4"/>
-          <p:cNvSpPr/>
-          <p:nvPr/>
-        </p:nvSpPr>
-        <p:spPr>
-          <a:xfrm>
-            <a:off x="1449720" y="3183120"/>
-            <a:ext cx="8773920" cy="1156320"/>
-          </a:xfrm>
-          <a:prstGeom prst="rect">
-            <a:avLst/>
-          </a:prstGeom>
-          <a:noFill/>
-          <a:ln>
-            <a:noFill/>
-          </a:ln>
-        </p:spPr>
-        <p:style>
-          <a:lnRef idx="0"/>
-          <a:fillRef idx="0"/>
-          <a:effectRef idx="0"/>
-          <a:fontRef idx="minor"/>
-        </p:style>
-        <p:txBody>
-          <a:bodyPr wrap="none" lIns="90000" rIns="90000" tIns="45000" bIns="45000"/>
-          <a:p>
-            <a:pPr algn="ctr">
-              <a:lnSpc>
-                <a:spcPct val="100000"/>
-              </a:lnSpc>
-            </a:pPr>
-            <a:r>
-              <a:rPr b="0" lang="en-GB" sz="3500" spc="-1" strike="noStrike">
-                <a:solidFill>
-                  <a:srgbClr val="000000"/>
-                </a:solidFill>
-                <a:latin typeface="Arial"/>
-                <a:ea typeface="DejaVu Sans"/>
-              </a:rPr>
-              <a:t>Plus tard, on te donnera le mot Hongrois et </a:t>
-            </a:r>
-            <a:endParaRPr b="0" lang="en-GB" sz="3500" spc="-1" strike="noStrike">
-              <a:latin typeface="Arial"/>
-            </a:endParaRPr>
-          </a:p>
-          <a:p>
-            <a:pPr algn="ctr">
-              <a:lnSpc>
-                <a:spcPct val="100000"/>
-              </a:lnSpc>
-            </a:pPr>
-            <a:r>
-              <a:rPr b="0" lang="en-GB" sz="3500" spc="-1" strike="noStrike">
-                <a:solidFill>
-                  <a:srgbClr val="000000"/>
-                </a:solidFill>
-                <a:latin typeface="Arial"/>
-                <a:ea typeface="DejaVu Sans"/>
-              </a:rPr>
-              <a:t>tu devras écrire la traduction en français</a:t>
-            </a:r>
-            <a:endParaRPr b="0" lang="en-GB" sz="3500" spc="-1" strike="noStrike">
-              <a:latin typeface="Arial"/>
-            </a:endParaRPr>
-          </a:p>
-        </p:txBody>
-      </p:sp>
-    </p:spTree>
-  </p:cSld>
-</p:sld>
-</file>
-
-<file path=ppt/slides/slide12.xml><?xml version="1.0" encoding="utf-8"?>
-<p:sld xmlns:a="http://schemas.openxmlformats.org/drawingml/2006/main" xmlns:p="http://schemas.openxmlformats.org/presentationml/2006/main" xmlns:r="http://schemas.openxmlformats.org/officeDocument/2006/relationships" xmlns:p14="http://schemas.microsoft.com/office/powerpoint/2010/main" xmlns:p15="http://schemas.microsoft.com/office/powerpoint/2012/main" xmlns:mc="http://schemas.openxmlformats.org/markup-compatibility/2006">
-  <p:cSld>
-    <p:spTree>
-      <p:nvGrpSpPr>
-        <p:cNvPr id="1" name=""/>
-        <p:cNvGrpSpPr/>
-        <p:nvPr/>
-      </p:nvGrpSpPr>
-      <p:grpSpPr>
-        <a:xfrm>
-          <a:off x="0" y="0"/>
-          <a:ext cx="0" cy="0"/>
-          <a:chOff x="0" y="0"/>
-          <a:chExt cx="0" cy="0"/>
-        </a:xfrm>
-      </p:grpSpPr>
-      <p:sp>
-        <p:nvSpPr>
-          <p:cNvPr id="172" name="CustomShape 1"/>
-          <p:cNvSpPr/>
-          <p:nvPr/>
-        </p:nvSpPr>
-        <p:spPr>
-          <a:xfrm>
-            <a:off x="2952000" y="3176640"/>
-            <a:ext cx="1478520" cy="698760"/>
-          </a:xfrm>
-          <a:prstGeom prst="rect">
-            <a:avLst/>
-          </a:prstGeom>
-          <a:noFill/>
-          <a:ln>
-            <a:noFill/>
-          </a:ln>
-        </p:spPr>
-        <p:style>
-          <a:lnRef idx="0"/>
-          <a:fillRef idx="0"/>
-          <a:effectRef idx="0"/>
-          <a:fontRef idx="minor"/>
-        </p:style>
-        <p:txBody>
-          <a:bodyPr wrap="none" lIns="90000" rIns="90000" tIns="45000" bIns="45000"/>
-          <a:p>
-            <a:pPr algn="ctr">
-              <a:lnSpc>
-                <a:spcPct val="100000"/>
-              </a:lnSpc>
-            </a:pPr>
-            <a:r>
-              <a:rPr b="0" lang="en-GB" sz="4000" spc="-1" strike="noStrike">
-                <a:solidFill>
-                  <a:srgbClr val="000000"/>
-                </a:solidFill>
-                <a:latin typeface="Arial"/>
-                <a:ea typeface="DejaVu Sans"/>
-              </a:rPr>
-              <a:t>Vonat</a:t>
-            </a:r>
-            <a:endParaRPr b="0" lang="en-GB" sz="4000" spc="-1" strike="noStrike">
-              <a:latin typeface="Arial"/>
-            </a:endParaRPr>
-          </a:p>
-        </p:txBody>
-      </p:sp>
-      <p:sp>
-        <p:nvSpPr>
-          <p:cNvPr id="173" name="CustomShape 2"/>
-          <p:cNvSpPr/>
-          <p:nvPr/>
-        </p:nvSpPr>
-        <p:spPr>
-          <a:xfrm>
-            <a:off x="5347800" y="3253680"/>
-            <a:ext cx="440640" cy="622800"/>
-          </a:xfrm>
-          <a:prstGeom prst="rect">
-            <a:avLst/>
-          </a:prstGeom>
-          <a:noFill/>
-          <a:ln>
-            <a:noFill/>
-          </a:ln>
-        </p:spPr>
-        <p:style>
-          <a:lnRef idx="0"/>
-          <a:fillRef idx="0"/>
-          <a:effectRef idx="0"/>
-          <a:fontRef idx="minor"/>
-        </p:style>
-        <p:txBody>
-          <a:bodyPr wrap="none" lIns="90000" rIns="90000" tIns="45000" bIns="45000"/>
-          <a:p>
-            <a:pPr algn="ctr">
-              <a:lnSpc>
-                <a:spcPct val="100000"/>
-              </a:lnSpc>
-            </a:pPr>
-            <a:r>
-              <a:rPr b="0" lang="en-GB" sz="3500" spc="-1" strike="noStrike">
-                <a:solidFill>
-                  <a:srgbClr val="000000"/>
-                </a:solidFill>
-                <a:latin typeface="Arial"/>
-                <a:ea typeface="DejaVu Sans"/>
-              </a:rPr>
               <a:t>=</a:t>
             </a:r>
-            <a:endParaRPr b="0" lang="en-GB" sz="3500" spc="-1" strike="noStrike">
-              <a:latin typeface="Arial"/>
-            </a:endParaRPr>
-          </a:p>
-        </p:txBody>
-      </p:sp>
-      <p:sp>
-        <p:nvSpPr>
-          <p:cNvPr id="174" name="CustomShape 3"/>
-          <p:cNvSpPr/>
-          <p:nvPr/>
-        </p:nvSpPr>
-        <p:spPr>
-          <a:xfrm>
-            <a:off x="6598080" y="3176640"/>
-            <a:ext cx="1316880" cy="698760"/>
-          </a:xfrm>
-          <a:prstGeom prst="rect">
-            <a:avLst/>
-          </a:prstGeom>
-          <a:noFill/>
-          <a:ln>
-            <a:noFill/>
-          </a:ln>
-        </p:spPr>
-        <p:style>
-          <a:lnRef idx="0"/>
-          <a:fillRef idx="0"/>
-          <a:effectRef idx="0"/>
-          <a:fontRef idx="minor"/>
-        </p:style>
-        <p:txBody>
-          <a:bodyPr wrap="none" lIns="90000" rIns="90000" tIns="45000" bIns="45000"/>
-          <a:p>
-            <a:pPr algn="ctr">
-              <a:lnSpc>
-                <a:spcPct val="100000"/>
-              </a:lnSpc>
-            </a:pPr>
-            <a:r>
-              <a:rPr b="0" lang="en-GB" sz="4000" spc="-1" strike="noStrike">
-                <a:solidFill>
-                  <a:srgbClr val="000000"/>
-                </a:solidFill>
-                <a:latin typeface="Arial"/>
-                <a:ea typeface="DejaVu Sans"/>
-              </a:rPr>
-              <a:t>Train</a:t>
-            </a:r>
-            <a:endParaRPr b="0" lang="en-GB" sz="4000" spc="-1" strike="noStrike">
-              <a:latin typeface="Arial"/>
-            </a:endParaRPr>
-          </a:p>
-        </p:txBody>
-      </p:sp>
-      <p:sp>
-        <p:nvSpPr>
-          <p:cNvPr id="175" name="CustomShape 4"/>
-          <p:cNvSpPr/>
-          <p:nvPr/>
-        </p:nvSpPr>
-        <p:spPr>
-          <a:xfrm>
-            <a:off x="3587400" y="1259640"/>
-            <a:ext cx="3884760" cy="622800"/>
-          </a:xfrm>
-          <a:prstGeom prst="rect">
-            <a:avLst/>
-          </a:prstGeom>
-          <a:noFill/>
-          <a:ln>
-            <a:noFill/>
-          </a:ln>
-        </p:spPr>
-        <p:style>
-          <a:lnRef idx="0"/>
-          <a:fillRef idx="0"/>
-          <a:effectRef idx="0"/>
-          <a:fontRef idx="minor"/>
-        </p:style>
-        <p:txBody>
-          <a:bodyPr wrap="none" lIns="90000" rIns="90000" tIns="45000" bIns="45000"/>
-          <a:p>
-            <a:pPr algn="ctr">
-              <a:lnSpc>
-                <a:spcPct val="100000"/>
-              </a:lnSpc>
-            </a:pPr>
-            <a:r>
-              <a:rPr b="0" lang="en-GB" sz="3500" spc="-1" strike="noStrike">
-                <a:solidFill>
-                  <a:srgbClr val="000000"/>
-                </a:solidFill>
-                <a:latin typeface="Arial"/>
-                <a:ea typeface="DejaVu Sans"/>
-              </a:rPr>
-              <a:t>Essaye de retenir !</a:t>
-            </a:r>
-            <a:endParaRPr b="0" lang="en-GB" sz="3500" spc="-1" strike="noStrike">
+            <a:endParaRPr b="0" lang="en-GB" sz="3000" spc="-1" strike="noStrike">
               <a:latin typeface="Arial"/>
             </a:endParaRPr>
           </a:p>
@@ -6041,6 +5659,541 @@
 </p:sld>
 </file>
 
+<file path=ppt/slides/slide11.xml><?xml version="1.0" encoding="utf-8"?>
+<p:sld xmlns:a="http://schemas.openxmlformats.org/drawingml/2006/main" xmlns:p="http://schemas.openxmlformats.org/presentationml/2006/main" xmlns:r="http://schemas.openxmlformats.org/officeDocument/2006/relationships" xmlns:p14="http://schemas.microsoft.com/office/powerpoint/2010/main" xmlns:p15="http://schemas.microsoft.com/office/powerpoint/2012/main" xmlns:mc="http://schemas.openxmlformats.org/markup-compatibility/2006">
+  <p:cSld>
+    <p:spTree>
+      <p:nvGrpSpPr>
+        <p:cNvPr id="1" name=""/>
+        <p:cNvGrpSpPr/>
+        <p:nvPr/>
+      </p:nvGrpSpPr>
+      <p:grpSpPr>
+        <a:xfrm>
+          <a:off x="0" y="0"/>
+          <a:ext cx="0" cy="0"/>
+          <a:chOff x="0" y="0"/>
+          <a:chExt cx="0" cy="0"/>
+        </a:xfrm>
+      </p:grpSpPr>
+      <p:sp>
+        <p:nvSpPr>
+          <p:cNvPr id="168" name="CustomShape 1"/>
+          <p:cNvSpPr/>
+          <p:nvPr/>
+        </p:nvSpPr>
+        <p:spPr>
+          <a:xfrm>
+            <a:off x="1308240" y="997200"/>
+            <a:ext cx="8940960" cy="1917360"/>
+          </a:xfrm>
+          <a:prstGeom prst="rect">
+            <a:avLst/>
+          </a:prstGeom>
+          <a:noFill/>
+          <a:ln>
+            <a:noFill/>
+          </a:ln>
+        </p:spPr>
+        <p:style>
+          <a:lnRef idx="0"/>
+          <a:fillRef idx="0"/>
+          <a:effectRef idx="0"/>
+          <a:fontRef idx="minor"/>
+        </p:style>
+        <p:txBody>
+          <a:bodyPr wrap="none" lIns="90000" rIns="90000" tIns="45000" bIns="45000"/>
+          <a:p>
+            <a:pPr algn="ctr">
+              <a:lnSpc>
+                <a:spcPct val="100000"/>
+              </a:lnSpc>
+            </a:pPr>
+            <a:r>
+              <a:rPr b="0" lang="en-GB" sz="4000" spc="-1" strike="noStrike">
+                <a:solidFill>
+                  <a:srgbClr val="000000"/>
+                </a:solidFill>
+                <a:latin typeface="Arial"/>
+                <a:ea typeface="DejaVu Sans"/>
+              </a:rPr>
+              <a:t>Ooups ! </a:t>
+            </a:r>
+            <a:endParaRPr b="0" lang="en-GB" sz="4000" spc="-1" strike="noStrike">
+              <a:latin typeface="Arial"/>
+            </a:endParaRPr>
+          </a:p>
+          <a:p>
+            <a:pPr algn="ctr">
+              <a:lnSpc>
+                <a:spcPct val="100000"/>
+              </a:lnSpc>
+            </a:pPr>
+            <a:endParaRPr b="0" lang="en-GB" sz="4000" spc="-1" strike="noStrike">
+              <a:latin typeface="Arial"/>
+            </a:endParaRPr>
+          </a:p>
+          <a:p>
+            <a:pPr algn="ctr">
+              <a:lnSpc>
+                <a:spcPct val="100000"/>
+              </a:lnSpc>
+            </a:pPr>
+            <a:r>
+              <a:rPr b="0" lang="en-GB" sz="4000" spc="-1" strike="noStrike">
+                <a:solidFill>
+                  <a:srgbClr val="000000"/>
+                </a:solidFill>
+                <a:latin typeface="Arial"/>
+                <a:ea typeface="DejaVu Sans"/>
+              </a:rPr>
+              <a:t>Tu n’as pas écrit le mot correctement...</a:t>
+            </a:r>
+            <a:endParaRPr b="0" lang="en-GB" sz="4000" spc="-1" strike="noStrike">
+              <a:latin typeface="Arial"/>
+            </a:endParaRPr>
+          </a:p>
+        </p:txBody>
+      </p:sp>
+      <p:sp>
+        <p:nvSpPr>
+          <p:cNvPr id="169" name="CustomShape 2"/>
+          <p:cNvSpPr/>
+          <p:nvPr/>
+        </p:nvSpPr>
+        <p:spPr>
+          <a:xfrm>
+            <a:off x="5335200" y="3851280"/>
+            <a:ext cx="440280" cy="622440"/>
+          </a:xfrm>
+          <a:prstGeom prst="rect">
+            <a:avLst/>
+          </a:prstGeom>
+          <a:noFill/>
+          <a:ln>
+            <a:noFill/>
+          </a:ln>
+        </p:spPr>
+        <p:style>
+          <a:lnRef idx="0"/>
+          <a:fillRef idx="0"/>
+          <a:effectRef idx="0"/>
+          <a:fontRef idx="minor"/>
+        </p:style>
+        <p:txBody>
+          <a:bodyPr wrap="none" lIns="90000" rIns="90000" tIns="45000" bIns="45000"/>
+          <a:p>
+            <a:pPr algn="ctr">
+              <a:lnSpc>
+                <a:spcPct val="100000"/>
+              </a:lnSpc>
+            </a:pPr>
+            <a:r>
+              <a:rPr b="0" lang="en-GB" sz="3500" spc="-1" strike="noStrike">
+                <a:solidFill>
+                  <a:srgbClr val="000000"/>
+                </a:solidFill>
+                <a:latin typeface="Arial"/>
+                <a:ea typeface="DejaVu Sans"/>
+              </a:rPr>
+              <a:t>=</a:t>
+            </a:r>
+            <a:endParaRPr b="0" lang="en-GB" sz="3500" spc="-1" strike="noStrike">
+              <a:latin typeface="Arial"/>
+            </a:endParaRPr>
+          </a:p>
+        </p:txBody>
+      </p:sp>
+      <p:sp>
+        <p:nvSpPr>
+          <p:cNvPr id="170" name="CustomShape 3"/>
+          <p:cNvSpPr/>
+          <p:nvPr/>
+        </p:nvSpPr>
+        <p:spPr>
+          <a:xfrm>
+            <a:off x="6288120" y="3429000"/>
+            <a:ext cx="1158120" cy="393840"/>
+          </a:xfrm>
+          <a:prstGeom prst="rect">
+            <a:avLst/>
+          </a:prstGeom>
+          <a:noFill/>
+          <a:ln>
+            <a:noFill/>
+          </a:ln>
+        </p:spPr>
+        <p:style>
+          <a:lnRef idx="0"/>
+          <a:fillRef idx="0"/>
+          <a:effectRef idx="0"/>
+          <a:fontRef idx="minor"/>
+        </p:style>
+        <p:txBody>
+          <a:bodyPr wrap="none" lIns="90000" rIns="90000" tIns="45000" bIns="45000"/>
+          <a:p>
+            <a:pPr>
+              <a:lnSpc>
+                <a:spcPct val="100000"/>
+              </a:lnSpc>
+            </a:pPr>
+            <a:r>
+              <a:rPr b="0" lang="en-GB" sz="2000" spc="-1" strike="noStrike">
+                <a:solidFill>
+                  <a:srgbClr val="000000"/>
+                </a:solidFill>
+                <a:latin typeface="Arial"/>
+                <a:ea typeface="DejaVu Sans"/>
+              </a:rPr>
+              <a:t>Français</a:t>
+            </a:r>
+            <a:endParaRPr b="0" lang="en-GB" sz="2000" spc="-1" strike="noStrike">
+              <a:latin typeface="Arial"/>
+            </a:endParaRPr>
+          </a:p>
+        </p:txBody>
+      </p:sp>
+      <p:sp>
+        <p:nvSpPr>
+          <p:cNvPr id="171" name="CustomShape 4"/>
+          <p:cNvSpPr/>
+          <p:nvPr/>
+        </p:nvSpPr>
+        <p:spPr>
+          <a:xfrm>
+            <a:off x="3531960" y="3450960"/>
+            <a:ext cx="1200600" cy="393840"/>
+          </a:xfrm>
+          <a:prstGeom prst="rect">
+            <a:avLst/>
+          </a:prstGeom>
+          <a:noFill/>
+          <a:ln>
+            <a:noFill/>
+          </a:ln>
+        </p:spPr>
+        <p:style>
+          <a:lnRef idx="0"/>
+          <a:fillRef idx="0"/>
+          <a:effectRef idx="0"/>
+          <a:fontRef idx="minor"/>
+        </p:style>
+        <p:txBody>
+          <a:bodyPr wrap="none" lIns="90000" rIns="90000" tIns="45000" bIns="45000"/>
+          <a:p>
+            <a:pPr>
+              <a:lnSpc>
+                <a:spcPct val="100000"/>
+              </a:lnSpc>
+            </a:pPr>
+            <a:r>
+              <a:rPr b="0" lang="en-GB" sz="2000" spc="-1" strike="noStrike">
+                <a:solidFill>
+                  <a:srgbClr val="000000"/>
+                </a:solidFill>
+                <a:latin typeface="Arial"/>
+                <a:ea typeface="DejaVu Sans"/>
+              </a:rPr>
+              <a:t>Hongrois</a:t>
+            </a:r>
+            <a:endParaRPr b="0" lang="en-GB" sz="2000" spc="-1" strike="noStrike">
+              <a:latin typeface="Arial"/>
+            </a:endParaRPr>
+          </a:p>
+        </p:txBody>
+      </p:sp>
+      <p:sp>
+        <p:nvSpPr>
+          <p:cNvPr id="172" name="CustomShape 5"/>
+          <p:cNvSpPr/>
+          <p:nvPr/>
+        </p:nvSpPr>
+        <p:spPr>
+          <a:xfrm>
+            <a:off x="1576440" y="5229720"/>
+            <a:ext cx="7958160" cy="622440"/>
+          </a:xfrm>
+          <a:prstGeom prst="rect">
+            <a:avLst/>
+          </a:prstGeom>
+          <a:noFill/>
+          <a:ln>
+            <a:noFill/>
+          </a:ln>
+        </p:spPr>
+        <p:style>
+          <a:lnRef idx="0"/>
+          <a:fillRef idx="0"/>
+          <a:effectRef idx="0"/>
+          <a:fontRef idx="minor"/>
+        </p:style>
+        <p:txBody>
+          <a:bodyPr wrap="none" lIns="90000" rIns="90000" tIns="45000" bIns="45000"/>
+          <a:p>
+            <a:pPr algn="ctr">
+              <a:lnSpc>
+                <a:spcPct val="100000"/>
+              </a:lnSpc>
+            </a:pPr>
+            <a:r>
+              <a:rPr b="0" lang="en-GB" sz="3500" spc="-1" strike="noStrike">
+                <a:solidFill>
+                  <a:srgbClr val="000000"/>
+                </a:solidFill>
+                <a:latin typeface="Arial"/>
+                <a:ea typeface="DejaVu Sans"/>
+              </a:rPr>
+              <a:t>Appuie sur une touche pour continuer !</a:t>
+            </a:r>
+            <a:endParaRPr b="0" lang="en-GB" sz="3500" spc="-1" strike="noStrike">
+              <a:latin typeface="Arial"/>
+            </a:endParaRPr>
+          </a:p>
+        </p:txBody>
+      </p:sp>
+    </p:spTree>
+  </p:cSld>
+</p:sld>
+</file>
+
+<file path=ppt/slides/slide12.xml><?xml version="1.0" encoding="utf-8"?>
+<p:sld xmlns:a="http://schemas.openxmlformats.org/drawingml/2006/main" xmlns:p="http://schemas.openxmlformats.org/presentationml/2006/main" xmlns:r="http://schemas.openxmlformats.org/officeDocument/2006/relationships" xmlns:p14="http://schemas.microsoft.com/office/powerpoint/2010/main" xmlns:p15="http://schemas.microsoft.com/office/powerpoint/2012/main" xmlns:mc="http://schemas.openxmlformats.org/markup-compatibility/2006">
+  <p:cSld>
+    <p:spTree>
+      <p:nvGrpSpPr>
+        <p:cNvPr id="1" name=""/>
+        <p:cNvGrpSpPr/>
+        <p:nvPr/>
+      </p:nvGrpSpPr>
+      <p:grpSpPr>
+        <a:xfrm>
+          <a:off x="0" y="0"/>
+          <a:ext cx="0" cy="0"/>
+          <a:chOff x="0" y="0"/>
+          <a:chExt cx="0" cy="0"/>
+        </a:xfrm>
+      </p:grpSpPr>
+      <p:sp>
+        <p:nvSpPr>
+          <p:cNvPr id="173" name="CustomShape 1"/>
+          <p:cNvSpPr/>
+          <p:nvPr/>
+        </p:nvSpPr>
+        <p:spPr>
+          <a:xfrm>
+            <a:off x="544680" y="573120"/>
+            <a:ext cx="10738080" cy="698400"/>
+          </a:xfrm>
+          <a:prstGeom prst="rect">
+            <a:avLst/>
+          </a:prstGeom>
+          <a:noFill/>
+          <a:ln>
+            <a:noFill/>
+          </a:ln>
+        </p:spPr>
+        <p:style>
+          <a:lnRef idx="0"/>
+          <a:fillRef idx="0"/>
+          <a:effectRef idx="0"/>
+          <a:fontRef idx="minor"/>
+        </p:style>
+        <p:txBody>
+          <a:bodyPr wrap="none" lIns="90000" rIns="90000" tIns="45000" bIns="45000"/>
+          <a:p>
+            <a:pPr algn="ctr">
+              <a:lnSpc>
+                <a:spcPct val="100000"/>
+              </a:lnSpc>
+            </a:pPr>
+            <a:r>
+              <a:rPr b="0" lang="en-GB" sz="4000" spc="-1" strike="noStrike">
+                <a:solidFill>
+                  <a:srgbClr val="000000"/>
+                </a:solidFill>
+                <a:latin typeface="Arial"/>
+                <a:ea typeface="DejaVu Sans"/>
+              </a:rPr>
+              <a:t>On va te présenter 15 paires de mots à la suite</a:t>
+            </a:r>
+            <a:endParaRPr b="0" lang="en-GB" sz="4000" spc="-1" strike="noStrike">
+              <a:latin typeface="Arial"/>
+            </a:endParaRPr>
+          </a:p>
+        </p:txBody>
+      </p:sp>
+      <p:sp>
+        <p:nvSpPr>
+          <p:cNvPr id="174" name="CustomShape 2"/>
+          <p:cNvSpPr/>
+          <p:nvPr/>
+        </p:nvSpPr>
+        <p:spPr>
+          <a:xfrm>
+            <a:off x="1671840" y="5653800"/>
+            <a:ext cx="8328600" cy="622440"/>
+          </a:xfrm>
+          <a:prstGeom prst="rect">
+            <a:avLst/>
+          </a:prstGeom>
+          <a:noFill/>
+          <a:ln>
+            <a:noFill/>
+          </a:ln>
+        </p:spPr>
+        <p:style>
+          <a:lnRef idx="0"/>
+          <a:fillRef idx="0"/>
+          <a:effectRef idx="0"/>
+          <a:fontRef idx="minor"/>
+        </p:style>
+        <p:txBody>
+          <a:bodyPr wrap="none" lIns="90000" rIns="90000" tIns="45000" bIns="45000"/>
+          <a:p>
+            <a:pPr algn="ctr">
+              <a:lnSpc>
+                <a:spcPct val="100000"/>
+              </a:lnSpc>
+            </a:pPr>
+            <a:r>
+              <a:rPr b="0" lang="en-GB" sz="3500" spc="-1" strike="noStrike">
+                <a:solidFill>
+                  <a:srgbClr val="000000"/>
+                </a:solidFill>
+                <a:latin typeface="Arial"/>
+                <a:ea typeface="DejaVu Sans"/>
+              </a:rPr>
+              <a:t>Appuie sur une touche pour commencer !</a:t>
+            </a:r>
+            <a:endParaRPr b="0" lang="en-GB" sz="3500" spc="-1" strike="noStrike">
+              <a:latin typeface="Arial"/>
+            </a:endParaRPr>
+          </a:p>
+        </p:txBody>
+      </p:sp>
+      <p:sp>
+        <p:nvSpPr>
+          <p:cNvPr id="175" name="CustomShape 3"/>
+          <p:cNvSpPr/>
+          <p:nvPr/>
+        </p:nvSpPr>
+        <p:spPr>
+          <a:xfrm>
+            <a:off x="1020240" y="1758600"/>
+            <a:ext cx="9786960" cy="622440"/>
+          </a:xfrm>
+          <a:prstGeom prst="rect">
+            <a:avLst/>
+          </a:prstGeom>
+          <a:noFill/>
+          <a:ln>
+            <a:noFill/>
+          </a:ln>
+        </p:spPr>
+        <p:style>
+          <a:lnRef idx="0"/>
+          <a:fillRef idx="0"/>
+          <a:effectRef idx="0"/>
+          <a:fontRef idx="minor"/>
+        </p:style>
+        <p:txBody>
+          <a:bodyPr wrap="none" lIns="90000" rIns="90000" tIns="45000" bIns="45000"/>
+          <a:p>
+            <a:pPr algn="ctr">
+              <a:lnSpc>
+                <a:spcPct val="100000"/>
+              </a:lnSpc>
+            </a:pPr>
+            <a:r>
+              <a:rPr b="0" lang="en-GB" sz="3500" spc="-1" strike="noStrike">
+                <a:solidFill>
+                  <a:srgbClr val="000000"/>
+                </a:solidFill>
+                <a:latin typeface="Arial"/>
+                <a:ea typeface="DejaVu Sans"/>
+              </a:rPr>
+              <a:t>Essaye de retenir la traduction de tous les mots !</a:t>
+            </a:r>
+            <a:endParaRPr b="0" lang="en-GB" sz="3500" spc="-1" strike="noStrike">
+              <a:latin typeface="Arial"/>
+            </a:endParaRPr>
+          </a:p>
+        </p:txBody>
+      </p:sp>
+      <p:sp>
+        <p:nvSpPr>
+          <p:cNvPr id="176" name="CustomShape 4"/>
+          <p:cNvSpPr/>
+          <p:nvPr/>
+        </p:nvSpPr>
+        <p:spPr>
+          <a:xfrm>
+            <a:off x="1449720" y="3183120"/>
+            <a:ext cx="8773560" cy="1155960"/>
+          </a:xfrm>
+          <a:prstGeom prst="rect">
+            <a:avLst/>
+          </a:prstGeom>
+          <a:noFill/>
+          <a:ln>
+            <a:noFill/>
+          </a:ln>
+        </p:spPr>
+        <p:style>
+          <a:lnRef idx="0"/>
+          <a:fillRef idx="0"/>
+          <a:effectRef idx="0"/>
+          <a:fontRef idx="minor"/>
+        </p:style>
+        <p:txBody>
+          <a:bodyPr wrap="none" lIns="90000" rIns="90000" tIns="45000" bIns="45000"/>
+          <a:p>
+            <a:pPr algn="ctr">
+              <a:lnSpc>
+                <a:spcPct val="100000"/>
+              </a:lnSpc>
+            </a:pPr>
+            <a:r>
+              <a:rPr b="0" lang="en-GB" sz="3500" spc="-1" strike="noStrike">
+                <a:solidFill>
+                  <a:srgbClr val="000000"/>
+                </a:solidFill>
+                <a:latin typeface="Arial"/>
+                <a:ea typeface="DejaVu Sans"/>
+              </a:rPr>
+              <a:t>Plus tard, on te donnera le mot Hongrois et </a:t>
+            </a:r>
+            <a:endParaRPr b="0" lang="en-GB" sz="3500" spc="-1" strike="noStrike">
+              <a:latin typeface="Arial"/>
+            </a:endParaRPr>
+          </a:p>
+          <a:p>
+            <a:pPr algn="ctr">
+              <a:lnSpc>
+                <a:spcPct val="100000"/>
+              </a:lnSpc>
+            </a:pPr>
+            <a:r>
+              <a:rPr b="0" lang="en-GB" sz="3500" spc="-1" strike="noStrike">
+                <a:solidFill>
+                  <a:srgbClr val="000000"/>
+                </a:solidFill>
+                <a:latin typeface="Arial"/>
+                <a:ea typeface="DejaVu Sans"/>
+              </a:rPr>
+              <a:t>tu devras écrire la traduction en français</a:t>
+            </a:r>
+            <a:endParaRPr b="0" lang="en-GB" sz="3500" spc="-1" strike="noStrike">
+              <a:latin typeface="Arial"/>
+            </a:endParaRPr>
+          </a:p>
+        </p:txBody>
+      </p:sp>
+    </p:spTree>
+  </p:cSld>
+</p:sld>
+</file>
+
 <file path=ppt/slides/slide13.xml><?xml version="1.0" encoding="utf-8"?>
 <p:sld xmlns:a="http://schemas.openxmlformats.org/drawingml/2006/main" xmlns:p="http://schemas.openxmlformats.org/presentationml/2006/main" xmlns:r="http://schemas.openxmlformats.org/officeDocument/2006/relationships" xmlns:p14="http://schemas.microsoft.com/office/powerpoint/2010/main" xmlns:p15="http://schemas.microsoft.com/office/powerpoint/2012/main" xmlns:mc="http://schemas.openxmlformats.org/markup-compatibility/2006">
   <p:cSld>
@@ -6060,14 +6213,14 @@
       </p:grpSpPr>
       <p:sp>
         <p:nvSpPr>
-          <p:cNvPr id="176" name="CustomShape 1"/>
+          <p:cNvPr id="177" name="CustomShape 1"/>
           <p:cNvSpPr/>
           <p:nvPr/>
         </p:nvSpPr>
         <p:spPr>
           <a:xfrm>
-            <a:off x="3535920" y="206640"/>
-            <a:ext cx="4669560" cy="698760"/>
+            <a:off x="544680" y="573120"/>
+            <a:ext cx="10738080" cy="698400"/>
           </a:xfrm>
           <a:prstGeom prst="rect">
             <a:avLst/>
@@ -6099,7 +6252,7 @@
                 <a:latin typeface="Arial"/>
                 <a:ea typeface="DejaVu Sans"/>
               </a:rPr>
-              <a:t>Bravo ! Tu as réussi</a:t>
+              <a:t>On va te présenter 40 paires de mots à la suite</a:t>
             </a:r>
             <a:endParaRPr b="0" lang="en-GB" sz="4000" spc="-1" strike="noStrike">
               <a:latin typeface="Arial"/>
@@ -6109,14 +6262,14 @@
       </p:sp>
       <p:sp>
         <p:nvSpPr>
-          <p:cNvPr id="177" name="CustomShape 2"/>
+          <p:cNvPr id="178" name="CustomShape 2"/>
           <p:cNvSpPr/>
           <p:nvPr/>
         </p:nvSpPr>
         <p:spPr>
           <a:xfrm>
-            <a:off x="3948480" y="1280880"/>
-            <a:ext cx="1153800" cy="546120"/>
+            <a:off x="1671840" y="5653800"/>
+            <a:ext cx="8328600" cy="622440"/>
           </a:xfrm>
           <a:prstGeom prst="rect">
             <a:avLst/>
@@ -6141,31 +6294,31 @@
               </a:lnSpc>
             </a:pPr>
             <a:r>
-              <a:rPr b="0" lang="en-GB" sz="3000" spc="-1" strike="noStrike">
+              <a:rPr b="0" lang="en-GB" sz="3500" spc="-1" strike="noStrike">
                 <a:solidFill>
                   <a:srgbClr val="000000"/>
                 </a:solidFill>
                 <a:latin typeface="Arial"/>
                 <a:ea typeface="DejaVu Sans"/>
               </a:rPr>
-              <a:t>Vonat</a:t>
-            </a:r>
-            <a:endParaRPr b="0" lang="en-GB" sz="3000" spc="-1" strike="noStrike">
-              <a:latin typeface="Arial"/>
-            </a:endParaRPr>
-          </a:p>
-        </p:txBody>
-      </p:sp>
-      <p:sp>
-        <p:nvSpPr>
-          <p:cNvPr id="178" name="CustomShape 3"/>
+              <a:t>Appuie sur une touche pour commencer !</a:t>
+            </a:r>
+            <a:endParaRPr b="0" lang="en-GB" sz="3500" spc="-1" strike="noStrike">
+              <a:latin typeface="Arial"/>
+            </a:endParaRPr>
+          </a:p>
+        </p:txBody>
+      </p:sp>
+      <p:sp>
+        <p:nvSpPr>
+          <p:cNvPr id="179" name="CustomShape 3"/>
           <p:cNvSpPr/>
           <p:nvPr/>
         </p:nvSpPr>
         <p:spPr>
           <a:xfrm>
-            <a:off x="6606360" y="1280880"/>
-            <a:ext cx="1033560" cy="546120"/>
+            <a:off x="1020240" y="1758600"/>
+            <a:ext cx="9786960" cy="622440"/>
           </a:xfrm>
           <a:prstGeom prst="rect">
             <a:avLst/>
@@ -6190,31 +6343,31 @@
               </a:lnSpc>
             </a:pPr>
             <a:r>
-              <a:rPr b="0" lang="en-GB" sz="3000" spc="-1" strike="noStrike">
+              <a:rPr b="0" lang="en-GB" sz="3500" spc="-1" strike="noStrike">
                 <a:solidFill>
                   <a:srgbClr val="000000"/>
                 </a:solidFill>
                 <a:latin typeface="Arial"/>
                 <a:ea typeface="DejaVu Sans"/>
               </a:rPr>
-              <a:t>Train</a:t>
-            </a:r>
-            <a:endParaRPr b="0" lang="en-GB" sz="3000" spc="-1" strike="noStrike">
-              <a:latin typeface="Arial"/>
-            </a:endParaRPr>
-          </a:p>
-        </p:txBody>
-      </p:sp>
-      <p:sp>
-        <p:nvSpPr>
-          <p:cNvPr id="179" name="CustomShape 4"/>
+              <a:t>Essaye de retenir la traduction de tous les mots !</a:t>
+            </a:r>
+            <a:endParaRPr b="0" lang="en-GB" sz="3500" spc="-1" strike="noStrike">
+              <a:latin typeface="Arial"/>
+            </a:endParaRPr>
+          </a:p>
+        </p:txBody>
+      </p:sp>
+      <p:sp>
+        <p:nvSpPr>
+          <p:cNvPr id="180" name="CustomShape 4"/>
           <p:cNvSpPr/>
           <p:nvPr/>
         </p:nvSpPr>
         <p:spPr>
           <a:xfrm>
-            <a:off x="5686200" y="1280880"/>
-            <a:ext cx="402480" cy="546120"/>
+            <a:off x="1449720" y="3183120"/>
+            <a:ext cx="8773560" cy="1155960"/>
           </a:xfrm>
           <a:prstGeom prst="rect">
             <a:avLst/>
@@ -6239,31 +6392,73 @@
               </a:lnSpc>
             </a:pPr>
             <a:r>
-              <a:rPr b="0" lang="en-GB" sz="3000" spc="-1" strike="noStrike">
+              <a:rPr b="0" lang="en-GB" sz="3500" spc="-1" strike="noStrike">
                 <a:solidFill>
                   <a:srgbClr val="000000"/>
                 </a:solidFill>
                 <a:latin typeface="Arial"/>
                 <a:ea typeface="DejaVu Sans"/>
               </a:rPr>
-              <a:t>=</a:t>
-            </a:r>
-            <a:endParaRPr b="0" lang="en-GB" sz="3000" spc="-1" strike="noStrike">
-              <a:latin typeface="Arial"/>
-            </a:endParaRPr>
-          </a:p>
-        </p:txBody>
-      </p:sp>
-      <p:sp>
-        <p:nvSpPr>
-          <p:cNvPr id="180" name="CustomShape 5"/>
+              <a:t>Plus tard, on te donnera le mot Hongrois et </a:t>
+            </a:r>
+            <a:endParaRPr b="0" lang="en-GB" sz="3500" spc="-1" strike="noStrike">
+              <a:latin typeface="Arial"/>
+            </a:endParaRPr>
+          </a:p>
+          <a:p>
+            <a:pPr algn="ctr">
+              <a:lnSpc>
+                <a:spcPct val="100000"/>
+              </a:lnSpc>
+            </a:pPr>
+            <a:r>
+              <a:rPr b="0" lang="en-GB" sz="3500" spc="-1" strike="noStrike">
+                <a:solidFill>
+                  <a:srgbClr val="000000"/>
+                </a:solidFill>
+                <a:latin typeface="Arial"/>
+                <a:ea typeface="DejaVu Sans"/>
+              </a:rPr>
+              <a:t>tu devras écrire la traduction en français</a:t>
+            </a:r>
+            <a:endParaRPr b="0" lang="en-GB" sz="3500" spc="-1" strike="noStrike">
+              <a:latin typeface="Arial"/>
+            </a:endParaRPr>
+          </a:p>
+        </p:txBody>
+      </p:sp>
+    </p:spTree>
+  </p:cSld>
+</p:sld>
+</file>
+
+<file path=ppt/slides/slide14.xml><?xml version="1.0" encoding="utf-8"?>
+<p:sld xmlns:a="http://schemas.openxmlformats.org/drawingml/2006/main" xmlns:p="http://schemas.openxmlformats.org/presentationml/2006/main" xmlns:r="http://schemas.openxmlformats.org/officeDocument/2006/relationships" xmlns:p14="http://schemas.microsoft.com/office/powerpoint/2010/main" xmlns:p15="http://schemas.microsoft.com/office/powerpoint/2012/main" xmlns:mc="http://schemas.openxmlformats.org/markup-compatibility/2006">
+  <p:cSld>
+    <p:spTree>
+      <p:nvGrpSpPr>
+        <p:cNvPr id="1" name=""/>
+        <p:cNvGrpSpPr/>
+        <p:nvPr/>
+      </p:nvGrpSpPr>
+      <p:grpSpPr>
+        <a:xfrm>
+          <a:off x="0" y="0"/>
+          <a:ext cx="0" cy="0"/>
+          <a:chOff x="0" y="0"/>
+          <a:chExt cx="0" cy="0"/>
+        </a:xfrm>
+      </p:grpSpPr>
+      <p:sp>
+        <p:nvSpPr>
+          <p:cNvPr id="181" name="CustomShape 1"/>
           <p:cNvSpPr/>
           <p:nvPr/>
         </p:nvSpPr>
         <p:spPr>
           <a:xfrm>
-            <a:off x="3446640" y="2112840"/>
-            <a:ext cx="5033880" cy="698760"/>
+            <a:off x="2952000" y="3176640"/>
+            <a:ext cx="1478160" cy="698400"/>
           </a:xfrm>
           <a:prstGeom prst="rect">
             <a:avLst/>
@@ -6295,7 +6490,7 @@
                 <a:latin typeface="Arial"/>
                 <a:ea typeface="DejaVu Sans"/>
               </a:rPr>
-              <a:t>Que souhaiterais-tu ?</a:t>
+              <a:t>Vonat</a:t>
             </a:r>
             <a:endParaRPr b="0" lang="en-GB" sz="4000" spc="-1" strike="noStrike">
               <a:latin typeface="Arial"/>
@@ -6305,14 +6500,14 @@
       </p:sp>
       <p:sp>
         <p:nvSpPr>
-          <p:cNvPr id="181" name="CustomShape 6"/>
+          <p:cNvPr id="182" name="CustomShape 2"/>
           <p:cNvSpPr/>
           <p:nvPr/>
         </p:nvSpPr>
         <p:spPr>
           <a:xfrm>
-            <a:off x="833400" y="3191760"/>
-            <a:ext cx="7371720" cy="546120"/>
+            <a:off x="5347800" y="3253680"/>
+            <a:ext cx="440280" cy="622440"/>
           </a:xfrm>
           <a:prstGeom prst="rect">
             <a:avLst/>
@@ -6337,31 +6532,31 @@
               </a:lnSpc>
             </a:pPr>
             <a:r>
-              <a:rPr b="0" lang="en-GB" sz="3000" spc="-1" strike="noStrike">
+              <a:rPr b="0" lang="en-GB" sz="3500" spc="-1" strike="noStrike">
                 <a:solidFill>
                   <a:srgbClr val="000000"/>
                 </a:solidFill>
                 <a:latin typeface="Arial"/>
                 <a:ea typeface="DejaVu Sans"/>
               </a:rPr>
-              <a:t>1- Je veux revoir la paire de mots plus tard</a:t>
-            </a:r>
-            <a:endParaRPr b="0" lang="en-GB" sz="3000" spc="-1" strike="noStrike">
-              <a:latin typeface="Arial"/>
-            </a:endParaRPr>
-          </a:p>
-        </p:txBody>
-      </p:sp>
-      <p:sp>
-        <p:nvSpPr>
-          <p:cNvPr id="182" name="CustomShape 7"/>
+              <a:t>=</a:t>
+            </a:r>
+            <a:endParaRPr b="0" lang="en-GB" sz="3500" spc="-1" strike="noStrike">
+              <a:latin typeface="Arial"/>
+            </a:endParaRPr>
+          </a:p>
+        </p:txBody>
+      </p:sp>
+      <p:sp>
+        <p:nvSpPr>
+          <p:cNvPr id="183" name="CustomShape 3"/>
           <p:cNvSpPr/>
           <p:nvPr/>
         </p:nvSpPr>
         <p:spPr>
           <a:xfrm>
-            <a:off x="837360" y="4023720"/>
-            <a:ext cx="7920360" cy="546120"/>
+            <a:off x="6598080" y="3176640"/>
+            <a:ext cx="1316520" cy="698400"/>
           </a:xfrm>
           <a:prstGeom prst="rect">
             <a:avLst/>
@@ -6386,31 +6581,31 @@
               </a:lnSpc>
             </a:pPr>
             <a:r>
-              <a:rPr b="0" lang="en-GB" sz="3000" spc="-1" strike="noStrike">
+              <a:rPr b="0" lang="en-GB" sz="4000" spc="-1" strike="noStrike">
                 <a:solidFill>
                   <a:srgbClr val="000000"/>
                 </a:solidFill>
                 <a:latin typeface="Arial"/>
                 <a:ea typeface="DejaVu Sans"/>
               </a:rPr>
-              <a:t>2- Je veux me re-tester avec la paire plus tard</a:t>
-            </a:r>
-            <a:endParaRPr b="0" lang="en-GB" sz="3000" spc="-1" strike="noStrike">
-              <a:latin typeface="Arial"/>
-            </a:endParaRPr>
-          </a:p>
-        </p:txBody>
-      </p:sp>
-      <p:sp>
-        <p:nvSpPr>
-          <p:cNvPr id="183" name="CustomShape 8"/>
+              <a:t>Train</a:t>
+            </a:r>
+            <a:endParaRPr b="0" lang="en-GB" sz="4000" spc="-1" strike="noStrike">
+              <a:latin typeface="Arial"/>
+            </a:endParaRPr>
+          </a:p>
+        </p:txBody>
+      </p:sp>
+      <p:sp>
+        <p:nvSpPr>
+          <p:cNvPr id="184" name="CustomShape 4"/>
           <p:cNvSpPr/>
           <p:nvPr/>
         </p:nvSpPr>
         <p:spPr>
           <a:xfrm>
-            <a:off x="838800" y="4855680"/>
-            <a:ext cx="8258760" cy="546120"/>
+            <a:off x="3587400" y="1259640"/>
+            <a:ext cx="3884400" cy="622440"/>
           </a:xfrm>
           <a:prstGeom prst="rect">
             <a:avLst/>
@@ -6435,65 +6630,16 @@
               </a:lnSpc>
             </a:pPr>
             <a:r>
-              <a:rPr b="0" lang="en-GB" sz="3000" spc="-1" strike="noStrike">
+              <a:rPr b="0" lang="en-GB" sz="3500" spc="-1" strike="noStrike">
                 <a:solidFill>
                   <a:srgbClr val="000000"/>
                 </a:solidFill>
                 <a:latin typeface="Arial"/>
                 <a:ea typeface="DejaVu Sans"/>
               </a:rPr>
-              <a:t>3- Je ne veux pas revoir la paire ni me re-tester </a:t>
-            </a:r>
-            <a:endParaRPr b="0" lang="en-GB" sz="3000" spc="-1" strike="noStrike">
-              <a:latin typeface="Arial"/>
-            </a:endParaRPr>
-          </a:p>
-        </p:txBody>
-      </p:sp>
-      <p:sp>
-        <p:nvSpPr>
-          <p:cNvPr id="184" name="CustomShape 9"/>
-          <p:cNvSpPr/>
-          <p:nvPr/>
-        </p:nvSpPr>
-        <p:spPr>
-          <a:xfrm>
-            <a:off x="3855240" y="5780880"/>
-            <a:ext cx="4473000" cy="546120"/>
-          </a:xfrm>
-          <a:prstGeom prst="rect">
-            <a:avLst/>
-          </a:prstGeom>
-          <a:noFill/>
-          <a:ln>
-            <a:noFill/>
-          </a:ln>
-        </p:spPr>
-        <p:style>
-          <a:lnRef idx="0"/>
-          <a:fillRef idx="0"/>
-          <a:effectRef idx="0"/>
-          <a:fontRef idx="minor"/>
-        </p:style>
-        <p:txBody>
-          <a:bodyPr wrap="none" lIns="90000" rIns="90000" tIns="45000" bIns="45000"/>
-          <a:p>
-            <a:pPr algn="ctr">
-              <a:lnSpc>
-                <a:spcPct val="100000"/>
-              </a:lnSpc>
-            </a:pPr>
-            <a:r>
-              <a:rPr b="0" lang="en-GB" sz="3000" spc="-1" strike="noStrike">
-                <a:solidFill>
-                  <a:srgbClr val="000000"/>
-                </a:solidFill>
-                <a:latin typeface="Arial"/>
-                <a:ea typeface="DejaVu Sans"/>
-              </a:rPr>
-              <a:t>Tape ton choix (1, 2 ou 3)</a:t>
-            </a:r>
-            <a:endParaRPr b="0" lang="en-GB" sz="3000" spc="-1" strike="noStrike">
+              <a:t>Essaye de retenir !</a:t>
+            </a:r>
+            <a:endParaRPr b="0" lang="en-GB" sz="3500" spc="-1" strike="noStrike">
               <a:latin typeface="Arial"/>
             </a:endParaRPr>
           </a:p>
@@ -6531,371 +6677,6 @@
 </p:sld>
 </file>
 
-<file path=ppt/slides/slide14.xml><?xml version="1.0" encoding="utf-8"?>
-<p:sld xmlns:a="http://schemas.openxmlformats.org/drawingml/2006/main" xmlns:p="http://schemas.openxmlformats.org/presentationml/2006/main" xmlns:r="http://schemas.openxmlformats.org/officeDocument/2006/relationships" xmlns:p14="http://schemas.microsoft.com/office/powerpoint/2010/main" xmlns:p15="http://schemas.microsoft.com/office/powerpoint/2012/main" xmlns:mc="http://schemas.openxmlformats.org/markup-compatibility/2006">
-  <p:cSld>
-    <p:spTree>
-      <p:nvGrpSpPr>
-        <p:cNvPr id="1" name=""/>
-        <p:cNvGrpSpPr/>
-        <p:nvPr/>
-      </p:nvGrpSpPr>
-      <p:grpSpPr>
-        <a:xfrm>
-          <a:off x="0" y="0"/>
-          <a:ext cx="0" cy="0"/>
-          <a:chOff x="0" y="0"/>
-          <a:chExt cx="0" cy="0"/>
-        </a:xfrm>
-      </p:grpSpPr>
-      <p:sp>
-        <p:nvSpPr>
-          <p:cNvPr id="185" name="CustomShape 1"/>
-          <p:cNvSpPr/>
-          <p:nvPr/>
-        </p:nvSpPr>
-        <p:spPr>
-          <a:xfrm>
-            <a:off x="3535560" y="206640"/>
-            <a:ext cx="4669560" cy="698760"/>
-          </a:xfrm>
-          <a:prstGeom prst="rect">
-            <a:avLst/>
-          </a:prstGeom>
-          <a:noFill/>
-          <a:ln>
-            <a:noFill/>
-          </a:ln>
-        </p:spPr>
-        <p:style>
-          <a:lnRef idx="0"/>
-          <a:fillRef idx="0"/>
-          <a:effectRef idx="0"/>
-          <a:fontRef idx="minor"/>
-        </p:style>
-        <p:txBody>
-          <a:bodyPr wrap="none" lIns="90000" rIns="90000" tIns="45000" bIns="45000"/>
-          <a:p>
-            <a:pPr algn="ctr">
-              <a:lnSpc>
-                <a:spcPct val="100000"/>
-              </a:lnSpc>
-            </a:pPr>
-            <a:r>
-              <a:rPr b="0" lang="en-GB" sz="4000" spc="-1" strike="noStrike">
-                <a:solidFill>
-                  <a:srgbClr val="000000"/>
-                </a:solidFill>
-                <a:latin typeface="Arial"/>
-                <a:ea typeface="DejaVu Sans"/>
-              </a:rPr>
-              <a:t>Bravo ! Tu as réussi</a:t>
-            </a:r>
-            <a:endParaRPr b="0" lang="en-GB" sz="4000" spc="-1" strike="noStrike">
-              <a:latin typeface="Arial"/>
-            </a:endParaRPr>
-          </a:p>
-        </p:txBody>
-      </p:sp>
-      <p:sp>
-        <p:nvSpPr>
-          <p:cNvPr id="186" name="CustomShape 2"/>
-          <p:cNvSpPr/>
-          <p:nvPr/>
-        </p:nvSpPr>
-        <p:spPr>
-          <a:xfrm>
-            <a:off x="5685840" y="1280880"/>
-            <a:ext cx="402480" cy="546120"/>
-          </a:xfrm>
-          <a:prstGeom prst="rect">
-            <a:avLst/>
-          </a:prstGeom>
-          <a:noFill/>
-          <a:ln>
-            <a:noFill/>
-          </a:ln>
-        </p:spPr>
-        <p:style>
-          <a:lnRef idx="0"/>
-          <a:fillRef idx="0"/>
-          <a:effectRef idx="0"/>
-          <a:fontRef idx="minor"/>
-        </p:style>
-        <p:txBody>
-          <a:bodyPr wrap="none" lIns="90000" rIns="90000" tIns="45000" bIns="45000"/>
-          <a:p>
-            <a:pPr algn="ctr">
-              <a:lnSpc>
-                <a:spcPct val="100000"/>
-              </a:lnSpc>
-            </a:pPr>
-            <a:r>
-              <a:rPr b="0" lang="en-GB" sz="3000" spc="-1" strike="noStrike">
-                <a:solidFill>
-                  <a:srgbClr val="000000"/>
-                </a:solidFill>
-                <a:latin typeface="Arial"/>
-                <a:ea typeface="DejaVu Sans"/>
-              </a:rPr>
-              <a:t>=</a:t>
-            </a:r>
-            <a:endParaRPr b="0" lang="en-GB" sz="3000" spc="-1" strike="noStrike">
-              <a:latin typeface="Arial"/>
-            </a:endParaRPr>
-          </a:p>
-        </p:txBody>
-      </p:sp>
-      <p:sp>
-        <p:nvSpPr>
-          <p:cNvPr id="187" name="CustomShape 3"/>
-          <p:cNvSpPr/>
-          <p:nvPr/>
-        </p:nvSpPr>
-        <p:spPr>
-          <a:xfrm>
-            <a:off x="3446280" y="2112840"/>
-            <a:ext cx="5033880" cy="698760"/>
-          </a:xfrm>
-          <a:prstGeom prst="rect">
-            <a:avLst/>
-          </a:prstGeom>
-          <a:noFill/>
-          <a:ln>
-            <a:noFill/>
-          </a:ln>
-        </p:spPr>
-        <p:style>
-          <a:lnRef idx="0"/>
-          <a:fillRef idx="0"/>
-          <a:effectRef idx="0"/>
-          <a:fontRef idx="minor"/>
-        </p:style>
-        <p:txBody>
-          <a:bodyPr wrap="none" lIns="90000" rIns="90000" tIns="45000" bIns="45000"/>
-          <a:p>
-            <a:pPr algn="ctr">
-              <a:lnSpc>
-                <a:spcPct val="100000"/>
-              </a:lnSpc>
-            </a:pPr>
-            <a:r>
-              <a:rPr b="0" lang="en-GB" sz="4000" spc="-1" strike="noStrike">
-                <a:solidFill>
-                  <a:srgbClr val="000000"/>
-                </a:solidFill>
-                <a:latin typeface="Arial"/>
-                <a:ea typeface="DejaVu Sans"/>
-              </a:rPr>
-              <a:t>Que souhaiterais-tu ?</a:t>
-            </a:r>
-            <a:endParaRPr b="0" lang="en-GB" sz="4000" spc="-1" strike="noStrike">
-              <a:latin typeface="Arial"/>
-            </a:endParaRPr>
-          </a:p>
-        </p:txBody>
-      </p:sp>
-      <p:sp>
-        <p:nvSpPr>
-          <p:cNvPr id="188" name="CustomShape 4"/>
-          <p:cNvSpPr/>
-          <p:nvPr/>
-        </p:nvSpPr>
-        <p:spPr>
-          <a:xfrm>
-            <a:off x="833040" y="3191760"/>
-            <a:ext cx="7371720" cy="546120"/>
-          </a:xfrm>
-          <a:prstGeom prst="rect">
-            <a:avLst/>
-          </a:prstGeom>
-          <a:noFill/>
-          <a:ln>
-            <a:noFill/>
-          </a:ln>
-        </p:spPr>
-        <p:style>
-          <a:lnRef idx="0"/>
-          <a:fillRef idx="0"/>
-          <a:effectRef idx="0"/>
-          <a:fontRef idx="minor"/>
-        </p:style>
-        <p:txBody>
-          <a:bodyPr wrap="none" lIns="90000" rIns="90000" tIns="45000" bIns="45000"/>
-          <a:p>
-            <a:pPr algn="ctr">
-              <a:lnSpc>
-                <a:spcPct val="100000"/>
-              </a:lnSpc>
-            </a:pPr>
-            <a:r>
-              <a:rPr b="0" lang="en-GB" sz="3000" spc="-1" strike="noStrike">
-                <a:solidFill>
-                  <a:srgbClr val="000000"/>
-                </a:solidFill>
-                <a:latin typeface="Arial"/>
-                <a:ea typeface="DejaVu Sans"/>
-              </a:rPr>
-              <a:t>1- Je veux revoir la paire de mots plus tard</a:t>
-            </a:r>
-            <a:endParaRPr b="0" lang="en-GB" sz="3000" spc="-1" strike="noStrike">
-              <a:latin typeface="Arial"/>
-            </a:endParaRPr>
-          </a:p>
-        </p:txBody>
-      </p:sp>
-      <p:sp>
-        <p:nvSpPr>
-          <p:cNvPr id="189" name="CustomShape 5"/>
-          <p:cNvSpPr/>
-          <p:nvPr/>
-        </p:nvSpPr>
-        <p:spPr>
-          <a:xfrm>
-            <a:off x="837000" y="4023720"/>
-            <a:ext cx="7920360" cy="546120"/>
-          </a:xfrm>
-          <a:prstGeom prst="rect">
-            <a:avLst/>
-          </a:prstGeom>
-          <a:noFill/>
-          <a:ln>
-            <a:noFill/>
-          </a:ln>
-        </p:spPr>
-        <p:style>
-          <a:lnRef idx="0"/>
-          <a:fillRef idx="0"/>
-          <a:effectRef idx="0"/>
-          <a:fontRef idx="minor"/>
-        </p:style>
-        <p:txBody>
-          <a:bodyPr wrap="none" lIns="90000" rIns="90000" tIns="45000" bIns="45000"/>
-          <a:p>
-            <a:pPr algn="ctr">
-              <a:lnSpc>
-                <a:spcPct val="100000"/>
-              </a:lnSpc>
-            </a:pPr>
-            <a:r>
-              <a:rPr b="0" lang="en-GB" sz="3000" spc="-1" strike="noStrike">
-                <a:solidFill>
-                  <a:srgbClr val="000000"/>
-                </a:solidFill>
-                <a:latin typeface="Arial"/>
-                <a:ea typeface="DejaVu Sans"/>
-              </a:rPr>
-              <a:t>2- Je veux me re-tester avec la paire plus tard</a:t>
-            </a:r>
-            <a:endParaRPr b="0" lang="en-GB" sz="3000" spc="-1" strike="noStrike">
-              <a:latin typeface="Arial"/>
-            </a:endParaRPr>
-          </a:p>
-        </p:txBody>
-      </p:sp>
-      <p:sp>
-        <p:nvSpPr>
-          <p:cNvPr id="190" name="CustomShape 6"/>
-          <p:cNvSpPr/>
-          <p:nvPr/>
-        </p:nvSpPr>
-        <p:spPr>
-          <a:xfrm>
-            <a:off x="838440" y="4855680"/>
-            <a:ext cx="8258760" cy="546120"/>
-          </a:xfrm>
-          <a:prstGeom prst="rect">
-            <a:avLst/>
-          </a:prstGeom>
-          <a:noFill/>
-          <a:ln>
-            <a:noFill/>
-          </a:ln>
-        </p:spPr>
-        <p:style>
-          <a:lnRef idx="0"/>
-          <a:fillRef idx="0"/>
-          <a:effectRef idx="0"/>
-          <a:fontRef idx="minor"/>
-        </p:style>
-        <p:txBody>
-          <a:bodyPr wrap="none" lIns="90000" rIns="90000" tIns="45000" bIns="45000"/>
-          <a:p>
-            <a:pPr algn="ctr">
-              <a:lnSpc>
-                <a:spcPct val="100000"/>
-              </a:lnSpc>
-            </a:pPr>
-            <a:r>
-              <a:rPr b="0" lang="en-GB" sz="3000" spc="-1" strike="noStrike">
-                <a:solidFill>
-                  <a:srgbClr val="000000"/>
-                </a:solidFill>
-                <a:latin typeface="Arial"/>
-                <a:ea typeface="DejaVu Sans"/>
-              </a:rPr>
-              <a:t>3- Je ne veux pas revoir la paire ni me re-tester </a:t>
-            </a:r>
-            <a:endParaRPr b="0" lang="en-GB" sz="3000" spc="-1" strike="noStrike">
-              <a:latin typeface="Arial"/>
-            </a:endParaRPr>
-          </a:p>
-        </p:txBody>
-      </p:sp>
-      <p:sp>
-        <p:nvSpPr>
-          <p:cNvPr id="191" name="CustomShape 7"/>
-          <p:cNvSpPr/>
-          <p:nvPr/>
-        </p:nvSpPr>
-        <p:spPr>
-          <a:xfrm>
-            <a:off x="3854880" y="5780880"/>
-            <a:ext cx="4473000" cy="546120"/>
-          </a:xfrm>
-          <a:prstGeom prst="rect">
-            <a:avLst/>
-          </a:prstGeom>
-          <a:noFill/>
-          <a:ln>
-            <a:noFill/>
-          </a:ln>
-        </p:spPr>
-        <p:style>
-          <a:lnRef idx="0"/>
-          <a:fillRef idx="0"/>
-          <a:effectRef idx="0"/>
-          <a:fontRef idx="minor"/>
-        </p:style>
-        <p:txBody>
-          <a:bodyPr wrap="none" lIns="90000" rIns="90000" tIns="45000" bIns="45000"/>
-          <a:p>
-            <a:pPr algn="ctr">
-              <a:lnSpc>
-                <a:spcPct val="100000"/>
-              </a:lnSpc>
-            </a:pPr>
-            <a:r>
-              <a:rPr b="0" lang="en-GB" sz="3000" spc="-1" strike="noStrike">
-                <a:solidFill>
-                  <a:srgbClr val="000000"/>
-                </a:solidFill>
-                <a:latin typeface="Arial"/>
-                <a:ea typeface="DejaVu Sans"/>
-              </a:rPr>
-              <a:t>Tape ton choix (1, 2 ou 3)</a:t>
-            </a:r>
-            <a:endParaRPr b="0" lang="en-GB" sz="3000" spc="-1" strike="noStrike">
-              <a:latin typeface="Arial"/>
-            </a:endParaRPr>
-          </a:p>
-        </p:txBody>
-      </p:sp>
-    </p:spTree>
-  </p:cSld>
-</p:sld>
-</file>
-
 <file path=ppt/slides/slide15.xml><?xml version="1.0" encoding="utf-8"?>
 <p:sld xmlns:a="http://schemas.openxmlformats.org/drawingml/2006/main" xmlns:p="http://schemas.openxmlformats.org/presentationml/2006/main" xmlns:r="http://schemas.openxmlformats.org/officeDocument/2006/relationships" xmlns:p14="http://schemas.microsoft.com/office/powerpoint/2010/main" xmlns:p15="http://schemas.microsoft.com/office/powerpoint/2012/main" xmlns:mc="http://schemas.openxmlformats.org/markup-compatibility/2006">
   <p:cSld>
@@ -6915,14 +6696,14 @@
       </p:grpSpPr>
       <p:sp>
         <p:nvSpPr>
-          <p:cNvPr id="192" name="CustomShape 1"/>
+          <p:cNvPr id="185" name="CustomShape 1"/>
           <p:cNvSpPr/>
           <p:nvPr/>
         </p:nvSpPr>
         <p:spPr>
           <a:xfrm>
-            <a:off x="3535560" y="206640"/>
-            <a:ext cx="4669560" cy="698760"/>
+            <a:off x="3535920" y="206640"/>
+            <a:ext cx="4669200" cy="698400"/>
           </a:xfrm>
           <a:prstGeom prst="rect">
             <a:avLst/>
@@ -6964,14 +6745,14 @@
       </p:sp>
       <p:sp>
         <p:nvSpPr>
-          <p:cNvPr id="193" name="CustomShape 2"/>
+          <p:cNvPr id="186" name="CustomShape 2"/>
           <p:cNvSpPr/>
           <p:nvPr/>
         </p:nvSpPr>
         <p:spPr>
           <a:xfrm>
-            <a:off x="5685840" y="1280880"/>
-            <a:ext cx="402480" cy="546120"/>
+            <a:off x="3948480" y="1280880"/>
+            <a:ext cx="1153440" cy="545760"/>
           </a:xfrm>
           <a:prstGeom prst="rect">
             <a:avLst/>
@@ -7003,7 +6784,7 @@
                 <a:latin typeface="Arial"/>
                 <a:ea typeface="DejaVu Sans"/>
               </a:rPr>
-              <a:t>=</a:t>
+              <a:t>Vonat</a:t>
             </a:r>
             <a:endParaRPr b="0" lang="en-GB" sz="3000" spc="-1" strike="noStrike">
               <a:latin typeface="Arial"/>
@@ -7013,14 +6794,14 @@
       </p:sp>
       <p:sp>
         <p:nvSpPr>
-          <p:cNvPr id="194" name="CustomShape 3"/>
+          <p:cNvPr id="187" name="CustomShape 3"/>
           <p:cNvSpPr/>
           <p:nvPr/>
         </p:nvSpPr>
         <p:spPr>
           <a:xfrm>
-            <a:off x="3446280" y="2112840"/>
-            <a:ext cx="5033880" cy="698760"/>
+            <a:off x="6606360" y="1280880"/>
+            <a:ext cx="1033200" cy="545760"/>
           </a:xfrm>
           <a:prstGeom prst="rect">
             <a:avLst/>
@@ -7045,31 +6826,31 @@
               </a:lnSpc>
             </a:pPr>
             <a:r>
-              <a:rPr b="0" lang="en-GB" sz="4000" spc="-1" strike="noStrike">
+              <a:rPr b="0" lang="en-GB" sz="3000" spc="-1" strike="noStrike">
                 <a:solidFill>
                   <a:srgbClr val="000000"/>
                 </a:solidFill>
                 <a:latin typeface="Arial"/>
                 <a:ea typeface="DejaVu Sans"/>
               </a:rPr>
-              <a:t>Que souhaiterais-tu ?</a:t>
-            </a:r>
-            <a:endParaRPr b="0" lang="en-GB" sz="4000" spc="-1" strike="noStrike">
-              <a:latin typeface="Arial"/>
-            </a:endParaRPr>
-          </a:p>
-        </p:txBody>
-      </p:sp>
-      <p:sp>
-        <p:nvSpPr>
-          <p:cNvPr id="195" name="CustomShape 4"/>
+              <a:t>Train</a:t>
+            </a:r>
+            <a:endParaRPr b="0" lang="en-GB" sz="3000" spc="-1" strike="noStrike">
+              <a:latin typeface="Arial"/>
+            </a:endParaRPr>
+          </a:p>
+        </p:txBody>
+      </p:sp>
+      <p:sp>
+        <p:nvSpPr>
+          <p:cNvPr id="188" name="CustomShape 4"/>
           <p:cNvSpPr/>
           <p:nvPr/>
         </p:nvSpPr>
         <p:spPr>
           <a:xfrm>
-            <a:off x="833040" y="3191760"/>
-            <a:ext cx="7371720" cy="546120"/>
+            <a:off x="5686200" y="1280880"/>
+            <a:ext cx="402120" cy="545760"/>
           </a:xfrm>
           <a:prstGeom prst="rect">
             <a:avLst/>
@@ -7101,7 +6882,7 @@
                 <a:latin typeface="Arial"/>
                 <a:ea typeface="DejaVu Sans"/>
               </a:rPr>
-              <a:t>1- Je veux revoir la paire de mots plus tard</a:t>
+              <a:t>=</a:t>
             </a:r>
             <a:endParaRPr b="0" lang="en-GB" sz="3000" spc="-1" strike="noStrike">
               <a:latin typeface="Arial"/>
@@ -7111,14 +6892,14 @@
       </p:sp>
       <p:sp>
         <p:nvSpPr>
-          <p:cNvPr id="196" name="CustomShape 5"/>
+          <p:cNvPr id="189" name="CustomShape 5"/>
           <p:cNvSpPr/>
           <p:nvPr/>
         </p:nvSpPr>
         <p:spPr>
           <a:xfrm>
-            <a:off x="837000" y="4023720"/>
-            <a:ext cx="7920360" cy="546120"/>
+            <a:off x="3446640" y="2112840"/>
+            <a:ext cx="5033520" cy="698400"/>
           </a:xfrm>
           <a:prstGeom prst="rect">
             <a:avLst/>
@@ -7143,31 +6924,31 @@
               </a:lnSpc>
             </a:pPr>
             <a:r>
-              <a:rPr b="0" lang="en-GB" sz="3000" spc="-1" strike="noStrike">
+              <a:rPr b="0" lang="en-GB" sz="4000" spc="-1" strike="noStrike">
                 <a:solidFill>
                   <a:srgbClr val="000000"/>
                 </a:solidFill>
                 <a:latin typeface="Arial"/>
                 <a:ea typeface="DejaVu Sans"/>
               </a:rPr>
-              <a:t>2- Je veux me re-tester avec la paire plus tard</a:t>
-            </a:r>
-            <a:endParaRPr b="0" lang="en-GB" sz="3000" spc="-1" strike="noStrike">
-              <a:latin typeface="Arial"/>
-            </a:endParaRPr>
-          </a:p>
-        </p:txBody>
-      </p:sp>
-      <p:sp>
-        <p:nvSpPr>
-          <p:cNvPr id="197" name="CustomShape 6"/>
+              <a:t>Que souhaiterais-tu ?</a:t>
+            </a:r>
+            <a:endParaRPr b="0" lang="en-GB" sz="4000" spc="-1" strike="noStrike">
+              <a:latin typeface="Arial"/>
+            </a:endParaRPr>
+          </a:p>
+        </p:txBody>
+      </p:sp>
+      <p:sp>
+        <p:nvSpPr>
+          <p:cNvPr id="190" name="CustomShape 6"/>
           <p:cNvSpPr/>
           <p:nvPr/>
         </p:nvSpPr>
         <p:spPr>
           <a:xfrm>
-            <a:off x="838440" y="4855680"/>
-            <a:ext cx="8258760" cy="546120"/>
+            <a:off x="833400" y="3191760"/>
+            <a:ext cx="7371360" cy="545760"/>
           </a:xfrm>
           <a:prstGeom prst="rect">
             <a:avLst/>
@@ -7199,7 +6980,7 @@
                 <a:latin typeface="Arial"/>
                 <a:ea typeface="DejaVu Sans"/>
               </a:rPr>
-              <a:t>3- Je ne veux pas revoir la paire ni me re-tester </a:t>
+              <a:t>1- Je veux revoir la paire de mots plus tard</a:t>
             </a:r>
             <a:endParaRPr b="0" lang="en-GB" sz="3000" spc="-1" strike="noStrike">
               <a:latin typeface="Arial"/>
@@ -7209,14 +6990,14 @@
       </p:sp>
       <p:sp>
         <p:nvSpPr>
-          <p:cNvPr id="198" name="CustomShape 7"/>
+          <p:cNvPr id="191" name="CustomShape 7"/>
           <p:cNvSpPr/>
           <p:nvPr/>
         </p:nvSpPr>
         <p:spPr>
           <a:xfrm>
-            <a:off x="3854880" y="5780880"/>
-            <a:ext cx="4473000" cy="546120"/>
+            <a:off x="837360" y="4023720"/>
+            <a:ext cx="7920000" cy="545760"/>
           </a:xfrm>
           <a:prstGeom prst="rect">
             <a:avLst/>
@@ -7248,6 +7029,104 @@
                 <a:latin typeface="Arial"/>
                 <a:ea typeface="DejaVu Sans"/>
               </a:rPr>
+              <a:t>2- Je veux me re-tester avec la paire plus tard</a:t>
+            </a:r>
+            <a:endParaRPr b="0" lang="en-GB" sz="3000" spc="-1" strike="noStrike">
+              <a:latin typeface="Arial"/>
+            </a:endParaRPr>
+          </a:p>
+        </p:txBody>
+      </p:sp>
+      <p:sp>
+        <p:nvSpPr>
+          <p:cNvPr id="192" name="CustomShape 8"/>
+          <p:cNvSpPr/>
+          <p:nvPr/>
+        </p:nvSpPr>
+        <p:spPr>
+          <a:xfrm>
+            <a:off x="838800" y="4855680"/>
+            <a:ext cx="8258400" cy="545760"/>
+          </a:xfrm>
+          <a:prstGeom prst="rect">
+            <a:avLst/>
+          </a:prstGeom>
+          <a:noFill/>
+          <a:ln>
+            <a:noFill/>
+          </a:ln>
+        </p:spPr>
+        <p:style>
+          <a:lnRef idx="0"/>
+          <a:fillRef idx="0"/>
+          <a:effectRef idx="0"/>
+          <a:fontRef idx="minor"/>
+        </p:style>
+        <p:txBody>
+          <a:bodyPr wrap="none" lIns="90000" rIns="90000" tIns="45000" bIns="45000"/>
+          <a:p>
+            <a:pPr algn="ctr">
+              <a:lnSpc>
+                <a:spcPct val="100000"/>
+              </a:lnSpc>
+            </a:pPr>
+            <a:r>
+              <a:rPr b="0" lang="en-GB" sz="3000" spc="-1" strike="noStrike">
+                <a:solidFill>
+                  <a:srgbClr val="000000"/>
+                </a:solidFill>
+                <a:latin typeface="Arial"/>
+                <a:ea typeface="DejaVu Sans"/>
+              </a:rPr>
+              <a:t>3- Je ne veux pas revoir la paire ni me re-tester </a:t>
+            </a:r>
+            <a:endParaRPr b="0" lang="en-GB" sz="3000" spc="-1" strike="noStrike">
+              <a:latin typeface="Arial"/>
+            </a:endParaRPr>
+          </a:p>
+        </p:txBody>
+      </p:sp>
+      <p:sp>
+        <p:nvSpPr>
+          <p:cNvPr id="193" name="CustomShape 9"/>
+          <p:cNvSpPr/>
+          <p:nvPr/>
+        </p:nvSpPr>
+        <p:spPr>
+          <a:xfrm>
+            <a:off x="3855240" y="5780880"/>
+            <a:ext cx="4472640" cy="545760"/>
+          </a:xfrm>
+          <a:prstGeom prst="rect">
+            <a:avLst/>
+          </a:prstGeom>
+          <a:noFill/>
+          <a:ln>
+            <a:noFill/>
+          </a:ln>
+        </p:spPr>
+        <p:style>
+          <a:lnRef idx="0"/>
+          <a:fillRef idx="0"/>
+          <a:effectRef idx="0"/>
+          <a:fontRef idx="minor"/>
+        </p:style>
+        <p:txBody>
+          <a:bodyPr wrap="none" lIns="90000" rIns="90000" tIns="45000" bIns="45000"/>
+          <a:p>
+            <a:pPr algn="ctr">
+              <a:lnSpc>
+                <a:spcPct val="100000"/>
+              </a:lnSpc>
+            </a:pPr>
+            <a:r>
+              <a:rPr b="0" lang="en-GB" sz="3000" spc="-1" strike="noStrike">
+                <a:solidFill>
+                  <a:srgbClr val="000000"/>
+                </a:solidFill>
+                <a:latin typeface="Arial"/>
+                <a:ea typeface="DejaVu Sans"/>
+              </a:rPr>
               <a:t>Tape ton choix (1, 2 ou 3)</a:t>
             </a:r>
             <a:endParaRPr b="0" lang="en-GB" sz="3000" spc="-1" strike="noStrike">
@@ -7258,6 +7137,33 @@
       </p:sp>
     </p:spTree>
   </p:cSld>
+  <p:timing>
+    <p:tnLst>
+      <p:par>
+        <p:cTn id="17" dur="indefinite" restart="never" nodeType="tmRoot">
+          <p:childTnLst>
+            <p:seq>
+              <p:cTn id="18" dur="indefinite" nodeType="mainSeq"/>
+              <p:prevCondLst>
+                <p:cond delay="0" evt="onPrev">
+                  <p:tgtEl>
+                    <p:sldTgt/>
+                  </p:tgtEl>
+                </p:cond>
+              </p:prevCondLst>
+              <p:nextCondLst>
+                <p:cond delay="0" evt="onNext">
+                  <p:tgtEl>
+                    <p:sldTgt/>
+                  </p:tgtEl>
+                </p:cond>
+              </p:nextCondLst>
+            </p:seq>
+          </p:childTnLst>
+        </p:cTn>
+      </p:par>
+    </p:tnLst>
+  </p:timing>
 </p:sld>
 </file>
 
@@ -7280,14 +7186,14 @@
       </p:grpSpPr>
       <p:sp>
         <p:nvSpPr>
-          <p:cNvPr id="199" name="CustomShape 1"/>
+          <p:cNvPr id="194" name="CustomShape 1"/>
           <p:cNvSpPr/>
           <p:nvPr/>
         </p:nvSpPr>
         <p:spPr>
           <a:xfrm>
-            <a:off x="838080" y="365040"/>
-            <a:ext cx="10514160" cy="1324080"/>
+            <a:off x="3535560" y="206640"/>
+            <a:ext cx="4669200" cy="698400"/>
           </a:xfrm>
           <a:prstGeom prst="rect">
             <a:avLst/>
@@ -7303,17 +7209,40 @@
           <a:effectRef idx="0"/>
           <a:fontRef idx="minor"/>
         </p:style>
-      </p:sp>
-      <p:sp>
-        <p:nvSpPr>
-          <p:cNvPr id="200" name="CustomShape 2"/>
+        <p:txBody>
+          <a:bodyPr wrap="none" lIns="90000" rIns="90000" tIns="45000" bIns="45000"/>
+          <a:p>
+            <a:pPr algn="ctr">
+              <a:lnSpc>
+                <a:spcPct val="100000"/>
+              </a:lnSpc>
+            </a:pPr>
+            <a:r>
+              <a:rPr b="0" lang="en-GB" sz="4000" spc="-1" strike="noStrike">
+                <a:solidFill>
+                  <a:srgbClr val="000000"/>
+                </a:solidFill>
+                <a:latin typeface="Arial"/>
+                <a:ea typeface="DejaVu Sans"/>
+              </a:rPr>
+              <a:t>Bravo ! Tu as réussi</a:t>
+            </a:r>
+            <a:endParaRPr b="0" lang="en-GB" sz="4000" spc="-1" strike="noStrike">
+              <a:latin typeface="Arial"/>
+            </a:endParaRPr>
+          </a:p>
+        </p:txBody>
+      </p:sp>
+      <p:sp>
+        <p:nvSpPr>
+          <p:cNvPr id="195" name="CustomShape 2"/>
           <p:cNvSpPr/>
           <p:nvPr/>
         </p:nvSpPr>
         <p:spPr>
           <a:xfrm>
-            <a:off x="838080" y="1825560"/>
-            <a:ext cx="3384720" cy="2073960"/>
+            <a:off x="5685840" y="1280880"/>
+            <a:ext cx="402120" cy="545760"/>
           </a:xfrm>
           <a:prstGeom prst="rect">
             <a:avLst/>
@@ -7329,17 +7258,40 @@
           <a:effectRef idx="0"/>
           <a:fontRef idx="minor"/>
         </p:style>
-      </p:sp>
-      <p:sp>
-        <p:nvSpPr>
-          <p:cNvPr id="201" name="CustomShape 3"/>
+        <p:txBody>
+          <a:bodyPr wrap="none" lIns="90000" rIns="90000" tIns="45000" bIns="45000"/>
+          <a:p>
+            <a:pPr algn="ctr">
+              <a:lnSpc>
+                <a:spcPct val="100000"/>
+              </a:lnSpc>
+            </a:pPr>
+            <a:r>
+              <a:rPr b="0" lang="en-GB" sz="3000" spc="-1" strike="noStrike">
+                <a:solidFill>
+                  <a:srgbClr val="000000"/>
+                </a:solidFill>
+                <a:latin typeface="Arial"/>
+                <a:ea typeface="DejaVu Sans"/>
+              </a:rPr>
+              <a:t>=</a:t>
+            </a:r>
+            <a:endParaRPr b="0" lang="en-GB" sz="3000" spc="-1" strike="noStrike">
+              <a:latin typeface="Arial"/>
+            </a:endParaRPr>
+          </a:p>
+        </p:txBody>
+      </p:sp>
+      <p:sp>
+        <p:nvSpPr>
+          <p:cNvPr id="196" name="CustomShape 3"/>
           <p:cNvSpPr/>
           <p:nvPr/>
         </p:nvSpPr>
         <p:spPr>
           <a:xfrm>
-            <a:off x="4393440" y="1825560"/>
-            <a:ext cx="3384720" cy="2073960"/>
+            <a:off x="3446280" y="2112840"/>
+            <a:ext cx="5033520" cy="698400"/>
           </a:xfrm>
           <a:prstGeom prst="rect">
             <a:avLst/>
@@ -7355,17 +7307,40 @@
           <a:effectRef idx="0"/>
           <a:fontRef idx="minor"/>
         </p:style>
-      </p:sp>
-      <p:sp>
-        <p:nvSpPr>
-          <p:cNvPr id="202" name="CustomShape 4"/>
+        <p:txBody>
+          <a:bodyPr wrap="none" lIns="90000" rIns="90000" tIns="45000" bIns="45000"/>
+          <a:p>
+            <a:pPr algn="ctr">
+              <a:lnSpc>
+                <a:spcPct val="100000"/>
+              </a:lnSpc>
+            </a:pPr>
+            <a:r>
+              <a:rPr b="0" lang="en-GB" sz="4000" spc="-1" strike="noStrike">
+                <a:solidFill>
+                  <a:srgbClr val="000000"/>
+                </a:solidFill>
+                <a:latin typeface="Arial"/>
+                <a:ea typeface="DejaVu Sans"/>
+              </a:rPr>
+              <a:t>Que souhaiterais-tu ?</a:t>
+            </a:r>
+            <a:endParaRPr b="0" lang="en-GB" sz="4000" spc="-1" strike="noStrike">
+              <a:latin typeface="Arial"/>
+            </a:endParaRPr>
+          </a:p>
+        </p:txBody>
+      </p:sp>
+      <p:sp>
+        <p:nvSpPr>
+          <p:cNvPr id="197" name="CustomShape 4"/>
           <p:cNvSpPr/>
           <p:nvPr/>
         </p:nvSpPr>
         <p:spPr>
           <a:xfrm>
-            <a:off x="7949160" y="1825560"/>
-            <a:ext cx="3384720" cy="2073960"/>
+            <a:off x="833040" y="3191760"/>
+            <a:ext cx="7371360" cy="545760"/>
           </a:xfrm>
           <a:prstGeom prst="rect">
             <a:avLst/>
@@ -7381,17 +7356,40 @@
           <a:effectRef idx="0"/>
           <a:fontRef idx="minor"/>
         </p:style>
-      </p:sp>
-      <p:sp>
-        <p:nvSpPr>
-          <p:cNvPr id="203" name="CustomShape 5"/>
+        <p:txBody>
+          <a:bodyPr wrap="none" lIns="90000" rIns="90000" tIns="45000" bIns="45000"/>
+          <a:p>
+            <a:pPr algn="ctr">
+              <a:lnSpc>
+                <a:spcPct val="100000"/>
+              </a:lnSpc>
+            </a:pPr>
+            <a:r>
+              <a:rPr b="0" lang="en-GB" sz="3000" spc="-1" strike="noStrike">
+                <a:solidFill>
+                  <a:srgbClr val="000000"/>
+                </a:solidFill>
+                <a:latin typeface="Arial"/>
+                <a:ea typeface="DejaVu Sans"/>
+              </a:rPr>
+              <a:t>1- Je veux revoir la paire de mots plus tard</a:t>
+            </a:r>
+            <a:endParaRPr b="0" lang="en-GB" sz="3000" spc="-1" strike="noStrike">
+              <a:latin typeface="Arial"/>
+            </a:endParaRPr>
+          </a:p>
+        </p:txBody>
+      </p:sp>
+      <p:sp>
+        <p:nvSpPr>
+          <p:cNvPr id="198" name="CustomShape 5"/>
           <p:cNvSpPr/>
           <p:nvPr/>
         </p:nvSpPr>
         <p:spPr>
           <a:xfrm>
-            <a:off x="838080" y="4098240"/>
-            <a:ext cx="3384720" cy="2073960"/>
+            <a:off x="837000" y="4023720"/>
+            <a:ext cx="7920000" cy="545760"/>
           </a:xfrm>
           <a:prstGeom prst="rect">
             <a:avLst/>
@@ -7407,17 +7405,40 @@
           <a:effectRef idx="0"/>
           <a:fontRef idx="minor"/>
         </p:style>
-      </p:sp>
-      <p:sp>
-        <p:nvSpPr>
-          <p:cNvPr id="204" name="CustomShape 6"/>
+        <p:txBody>
+          <a:bodyPr wrap="none" lIns="90000" rIns="90000" tIns="45000" bIns="45000"/>
+          <a:p>
+            <a:pPr algn="ctr">
+              <a:lnSpc>
+                <a:spcPct val="100000"/>
+              </a:lnSpc>
+            </a:pPr>
+            <a:r>
+              <a:rPr b="0" lang="en-GB" sz="3000" spc="-1" strike="noStrike">
+                <a:solidFill>
+                  <a:srgbClr val="000000"/>
+                </a:solidFill>
+                <a:latin typeface="Arial"/>
+                <a:ea typeface="DejaVu Sans"/>
+              </a:rPr>
+              <a:t>2- Je veux me re-tester avec la paire plus tard</a:t>
+            </a:r>
+            <a:endParaRPr b="0" lang="en-GB" sz="3000" spc="-1" strike="noStrike">
+              <a:latin typeface="Arial"/>
+            </a:endParaRPr>
+          </a:p>
+        </p:txBody>
+      </p:sp>
+      <p:sp>
+        <p:nvSpPr>
+          <p:cNvPr id="199" name="CustomShape 6"/>
           <p:cNvSpPr/>
           <p:nvPr/>
         </p:nvSpPr>
         <p:spPr>
           <a:xfrm>
-            <a:off x="4393440" y="4098240"/>
-            <a:ext cx="3384720" cy="2073960"/>
+            <a:off x="838440" y="4855680"/>
+            <a:ext cx="8258400" cy="545760"/>
           </a:xfrm>
           <a:prstGeom prst="rect">
             <a:avLst/>
@@ -7433,17 +7454,40 @@
           <a:effectRef idx="0"/>
           <a:fontRef idx="minor"/>
         </p:style>
-      </p:sp>
-      <p:sp>
-        <p:nvSpPr>
-          <p:cNvPr id="205" name="CustomShape 7"/>
+        <p:txBody>
+          <a:bodyPr wrap="none" lIns="90000" rIns="90000" tIns="45000" bIns="45000"/>
+          <a:p>
+            <a:pPr algn="ctr">
+              <a:lnSpc>
+                <a:spcPct val="100000"/>
+              </a:lnSpc>
+            </a:pPr>
+            <a:r>
+              <a:rPr b="0" lang="en-GB" sz="3000" spc="-1" strike="noStrike">
+                <a:solidFill>
+                  <a:srgbClr val="000000"/>
+                </a:solidFill>
+                <a:latin typeface="Arial"/>
+                <a:ea typeface="DejaVu Sans"/>
+              </a:rPr>
+              <a:t>3- Je ne veux pas revoir la paire ni me re-tester </a:t>
+            </a:r>
+            <a:endParaRPr b="0" lang="en-GB" sz="3000" spc="-1" strike="noStrike">
+              <a:latin typeface="Arial"/>
+            </a:endParaRPr>
+          </a:p>
+        </p:txBody>
+      </p:sp>
+      <p:sp>
+        <p:nvSpPr>
+          <p:cNvPr id="200" name="CustomShape 7"/>
           <p:cNvSpPr/>
           <p:nvPr/>
         </p:nvSpPr>
         <p:spPr>
           <a:xfrm>
-            <a:off x="7949160" y="4098240"/>
-            <a:ext cx="3384720" cy="2073960"/>
+            <a:off x="3854880" y="5780880"/>
+            <a:ext cx="4472640" cy="545760"/>
           </a:xfrm>
           <a:prstGeom prst="rect">
             <a:avLst/>
@@ -7459,10 +7503,602 @@
           <a:effectRef idx="0"/>
           <a:fontRef idx="minor"/>
         </p:style>
+        <p:txBody>
+          <a:bodyPr wrap="none" lIns="90000" rIns="90000" tIns="45000" bIns="45000"/>
+          <a:p>
+            <a:pPr algn="ctr">
+              <a:lnSpc>
+                <a:spcPct val="100000"/>
+              </a:lnSpc>
+            </a:pPr>
+            <a:r>
+              <a:rPr b="0" lang="en-GB" sz="3000" spc="-1" strike="noStrike">
+                <a:solidFill>
+                  <a:srgbClr val="000000"/>
+                </a:solidFill>
+                <a:latin typeface="Arial"/>
+                <a:ea typeface="DejaVu Sans"/>
+              </a:rPr>
+              <a:t>Tape ton choix (1, 2 ou 3)</a:t>
+            </a:r>
+            <a:endParaRPr b="0" lang="en-GB" sz="3000" spc="-1" strike="noStrike">
+              <a:latin typeface="Arial"/>
+            </a:endParaRPr>
+          </a:p>
+        </p:txBody>
+      </p:sp>
+    </p:spTree>
+  </p:cSld>
+</p:sld>
+</file>
+
+<file path=ppt/slides/slide17.xml><?xml version="1.0" encoding="utf-8"?>
+<p:sld xmlns:a="http://schemas.openxmlformats.org/drawingml/2006/main" xmlns:p="http://schemas.openxmlformats.org/presentationml/2006/main" xmlns:r="http://schemas.openxmlformats.org/officeDocument/2006/relationships" xmlns:p14="http://schemas.microsoft.com/office/powerpoint/2010/main" xmlns:p15="http://schemas.microsoft.com/office/powerpoint/2012/main" xmlns:mc="http://schemas.openxmlformats.org/markup-compatibility/2006">
+  <p:cSld>
+    <p:spTree>
+      <p:nvGrpSpPr>
+        <p:cNvPr id="1" name=""/>
+        <p:cNvGrpSpPr/>
+        <p:nvPr/>
+      </p:nvGrpSpPr>
+      <p:grpSpPr>
+        <a:xfrm>
+          <a:off x="0" y="0"/>
+          <a:ext cx="0" cy="0"/>
+          <a:chOff x="0" y="0"/>
+          <a:chExt cx="0" cy="0"/>
+        </a:xfrm>
+      </p:grpSpPr>
+      <p:sp>
+        <p:nvSpPr>
+          <p:cNvPr id="201" name="CustomShape 1"/>
+          <p:cNvSpPr/>
+          <p:nvPr/>
+        </p:nvSpPr>
+        <p:spPr>
+          <a:xfrm>
+            <a:off x="3535560" y="206640"/>
+            <a:ext cx="4669200" cy="698400"/>
+          </a:xfrm>
+          <a:prstGeom prst="rect">
+            <a:avLst/>
+          </a:prstGeom>
+          <a:noFill/>
+          <a:ln>
+            <a:noFill/>
+          </a:ln>
+        </p:spPr>
+        <p:style>
+          <a:lnRef idx="0"/>
+          <a:fillRef idx="0"/>
+          <a:effectRef idx="0"/>
+          <a:fontRef idx="minor"/>
+        </p:style>
+        <p:txBody>
+          <a:bodyPr wrap="none" lIns="90000" rIns="90000" tIns="45000" bIns="45000"/>
+          <a:p>
+            <a:pPr algn="ctr">
+              <a:lnSpc>
+                <a:spcPct val="100000"/>
+              </a:lnSpc>
+            </a:pPr>
+            <a:r>
+              <a:rPr b="0" lang="en-GB" sz="4000" spc="-1" strike="noStrike">
+                <a:solidFill>
+                  <a:srgbClr val="000000"/>
+                </a:solidFill>
+                <a:latin typeface="Arial"/>
+                <a:ea typeface="DejaVu Sans"/>
+              </a:rPr>
+              <a:t>Bravo ! Tu as réussi</a:t>
+            </a:r>
+            <a:endParaRPr b="0" lang="en-GB" sz="4000" spc="-1" strike="noStrike">
+              <a:latin typeface="Arial"/>
+            </a:endParaRPr>
+          </a:p>
+        </p:txBody>
+      </p:sp>
+      <p:sp>
+        <p:nvSpPr>
+          <p:cNvPr id="202" name="CustomShape 2"/>
+          <p:cNvSpPr/>
+          <p:nvPr/>
+        </p:nvSpPr>
+        <p:spPr>
+          <a:xfrm>
+            <a:off x="5685840" y="1280880"/>
+            <a:ext cx="402120" cy="545760"/>
+          </a:xfrm>
+          <a:prstGeom prst="rect">
+            <a:avLst/>
+          </a:prstGeom>
+          <a:noFill/>
+          <a:ln>
+            <a:noFill/>
+          </a:ln>
+        </p:spPr>
+        <p:style>
+          <a:lnRef idx="0"/>
+          <a:fillRef idx="0"/>
+          <a:effectRef idx="0"/>
+          <a:fontRef idx="minor"/>
+        </p:style>
+        <p:txBody>
+          <a:bodyPr wrap="none" lIns="90000" rIns="90000" tIns="45000" bIns="45000"/>
+          <a:p>
+            <a:pPr algn="ctr">
+              <a:lnSpc>
+                <a:spcPct val="100000"/>
+              </a:lnSpc>
+            </a:pPr>
+            <a:r>
+              <a:rPr b="0" lang="en-GB" sz="3000" spc="-1" strike="noStrike">
+                <a:solidFill>
+                  <a:srgbClr val="000000"/>
+                </a:solidFill>
+                <a:latin typeface="Arial"/>
+                <a:ea typeface="DejaVu Sans"/>
+              </a:rPr>
+              <a:t>=</a:t>
+            </a:r>
+            <a:endParaRPr b="0" lang="en-GB" sz="3000" spc="-1" strike="noStrike">
+              <a:latin typeface="Arial"/>
+            </a:endParaRPr>
+          </a:p>
+        </p:txBody>
+      </p:sp>
+      <p:sp>
+        <p:nvSpPr>
+          <p:cNvPr id="203" name="CustomShape 3"/>
+          <p:cNvSpPr/>
+          <p:nvPr/>
+        </p:nvSpPr>
+        <p:spPr>
+          <a:xfrm>
+            <a:off x="3446280" y="2112840"/>
+            <a:ext cx="5033520" cy="698400"/>
+          </a:xfrm>
+          <a:prstGeom prst="rect">
+            <a:avLst/>
+          </a:prstGeom>
+          <a:noFill/>
+          <a:ln>
+            <a:noFill/>
+          </a:ln>
+        </p:spPr>
+        <p:style>
+          <a:lnRef idx="0"/>
+          <a:fillRef idx="0"/>
+          <a:effectRef idx="0"/>
+          <a:fontRef idx="minor"/>
+        </p:style>
+        <p:txBody>
+          <a:bodyPr wrap="none" lIns="90000" rIns="90000" tIns="45000" bIns="45000"/>
+          <a:p>
+            <a:pPr algn="ctr">
+              <a:lnSpc>
+                <a:spcPct val="100000"/>
+              </a:lnSpc>
+            </a:pPr>
+            <a:r>
+              <a:rPr b="0" lang="en-GB" sz="4000" spc="-1" strike="noStrike">
+                <a:solidFill>
+                  <a:srgbClr val="000000"/>
+                </a:solidFill>
+                <a:latin typeface="Arial"/>
+                <a:ea typeface="DejaVu Sans"/>
+              </a:rPr>
+              <a:t>Que souhaiterais-tu ?</a:t>
+            </a:r>
+            <a:endParaRPr b="0" lang="en-GB" sz="4000" spc="-1" strike="noStrike">
+              <a:latin typeface="Arial"/>
+            </a:endParaRPr>
+          </a:p>
+        </p:txBody>
+      </p:sp>
+      <p:sp>
+        <p:nvSpPr>
+          <p:cNvPr id="204" name="CustomShape 4"/>
+          <p:cNvSpPr/>
+          <p:nvPr/>
+        </p:nvSpPr>
+        <p:spPr>
+          <a:xfrm>
+            <a:off x="833040" y="3191760"/>
+            <a:ext cx="7371360" cy="545760"/>
+          </a:xfrm>
+          <a:prstGeom prst="rect">
+            <a:avLst/>
+          </a:prstGeom>
+          <a:noFill/>
+          <a:ln>
+            <a:noFill/>
+          </a:ln>
+        </p:spPr>
+        <p:style>
+          <a:lnRef idx="0"/>
+          <a:fillRef idx="0"/>
+          <a:effectRef idx="0"/>
+          <a:fontRef idx="minor"/>
+        </p:style>
+        <p:txBody>
+          <a:bodyPr wrap="none" lIns="90000" rIns="90000" tIns="45000" bIns="45000"/>
+          <a:p>
+            <a:pPr algn="ctr">
+              <a:lnSpc>
+                <a:spcPct val="100000"/>
+              </a:lnSpc>
+            </a:pPr>
+            <a:r>
+              <a:rPr b="0" lang="en-GB" sz="3000" spc="-1" strike="noStrike">
+                <a:solidFill>
+                  <a:srgbClr val="000000"/>
+                </a:solidFill>
+                <a:latin typeface="Arial"/>
+                <a:ea typeface="DejaVu Sans"/>
+              </a:rPr>
+              <a:t>1- Je veux revoir la paire de mots plus tard</a:t>
+            </a:r>
+            <a:endParaRPr b="0" lang="en-GB" sz="3000" spc="-1" strike="noStrike">
+              <a:latin typeface="Arial"/>
+            </a:endParaRPr>
+          </a:p>
+        </p:txBody>
+      </p:sp>
+      <p:sp>
+        <p:nvSpPr>
+          <p:cNvPr id="205" name="CustomShape 5"/>
+          <p:cNvSpPr/>
+          <p:nvPr/>
+        </p:nvSpPr>
+        <p:spPr>
+          <a:xfrm>
+            <a:off x="837000" y="4023720"/>
+            <a:ext cx="7920000" cy="545760"/>
+          </a:xfrm>
+          <a:prstGeom prst="rect">
+            <a:avLst/>
+          </a:prstGeom>
+          <a:noFill/>
+          <a:ln>
+            <a:noFill/>
+          </a:ln>
+        </p:spPr>
+        <p:style>
+          <a:lnRef idx="0"/>
+          <a:fillRef idx="0"/>
+          <a:effectRef idx="0"/>
+          <a:fontRef idx="minor"/>
+        </p:style>
+        <p:txBody>
+          <a:bodyPr wrap="none" lIns="90000" rIns="90000" tIns="45000" bIns="45000"/>
+          <a:p>
+            <a:pPr algn="ctr">
+              <a:lnSpc>
+                <a:spcPct val="100000"/>
+              </a:lnSpc>
+            </a:pPr>
+            <a:r>
+              <a:rPr b="0" lang="en-GB" sz="3000" spc="-1" strike="noStrike">
+                <a:solidFill>
+                  <a:srgbClr val="000000"/>
+                </a:solidFill>
+                <a:latin typeface="Arial"/>
+                <a:ea typeface="DejaVu Sans"/>
+              </a:rPr>
+              <a:t>2- Je veux me re-tester avec la paire plus tard</a:t>
+            </a:r>
+            <a:endParaRPr b="0" lang="en-GB" sz="3000" spc="-1" strike="noStrike">
+              <a:latin typeface="Arial"/>
+            </a:endParaRPr>
+          </a:p>
+        </p:txBody>
+      </p:sp>
+      <p:sp>
+        <p:nvSpPr>
+          <p:cNvPr id="206" name="CustomShape 6"/>
+          <p:cNvSpPr/>
+          <p:nvPr/>
+        </p:nvSpPr>
+        <p:spPr>
+          <a:xfrm>
+            <a:off x="838440" y="4855680"/>
+            <a:ext cx="8258400" cy="545760"/>
+          </a:xfrm>
+          <a:prstGeom prst="rect">
+            <a:avLst/>
+          </a:prstGeom>
+          <a:noFill/>
+          <a:ln>
+            <a:noFill/>
+          </a:ln>
+        </p:spPr>
+        <p:style>
+          <a:lnRef idx="0"/>
+          <a:fillRef idx="0"/>
+          <a:effectRef idx="0"/>
+          <a:fontRef idx="minor"/>
+        </p:style>
+        <p:txBody>
+          <a:bodyPr wrap="none" lIns="90000" rIns="90000" tIns="45000" bIns="45000"/>
+          <a:p>
+            <a:pPr algn="ctr">
+              <a:lnSpc>
+                <a:spcPct val="100000"/>
+              </a:lnSpc>
+            </a:pPr>
+            <a:r>
+              <a:rPr b="0" lang="en-GB" sz="3000" spc="-1" strike="noStrike">
+                <a:solidFill>
+                  <a:srgbClr val="000000"/>
+                </a:solidFill>
+                <a:latin typeface="Arial"/>
+                <a:ea typeface="DejaVu Sans"/>
+              </a:rPr>
+              <a:t>3- Je ne veux pas revoir la paire ni me re-tester </a:t>
+            </a:r>
+            <a:endParaRPr b="0" lang="en-GB" sz="3000" spc="-1" strike="noStrike">
+              <a:latin typeface="Arial"/>
+            </a:endParaRPr>
+          </a:p>
+        </p:txBody>
+      </p:sp>
+      <p:sp>
+        <p:nvSpPr>
+          <p:cNvPr id="207" name="CustomShape 7"/>
+          <p:cNvSpPr/>
+          <p:nvPr/>
+        </p:nvSpPr>
+        <p:spPr>
+          <a:xfrm>
+            <a:off x="3854880" y="5780880"/>
+            <a:ext cx="4472640" cy="545760"/>
+          </a:xfrm>
+          <a:prstGeom prst="rect">
+            <a:avLst/>
+          </a:prstGeom>
+          <a:noFill/>
+          <a:ln>
+            <a:noFill/>
+          </a:ln>
+        </p:spPr>
+        <p:style>
+          <a:lnRef idx="0"/>
+          <a:fillRef idx="0"/>
+          <a:effectRef idx="0"/>
+          <a:fontRef idx="minor"/>
+        </p:style>
+        <p:txBody>
+          <a:bodyPr wrap="none" lIns="90000" rIns="90000" tIns="45000" bIns="45000"/>
+          <a:p>
+            <a:pPr algn="ctr">
+              <a:lnSpc>
+                <a:spcPct val="100000"/>
+              </a:lnSpc>
+            </a:pPr>
+            <a:r>
+              <a:rPr b="0" lang="en-GB" sz="3000" spc="-1" strike="noStrike">
+                <a:solidFill>
+                  <a:srgbClr val="000000"/>
+                </a:solidFill>
+                <a:latin typeface="Arial"/>
+                <a:ea typeface="DejaVu Sans"/>
+              </a:rPr>
+              <a:t>Tape ton choix (1, 2 ou 3)</a:t>
+            </a:r>
+            <a:endParaRPr b="0" lang="en-GB" sz="3000" spc="-1" strike="noStrike">
+              <a:latin typeface="Arial"/>
+            </a:endParaRPr>
+          </a:p>
+        </p:txBody>
+      </p:sp>
+    </p:spTree>
+  </p:cSld>
+</p:sld>
+</file>
+
+<file path=ppt/slides/slide18.xml><?xml version="1.0" encoding="utf-8"?>
+<p:sld xmlns:a="http://schemas.openxmlformats.org/drawingml/2006/main" xmlns:p="http://schemas.openxmlformats.org/presentationml/2006/main" xmlns:r="http://schemas.openxmlformats.org/officeDocument/2006/relationships" xmlns:p14="http://schemas.microsoft.com/office/powerpoint/2010/main" xmlns:p15="http://schemas.microsoft.com/office/powerpoint/2012/main" xmlns:mc="http://schemas.openxmlformats.org/markup-compatibility/2006">
+  <p:cSld>
+    <p:spTree>
+      <p:nvGrpSpPr>
+        <p:cNvPr id="1" name=""/>
+        <p:cNvGrpSpPr/>
+        <p:nvPr/>
+      </p:nvGrpSpPr>
+      <p:grpSpPr>
+        <a:xfrm>
+          <a:off x="0" y="0"/>
+          <a:ext cx="0" cy="0"/>
+          <a:chOff x="0" y="0"/>
+          <a:chExt cx="0" cy="0"/>
+        </a:xfrm>
+      </p:grpSpPr>
+      <p:sp>
+        <p:nvSpPr>
+          <p:cNvPr id="208" name="CustomShape 1"/>
+          <p:cNvSpPr/>
+          <p:nvPr/>
+        </p:nvSpPr>
+        <p:spPr>
+          <a:xfrm>
+            <a:off x="838080" y="365040"/>
+            <a:ext cx="10513800" cy="1323720"/>
+          </a:xfrm>
+          <a:prstGeom prst="rect">
+            <a:avLst/>
+          </a:prstGeom>
+          <a:noFill/>
+          <a:ln>
+            <a:noFill/>
+          </a:ln>
+        </p:spPr>
+        <p:style>
+          <a:lnRef idx="0"/>
+          <a:fillRef idx="0"/>
+          <a:effectRef idx="0"/>
+          <a:fontRef idx="minor"/>
+        </p:style>
+      </p:sp>
+      <p:sp>
+        <p:nvSpPr>
+          <p:cNvPr id="209" name="CustomShape 2"/>
+          <p:cNvSpPr/>
+          <p:nvPr/>
+        </p:nvSpPr>
+        <p:spPr>
+          <a:xfrm>
+            <a:off x="838080" y="1825560"/>
+            <a:ext cx="3384360" cy="2073600"/>
+          </a:xfrm>
+          <a:prstGeom prst="rect">
+            <a:avLst/>
+          </a:prstGeom>
+          <a:noFill/>
+          <a:ln>
+            <a:noFill/>
+          </a:ln>
+        </p:spPr>
+        <p:style>
+          <a:lnRef idx="0"/>
+          <a:fillRef idx="0"/>
+          <a:effectRef idx="0"/>
+          <a:fontRef idx="minor"/>
+        </p:style>
+      </p:sp>
+      <p:sp>
+        <p:nvSpPr>
+          <p:cNvPr id="210" name="CustomShape 3"/>
+          <p:cNvSpPr/>
+          <p:nvPr/>
+        </p:nvSpPr>
+        <p:spPr>
+          <a:xfrm>
+            <a:off x="4393440" y="1825560"/>
+            <a:ext cx="3384360" cy="2073600"/>
+          </a:xfrm>
+          <a:prstGeom prst="rect">
+            <a:avLst/>
+          </a:prstGeom>
+          <a:noFill/>
+          <a:ln>
+            <a:noFill/>
+          </a:ln>
+        </p:spPr>
+        <p:style>
+          <a:lnRef idx="0"/>
+          <a:fillRef idx="0"/>
+          <a:effectRef idx="0"/>
+          <a:fontRef idx="minor"/>
+        </p:style>
+      </p:sp>
+      <p:sp>
+        <p:nvSpPr>
+          <p:cNvPr id="211" name="CustomShape 4"/>
+          <p:cNvSpPr/>
+          <p:nvPr/>
+        </p:nvSpPr>
+        <p:spPr>
+          <a:xfrm>
+            <a:off x="7949160" y="1825560"/>
+            <a:ext cx="3384360" cy="2073600"/>
+          </a:xfrm>
+          <a:prstGeom prst="rect">
+            <a:avLst/>
+          </a:prstGeom>
+          <a:noFill/>
+          <a:ln>
+            <a:noFill/>
+          </a:ln>
+        </p:spPr>
+        <p:style>
+          <a:lnRef idx="0"/>
+          <a:fillRef idx="0"/>
+          <a:effectRef idx="0"/>
+          <a:fontRef idx="minor"/>
+        </p:style>
+      </p:sp>
+      <p:sp>
+        <p:nvSpPr>
+          <p:cNvPr id="212" name="CustomShape 5"/>
+          <p:cNvSpPr/>
+          <p:nvPr/>
+        </p:nvSpPr>
+        <p:spPr>
+          <a:xfrm>
+            <a:off x="838080" y="4098240"/>
+            <a:ext cx="3384360" cy="2073600"/>
+          </a:xfrm>
+          <a:prstGeom prst="rect">
+            <a:avLst/>
+          </a:prstGeom>
+          <a:noFill/>
+          <a:ln>
+            <a:noFill/>
+          </a:ln>
+        </p:spPr>
+        <p:style>
+          <a:lnRef idx="0"/>
+          <a:fillRef idx="0"/>
+          <a:effectRef idx="0"/>
+          <a:fontRef idx="minor"/>
+        </p:style>
+      </p:sp>
+      <p:sp>
+        <p:nvSpPr>
+          <p:cNvPr id="213" name="CustomShape 6"/>
+          <p:cNvSpPr/>
+          <p:nvPr/>
+        </p:nvSpPr>
+        <p:spPr>
+          <a:xfrm>
+            <a:off x="4393440" y="4098240"/>
+            <a:ext cx="3384360" cy="2073600"/>
+          </a:xfrm>
+          <a:prstGeom prst="rect">
+            <a:avLst/>
+          </a:prstGeom>
+          <a:noFill/>
+          <a:ln>
+            <a:noFill/>
+          </a:ln>
+        </p:spPr>
+        <p:style>
+          <a:lnRef idx="0"/>
+          <a:fillRef idx="0"/>
+          <a:effectRef idx="0"/>
+          <a:fontRef idx="minor"/>
+        </p:style>
+      </p:sp>
+      <p:sp>
+        <p:nvSpPr>
+          <p:cNvPr id="214" name="CustomShape 7"/>
+          <p:cNvSpPr/>
+          <p:nvPr/>
+        </p:nvSpPr>
+        <p:spPr>
+          <a:xfrm>
+            <a:off x="7949160" y="4098240"/>
+            <a:ext cx="3384360" cy="2073600"/>
+          </a:xfrm>
+          <a:prstGeom prst="rect">
+            <a:avLst/>
+          </a:prstGeom>
+          <a:noFill/>
+          <a:ln>
+            <a:noFill/>
+          </a:ln>
+        </p:spPr>
+        <p:style>
+          <a:lnRef idx="0"/>
+          <a:fillRef idx="0"/>
+          <a:effectRef idx="0"/>
+          <a:fontRef idx="minor"/>
+        </p:style>
       </p:sp>
       <p:pic>
         <p:nvPicPr>
-          <p:cNvPr id="206" name="" descr=""/>
+          <p:cNvPr id="215" name="" descr=""/>
           <p:cNvPicPr/>
           <p:nvPr/>
         </p:nvPicPr>
@@ -7473,7 +8109,7 @@
         <p:spPr>
           <a:xfrm>
             <a:off x="4176000" y="2376000"/>
-            <a:ext cx="3403800" cy="4164480"/>
+            <a:ext cx="3403440" cy="4164120"/>
           </a:xfrm>
           <a:prstGeom prst="rect">
             <a:avLst/>
@@ -7485,14 +8121,14 @@
       </p:pic>
       <p:sp>
         <p:nvSpPr>
-          <p:cNvPr id="207" name="CustomShape 8"/>
+          <p:cNvPr id="216" name="CustomShape 8"/>
           <p:cNvSpPr/>
           <p:nvPr/>
         </p:nvSpPr>
         <p:spPr>
           <a:xfrm>
             <a:off x="3535920" y="206640"/>
-            <a:ext cx="4669560" cy="698760"/>
+            <a:ext cx="4669200" cy="698400"/>
           </a:xfrm>
           <a:prstGeom prst="rect">
             <a:avLst/>
@@ -7567,10 +8203,10 @@
   <p:timing>
     <p:tnLst>
       <p:par>
-        <p:cTn id="17" dur="indefinite" restart="never" nodeType="tmRoot">
+        <p:cTn id="19" dur="indefinite" restart="never" nodeType="tmRoot">
           <p:childTnLst>
             <p:seq>
-              <p:cTn id="18" dur="indefinite" nodeType="mainSeq"/>
+              <p:cTn id="20" dur="indefinite" nodeType="mainSeq"/>
               <p:prevCondLst>
                 <p:cond delay="0" evt="onPrev">
                   <p:tgtEl>
@@ -7620,7 +8256,7 @@
         <p:spPr>
           <a:xfrm>
             <a:off x="3535560" y="206640"/>
-            <a:ext cx="4669560" cy="698760"/>
+            <a:ext cx="4669200" cy="698400"/>
           </a:xfrm>
           <a:prstGeom prst="rect">
             <a:avLst/>
@@ -7669,7 +8305,7 @@
         <p:spPr>
           <a:xfrm>
             <a:off x="3948120" y="1280880"/>
-            <a:ext cx="1153800" cy="546120"/>
+            <a:ext cx="1153440" cy="545760"/>
           </a:xfrm>
           <a:prstGeom prst="rect">
             <a:avLst/>
@@ -7695,7 +8331,7 @@
         <p:spPr>
           <a:xfrm>
             <a:off x="6606000" y="1280880"/>
-            <a:ext cx="1033560" cy="546120"/>
+            <a:ext cx="1033200" cy="545760"/>
           </a:xfrm>
           <a:prstGeom prst="rect">
             <a:avLst/>
@@ -7721,7 +8357,7 @@
         <p:spPr>
           <a:xfrm>
             <a:off x="5685840" y="1280880"/>
-            <a:ext cx="402480" cy="546120"/>
+            <a:ext cx="402120" cy="545760"/>
           </a:xfrm>
           <a:prstGeom prst="rect">
             <a:avLst/>
@@ -7770,7 +8406,7 @@
         <p:spPr>
           <a:xfrm>
             <a:off x="3446280" y="2112840"/>
-            <a:ext cx="5033880" cy="698760"/>
+            <a:ext cx="5033520" cy="698400"/>
           </a:xfrm>
           <a:prstGeom prst="rect">
             <a:avLst/>
@@ -7819,7 +8455,7 @@
         <p:spPr>
           <a:xfrm>
             <a:off x="833040" y="3191760"/>
-            <a:ext cx="7371720" cy="546120"/>
+            <a:ext cx="7371360" cy="545760"/>
           </a:xfrm>
           <a:prstGeom prst="rect">
             <a:avLst/>
@@ -7868,7 +8504,7 @@
         <p:spPr>
           <a:xfrm>
             <a:off x="837000" y="4023720"/>
-            <a:ext cx="7920360" cy="546120"/>
+            <a:ext cx="7920000" cy="545760"/>
           </a:xfrm>
           <a:prstGeom prst="rect">
             <a:avLst/>
@@ -7917,7 +8553,7 @@
         <p:spPr>
           <a:xfrm>
             <a:off x="838440" y="4855680"/>
-            <a:ext cx="8258760" cy="546120"/>
+            <a:ext cx="8258400" cy="545760"/>
           </a:xfrm>
           <a:prstGeom prst="rect">
             <a:avLst/>
@@ -7966,7 +8602,7 @@
         <p:spPr>
           <a:xfrm>
             <a:off x="3854880" y="5780880"/>
-            <a:ext cx="4473000" cy="546120"/>
+            <a:ext cx="4472640" cy="545760"/>
           </a:xfrm>
           <a:prstGeom prst="rect">
             <a:avLst/>
@@ -8037,7 +8673,7 @@
         <p:spPr>
           <a:xfrm>
             <a:off x="5347800" y="3254040"/>
-            <a:ext cx="440640" cy="622800"/>
+            <a:ext cx="440280" cy="622440"/>
           </a:xfrm>
           <a:prstGeom prst="rect">
             <a:avLst/>
@@ -8086,7 +8722,7 @@
         <p:spPr>
           <a:xfrm>
             <a:off x="3587400" y="1260000"/>
-            <a:ext cx="3884760" cy="622800"/>
+            <a:ext cx="3884400" cy="622440"/>
           </a:xfrm>
           <a:prstGeom prst="rect">
             <a:avLst/>
@@ -8184,7 +8820,7 @@
         <p:spPr>
           <a:xfrm>
             <a:off x="3362400" y="918360"/>
-            <a:ext cx="4811400" cy="546120"/>
+            <a:ext cx="4811040" cy="545760"/>
           </a:xfrm>
           <a:prstGeom prst="rect">
             <a:avLst/>
@@ -8233,7 +8869,7 @@
         <p:spPr>
           <a:xfrm>
             <a:off x="3621960" y="2238120"/>
-            <a:ext cx="4051080" cy="546120"/>
+            <a:ext cx="4050720" cy="545760"/>
           </a:xfrm>
           <a:prstGeom prst="rect">
             <a:avLst/>
@@ -8282,7 +8918,7 @@
         <p:spPr>
           <a:xfrm>
             <a:off x="3504240" y="3558240"/>
-            <a:ext cx="1153800" cy="546120"/>
+            <a:ext cx="1153440" cy="545760"/>
           </a:xfrm>
           <a:prstGeom prst="rect">
             <a:avLst/>
@@ -8331,7 +8967,7 @@
         <p:spPr>
           <a:xfrm>
             <a:off x="6482520" y="3558240"/>
-            <a:ext cx="391680" cy="546120"/>
+            <a:ext cx="391320" cy="545760"/>
           </a:xfrm>
           <a:prstGeom prst="rect">
             <a:avLst/>
@@ -8380,7 +9016,7 @@
         <p:spPr>
           <a:xfrm>
             <a:off x="5241600" y="3558240"/>
-            <a:ext cx="402480" cy="546120"/>
+            <a:ext cx="402120" cy="545760"/>
           </a:xfrm>
           <a:prstGeom prst="rect">
             <a:avLst/>
@@ -8478,7 +9114,7 @@
         <p:spPr>
           <a:xfrm>
             <a:off x="3362400" y="918000"/>
-            <a:ext cx="4811400" cy="546120"/>
+            <a:ext cx="4811040" cy="545760"/>
           </a:xfrm>
           <a:prstGeom prst="rect">
             <a:avLst/>
@@ -8527,7 +9163,7 @@
         <p:spPr>
           <a:xfrm>
             <a:off x="3621960" y="2237760"/>
-            <a:ext cx="4051080" cy="546120"/>
+            <a:ext cx="4050720" cy="545760"/>
           </a:xfrm>
           <a:prstGeom prst="rect">
             <a:avLst/>
@@ -8576,7 +9212,7 @@
         <p:spPr>
           <a:xfrm>
             <a:off x="6482520" y="3557880"/>
-            <a:ext cx="391680" cy="546120"/>
+            <a:ext cx="391320" cy="545760"/>
           </a:xfrm>
           <a:prstGeom prst="rect">
             <a:avLst/>
@@ -8625,7 +9261,7 @@
         <p:spPr>
           <a:xfrm>
             <a:off x="5241600" y="3557880"/>
-            <a:ext cx="402480" cy="546120"/>
+            <a:ext cx="402120" cy="545760"/>
           </a:xfrm>
           <a:prstGeom prst="rect">
             <a:avLst/>
@@ -8723,7 +9359,7 @@
         <p:spPr>
           <a:xfrm>
             <a:off x="3320280" y="1256760"/>
-            <a:ext cx="4669560" cy="698760"/>
+            <a:ext cx="4669200" cy="698400"/>
           </a:xfrm>
           <a:prstGeom prst="rect">
             <a:avLst/>
@@ -8772,7 +9408,7 @@
         <p:spPr>
           <a:xfrm>
             <a:off x="3605760" y="2959920"/>
-            <a:ext cx="1153800" cy="546120"/>
+            <a:ext cx="1153440" cy="545760"/>
           </a:xfrm>
           <a:prstGeom prst="rect">
             <a:avLst/>
@@ -8821,7 +9457,7 @@
         <p:spPr>
           <a:xfrm>
             <a:off x="6263280" y="2959920"/>
-            <a:ext cx="1033560" cy="546120"/>
+            <a:ext cx="1033200" cy="545760"/>
           </a:xfrm>
           <a:prstGeom prst="rect">
             <a:avLst/>
@@ -8870,7 +9506,7 @@
         <p:spPr>
           <a:xfrm>
             <a:off x="5343120" y="2959920"/>
-            <a:ext cx="402480" cy="546120"/>
+            <a:ext cx="402120" cy="545760"/>
           </a:xfrm>
           <a:prstGeom prst="rect">
             <a:avLst/>
@@ -8919,7 +9555,7 @@
         <p:spPr>
           <a:xfrm>
             <a:off x="2279880" y="4339080"/>
-            <a:ext cx="6528960" cy="546120"/>
+            <a:ext cx="6528600" cy="545760"/>
           </a:xfrm>
           <a:prstGeom prst="rect">
             <a:avLst/>
@@ -8989,8 +9625,8 @@
         </p:nvSpPr>
         <p:spPr>
           <a:xfrm>
-            <a:off x="1308240" y="997200"/>
-            <a:ext cx="8941320" cy="1917720"/>
+            <a:off x="3320280" y="1256760"/>
+            <a:ext cx="4669200" cy="698400"/>
           </a:xfrm>
           <a:prstGeom prst="rect">
             <a:avLst/>
@@ -9022,37 +9658,7 @@
                 <a:latin typeface="Arial"/>
                 <a:ea typeface="DejaVu Sans"/>
               </a:rPr>
-              <a:t>Ooups ! </a:t>
-            </a:r>
-            <a:endParaRPr b="0" lang="en-GB" sz="4000" spc="-1" strike="noStrike">
-              <a:latin typeface="Arial"/>
-            </a:endParaRPr>
-          </a:p>
-          <a:p>
-            <a:pPr algn="ctr">
-              <a:lnSpc>
-                <a:spcPct val="100000"/>
-              </a:lnSpc>
-            </a:pPr>
-            <a:endParaRPr b="0" lang="en-GB" sz="4000" spc="-1" strike="noStrike">
-              <a:latin typeface="Arial"/>
-            </a:endParaRPr>
-          </a:p>
-          <a:p>
-            <a:pPr algn="ctr">
-              <a:lnSpc>
-                <a:spcPct val="100000"/>
-              </a:lnSpc>
-            </a:pPr>
-            <a:r>
-              <a:rPr b="0" lang="en-GB" sz="4000" spc="-1" strike="noStrike">
-                <a:solidFill>
-                  <a:srgbClr val="000000"/>
-                </a:solidFill>
-                <a:latin typeface="Arial"/>
-                <a:ea typeface="DejaVu Sans"/>
-              </a:rPr>
-              <a:t>Tu n’as pas écrit le mot correctement...</a:t>
+              <a:t>Bravo ! Tu as réussi</a:t>
             </a:r>
             <a:endParaRPr b="0" lang="en-GB" sz="4000" spc="-1" strike="noStrike">
               <a:latin typeface="Arial"/>
@@ -9068,8 +9674,8 @@
         </p:nvSpPr>
         <p:spPr>
           <a:xfrm>
-            <a:off x="3535560" y="3851280"/>
-            <a:ext cx="1316880" cy="622800"/>
+            <a:off x="5343120" y="2959920"/>
+            <a:ext cx="402120" cy="545760"/>
           </a:xfrm>
           <a:prstGeom prst="rect">
             <a:avLst/>
@@ -9094,16 +9700,16 @@
               </a:lnSpc>
             </a:pPr>
             <a:r>
-              <a:rPr b="0" lang="en-GB" sz="3500" spc="-1" strike="noStrike">
+              <a:rPr b="0" lang="en-GB" sz="3000" spc="-1" strike="noStrike">
                 <a:solidFill>
                   <a:srgbClr val="000000"/>
                 </a:solidFill>
                 <a:latin typeface="Arial"/>
                 <a:ea typeface="DejaVu Sans"/>
               </a:rPr>
-              <a:t>Vonat</a:t>
-            </a:r>
-            <a:endParaRPr b="0" lang="en-GB" sz="3500" spc="-1" strike="noStrike">
+              <a:t>=</a:t>
+            </a:r>
+            <a:endParaRPr b="0" lang="en-GB" sz="3000" spc="-1" strike="noStrike">
               <a:latin typeface="Arial"/>
             </a:endParaRPr>
           </a:p>
@@ -9117,8 +9723,8 @@
         </p:nvSpPr>
         <p:spPr>
           <a:xfrm>
-            <a:off x="6203160" y="3851280"/>
-            <a:ext cx="1176840" cy="622800"/>
+            <a:off x="2279880" y="4339080"/>
+            <a:ext cx="6528600" cy="545760"/>
           </a:xfrm>
           <a:prstGeom prst="rect">
             <a:avLst/>
@@ -9143,212 +9749,16 @@
               </a:lnSpc>
             </a:pPr>
             <a:r>
-              <a:rPr b="0" lang="en-GB" sz="3500" spc="-1" strike="noStrike">
+              <a:rPr b="0" lang="en-GB" sz="3000" spc="-1" strike="noStrike">
                 <a:solidFill>
                   <a:srgbClr val="000000"/>
                 </a:solidFill>
                 <a:latin typeface="Arial"/>
                 <a:ea typeface="DejaVu Sans"/>
               </a:rPr>
-              <a:t>Train</a:t>
-            </a:r>
-            <a:endParaRPr b="0" lang="en-GB" sz="3500" spc="-1" strike="noStrike">
-              <a:latin typeface="Arial"/>
-            </a:endParaRPr>
-          </a:p>
-        </p:txBody>
-      </p:sp>
-      <p:sp>
-        <p:nvSpPr>
-          <p:cNvPr id="151" name="CustomShape 4"/>
-          <p:cNvSpPr/>
-          <p:nvPr/>
-        </p:nvSpPr>
-        <p:spPr>
-          <a:xfrm>
-            <a:off x="5335200" y="3851280"/>
-            <a:ext cx="440640" cy="622800"/>
-          </a:xfrm>
-          <a:prstGeom prst="rect">
-            <a:avLst/>
-          </a:prstGeom>
-          <a:noFill/>
-          <a:ln>
-            <a:noFill/>
-          </a:ln>
-        </p:spPr>
-        <p:style>
-          <a:lnRef idx="0"/>
-          <a:fillRef idx="0"/>
-          <a:effectRef idx="0"/>
-          <a:fontRef idx="minor"/>
-        </p:style>
-        <p:txBody>
-          <a:bodyPr wrap="none" lIns="90000" rIns="90000" tIns="45000" bIns="45000"/>
-          <a:p>
-            <a:pPr algn="ctr">
-              <a:lnSpc>
-                <a:spcPct val="100000"/>
-              </a:lnSpc>
-            </a:pPr>
-            <a:r>
-              <a:rPr b="0" lang="en-GB" sz="3500" spc="-1" strike="noStrike">
-                <a:solidFill>
-                  <a:srgbClr val="000000"/>
-                </a:solidFill>
-                <a:latin typeface="Arial"/>
-                <a:ea typeface="DejaVu Sans"/>
-              </a:rPr>
-              <a:t>=</a:t>
-            </a:r>
-            <a:endParaRPr b="0" lang="en-GB" sz="3500" spc="-1" strike="noStrike">
-              <a:latin typeface="Arial"/>
-            </a:endParaRPr>
-          </a:p>
-        </p:txBody>
-      </p:sp>
-      <p:sp>
-        <p:nvSpPr>
-          <p:cNvPr id="152" name="CustomShape 5"/>
-          <p:cNvSpPr/>
-          <p:nvPr/>
-        </p:nvSpPr>
-        <p:spPr>
-          <a:xfrm>
-            <a:off x="6288120" y="3429000"/>
-            <a:ext cx="1158480" cy="394200"/>
-          </a:xfrm>
-          <a:prstGeom prst="rect">
-            <a:avLst/>
-          </a:prstGeom>
-          <a:noFill/>
-          <a:ln>
-            <a:noFill/>
-          </a:ln>
-        </p:spPr>
-        <p:style>
-          <a:lnRef idx="0"/>
-          <a:fillRef idx="0"/>
-          <a:effectRef idx="0"/>
-          <a:fontRef idx="minor"/>
-        </p:style>
-        <p:txBody>
-          <a:bodyPr wrap="none" lIns="90000" rIns="90000" tIns="45000" bIns="45000"/>
-          <a:p>
-            <a:pPr>
-              <a:lnSpc>
-                <a:spcPct val="100000"/>
-              </a:lnSpc>
-            </a:pPr>
-            <a:r>
-              <a:rPr b="0" lang="en-GB" sz="2000" spc="-1" strike="noStrike">
-                <a:solidFill>
-                  <a:srgbClr val="000000"/>
-                </a:solidFill>
-                <a:latin typeface="Arial"/>
-                <a:ea typeface="DejaVu Sans"/>
-              </a:rPr>
-              <a:t>Français</a:t>
-            </a:r>
-            <a:endParaRPr b="0" lang="en-GB" sz="2000" spc="-1" strike="noStrike">
-              <a:latin typeface="Arial"/>
-            </a:endParaRPr>
-          </a:p>
-        </p:txBody>
-      </p:sp>
-      <p:sp>
-        <p:nvSpPr>
-          <p:cNvPr id="153" name="CustomShape 6"/>
-          <p:cNvSpPr/>
-          <p:nvPr/>
-        </p:nvSpPr>
-        <p:spPr>
-          <a:xfrm>
-            <a:off x="3531960" y="3450960"/>
-            <a:ext cx="1200960" cy="394200"/>
-          </a:xfrm>
-          <a:prstGeom prst="rect">
-            <a:avLst/>
-          </a:prstGeom>
-          <a:noFill/>
-          <a:ln>
-            <a:noFill/>
-          </a:ln>
-        </p:spPr>
-        <p:style>
-          <a:lnRef idx="0"/>
-          <a:fillRef idx="0"/>
-          <a:effectRef idx="0"/>
-          <a:fontRef idx="minor"/>
-        </p:style>
-        <p:txBody>
-          <a:bodyPr wrap="none" lIns="90000" rIns="90000" tIns="45000" bIns="45000"/>
-          <a:p>
-            <a:pPr>
-              <a:lnSpc>
-                <a:spcPct val="100000"/>
-              </a:lnSpc>
-            </a:pPr>
-            <a:r>
-              <a:rPr b="0" lang="en-GB" sz="2000" spc="-1" strike="noStrike">
-                <a:solidFill>
-                  <a:srgbClr val="000000"/>
-                </a:solidFill>
-                <a:latin typeface="Arial"/>
-                <a:ea typeface="DejaVu Sans"/>
-              </a:rPr>
-              <a:t>Hongrois</a:t>
-            </a:r>
-            <a:endParaRPr b="0" lang="en-GB" sz="2000" spc="-1" strike="noStrike">
-              <a:latin typeface="Arial"/>
-            </a:endParaRPr>
-          </a:p>
-        </p:txBody>
-      </p:sp>
-      <p:sp>
-        <p:nvSpPr>
-          <p:cNvPr id="154" name="CustomShape 7"/>
-          <p:cNvSpPr/>
-          <p:nvPr/>
-        </p:nvSpPr>
-        <p:spPr>
-          <a:xfrm>
-            <a:off x="1576440" y="5229720"/>
-            <a:ext cx="7958520" cy="622800"/>
-          </a:xfrm>
-          <a:prstGeom prst="rect">
-            <a:avLst/>
-          </a:prstGeom>
-          <a:noFill/>
-          <a:ln>
-            <a:noFill/>
-          </a:ln>
-        </p:spPr>
-        <p:style>
-          <a:lnRef idx="0"/>
-          <a:fillRef idx="0"/>
-          <a:effectRef idx="0"/>
-          <a:fontRef idx="minor"/>
-        </p:style>
-        <p:txBody>
-          <a:bodyPr wrap="none" lIns="90000" rIns="90000" tIns="45000" bIns="45000"/>
-          <a:p>
-            <a:pPr algn="ctr">
-              <a:lnSpc>
-                <a:spcPct val="100000"/>
-              </a:lnSpc>
-            </a:pPr>
-            <a:r>
-              <a:rPr b="0" lang="en-GB" sz="3500" spc="-1" strike="noStrike">
-                <a:solidFill>
-                  <a:srgbClr val="000000"/>
-                </a:solidFill>
-                <a:latin typeface="Arial"/>
-                <a:ea typeface="DejaVu Sans"/>
-              </a:rPr>
-              <a:t>Appuie sur une touche pour réessayer !</a:t>
-            </a:r>
-            <a:endParaRPr b="0" lang="en-GB" sz="3500" spc="-1" strike="noStrike">
+              <a:t>Appuie sur une touche pour continuer</a:t>
+            </a:r>
+            <a:endParaRPr b="0" lang="en-GB" sz="3000" spc="-1" strike="noStrike">
               <a:latin typeface="Arial"/>
             </a:endParaRPr>
           </a:p>
@@ -9356,33 +9766,6 @@
       </p:sp>
     </p:spTree>
   </p:cSld>
-  <p:timing>
-    <p:tnLst>
-      <p:par>
-        <p:cTn id="9" dur="indefinite" restart="never" nodeType="tmRoot">
-          <p:childTnLst>
-            <p:seq>
-              <p:cTn id="10" dur="indefinite" nodeType="mainSeq"/>
-              <p:prevCondLst>
-                <p:cond delay="0" evt="onPrev">
-                  <p:tgtEl>
-                    <p:sldTgt/>
-                  </p:tgtEl>
-                </p:cond>
-              </p:prevCondLst>
-              <p:nextCondLst>
-                <p:cond delay="0" evt="onNext">
-                  <p:tgtEl>
-                    <p:sldTgt/>
-                  </p:tgtEl>
-                </p:cond>
-              </p:nextCondLst>
-            </p:seq>
-          </p:childTnLst>
-        </p:cTn>
-      </p:par>
-    </p:tnLst>
-  </p:timing>
 </p:sld>
 </file>
 
@@ -9405,14 +9788,14 @@
       </p:grpSpPr>
       <p:sp>
         <p:nvSpPr>
-          <p:cNvPr id="155" name="CustomShape 1"/>
+          <p:cNvPr id="151" name="CustomShape 1"/>
           <p:cNvSpPr/>
           <p:nvPr/>
         </p:nvSpPr>
         <p:spPr>
           <a:xfrm>
-            <a:off x="3362400" y="917640"/>
-            <a:ext cx="4811400" cy="546120"/>
+            <a:off x="1308240" y="997200"/>
+            <a:ext cx="8940960" cy="1917360"/>
           </a:xfrm>
           <a:prstGeom prst="rect">
             <a:avLst/>
@@ -9437,31 +9820,61 @@
               </a:lnSpc>
             </a:pPr>
             <a:r>
-              <a:rPr b="0" lang="en-GB" sz="3000" spc="-1" strike="noStrike">
+              <a:rPr b="0" lang="en-GB" sz="4000" spc="-1" strike="noStrike">
                 <a:solidFill>
                   <a:srgbClr val="000000"/>
                 </a:solidFill>
                 <a:latin typeface="Arial"/>
                 <a:ea typeface="DejaVu Sans"/>
               </a:rPr>
-              <a:t>Essaye de traduire ce mot !</a:t>
-            </a:r>
-            <a:endParaRPr b="0" lang="en-GB" sz="3000" spc="-1" strike="noStrike">
-              <a:latin typeface="Arial"/>
-            </a:endParaRPr>
-          </a:p>
-        </p:txBody>
-      </p:sp>
-      <p:sp>
-        <p:nvSpPr>
-          <p:cNvPr id="156" name="CustomShape 2"/>
+              <a:t>Ooups ! </a:t>
+            </a:r>
+            <a:endParaRPr b="0" lang="en-GB" sz="4000" spc="-1" strike="noStrike">
+              <a:latin typeface="Arial"/>
+            </a:endParaRPr>
+          </a:p>
+          <a:p>
+            <a:pPr algn="ctr">
+              <a:lnSpc>
+                <a:spcPct val="100000"/>
+              </a:lnSpc>
+            </a:pPr>
+            <a:endParaRPr b="0" lang="en-GB" sz="4000" spc="-1" strike="noStrike">
+              <a:latin typeface="Arial"/>
+            </a:endParaRPr>
+          </a:p>
+          <a:p>
+            <a:pPr algn="ctr">
+              <a:lnSpc>
+                <a:spcPct val="100000"/>
+              </a:lnSpc>
+            </a:pPr>
+            <a:r>
+              <a:rPr b="0" lang="en-GB" sz="4000" spc="-1" strike="noStrike">
+                <a:solidFill>
+                  <a:srgbClr val="000000"/>
+                </a:solidFill>
+                <a:latin typeface="Arial"/>
+                <a:ea typeface="DejaVu Sans"/>
+              </a:rPr>
+              <a:t>Tu n’as pas écrit le mot correctement...</a:t>
+            </a:r>
+            <a:endParaRPr b="0" lang="en-GB" sz="4000" spc="-1" strike="noStrike">
+              <a:latin typeface="Arial"/>
+            </a:endParaRPr>
+          </a:p>
+        </p:txBody>
+      </p:sp>
+      <p:sp>
+        <p:nvSpPr>
+          <p:cNvPr id="152" name="CustomShape 2"/>
           <p:cNvSpPr/>
           <p:nvPr/>
         </p:nvSpPr>
         <p:spPr>
           <a:xfrm>
-            <a:off x="3621960" y="2237400"/>
-            <a:ext cx="4051080" cy="546120"/>
+            <a:off x="3535560" y="3851280"/>
+            <a:ext cx="1316520" cy="622440"/>
           </a:xfrm>
           <a:prstGeom prst="rect">
             <a:avLst/>
@@ -9486,51 +9899,31 @@
               </a:lnSpc>
             </a:pPr>
             <a:r>
-              <a:rPr b="0" lang="en-GB" sz="3000" spc="-1" strike="noStrike">
+              <a:rPr b="0" lang="en-GB" sz="3500" spc="-1" strike="noStrike">
                 <a:solidFill>
                   <a:srgbClr val="000000"/>
                 </a:solidFill>
                 <a:latin typeface="Arial"/>
                 <a:ea typeface="DejaVu Sans"/>
               </a:rPr>
-              <a:t>Ecrit le mot en français</a:t>
-            </a:r>
-            <a:endParaRPr b="0" lang="en-GB" sz="3000" spc="-1" strike="noStrike">
-              <a:latin typeface="Arial"/>
-            </a:endParaRPr>
-          </a:p>
-          <a:p>
-            <a:pPr algn="ctr">
-              <a:lnSpc>
-                <a:spcPct val="100000"/>
-              </a:lnSpc>
-            </a:pPr>
-            <a:r>
-              <a:rPr b="0" lang="en-GB" sz="3000" spc="-1" strike="noStrike">
-                <a:solidFill>
-                  <a:srgbClr val="000000"/>
-                </a:solidFill>
-                <a:latin typeface="Arial"/>
-                <a:ea typeface="DejaVu Sans"/>
-              </a:rPr>
-              <a:t> </a:t>
-            </a:r>
-            <a:endParaRPr b="0" lang="en-GB" sz="3000" spc="-1" strike="noStrike">
-              <a:latin typeface="Arial"/>
-            </a:endParaRPr>
-          </a:p>
-        </p:txBody>
-      </p:sp>
-      <p:sp>
-        <p:nvSpPr>
-          <p:cNvPr id="157" name="CustomShape 3"/>
+              <a:t>Vonat</a:t>
+            </a:r>
+            <a:endParaRPr b="0" lang="en-GB" sz="3500" spc="-1" strike="noStrike">
+              <a:latin typeface="Arial"/>
+            </a:endParaRPr>
+          </a:p>
+        </p:txBody>
+      </p:sp>
+      <p:sp>
+        <p:nvSpPr>
+          <p:cNvPr id="153" name="CustomShape 3"/>
           <p:cNvSpPr/>
           <p:nvPr/>
         </p:nvSpPr>
         <p:spPr>
           <a:xfrm>
-            <a:off x="6482520" y="3557520"/>
-            <a:ext cx="391680" cy="546120"/>
+            <a:off x="6203160" y="3851280"/>
+            <a:ext cx="1176480" cy="622440"/>
           </a:xfrm>
           <a:prstGeom prst="rect">
             <a:avLst/>
@@ -9555,31 +9948,31 @@
               </a:lnSpc>
             </a:pPr>
             <a:r>
-              <a:rPr b="0" lang="en-GB" sz="3000" spc="-1" strike="noStrike">
+              <a:rPr b="0" lang="en-GB" sz="3500" spc="-1" strike="noStrike">
                 <a:solidFill>
                   <a:srgbClr val="000000"/>
                 </a:solidFill>
                 <a:latin typeface="Arial"/>
                 <a:ea typeface="DejaVu Sans"/>
               </a:rPr>
-              <a:t>?</a:t>
-            </a:r>
-            <a:endParaRPr b="0" lang="en-GB" sz="3000" spc="-1" strike="noStrike">
-              <a:latin typeface="Arial"/>
-            </a:endParaRPr>
-          </a:p>
-        </p:txBody>
-      </p:sp>
-      <p:sp>
-        <p:nvSpPr>
-          <p:cNvPr id="158" name="CustomShape 4"/>
+              <a:t>Train</a:t>
+            </a:r>
+            <a:endParaRPr b="0" lang="en-GB" sz="3500" spc="-1" strike="noStrike">
+              <a:latin typeface="Arial"/>
+            </a:endParaRPr>
+          </a:p>
+        </p:txBody>
+      </p:sp>
+      <p:sp>
+        <p:nvSpPr>
+          <p:cNvPr id="154" name="CustomShape 4"/>
           <p:cNvSpPr/>
           <p:nvPr/>
         </p:nvSpPr>
         <p:spPr>
           <a:xfrm>
-            <a:off x="5241600" y="3557520"/>
-            <a:ext cx="402480" cy="546120"/>
+            <a:off x="5335200" y="3851280"/>
+            <a:ext cx="440280" cy="622440"/>
           </a:xfrm>
           <a:prstGeom prst="rect">
             <a:avLst/>
@@ -9604,7 +9997,7 @@
               </a:lnSpc>
             </a:pPr>
             <a:r>
-              <a:rPr b="0" lang="en-GB" sz="3000" spc="-1" strike="noStrike">
+              <a:rPr b="0" lang="en-GB" sz="3500" spc="-1" strike="noStrike">
                 <a:solidFill>
                   <a:srgbClr val="000000"/>
                 </a:solidFill>
@@ -9613,7 +10006,154 @@
               </a:rPr>
               <a:t>=</a:t>
             </a:r>
-            <a:endParaRPr b="0" lang="en-GB" sz="3000" spc="-1" strike="noStrike">
+            <a:endParaRPr b="0" lang="en-GB" sz="3500" spc="-1" strike="noStrike">
+              <a:latin typeface="Arial"/>
+            </a:endParaRPr>
+          </a:p>
+        </p:txBody>
+      </p:sp>
+      <p:sp>
+        <p:nvSpPr>
+          <p:cNvPr id="155" name="CustomShape 5"/>
+          <p:cNvSpPr/>
+          <p:nvPr/>
+        </p:nvSpPr>
+        <p:spPr>
+          <a:xfrm>
+            <a:off x="6288120" y="3429000"/>
+            <a:ext cx="1158120" cy="393840"/>
+          </a:xfrm>
+          <a:prstGeom prst="rect">
+            <a:avLst/>
+          </a:prstGeom>
+          <a:noFill/>
+          <a:ln>
+            <a:noFill/>
+          </a:ln>
+        </p:spPr>
+        <p:style>
+          <a:lnRef idx="0"/>
+          <a:fillRef idx="0"/>
+          <a:effectRef idx="0"/>
+          <a:fontRef idx="minor"/>
+        </p:style>
+        <p:txBody>
+          <a:bodyPr wrap="none" lIns="90000" rIns="90000" tIns="45000" bIns="45000"/>
+          <a:p>
+            <a:pPr>
+              <a:lnSpc>
+                <a:spcPct val="100000"/>
+              </a:lnSpc>
+            </a:pPr>
+            <a:r>
+              <a:rPr b="0" lang="en-GB" sz="2000" spc="-1" strike="noStrike">
+                <a:solidFill>
+                  <a:srgbClr val="000000"/>
+                </a:solidFill>
+                <a:latin typeface="Arial"/>
+                <a:ea typeface="DejaVu Sans"/>
+              </a:rPr>
+              <a:t>Français</a:t>
+            </a:r>
+            <a:endParaRPr b="0" lang="en-GB" sz="2000" spc="-1" strike="noStrike">
+              <a:latin typeface="Arial"/>
+            </a:endParaRPr>
+          </a:p>
+        </p:txBody>
+      </p:sp>
+      <p:sp>
+        <p:nvSpPr>
+          <p:cNvPr id="156" name="CustomShape 6"/>
+          <p:cNvSpPr/>
+          <p:nvPr/>
+        </p:nvSpPr>
+        <p:spPr>
+          <a:xfrm>
+            <a:off x="3531960" y="3450960"/>
+            <a:ext cx="1200600" cy="393840"/>
+          </a:xfrm>
+          <a:prstGeom prst="rect">
+            <a:avLst/>
+          </a:prstGeom>
+          <a:noFill/>
+          <a:ln>
+            <a:noFill/>
+          </a:ln>
+        </p:spPr>
+        <p:style>
+          <a:lnRef idx="0"/>
+          <a:fillRef idx="0"/>
+          <a:effectRef idx="0"/>
+          <a:fontRef idx="minor"/>
+        </p:style>
+        <p:txBody>
+          <a:bodyPr wrap="none" lIns="90000" rIns="90000" tIns="45000" bIns="45000"/>
+          <a:p>
+            <a:pPr>
+              <a:lnSpc>
+                <a:spcPct val="100000"/>
+              </a:lnSpc>
+            </a:pPr>
+            <a:r>
+              <a:rPr b="0" lang="en-GB" sz="2000" spc="-1" strike="noStrike">
+                <a:solidFill>
+                  <a:srgbClr val="000000"/>
+                </a:solidFill>
+                <a:latin typeface="Arial"/>
+                <a:ea typeface="DejaVu Sans"/>
+              </a:rPr>
+              <a:t>Hongrois</a:t>
+            </a:r>
+            <a:endParaRPr b="0" lang="en-GB" sz="2000" spc="-1" strike="noStrike">
+              <a:latin typeface="Arial"/>
+            </a:endParaRPr>
+          </a:p>
+        </p:txBody>
+      </p:sp>
+      <p:sp>
+        <p:nvSpPr>
+          <p:cNvPr id="157" name="CustomShape 7"/>
+          <p:cNvSpPr/>
+          <p:nvPr/>
+        </p:nvSpPr>
+        <p:spPr>
+          <a:xfrm>
+            <a:off x="1576440" y="5229720"/>
+            <a:ext cx="7958160" cy="622440"/>
+          </a:xfrm>
+          <a:prstGeom prst="rect">
+            <a:avLst/>
+          </a:prstGeom>
+          <a:noFill/>
+          <a:ln>
+            <a:noFill/>
+          </a:ln>
+        </p:spPr>
+        <p:style>
+          <a:lnRef idx="0"/>
+          <a:fillRef idx="0"/>
+          <a:effectRef idx="0"/>
+          <a:fontRef idx="minor"/>
+        </p:style>
+        <p:txBody>
+          <a:bodyPr wrap="none" lIns="90000" rIns="90000" tIns="45000" bIns="45000"/>
+          <a:p>
+            <a:pPr algn="ctr">
+              <a:lnSpc>
+                <a:spcPct val="100000"/>
+              </a:lnSpc>
+            </a:pPr>
+            <a:r>
+              <a:rPr b="0" lang="en-GB" sz="3500" spc="-1" strike="noStrike">
+                <a:solidFill>
+                  <a:srgbClr val="000000"/>
+                </a:solidFill>
+                <a:latin typeface="Arial"/>
+                <a:ea typeface="DejaVu Sans"/>
+              </a:rPr>
+              <a:t>Appuie sur une touche pour réessayer !</a:t>
+            </a:r>
+            <a:endParaRPr b="0" lang="en-GB" sz="3500" spc="-1" strike="noStrike">
               <a:latin typeface="Arial"/>
             </a:endParaRPr>
           </a:p>
@@ -9624,10 +10164,10 @@
   <p:timing>
     <p:tnLst>
       <p:par>
-        <p:cTn id="11" dur="indefinite" restart="never" nodeType="tmRoot">
+        <p:cTn id="9" dur="indefinite" restart="never" nodeType="tmRoot">
           <p:childTnLst>
             <p:seq>
-              <p:cTn id="12" dur="indefinite" nodeType="mainSeq"/>
+              <p:cTn id="10" dur="indefinite" nodeType="mainSeq"/>
               <p:prevCondLst>
                 <p:cond delay="0" evt="onPrev">
                   <p:tgtEl>
@@ -9670,14 +10210,14 @@
       </p:grpSpPr>
       <p:sp>
         <p:nvSpPr>
-          <p:cNvPr id="159" name="CustomShape 1"/>
+          <p:cNvPr id="158" name="CustomShape 1"/>
           <p:cNvSpPr/>
           <p:nvPr/>
         </p:nvSpPr>
         <p:spPr>
           <a:xfrm>
-            <a:off x="1308240" y="997200"/>
-            <a:ext cx="8941320" cy="1917720"/>
+            <a:off x="1265400" y="400320"/>
+            <a:ext cx="8940960" cy="1917360"/>
           </a:xfrm>
           <a:prstGeom prst="rect">
             <a:avLst/>
@@ -9749,14 +10289,14 @@
       </p:sp>
       <p:sp>
         <p:nvSpPr>
-          <p:cNvPr id="160" name="CustomShape 2"/>
+          <p:cNvPr id="159" name="CustomShape 2"/>
           <p:cNvSpPr/>
           <p:nvPr/>
         </p:nvSpPr>
         <p:spPr>
           <a:xfrm>
-            <a:off x="5335200" y="3851280"/>
-            <a:ext cx="440640" cy="622800"/>
+            <a:off x="5292360" y="3254400"/>
+            <a:ext cx="440280" cy="622440"/>
           </a:xfrm>
           <a:prstGeom prst="rect">
             <a:avLst/>
@@ -9798,14 +10338,14 @@
       </p:sp>
       <p:sp>
         <p:nvSpPr>
-          <p:cNvPr id="161" name="CustomShape 3"/>
+          <p:cNvPr id="160" name="CustomShape 3"/>
           <p:cNvSpPr/>
           <p:nvPr/>
         </p:nvSpPr>
         <p:spPr>
           <a:xfrm>
-            <a:off x="6288120" y="3429000"/>
-            <a:ext cx="1158480" cy="394200"/>
+            <a:off x="6245280" y="2860560"/>
+            <a:ext cx="1158120" cy="393840"/>
           </a:xfrm>
           <a:prstGeom prst="rect">
             <a:avLst/>
@@ -9847,14 +10387,14 @@
       </p:sp>
       <p:sp>
         <p:nvSpPr>
-          <p:cNvPr id="162" name="CustomShape 4"/>
+          <p:cNvPr id="161" name="CustomShape 4"/>
           <p:cNvSpPr/>
           <p:nvPr/>
         </p:nvSpPr>
         <p:spPr>
           <a:xfrm>
-            <a:off x="3531960" y="3450960"/>
-            <a:ext cx="1200960" cy="394200"/>
+            <a:off x="3489120" y="2854080"/>
+            <a:ext cx="1200600" cy="393840"/>
           </a:xfrm>
           <a:prstGeom prst="rect">
             <a:avLst/>
@@ -9896,14 +10436,14 @@
       </p:sp>
       <p:sp>
         <p:nvSpPr>
-          <p:cNvPr id="163" name="CustomShape 5"/>
+          <p:cNvPr id="162" name="CustomShape 5"/>
           <p:cNvSpPr/>
           <p:nvPr/>
         </p:nvSpPr>
         <p:spPr>
           <a:xfrm>
-            <a:off x="1576440" y="5229720"/>
-            <a:ext cx="7958520" cy="622800"/>
+            <a:off x="1473840" y="5353560"/>
+            <a:ext cx="7958160" cy="622440"/>
           </a:xfrm>
           <a:prstGeom prst="rect">
             <a:avLst/>
@@ -9943,8 +10483,84 @@
           </a:p>
         </p:txBody>
       </p:sp>
+      <p:sp>
+        <p:nvSpPr>
+          <p:cNvPr id="163" name="CustomShape 6"/>
+          <p:cNvSpPr/>
+          <p:nvPr/>
+        </p:nvSpPr>
+        <p:spPr>
+          <a:xfrm>
+            <a:off x="1545840" y="4273560"/>
+            <a:ext cx="7958160" cy="622440"/>
+          </a:xfrm>
+          <a:prstGeom prst="rect">
+            <a:avLst/>
+          </a:prstGeom>
+          <a:noFill/>
+          <a:ln>
+            <a:noFill/>
+          </a:ln>
+        </p:spPr>
+        <p:style>
+          <a:lnRef idx="0"/>
+          <a:fillRef idx="0"/>
+          <a:effectRef idx="0"/>
+          <a:fontRef idx="minor"/>
+        </p:style>
+        <p:txBody>
+          <a:bodyPr wrap="none" lIns="90000" rIns="90000" tIns="45000" bIns="45000"/>
+          <a:p>
+            <a:pPr>
+              <a:lnSpc>
+                <a:spcPct val="100000"/>
+              </a:lnSpc>
+            </a:pPr>
+            <a:r>
+              <a:rPr b="0" lang="en-GB" sz="3500" spc="-1" strike="noStrike">
+                <a:solidFill>
+                  <a:srgbClr val="000000"/>
+                </a:solidFill>
+                <a:latin typeface="Arial"/>
+                <a:ea typeface="DejaVu Sans"/>
+              </a:rPr>
+              <a:t>Tu as écrit :</a:t>
+            </a:r>
+            <a:endParaRPr b="0" lang="en-GB" sz="3500" spc="-1" strike="noStrike">
+              <a:latin typeface="Arial"/>
+            </a:endParaRPr>
+          </a:p>
+        </p:txBody>
+      </p:sp>
     </p:spTree>
   </p:cSld>
+  <p:timing>
+    <p:tnLst>
+      <p:par>
+        <p:cTn id="11" dur="indefinite" restart="never" nodeType="tmRoot">
+          <p:childTnLst>
+            <p:seq>
+              <p:cTn id="12" dur="indefinite" nodeType="mainSeq"/>
+              <p:prevCondLst>
+                <p:cond delay="0" evt="onPrev">
+                  <p:tgtEl>
+                    <p:sldTgt/>
+                  </p:tgtEl>
+                </p:cond>
+              </p:prevCondLst>
+              <p:nextCondLst>
+                <p:cond delay="0" evt="onNext">
+                  <p:tgtEl>
+                    <p:sldTgt/>
+                  </p:tgtEl>
+                </p:cond>
+              </p:nextCondLst>
+            </p:seq>
+          </p:childTnLst>
+        </p:cTn>
+      </p:par>
+    </p:tnLst>
+  </p:timing>
 </p:sld>
 </file>
 

--- a/images/Images NEW.pptx
+++ b/images/Images NEW.pptx
@@ -25,6 +25,11 @@
     <p:sldId id="271" r:id="rId20"/>
     <p:sldId id="272" r:id="rId21"/>
     <p:sldId id="273" r:id="rId22"/>
+    <p:sldId id="274" r:id="rId23"/>
+    <p:sldId id="275" r:id="rId24"/>
+    <p:sldId id="276" r:id="rId25"/>
+    <p:sldId id="277" r:id="rId26"/>
+    <p:sldId id="278" r:id="rId27"/>
   </p:sldIdLst>
   <p:sldSz cx="12192000" cy="6858000"/>
   <p:notesSz cx="7559675" cy="10691812"/>
@@ -4078,79 +4083,13 @@
               <a:rPr b="0" lang="en-GB" sz="4400" spc="-1" strike="noStrike">
                 <a:latin typeface="Arial"/>
               </a:rPr>
-              <a:t>Cli</a:t>
+              <a:t>Click to edit the title text </a:t>
             </a:r>
             <a:r>
               <a:rPr b="0" lang="en-GB" sz="4400" spc="-1" strike="noStrike">
                 <a:latin typeface="Arial"/>
               </a:rPr>
-              <a:t>ck </a:t>
-            </a:r>
-            <a:r>
-              <a:rPr b="0" lang="en-GB" sz="4400" spc="-1" strike="noStrike">
-                <a:latin typeface="Arial"/>
-              </a:rPr>
-              <a:t>to </a:t>
-            </a:r>
-            <a:r>
-              <a:rPr b="0" lang="en-GB" sz="4400" spc="-1" strike="noStrike">
-                <a:latin typeface="Arial"/>
-              </a:rPr>
-              <a:t>edi</a:t>
-            </a:r>
-            <a:r>
-              <a:rPr b="0" lang="en-GB" sz="4400" spc="-1" strike="noStrike">
-                <a:latin typeface="Arial"/>
-              </a:rPr>
-              <a:t>t </a:t>
-            </a:r>
-            <a:r>
-              <a:rPr b="0" lang="en-GB" sz="4400" spc="-1" strike="noStrike">
-                <a:latin typeface="Arial"/>
-              </a:rPr>
-              <a:t>the </a:t>
-            </a:r>
-            <a:r>
-              <a:rPr b="0" lang="en-GB" sz="4400" spc="-1" strike="noStrike">
-                <a:latin typeface="Arial"/>
-              </a:rPr>
-              <a:t>titl</a:t>
-            </a:r>
-            <a:r>
-              <a:rPr b="0" lang="en-GB" sz="4400" spc="-1" strike="noStrike">
-                <a:latin typeface="Arial"/>
-              </a:rPr>
-              <a:t>e </a:t>
-            </a:r>
-            <a:r>
-              <a:rPr b="0" lang="en-GB" sz="4400" spc="-1" strike="noStrike">
-                <a:latin typeface="Arial"/>
-              </a:rPr>
-              <a:t>tex</a:t>
-            </a:r>
-            <a:r>
-              <a:rPr b="0" lang="en-GB" sz="4400" spc="-1" strike="noStrike">
-                <a:latin typeface="Arial"/>
-              </a:rPr>
-              <a:t>t </a:t>
-            </a:r>
-            <a:r>
-              <a:rPr b="0" lang="en-GB" sz="4400" spc="-1" strike="noStrike">
-                <a:latin typeface="Arial"/>
-              </a:rPr>
-              <a:t>for</a:t>
-            </a:r>
-            <a:r>
-              <a:rPr b="0" lang="en-GB" sz="4400" spc="-1" strike="noStrike">
-                <a:latin typeface="Arial"/>
-              </a:rPr>
-              <a:t>ma</a:t>
-            </a:r>
-            <a:r>
-              <a:rPr b="0" lang="en-GB" sz="4400" spc="-1" strike="noStrike">
-                <a:latin typeface="Arial"/>
-              </a:rPr>
-              <a:t>t</a:t>
+              <a:t>format</a:t>
             </a:r>
             <a:endParaRPr b="0" lang="en-GB" sz="4400" spc="-1" strike="noStrike">
               <a:latin typeface="Arial"/>
@@ -5413,13 +5352,13 @@
       </p:grpSpPr>
       <p:sp>
         <p:nvSpPr>
-          <p:cNvPr id="164" name="CustomShape 1"/>
+          <p:cNvPr id="146" name="CustomShape 1"/>
           <p:cNvSpPr/>
           <p:nvPr/>
         </p:nvSpPr>
         <p:spPr>
           <a:xfrm>
-            <a:off x="3362400" y="917640"/>
+            <a:off x="3362400" y="918000"/>
             <a:ext cx="4811040" cy="545760"/>
           </a:xfrm>
           <a:prstGeom prst="rect">
@@ -5462,13 +5401,13 @@
       </p:sp>
       <p:sp>
         <p:nvSpPr>
-          <p:cNvPr id="165" name="CustomShape 2"/>
+          <p:cNvPr id="147" name="CustomShape 2"/>
           <p:cNvSpPr/>
           <p:nvPr/>
         </p:nvSpPr>
         <p:spPr>
           <a:xfrm>
-            <a:off x="3621960" y="2237400"/>
+            <a:off x="3621960" y="2237760"/>
             <a:ext cx="4050720" cy="545760"/>
           </a:xfrm>
           <a:prstGeom prst="rect">
@@ -5507,37 +5446,17 @@
               <a:latin typeface="Arial"/>
             </a:endParaRPr>
           </a:p>
-          <a:p>
-            <a:pPr algn="ctr">
-              <a:lnSpc>
-                <a:spcPct val="100000"/>
-              </a:lnSpc>
-            </a:pPr>
-            <a:r>
-              <a:rPr b="0" lang="en-GB" sz="3000" spc="-1" strike="noStrike">
-                <a:solidFill>
-                  <a:srgbClr val="000000"/>
-                </a:solidFill>
-                <a:latin typeface="Arial"/>
-                <a:ea typeface="DejaVu Sans"/>
-              </a:rPr>
-              <a:t> </a:t>
-            </a:r>
-            <a:endParaRPr b="0" lang="en-GB" sz="3000" spc="-1" strike="noStrike">
-              <a:latin typeface="Arial"/>
-            </a:endParaRPr>
-          </a:p>
-        </p:txBody>
-      </p:sp>
-      <p:sp>
-        <p:nvSpPr>
-          <p:cNvPr id="166" name="CustomShape 3"/>
+        </p:txBody>
+      </p:sp>
+      <p:sp>
+        <p:nvSpPr>
+          <p:cNvPr id="148" name="CustomShape 3"/>
           <p:cNvSpPr/>
           <p:nvPr/>
         </p:nvSpPr>
         <p:spPr>
           <a:xfrm>
-            <a:off x="6482520" y="3557520"/>
+            <a:off x="6482520" y="3557880"/>
             <a:ext cx="391320" cy="545760"/>
           </a:xfrm>
           <a:prstGeom prst="rect">
@@ -5580,13 +5499,13 @@
       </p:sp>
       <p:sp>
         <p:nvSpPr>
-          <p:cNvPr id="167" name="CustomShape 4"/>
+          <p:cNvPr id="149" name="CustomShape 4"/>
           <p:cNvSpPr/>
           <p:nvPr/>
         </p:nvSpPr>
         <p:spPr>
           <a:xfrm>
-            <a:off x="5241600" y="3557520"/>
+            <a:off x="5241600" y="3557880"/>
             <a:ext cx="402120" cy="545760"/>
           </a:xfrm>
           <a:prstGeom prst="rect">
@@ -5678,14 +5597,14 @@
       </p:grpSpPr>
       <p:sp>
         <p:nvSpPr>
-          <p:cNvPr id="168" name="CustomShape 1"/>
+          <p:cNvPr id="150" name="CustomShape 1"/>
           <p:cNvSpPr/>
           <p:nvPr/>
         </p:nvSpPr>
         <p:spPr>
           <a:xfrm>
-            <a:off x="1308240" y="997200"/>
-            <a:ext cx="8940960" cy="1917360"/>
+            <a:off x="3320280" y="1256760"/>
+            <a:ext cx="4669200" cy="698400"/>
           </a:xfrm>
           <a:prstGeom prst="rect">
             <a:avLst/>
@@ -5717,54 +5636,24 @@
                 <a:latin typeface="Arial"/>
                 <a:ea typeface="DejaVu Sans"/>
               </a:rPr>
-              <a:t>Ooups ! </a:t>
+              <a:t>Bravo ! Tu as réussi</a:t>
             </a:r>
             <a:endParaRPr b="0" lang="en-GB" sz="4000" spc="-1" strike="noStrike">
               <a:latin typeface="Arial"/>
             </a:endParaRPr>
           </a:p>
-          <a:p>
-            <a:pPr algn="ctr">
-              <a:lnSpc>
-                <a:spcPct val="100000"/>
-              </a:lnSpc>
-            </a:pPr>
-            <a:endParaRPr b="0" lang="en-GB" sz="4000" spc="-1" strike="noStrike">
-              <a:latin typeface="Arial"/>
-            </a:endParaRPr>
-          </a:p>
-          <a:p>
-            <a:pPr algn="ctr">
-              <a:lnSpc>
-                <a:spcPct val="100000"/>
-              </a:lnSpc>
-            </a:pPr>
-            <a:r>
-              <a:rPr b="0" lang="en-GB" sz="4000" spc="-1" strike="noStrike">
-                <a:solidFill>
-                  <a:srgbClr val="000000"/>
-                </a:solidFill>
-                <a:latin typeface="Arial"/>
-                <a:ea typeface="DejaVu Sans"/>
-              </a:rPr>
-              <a:t>Tu n’as pas écrit le mot correctement...</a:t>
-            </a:r>
-            <a:endParaRPr b="0" lang="en-GB" sz="4000" spc="-1" strike="noStrike">
-              <a:latin typeface="Arial"/>
-            </a:endParaRPr>
-          </a:p>
-        </p:txBody>
-      </p:sp>
-      <p:sp>
-        <p:nvSpPr>
-          <p:cNvPr id="169" name="CustomShape 2"/>
+        </p:txBody>
+      </p:sp>
+      <p:sp>
+        <p:nvSpPr>
+          <p:cNvPr id="151" name="CustomShape 2"/>
           <p:cNvSpPr/>
           <p:nvPr/>
         </p:nvSpPr>
         <p:spPr>
           <a:xfrm>
-            <a:off x="5335200" y="3851280"/>
-            <a:ext cx="440280" cy="622440"/>
+            <a:off x="3605760" y="2959920"/>
+            <a:ext cx="1153440" cy="545760"/>
           </a:xfrm>
           <a:prstGeom prst="rect">
             <a:avLst/>
@@ -5789,31 +5678,31 @@
               </a:lnSpc>
             </a:pPr>
             <a:r>
-              <a:rPr b="0" lang="en-GB" sz="3500" spc="-1" strike="noStrike">
+              <a:rPr b="0" lang="en-GB" sz="3000" spc="-1" strike="noStrike">
                 <a:solidFill>
                   <a:srgbClr val="000000"/>
                 </a:solidFill>
                 <a:latin typeface="Arial"/>
                 <a:ea typeface="DejaVu Sans"/>
               </a:rPr>
-              <a:t>=</a:t>
-            </a:r>
-            <a:endParaRPr b="0" lang="en-GB" sz="3500" spc="-1" strike="noStrike">
-              <a:latin typeface="Arial"/>
-            </a:endParaRPr>
-          </a:p>
-        </p:txBody>
-      </p:sp>
-      <p:sp>
-        <p:nvSpPr>
-          <p:cNvPr id="170" name="CustomShape 3"/>
+              <a:t>Vonat</a:t>
+            </a:r>
+            <a:endParaRPr b="0" lang="en-GB" sz="3000" spc="-1" strike="noStrike">
+              <a:latin typeface="Arial"/>
+            </a:endParaRPr>
+          </a:p>
+        </p:txBody>
+      </p:sp>
+      <p:sp>
+        <p:nvSpPr>
+          <p:cNvPr id="152" name="CustomShape 3"/>
           <p:cNvSpPr/>
           <p:nvPr/>
         </p:nvSpPr>
         <p:spPr>
           <a:xfrm>
-            <a:off x="6288120" y="3429000"/>
-            <a:ext cx="1158120" cy="393840"/>
+            <a:off x="6263280" y="2959920"/>
+            <a:ext cx="1033200" cy="545760"/>
           </a:xfrm>
           <a:prstGeom prst="rect">
             <a:avLst/>
@@ -5832,37 +5721,37 @@
         <p:txBody>
           <a:bodyPr wrap="none" lIns="90000" rIns="90000" tIns="45000" bIns="45000"/>
           <a:p>
-            <a:pPr>
+            <a:pPr algn="ctr">
               <a:lnSpc>
                 <a:spcPct val="100000"/>
               </a:lnSpc>
             </a:pPr>
             <a:r>
-              <a:rPr b="0" lang="en-GB" sz="2000" spc="-1" strike="noStrike">
+              <a:rPr b="0" lang="en-GB" sz="3000" spc="-1" strike="noStrike">
                 <a:solidFill>
                   <a:srgbClr val="000000"/>
                 </a:solidFill>
                 <a:latin typeface="Arial"/>
                 <a:ea typeface="DejaVu Sans"/>
               </a:rPr>
-              <a:t>Français</a:t>
-            </a:r>
-            <a:endParaRPr b="0" lang="en-GB" sz="2000" spc="-1" strike="noStrike">
-              <a:latin typeface="Arial"/>
-            </a:endParaRPr>
-          </a:p>
-        </p:txBody>
-      </p:sp>
-      <p:sp>
-        <p:nvSpPr>
-          <p:cNvPr id="171" name="CustomShape 4"/>
+              <a:t>Train</a:t>
+            </a:r>
+            <a:endParaRPr b="0" lang="en-GB" sz="3000" spc="-1" strike="noStrike">
+              <a:latin typeface="Arial"/>
+            </a:endParaRPr>
+          </a:p>
+        </p:txBody>
+      </p:sp>
+      <p:sp>
+        <p:nvSpPr>
+          <p:cNvPr id="153" name="CustomShape 4"/>
           <p:cNvSpPr/>
           <p:nvPr/>
         </p:nvSpPr>
         <p:spPr>
           <a:xfrm>
-            <a:off x="3531960" y="3450960"/>
-            <a:ext cx="1200600" cy="393840"/>
+            <a:off x="5343120" y="2959920"/>
+            <a:ext cx="402120" cy="545760"/>
           </a:xfrm>
           <a:prstGeom prst="rect">
             <a:avLst/>
@@ -5881,37 +5770,37 @@
         <p:txBody>
           <a:bodyPr wrap="none" lIns="90000" rIns="90000" tIns="45000" bIns="45000"/>
           <a:p>
-            <a:pPr>
+            <a:pPr algn="ctr">
               <a:lnSpc>
                 <a:spcPct val="100000"/>
               </a:lnSpc>
             </a:pPr>
             <a:r>
-              <a:rPr b="0" lang="en-GB" sz="2000" spc="-1" strike="noStrike">
+              <a:rPr b="0" lang="en-GB" sz="3000" spc="-1" strike="noStrike">
                 <a:solidFill>
                   <a:srgbClr val="000000"/>
                 </a:solidFill>
                 <a:latin typeface="Arial"/>
                 <a:ea typeface="DejaVu Sans"/>
               </a:rPr>
-              <a:t>Hongrois</a:t>
-            </a:r>
-            <a:endParaRPr b="0" lang="en-GB" sz="2000" spc="-1" strike="noStrike">
-              <a:latin typeface="Arial"/>
-            </a:endParaRPr>
-          </a:p>
-        </p:txBody>
-      </p:sp>
-      <p:sp>
-        <p:nvSpPr>
-          <p:cNvPr id="172" name="CustomShape 5"/>
+              <a:t>=</a:t>
+            </a:r>
+            <a:endParaRPr b="0" lang="en-GB" sz="3000" spc="-1" strike="noStrike">
+              <a:latin typeface="Arial"/>
+            </a:endParaRPr>
+          </a:p>
+        </p:txBody>
+      </p:sp>
+      <p:sp>
+        <p:nvSpPr>
+          <p:cNvPr id="154" name="CustomShape 5"/>
           <p:cNvSpPr/>
           <p:nvPr/>
         </p:nvSpPr>
         <p:spPr>
           <a:xfrm>
-            <a:off x="1576440" y="5229720"/>
-            <a:ext cx="7958160" cy="622440"/>
+            <a:off x="2279880" y="4339080"/>
+            <a:ext cx="6528600" cy="545760"/>
           </a:xfrm>
           <a:prstGeom prst="rect">
             <a:avLst/>
@@ -5936,16 +5825,16 @@
               </a:lnSpc>
             </a:pPr>
             <a:r>
-              <a:rPr b="0" lang="en-GB" sz="3500" spc="-1" strike="noStrike">
+              <a:rPr b="0" lang="en-GB" sz="3000" spc="-1" strike="noStrike">
                 <a:solidFill>
                   <a:srgbClr val="000000"/>
                 </a:solidFill>
                 <a:latin typeface="Arial"/>
                 <a:ea typeface="DejaVu Sans"/>
               </a:rPr>
-              <a:t>Appuie sur une touche pour continuer !</a:t>
-            </a:r>
-            <a:endParaRPr b="0" lang="en-GB" sz="3500" spc="-1" strike="noStrike">
+              <a:t>Appuie sur une touche pour continuer</a:t>
+            </a:r>
+            <a:endParaRPr b="0" lang="en-GB" sz="3000" spc="-1" strike="noStrike">
               <a:latin typeface="Arial"/>
             </a:endParaRPr>
           </a:p>
@@ -5975,14 +5864,14 @@
       </p:grpSpPr>
       <p:sp>
         <p:nvSpPr>
-          <p:cNvPr id="173" name="CustomShape 1"/>
+          <p:cNvPr id="155" name="CustomShape 1"/>
           <p:cNvSpPr/>
           <p:nvPr/>
         </p:nvSpPr>
         <p:spPr>
           <a:xfrm>
-            <a:off x="544680" y="573120"/>
-            <a:ext cx="10738080" cy="698400"/>
+            <a:off x="3320280" y="1256760"/>
+            <a:ext cx="4669200" cy="698400"/>
           </a:xfrm>
           <a:prstGeom prst="rect">
             <a:avLst/>
@@ -6014,7 +5903,7 @@
                 <a:latin typeface="Arial"/>
                 <a:ea typeface="DejaVu Sans"/>
               </a:rPr>
-              <a:t>On va te présenter 15 paires de mots à la suite</a:t>
+              <a:t>Bravo ! Tu as réussi</a:t>
             </a:r>
             <a:endParaRPr b="0" lang="en-GB" sz="4000" spc="-1" strike="noStrike">
               <a:latin typeface="Arial"/>
@@ -6024,14 +5913,14 @@
       </p:sp>
       <p:sp>
         <p:nvSpPr>
-          <p:cNvPr id="174" name="CustomShape 2"/>
+          <p:cNvPr id="156" name="CustomShape 2"/>
           <p:cNvSpPr/>
           <p:nvPr/>
         </p:nvSpPr>
         <p:spPr>
           <a:xfrm>
-            <a:off x="1671840" y="5653800"/>
-            <a:ext cx="8328600" cy="622440"/>
+            <a:off x="5343120" y="2959920"/>
+            <a:ext cx="402120" cy="545760"/>
           </a:xfrm>
           <a:prstGeom prst="rect">
             <a:avLst/>
@@ -6056,31 +5945,31 @@
               </a:lnSpc>
             </a:pPr>
             <a:r>
-              <a:rPr b="0" lang="en-GB" sz="3500" spc="-1" strike="noStrike">
+              <a:rPr b="0" lang="en-GB" sz="3000" spc="-1" strike="noStrike">
                 <a:solidFill>
                   <a:srgbClr val="000000"/>
                 </a:solidFill>
                 <a:latin typeface="Arial"/>
                 <a:ea typeface="DejaVu Sans"/>
               </a:rPr>
-              <a:t>Appuie sur une touche pour commencer !</a:t>
-            </a:r>
-            <a:endParaRPr b="0" lang="en-GB" sz="3500" spc="-1" strike="noStrike">
-              <a:latin typeface="Arial"/>
-            </a:endParaRPr>
-          </a:p>
-        </p:txBody>
-      </p:sp>
-      <p:sp>
-        <p:nvSpPr>
-          <p:cNvPr id="175" name="CustomShape 3"/>
+              <a:t>=</a:t>
+            </a:r>
+            <a:endParaRPr b="0" lang="en-GB" sz="3000" spc="-1" strike="noStrike">
+              <a:latin typeface="Arial"/>
+            </a:endParaRPr>
+          </a:p>
+        </p:txBody>
+      </p:sp>
+      <p:sp>
+        <p:nvSpPr>
+          <p:cNvPr id="157" name="CustomShape 3"/>
           <p:cNvSpPr/>
           <p:nvPr/>
         </p:nvSpPr>
         <p:spPr>
           <a:xfrm>
-            <a:off x="1020240" y="1758600"/>
-            <a:ext cx="9786960" cy="622440"/>
+            <a:off x="2279880" y="4339080"/>
+            <a:ext cx="6528600" cy="545760"/>
           </a:xfrm>
           <a:prstGeom prst="rect">
             <a:avLst/>
@@ -6105,85 +5994,16 @@
               </a:lnSpc>
             </a:pPr>
             <a:r>
-              <a:rPr b="0" lang="en-GB" sz="3500" spc="-1" strike="noStrike">
+              <a:rPr b="0" lang="en-GB" sz="3000" spc="-1" strike="noStrike">
                 <a:solidFill>
                   <a:srgbClr val="000000"/>
                 </a:solidFill>
                 <a:latin typeface="Arial"/>
                 <a:ea typeface="DejaVu Sans"/>
               </a:rPr>
-              <a:t>Essaye de retenir la traduction de tous les mots !</a:t>
-            </a:r>
-            <a:endParaRPr b="0" lang="en-GB" sz="3500" spc="-1" strike="noStrike">
-              <a:latin typeface="Arial"/>
-            </a:endParaRPr>
-          </a:p>
-        </p:txBody>
-      </p:sp>
-      <p:sp>
-        <p:nvSpPr>
-          <p:cNvPr id="176" name="CustomShape 4"/>
-          <p:cNvSpPr/>
-          <p:nvPr/>
-        </p:nvSpPr>
-        <p:spPr>
-          <a:xfrm>
-            <a:off x="1449720" y="3183120"/>
-            <a:ext cx="8773560" cy="1155960"/>
-          </a:xfrm>
-          <a:prstGeom prst="rect">
-            <a:avLst/>
-          </a:prstGeom>
-          <a:noFill/>
-          <a:ln>
-            <a:noFill/>
-          </a:ln>
-        </p:spPr>
-        <p:style>
-          <a:lnRef idx="0"/>
-          <a:fillRef idx="0"/>
-          <a:effectRef idx="0"/>
-          <a:fontRef idx="minor"/>
-        </p:style>
-        <p:txBody>
-          <a:bodyPr wrap="none" lIns="90000" rIns="90000" tIns="45000" bIns="45000"/>
-          <a:p>
-            <a:pPr algn="ctr">
-              <a:lnSpc>
-                <a:spcPct val="100000"/>
-              </a:lnSpc>
-            </a:pPr>
-            <a:r>
-              <a:rPr b="0" lang="en-GB" sz="3500" spc="-1" strike="noStrike">
-                <a:solidFill>
-                  <a:srgbClr val="000000"/>
-                </a:solidFill>
-                <a:latin typeface="Arial"/>
-                <a:ea typeface="DejaVu Sans"/>
-              </a:rPr>
-              <a:t>Plus tard, on te donnera le mot Hongrois et </a:t>
-            </a:r>
-            <a:endParaRPr b="0" lang="en-GB" sz="3500" spc="-1" strike="noStrike">
-              <a:latin typeface="Arial"/>
-            </a:endParaRPr>
-          </a:p>
-          <a:p>
-            <a:pPr algn="ctr">
-              <a:lnSpc>
-                <a:spcPct val="100000"/>
-              </a:lnSpc>
-            </a:pPr>
-            <a:r>
-              <a:rPr b="0" lang="en-GB" sz="3500" spc="-1" strike="noStrike">
-                <a:solidFill>
-                  <a:srgbClr val="000000"/>
-                </a:solidFill>
-                <a:latin typeface="Arial"/>
-                <a:ea typeface="DejaVu Sans"/>
-              </a:rPr>
-              <a:t>tu devras écrire la traduction en français</a:t>
-            </a:r>
-            <a:endParaRPr b="0" lang="en-GB" sz="3500" spc="-1" strike="noStrike">
+              <a:t>Appuie sur une touche pour continuer</a:t>
+            </a:r>
+            <a:endParaRPr b="0" lang="en-GB" sz="3000" spc="-1" strike="noStrike">
               <a:latin typeface="Arial"/>
             </a:endParaRPr>
           </a:p>
@@ -6213,14 +6033,14 @@
       </p:grpSpPr>
       <p:sp>
         <p:nvSpPr>
-          <p:cNvPr id="177" name="CustomShape 1"/>
+          <p:cNvPr id="158" name="CustomShape 1"/>
           <p:cNvSpPr/>
           <p:nvPr/>
         </p:nvSpPr>
         <p:spPr>
           <a:xfrm>
-            <a:off x="544680" y="573120"/>
-            <a:ext cx="10738080" cy="698400"/>
+            <a:off x="1308240" y="997200"/>
+            <a:ext cx="8940960" cy="1917360"/>
           </a:xfrm>
           <a:prstGeom prst="rect">
             <a:avLst/>
@@ -6252,24 +6072,54 @@
                 <a:latin typeface="Arial"/>
                 <a:ea typeface="DejaVu Sans"/>
               </a:rPr>
-              <a:t>On va te présenter 40 paires de mots à la suite</a:t>
+              <a:t>Ooups ! </a:t>
             </a:r>
             <a:endParaRPr b="0" lang="en-GB" sz="4000" spc="-1" strike="noStrike">
               <a:latin typeface="Arial"/>
             </a:endParaRPr>
           </a:p>
-        </p:txBody>
-      </p:sp>
-      <p:sp>
-        <p:nvSpPr>
-          <p:cNvPr id="178" name="CustomShape 2"/>
+          <a:p>
+            <a:pPr algn="ctr">
+              <a:lnSpc>
+                <a:spcPct val="100000"/>
+              </a:lnSpc>
+            </a:pPr>
+            <a:endParaRPr b="0" lang="en-GB" sz="4000" spc="-1" strike="noStrike">
+              <a:latin typeface="Arial"/>
+            </a:endParaRPr>
+          </a:p>
+          <a:p>
+            <a:pPr algn="ctr">
+              <a:lnSpc>
+                <a:spcPct val="100000"/>
+              </a:lnSpc>
+            </a:pPr>
+            <a:r>
+              <a:rPr b="0" lang="en-GB" sz="4000" spc="-1" strike="noStrike">
+                <a:solidFill>
+                  <a:srgbClr val="000000"/>
+                </a:solidFill>
+                <a:latin typeface="Arial"/>
+                <a:ea typeface="DejaVu Sans"/>
+              </a:rPr>
+              <a:t>Tu n’as pas écrit le mot correctement...</a:t>
+            </a:r>
+            <a:endParaRPr b="0" lang="en-GB" sz="4000" spc="-1" strike="noStrike">
+              <a:latin typeface="Arial"/>
+            </a:endParaRPr>
+          </a:p>
+        </p:txBody>
+      </p:sp>
+      <p:sp>
+        <p:nvSpPr>
+          <p:cNvPr id="159" name="CustomShape 2"/>
           <p:cNvSpPr/>
           <p:nvPr/>
         </p:nvSpPr>
         <p:spPr>
           <a:xfrm>
-            <a:off x="1671840" y="5653800"/>
-            <a:ext cx="8328600" cy="622440"/>
+            <a:off x="3535560" y="3851280"/>
+            <a:ext cx="1316520" cy="622440"/>
           </a:xfrm>
           <a:prstGeom prst="rect">
             <a:avLst/>
@@ -6301,7 +6151,7 @@
                 <a:latin typeface="Arial"/>
                 <a:ea typeface="DejaVu Sans"/>
               </a:rPr>
-              <a:t>Appuie sur une touche pour commencer !</a:t>
+              <a:t>Vonat</a:t>
             </a:r>
             <a:endParaRPr b="0" lang="en-GB" sz="3500" spc="-1" strike="noStrike">
               <a:latin typeface="Arial"/>
@@ -6311,14 +6161,14 @@
       </p:sp>
       <p:sp>
         <p:nvSpPr>
-          <p:cNvPr id="179" name="CustomShape 3"/>
+          <p:cNvPr id="160" name="CustomShape 3"/>
           <p:cNvSpPr/>
           <p:nvPr/>
         </p:nvSpPr>
         <p:spPr>
           <a:xfrm>
-            <a:off x="1020240" y="1758600"/>
-            <a:ext cx="9786960" cy="622440"/>
+            <a:off x="6203160" y="3851280"/>
+            <a:ext cx="1176480" cy="622440"/>
           </a:xfrm>
           <a:prstGeom prst="rect">
             <a:avLst/>
@@ -6350,7 +6200,7 @@
                 <a:latin typeface="Arial"/>
                 <a:ea typeface="DejaVu Sans"/>
               </a:rPr>
-              <a:t>Essaye de retenir la traduction de tous les mots !</a:t>
+              <a:t>Train</a:t>
             </a:r>
             <a:endParaRPr b="0" lang="en-GB" sz="3500" spc="-1" strike="noStrike">
               <a:latin typeface="Arial"/>
@@ -6360,14 +6210,14 @@
       </p:sp>
       <p:sp>
         <p:nvSpPr>
-          <p:cNvPr id="180" name="CustomShape 4"/>
+          <p:cNvPr id="161" name="CustomShape 4"/>
           <p:cNvSpPr/>
           <p:nvPr/>
         </p:nvSpPr>
         <p:spPr>
           <a:xfrm>
-            <a:off x="1449720" y="3183120"/>
-            <a:ext cx="8773560" cy="1155960"/>
+            <a:off x="5335200" y="3851280"/>
+            <a:ext cx="440280" cy="622440"/>
           </a:xfrm>
           <a:prstGeom prst="rect">
             <a:avLst/>
@@ -6399,12 +6249,139 @@
                 <a:latin typeface="Arial"/>
                 <a:ea typeface="DejaVu Sans"/>
               </a:rPr>
-              <a:t>Plus tard, on te donnera le mot Hongrois et </a:t>
+              <a:t>=</a:t>
             </a:r>
             <a:endParaRPr b="0" lang="en-GB" sz="3500" spc="-1" strike="noStrike">
               <a:latin typeface="Arial"/>
             </a:endParaRPr>
           </a:p>
+        </p:txBody>
+      </p:sp>
+      <p:sp>
+        <p:nvSpPr>
+          <p:cNvPr id="162" name="CustomShape 5"/>
+          <p:cNvSpPr/>
+          <p:nvPr/>
+        </p:nvSpPr>
+        <p:spPr>
+          <a:xfrm>
+            <a:off x="6288120" y="3429000"/>
+            <a:ext cx="1158120" cy="393840"/>
+          </a:xfrm>
+          <a:prstGeom prst="rect">
+            <a:avLst/>
+          </a:prstGeom>
+          <a:noFill/>
+          <a:ln>
+            <a:noFill/>
+          </a:ln>
+        </p:spPr>
+        <p:style>
+          <a:lnRef idx="0"/>
+          <a:fillRef idx="0"/>
+          <a:effectRef idx="0"/>
+          <a:fontRef idx="minor"/>
+        </p:style>
+        <p:txBody>
+          <a:bodyPr wrap="none" lIns="90000" rIns="90000" tIns="45000" bIns="45000"/>
+          <a:p>
+            <a:pPr>
+              <a:lnSpc>
+                <a:spcPct val="100000"/>
+              </a:lnSpc>
+            </a:pPr>
+            <a:r>
+              <a:rPr b="0" lang="en-GB" sz="2000" spc="-1" strike="noStrike">
+                <a:solidFill>
+                  <a:srgbClr val="000000"/>
+                </a:solidFill>
+                <a:latin typeface="Arial"/>
+                <a:ea typeface="DejaVu Sans"/>
+              </a:rPr>
+              <a:t>Français</a:t>
+            </a:r>
+            <a:endParaRPr b="0" lang="en-GB" sz="2000" spc="-1" strike="noStrike">
+              <a:latin typeface="Arial"/>
+            </a:endParaRPr>
+          </a:p>
+        </p:txBody>
+      </p:sp>
+      <p:sp>
+        <p:nvSpPr>
+          <p:cNvPr id="163" name="CustomShape 6"/>
+          <p:cNvSpPr/>
+          <p:nvPr/>
+        </p:nvSpPr>
+        <p:spPr>
+          <a:xfrm>
+            <a:off x="3531960" y="3450960"/>
+            <a:ext cx="1200600" cy="393840"/>
+          </a:xfrm>
+          <a:prstGeom prst="rect">
+            <a:avLst/>
+          </a:prstGeom>
+          <a:noFill/>
+          <a:ln>
+            <a:noFill/>
+          </a:ln>
+        </p:spPr>
+        <p:style>
+          <a:lnRef idx="0"/>
+          <a:fillRef idx="0"/>
+          <a:effectRef idx="0"/>
+          <a:fontRef idx="minor"/>
+        </p:style>
+        <p:txBody>
+          <a:bodyPr wrap="none" lIns="90000" rIns="90000" tIns="45000" bIns="45000"/>
+          <a:p>
+            <a:pPr>
+              <a:lnSpc>
+                <a:spcPct val="100000"/>
+              </a:lnSpc>
+            </a:pPr>
+            <a:r>
+              <a:rPr b="0" lang="en-GB" sz="2000" spc="-1" strike="noStrike">
+                <a:solidFill>
+                  <a:srgbClr val="000000"/>
+                </a:solidFill>
+                <a:latin typeface="Arial"/>
+                <a:ea typeface="DejaVu Sans"/>
+              </a:rPr>
+              <a:t>Hongrois</a:t>
+            </a:r>
+            <a:endParaRPr b="0" lang="en-GB" sz="2000" spc="-1" strike="noStrike">
+              <a:latin typeface="Arial"/>
+            </a:endParaRPr>
+          </a:p>
+        </p:txBody>
+      </p:sp>
+      <p:sp>
+        <p:nvSpPr>
+          <p:cNvPr id="164" name="CustomShape 7"/>
+          <p:cNvSpPr/>
+          <p:nvPr/>
+        </p:nvSpPr>
+        <p:spPr>
+          <a:xfrm>
+            <a:off x="1576440" y="5229720"/>
+            <a:ext cx="7958160" cy="622440"/>
+          </a:xfrm>
+          <a:prstGeom prst="rect">
+            <a:avLst/>
+          </a:prstGeom>
+          <a:noFill/>
+          <a:ln>
+            <a:noFill/>
+          </a:ln>
+        </p:spPr>
+        <p:style>
+          <a:lnRef idx="0"/>
+          <a:fillRef idx="0"/>
+          <a:effectRef idx="0"/>
+          <a:fontRef idx="minor"/>
+        </p:style>
+        <p:txBody>
+          <a:bodyPr wrap="none" lIns="90000" rIns="90000" tIns="45000" bIns="45000"/>
           <a:p>
             <a:pPr algn="ctr">
               <a:lnSpc>
@@ -6419,7 +6396,7 @@
                 <a:latin typeface="Arial"/>
                 <a:ea typeface="DejaVu Sans"/>
               </a:rPr>
-              <a:t>tu devras écrire la traduction en français</a:t>
+              <a:t>Appuie sur une touche pour réessayer !</a:t>
             </a:r>
             <a:endParaRPr b="0" lang="en-GB" sz="3500" spc="-1" strike="noStrike">
               <a:latin typeface="Arial"/>
@@ -6429,6 +6406,33 @@
       </p:sp>
     </p:spTree>
   </p:cSld>
+  <p:timing>
+    <p:tnLst>
+      <p:par>
+        <p:cTn id="15" dur="indefinite" restart="never" nodeType="tmRoot">
+          <p:childTnLst>
+            <p:seq>
+              <p:cTn id="16" dur="indefinite" nodeType="mainSeq"/>
+              <p:prevCondLst>
+                <p:cond delay="0" evt="onPrev">
+                  <p:tgtEl>
+                    <p:sldTgt/>
+                  </p:tgtEl>
+                </p:cond>
+              </p:prevCondLst>
+              <p:nextCondLst>
+                <p:cond delay="0" evt="onNext">
+                  <p:tgtEl>
+                    <p:sldTgt/>
+                  </p:tgtEl>
+                </p:cond>
+              </p:nextCondLst>
+            </p:seq>
+          </p:childTnLst>
+        </p:cTn>
+      </p:par>
+    </p:tnLst>
+  </p:timing>
 </p:sld>
 </file>
 
@@ -6451,14 +6455,14 @@
       </p:grpSpPr>
       <p:sp>
         <p:nvSpPr>
-          <p:cNvPr id="181" name="CustomShape 1"/>
+          <p:cNvPr id="165" name="CustomShape 1"/>
           <p:cNvSpPr/>
           <p:nvPr/>
         </p:nvSpPr>
         <p:spPr>
           <a:xfrm>
-            <a:off x="2952000" y="3176640"/>
-            <a:ext cx="1478160" cy="698400"/>
+            <a:off x="1265400" y="400320"/>
+            <a:ext cx="8940960" cy="1917360"/>
           </a:xfrm>
           <a:prstGeom prst="rect">
             <a:avLst/>
@@ -6490,23 +6494,53 @@
                 <a:latin typeface="Arial"/>
                 <a:ea typeface="DejaVu Sans"/>
               </a:rPr>
-              <a:t>Vonat</a:t>
+              <a:t>Ooups ! </a:t>
             </a:r>
             <a:endParaRPr b="0" lang="en-GB" sz="4000" spc="-1" strike="noStrike">
               <a:latin typeface="Arial"/>
             </a:endParaRPr>
           </a:p>
-        </p:txBody>
-      </p:sp>
-      <p:sp>
-        <p:nvSpPr>
-          <p:cNvPr id="182" name="CustomShape 2"/>
+          <a:p>
+            <a:pPr algn="ctr">
+              <a:lnSpc>
+                <a:spcPct val="100000"/>
+              </a:lnSpc>
+            </a:pPr>
+            <a:endParaRPr b="0" lang="en-GB" sz="4000" spc="-1" strike="noStrike">
+              <a:latin typeface="Arial"/>
+            </a:endParaRPr>
+          </a:p>
+          <a:p>
+            <a:pPr algn="ctr">
+              <a:lnSpc>
+                <a:spcPct val="100000"/>
+              </a:lnSpc>
+            </a:pPr>
+            <a:r>
+              <a:rPr b="0" lang="en-GB" sz="4000" spc="-1" strike="noStrike">
+                <a:solidFill>
+                  <a:srgbClr val="000000"/>
+                </a:solidFill>
+                <a:latin typeface="Arial"/>
+                <a:ea typeface="DejaVu Sans"/>
+              </a:rPr>
+              <a:t>Tu n’as pas écrit le mot correctement...</a:t>
+            </a:r>
+            <a:endParaRPr b="0" lang="en-GB" sz="4000" spc="-1" strike="noStrike">
+              <a:latin typeface="Arial"/>
+            </a:endParaRPr>
+          </a:p>
+        </p:txBody>
+      </p:sp>
+      <p:sp>
+        <p:nvSpPr>
+          <p:cNvPr id="166" name="CustomShape 2"/>
           <p:cNvSpPr/>
           <p:nvPr/>
         </p:nvSpPr>
         <p:spPr>
           <a:xfrm>
-            <a:off x="5347800" y="3253680"/>
+            <a:off x="5292360" y="3254400"/>
             <a:ext cx="440280" cy="622440"/>
           </a:xfrm>
           <a:prstGeom prst="rect">
@@ -6549,14 +6583,14 @@
       </p:sp>
       <p:sp>
         <p:nvSpPr>
-          <p:cNvPr id="183" name="CustomShape 3"/>
+          <p:cNvPr id="167" name="CustomShape 3"/>
           <p:cNvSpPr/>
           <p:nvPr/>
         </p:nvSpPr>
         <p:spPr>
           <a:xfrm>
-            <a:off x="6598080" y="3176640"/>
-            <a:ext cx="1316520" cy="698400"/>
+            <a:off x="6245280" y="2860560"/>
+            <a:ext cx="1158120" cy="393840"/>
           </a:xfrm>
           <a:prstGeom prst="rect">
             <a:avLst/>
@@ -6575,37 +6609,37 @@
         <p:txBody>
           <a:bodyPr wrap="none" lIns="90000" rIns="90000" tIns="45000" bIns="45000"/>
           <a:p>
-            <a:pPr algn="ctr">
+            <a:pPr>
               <a:lnSpc>
                 <a:spcPct val="100000"/>
               </a:lnSpc>
             </a:pPr>
             <a:r>
-              <a:rPr b="0" lang="en-GB" sz="4000" spc="-1" strike="noStrike">
+              <a:rPr b="0" lang="en-GB" sz="2000" spc="-1" strike="noStrike">
                 <a:solidFill>
                   <a:srgbClr val="000000"/>
                 </a:solidFill>
                 <a:latin typeface="Arial"/>
                 <a:ea typeface="DejaVu Sans"/>
               </a:rPr>
-              <a:t>Train</a:t>
-            </a:r>
-            <a:endParaRPr b="0" lang="en-GB" sz="4000" spc="-1" strike="noStrike">
-              <a:latin typeface="Arial"/>
-            </a:endParaRPr>
-          </a:p>
-        </p:txBody>
-      </p:sp>
-      <p:sp>
-        <p:nvSpPr>
-          <p:cNvPr id="184" name="CustomShape 4"/>
+              <a:t>Français</a:t>
+            </a:r>
+            <a:endParaRPr b="0" lang="en-GB" sz="2000" spc="-1" strike="noStrike">
+              <a:latin typeface="Arial"/>
+            </a:endParaRPr>
+          </a:p>
+        </p:txBody>
+      </p:sp>
+      <p:sp>
+        <p:nvSpPr>
+          <p:cNvPr id="168" name="CustomShape 4"/>
           <p:cNvSpPr/>
           <p:nvPr/>
         </p:nvSpPr>
         <p:spPr>
           <a:xfrm>
-            <a:off x="3587400" y="1259640"/>
-            <a:ext cx="3884400" cy="622440"/>
+            <a:off x="3489120" y="2854080"/>
+            <a:ext cx="1200600" cy="393840"/>
           </a:xfrm>
           <a:prstGeom prst="rect">
             <a:avLst/>
@@ -6624,6 +6658,55 @@
         <p:txBody>
           <a:bodyPr wrap="none" lIns="90000" rIns="90000" tIns="45000" bIns="45000"/>
           <a:p>
+            <a:pPr>
+              <a:lnSpc>
+                <a:spcPct val="100000"/>
+              </a:lnSpc>
+            </a:pPr>
+            <a:r>
+              <a:rPr b="0" lang="en-GB" sz="2000" spc="-1" strike="noStrike">
+                <a:solidFill>
+                  <a:srgbClr val="000000"/>
+                </a:solidFill>
+                <a:latin typeface="Arial"/>
+                <a:ea typeface="DejaVu Sans"/>
+              </a:rPr>
+              <a:t>Hongrois</a:t>
+            </a:r>
+            <a:endParaRPr b="0" lang="en-GB" sz="2000" spc="-1" strike="noStrike">
+              <a:latin typeface="Arial"/>
+            </a:endParaRPr>
+          </a:p>
+        </p:txBody>
+      </p:sp>
+      <p:sp>
+        <p:nvSpPr>
+          <p:cNvPr id="169" name="CustomShape 5"/>
+          <p:cNvSpPr/>
+          <p:nvPr/>
+        </p:nvSpPr>
+        <p:spPr>
+          <a:xfrm>
+            <a:off x="1473840" y="5353560"/>
+            <a:ext cx="7958160" cy="622440"/>
+          </a:xfrm>
+          <a:prstGeom prst="rect">
+            <a:avLst/>
+          </a:prstGeom>
+          <a:noFill/>
+          <a:ln>
+            <a:noFill/>
+          </a:ln>
+        </p:spPr>
+        <p:style>
+          <a:lnRef idx="0"/>
+          <a:fillRef idx="0"/>
+          <a:effectRef idx="0"/>
+          <a:fontRef idx="minor"/>
+        </p:style>
+        <p:txBody>
+          <a:bodyPr wrap="none" lIns="90000" rIns="90000" tIns="45000" bIns="45000"/>
+          <a:p>
             <a:pPr algn="ctr">
               <a:lnSpc>
                 <a:spcPct val="100000"/>
@@ -6637,7 +6720,56 @@
                 <a:latin typeface="Arial"/>
                 <a:ea typeface="DejaVu Sans"/>
               </a:rPr>
-              <a:t>Essaye de retenir !</a:t>
+              <a:t>Appuie sur une touche pour continuer !</a:t>
+            </a:r>
+            <a:endParaRPr b="0" lang="en-GB" sz="3500" spc="-1" strike="noStrike">
+              <a:latin typeface="Arial"/>
+            </a:endParaRPr>
+          </a:p>
+        </p:txBody>
+      </p:sp>
+      <p:sp>
+        <p:nvSpPr>
+          <p:cNvPr id="170" name="CustomShape 6"/>
+          <p:cNvSpPr/>
+          <p:nvPr/>
+        </p:nvSpPr>
+        <p:spPr>
+          <a:xfrm>
+            <a:off x="1545840" y="4273560"/>
+            <a:ext cx="7958160" cy="622440"/>
+          </a:xfrm>
+          <a:prstGeom prst="rect">
+            <a:avLst/>
+          </a:prstGeom>
+          <a:noFill/>
+          <a:ln>
+            <a:noFill/>
+          </a:ln>
+        </p:spPr>
+        <p:style>
+          <a:lnRef idx="0"/>
+          <a:fillRef idx="0"/>
+          <a:effectRef idx="0"/>
+          <a:fontRef idx="minor"/>
+        </p:style>
+        <p:txBody>
+          <a:bodyPr wrap="none" lIns="90000" rIns="90000" tIns="45000" bIns="45000"/>
+          <a:p>
+            <a:pPr>
+              <a:lnSpc>
+                <a:spcPct val="100000"/>
+              </a:lnSpc>
+            </a:pPr>
+            <a:r>
+              <a:rPr b="0" lang="en-GB" sz="3500" spc="-1" strike="noStrike">
+                <a:solidFill>
+                  <a:srgbClr val="000000"/>
+                </a:solidFill>
+                <a:latin typeface="Arial"/>
+                <a:ea typeface="DejaVu Sans"/>
+              </a:rPr>
+              <a:t>Tu as écrit :</a:t>
             </a:r>
             <a:endParaRPr b="0" lang="en-GB" sz="3500" spc="-1" strike="noStrike">
               <a:latin typeface="Arial"/>
@@ -6650,10 +6782,10 @@
   <p:timing>
     <p:tnLst>
       <p:par>
-        <p:cTn id="15" dur="indefinite" restart="never" nodeType="tmRoot">
+        <p:cTn id="17" dur="indefinite" restart="never" nodeType="tmRoot">
           <p:childTnLst>
             <p:seq>
-              <p:cTn id="16" dur="indefinite" nodeType="mainSeq"/>
+              <p:cTn id="18" dur="indefinite" nodeType="mainSeq"/>
               <p:prevCondLst>
                 <p:cond delay="0" evt="onPrev">
                   <p:tgtEl>
@@ -6696,14 +6828,14 @@
       </p:grpSpPr>
       <p:sp>
         <p:nvSpPr>
-          <p:cNvPr id="185" name="CustomShape 1"/>
+          <p:cNvPr id="171" name="CustomShape 1"/>
           <p:cNvSpPr/>
           <p:nvPr/>
         </p:nvSpPr>
         <p:spPr>
           <a:xfrm>
-            <a:off x="3535920" y="206640"/>
-            <a:ext cx="4669200" cy="698400"/>
+            <a:off x="3362400" y="917640"/>
+            <a:ext cx="4811040" cy="545760"/>
           </a:xfrm>
           <a:prstGeom prst="rect">
             <a:avLst/>
@@ -6728,31 +6860,31 @@
               </a:lnSpc>
             </a:pPr>
             <a:r>
-              <a:rPr b="0" lang="en-GB" sz="4000" spc="-1" strike="noStrike">
+              <a:rPr b="0" lang="en-GB" sz="3000" spc="-1" strike="noStrike">
                 <a:solidFill>
                   <a:srgbClr val="000000"/>
                 </a:solidFill>
                 <a:latin typeface="Arial"/>
                 <a:ea typeface="DejaVu Sans"/>
               </a:rPr>
-              <a:t>Bravo ! Tu as réussi</a:t>
-            </a:r>
-            <a:endParaRPr b="0" lang="en-GB" sz="4000" spc="-1" strike="noStrike">
-              <a:latin typeface="Arial"/>
-            </a:endParaRPr>
-          </a:p>
-        </p:txBody>
-      </p:sp>
-      <p:sp>
-        <p:nvSpPr>
-          <p:cNvPr id="186" name="CustomShape 2"/>
+              <a:t>Essaye de traduire ce mot !</a:t>
+            </a:r>
+            <a:endParaRPr b="0" lang="en-GB" sz="3000" spc="-1" strike="noStrike">
+              <a:latin typeface="Arial"/>
+            </a:endParaRPr>
+          </a:p>
+        </p:txBody>
+      </p:sp>
+      <p:sp>
+        <p:nvSpPr>
+          <p:cNvPr id="172" name="CustomShape 2"/>
           <p:cNvSpPr/>
           <p:nvPr/>
         </p:nvSpPr>
         <p:spPr>
           <a:xfrm>
-            <a:off x="3948480" y="1280880"/>
-            <a:ext cx="1153440" cy="545760"/>
+            <a:off x="3621960" y="2237400"/>
+            <a:ext cx="4050720" cy="545760"/>
           </a:xfrm>
           <a:prstGeom prst="rect">
             <a:avLst/>
@@ -6784,24 +6916,44 @@
                 <a:latin typeface="Arial"/>
                 <a:ea typeface="DejaVu Sans"/>
               </a:rPr>
-              <a:t>Vonat</a:t>
+              <a:t>Ecrit le mot en français</a:t>
             </a:r>
             <a:endParaRPr b="0" lang="en-GB" sz="3000" spc="-1" strike="noStrike">
               <a:latin typeface="Arial"/>
             </a:endParaRPr>
           </a:p>
-        </p:txBody>
-      </p:sp>
-      <p:sp>
-        <p:nvSpPr>
-          <p:cNvPr id="187" name="CustomShape 3"/>
+          <a:p>
+            <a:pPr algn="ctr">
+              <a:lnSpc>
+                <a:spcPct val="100000"/>
+              </a:lnSpc>
+            </a:pPr>
+            <a:r>
+              <a:rPr b="0" lang="en-GB" sz="3000" spc="-1" strike="noStrike">
+                <a:solidFill>
+                  <a:srgbClr val="000000"/>
+                </a:solidFill>
+                <a:latin typeface="Arial"/>
+                <a:ea typeface="DejaVu Sans"/>
+              </a:rPr>
+              <a:t> </a:t>
+            </a:r>
+            <a:endParaRPr b="0" lang="en-GB" sz="3000" spc="-1" strike="noStrike">
+              <a:latin typeface="Arial"/>
+            </a:endParaRPr>
+          </a:p>
+        </p:txBody>
+      </p:sp>
+      <p:sp>
+        <p:nvSpPr>
+          <p:cNvPr id="173" name="CustomShape 3"/>
           <p:cNvSpPr/>
           <p:nvPr/>
         </p:nvSpPr>
         <p:spPr>
           <a:xfrm>
-            <a:off x="6606360" y="1280880"/>
-            <a:ext cx="1033200" cy="545760"/>
+            <a:off x="6482520" y="3557520"/>
+            <a:ext cx="391320" cy="545760"/>
           </a:xfrm>
           <a:prstGeom prst="rect">
             <a:avLst/>
@@ -6833,7 +6985,7 @@
                 <a:latin typeface="Arial"/>
                 <a:ea typeface="DejaVu Sans"/>
               </a:rPr>
-              <a:t>Train</a:t>
+              <a:t>?</a:t>
             </a:r>
             <a:endParaRPr b="0" lang="en-GB" sz="3000" spc="-1" strike="noStrike">
               <a:latin typeface="Arial"/>
@@ -6843,13 +6995,13 @@
       </p:sp>
       <p:sp>
         <p:nvSpPr>
-          <p:cNvPr id="188" name="CustomShape 4"/>
+          <p:cNvPr id="174" name="CustomShape 4"/>
           <p:cNvSpPr/>
           <p:nvPr/>
         </p:nvSpPr>
         <p:spPr>
           <a:xfrm>
-            <a:off x="5686200" y="1280880"/>
+            <a:off x="5241600" y="3557520"/>
             <a:ext cx="402120" cy="545760"/>
           </a:xfrm>
           <a:prstGeom prst="rect">
@@ -6890,260 +7042,15 @@
           </a:p>
         </p:txBody>
       </p:sp>
-      <p:sp>
-        <p:nvSpPr>
-          <p:cNvPr id="189" name="CustomShape 5"/>
-          <p:cNvSpPr/>
-          <p:nvPr/>
-        </p:nvSpPr>
-        <p:spPr>
-          <a:xfrm>
-            <a:off x="3446640" y="2112840"/>
-            <a:ext cx="5033520" cy="698400"/>
-          </a:xfrm>
-          <a:prstGeom prst="rect">
-            <a:avLst/>
-          </a:prstGeom>
-          <a:noFill/>
-          <a:ln>
-            <a:noFill/>
-          </a:ln>
-        </p:spPr>
-        <p:style>
-          <a:lnRef idx="0"/>
-          <a:fillRef idx="0"/>
-          <a:effectRef idx="0"/>
-          <a:fontRef idx="minor"/>
-        </p:style>
-        <p:txBody>
-          <a:bodyPr wrap="none" lIns="90000" rIns="90000" tIns="45000" bIns="45000"/>
-          <a:p>
-            <a:pPr algn="ctr">
-              <a:lnSpc>
-                <a:spcPct val="100000"/>
-              </a:lnSpc>
-            </a:pPr>
-            <a:r>
-              <a:rPr b="0" lang="en-GB" sz="4000" spc="-1" strike="noStrike">
-                <a:solidFill>
-                  <a:srgbClr val="000000"/>
-                </a:solidFill>
-                <a:latin typeface="Arial"/>
-                <a:ea typeface="DejaVu Sans"/>
-              </a:rPr>
-              <a:t>Que souhaiterais-tu ?</a:t>
-            </a:r>
-            <a:endParaRPr b="0" lang="en-GB" sz="4000" spc="-1" strike="noStrike">
-              <a:latin typeface="Arial"/>
-            </a:endParaRPr>
-          </a:p>
-        </p:txBody>
-      </p:sp>
-      <p:sp>
-        <p:nvSpPr>
-          <p:cNvPr id="190" name="CustomShape 6"/>
-          <p:cNvSpPr/>
-          <p:nvPr/>
-        </p:nvSpPr>
-        <p:spPr>
-          <a:xfrm>
-            <a:off x="833400" y="3191760"/>
-            <a:ext cx="7371360" cy="545760"/>
-          </a:xfrm>
-          <a:prstGeom prst="rect">
-            <a:avLst/>
-          </a:prstGeom>
-          <a:noFill/>
-          <a:ln>
-            <a:noFill/>
-          </a:ln>
-        </p:spPr>
-        <p:style>
-          <a:lnRef idx="0"/>
-          <a:fillRef idx="0"/>
-          <a:effectRef idx="0"/>
-          <a:fontRef idx="minor"/>
-        </p:style>
-        <p:txBody>
-          <a:bodyPr wrap="none" lIns="90000" rIns="90000" tIns="45000" bIns="45000"/>
-          <a:p>
-            <a:pPr algn="ctr">
-              <a:lnSpc>
-                <a:spcPct val="100000"/>
-              </a:lnSpc>
-            </a:pPr>
-            <a:r>
-              <a:rPr b="0" lang="en-GB" sz="3000" spc="-1" strike="noStrike">
-                <a:solidFill>
-                  <a:srgbClr val="000000"/>
-                </a:solidFill>
-                <a:latin typeface="Arial"/>
-                <a:ea typeface="DejaVu Sans"/>
-              </a:rPr>
-              <a:t>1- Je veux revoir la paire de mots plus tard</a:t>
-            </a:r>
-            <a:endParaRPr b="0" lang="en-GB" sz="3000" spc="-1" strike="noStrike">
-              <a:latin typeface="Arial"/>
-            </a:endParaRPr>
-          </a:p>
-        </p:txBody>
-      </p:sp>
-      <p:sp>
-        <p:nvSpPr>
-          <p:cNvPr id="191" name="CustomShape 7"/>
-          <p:cNvSpPr/>
-          <p:nvPr/>
-        </p:nvSpPr>
-        <p:spPr>
-          <a:xfrm>
-            <a:off x="837360" y="4023720"/>
-            <a:ext cx="7920000" cy="545760"/>
-          </a:xfrm>
-          <a:prstGeom prst="rect">
-            <a:avLst/>
-          </a:prstGeom>
-          <a:noFill/>
-          <a:ln>
-            <a:noFill/>
-          </a:ln>
-        </p:spPr>
-        <p:style>
-          <a:lnRef idx="0"/>
-          <a:fillRef idx="0"/>
-          <a:effectRef idx="0"/>
-          <a:fontRef idx="minor"/>
-        </p:style>
-        <p:txBody>
-          <a:bodyPr wrap="none" lIns="90000" rIns="90000" tIns="45000" bIns="45000"/>
-          <a:p>
-            <a:pPr algn="ctr">
-              <a:lnSpc>
-                <a:spcPct val="100000"/>
-              </a:lnSpc>
-            </a:pPr>
-            <a:r>
-              <a:rPr b="0" lang="en-GB" sz="3000" spc="-1" strike="noStrike">
-                <a:solidFill>
-                  <a:srgbClr val="000000"/>
-                </a:solidFill>
-                <a:latin typeface="Arial"/>
-                <a:ea typeface="DejaVu Sans"/>
-              </a:rPr>
-              <a:t>2- Je veux me re-tester avec la paire plus tard</a:t>
-            </a:r>
-            <a:endParaRPr b="0" lang="en-GB" sz="3000" spc="-1" strike="noStrike">
-              <a:latin typeface="Arial"/>
-            </a:endParaRPr>
-          </a:p>
-        </p:txBody>
-      </p:sp>
-      <p:sp>
-        <p:nvSpPr>
-          <p:cNvPr id="192" name="CustomShape 8"/>
-          <p:cNvSpPr/>
-          <p:nvPr/>
-        </p:nvSpPr>
-        <p:spPr>
-          <a:xfrm>
-            <a:off x="838800" y="4855680"/>
-            <a:ext cx="8258400" cy="545760"/>
-          </a:xfrm>
-          <a:prstGeom prst="rect">
-            <a:avLst/>
-          </a:prstGeom>
-          <a:noFill/>
-          <a:ln>
-            <a:noFill/>
-          </a:ln>
-        </p:spPr>
-        <p:style>
-          <a:lnRef idx="0"/>
-          <a:fillRef idx="0"/>
-          <a:effectRef idx="0"/>
-          <a:fontRef idx="minor"/>
-        </p:style>
-        <p:txBody>
-          <a:bodyPr wrap="none" lIns="90000" rIns="90000" tIns="45000" bIns="45000"/>
-          <a:p>
-            <a:pPr algn="ctr">
-              <a:lnSpc>
-                <a:spcPct val="100000"/>
-              </a:lnSpc>
-            </a:pPr>
-            <a:r>
-              <a:rPr b="0" lang="en-GB" sz="3000" spc="-1" strike="noStrike">
-                <a:solidFill>
-                  <a:srgbClr val="000000"/>
-                </a:solidFill>
-                <a:latin typeface="Arial"/>
-                <a:ea typeface="DejaVu Sans"/>
-              </a:rPr>
-              <a:t>3- Je ne veux pas revoir la paire ni me re-tester </a:t>
-            </a:r>
-            <a:endParaRPr b="0" lang="en-GB" sz="3000" spc="-1" strike="noStrike">
-              <a:latin typeface="Arial"/>
-            </a:endParaRPr>
-          </a:p>
-        </p:txBody>
-      </p:sp>
-      <p:sp>
-        <p:nvSpPr>
-          <p:cNvPr id="193" name="CustomShape 9"/>
-          <p:cNvSpPr/>
-          <p:nvPr/>
-        </p:nvSpPr>
-        <p:spPr>
-          <a:xfrm>
-            <a:off x="3855240" y="5780880"/>
-            <a:ext cx="4472640" cy="545760"/>
-          </a:xfrm>
-          <a:prstGeom prst="rect">
-            <a:avLst/>
-          </a:prstGeom>
-          <a:noFill/>
-          <a:ln>
-            <a:noFill/>
-          </a:ln>
-        </p:spPr>
-        <p:style>
-          <a:lnRef idx="0"/>
-          <a:fillRef idx="0"/>
-          <a:effectRef idx="0"/>
-          <a:fontRef idx="minor"/>
-        </p:style>
-        <p:txBody>
-          <a:bodyPr wrap="none" lIns="90000" rIns="90000" tIns="45000" bIns="45000"/>
-          <a:p>
-            <a:pPr algn="ctr">
-              <a:lnSpc>
-                <a:spcPct val="100000"/>
-              </a:lnSpc>
-            </a:pPr>
-            <a:r>
-              <a:rPr b="0" lang="en-GB" sz="3000" spc="-1" strike="noStrike">
-                <a:solidFill>
-                  <a:srgbClr val="000000"/>
-                </a:solidFill>
-                <a:latin typeface="Arial"/>
-                <a:ea typeface="DejaVu Sans"/>
-              </a:rPr>
-              <a:t>Tape ton choix (1, 2 ou 3)</a:t>
-            </a:r>
-            <a:endParaRPr b="0" lang="en-GB" sz="3000" spc="-1" strike="noStrike">
-              <a:latin typeface="Arial"/>
-            </a:endParaRPr>
-          </a:p>
-        </p:txBody>
-      </p:sp>
     </p:spTree>
   </p:cSld>
   <p:timing>
     <p:tnLst>
       <p:par>
-        <p:cTn id="17" dur="indefinite" restart="never" nodeType="tmRoot">
+        <p:cTn id="19" dur="indefinite" restart="never" nodeType="tmRoot">
           <p:childTnLst>
             <p:seq>
-              <p:cTn id="18" dur="indefinite" nodeType="mainSeq"/>
+              <p:cTn id="20" dur="indefinite" nodeType="mainSeq"/>
               <p:prevCondLst>
                 <p:cond delay="0" evt="onPrev">
                   <p:tgtEl>
@@ -7186,14 +7093,14 @@
       </p:grpSpPr>
       <p:sp>
         <p:nvSpPr>
-          <p:cNvPr id="194" name="CustomShape 1"/>
+          <p:cNvPr id="175" name="CustomShape 1"/>
           <p:cNvSpPr/>
           <p:nvPr/>
         </p:nvSpPr>
         <p:spPr>
           <a:xfrm>
-            <a:off x="3535560" y="206640"/>
-            <a:ext cx="4669200" cy="698400"/>
+            <a:off x="1308240" y="997200"/>
+            <a:ext cx="8940960" cy="1917360"/>
           </a:xfrm>
           <a:prstGeom prst="rect">
             <a:avLst/>
@@ -7225,24 +7132,54 @@
                 <a:latin typeface="Arial"/>
                 <a:ea typeface="DejaVu Sans"/>
               </a:rPr>
-              <a:t>Bravo ! Tu as réussi</a:t>
+              <a:t>Ooups ! </a:t>
             </a:r>
             <a:endParaRPr b="0" lang="en-GB" sz="4000" spc="-1" strike="noStrike">
               <a:latin typeface="Arial"/>
             </a:endParaRPr>
           </a:p>
-        </p:txBody>
-      </p:sp>
-      <p:sp>
-        <p:nvSpPr>
-          <p:cNvPr id="195" name="CustomShape 2"/>
+          <a:p>
+            <a:pPr algn="ctr">
+              <a:lnSpc>
+                <a:spcPct val="100000"/>
+              </a:lnSpc>
+            </a:pPr>
+            <a:endParaRPr b="0" lang="en-GB" sz="4000" spc="-1" strike="noStrike">
+              <a:latin typeface="Arial"/>
+            </a:endParaRPr>
+          </a:p>
+          <a:p>
+            <a:pPr algn="ctr">
+              <a:lnSpc>
+                <a:spcPct val="100000"/>
+              </a:lnSpc>
+            </a:pPr>
+            <a:r>
+              <a:rPr b="0" lang="en-GB" sz="4000" spc="-1" strike="noStrike">
+                <a:solidFill>
+                  <a:srgbClr val="000000"/>
+                </a:solidFill>
+                <a:latin typeface="Arial"/>
+                <a:ea typeface="DejaVu Sans"/>
+              </a:rPr>
+              <a:t>Tu n’as pas écrit le mot correctement...</a:t>
+            </a:r>
+            <a:endParaRPr b="0" lang="en-GB" sz="4000" spc="-1" strike="noStrike">
+              <a:latin typeface="Arial"/>
+            </a:endParaRPr>
+          </a:p>
+        </p:txBody>
+      </p:sp>
+      <p:sp>
+        <p:nvSpPr>
+          <p:cNvPr id="176" name="CustomShape 2"/>
           <p:cNvSpPr/>
           <p:nvPr/>
         </p:nvSpPr>
         <p:spPr>
           <a:xfrm>
-            <a:off x="5685840" y="1280880"/>
-            <a:ext cx="402120" cy="545760"/>
+            <a:off x="5335200" y="3851280"/>
+            <a:ext cx="440280" cy="622440"/>
           </a:xfrm>
           <a:prstGeom prst="rect">
             <a:avLst/>
@@ -7267,7 +7204,7 @@
               </a:lnSpc>
             </a:pPr>
             <a:r>
-              <a:rPr b="0" lang="en-GB" sz="3000" spc="-1" strike="noStrike">
+              <a:rPr b="0" lang="en-GB" sz="3500" spc="-1" strike="noStrike">
                 <a:solidFill>
                   <a:srgbClr val="000000"/>
                 </a:solidFill>
@@ -7276,22 +7213,22 @@
               </a:rPr>
               <a:t>=</a:t>
             </a:r>
-            <a:endParaRPr b="0" lang="en-GB" sz="3000" spc="-1" strike="noStrike">
-              <a:latin typeface="Arial"/>
-            </a:endParaRPr>
-          </a:p>
-        </p:txBody>
-      </p:sp>
-      <p:sp>
-        <p:nvSpPr>
-          <p:cNvPr id="196" name="CustomShape 3"/>
+            <a:endParaRPr b="0" lang="en-GB" sz="3500" spc="-1" strike="noStrike">
+              <a:latin typeface="Arial"/>
+            </a:endParaRPr>
+          </a:p>
+        </p:txBody>
+      </p:sp>
+      <p:sp>
+        <p:nvSpPr>
+          <p:cNvPr id="177" name="CustomShape 3"/>
           <p:cNvSpPr/>
           <p:nvPr/>
         </p:nvSpPr>
         <p:spPr>
           <a:xfrm>
-            <a:off x="3446280" y="2112840"/>
-            <a:ext cx="5033520" cy="698400"/>
+            <a:off x="6288120" y="3429000"/>
+            <a:ext cx="1158120" cy="393840"/>
           </a:xfrm>
           <a:prstGeom prst="rect">
             <a:avLst/>
@@ -7310,37 +7247,37 @@
         <p:txBody>
           <a:bodyPr wrap="none" lIns="90000" rIns="90000" tIns="45000" bIns="45000"/>
           <a:p>
-            <a:pPr algn="ctr">
+            <a:pPr>
               <a:lnSpc>
                 <a:spcPct val="100000"/>
               </a:lnSpc>
             </a:pPr>
             <a:r>
-              <a:rPr b="0" lang="en-GB" sz="4000" spc="-1" strike="noStrike">
+              <a:rPr b="0" lang="en-GB" sz="2000" spc="-1" strike="noStrike">
                 <a:solidFill>
                   <a:srgbClr val="000000"/>
                 </a:solidFill>
                 <a:latin typeface="Arial"/>
                 <a:ea typeface="DejaVu Sans"/>
               </a:rPr>
-              <a:t>Que souhaiterais-tu ?</a:t>
-            </a:r>
-            <a:endParaRPr b="0" lang="en-GB" sz="4000" spc="-1" strike="noStrike">
-              <a:latin typeface="Arial"/>
-            </a:endParaRPr>
-          </a:p>
-        </p:txBody>
-      </p:sp>
-      <p:sp>
-        <p:nvSpPr>
-          <p:cNvPr id="197" name="CustomShape 4"/>
+              <a:t>Français</a:t>
+            </a:r>
+            <a:endParaRPr b="0" lang="en-GB" sz="2000" spc="-1" strike="noStrike">
+              <a:latin typeface="Arial"/>
+            </a:endParaRPr>
+          </a:p>
+        </p:txBody>
+      </p:sp>
+      <p:sp>
+        <p:nvSpPr>
+          <p:cNvPr id="178" name="CustomShape 4"/>
           <p:cNvSpPr/>
           <p:nvPr/>
         </p:nvSpPr>
         <p:spPr>
           <a:xfrm>
-            <a:off x="833040" y="3191760"/>
-            <a:ext cx="7371360" cy="545760"/>
+            <a:off x="3531960" y="3450960"/>
+            <a:ext cx="1200600" cy="393840"/>
           </a:xfrm>
           <a:prstGeom prst="rect">
             <a:avLst/>
@@ -7359,37 +7296,37 @@
         <p:txBody>
           <a:bodyPr wrap="none" lIns="90000" rIns="90000" tIns="45000" bIns="45000"/>
           <a:p>
-            <a:pPr algn="ctr">
+            <a:pPr>
               <a:lnSpc>
                 <a:spcPct val="100000"/>
               </a:lnSpc>
             </a:pPr>
             <a:r>
-              <a:rPr b="0" lang="en-GB" sz="3000" spc="-1" strike="noStrike">
+              <a:rPr b="0" lang="en-GB" sz="2000" spc="-1" strike="noStrike">
                 <a:solidFill>
                   <a:srgbClr val="000000"/>
                 </a:solidFill>
                 <a:latin typeface="Arial"/>
                 <a:ea typeface="DejaVu Sans"/>
               </a:rPr>
-              <a:t>1- Je veux revoir la paire de mots plus tard</a:t>
-            </a:r>
-            <a:endParaRPr b="0" lang="en-GB" sz="3000" spc="-1" strike="noStrike">
-              <a:latin typeface="Arial"/>
-            </a:endParaRPr>
-          </a:p>
-        </p:txBody>
-      </p:sp>
-      <p:sp>
-        <p:nvSpPr>
-          <p:cNvPr id="198" name="CustomShape 5"/>
+              <a:t>Hongrois</a:t>
+            </a:r>
+            <a:endParaRPr b="0" lang="en-GB" sz="2000" spc="-1" strike="noStrike">
+              <a:latin typeface="Arial"/>
+            </a:endParaRPr>
+          </a:p>
+        </p:txBody>
+      </p:sp>
+      <p:sp>
+        <p:nvSpPr>
+          <p:cNvPr id="179" name="CustomShape 5"/>
           <p:cNvSpPr/>
           <p:nvPr/>
         </p:nvSpPr>
         <p:spPr>
           <a:xfrm>
-            <a:off x="837000" y="4023720"/>
-            <a:ext cx="7920000" cy="545760"/>
+            <a:off x="1576440" y="5229720"/>
+            <a:ext cx="7958160" cy="622440"/>
           </a:xfrm>
           <a:prstGeom prst="rect">
             <a:avLst/>
@@ -7414,114 +7351,16 @@
               </a:lnSpc>
             </a:pPr>
             <a:r>
-              <a:rPr b="0" lang="en-GB" sz="3000" spc="-1" strike="noStrike">
+              <a:rPr b="0" lang="en-GB" sz="3500" spc="-1" strike="noStrike">
                 <a:solidFill>
                   <a:srgbClr val="000000"/>
                 </a:solidFill>
                 <a:latin typeface="Arial"/>
                 <a:ea typeface="DejaVu Sans"/>
               </a:rPr>
-              <a:t>2- Je veux me re-tester avec la paire plus tard</a:t>
-            </a:r>
-            <a:endParaRPr b="0" lang="en-GB" sz="3000" spc="-1" strike="noStrike">
-              <a:latin typeface="Arial"/>
-            </a:endParaRPr>
-          </a:p>
-        </p:txBody>
-      </p:sp>
-      <p:sp>
-        <p:nvSpPr>
-          <p:cNvPr id="199" name="CustomShape 6"/>
-          <p:cNvSpPr/>
-          <p:nvPr/>
-        </p:nvSpPr>
-        <p:spPr>
-          <a:xfrm>
-            <a:off x="838440" y="4855680"/>
-            <a:ext cx="8258400" cy="545760"/>
-          </a:xfrm>
-          <a:prstGeom prst="rect">
-            <a:avLst/>
-          </a:prstGeom>
-          <a:noFill/>
-          <a:ln>
-            <a:noFill/>
-          </a:ln>
-        </p:spPr>
-        <p:style>
-          <a:lnRef idx="0"/>
-          <a:fillRef idx="0"/>
-          <a:effectRef idx="0"/>
-          <a:fontRef idx="minor"/>
-        </p:style>
-        <p:txBody>
-          <a:bodyPr wrap="none" lIns="90000" rIns="90000" tIns="45000" bIns="45000"/>
-          <a:p>
-            <a:pPr algn="ctr">
-              <a:lnSpc>
-                <a:spcPct val="100000"/>
-              </a:lnSpc>
-            </a:pPr>
-            <a:r>
-              <a:rPr b="0" lang="en-GB" sz="3000" spc="-1" strike="noStrike">
-                <a:solidFill>
-                  <a:srgbClr val="000000"/>
-                </a:solidFill>
-                <a:latin typeface="Arial"/>
-                <a:ea typeface="DejaVu Sans"/>
-              </a:rPr>
-              <a:t>3- Je ne veux pas revoir la paire ni me re-tester </a:t>
-            </a:r>
-            <a:endParaRPr b="0" lang="en-GB" sz="3000" spc="-1" strike="noStrike">
-              <a:latin typeface="Arial"/>
-            </a:endParaRPr>
-          </a:p>
-        </p:txBody>
-      </p:sp>
-      <p:sp>
-        <p:nvSpPr>
-          <p:cNvPr id="200" name="CustomShape 7"/>
-          <p:cNvSpPr/>
-          <p:nvPr/>
-        </p:nvSpPr>
-        <p:spPr>
-          <a:xfrm>
-            <a:off x="3854880" y="5780880"/>
-            <a:ext cx="4472640" cy="545760"/>
-          </a:xfrm>
-          <a:prstGeom prst="rect">
-            <a:avLst/>
-          </a:prstGeom>
-          <a:noFill/>
-          <a:ln>
-            <a:noFill/>
-          </a:ln>
-        </p:spPr>
-        <p:style>
-          <a:lnRef idx="0"/>
-          <a:fillRef idx="0"/>
-          <a:effectRef idx="0"/>
-          <a:fontRef idx="minor"/>
-        </p:style>
-        <p:txBody>
-          <a:bodyPr wrap="none" lIns="90000" rIns="90000" tIns="45000" bIns="45000"/>
-          <a:p>
-            <a:pPr algn="ctr">
-              <a:lnSpc>
-                <a:spcPct val="100000"/>
-              </a:lnSpc>
-            </a:pPr>
-            <a:r>
-              <a:rPr b="0" lang="en-GB" sz="3000" spc="-1" strike="noStrike">
-                <a:solidFill>
-                  <a:srgbClr val="000000"/>
-                </a:solidFill>
-                <a:latin typeface="Arial"/>
-                <a:ea typeface="DejaVu Sans"/>
-              </a:rPr>
-              <a:t>Tape ton choix (1, 2 ou 3)</a:t>
-            </a:r>
-            <a:endParaRPr b="0" lang="en-GB" sz="3000" spc="-1" strike="noStrike">
+              <a:t>Appuie sur une touche pour continuer !</a:t>
+            </a:r>
+            <a:endParaRPr b="0" lang="en-GB" sz="3500" spc="-1" strike="noStrike">
               <a:latin typeface="Arial"/>
             </a:endParaRPr>
           </a:p>
@@ -7551,14 +7390,14 @@
       </p:grpSpPr>
       <p:sp>
         <p:nvSpPr>
-          <p:cNvPr id="201" name="CustomShape 1"/>
+          <p:cNvPr id="180" name="CustomShape 1"/>
           <p:cNvSpPr/>
           <p:nvPr/>
         </p:nvSpPr>
         <p:spPr>
           <a:xfrm>
-            <a:off x="3535560" y="206640"/>
-            <a:ext cx="4669200" cy="698400"/>
+            <a:off x="544680" y="573120"/>
+            <a:ext cx="10738080" cy="698400"/>
           </a:xfrm>
           <a:prstGeom prst="rect">
             <a:avLst/>
@@ -7590,7 +7429,7 @@
                 <a:latin typeface="Arial"/>
                 <a:ea typeface="DejaVu Sans"/>
               </a:rPr>
-              <a:t>Bravo ! Tu as réussi</a:t>
+              <a:t>On va te présenter 15 paires de mots à la suite</a:t>
             </a:r>
             <a:endParaRPr b="0" lang="en-GB" sz="4000" spc="-1" strike="noStrike">
               <a:latin typeface="Arial"/>
@@ -7600,14 +7439,14 @@
       </p:sp>
       <p:sp>
         <p:nvSpPr>
-          <p:cNvPr id="202" name="CustomShape 2"/>
+          <p:cNvPr id="181" name="CustomShape 2"/>
           <p:cNvSpPr/>
           <p:nvPr/>
         </p:nvSpPr>
         <p:spPr>
           <a:xfrm>
-            <a:off x="5685840" y="1280880"/>
-            <a:ext cx="402120" cy="545760"/>
+            <a:off x="1671840" y="5653800"/>
+            <a:ext cx="8328600" cy="622440"/>
           </a:xfrm>
           <a:prstGeom prst="rect">
             <a:avLst/>
@@ -7632,31 +7471,31 @@
               </a:lnSpc>
             </a:pPr>
             <a:r>
-              <a:rPr b="0" lang="en-GB" sz="3000" spc="-1" strike="noStrike">
+              <a:rPr b="0" lang="en-GB" sz="3500" spc="-1" strike="noStrike">
                 <a:solidFill>
                   <a:srgbClr val="000000"/>
                 </a:solidFill>
                 <a:latin typeface="Arial"/>
                 <a:ea typeface="DejaVu Sans"/>
               </a:rPr>
-              <a:t>=</a:t>
-            </a:r>
-            <a:endParaRPr b="0" lang="en-GB" sz="3000" spc="-1" strike="noStrike">
-              <a:latin typeface="Arial"/>
-            </a:endParaRPr>
-          </a:p>
-        </p:txBody>
-      </p:sp>
-      <p:sp>
-        <p:nvSpPr>
-          <p:cNvPr id="203" name="CustomShape 3"/>
+              <a:t>Appuie sur une touche pour commencer !</a:t>
+            </a:r>
+            <a:endParaRPr b="0" lang="en-GB" sz="3500" spc="-1" strike="noStrike">
+              <a:latin typeface="Arial"/>
+            </a:endParaRPr>
+          </a:p>
+        </p:txBody>
+      </p:sp>
+      <p:sp>
+        <p:nvSpPr>
+          <p:cNvPr id="182" name="CustomShape 3"/>
           <p:cNvSpPr/>
           <p:nvPr/>
         </p:nvSpPr>
         <p:spPr>
           <a:xfrm>
-            <a:off x="3446280" y="2112840"/>
-            <a:ext cx="5033520" cy="698400"/>
+            <a:off x="1020240" y="1758600"/>
+            <a:ext cx="9786960" cy="622440"/>
           </a:xfrm>
           <a:prstGeom prst="rect">
             <a:avLst/>
@@ -7681,31 +7520,31 @@
               </a:lnSpc>
             </a:pPr>
             <a:r>
-              <a:rPr b="0" lang="en-GB" sz="4000" spc="-1" strike="noStrike">
+              <a:rPr b="0" lang="en-GB" sz="3500" spc="-1" strike="noStrike">
                 <a:solidFill>
                   <a:srgbClr val="000000"/>
                 </a:solidFill>
                 <a:latin typeface="Arial"/>
                 <a:ea typeface="DejaVu Sans"/>
               </a:rPr>
-              <a:t>Que souhaiterais-tu ?</a:t>
-            </a:r>
-            <a:endParaRPr b="0" lang="en-GB" sz="4000" spc="-1" strike="noStrike">
-              <a:latin typeface="Arial"/>
-            </a:endParaRPr>
-          </a:p>
-        </p:txBody>
-      </p:sp>
-      <p:sp>
-        <p:nvSpPr>
-          <p:cNvPr id="204" name="CustomShape 4"/>
+              <a:t>Essaye de retenir la traduction de tous les mots !</a:t>
+            </a:r>
+            <a:endParaRPr b="0" lang="en-GB" sz="3500" spc="-1" strike="noStrike">
+              <a:latin typeface="Arial"/>
+            </a:endParaRPr>
+          </a:p>
+        </p:txBody>
+      </p:sp>
+      <p:sp>
+        <p:nvSpPr>
+          <p:cNvPr id="183" name="CustomShape 4"/>
           <p:cNvSpPr/>
           <p:nvPr/>
         </p:nvSpPr>
         <p:spPr>
           <a:xfrm>
-            <a:off x="833040" y="3191760"/>
-            <a:ext cx="7371360" cy="545760"/>
+            <a:off x="1449720" y="3183120"/>
+            <a:ext cx="8773560" cy="1155960"/>
           </a:xfrm>
           <a:prstGeom prst="rect">
             <a:avLst/>
@@ -7730,48 +7569,19 @@
               </a:lnSpc>
             </a:pPr>
             <a:r>
-              <a:rPr b="0" lang="en-GB" sz="3000" spc="-1" strike="noStrike">
+              <a:rPr b="0" lang="en-GB" sz="3500" spc="-1" strike="noStrike">
                 <a:solidFill>
                   <a:srgbClr val="000000"/>
                 </a:solidFill>
                 <a:latin typeface="Arial"/>
                 <a:ea typeface="DejaVu Sans"/>
               </a:rPr>
-              <a:t>1- Je veux revoir la paire de mots plus tard</a:t>
-            </a:r>
-            <a:endParaRPr b="0" lang="en-GB" sz="3000" spc="-1" strike="noStrike">
-              <a:latin typeface="Arial"/>
-            </a:endParaRPr>
-          </a:p>
-        </p:txBody>
-      </p:sp>
-      <p:sp>
-        <p:nvSpPr>
-          <p:cNvPr id="205" name="CustomShape 5"/>
-          <p:cNvSpPr/>
-          <p:nvPr/>
-        </p:nvSpPr>
-        <p:spPr>
-          <a:xfrm>
-            <a:off x="837000" y="4023720"/>
-            <a:ext cx="7920000" cy="545760"/>
-          </a:xfrm>
-          <a:prstGeom prst="rect">
-            <a:avLst/>
-          </a:prstGeom>
-          <a:noFill/>
-          <a:ln>
-            <a:noFill/>
-          </a:ln>
-        </p:spPr>
-        <p:style>
-          <a:lnRef idx="0"/>
-          <a:fillRef idx="0"/>
-          <a:effectRef idx="0"/>
-          <a:fontRef idx="minor"/>
-        </p:style>
-        <p:txBody>
-          <a:bodyPr wrap="none" lIns="90000" rIns="90000" tIns="45000" bIns="45000"/>
+              <a:t>Plus tard, on te donnera le mot Hongrois et </a:t>
+            </a:r>
+            <a:endParaRPr b="0" lang="en-GB" sz="3500" spc="-1" strike="noStrike">
+              <a:latin typeface="Arial"/>
+            </a:endParaRPr>
+          </a:p>
           <a:p>
             <a:pPr algn="ctr">
               <a:lnSpc>
@@ -7779,114 +7589,16 @@
               </a:lnSpc>
             </a:pPr>
             <a:r>
-              <a:rPr b="0" lang="en-GB" sz="3000" spc="-1" strike="noStrike">
+              <a:rPr b="0" lang="en-GB" sz="3500" spc="-1" strike="noStrike">
                 <a:solidFill>
                   <a:srgbClr val="000000"/>
                 </a:solidFill>
                 <a:latin typeface="Arial"/>
                 <a:ea typeface="DejaVu Sans"/>
               </a:rPr>
-              <a:t>2- Je veux me re-tester avec la paire plus tard</a:t>
-            </a:r>
-            <a:endParaRPr b="0" lang="en-GB" sz="3000" spc="-1" strike="noStrike">
-              <a:latin typeface="Arial"/>
-            </a:endParaRPr>
-          </a:p>
-        </p:txBody>
-      </p:sp>
-      <p:sp>
-        <p:nvSpPr>
-          <p:cNvPr id="206" name="CustomShape 6"/>
-          <p:cNvSpPr/>
-          <p:nvPr/>
-        </p:nvSpPr>
-        <p:spPr>
-          <a:xfrm>
-            <a:off x="838440" y="4855680"/>
-            <a:ext cx="8258400" cy="545760"/>
-          </a:xfrm>
-          <a:prstGeom prst="rect">
-            <a:avLst/>
-          </a:prstGeom>
-          <a:noFill/>
-          <a:ln>
-            <a:noFill/>
-          </a:ln>
-        </p:spPr>
-        <p:style>
-          <a:lnRef idx="0"/>
-          <a:fillRef idx="0"/>
-          <a:effectRef idx="0"/>
-          <a:fontRef idx="minor"/>
-        </p:style>
-        <p:txBody>
-          <a:bodyPr wrap="none" lIns="90000" rIns="90000" tIns="45000" bIns="45000"/>
-          <a:p>
-            <a:pPr algn="ctr">
-              <a:lnSpc>
-                <a:spcPct val="100000"/>
-              </a:lnSpc>
-            </a:pPr>
-            <a:r>
-              <a:rPr b="0" lang="en-GB" sz="3000" spc="-1" strike="noStrike">
-                <a:solidFill>
-                  <a:srgbClr val="000000"/>
-                </a:solidFill>
-                <a:latin typeface="Arial"/>
-                <a:ea typeface="DejaVu Sans"/>
-              </a:rPr>
-              <a:t>3- Je ne veux pas revoir la paire ni me re-tester </a:t>
-            </a:r>
-            <a:endParaRPr b="0" lang="en-GB" sz="3000" spc="-1" strike="noStrike">
-              <a:latin typeface="Arial"/>
-            </a:endParaRPr>
-          </a:p>
-        </p:txBody>
-      </p:sp>
-      <p:sp>
-        <p:nvSpPr>
-          <p:cNvPr id="207" name="CustomShape 7"/>
-          <p:cNvSpPr/>
-          <p:nvPr/>
-        </p:nvSpPr>
-        <p:spPr>
-          <a:xfrm>
-            <a:off x="3854880" y="5780880"/>
-            <a:ext cx="4472640" cy="545760"/>
-          </a:xfrm>
-          <a:prstGeom prst="rect">
-            <a:avLst/>
-          </a:prstGeom>
-          <a:noFill/>
-          <a:ln>
-            <a:noFill/>
-          </a:ln>
-        </p:spPr>
-        <p:style>
-          <a:lnRef idx="0"/>
-          <a:fillRef idx="0"/>
-          <a:effectRef idx="0"/>
-          <a:fontRef idx="minor"/>
-        </p:style>
-        <p:txBody>
-          <a:bodyPr wrap="none" lIns="90000" rIns="90000" tIns="45000" bIns="45000"/>
-          <a:p>
-            <a:pPr algn="ctr">
-              <a:lnSpc>
-                <a:spcPct val="100000"/>
-              </a:lnSpc>
-            </a:pPr>
-            <a:r>
-              <a:rPr b="0" lang="en-GB" sz="3000" spc="-1" strike="noStrike">
-                <a:solidFill>
-                  <a:srgbClr val="000000"/>
-                </a:solidFill>
-                <a:latin typeface="Arial"/>
-                <a:ea typeface="DejaVu Sans"/>
-              </a:rPr>
-              <a:t>Tape ton choix (1, 2 ou 3)</a:t>
-            </a:r>
-            <a:endParaRPr b="0" lang="en-GB" sz="3000" spc="-1" strike="noStrike">
+              <a:t>tu devras écrire la traduction en français</a:t>
+            </a:r>
+            <a:endParaRPr b="0" lang="en-GB" sz="3500" spc="-1" strike="noStrike">
               <a:latin typeface="Arial"/>
             </a:endParaRPr>
           </a:p>
@@ -7916,14 +7628,14 @@
       </p:grpSpPr>
       <p:sp>
         <p:nvSpPr>
-          <p:cNvPr id="208" name="CustomShape 1"/>
+          <p:cNvPr id="184" name="CustomShape 1"/>
           <p:cNvSpPr/>
           <p:nvPr/>
         </p:nvSpPr>
         <p:spPr>
           <a:xfrm>
-            <a:off x="838080" y="365040"/>
-            <a:ext cx="10513800" cy="1323720"/>
+            <a:off x="544680" y="573120"/>
+            <a:ext cx="10738080" cy="698400"/>
           </a:xfrm>
           <a:prstGeom prst="rect">
             <a:avLst/>
@@ -7939,17 +7651,40 @@
           <a:effectRef idx="0"/>
           <a:fontRef idx="minor"/>
         </p:style>
-      </p:sp>
-      <p:sp>
-        <p:nvSpPr>
-          <p:cNvPr id="209" name="CustomShape 2"/>
+        <p:txBody>
+          <a:bodyPr wrap="none" lIns="90000" rIns="90000" tIns="45000" bIns="45000"/>
+          <a:p>
+            <a:pPr algn="ctr">
+              <a:lnSpc>
+                <a:spcPct val="100000"/>
+              </a:lnSpc>
+            </a:pPr>
+            <a:r>
+              <a:rPr b="0" lang="en-GB" sz="4000" spc="-1" strike="noStrike">
+                <a:solidFill>
+                  <a:srgbClr val="000000"/>
+                </a:solidFill>
+                <a:latin typeface="Arial"/>
+                <a:ea typeface="DejaVu Sans"/>
+              </a:rPr>
+              <a:t>On va te présenter 40 paires de mots à la suite</a:t>
+            </a:r>
+            <a:endParaRPr b="0" lang="en-GB" sz="4000" spc="-1" strike="noStrike">
+              <a:latin typeface="Arial"/>
+            </a:endParaRPr>
+          </a:p>
+        </p:txBody>
+      </p:sp>
+      <p:sp>
+        <p:nvSpPr>
+          <p:cNvPr id="185" name="CustomShape 2"/>
           <p:cNvSpPr/>
           <p:nvPr/>
         </p:nvSpPr>
         <p:spPr>
           <a:xfrm>
-            <a:off x="838080" y="1825560"/>
-            <a:ext cx="3384360" cy="2073600"/>
+            <a:off x="1671840" y="5653800"/>
+            <a:ext cx="8328600" cy="622440"/>
           </a:xfrm>
           <a:prstGeom prst="rect">
             <a:avLst/>
@@ -7965,17 +7700,40 @@
           <a:effectRef idx="0"/>
           <a:fontRef idx="minor"/>
         </p:style>
-      </p:sp>
-      <p:sp>
-        <p:nvSpPr>
-          <p:cNvPr id="210" name="CustomShape 3"/>
+        <p:txBody>
+          <a:bodyPr wrap="none" lIns="90000" rIns="90000" tIns="45000" bIns="45000"/>
+          <a:p>
+            <a:pPr algn="ctr">
+              <a:lnSpc>
+                <a:spcPct val="100000"/>
+              </a:lnSpc>
+            </a:pPr>
+            <a:r>
+              <a:rPr b="0" lang="en-GB" sz="3500" spc="-1" strike="noStrike">
+                <a:solidFill>
+                  <a:srgbClr val="000000"/>
+                </a:solidFill>
+                <a:latin typeface="Arial"/>
+                <a:ea typeface="DejaVu Sans"/>
+              </a:rPr>
+              <a:t>Appuie sur une touche pour commencer !</a:t>
+            </a:r>
+            <a:endParaRPr b="0" lang="en-GB" sz="3500" spc="-1" strike="noStrike">
+              <a:latin typeface="Arial"/>
+            </a:endParaRPr>
+          </a:p>
+        </p:txBody>
+      </p:sp>
+      <p:sp>
+        <p:nvSpPr>
+          <p:cNvPr id="186" name="CustomShape 3"/>
           <p:cNvSpPr/>
           <p:nvPr/>
         </p:nvSpPr>
         <p:spPr>
           <a:xfrm>
-            <a:off x="4393440" y="1825560"/>
-            <a:ext cx="3384360" cy="2073600"/>
+            <a:off x="1020240" y="1758600"/>
+            <a:ext cx="9786960" cy="622440"/>
           </a:xfrm>
           <a:prstGeom prst="rect">
             <a:avLst/>
@@ -7991,17 +7749,40 @@
           <a:effectRef idx="0"/>
           <a:fontRef idx="minor"/>
         </p:style>
-      </p:sp>
-      <p:sp>
-        <p:nvSpPr>
-          <p:cNvPr id="211" name="CustomShape 4"/>
+        <p:txBody>
+          <a:bodyPr wrap="none" lIns="90000" rIns="90000" tIns="45000" bIns="45000"/>
+          <a:p>
+            <a:pPr algn="ctr">
+              <a:lnSpc>
+                <a:spcPct val="100000"/>
+              </a:lnSpc>
+            </a:pPr>
+            <a:r>
+              <a:rPr b="0" lang="en-GB" sz="3500" spc="-1" strike="noStrike">
+                <a:solidFill>
+                  <a:srgbClr val="000000"/>
+                </a:solidFill>
+                <a:latin typeface="Arial"/>
+                <a:ea typeface="DejaVu Sans"/>
+              </a:rPr>
+              <a:t>Essaye de retenir la traduction de tous les mots !</a:t>
+            </a:r>
+            <a:endParaRPr b="0" lang="en-GB" sz="3500" spc="-1" strike="noStrike">
+              <a:latin typeface="Arial"/>
+            </a:endParaRPr>
+          </a:p>
+        </p:txBody>
+      </p:sp>
+      <p:sp>
+        <p:nvSpPr>
+          <p:cNvPr id="187" name="CustomShape 4"/>
           <p:cNvSpPr/>
           <p:nvPr/>
         </p:nvSpPr>
         <p:spPr>
           <a:xfrm>
-            <a:off x="7949160" y="1825560"/>
-            <a:ext cx="3384360" cy="2073600"/>
+            <a:off x="1449720" y="3183120"/>
+            <a:ext cx="8773560" cy="1155960"/>
           </a:xfrm>
           <a:prstGeom prst="rect">
             <a:avLst/>
@@ -8017,17 +7798,82 @@
           <a:effectRef idx="0"/>
           <a:fontRef idx="minor"/>
         </p:style>
-      </p:sp>
-      <p:sp>
-        <p:nvSpPr>
-          <p:cNvPr id="212" name="CustomShape 5"/>
+        <p:txBody>
+          <a:bodyPr wrap="none" lIns="90000" rIns="90000" tIns="45000" bIns="45000"/>
+          <a:p>
+            <a:pPr algn="ctr">
+              <a:lnSpc>
+                <a:spcPct val="100000"/>
+              </a:lnSpc>
+            </a:pPr>
+            <a:r>
+              <a:rPr b="0" lang="en-GB" sz="3500" spc="-1" strike="noStrike">
+                <a:solidFill>
+                  <a:srgbClr val="000000"/>
+                </a:solidFill>
+                <a:latin typeface="Arial"/>
+                <a:ea typeface="DejaVu Sans"/>
+              </a:rPr>
+              <a:t>Plus tard, on te donnera le mot Hongrois et </a:t>
+            </a:r>
+            <a:endParaRPr b="0" lang="en-GB" sz="3500" spc="-1" strike="noStrike">
+              <a:latin typeface="Arial"/>
+            </a:endParaRPr>
+          </a:p>
+          <a:p>
+            <a:pPr algn="ctr">
+              <a:lnSpc>
+                <a:spcPct val="100000"/>
+              </a:lnSpc>
+            </a:pPr>
+            <a:r>
+              <a:rPr b="0" lang="en-GB" sz="3500" spc="-1" strike="noStrike">
+                <a:solidFill>
+                  <a:srgbClr val="000000"/>
+                </a:solidFill>
+                <a:latin typeface="Arial"/>
+                <a:ea typeface="DejaVu Sans"/>
+              </a:rPr>
+              <a:t>tu devras écrire la traduction en français</a:t>
+            </a:r>
+            <a:endParaRPr b="0" lang="en-GB" sz="3500" spc="-1" strike="noStrike">
+              <a:latin typeface="Arial"/>
+            </a:endParaRPr>
+          </a:p>
+        </p:txBody>
+      </p:sp>
+    </p:spTree>
+  </p:cSld>
+</p:sld>
+</file>
+
+<file path=ppt/slides/slide19.xml><?xml version="1.0" encoding="utf-8"?>
+<p:sld xmlns:a="http://schemas.openxmlformats.org/drawingml/2006/main" xmlns:p="http://schemas.openxmlformats.org/presentationml/2006/main" xmlns:r="http://schemas.openxmlformats.org/officeDocument/2006/relationships" xmlns:p14="http://schemas.microsoft.com/office/powerpoint/2010/main" xmlns:p15="http://schemas.microsoft.com/office/powerpoint/2012/main" xmlns:mc="http://schemas.openxmlformats.org/markup-compatibility/2006">
+  <p:cSld>
+    <p:spTree>
+      <p:nvGrpSpPr>
+        <p:cNvPr id="1" name=""/>
+        <p:cNvGrpSpPr/>
+        <p:nvPr/>
+      </p:nvGrpSpPr>
+      <p:grpSpPr>
+        <a:xfrm>
+          <a:off x="0" y="0"/>
+          <a:ext cx="0" cy="0"/>
+          <a:chOff x="0" y="0"/>
+          <a:chExt cx="0" cy="0"/>
+        </a:xfrm>
+      </p:grpSpPr>
+      <p:sp>
+        <p:nvSpPr>
+          <p:cNvPr id="188" name="CustomShape 1"/>
           <p:cNvSpPr/>
           <p:nvPr/>
         </p:nvSpPr>
         <p:spPr>
           <a:xfrm>
-            <a:off x="838080" y="4098240"/>
-            <a:ext cx="3384360" cy="2073600"/>
+            <a:off x="2952000" y="3176640"/>
+            <a:ext cx="1478160" cy="698400"/>
           </a:xfrm>
           <a:prstGeom prst="rect">
             <a:avLst/>
@@ -8043,17 +7889,40 @@
           <a:effectRef idx="0"/>
           <a:fontRef idx="minor"/>
         </p:style>
-      </p:sp>
-      <p:sp>
-        <p:nvSpPr>
-          <p:cNvPr id="213" name="CustomShape 6"/>
+        <p:txBody>
+          <a:bodyPr wrap="none" lIns="90000" rIns="90000" tIns="45000" bIns="45000"/>
+          <a:p>
+            <a:pPr algn="ctr">
+              <a:lnSpc>
+                <a:spcPct val="100000"/>
+              </a:lnSpc>
+            </a:pPr>
+            <a:r>
+              <a:rPr b="0" lang="en-GB" sz="4000" spc="-1" strike="noStrike">
+                <a:solidFill>
+                  <a:srgbClr val="000000"/>
+                </a:solidFill>
+                <a:latin typeface="Arial"/>
+                <a:ea typeface="DejaVu Sans"/>
+              </a:rPr>
+              <a:t>Vonat</a:t>
+            </a:r>
+            <a:endParaRPr b="0" lang="en-GB" sz="4000" spc="-1" strike="noStrike">
+              <a:latin typeface="Arial"/>
+            </a:endParaRPr>
+          </a:p>
+        </p:txBody>
+      </p:sp>
+      <p:sp>
+        <p:nvSpPr>
+          <p:cNvPr id="189" name="CustomShape 2"/>
           <p:cNvSpPr/>
           <p:nvPr/>
         </p:nvSpPr>
         <p:spPr>
           <a:xfrm>
-            <a:off x="4393440" y="4098240"/>
-            <a:ext cx="3384360" cy="2073600"/>
+            <a:off x="5347800" y="3253680"/>
+            <a:ext cx="440280" cy="622440"/>
           </a:xfrm>
           <a:prstGeom prst="rect">
             <a:avLst/>
@@ -8069,17 +7938,40 @@
           <a:effectRef idx="0"/>
           <a:fontRef idx="minor"/>
         </p:style>
-      </p:sp>
-      <p:sp>
-        <p:nvSpPr>
-          <p:cNvPr id="214" name="CustomShape 7"/>
+        <p:txBody>
+          <a:bodyPr wrap="none" lIns="90000" rIns="90000" tIns="45000" bIns="45000"/>
+          <a:p>
+            <a:pPr algn="ctr">
+              <a:lnSpc>
+                <a:spcPct val="100000"/>
+              </a:lnSpc>
+            </a:pPr>
+            <a:r>
+              <a:rPr b="0" lang="en-GB" sz="3500" spc="-1" strike="noStrike">
+                <a:solidFill>
+                  <a:srgbClr val="000000"/>
+                </a:solidFill>
+                <a:latin typeface="Arial"/>
+                <a:ea typeface="DejaVu Sans"/>
+              </a:rPr>
+              <a:t>=</a:t>
+            </a:r>
+            <a:endParaRPr b="0" lang="en-GB" sz="3500" spc="-1" strike="noStrike">
+              <a:latin typeface="Arial"/>
+            </a:endParaRPr>
+          </a:p>
+        </p:txBody>
+      </p:sp>
+      <p:sp>
+        <p:nvSpPr>
+          <p:cNvPr id="190" name="CustomShape 3"/>
           <p:cNvSpPr/>
           <p:nvPr/>
         </p:nvSpPr>
         <p:spPr>
           <a:xfrm>
-            <a:off x="7949160" y="4098240"/>
-            <a:ext cx="3384360" cy="2073600"/>
+            <a:off x="6598080" y="3176640"/>
+            <a:ext cx="1316520" cy="698400"/>
           </a:xfrm>
           <a:prstGeom prst="rect">
             <a:avLst/>
@@ -8095,40 +7987,40 @@
           <a:effectRef idx="0"/>
           <a:fontRef idx="minor"/>
         </p:style>
-      </p:sp>
-      <p:pic>
-        <p:nvPicPr>
-          <p:cNvPr id="215" name="" descr=""/>
-          <p:cNvPicPr/>
-          <p:nvPr/>
-        </p:nvPicPr>
-        <p:blipFill>
-          <a:blip r:embed="rId1"/>
-          <a:stretch/>
-        </p:blipFill>
-        <p:spPr>
-          <a:xfrm>
-            <a:off x="4176000" y="2376000"/>
-            <a:ext cx="3403440" cy="4164120"/>
-          </a:xfrm>
-          <a:prstGeom prst="rect">
-            <a:avLst/>
-          </a:prstGeom>
-          <a:ln>
-            <a:noFill/>
-          </a:ln>
-        </p:spPr>
-      </p:pic>
-      <p:sp>
-        <p:nvSpPr>
-          <p:cNvPr id="216" name="CustomShape 8"/>
+        <p:txBody>
+          <a:bodyPr wrap="none" lIns="90000" rIns="90000" tIns="45000" bIns="45000"/>
+          <a:p>
+            <a:pPr algn="ctr">
+              <a:lnSpc>
+                <a:spcPct val="100000"/>
+              </a:lnSpc>
+            </a:pPr>
+            <a:r>
+              <a:rPr b="0" lang="en-GB" sz="4000" spc="-1" strike="noStrike">
+                <a:solidFill>
+                  <a:srgbClr val="000000"/>
+                </a:solidFill>
+                <a:latin typeface="Arial"/>
+                <a:ea typeface="DejaVu Sans"/>
+              </a:rPr>
+              <a:t>Train</a:t>
+            </a:r>
+            <a:endParaRPr b="0" lang="en-GB" sz="4000" spc="-1" strike="noStrike">
+              <a:latin typeface="Arial"/>
+            </a:endParaRPr>
+          </a:p>
+        </p:txBody>
+      </p:sp>
+      <p:sp>
+        <p:nvSpPr>
+          <p:cNvPr id="191" name="CustomShape 4"/>
           <p:cNvSpPr/>
           <p:nvPr/>
         </p:nvSpPr>
         <p:spPr>
           <a:xfrm>
-            <a:off x="3535920" y="206640"/>
-            <a:ext cx="4669200" cy="698400"/>
+            <a:off x="3587400" y="1259640"/>
+            <a:ext cx="3884400" cy="622440"/>
           </a:xfrm>
           <a:prstGeom prst="rect">
             <a:avLst/>
@@ -8153,46 +8045,16 @@
               </a:lnSpc>
             </a:pPr>
             <a:r>
-              <a:rPr b="0" lang="en-GB" sz="4000" spc="-1" strike="noStrike">
+              <a:rPr b="0" lang="en-GB" sz="3500" spc="-1" strike="noStrike">
                 <a:solidFill>
                   <a:srgbClr val="000000"/>
                 </a:solidFill>
                 <a:latin typeface="Arial"/>
                 <a:ea typeface="DejaVu Sans"/>
               </a:rPr>
-              <a:t>Merci d’avoir participé !</a:t>
-            </a:r>
-            <a:endParaRPr b="0" lang="en-GB" sz="4000" spc="-1" strike="noStrike">
-              <a:latin typeface="Arial"/>
-            </a:endParaRPr>
-          </a:p>
-          <a:p>
-            <a:pPr algn="ctr">
-              <a:lnSpc>
-                <a:spcPct val="100000"/>
-              </a:lnSpc>
-            </a:pPr>
-            <a:endParaRPr b="0" lang="en-GB" sz="4000" spc="-1" strike="noStrike">
-              <a:latin typeface="Arial"/>
-            </a:endParaRPr>
-          </a:p>
-          <a:p>
-            <a:pPr algn="ctr">
-              <a:lnSpc>
-                <a:spcPct val="100000"/>
-              </a:lnSpc>
-            </a:pPr>
-            <a:r>
-              <a:rPr b="0" lang="en-GB" sz="4000" spc="-1" strike="noStrike">
-                <a:solidFill>
-                  <a:srgbClr val="000000"/>
-                </a:solidFill>
-                <a:latin typeface="Arial"/>
-                <a:ea typeface="DejaVu Sans"/>
-              </a:rPr>
-              <a:t>À bientôt !</a:t>
-            </a:r>
-            <a:endParaRPr b="0" lang="en-GB" sz="4000" spc="-1" strike="noStrike">
+              <a:t>Essaye de retenir !</a:t>
+            </a:r>
+            <a:endParaRPr b="0" lang="en-GB" sz="3500" spc="-1" strike="noStrike">
               <a:latin typeface="Arial"/>
             </a:endParaRPr>
           </a:p>
@@ -8203,10 +8065,10 @@
   <p:timing>
     <p:tnLst>
       <p:par>
-        <p:cTn id="19" dur="indefinite" restart="never" nodeType="tmRoot">
+        <p:cTn id="21" dur="indefinite" restart="never" nodeType="tmRoot">
           <p:childTnLst>
             <p:seq>
-              <p:cTn id="20" dur="indefinite" nodeType="mainSeq"/>
+              <p:cTn id="22" dur="indefinite" nodeType="mainSeq"/>
               <p:prevCondLst>
                 <p:cond delay="0" evt="onPrev">
                   <p:tgtEl>
@@ -8255,8 +8117,8 @@
         </p:nvSpPr>
         <p:spPr>
           <a:xfrm>
-            <a:off x="3535560" y="206640"/>
-            <a:ext cx="4669200" cy="698400"/>
+            <a:off x="5418720" y="648000"/>
+            <a:ext cx="1260000" cy="545760"/>
           </a:xfrm>
           <a:prstGeom prst="rect">
             <a:avLst/>
@@ -8275,22 +8137,22 @@
         <p:txBody>
           <a:bodyPr wrap="none" lIns="90000" rIns="90000" tIns="45000" bIns="45000"/>
           <a:p>
-            <a:pPr algn="ctr">
+            <a:pPr>
               <a:lnSpc>
                 <a:spcPct val="100000"/>
               </a:lnSpc>
             </a:pPr>
             <a:r>
-              <a:rPr b="0" lang="en-GB" sz="4000" spc="-1" strike="noStrike">
+              <a:rPr b="0" lang="en-GB" sz="3000" spc="-1" strike="noStrike">
                 <a:solidFill>
                   <a:srgbClr val="000000"/>
                 </a:solidFill>
                 <a:latin typeface="Arial"/>
                 <a:ea typeface="DejaVu Sans"/>
               </a:rPr>
-              <a:t>Bravo ! Tu as réussi</a:t>
-            </a:r>
-            <a:endParaRPr b="0" lang="en-GB" sz="4000" spc="-1" strike="noStrike">
+              <a:t>Bonjour !</a:t>
+            </a:r>
+            <a:endParaRPr b="0" lang="en-GB" sz="3000" spc="-1" strike="noStrike">
               <a:latin typeface="Arial"/>
             </a:endParaRPr>
           </a:p>
@@ -8304,8 +8166,8 @@
         </p:nvSpPr>
         <p:spPr>
           <a:xfrm>
-            <a:off x="3948120" y="1280880"/>
-            <a:ext cx="1153440" cy="545760"/>
+            <a:off x="2521440" y="1626840"/>
+            <a:ext cx="7054560" cy="1002600"/>
           </a:xfrm>
           <a:prstGeom prst="rect">
             <a:avLst/>
@@ -8321,6 +8183,129 @@
           <a:effectRef idx="0"/>
           <a:fontRef idx="minor"/>
         </p:style>
+        <p:txBody>
+          <a:bodyPr wrap="none" lIns="90000" rIns="90000" tIns="45000" bIns="45000"/>
+          <a:p>
+            <a:pPr algn="ctr">
+              <a:lnSpc>
+                <a:spcPct val="100000"/>
+              </a:lnSpc>
+            </a:pPr>
+            <a:r>
+              <a:rPr b="0" lang="en-GB" sz="3000" spc="-1" strike="noStrike">
+                <a:solidFill>
+                  <a:srgbClr val="000000"/>
+                </a:solidFill>
+                <a:latin typeface="Arial"/>
+                <a:ea typeface="DejaVu Sans"/>
+              </a:rPr>
+              <a:t>Avant de commencer, tu vas écrire, tour à tour :</a:t>
+            </a:r>
+            <a:endParaRPr b="0" lang="en-GB" sz="3000" spc="-1" strike="noStrike">
+              <a:latin typeface="Arial"/>
+            </a:endParaRPr>
+          </a:p>
+          <a:p>
+            <a:pPr algn="ctr">
+              <a:lnSpc>
+                <a:spcPct val="100000"/>
+              </a:lnSpc>
+            </a:pPr>
+            <a:endParaRPr b="0" lang="en-GB" sz="3000" spc="-1" strike="noStrike">
+              <a:latin typeface="Arial"/>
+            </a:endParaRPr>
+          </a:p>
+          <a:p>
+            <a:pPr>
+              <a:lnSpc>
+                <a:spcPct val="100000"/>
+              </a:lnSpc>
+            </a:pPr>
+            <a:r>
+              <a:rPr b="0" lang="en-GB" sz="3000" spc="-1" strike="noStrike">
+                <a:solidFill>
+                  <a:srgbClr val="000000"/>
+                </a:solidFill>
+                <a:latin typeface="Arial"/>
+                <a:ea typeface="DejaVu Sans"/>
+              </a:rPr>
+              <a:t>- ton numéro d’identification</a:t>
+            </a:r>
+            <a:endParaRPr b="0" lang="en-GB" sz="3000" spc="-1" strike="noStrike">
+              <a:latin typeface="Arial"/>
+            </a:endParaRPr>
+          </a:p>
+          <a:p>
+            <a:pPr>
+              <a:lnSpc>
+                <a:spcPct val="100000"/>
+              </a:lnSpc>
+            </a:pPr>
+            <a:r>
+              <a:rPr b="0" lang="en-GB" sz="3000" spc="-1" strike="noStrike">
+                <a:solidFill>
+                  <a:srgbClr val="000000"/>
+                </a:solidFill>
+                <a:latin typeface="Arial"/>
+                <a:ea typeface="DejaVu Sans"/>
+              </a:rPr>
+              <a:t>- ton âge</a:t>
+            </a:r>
+            <a:endParaRPr b="0" lang="en-GB" sz="3000" spc="-1" strike="noStrike">
+              <a:latin typeface="Arial"/>
+            </a:endParaRPr>
+          </a:p>
+          <a:p>
+            <a:pPr>
+              <a:lnSpc>
+                <a:spcPct val="100000"/>
+              </a:lnSpc>
+            </a:pPr>
+            <a:r>
+              <a:rPr b="0" lang="en-GB" sz="3000" spc="-1" strike="noStrike">
+                <a:solidFill>
+                  <a:srgbClr val="000000"/>
+                </a:solidFill>
+                <a:latin typeface="Arial"/>
+                <a:ea typeface="DejaVu Sans"/>
+              </a:rPr>
+              <a:t>- ton sexe (G ou F)</a:t>
+            </a:r>
+            <a:endParaRPr b="0" lang="en-GB" sz="3000" spc="-1" strike="noStrike">
+              <a:latin typeface="Arial"/>
+            </a:endParaRPr>
+          </a:p>
+          <a:p>
+            <a:pPr>
+              <a:lnSpc>
+                <a:spcPct val="100000"/>
+              </a:lnSpc>
+            </a:pPr>
+            <a:r>
+              <a:rPr b="0" lang="en-GB" sz="3000" spc="-1" strike="noStrike">
+                <a:solidFill>
+                  <a:srgbClr val="000000"/>
+                </a:solidFill>
+                <a:latin typeface="Arial"/>
+                <a:ea typeface="DejaVu Sans"/>
+              </a:rPr>
+              <a:t>- ton degré scolaire (ex: 8H)</a:t>
+            </a:r>
+            <a:endParaRPr b="0" lang="en-GB" sz="3000" spc="-1" strike="noStrike">
+              <a:latin typeface="Arial"/>
+            </a:endParaRPr>
+          </a:p>
+          <a:p>
+            <a:pPr>
+              <a:lnSpc>
+                <a:spcPct val="100000"/>
+              </a:lnSpc>
+            </a:pPr>
+            <a:endParaRPr b="0" lang="en-GB" sz="3000" spc="-1" strike="noStrike">
+              <a:latin typeface="Arial"/>
+            </a:endParaRPr>
+          </a:p>
+        </p:txBody>
       </p:sp>
       <p:sp>
         <p:nvSpPr>
@@ -8330,8 +8315,8 @@
         </p:nvSpPr>
         <p:spPr>
           <a:xfrm>
-            <a:off x="6606000" y="1280880"/>
-            <a:ext cx="1033200" cy="545760"/>
+            <a:off x="2880000" y="5256000"/>
+            <a:ext cx="6528600" cy="545760"/>
           </a:xfrm>
           <a:prstGeom prst="rect">
             <a:avLst/>
@@ -8347,32 +8332,6 @@
           <a:effectRef idx="0"/>
           <a:fontRef idx="minor"/>
         </p:style>
-      </p:sp>
-      <p:sp>
-        <p:nvSpPr>
-          <p:cNvPr id="126" name="CustomShape 4"/>
-          <p:cNvSpPr/>
-          <p:nvPr/>
-        </p:nvSpPr>
-        <p:spPr>
-          <a:xfrm>
-            <a:off x="5685840" y="1280880"/>
-            <a:ext cx="402120" cy="545760"/>
-          </a:xfrm>
-          <a:prstGeom prst="rect">
-            <a:avLst/>
-          </a:prstGeom>
-          <a:noFill/>
-          <a:ln>
-            <a:noFill/>
-          </a:ln>
-        </p:spPr>
-        <p:style>
-          <a:lnRef idx="0"/>
-          <a:fillRef idx="0"/>
-          <a:effectRef idx="0"/>
-          <a:fontRef idx="minor"/>
-        </p:style>
         <p:txBody>
           <a:bodyPr wrap="none" lIns="90000" rIns="90000" tIns="45000" bIns="45000"/>
           <a:p>
@@ -8389,374 +8348,9 @@
                 <a:latin typeface="Arial"/>
                 <a:ea typeface="DejaVu Sans"/>
               </a:rPr>
-              <a:t>=</a:t>
+              <a:t>Appuie sur une touche pour continuer</a:t>
             </a:r>
             <a:endParaRPr b="0" lang="en-GB" sz="3000" spc="-1" strike="noStrike">
-              <a:latin typeface="Arial"/>
-            </a:endParaRPr>
-          </a:p>
-        </p:txBody>
-      </p:sp>
-      <p:sp>
-        <p:nvSpPr>
-          <p:cNvPr id="127" name="CustomShape 5"/>
-          <p:cNvSpPr/>
-          <p:nvPr/>
-        </p:nvSpPr>
-        <p:spPr>
-          <a:xfrm>
-            <a:off x="3446280" y="2112840"/>
-            <a:ext cx="5033520" cy="698400"/>
-          </a:xfrm>
-          <a:prstGeom prst="rect">
-            <a:avLst/>
-          </a:prstGeom>
-          <a:noFill/>
-          <a:ln>
-            <a:noFill/>
-          </a:ln>
-        </p:spPr>
-        <p:style>
-          <a:lnRef idx="0"/>
-          <a:fillRef idx="0"/>
-          <a:effectRef idx="0"/>
-          <a:fontRef idx="minor"/>
-        </p:style>
-        <p:txBody>
-          <a:bodyPr wrap="none" lIns="90000" rIns="90000" tIns="45000" bIns="45000"/>
-          <a:p>
-            <a:pPr algn="ctr">
-              <a:lnSpc>
-                <a:spcPct val="100000"/>
-              </a:lnSpc>
-            </a:pPr>
-            <a:r>
-              <a:rPr b="0" lang="en-GB" sz="4000" spc="-1" strike="noStrike">
-                <a:solidFill>
-                  <a:srgbClr val="000000"/>
-                </a:solidFill>
-                <a:latin typeface="Arial"/>
-                <a:ea typeface="DejaVu Sans"/>
-              </a:rPr>
-              <a:t>Que souhaiterais-tu ?</a:t>
-            </a:r>
-            <a:endParaRPr b="0" lang="en-GB" sz="4000" spc="-1" strike="noStrike">
-              <a:latin typeface="Arial"/>
-            </a:endParaRPr>
-          </a:p>
-        </p:txBody>
-      </p:sp>
-      <p:sp>
-        <p:nvSpPr>
-          <p:cNvPr id="128" name="CustomShape 6"/>
-          <p:cNvSpPr/>
-          <p:nvPr/>
-        </p:nvSpPr>
-        <p:spPr>
-          <a:xfrm>
-            <a:off x="833040" y="3191760"/>
-            <a:ext cx="7371360" cy="545760"/>
-          </a:xfrm>
-          <a:prstGeom prst="rect">
-            <a:avLst/>
-          </a:prstGeom>
-          <a:noFill/>
-          <a:ln>
-            <a:noFill/>
-          </a:ln>
-        </p:spPr>
-        <p:style>
-          <a:lnRef idx="0"/>
-          <a:fillRef idx="0"/>
-          <a:effectRef idx="0"/>
-          <a:fontRef idx="minor"/>
-        </p:style>
-        <p:txBody>
-          <a:bodyPr wrap="none" lIns="90000" rIns="90000" tIns="45000" bIns="45000"/>
-          <a:p>
-            <a:pPr algn="ctr">
-              <a:lnSpc>
-                <a:spcPct val="100000"/>
-              </a:lnSpc>
-            </a:pPr>
-            <a:r>
-              <a:rPr b="0" lang="en-GB" sz="3000" spc="-1" strike="noStrike">
-                <a:solidFill>
-                  <a:srgbClr val="000000"/>
-                </a:solidFill>
-                <a:latin typeface="Arial"/>
-                <a:ea typeface="DejaVu Sans"/>
-              </a:rPr>
-              <a:t>1- Je veux revoir la paire de mots plus tard</a:t>
-            </a:r>
-            <a:endParaRPr b="0" lang="en-GB" sz="3000" spc="-1" strike="noStrike">
-              <a:latin typeface="Arial"/>
-            </a:endParaRPr>
-          </a:p>
-        </p:txBody>
-      </p:sp>
-      <p:sp>
-        <p:nvSpPr>
-          <p:cNvPr id="129" name="CustomShape 7"/>
-          <p:cNvSpPr/>
-          <p:nvPr/>
-        </p:nvSpPr>
-        <p:spPr>
-          <a:xfrm>
-            <a:off x="837000" y="4023720"/>
-            <a:ext cx="7920000" cy="545760"/>
-          </a:xfrm>
-          <a:prstGeom prst="rect">
-            <a:avLst/>
-          </a:prstGeom>
-          <a:noFill/>
-          <a:ln>
-            <a:noFill/>
-          </a:ln>
-        </p:spPr>
-        <p:style>
-          <a:lnRef idx="0"/>
-          <a:fillRef idx="0"/>
-          <a:effectRef idx="0"/>
-          <a:fontRef idx="minor"/>
-        </p:style>
-        <p:txBody>
-          <a:bodyPr wrap="none" lIns="90000" rIns="90000" tIns="45000" bIns="45000"/>
-          <a:p>
-            <a:pPr algn="ctr">
-              <a:lnSpc>
-                <a:spcPct val="100000"/>
-              </a:lnSpc>
-            </a:pPr>
-            <a:r>
-              <a:rPr b="0" lang="en-GB" sz="3000" spc="-1" strike="noStrike">
-                <a:solidFill>
-                  <a:srgbClr val="000000"/>
-                </a:solidFill>
-                <a:latin typeface="Arial"/>
-                <a:ea typeface="DejaVu Sans"/>
-              </a:rPr>
-              <a:t>2- Je veux me re-tester avec la paire plus tard</a:t>
-            </a:r>
-            <a:endParaRPr b="0" lang="en-GB" sz="3000" spc="-1" strike="noStrike">
-              <a:latin typeface="Arial"/>
-            </a:endParaRPr>
-          </a:p>
-        </p:txBody>
-      </p:sp>
-      <p:sp>
-        <p:nvSpPr>
-          <p:cNvPr id="130" name="CustomShape 8"/>
-          <p:cNvSpPr/>
-          <p:nvPr/>
-        </p:nvSpPr>
-        <p:spPr>
-          <a:xfrm>
-            <a:off x="838440" y="4855680"/>
-            <a:ext cx="8258400" cy="545760"/>
-          </a:xfrm>
-          <a:prstGeom prst="rect">
-            <a:avLst/>
-          </a:prstGeom>
-          <a:noFill/>
-          <a:ln>
-            <a:noFill/>
-          </a:ln>
-        </p:spPr>
-        <p:style>
-          <a:lnRef idx="0"/>
-          <a:fillRef idx="0"/>
-          <a:effectRef idx="0"/>
-          <a:fontRef idx="minor"/>
-        </p:style>
-        <p:txBody>
-          <a:bodyPr wrap="none" lIns="90000" rIns="90000" tIns="45000" bIns="45000"/>
-          <a:p>
-            <a:pPr algn="ctr">
-              <a:lnSpc>
-                <a:spcPct val="100000"/>
-              </a:lnSpc>
-            </a:pPr>
-            <a:r>
-              <a:rPr b="0" lang="en-GB" sz="3000" spc="-1" strike="noStrike">
-                <a:solidFill>
-                  <a:srgbClr val="000000"/>
-                </a:solidFill>
-                <a:latin typeface="Arial"/>
-                <a:ea typeface="DejaVu Sans"/>
-              </a:rPr>
-              <a:t>3- Je ne veux pas revoir la paire ni me re-tester </a:t>
-            </a:r>
-            <a:endParaRPr b="0" lang="en-GB" sz="3000" spc="-1" strike="noStrike">
-              <a:latin typeface="Arial"/>
-            </a:endParaRPr>
-          </a:p>
-        </p:txBody>
-      </p:sp>
-      <p:sp>
-        <p:nvSpPr>
-          <p:cNvPr id="131" name="CustomShape 9"/>
-          <p:cNvSpPr/>
-          <p:nvPr/>
-        </p:nvSpPr>
-        <p:spPr>
-          <a:xfrm>
-            <a:off x="3854880" y="5780880"/>
-            <a:ext cx="4472640" cy="545760"/>
-          </a:xfrm>
-          <a:prstGeom prst="rect">
-            <a:avLst/>
-          </a:prstGeom>
-          <a:noFill/>
-          <a:ln>
-            <a:noFill/>
-          </a:ln>
-        </p:spPr>
-        <p:style>
-          <a:lnRef idx="0"/>
-          <a:fillRef idx="0"/>
-          <a:effectRef idx="0"/>
-          <a:fontRef idx="minor"/>
-        </p:style>
-        <p:txBody>
-          <a:bodyPr wrap="none" lIns="90000" rIns="90000" tIns="45000" bIns="45000"/>
-          <a:p>
-            <a:pPr algn="ctr">
-              <a:lnSpc>
-                <a:spcPct val="100000"/>
-              </a:lnSpc>
-            </a:pPr>
-            <a:r>
-              <a:rPr b="0" lang="en-GB" sz="3000" spc="-1" strike="noStrike">
-                <a:solidFill>
-                  <a:srgbClr val="000000"/>
-                </a:solidFill>
-                <a:latin typeface="Arial"/>
-                <a:ea typeface="DejaVu Sans"/>
-              </a:rPr>
-              <a:t>Tape ton choix (1, 2 ou 3)</a:t>
-            </a:r>
-            <a:endParaRPr b="0" lang="en-GB" sz="3000" spc="-1" strike="noStrike">
-              <a:latin typeface="Arial"/>
-            </a:endParaRPr>
-          </a:p>
-        </p:txBody>
-      </p:sp>
-    </p:spTree>
-  </p:cSld>
-</p:sld>
-</file>
-
-<file path=ppt/slides/slide3.xml><?xml version="1.0" encoding="utf-8"?>
-<p:sld xmlns:a="http://schemas.openxmlformats.org/drawingml/2006/main" xmlns:p="http://schemas.openxmlformats.org/presentationml/2006/main" xmlns:r="http://schemas.openxmlformats.org/officeDocument/2006/relationships" xmlns:p14="http://schemas.microsoft.com/office/powerpoint/2010/main" xmlns:p15="http://schemas.microsoft.com/office/powerpoint/2012/main" xmlns:mc="http://schemas.openxmlformats.org/markup-compatibility/2006">
-  <p:cSld>
-    <p:spTree>
-      <p:nvGrpSpPr>
-        <p:cNvPr id="1" name=""/>
-        <p:cNvGrpSpPr/>
-        <p:nvPr/>
-      </p:nvGrpSpPr>
-      <p:grpSpPr>
-        <a:xfrm>
-          <a:off x="0" y="0"/>
-          <a:ext cx="0" cy="0"/>
-          <a:chOff x="0" y="0"/>
-          <a:chExt cx="0" cy="0"/>
-        </a:xfrm>
-      </p:grpSpPr>
-      <p:sp>
-        <p:nvSpPr>
-          <p:cNvPr id="132" name="CustomShape 1"/>
-          <p:cNvSpPr/>
-          <p:nvPr/>
-        </p:nvSpPr>
-        <p:spPr>
-          <a:xfrm>
-            <a:off x="5347800" y="3254040"/>
-            <a:ext cx="440280" cy="622440"/>
-          </a:xfrm>
-          <a:prstGeom prst="rect">
-            <a:avLst/>
-          </a:prstGeom>
-          <a:noFill/>
-          <a:ln>
-            <a:noFill/>
-          </a:ln>
-        </p:spPr>
-        <p:style>
-          <a:lnRef idx="0"/>
-          <a:fillRef idx="0"/>
-          <a:effectRef idx="0"/>
-          <a:fontRef idx="minor"/>
-        </p:style>
-        <p:txBody>
-          <a:bodyPr wrap="none" lIns="90000" rIns="90000" tIns="45000" bIns="45000"/>
-          <a:p>
-            <a:pPr algn="ctr">
-              <a:lnSpc>
-                <a:spcPct val="100000"/>
-              </a:lnSpc>
-            </a:pPr>
-            <a:r>
-              <a:rPr b="0" lang="en-GB" sz="3500" spc="-1" strike="noStrike">
-                <a:solidFill>
-                  <a:srgbClr val="000000"/>
-                </a:solidFill>
-                <a:latin typeface="Arial"/>
-                <a:ea typeface="DejaVu Sans"/>
-              </a:rPr>
-              <a:t>=</a:t>
-            </a:r>
-            <a:endParaRPr b="0" lang="en-GB" sz="3500" spc="-1" strike="noStrike">
-              <a:latin typeface="Arial"/>
-            </a:endParaRPr>
-          </a:p>
-        </p:txBody>
-      </p:sp>
-      <p:sp>
-        <p:nvSpPr>
-          <p:cNvPr id="133" name="CustomShape 2"/>
-          <p:cNvSpPr/>
-          <p:nvPr/>
-        </p:nvSpPr>
-        <p:spPr>
-          <a:xfrm>
-            <a:off x="3587400" y="1260000"/>
-            <a:ext cx="3884400" cy="622440"/>
-          </a:xfrm>
-          <a:prstGeom prst="rect">
-            <a:avLst/>
-          </a:prstGeom>
-          <a:noFill/>
-          <a:ln>
-            <a:noFill/>
-          </a:ln>
-        </p:spPr>
-        <p:style>
-          <a:lnRef idx="0"/>
-          <a:fillRef idx="0"/>
-          <a:effectRef idx="0"/>
-          <a:fontRef idx="minor"/>
-        </p:style>
-        <p:txBody>
-          <a:bodyPr wrap="none" lIns="90000" rIns="90000" tIns="45000" bIns="45000"/>
-          <a:p>
-            <a:pPr algn="ctr">
-              <a:lnSpc>
-                <a:spcPct val="100000"/>
-              </a:lnSpc>
-            </a:pPr>
-            <a:r>
-              <a:rPr b="0" lang="en-GB" sz="3500" spc="-1" strike="noStrike">
-                <a:solidFill>
-                  <a:srgbClr val="000000"/>
-                </a:solidFill>
-                <a:latin typeface="Arial"/>
-                <a:ea typeface="DejaVu Sans"/>
-              </a:rPr>
-              <a:t>Essaye de retenir !</a:t>
-            </a:r>
-            <a:endParaRPr b="0" lang="en-GB" sz="3500" spc="-1" strike="noStrike">
               <a:latin typeface="Arial"/>
             </a:endParaRPr>
           </a:p>
@@ -8794,6 +8388,1640 @@
 </p:sld>
 </file>
 
+<file path=ppt/slides/slide20.xml><?xml version="1.0" encoding="utf-8"?>
+<p:sld xmlns:a="http://schemas.openxmlformats.org/drawingml/2006/main" xmlns:p="http://schemas.openxmlformats.org/presentationml/2006/main" xmlns:r="http://schemas.openxmlformats.org/officeDocument/2006/relationships" xmlns:p14="http://schemas.microsoft.com/office/powerpoint/2010/main" xmlns:p15="http://schemas.microsoft.com/office/powerpoint/2012/main" xmlns:mc="http://schemas.openxmlformats.org/markup-compatibility/2006">
+  <p:cSld>
+    <p:spTree>
+      <p:nvGrpSpPr>
+        <p:cNvPr id="1" name=""/>
+        <p:cNvGrpSpPr/>
+        <p:nvPr/>
+      </p:nvGrpSpPr>
+      <p:grpSpPr>
+        <a:xfrm>
+          <a:off x="0" y="0"/>
+          <a:ext cx="0" cy="0"/>
+          <a:chOff x="0" y="0"/>
+          <a:chExt cx="0" cy="0"/>
+        </a:xfrm>
+      </p:grpSpPr>
+      <p:sp>
+        <p:nvSpPr>
+          <p:cNvPr id="192" name="CustomShape 1"/>
+          <p:cNvSpPr/>
+          <p:nvPr/>
+        </p:nvSpPr>
+        <p:spPr>
+          <a:xfrm>
+            <a:off x="3535920" y="206640"/>
+            <a:ext cx="4669200" cy="698400"/>
+          </a:xfrm>
+          <a:prstGeom prst="rect">
+            <a:avLst/>
+          </a:prstGeom>
+          <a:noFill/>
+          <a:ln>
+            <a:noFill/>
+          </a:ln>
+        </p:spPr>
+        <p:style>
+          <a:lnRef idx="0"/>
+          <a:fillRef idx="0"/>
+          <a:effectRef idx="0"/>
+          <a:fontRef idx="minor"/>
+        </p:style>
+        <p:txBody>
+          <a:bodyPr wrap="none" lIns="90000" rIns="90000" tIns="45000" bIns="45000"/>
+          <a:p>
+            <a:pPr algn="ctr">
+              <a:lnSpc>
+                <a:spcPct val="100000"/>
+              </a:lnSpc>
+            </a:pPr>
+            <a:r>
+              <a:rPr b="0" lang="en-GB" sz="4000" spc="-1" strike="noStrike">
+                <a:solidFill>
+                  <a:srgbClr val="000000"/>
+                </a:solidFill>
+                <a:latin typeface="Arial"/>
+                <a:ea typeface="DejaVu Sans"/>
+              </a:rPr>
+              <a:t>Bravo ! Tu as réussi</a:t>
+            </a:r>
+            <a:endParaRPr b="0" lang="en-GB" sz="4000" spc="-1" strike="noStrike">
+              <a:latin typeface="Arial"/>
+            </a:endParaRPr>
+          </a:p>
+        </p:txBody>
+      </p:sp>
+      <p:sp>
+        <p:nvSpPr>
+          <p:cNvPr id="193" name="CustomShape 2"/>
+          <p:cNvSpPr/>
+          <p:nvPr/>
+        </p:nvSpPr>
+        <p:spPr>
+          <a:xfrm>
+            <a:off x="3948480" y="1280880"/>
+            <a:ext cx="1153440" cy="545760"/>
+          </a:xfrm>
+          <a:prstGeom prst="rect">
+            <a:avLst/>
+          </a:prstGeom>
+          <a:noFill/>
+          <a:ln>
+            <a:noFill/>
+          </a:ln>
+        </p:spPr>
+        <p:style>
+          <a:lnRef idx="0"/>
+          <a:fillRef idx="0"/>
+          <a:effectRef idx="0"/>
+          <a:fontRef idx="minor"/>
+        </p:style>
+        <p:txBody>
+          <a:bodyPr wrap="none" lIns="90000" rIns="90000" tIns="45000" bIns="45000"/>
+          <a:p>
+            <a:pPr algn="ctr">
+              <a:lnSpc>
+                <a:spcPct val="100000"/>
+              </a:lnSpc>
+            </a:pPr>
+            <a:r>
+              <a:rPr b="0" lang="en-GB" sz="3000" spc="-1" strike="noStrike">
+                <a:solidFill>
+                  <a:srgbClr val="000000"/>
+                </a:solidFill>
+                <a:latin typeface="Arial"/>
+                <a:ea typeface="DejaVu Sans"/>
+              </a:rPr>
+              <a:t>Vonat</a:t>
+            </a:r>
+            <a:endParaRPr b="0" lang="en-GB" sz="3000" spc="-1" strike="noStrike">
+              <a:latin typeface="Arial"/>
+            </a:endParaRPr>
+          </a:p>
+        </p:txBody>
+      </p:sp>
+      <p:sp>
+        <p:nvSpPr>
+          <p:cNvPr id="194" name="CustomShape 3"/>
+          <p:cNvSpPr/>
+          <p:nvPr/>
+        </p:nvSpPr>
+        <p:spPr>
+          <a:xfrm>
+            <a:off x="6606360" y="1280880"/>
+            <a:ext cx="1033200" cy="545760"/>
+          </a:xfrm>
+          <a:prstGeom prst="rect">
+            <a:avLst/>
+          </a:prstGeom>
+          <a:noFill/>
+          <a:ln>
+            <a:noFill/>
+          </a:ln>
+        </p:spPr>
+        <p:style>
+          <a:lnRef idx="0"/>
+          <a:fillRef idx="0"/>
+          <a:effectRef idx="0"/>
+          <a:fontRef idx="minor"/>
+        </p:style>
+        <p:txBody>
+          <a:bodyPr wrap="none" lIns="90000" rIns="90000" tIns="45000" bIns="45000"/>
+          <a:p>
+            <a:pPr algn="ctr">
+              <a:lnSpc>
+                <a:spcPct val="100000"/>
+              </a:lnSpc>
+            </a:pPr>
+            <a:r>
+              <a:rPr b="0" lang="en-GB" sz="3000" spc="-1" strike="noStrike">
+                <a:solidFill>
+                  <a:srgbClr val="000000"/>
+                </a:solidFill>
+                <a:latin typeface="Arial"/>
+                <a:ea typeface="DejaVu Sans"/>
+              </a:rPr>
+              <a:t>Train</a:t>
+            </a:r>
+            <a:endParaRPr b="0" lang="en-GB" sz="3000" spc="-1" strike="noStrike">
+              <a:latin typeface="Arial"/>
+            </a:endParaRPr>
+          </a:p>
+        </p:txBody>
+      </p:sp>
+      <p:sp>
+        <p:nvSpPr>
+          <p:cNvPr id="195" name="CustomShape 4"/>
+          <p:cNvSpPr/>
+          <p:nvPr/>
+        </p:nvSpPr>
+        <p:spPr>
+          <a:xfrm>
+            <a:off x="5686200" y="1280880"/>
+            <a:ext cx="402120" cy="545760"/>
+          </a:xfrm>
+          <a:prstGeom prst="rect">
+            <a:avLst/>
+          </a:prstGeom>
+          <a:noFill/>
+          <a:ln>
+            <a:noFill/>
+          </a:ln>
+        </p:spPr>
+        <p:style>
+          <a:lnRef idx="0"/>
+          <a:fillRef idx="0"/>
+          <a:effectRef idx="0"/>
+          <a:fontRef idx="minor"/>
+        </p:style>
+        <p:txBody>
+          <a:bodyPr wrap="none" lIns="90000" rIns="90000" tIns="45000" bIns="45000"/>
+          <a:p>
+            <a:pPr algn="ctr">
+              <a:lnSpc>
+                <a:spcPct val="100000"/>
+              </a:lnSpc>
+            </a:pPr>
+            <a:r>
+              <a:rPr b="0" lang="en-GB" sz="3000" spc="-1" strike="noStrike">
+                <a:solidFill>
+                  <a:srgbClr val="000000"/>
+                </a:solidFill>
+                <a:latin typeface="Arial"/>
+                <a:ea typeface="DejaVu Sans"/>
+              </a:rPr>
+              <a:t>=</a:t>
+            </a:r>
+            <a:endParaRPr b="0" lang="en-GB" sz="3000" spc="-1" strike="noStrike">
+              <a:latin typeface="Arial"/>
+            </a:endParaRPr>
+          </a:p>
+        </p:txBody>
+      </p:sp>
+      <p:sp>
+        <p:nvSpPr>
+          <p:cNvPr id="196" name="CustomShape 5"/>
+          <p:cNvSpPr/>
+          <p:nvPr/>
+        </p:nvSpPr>
+        <p:spPr>
+          <a:xfrm>
+            <a:off x="3446640" y="2112840"/>
+            <a:ext cx="5033520" cy="698400"/>
+          </a:xfrm>
+          <a:prstGeom prst="rect">
+            <a:avLst/>
+          </a:prstGeom>
+          <a:noFill/>
+          <a:ln>
+            <a:noFill/>
+          </a:ln>
+        </p:spPr>
+        <p:style>
+          <a:lnRef idx="0"/>
+          <a:fillRef idx="0"/>
+          <a:effectRef idx="0"/>
+          <a:fontRef idx="minor"/>
+        </p:style>
+        <p:txBody>
+          <a:bodyPr wrap="none" lIns="90000" rIns="90000" tIns="45000" bIns="45000"/>
+          <a:p>
+            <a:pPr algn="ctr">
+              <a:lnSpc>
+                <a:spcPct val="100000"/>
+              </a:lnSpc>
+            </a:pPr>
+            <a:r>
+              <a:rPr b="0" lang="en-GB" sz="4000" spc="-1" strike="noStrike">
+                <a:solidFill>
+                  <a:srgbClr val="000000"/>
+                </a:solidFill>
+                <a:latin typeface="Arial"/>
+                <a:ea typeface="DejaVu Sans"/>
+              </a:rPr>
+              <a:t>Que souhaiterais-tu ?</a:t>
+            </a:r>
+            <a:endParaRPr b="0" lang="en-GB" sz="4000" spc="-1" strike="noStrike">
+              <a:latin typeface="Arial"/>
+            </a:endParaRPr>
+          </a:p>
+        </p:txBody>
+      </p:sp>
+      <p:sp>
+        <p:nvSpPr>
+          <p:cNvPr id="197" name="CustomShape 6"/>
+          <p:cNvSpPr/>
+          <p:nvPr/>
+        </p:nvSpPr>
+        <p:spPr>
+          <a:xfrm>
+            <a:off x="833400" y="3191760"/>
+            <a:ext cx="7371360" cy="545760"/>
+          </a:xfrm>
+          <a:prstGeom prst="rect">
+            <a:avLst/>
+          </a:prstGeom>
+          <a:noFill/>
+          <a:ln>
+            <a:noFill/>
+          </a:ln>
+        </p:spPr>
+        <p:style>
+          <a:lnRef idx="0"/>
+          <a:fillRef idx="0"/>
+          <a:effectRef idx="0"/>
+          <a:fontRef idx="minor"/>
+        </p:style>
+        <p:txBody>
+          <a:bodyPr wrap="none" lIns="90000" rIns="90000" tIns="45000" bIns="45000"/>
+          <a:p>
+            <a:pPr algn="ctr">
+              <a:lnSpc>
+                <a:spcPct val="100000"/>
+              </a:lnSpc>
+            </a:pPr>
+            <a:r>
+              <a:rPr b="0" lang="en-GB" sz="3000" spc="-1" strike="noStrike">
+                <a:solidFill>
+                  <a:srgbClr val="000000"/>
+                </a:solidFill>
+                <a:latin typeface="Arial"/>
+                <a:ea typeface="DejaVu Sans"/>
+              </a:rPr>
+              <a:t>1- Je veux revoir la paire de mots plus tard</a:t>
+            </a:r>
+            <a:endParaRPr b="0" lang="en-GB" sz="3000" spc="-1" strike="noStrike">
+              <a:latin typeface="Arial"/>
+            </a:endParaRPr>
+          </a:p>
+        </p:txBody>
+      </p:sp>
+      <p:sp>
+        <p:nvSpPr>
+          <p:cNvPr id="198" name="CustomShape 7"/>
+          <p:cNvSpPr/>
+          <p:nvPr/>
+        </p:nvSpPr>
+        <p:spPr>
+          <a:xfrm>
+            <a:off x="837360" y="4023720"/>
+            <a:ext cx="7920000" cy="545760"/>
+          </a:xfrm>
+          <a:prstGeom prst="rect">
+            <a:avLst/>
+          </a:prstGeom>
+          <a:noFill/>
+          <a:ln>
+            <a:noFill/>
+          </a:ln>
+        </p:spPr>
+        <p:style>
+          <a:lnRef idx="0"/>
+          <a:fillRef idx="0"/>
+          <a:effectRef idx="0"/>
+          <a:fontRef idx="minor"/>
+        </p:style>
+        <p:txBody>
+          <a:bodyPr wrap="none" lIns="90000" rIns="90000" tIns="45000" bIns="45000"/>
+          <a:p>
+            <a:pPr algn="ctr">
+              <a:lnSpc>
+                <a:spcPct val="100000"/>
+              </a:lnSpc>
+            </a:pPr>
+            <a:r>
+              <a:rPr b="0" lang="en-GB" sz="3000" spc="-1" strike="noStrike">
+                <a:solidFill>
+                  <a:srgbClr val="000000"/>
+                </a:solidFill>
+                <a:latin typeface="Arial"/>
+                <a:ea typeface="DejaVu Sans"/>
+              </a:rPr>
+              <a:t>2- Je veux me re-tester avec la paire plus tard</a:t>
+            </a:r>
+            <a:endParaRPr b="0" lang="en-GB" sz="3000" spc="-1" strike="noStrike">
+              <a:latin typeface="Arial"/>
+            </a:endParaRPr>
+          </a:p>
+        </p:txBody>
+      </p:sp>
+      <p:sp>
+        <p:nvSpPr>
+          <p:cNvPr id="199" name="CustomShape 8"/>
+          <p:cNvSpPr/>
+          <p:nvPr/>
+        </p:nvSpPr>
+        <p:spPr>
+          <a:xfrm>
+            <a:off x="838800" y="4855680"/>
+            <a:ext cx="8258400" cy="545760"/>
+          </a:xfrm>
+          <a:prstGeom prst="rect">
+            <a:avLst/>
+          </a:prstGeom>
+          <a:noFill/>
+          <a:ln>
+            <a:noFill/>
+          </a:ln>
+        </p:spPr>
+        <p:style>
+          <a:lnRef idx="0"/>
+          <a:fillRef idx="0"/>
+          <a:effectRef idx="0"/>
+          <a:fontRef idx="minor"/>
+        </p:style>
+        <p:txBody>
+          <a:bodyPr wrap="none" lIns="90000" rIns="90000" tIns="45000" bIns="45000"/>
+          <a:p>
+            <a:pPr algn="ctr">
+              <a:lnSpc>
+                <a:spcPct val="100000"/>
+              </a:lnSpc>
+            </a:pPr>
+            <a:r>
+              <a:rPr b="0" lang="en-GB" sz="3000" spc="-1" strike="noStrike">
+                <a:solidFill>
+                  <a:srgbClr val="000000"/>
+                </a:solidFill>
+                <a:latin typeface="Arial"/>
+                <a:ea typeface="DejaVu Sans"/>
+              </a:rPr>
+              <a:t>3- Je ne veux pas revoir la paire ni me re-tester </a:t>
+            </a:r>
+            <a:endParaRPr b="0" lang="en-GB" sz="3000" spc="-1" strike="noStrike">
+              <a:latin typeface="Arial"/>
+            </a:endParaRPr>
+          </a:p>
+        </p:txBody>
+      </p:sp>
+      <p:sp>
+        <p:nvSpPr>
+          <p:cNvPr id="200" name="CustomShape 9"/>
+          <p:cNvSpPr/>
+          <p:nvPr/>
+        </p:nvSpPr>
+        <p:spPr>
+          <a:xfrm>
+            <a:off x="3855240" y="5780880"/>
+            <a:ext cx="4472640" cy="545760"/>
+          </a:xfrm>
+          <a:prstGeom prst="rect">
+            <a:avLst/>
+          </a:prstGeom>
+          <a:noFill/>
+          <a:ln>
+            <a:noFill/>
+          </a:ln>
+        </p:spPr>
+        <p:style>
+          <a:lnRef idx="0"/>
+          <a:fillRef idx="0"/>
+          <a:effectRef idx="0"/>
+          <a:fontRef idx="minor"/>
+        </p:style>
+        <p:txBody>
+          <a:bodyPr wrap="none" lIns="90000" rIns="90000" tIns="45000" bIns="45000"/>
+          <a:p>
+            <a:pPr algn="ctr">
+              <a:lnSpc>
+                <a:spcPct val="100000"/>
+              </a:lnSpc>
+            </a:pPr>
+            <a:r>
+              <a:rPr b="0" lang="en-GB" sz="3000" spc="-1" strike="noStrike">
+                <a:solidFill>
+                  <a:srgbClr val="000000"/>
+                </a:solidFill>
+                <a:latin typeface="Arial"/>
+                <a:ea typeface="DejaVu Sans"/>
+              </a:rPr>
+              <a:t>Tape ton choix (1, 2 ou 3)</a:t>
+            </a:r>
+            <a:endParaRPr b="0" lang="en-GB" sz="3000" spc="-1" strike="noStrike">
+              <a:latin typeface="Arial"/>
+            </a:endParaRPr>
+          </a:p>
+        </p:txBody>
+      </p:sp>
+    </p:spTree>
+  </p:cSld>
+  <p:timing>
+    <p:tnLst>
+      <p:par>
+        <p:cTn id="23" dur="indefinite" restart="never" nodeType="tmRoot">
+          <p:childTnLst>
+            <p:seq>
+              <p:cTn id="24" dur="indefinite" nodeType="mainSeq"/>
+              <p:prevCondLst>
+                <p:cond delay="0" evt="onPrev">
+                  <p:tgtEl>
+                    <p:sldTgt/>
+                  </p:tgtEl>
+                </p:cond>
+              </p:prevCondLst>
+              <p:nextCondLst>
+                <p:cond delay="0" evt="onNext">
+                  <p:tgtEl>
+                    <p:sldTgt/>
+                  </p:tgtEl>
+                </p:cond>
+              </p:nextCondLst>
+            </p:seq>
+          </p:childTnLst>
+        </p:cTn>
+      </p:par>
+    </p:tnLst>
+  </p:timing>
+</p:sld>
+</file>
+
+<file path=ppt/slides/slide21.xml><?xml version="1.0" encoding="utf-8"?>
+<p:sld xmlns:a="http://schemas.openxmlformats.org/drawingml/2006/main" xmlns:p="http://schemas.openxmlformats.org/presentationml/2006/main" xmlns:r="http://schemas.openxmlformats.org/officeDocument/2006/relationships" xmlns:p14="http://schemas.microsoft.com/office/powerpoint/2010/main" xmlns:p15="http://schemas.microsoft.com/office/powerpoint/2012/main" xmlns:mc="http://schemas.openxmlformats.org/markup-compatibility/2006">
+  <p:cSld>
+    <p:spTree>
+      <p:nvGrpSpPr>
+        <p:cNvPr id="1" name=""/>
+        <p:cNvGrpSpPr/>
+        <p:nvPr/>
+      </p:nvGrpSpPr>
+      <p:grpSpPr>
+        <a:xfrm>
+          <a:off x="0" y="0"/>
+          <a:ext cx="0" cy="0"/>
+          <a:chOff x="0" y="0"/>
+          <a:chExt cx="0" cy="0"/>
+        </a:xfrm>
+      </p:grpSpPr>
+      <p:sp>
+        <p:nvSpPr>
+          <p:cNvPr id="201" name="CustomShape 1"/>
+          <p:cNvSpPr/>
+          <p:nvPr/>
+        </p:nvSpPr>
+        <p:spPr>
+          <a:xfrm>
+            <a:off x="3535560" y="206640"/>
+            <a:ext cx="4669200" cy="698400"/>
+          </a:xfrm>
+          <a:prstGeom prst="rect">
+            <a:avLst/>
+          </a:prstGeom>
+          <a:noFill/>
+          <a:ln>
+            <a:noFill/>
+          </a:ln>
+        </p:spPr>
+        <p:style>
+          <a:lnRef idx="0"/>
+          <a:fillRef idx="0"/>
+          <a:effectRef idx="0"/>
+          <a:fontRef idx="minor"/>
+        </p:style>
+        <p:txBody>
+          <a:bodyPr wrap="none" lIns="90000" rIns="90000" tIns="45000" bIns="45000"/>
+          <a:p>
+            <a:pPr algn="ctr">
+              <a:lnSpc>
+                <a:spcPct val="100000"/>
+              </a:lnSpc>
+            </a:pPr>
+            <a:r>
+              <a:rPr b="0" lang="en-GB" sz="4000" spc="-1" strike="noStrike">
+                <a:solidFill>
+                  <a:srgbClr val="000000"/>
+                </a:solidFill>
+                <a:latin typeface="Arial"/>
+                <a:ea typeface="DejaVu Sans"/>
+              </a:rPr>
+              <a:t>Bravo ! Tu as réussi</a:t>
+            </a:r>
+            <a:endParaRPr b="0" lang="en-GB" sz="4000" spc="-1" strike="noStrike">
+              <a:latin typeface="Arial"/>
+            </a:endParaRPr>
+          </a:p>
+        </p:txBody>
+      </p:sp>
+      <p:sp>
+        <p:nvSpPr>
+          <p:cNvPr id="202" name="CustomShape 2"/>
+          <p:cNvSpPr/>
+          <p:nvPr/>
+        </p:nvSpPr>
+        <p:spPr>
+          <a:xfrm>
+            <a:off x="5685840" y="1280880"/>
+            <a:ext cx="402120" cy="545760"/>
+          </a:xfrm>
+          <a:prstGeom prst="rect">
+            <a:avLst/>
+          </a:prstGeom>
+          <a:noFill/>
+          <a:ln>
+            <a:noFill/>
+          </a:ln>
+        </p:spPr>
+        <p:style>
+          <a:lnRef idx="0"/>
+          <a:fillRef idx="0"/>
+          <a:effectRef idx="0"/>
+          <a:fontRef idx="minor"/>
+        </p:style>
+        <p:txBody>
+          <a:bodyPr wrap="none" lIns="90000" rIns="90000" tIns="45000" bIns="45000"/>
+          <a:p>
+            <a:pPr algn="ctr">
+              <a:lnSpc>
+                <a:spcPct val="100000"/>
+              </a:lnSpc>
+            </a:pPr>
+            <a:r>
+              <a:rPr b="0" lang="en-GB" sz="3000" spc="-1" strike="noStrike">
+                <a:solidFill>
+                  <a:srgbClr val="000000"/>
+                </a:solidFill>
+                <a:latin typeface="Arial"/>
+                <a:ea typeface="DejaVu Sans"/>
+              </a:rPr>
+              <a:t>=</a:t>
+            </a:r>
+            <a:endParaRPr b="0" lang="en-GB" sz="3000" spc="-1" strike="noStrike">
+              <a:latin typeface="Arial"/>
+            </a:endParaRPr>
+          </a:p>
+        </p:txBody>
+      </p:sp>
+      <p:sp>
+        <p:nvSpPr>
+          <p:cNvPr id="203" name="CustomShape 3"/>
+          <p:cNvSpPr/>
+          <p:nvPr/>
+        </p:nvSpPr>
+        <p:spPr>
+          <a:xfrm>
+            <a:off x="3446280" y="2112840"/>
+            <a:ext cx="5033520" cy="698400"/>
+          </a:xfrm>
+          <a:prstGeom prst="rect">
+            <a:avLst/>
+          </a:prstGeom>
+          <a:noFill/>
+          <a:ln>
+            <a:noFill/>
+          </a:ln>
+        </p:spPr>
+        <p:style>
+          <a:lnRef idx="0"/>
+          <a:fillRef idx="0"/>
+          <a:effectRef idx="0"/>
+          <a:fontRef idx="minor"/>
+        </p:style>
+        <p:txBody>
+          <a:bodyPr wrap="none" lIns="90000" rIns="90000" tIns="45000" bIns="45000"/>
+          <a:p>
+            <a:pPr algn="ctr">
+              <a:lnSpc>
+                <a:spcPct val="100000"/>
+              </a:lnSpc>
+            </a:pPr>
+            <a:r>
+              <a:rPr b="0" lang="en-GB" sz="4000" spc="-1" strike="noStrike">
+                <a:solidFill>
+                  <a:srgbClr val="000000"/>
+                </a:solidFill>
+                <a:latin typeface="Arial"/>
+                <a:ea typeface="DejaVu Sans"/>
+              </a:rPr>
+              <a:t>Que souhaiterais-tu ?</a:t>
+            </a:r>
+            <a:endParaRPr b="0" lang="en-GB" sz="4000" spc="-1" strike="noStrike">
+              <a:latin typeface="Arial"/>
+            </a:endParaRPr>
+          </a:p>
+        </p:txBody>
+      </p:sp>
+      <p:sp>
+        <p:nvSpPr>
+          <p:cNvPr id="204" name="CustomShape 4"/>
+          <p:cNvSpPr/>
+          <p:nvPr/>
+        </p:nvSpPr>
+        <p:spPr>
+          <a:xfrm>
+            <a:off x="833040" y="3191760"/>
+            <a:ext cx="7371360" cy="545760"/>
+          </a:xfrm>
+          <a:prstGeom prst="rect">
+            <a:avLst/>
+          </a:prstGeom>
+          <a:noFill/>
+          <a:ln>
+            <a:noFill/>
+          </a:ln>
+        </p:spPr>
+        <p:style>
+          <a:lnRef idx="0"/>
+          <a:fillRef idx="0"/>
+          <a:effectRef idx="0"/>
+          <a:fontRef idx="minor"/>
+        </p:style>
+        <p:txBody>
+          <a:bodyPr wrap="none" lIns="90000" rIns="90000" tIns="45000" bIns="45000"/>
+          <a:p>
+            <a:pPr algn="ctr">
+              <a:lnSpc>
+                <a:spcPct val="100000"/>
+              </a:lnSpc>
+            </a:pPr>
+            <a:r>
+              <a:rPr b="0" lang="en-GB" sz="3000" spc="-1" strike="noStrike">
+                <a:solidFill>
+                  <a:srgbClr val="000000"/>
+                </a:solidFill>
+                <a:latin typeface="Arial"/>
+                <a:ea typeface="DejaVu Sans"/>
+              </a:rPr>
+              <a:t>1- Je veux revoir la paire de mots plus tard</a:t>
+            </a:r>
+            <a:endParaRPr b="0" lang="en-GB" sz="3000" spc="-1" strike="noStrike">
+              <a:latin typeface="Arial"/>
+            </a:endParaRPr>
+          </a:p>
+        </p:txBody>
+      </p:sp>
+      <p:sp>
+        <p:nvSpPr>
+          <p:cNvPr id="205" name="CustomShape 5"/>
+          <p:cNvSpPr/>
+          <p:nvPr/>
+        </p:nvSpPr>
+        <p:spPr>
+          <a:xfrm>
+            <a:off x="837000" y="4023720"/>
+            <a:ext cx="7920000" cy="545760"/>
+          </a:xfrm>
+          <a:prstGeom prst="rect">
+            <a:avLst/>
+          </a:prstGeom>
+          <a:noFill/>
+          <a:ln>
+            <a:noFill/>
+          </a:ln>
+        </p:spPr>
+        <p:style>
+          <a:lnRef idx="0"/>
+          <a:fillRef idx="0"/>
+          <a:effectRef idx="0"/>
+          <a:fontRef idx="minor"/>
+        </p:style>
+        <p:txBody>
+          <a:bodyPr wrap="none" lIns="90000" rIns="90000" tIns="45000" bIns="45000"/>
+          <a:p>
+            <a:pPr algn="ctr">
+              <a:lnSpc>
+                <a:spcPct val="100000"/>
+              </a:lnSpc>
+            </a:pPr>
+            <a:r>
+              <a:rPr b="0" lang="en-GB" sz="3000" spc="-1" strike="noStrike">
+                <a:solidFill>
+                  <a:srgbClr val="000000"/>
+                </a:solidFill>
+                <a:latin typeface="Arial"/>
+                <a:ea typeface="DejaVu Sans"/>
+              </a:rPr>
+              <a:t>2- Je veux me re-tester avec la paire plus tard</a:t>
+            </a:r>
+            <a:endParaRPr b="0" lang="en-GB" sz="3000" spc="-1" strike="noStrike">
+              <a:latin typeface="Arial"/>
+            </a:endParaRPr>
+          </a:p>
+        </p:txBody>
+      </p:sp>
+      <p:sp>
+        <p:nvSpPr>
+          <p:cNvPr id="206" name="CustomShape 6"/>
+          <p:cNvSpPr/>
+          <p:nvPr/>
+        </p:nvSpPr>
+        <p:spPr>
+          <a:xfrm>
+            <a:off x="838440" y="4855680"/>
+            <a:ext cx="8258400" cy="545760"/>
+          </a:xfrm>
+          <a:prstGeom prst="rect">
+            <a:avLst/>
+          </a:prstGeom>
+          <a:noFill/>
+          <a:ln>
+            <a:noFill/>
+          </a:ln>
+        </p:spPr>
+        <p:style>
+          <a:lnRef idx="0"/>
+          <a:fillRef idx="0"/>
+          <a:effectRef idx="0"/>
+          <a:fontRef idx="minor"/>
+        </p:style>
+        <p:txBody>
+          <a:bodyPr wrap="none" lIns="90000" rIns="90000" tIns="45000" bIns="45000"/>
+          <a:p>
+            <a:pPr algn="ctr">
+              <a:lnSpc>
+                <a:spcPct val="100000"/>
+              </a:lnSpc>
+            </a:pPr>
+            <a:r>
+              <a:rPr b="0" lang="en-GB" sz="3000" spc="-1" strike="noStrike">
+                <a:solidFill>
+                  <a:srgbClr val="000000"/>
+                </a:solidFill>
+                <a:latin typeface="Arial"/>
+                <a:ea typeface="DejaVu Sans"/>
+              </a:rPr>
+              <a:t>3- Je ne veux pas revoir la paire ni me re-tester </a:t>
+            </a:r>
+            <a:endParaRPr b="0" lang="en-GB" sz="3000" spc="-1" strike="noStrike">
+              <a:latin typeface="Arial"/>
+            </a:endParaRPr>
+          </a:p>
+        </p:txBody>
+      </p:sp>
+      <p:sp>
+        <p:nvSpPr>
+          <p:cNvPr id="207" name="CustomShape 7"/>
+          <p:cNvSpPr/>
+          <p:nvPr/>
+        </p:nvSpPr>
+        <p:spPr>
+          <a:xfrm>
+            <a:off x="3854880" y="5780880"/>
+            <a:ext cx="4472640" cy="545760"/>
+          </a:xfrm>
+          <a:prstGeom prst="rect">
+            <a:avLst/>
+          </a:prstGeom>
+          <a:noFill/>
+          <a:ln>
+            <a:noFill/>
+          </a:ln>
+        </p:spPr>
+        <p:style>
+          <a:lnRef idx="0"/>
+          <a:fillRef idx="0"/>
+          <a:effectRef idx="0"/>
+          <a:fontRef idx="minor"/>
+        </p:style>
+        <p:txBody>
+          <a:bodyPr wrap="none" lIns="90000" rIns="90000" tIns="45000" bIns="45000"/>
+          <a:p>
+            <a:pPr algn="ctr">
+              <a:lnSpc>
+                <a:spcPct val="100000"/>
+              </a:lnSpc>
+            </a:pPr>
+            <a:r>
+              <a:rPr b="0" lang="en-GB" sz="3000" spc="-1" strike="noStrike">
+                <a:solidFill>
+                  <a:srgbClr val="000000"/>
+                </a:solidFill>
+                <a:latin typeface="Arial"/>
+                <a:ea typeface="DejaVu Sans"/>
+              </a:rPr>
+              <a:t>Tape ton choix (1, 2 ou 3)</a:t>
+            </a:r>
+            <a:endParaRPr b="0" lang="en-GB" sz="3000" spc="-1" strike="noStrike">
+              <a:latin typeface="Arial"/>
+            </a:endParaRPr>
+          </a:p>
+        </p:txBody>
+      </p:sp>
+    </p:spTree>
+  </p:cSld>
+</p:sld>
+</file>
+
+<file path=ppt/slides/slide22.xml><?xml version="1.0" encoding="utf-8"?>
+<p:sld xmlns:a="http://schemas.openxmlformats.org/drawingml/2006/main" xmlns:p="http://schemas.openxmlformats.org/presentationml/2006/main" xmlns:r="http://schemas.openxmlformats.org/officeDocument/2006/relationships" xmlns:p14="http://schemas.microsoft.com/office/powerpoint/2010/main" xmlns:p15="http://schemas.microsoft.com/office/powerpoint/2012/main" xmlns:mc="http://schemas.openxmlformats.org/markup-compatibility/2006">
+  <p:cSld>
+    <p:spTree>
+      <p:nvGrpSpPr>
+        <p:cNvPr id="1" name=""/>
+        <p:cNvGrpSpPr/>
+        <p:nvPr/>
+      </p:nvGrpSpPr>
+      <p:grpSpPr>
+        <a:xfrm>
+          <a:off x="0" y="0"/>
+          <a:ext cx="0" cy="0"/>
+          <a:chOff x="0" y="0"/>
+          <a:chExt cx="0" cy="0"/>
+        </a:xfrm>
+      </p:grpSpPr>
+      <p:sp>
+        <p:nvSpPr>
+          <p:cNvPr id="208" name="CustomShape 1"/>
+          <p:cNvSpPr/>
+          <p:nvPr/>
+        </p:nvSpPr>
+        <p:spPr>
+          <a:xfrm>
+            <a:off x="3535560" y="206640"/>
+            <a:ext cx="4669200" cy="698400"/>
+          </a:xfrm>
+          <a:prstGeom prst="rect">
+            <a:avLst/>
+          </a:prstGeom>
+          <a:noFill/>
+          <a:ln>
+            <a:noFill/>
+          </a:ln>
+        </p:spPr>
+        <p:style>
+          <a:lnRef idx="0"/>
+          <a:fillRef idx="0"/>
+          <a:effectRef idx="0"/>
+          <a:fontRef idx="minor"/>
+        </p:style>
+        <p:txBody>
+          <a:bodyPr wrap="none" lIns="90000" rIns="90000" tIns="45000" bIns="45000"/>
+          <a:p>
+            <a:pPr algn="ctr">
+              <a:lnSpc>
+                <a:spcPct val="100000"/>
+              </a:lnSpc>
+            </a:pPr>
+            <a:r>
+              <a:rPr b="0" lang="en-GB" sz="4000" spc="-1" strike="noStrike">
+                <a:solidFill>
+                  <a:srgbClr val="000000"/>
+                </a:solidFill>
+                <a:latin typeface="Arial"/>
+                <a:ea typeface="DejaVu Sans"/>
+              </a:rPr>
+              <a:t>Bravo ! Tu as réussi</a:t>
+            </a:r>
+            <a:endParaRPr b="0" lang="en-GB" sz="4000" spc="-1" strike="noStrike">
+              <a:latin typeface="Arial"/>
+            </a:endParaRPr>
+          </a:p>
+        </p:txBody>
+      </p:sp>
+      <p:sp>
+        <p:nvSpPr>
+          <p:cNvPr id="209" name="CustomShape 2"/>
+          <p:cNvSpPr/>
+          <p:nvPr/>
+        </p:nvSpPr>
+        <p:spPr>
+          <a:xfrm>
+            <a:off x="5685840" y="1280880"/>
+            <a:ext cx="402120" cy="545760"/>
+          </a:xfrm>
+          <a:prstGeom prst="rect">
+            <a:avLst/>
+          </a:prstGeom>
+          <a:noFill/>
+          <a:ln>
+            <a:noFill/>
+          </a:ln>
+        </p:spPr>
+        <p:style>
+          <a:lnRef idx="0"/>
+          <a:fillRef idx="0"/>
+          <a:effectRef idx="0"/>
+          <a:fontRef idx="minor"/>
+        </p:style>
+        <p:txBody>
+          <a:bodyPr wrap="none" lIns="90000" rIns="90000" tIns="45000" bIns="45000"/>
+          <a:p>
+            <a:pPr algn="ctr">
+              <a:lnSpc>
+                <a:spcPct val="100000"/>
+              </a:lnSpc>
+            </a:pPr>
+            <a:r>
+              <a:rPr b="0" lang="en-GB" sz="3000" spc="-1" strike="noStrike">
+                <a:solidFill>
+                  <a:srgbClr val="000000"/>
+                </a:solidFill>
+                <a:latin typeface="Arial"/>
+                <a:ea typeface="DejaVu Sans"/>
+              </a:rPr>
+              <a:t>=</a:t>
+            </a:r>
+            <a:endParaRPr b="0" lang="en-GB" sz="3000" spc="-1" strike="noStrike">
+              <a:latin typeface="Arial"/>
+            </a:endParaRPr>
+          </a:p>
+        </p:txBody>
+      </p:sp>
+      <p:sp>
+        <p:nvSpPr>
+          <p:cNvPr id="210" name="CustomShape 3"/>
+          <p:cNvSpPr/>
+          <p:nvPr/>
+        </p:nvSpPr>
+        <p:spPr>
+          <a:xfrm>
+            <a:off x="3446280" y="2112840"/>
+            <a:ext cx="5033520" cy="698400"/>
+          </a:xfrm>
+          <a:prstGeom prst="rect">
+            <a:avLst/>
+          </a:prstGeom>
+          <a:noFill/>
+          <a:ln>
+            <a:noFill/>
+          </a:ln>
+        </p:spPr>
+        <p:style>
+          <a:lnRef idx="0"/>
+          <a:fillRef idx="0"/>
+          <a:effectRef idx="0"/>
+          <a:fontRef idx="minor"/>
+        </p:style>
+        <p:txBody>
+          <a:bodyPr wrap="none" lIns="90000" rIns="90000" tIns="45000" bIns="45000"/>
+          <a:p>
+            <a:pPr algn="ctr">
+              <a:lnSpc>
+                <a:spcPct val="100000"/>
+              </a:lnSpc>
+            </a:pPr>
+            <a:r>
+              <a:rPr b="0" lang="en-GB" sz="4000" spc="-1" strike="noStrike">
+                <a:solidFill>
+                  <a:srgbClr val="000000"/>
+                </a:solidFill>
+                <a:latin typeface="Arial"/>
+                <a:ea typeface="DejaVu Sans"/>
+              </a:rPr>
+              <a:t>Que souhaiterais-tu ?</a:t>
+            </a:r>
+            <a:endParaRPr b="0" lang="en-GB" sz="4000" spc="-1" strike="noStrike">
+              <a:latin typeface="Arial"/>
+            </a:endParaRPr>
+          </a:p>
+        </p:txBody>
+      </p:sp>
+      <p:sp>
+        <p:nvSpPr>
+          <p:cNvPr id="211" name="CustomShape 4"/>
+          <p:cNvSpPr/>
+          <p:nvPr/>
+        </p:nvSpPr>
+        <p:spPr>
+          <a:xfrm>
+            <a:off x="833040" y="3191760"/>
+            <a:ext cx="7371360" cy="545760"/>
+          </a:xfrm>
+          <a:prstGeom prst="rect">
+            <a:avLst/>
+          </a:prstGeom>
+          <a:noFill/>
+          <a:ln>
+            <a:noFill/>
+          </a:ln>
+        </p:spPr>
+        <p:style>
+          <a:lnRef idx="0"/>
+          <a:fillRef idx="0"/>
+          <a:effectRef idx="0"/>
+          <a:fontRef idx="minor"/>
+        </p:style>
+        <p:txBody>
+          <a:bodyPr wrap="none" lIns="90000" rIns="90000" tIns="45000" bIns="45000"/>
+          <a:p>
+            <a:pPr algn="ctr">
+              <a:lnSpc>
+                <a:spcPct val="100000"/>
+              </a:lnSpc>
+            </a:pPr>
+            <a:r>
+              <a:rPr b="0" lang="en-GB" sz="3000" spc="-1" strike="noStrike">
+                <a:solidFill>
+                  <a:srgbClr val="000000"/>
+                </a:solidFill>
+                <a:latin typeface="Arial"/>
+                <a:ea typeface="DejaVu Sans"/>
+              </a:rPr>
+              <a:t>1- Je veux revoir la paire de mots plus tard</a:t>
+            </a:r>
+            <a:endParaRPr b="0" lang="en-GB" sz="3000" spc="-1" strike="noStrike">
+              <a:latin typeface="Arial"/>
+            </a:endParaRPr>
+          </a:p>
+        </p:txBody>
+      </p:sp>
+      <p:sp>
+        <p:nvSpPr>
+          <p:cNvPr id="212" name="CustomShape 5"/>
+          <p:cNvSpPr/>
+          <p:nvPr/>
+        </p:nvSpPr>
+        <p:spPr>
+          <a:xfrm>
+            <a:off x="837000" y="4023720"/>
+            <a:ext cx="7920000" cy="545760"/>
+          </a:xfrm>
+          <a:prstGeom prst="rect">
+            <a:avLst/>
+          </a:prstGeom>
+          <a:noFill/>
+          <a:ln>
+            <a:noFill/>
+          </a:ln>
+        </p:spPr>
+        <p:style>
+          <a:lnRef idx="0"/>
+          <a:fillRef idx="0"/>
+          <a:effectRef idx="0"/>
+          <a:fontRef idx="minor"/>
+        </p:style>
+        <p:txBody>
+          <a:bodyPr wrap="none" lIns="90000" rIns="90000" tIns="45000" bIns="45000"/>
+          <a:p>
+            <a:pPr algn="ctr">
+              <a:lnSpc>
+                <a:spcPct val="100000"/>
+              </a:lnSpc>
+            </a:pPr>
+            <a:r>
+              <a:rPr b="0" lang="en-GB" sz="3000" spc="-1" strike="noStrike">
+                <a:solidFill>
+                  <a:srgbClr val="000000"/>
+                </a:solidFill>
+                <a:latin typeface="Arial"/>
+                <a:ea typeface="DejaVu Sans"/>
+              </a:rPr>
+              <a:t>2- Je veux me re-tester avec la paire plus tard</a:t>
+            </a:r>
+            <a:endParaRPr b="0" lang="en-GB" sz="3000" spc="-1" strike="noStrike">
+              <a:latin typeface="Arial"/>
+            </a:endParaRPr>
+          </a:p>
+        </p:txBody>
+      </p:sp>
+      <p:sp>
+        <p:nvSpPr>
+          <p:cNvPr id="213" name="CustomShape 6"/>
+          <p:cNvSpPr/>
+          <p:nvPr/>
+        </p:nvSpPr>
+        <p:spPr>
+          <a:xfrm>
+            <a:off x="838440" y="4855680"/>
+            <a:ext cx="8258400" cy="545760"/>
+          </a:xfrm>
+          <a:prstGeom prst="rect">
+            <a:avLst/>
+          </a:prstGeom>
+          <a:noFill/>
+          <a:ln>
+            <a:noFill/>
+          </a:ln>
+        </p:spPr>
+        <p:style>
+          <a:lnRef idx="0"/>
+          <a:fillRef idx="0"/>
+          <a:effectRef idx="0"/>
+          <a:fontRef idx="minor"/>
+        </p:style>
+        <p:txBody>
+          <a:bodyPr wrap="none" lIns="90000" rIns="90000" tIns="45000" bIns="45000"/>
+          <a:p>
+            <a:pPr algn="ctr">
+              <a:lnSpc>
+                <a:spcPct val="100000"/>
+              </a:lnSpc>
+            </a:pPr>
+            <a:r>
+              <a:rPr b="0" lang="en-GB" sz="3000" spc="-1" strike="noStrike">
+                <a:solidFill>
+                  <a:srgbClr val="000000"/>
+                </a:solidFill>
+                <a:latin typeface="Arial"/>
+                <a:ea typeface="DejaVu Sans"/>
+              </a:rPr>
+              <a:t>3- Je ne veux pas revoir la paire ni me re-tester </a:t>
+            </a:r>
+            <a:endParaRPr b="0" lang="en-GB" sz="3000" spc="-1" strike="noStrike">
+              <a:latin typeface="Arial"/>
+            </a:endParaRPr>
+          </a:p>
+        </p:txBody>
+      </p:sp>
+      <p:sp>
+        <p:nvSpPr>
+          <p:cNvPr id="214" name="CustomShape 7"/>
+          <p:cNvSpPr/>
+          <p:nvPr/>
+        </p:nvSpPr>
+        <p:spPr>
+          <a:xfrm>
+            <a:off x="3854880" y="5780880"/>
+            <a:ext cx="4472640" cy="545760"/>
+          </a:xfrm>
+          <a:prstGeom prst="rect">
+            <a:avLst/>
+          </a:prstGeom>
+          <a:noFill/>
+          <a:ln>
+            <a:noFill/>
+          </a:ln>
+        </p:spPr>
+        <p:style>
+          <a:lnRef idx="0"/>
+          <a:fillRef idx="0"/>
+          <a:effectRef idx="0"/>
+          <a:fontRef idx="minor"/>
+        </p:style>
+        <p:txBody>
+          <a:bodyPr wrap="none" lIns="90000" rIns="90000" tIns="45000" bIns="45000"/>
+          <a:p>
+            <a:pPr algn="ctr">
+              <a:lnSpc>
+                <a:spcPct val="100000"/>
+              </a:lnSpc>
+            </a:pPr>
+            <a:r>
+              <a:rPr b="0" lang="en-GB" sz="3000" spc="-1" strike="noStrike">
+                <a:solidFill>
+                  <a:srgbClr val="000000"/>
+                </a:solidFill>
+                <a:latin typeface="Arial"/>
+                <a:ea typeface="DejaVu Sans"/>
+              </a:rPr>
+              <a:t>Tape ton choix (1, 2 ou 3)</a:t>
+            </a:r>
+            <a:endParaRPr b="0" lang="en-GB" sz="3000" spc="-1" strike="noStrike">
+              <a:latin typeface="Arial"/>
+            </a:endParaRPr>
+          </a:p>
+        </p:txBody>
+      </p:sp>
+    </p:spTree>
+  </p:cSld>
+</p:sld>
+</file>
+
+<file path=ppt/slides/slide23.xml><?xml version="1.0" encoding="utf-8"?>
+<p:sld xmlns:a="http://schemas.openxmlformats.org/drawingml/2006/main" xmlns:p="http://schemas.openxmlformats.org/presentationml/2006/main" xmlns:r="http://schemas.openxmlformats.org/officeDocument/2006/relationships" xmlns:p14="http://schemas.microsoft.com/office/powerpoint/2010/main" xmlns:p15="http://schemas.microsoft.com/office/powerpoint/2012/main" xmlns:mc="http://schemas.openxmlformats.org/markup-compatibility/2006">
+  <p:cSld>
+    <p:spTree>
+      <p:nvGrpSpPr>
+        <p:cNvPr id="1" name=""/>
+        <p:cNvGrpSpPr/>
+        <p:nvPr/>
+      </p:nvGrpSpPr>
+      <p:grpSpPr>
+        <a:xfrm>
+          <a:off x="0" y="0"/>
+          <a:ext cx="0" cy="0"/>
+          <a:chOff x="0" y="0"/>
+          <a:chExt cx="0" cy="0"/>
+        </a:xfrm>
+      </p:grpSpPr>
+      <p:sp>
+        <p:nvSpPr>
+          <p:cNvPr id="215" name="CustomShape 1"/>
+          <p:cNvSpPr/>
+          <p:nvPr/>
+        </p:nvSpPr>
+        <p:spPr>
+          <a:xfrm>
+            <a:off x="838080" y="365040"/>
+            <a:ext cx="10513800" cy="1323720"/>
+          </a:xfrm>
+          <a:prstGeom prst="rect">
+            <a:avLst/>
+          </a:prstGeom>
+          <a:noFill/>
+          <a:ln>
+            <a:noFill/>
+          </a:ln>
+        </p:spPr>
+        <p:style>
+          <a:lnRef idx="0"/>
+          <a:fillRef idx="0"/>
+          <a:effectRef idx="0"/>
+          <a:fontRef idx="minor"/>
+        </p:style>
+      </p:sp>
+      <p:sp>
+        <p:nvSpPr>
+          <p:cNvPr id="216" name="CustomShape 2"/>
+          <p:cNvSpPr/>
+          <p:nvPr/>
+        </p:nvSpPr>
+        <p:spPr>
+          <a:xfrm>
+            <a:off x="838080" y="1825560"/>
+            <a:ext cx="3384360" cy="2073600"/>
+          </a:xfrm>
+          <a:prstGeom prst="rect">
+            <a:avLst/>
+          </a:prstGeom>
+          <a:noFill/>
+          <a:ln>
+            <a:noFill/>
+          </a:ln>
+        </p:spPr>
+        <p:style>
+          <a:lnRef idx="0"/>
+          <a:fillRef idx="0"/>
+          <a:effectRef idx="0"/>
+          <a:fontRef idx="minor"/>
+        </p:style>
+      </p:sp>
+      <p:sp>
+        <p:nvSpPr>
+          <p:cNvPr id="217" name="CustomShape 3"/>
+          <p:cNvSpPr/>
+          <p:nvPr/>
+        </p:nvSpPr>
+        <p:spPr>
+          <a:xfrm>
+            <a:off x="4393440" y="1825560"/>
+            <a:ext cx="3384360" cy="2073600"/>
+          </a:xfrm>
+          <a:prstGeom prst="rect">
+            <a:avLst/>
+          </a:prstGeom>
+          <a:noFill/>
+          <a:ln>
+            <a:noFill/>
+          </a:ln>
+        </p:spPr>
+        <p:style>
+          <a:lnRef idx="0"/>
+          <a:fillRef idx="0"/>
+          <a:effectRef idx="0"/>
+          <a:fontRef idx="minor"/>
+        </p:style>
+      </p:sp>
+      <p:sp>
+        <p:nvSpPr>
+          <p:cNvPr id="218" name="CustomShape 4"/>
+          <p:cNvSpPr/>
+          <p:nvPr/>
+        </p:nvSpPr>
+        <p:spPr>
+          <a:xfrm>
+            <a:off x="7949160" y="1825560"/>
+            <a:ext cx="3384360" cy="2073600"/>
+          </a:xfrm>
+          <a:prstGeom prst="rect">
+            <a:avLst/>
+          </a:prstGeom>
+          <a:noFill/>
+          <a:ln>
+            <a:noFill/>
+          </a:ln>
+        </p:spPr>
+        <p:style>
+          <a:lnRef idx="0"/>
+          <a:fillRef idx="0"/>
+          <a:effectRef idx="0"/>
+          <a:fontRef idx="minor"/>
+        </p:style>
+      </p:sp>
+      <p:sp>
+        <p:nvSpPr>
+          <p:cNvPr id="219" name="CustomShape 5"/>
+          <p:cNvSpPr/>
+          <p:nvPr/>
+        </p:nvSpPr>
+        <p:spPr>
+          <a:xfrm>
+            <a:off x="838080" y="4098240"/>
+            <a:ext cx="3384360" cy="2073600"/>
+          </a:xfrm>
+          <a:prstGeom prst="rect">
+            <a:avLst/>
+          </a:prstGeom>
+          <a:noFill/>
+          <a:ln>
+            <a:noFill/>
+          </a:ln>
+        </p:spPr>
+        <p:style>
+          <a:lnRef idx="0"/>
+          <a:fillRef idx="0"/>
+          <a:effectRef idx="0"/>
+          <a:fontRef idx="minor"/>
+        </p:style>
+      </p:sp>
+      <p:sp>
+        <p:nvSpPr>
+          <p:cNvPr id="220" name="CustomShape 6"/>
+          <p:cNvSpPr/>
+          <p:nvPr/>
+        </p:nvSpPr>
+        <p:spPr>
+          <a:xfrm>
+            <a:off x="4393440" y="4098240"/>
+            <a:ext cx="3384360" cy="2073600"/>
+          </a:xfrm>
+          <a:prstGeom prst="rect">
+            <a:avLst/>
+          </a:prstGeom>
+          <a:noFill/>
+          <a:ln>
+            <a:noFill/>
+          </a:ln>
+        </p:spPr>
+        <p:style>
+          <a:lnRef idx="0"/>
+          <a:fillRef idx="0"/>
+          <a:effectRef idx="0"/>
+          <a:fontRef idx="minor"/>
+        </p:style>
+      </p:sp>
+      <p:sp>
+        <p:nvSpPr>
+          <p:cNvPr id="221" name="CustomShape 7"/>
+          <p:cNvSpPr/>
+          <p:nvPr/>
+        </p:nvSpPr>
+        <p:spPr>
+          <a:xfrm>
+            <a:off x="7949160" y="4098240"/>
+            <a:ext cx="3384360" cy="2073600"/>
+          </a:xfrm>
+          <a:prstGeom prst="rect">
+            <a:avLst/>
+          </a:prstGeom>
+          <a:noFill/>
+          <a:ln>
+            <a:noFill/>
+          </a:ln>
+        </p:spPr>
+        <p:style>
+          <a:lnRef idx="0"/>
+          <a:fillRef idx="0"/>
+          <a:effectRef idx="0"/>
+          <a:fontRef idx="minor"/>
+        </p:style>
+      </p:sp>
+      <p:pic>
+        <p:nvPicPr>
+          <p:cNvPr id="222" name="" descr=""/>
+          <p:cNvPicPr/>
+          <p:nvPr/>
+        </p:nvPicPr>
+        <p:blipFill>
+          <a:blip r:embed="rId1"/>
+          <a:stretch/>
+        </p:blipFill>
+        <p:spPr>
+          <a:xfrm>
+            <a:off x="4176000" y="2376000"/>
+            <a:ext cx="3403440" cy="4164120"/>
+          </a:xfrm>
+          <a:prstGeom prst="rect">
+            <a:avLst/>
+          </a:prstGeom>
+          <a:ln>
+            <a:noFill/>
+          </a:ln>
+        </p:spPr>
+      </p:pic>
+      <p:sp>
+        <p:nvSpPr>
+          <p:cNvPr id="223" name="CustomShape 8"/>
+          <p:cNvSpPr/>
+          <p:nvPr/>
+        </p:nvSpPr>
+        <p:spPr>
+          <a:xfrm>
+            <a:off x="3535920" y="206640"/>
+            <a:ext cx="4669200" cy="698400"/>
+          </a:xfrm>
+          <a:prstGeom prst="rect">
+            <a:avLst/>
+          </a:prstGeom>
+          <a:noFill/>
+          <a:ln>
+            <a:noFill/>
+          </a:ln>
+        </p:spPr>
+        <p:style>
+          <a:lnRef idx="0"/>
+          <a:fillRef idx="0"/>
+          <a:effectRef idx="0"/>
+          <a:fontRef idx="minor"/>
+        </p:style>
+        <p:txBody>
+          <a:bodyPr wrap="none" lIns="90000" rIns="90000" tIns="45000" bIns="45000"/>
+          <a:p>
+            <a:pPr algn="ctr">
+              <a:lnSpc>
+                <a:spcPct val="100000"/>
+              </a:lnSpc>
+            </a:pPr>
+            <a:r>
+              <a:rPr b="0" lang="en-GB" sz="4000" spc="-1" strike="noStrike">
+                <a:solidFill>
+                  <a:srgbClr val="000000"/>
+                </a:solidFill>
+                <a:latin typeface="Arial"/>
+                <a:ea typeface="DejaVu Sans"/>
+              </a:rPr>
+              <a:t>Merci d’avoir participé !</a:t>
+            </a:r>
+            <a:endParaRPr b="0" lang="en-GB" sz="4000" spc="-1" strike="noStrike">
+              <a:latin typeface="Arial"/>
+            </a:endParaRPr>
+          </a:p>
+          <a:p>
+            <a:pPr algn="ctr">
+              <a:lnSpc>
+                <a:spcPct val="100000"/>
+              </a:lnSpc>
+            </a:pPr>
+            <a:endParaRPr b="0" lang="en-GB" sz="4000" spc="-1" strike="noStrike">
+              <a:latin typeface="Arial"/>
+            </a:endParaRPr>
+          </a:p>
+          <a:p>
+            <a:pPr algn="ctr">
+              <a:lnSpc>
+                <a:spcPct val="100000"/>
+              </a:lnSpc>
+            </a:pPr>
+            <a:r>
+              <a:rPr b="0" lang="en-GB" sz="4000" spc="-1" strike="noStrike">
+                <a:solidFill>
+                  <a:srgbClr val="000000"/>
+                </a:solidFill>
+                <a:latin typeface="Arial"/>
+                <a:ea typeface="DejaVu Sans"/>
+              </a:rPr>
+              <a:t>À bientôt !</a:t>
+            </a:r>
+            <a:endParaRPr b="0" lang="en-GB" sz="4000" spc="-1" strike="noStrike">
+              <a:latin typeface="Arial"/>
+            </a:endParaRPr>
+          </a:p>
+        </p:txBody>
+      </p:sp>
+    </p:spTree>
+  </p:cSld>
+  <p:timing>
+    <p:tnLst>
+      <p:par>
+        <p:cTn id="25" dur="indefinite" restart="never" nodeType="tmRoot">
+          <p:childTnLst>
+            <p:seq>
+              <p:cTn id="26" dur="indefinite" nodeType="mainSeq"/>
+              <p:prevCondLst>
+                <p:cond delay="0" evt="onPrev">
+                  <p:tgtEl>
+                    <p:sldTgt/>
+                  </p:tgtEl>
+                </p:cond>
+              </p:prevCondLst>
+              <p:nextCondLst>
+                <p:cond delay="0" evt="onNext">
+                  <p:tgtEl>
+                    <p:sldTgt/>
+                  </p:tgtEl>
+                </p:cond>
+              </p:nextCondLst>
+            </p:seq>
+          </p:childTnLst>
+        </p:cTn>
+      </p:par>
+    </p:tnLst>
+  </p:timing>
+</p:sld>
+</file>
+
+<file path=ppt/slides/slide3.xml><?xml version="1.0" encoding="utf-8"?>
+<p:sld xmlns:a="http://schemas.openxmlformats.org/drawingml/2006/main" xmlns:p="http://schemas.openxmlformats.org/presentationml/2006/main" xmlns:r="http://schemas.openxmlformats.org/officeDocument/2006/relationships" xmlns:p14="http://schemas.microsoft.com/office/powerpoint/2010/main" xmlns:p15="http://schemas.microsoft.com/office/powerpoint/2012/main" xmlns:mc="http://schemas.openxmlformats.org/markup-compatibility/2006">
+  <p:cSld>
+    <p:spTree>
+      <p:nvGrpSpPr>
+        <p:cNvPr id="1" name=""/>
+        <p:cNvGrpSpPr/>
+        <p:nvPr/>
+      </p:nvGrpSpPr>
+      <p:grpSpPr>
+        <a:xfrm>
+          <a:off x="0" y="0"/>
+          <a:ext cx="0" cy="0"/>
+          <a:chOff x="0" y="0"/>
+          <a:chExt cx="0" cy="0"/>
+        </a:xfrm>
+      </p:grpSpPr>
+      <p:sp>
+        <p:nvSpPr>
+          <p:cNvPr id="126" name="CustomShape 1"/>
+          <p:cNvSpPr/>
+          <p:nvPr/>
+        </p:nvSpPr>
+        <p:spPr>
+          <a:xfrm>
+            <a:off x="5421240" y="1664640"/>
+            <a:ext cx="1260000" cy="545760"/>
+          </a:xfrm>
+          <a:prstGeom prst="rect">
+            <a:avLst/>
+          </a:prstGeom>
+          <a:noFill/>
+          <a:ln>
+            <a:noFill/>
+          </a:ln>
+        </p:spPr>
+        <p:style>
+          <a:lnRef idx="0"/>
+          <a:fillRef idx="0"/>
+          <a:effectRef idx="0"/>
+          <a:fontRef idx="minor"/>
+        </p:style>
+        <p:txBody>
+          <a:bodyPr wrap="none" lIns="90000" rIns="90000" tIns="45000" bIns="45000"/>
+          <a:p>
+            <a:pPr algn="ctr">
+              <a:lnSpc>
+                <a:spcPct val="100000"/>
+              </a:lnSpc>
+            </a:pPr>
+            <a:r>
+              <a:rPr b="0" lang="en-GB" sz="3000" spc="-1" strike="noStrike">
+                <a:solidFill>
+                  <a:srgbClr val="000000"/>
+                </a:solidFill>
+                <a:latin typeface="Arial"/>
+                <a:ea typeface="DejaVu Sans"/>
+              </a:rPr>
+              <a:t>Quel est </a:t>
+            </a:r>
+            <a:r>
+              <a:rPr b="0" lang="en-GB" sz="3000" spc="-1" strike="noStrike">
+                <a:solidFill>
+                  <a:srgbClr val="000000"/>
+                </a:solidFill>
+                <a:latin typeface="Arial"/>
+                <a:ea typeface="DejaVu Sans"/>
+              </a:rPr>
+              <a:t>ton numéro d’identification ?</a:t>
+            </a:r>
+            <a:endParaRPr b="0" lang="en-GB" sz="3000" spc="-1" strike="noStrike">
+              <a:latin typeface="Arial"/>
+            </a:endParaRPr>
+          </a:p>
+        </p:txBody>
+      </p:sp>
+    </p:spTree>
+  </p:cSld>
+</p:sld>
+</file>
+
 <file path=ppt/slides/slide4.xml><?xml version="1.0" encoding="utf-8"?>
 <p:sld xmlns:a="http://schemas.openxmlformats.org/drawingml/2006/main" xmlns:p="http://schemas.openxmlformats.org/presentationml/2006/main" xmlns:r="http://schemas.openxmlformats.org/officeDocument/2006/relationships" xmlns:p14="http://schemas.microsoft.com/office/powerpoint/2010/main" xmlns:p15="http://schemas.microsoft.com/office/powerpoint/2012/main" xmlns:mc="http://schemas.openxmlformats.org/markup-compatibility/2006">
   <p:cSld>
@@ -8813,14 +10041,14 @@
       </p:grpSpPr>
       <p:sp>
         <p:nvSpPr>
-          <p:cNvPr id="134" name="CustomShape 1"/>
+          <p:cNvPr id="127" name="CustomShape 1"/>
           <p:cNvSpPr/>
           <p:nvPr/>
         </p:nvSpPr>
         <p:spPr>
           <a:xfrm>
-            <a:off x="3362400" y="918360"/>
-            <a:ext cx="4811040" cy="545760"/>
+            <a:off x="5423040" y="1664640"/>
+            <a:ext cx="1260000" cy="545760"/>
           </a:xfrm>
           <a:prstGeom prst="rect">
             <a:avLst/>
@@ -8852,47 +10080,8 @@
                 <a:latin typeface="Arial"/>
                 <a:ea typeface="DejaVu Sans"/>
               </a:rPr>
-              <a:t>Essaye de traduire ce mot !</a:t>
-            </a:r>
-            <a:endParaRPr b="0" lang="en-GB" sz="3000" spc="-1" strike="noStrike">
-              <a:latin typeface="Arial"/>
-            </a:endParaRPr>
-          </a:p>
-        </p:txBody>
-      </p:sp>
-      <p:sp>
-        <p:nvSpPr>
-          <p:cNvPr id="135" name="CustomShape 2"/>
-          <p:cNvSpPr/>
-          <p:nvPr/>
-        </p:nvSpPr>
-        <p:spPr>
-          <a:xfrm>
-            <a:off x="3621960" y="2238120"/>
-            <a:ext cx="4050720" cy="545760"/>
-          </a:xfrm>
-          <a:prstGeom prst="rect">
-            <a:avLst/>
-          </a:prstGeom>
-          <a:noFill/>
-          <a:ln>
-            <a:noFill/>
-          </a:ln>
-        </p:spPr>
-        <p:style>
-          <a:lnRef idx="0"/>
-          <a:fillRef idx="0"/>
-          <a:effectRef idx="0"/>
-          <a:fontRef idx="minor"/>
-        </p:style>
-        <p:txBody>
-          <a:bodyPr wrap="none" lIns="90000" rIns="90000" tIns="45000" bIns="45000"/>
-          <a:p>
-            <a:pPr algn="ctr">
-              <a:lnSpc>
-                <a:spcPct val="100000"/>
-              </a:lnSpc>
-            </a:pPr>
+              <a:t>Quel est </a:t>
+            </a:r>
             <a:r>
               <a:rPr b="0" lang="en-GB" sz="3000" spc="-1" strike="noStrike">
                 <a:solidFill>
@@ -8901,154 +10090,7 @@
                 <a:latin typeface="Arial"/>
                 <a:ea typeface="DejaVu Sans"/>
               </a:rPr>
-              <a:t>Ecrit le mot en français</a:t>
-            </a:r>
-            <a:endParaRPr b="0" lang="en-GB" sz="3000" spc="-1" strike="noStrike">
-              <a:latin typeface="Arial"/>
-            </a:endParaRPr>
-          </a:p>
-        </p:txBody>
-      </p:sp>
-      <p:sp>
-        <p:nvSpPr>
-          <p:cNvPr id="136" name="CustomShape 3"/>
-          <p:cNvSpPr/>
-          <p:nvPr/>
-        </p:nvSpPr>
-        <p:spPr>
-          <a:xfrm>
-            <a:off x="3504240" y="3558240"/>
-            <a:ext cx="1153440" cy="545760"/>
-          </a:xfrm>
-          <a:prstGeom prst="rect">
-            <a:avLst/>
-          </a:prstGeom>
-          <a:noFill/>
-          <a:ln>
-            <a:noFill/>
-          </a:ln>
-        </p:spPr>
-        <p:style>
-          <a:lnRef idx="0"/>
-          <a:fillRef idx="0"/>
-          <a:effectRef idx="0"/>
-          <a:fontRef idx="minor"/>
-        </p:style>
-        <p:txBody>
-          <a:bodyPr wrap="none" lIns="90000" rIns="90000" tIns="45000" bIns="45000"/>
-          <a:p>
-            <a:pPr algn="ctr">
-              <a:lnSpc>
-                <a:spcPct val="100000"/>
-              </a:lnSpc>
-            </a:pPr>
-            <a:r>
-              <a:rPr b="0" lang="en-GB" sz="3000" spc="-1" strike="noStrike">
-                <a:solidFill>
-                  <a:srgbClr val="000000"/>
-                </a:solidFill>
-                <a:latin typeface="Arial"/>
-                <a:ea typeface="DejaVu Sans"/>
-              </a:rPr>
-              <a:t>Vonat</a:t>
-            </a:r>
-            <a:endParaRPr b="0" lang="en-GB" sz="3000" spc="-1" strike="noStrike">
-              <a:latin typeface="Arial"/>
-            </a:endParaRPr>
-          </a:p>
-        </p:txBody>
-      </p:sp>
-      <p:sp>
-        <p:nvSpPr>
-          <p:cNvPr id="137" name="CustomShape 4"/>
-          <p:cNvSpPr/>
-          <p:nvPr/>
-        </p:nvSpPr>
-        <p:spPr>
-          <a:xfrm>
-            <a:off x="6482520" y="3558240"/>
-            <a:ext cx="391320" cy="545760"/>
-          </a:xfrm>
-          <a:prstGeom prst="rect">
-            <a:avLst/>
-          </a:prstGeom>
-          <a:noFill/>
-          <a:ln>
-            <a:noFill/>
-          </a:ln>
-        </p:spPr>
-        <p:style>
-          <a:lnRef idx="0"/>
-          <a:fillRef idx="0"/>
-          <a:effectRef idx="0"/>
-          <a:fontRef idx="minor"/>
-        </p:style>
-        <p:txBody>
-          <a:bodyPr wrap="none" lIns="90000" rIns="90000" tIns="45000" bIns="45000"/>
-          <a:p>
-            <a:pPr algn="ctr">
-              <a:lnSpc>
-                <a:spcPct val="100000"/>
-              </a:lnSpc>
-            </a:pPr>
-            <a:r>
-              <a:rPr b="0" lang="en-GB" sz="3000" spc="-1" strike="noStrike">
-                <a:solidFill>
-                  <a:srgbClr val="000000"/>
-                </a:solidFill>
-                <a:latin typeface="Arial"/>
-                <a:ea typeface="DejaVu Sans"/>
-              </a:rPr>
-              <a:t>?</a:t>
-            </a:r>
-            <a:endParaRPr b="0" lang="en-GB" sz="3000" spc="-1" strike="noStrike">
-              <a:latin typeface="Arial"/>
-            </a:endParaRPr>
-          </a:p>
-        </p:txBody>
-      </p:sp>
-      <p:sp>
-        <p:nvSpPr>
-          <p:cNvPr id="138" name="CustomShape 5"/>
-          <p:cNvSpPr/>
-          <p:nvPr/>
-        </p:nvSpPr>
-        <p:spPr>
-          <a:xfrm>
-            <a:off x="5241600" y="3558240"/>
-            <a:ext cx="402120" cy="545760"/>
-          </a:xfrm>
-          <a:prstGeom prst="rect">
-            <a:avLst/>
-          </a:prstGeom>
-          <a:noFill/>
-          <a:ln>
-            <a:noFill/>
-          </a:ln>
-        </p:spPr>
-        <p:style>
-          <a:lnRef idx="0"/>
-          <a:fillRef idx="0"/>
-          <a:effectRef idx="0"/>
-          <a:fontRef idx="minor"/>
-        </p:style>
-        <p:txBody>
-          <a:bodyPr wrap="none" lIns="90000" rIns="90000" tIns="45000" bIns="45000"/>
-          <a:p>
-            <a:pPr algn="ctr">
-              <a:lnSpc>
-                <a:spcPct val="100000"/>
-              </a:lnSpc>
-            </a:pPr>
-            <a:r>
-              <a:rPr b="0" lang="en-GB" sz="3000" spc="-1" strike="noStrike">
-                <a:solidFill>
-                  <a:srgbClr val="000000"/>
-                </a:solidFill>
-                <a:latin typeface="Arial"/>
-                <a:ea typeface="DejaVu Sans"/>
-              </a:rPr>
-              <a:t>=</a:t>
+              <a:t>ton âge, en chiffre (ex: 12) ?</a:t>
             </a:r>
             <a:endParaRPr b="0" lang="en-GB" sz="3000" spc="-1" strike="noStrike">
               <a:latin typeface="Arial"/>
@@ -9107,14 +10149,14 @@
       </p:grpSpPr>
       <p:sp>
         <p:nvSpPr>
-          <p:cNvPr id="139" name="CustomShape 1"/>
+          <p:cNvPr id="128" name="CustomShape 1"/>
           <p:cNvSpPr/>
           <p:nvPr/>
         </p:nvSpPr>
         <p:spPr>
           <a:xfrm>
-            <a:off x="3362400" y="918000"/>
-            <a:ext cx="4811040" cy="545760"/>
+            <a:off x="5425920" y="1664640"/>
+            <a:ext cx="1260000" cy="545760"/>
           </a:xfrm>
           <a:prstGeom prst="rect">
             <a:avLst/>
@@ -9146,47 +10188,8 @@
                 <a:latin typeface="Arial"/>
                 <a:ea typeface="DejaVu Sans"/>
               </a:rPr>
-              <a:t>Essaye de traduire ce mot !</a:t>
-            </a:r>
-            <a:endParaRPr b="0" lang="en-GB" sz="3000" spc="-1" strike="noStrike">
-              <a:latin typeface="Arial"/>
-            </a:endParaRPr>
-          </a:p>
-        </p:txBody>
-      </p:sp>
-      <p:sp>
-        <p:nvSpPr>
-          <p:cNvPr id="140" name="CustomShape 2"/>
-          <p:cNvSpPr/>
-          <p:nvPr/>
-        </p:nvSpPr>
-        <p:spPr>
-          <a:xfrm>
-            <a:off x="3621960" y="2237760"/>
-            <a:ext cx="4050720" cy="545760"/>
-          </a:xfrm>
-          <a:prstGeom prst="rect">
-            <a:avLst/>
-          </a:prstGeom>
-          <a:noFill/>
-          <a:ln>
-            <a:noFill/>
-          </a:ln>
-        </p:spPr>
-        <p:style>
-          <a:lnRef idx="0"/>
-          <a:fillRef idx="0"/>
-          <a:effectRef idx="0"/>
-          <a:fontRef idx="minor"/>
-        </p:style>
-        <p:txBody>
-          <a:bodyPr wrap="none" lIns="90000" rIns="90000" tIns="45000" bIns="45000"/>
-          <a:p>
-            <a:pPr algn="ctr">
-              <a:lnSpc>
-                <a:spcPct val="100000"/>
-              </a:lnSpc>
-            </a:pPr>
+              <a:t>Quel est </a:t>
+            </a:r>
             <a:r>
               <a:rPr b="0" lang="en-GB" sz="3000" spc="-1" strike="noStrike">
                 <a:solidFill>
@@ -9195,105 +10198,7 @@
                 <a:latin typeface="Arial"/>
                 <a:ea typeface="DejaVu Sans"/>
               </a:rPr>
-              <a:t>Ecrit le mot en français</a:t>
-            </a:r>
-            <a:endParaRPr b="0" lang="en-GB" sz="3000" spc="-1" strike="noStrike">
-              <a:latin typeface="Arial"/>
-            </a:endParaRPr>
-          </a:p>
-        </p:txBody>
-      </p:sp>
-      <p:sp>
-        <p:nvSpPr>
-          <p:cNvPr id="141" name="CustomShape 3"/>
-          <p:cNvSpPr/>
-          <p:nvPr/>
-        </p:nvSpPr>
-        <p:spPr>
-          <a:xfrm>
-            <a:off x="6482520" y="3557880"/>
-            <a:ext cx="391320" cy="545760"/>
-          </a:xfrm>
-          <a:prstGeom prst="rect">
-            <a:avLst/>
-          </a:prstGeom>
-          <a:noFill/>
-          <a:ln>
-            <a:noFill/>
-          </a:ln>
-        </p:spPr>
-        <p:style>
-          <a:lnRef idx="0"/>
-          <a:fillRef idx="0"/>
-          <a:effectRef idx="0"/>
-          <a:fontRef idx="minor"/>
-        </p:style>
-        <p:txBody>
-          <a:bodyPr wrap="none" lIns="90000" rIns="90000" tIns="45000" bIns="45000"/>
-          <a:p>
-            <a:pPr algn="ctr">
-              <a:lnSpc>
-                <a:spcPct val="100000"/>
-              </a:lnSpc>
-            </a:pPr>
-            <a:r>
-              <a:rPr b="0" lang="en-GB" sz="3000" spc="-1" strike="noStrike">
-                <a:solidFill>
-                  <a:srgbClr val="000000"/>
-                </a:solidFill>
-                <a:latin typeface="Arial"/>
-                <a:ea typeface="DejaVu Sans"/>
-              </a:rPr>
-              <a:t>?</a:t>
-            </a:r>
-            <a:endParaRPr b="0" lang="en-GB" sz="3000" spc="-1" strike="noStrike">
-              <a:latin typeface="Arial"/>
-            </a:endParaRPr>
-          </a:p>
-        </p:txBody>
-      </p:sp>
-      <p:sp>
-        <p:nvSpPr>
-          <p:cNvPr id="142" name="CustomShape 4"/>
-          <p:cNvSpPr/>
-          <p:nvPr/>
-        </p:nvSpPr>
-        <p:spPr>
-          <a:xfrm>
-            <a:off x="5241600" y="3557880"/>
-            <a:ext cx="402120" cy="545760"/>
-          </a:xfrm>
-          <a:prstGeom prst="rect">
-            <a:avLst/>
-          </a:prstGeom>
-          <a:noFill/>
-          <a:ln>
-            <a:noFill/>
-          </a:ln>
-        </p:spPr>
-        <p:style>
-          <a:lnRef idx="0"/>
-          <a:fillRef idx="0"/>
-          <a:effectRef idx="0"/>
-          <a:fontRef idx="minor"/>
-        </p:style>
-        <p:txBody>
-          <a:bodyPr wrap="none" lIns="90000" rIns="90000" tIns="45000" bIns="45000"/>
-          <a:p>
-            <a:pPr algn="ctr">
-              <a:lnSpc>
-                <a:spcPct val="100000"/>
-              </a:lnSpc>
-            </a:pPr>
-            <a:r>
-              <a:rPr b="0" lang="en-GB" sz="3000" spc="-1" strike="noStrike">
-                <a:solidFill>
-                  <a:srgbClr val="000000"/>
-                </a:solidFill>
-                <a:latin typeface="Arial"/>
-                <a:ea typeface="DejaVu Sans"/>
-              </a:rPr>
-              <a:t>=</a:t>
+              <a:t>ton sexe (G ou F) ?</a:t>
             </a:r>
             <a:endParaRPr b="0" lang="en-GB" sz="3000" spc="-1" strike="noStrike">
               <a:latin typeface="Arial"/>
@@ -9352,14 +10257,14 @@
       </p:grpSpPr>
       <p:sp>
         <p:nvSpPr>
-          <p:cNvPr id="143" name="CustomShape 1"/>
+          <p:cNvPr id="129" name="CustomShape 1"/>
           <p:cNvSpPr/>
           <p:nvPr/>
         </p:nvSpPr>
         <p:spPr>
           <a:xfrm>
-            <a:off x="3320280" y="1256760"/>
-            <a:ext cx="4669200" cy="698400"/>
+            <a:off x="5425920" y="1664640"/>
+            <a:ext cx="1260000" cy="545760"/>
           </a:xfrm>
           <a:prstGeom prst="rect">
             <a:avLst/>
@@ -9384,55 +10289,6 @@
               </a:lnSpc>
             </a:pPr>
             <a:r>
-              <a:rPr b="0" lang="en-GB" sz="4000" spc="-1" strike="noStrike">
-                <a:solidFill>
-                  <a:srgbClr val="000000"/>
-                </a:solidFill>
-                <a:latin typeface="Arial"/>
-                <a:ea typeface="DejaVu Sans"/>
-              </a:rPr>
-              <a:t>Bravo ! Tu as réussi</a:t>
-            </a:r>
-            <a:endParaRPr b="0" lang="en-GB" sz="4000" spc="-1" strike="noStrike">
-              <a:latin typeface="Arial"/>
-            </a:endParaRPr>
-          </a:p>
-        </p:txBody>
-      </p:sp>
-      <p:sp>
-        <p:nvSpPr>
-          <p:cNvPr id="144" name="CustomShape 2"/>
-          <p:cNvSpPr/>
-          <p:nvPr/>
-        </p:nvSpPr>
-        <p:spPr>
-          <a:xfrm>
-            <a:off x="3605760" y="2959920"/>
-            <a:ext cx="1153440" cy="545760"/>
-          </a:xfrm>
-          <a:prstGeom prst="rect">
-            <a:avLst/>
-          </a:prstGeom>
-          <a:noFill/>
-          <a:ln>
-            <a:noFill/>
-          </a:ln>
-        </p:spPr>
-        <p:style>
-          <a:lnRef idx="0"/>
-          <a:fillRef idx="0"/>
-          <a:effectRef idx="0"/>
-          <a:fontRef idx="minor"/>
-        </p:style>
-        <p:txBody>
-          <a:bodyPr wrap="none" lIns="90000" rIns="90000" tIns="45000" bIns="45000"/>
-          <a:p>
-            <a:pPr algn="ctr">
-              <a:lnSpc>
-                <a:spcPct val="100000"/>
-              </a:lnSpc>
-            </a:pPr>
-            <a:r>
               <a:rPr b="0" lang="en-GB" sz="3000" spc="-1" strike="noStrike">
                 <a:solidFill>
                   <a:srgbClr val="000000"/>
@@ -9440,47 +10296,8 @@
                 <a:latin typeface="Arial"/>
                 <a:ea typeface="DejaVu Sans"/>
               </a:rPr>
-              <a:t>Vonat</a:t>
-            </a:r>
-            <a:endParaRPr b="0" lang="en-GB" sz="3000" spc="-1" strike="noStrike">
-              <a:latin typeface="Arial"/>
-            </a:endParaRPr>
-          </a:p>
-        </p:txBody>
-      </p:sp>
-      <p:sp>
-        <p:nvSpPr>
-          <p:cNvPr id="145" name="CustomShape 3"/>
-          <p:cNvSpPr/>
-          <p:nvPr/>
-        </p:nvSpPr>
-        <p:spPr>
-          <a:xfrm>
-            <a:off x="6263280" y="2959920"/>
-            <a:ext cx="1033200" cy="545760"/>
-          </a:xfrm>
-          <a:prstGeom prst="rect">
-            <a:avLst/>
-          </a:prstGeom>
-          <a:noFill/>
-          <a:ln>
-            <a:noFill/>
-          </a:ln>
-        </p:spPr>
-        <p:style>
-          <a:lnRef idx="0"/>
-          <a:fillRef idx="0"/>
-          <a:effectRef idx="0"/>
-          <a:fontRef idx="minor"/>
-        </p:style>
-        <p:txBody>
-          <a:bodyPr wrap="none" lIns="90000" rIns="90000" tIns="45000" bIns="45000"/>
-          <a:p>
-            <a:pPr algn="ctr">
-              <a:lnSpc>
-                <a:spcPct val="100000"/>
-              </a:lnSpc>
-            </a:pPr>
+              <a:t>Quel est </a:t>
+            </a:r>
             <a:r>
               <a:rPr b="0" lang="en-GB" sz="3000" spc="-1" strike="noStrike">
                 <a:solidFill>
@@ -9489,105 +10306,7 @@
                 <a:latin typeface="Arial"/>
                 <a:ea typeface="DejaVu Sans"/>
               </a:rPr>
-              <a:t>Train</a:t>
-            </a:r>
-            <a:endParaRPr b="0" lang="en-GB" sz="3000" spc="-1" strike="noStrike">
-              <a:latin typeface="Arial"/>
-            </a:endParaRPr>
-          </a:p>
-        </p:txBody>
-      </p:sp>
-      <p:sp>
-        <p:nvSpPr>
-          <p:cNvPr id="146" name="CustomShape 4"/>
-          <p:cNvSpPr/>
-          <p:nvPr/>
-        </p:nvSpPr>
-        <p:spPr>
-          <a:xfrm>
-            <a:off x="5343120" y="2959920"/>
-            <a:ext cx="402120" cy="545760"/>
-          </a:xfrm>
-          <a:prstGeom prst="rect">
-            <a:avLst/>
-          </a:prstGeom>
-          <a:noFill/>
-          <a:ln>
-            <a:noFill/>
-          </a:ln>
-        </p:spPr>
-        <p:style>
-          <a:lnRef idx="0"/>
-          <a:fillRef idx="0"/>
-          <a:effectRef idx="0"/>
-          <a:fontRef idx="minor"/>
-        </p:style>
-        <p:txBody>
-          <a:bodyPr wrap="none" lIns="90000" rIns="90000" tIns="45000" bIns="45000"/>
-          <a:p>
-            <a:pPr algn="ctr">
-              <a:lnSpc>
-                <a:spcPct val="100000"/>
-              </a:lnSpc>
-            </a:pPr>
-            <a:r>
-              <a:rPr b="0" lang="en-GB" sz="3000" spc="-1" strike="noStrike">
-                <a:solidFill>
-                  <a:srgbClr val="000000"/>
-                </a:solidFill>
-                <a:latin typeface="Arial"/>
-                <a:ea typeface="DejaVu Sans"/>
-              </a:rPr>
-              <a:t>=</a:t>
-            </a:r>
-            <a:endParaRPr b="0" lang="en-GB" sz="3000" spc="-1" strike="noStrike">
-              <a:latin typeface="Arial"/>
-            </a:endParaRPr>
-          </a:p>
-        </p:txBody>
-      </p:sp>
-      <p:sp>
-        <p:nvSpPr>
-          <p:cNvPr id="147" name="CustomShape 5"/>
-          <p:cNvSpPr/>
-          <p:nvPr/>
-        </p:nvSpPr>
-        <p:spPr>
-          <a:xfrm>
-            <a:off x="2279880" y="4339080"/>
-            <a:ext cx="6528600" cy="545760"/>
-          </a:xfrm>
-          <a:prstGeom prst="rect">
-            <a:avLst/>
-          </a:prstGeom>
-          <a:noFill/>
-          <a:ln>
-            <a:noFill/>
-          </a:ln>
-        </p:spPr>
-        <p:style>
-          <a:lnRef idx="0"/>
-          <a:fillRef idx="0"/>
-          <a:effectRef idx="0"/>
-          <a:fontRef idx="minor"/>
-        </p:style>
-        <p:txBody>
-          <a:bodyPr wrap="none" lIns="90000" rIns="90000" tIns="45000" bIns="45000"/>
-          <a:p>
-            <a:pPr algn="ctr">
-              <a:lnSpc>
-                <a:spcPct val="100000"/>
-              </a:lnSpc>
-            </a:pPr>
-            <a:r>
-              <a:rPr b="0" lang="en-GB" sz="3000" spc="-1" strike="noStrike">
-                <a:solidFill>
-                  <a:srgbClr val="000000"/>
-                </a:solidFill>
-                <a:latin typeface="Arial"/>
-                <a:ea typeface="DejaVu Sans"/>
-              </a:rPr>
-              <a:t>Appuie sur une touche pour continuer</a:t>
+              <a:t>ton degré scolaire (ex: 8H) ?</a:t>
             </a:r>
             <a:endParaRPr b="0" lang="en-GB" sz="3000" spc="-1" strike="noStrike">
               <a:latin typeface="Arial"/>
@@ -9619,13 +10338,13 @@
       </p:grpSpPr>
       <p:sp>
         <p:nvSpPr>
-          <p:cNvPr id="148" name="CustomShape 1"/>
+          <p:cNvPr id="130" name="CustomShape 1"/>
           <p:cNvSpPr/>
           <p:nvPr/>
         </p:nvSpPr>
         <p:spPr>
           <a:xfrm>
-            <a:off x="3320280" y="1256760"/>
+            <a:off x="3535560" y="206640"/>
             <a:ext cx="4669200" cy="698400"/>
           </a:xfrm>
           <a:prstGeom prst="rect">
@@ -9668,14 +10387,14 @@
       </p:sp>
       <p:sp>
         <p:nvSpPr>
-          <p:cNvPr id="149" name="CustomShape 2"/>
+          <p:cNvPr id="131" name="CustomShape 2"/>
           <p:cNvSpPr/>
           <p:nvPr/>
         </p:nvSpPr>
         <p:spPr>
           <a:xfrm>
-            <a:off x="5343120" y="2959920"/>
-            <a:ext cx="402120" cy="545760"/>
+            <a:off x="3948120" y="1280880"/>
+            <a:ext cx="1153440" cy="545760"/>
           </a:xfrm>
           <a:prstGeom prst="rect">
             <a:avLst/>
@@ -9691,40 +10410,17 @@
           <a:effectRef idx="0"/>
           <a:fontRef idx="minor"/>
         </p:style>
-        <p:txBody>
-          <a:bodyPr wrap="none" lIns="90000" rIns="90000" tIns="45000" bIns="45000"/>
-          <a:p>
-            <a:pPr algn="ctr">
-              <a:lnSpc>
-                <a:spcPct val="100000"/>
-              </a:lnSpc>
-            </a:pPr>
-            <a:r>
-              <a:rPr b="0" lang="en-GB" sz="3000" spc="-1" strike="noStrike">
-                <a:solidFill>
-                  <a:srgbClr val="000000"/>
-                </a:solidFill>
-                <a:latin typeface="Arial"/>
-                <a:ea typeface="DejaVu Sans"/>
-              </a:rPr>
-              <a:t>=</a:t>
-            </a:r>
-            <a:endParaRPr b="0" lang="en-GB" sz="3000" spc="-1" strike="noStrike">
-              <a:latin typeface="Arial"/>
-            </a:endParaRPr>
-          </a:p>
-        </p:txBody>
-      </p:sp>
-      <p:sp>
-        <p:nvSpPr>
-          <p:cNvPr id="150" name="CustomShape 3"/>
+      </p:sp>
+      <p:sp>
+        <p:nvSpPr>
+          <p:cNvPr id="132" name="CustomShape 3"/>
           <p:cNvSpPr/>
           <p:nvPr/>
         </p:nvSpPr>
         <p:spPr>
           <a:xfrm>
-            <a:off x="2279880" y="4339080"/>
-            <a:ext cx="6528600" cy="545760"/>
+            <a:off x="6606000" y="1280880"/>
+            <a:ext cx="1033200" cy="545760"/>
           </a:xfrm>
           <a:prstGeom prst="rect">
             <a:avLst/>
@@ -9740,6 +10436,32 @@
           <a:effectRef idx="0"/>
           <a:fontRef idx="minor"/>
         </p:style>
+      </p:sp>
+      <p:sp>
+        <p:nvSpPr>
+          <p:cNvPr id="133" name="CustomShape 4"/>
+          <p:cNvSpPr/>
+          <p:nvPr/>
+        </p:nvSpPr>
+        <p:spPr>
+          <a:xfrm>
+            <a:off x="5685840" y="1280880"/>
+            <a:ext cx="402120" cy="545760"/>
+          </a:xfrm>
+          <a:prstGeom prst="rect">
+            <a:avLst/>
+          </a:prstGeom>
+          <a:noFill/>
+          <a:ln>
+            <a:noFill/>
+          </a:ln>
+        </p:spPr>
+        <p:style>
+          <a:lnRef idx="0"/>
+          <a:fillRef idx="0"/>
+          <a:effectRef idx="0"/>
+          <a:fontRef idx="minor"/>
+        </p:style>
         <p:txBody>
           <a:bodyPr wrap="none" lIns="90000" rIns="90000" tIns="45000" bIns="45000"/>
           <a:p>
@@ -9756,7 +10478,252 @@
                 <a:latin typeface="Arial"/>
                 <a:ea typeface="DejaVu Sans"/>
               </a:rPr>
-              <a:t>Appuie sur une touche pour continuer</a:t>
+              <a:t>=</a:t>
+            </a:r>
+            <a:endParaRPr b="0" lang="en-GB" sz="3000" spc="-1" strike="noStrike">
+              <a:latin typeface="Arial"/>
+            </a:endParaRPr>
+          </a:p>
+        </p:txBody>
+      </p:sp>
+      <p:sp>
+        <p:nvSpPr>
+          <p:cNvPr id="134" name="CustomShape 5"/>
+          <p:cNvSpPr/>
+          <p:nvPr/>
+        </p:nvSpPr>
+        <p:spPr>
+          <a:xfrm>
+            <a:off x="3446280" y="2112840"/>
+            <a:ext cx="5033520" cy="698400"/>
+          </a:xfrm>
+          <a:prstGeom prst="rect">
+            <a:avLst/>
+          </a:prstGeom>
+          <a:noFill/>
+          <a:ln>
+            <a:noFill/>
+          </a:ln>
+        </p:spPr>
+        <p:style>
+          <a:lnRef idx="0"/>
+          <a:fillRef idx="0"/>
+          <a:effectRef idx="0"/>
+          <a:fontRef idx="minor"/>
+        </p:style>
+        <p:txBody>
+          <a:bodyPr wrap="none" lIns="90000" rIns="90000" tIns="45000" bIns="45000"/>
+          <a:p>
+            <a:pPr algn="ctr">
+              <a:lnSpc>
+                <a:spcPct val="100000"/>
+              </a:lnSpc>
+            </a:pPr>
+            <a:r>
+              <a:rPr b="0" lang="en-GB" sz="4000" spc="-1" strike="noStrike">
+                <a:solidFill>
+                  <a:srgbClr val="000000"/>
+                </a:solidFill>
+                <a:latin typeface="Arial"/>
+                <a:ea typeface="DejaVu Sans"/>
+              </a:rPr>
+              <a:t>Que souhaiterais-tu ?</a:t>
+            </a:r>
+            <a:endParaRPr b="0" lang="en-GB" sz="4000" spc="-1" strike="noStrike">
+              <a:latin typeface="Arial"/>
+            </a:endParaRPr>
+          </a:p>
+        </p:txBody>
+      </p:sp>
+      <p:sp>
+        <p:nvSpPr>
+          <p:cNvPr id="135" name="CustomShape 6"/>
+          <p:cNvSpPr/>
+          <p:nvPr/>
+        </p:nvSpPr>
+        <p:spPr>
+          <a:xfrm>
+            <a:off x="833040" y="3191760"/>
+            <a:ext cx="7371360" cy="545760"/>
+          </a:xfrm>
+          <a:prstGeom prst="rect">
+            <a:avLst/>
+          </a:prstGeom>
+          <a:noFill/>
+          <a:ln>
+            <a:noFill/>
+          </a:ln>
+        </p:spPr>
+        <p:style>
+          <a:lnRef idx="0"/>
+          <a:fillRef idx="0"/>
+          <a:effectRef idx="0"/>
+          <a:fontRef idx="minor"/>
+        </p:style>
+        <p:txBody>
+          <a:bodyPr wrap="none" lIns="90000" rIns="90000" tIns="45000" bIns="45000"/>
+          <a:p>
+            <a:pPr algn="ctr">
+              <a:lnSpc>
+                <a:spcPct val="100000"/>
+              </a:lnSpc>
+            </a:pPr>
+            <a:r>
+              <a:rPr b="0" lang="en-GB" sz="3000" spc="-1" strike="noStrike">
+                <a:solidFill>
+                  <a:srgbClr val="000000"/>
+                </a:solidFill>
+                <a:latin typeface="Arial"/>
+                <a:ea typeface="DejaVu Sans"/>
+              </a:rPr>
+              <a:t>1- Je veux revoir la paire de mots plus tard</a:t>
+            </a:r>
+            <a:endParaRPr b="0" lang="en-GB" sz="3000" spc="-1" strike="noStrike">
+              <a:latin typeface="Arial"/>
+            </a:endParaRPr>
+          </a:p>
+        </p:txBody>
+      </p:sp>
+      <p:sp>
+        <p:nvSpPr>
+          <p:cNvPr id="136" name="CustomShape 7"/>
+          <p:cNvSpPr/>
+          <p:nvPr/>
+        </p:nvSpPr>
+        <p:spPr>
+          <a:xfrm>
+            <a:off x="837000" y="4023720"/>
+            <a:ext cx="7920000" cy="545760"/>
+          </a:xfrm>
+          <a:prstGeom prst="rect">
+            <a:avLst/>
+          </a:prstGeom>
+          <a:noFill/>
+          <a:ln>
+            <a:noFill/>
+          </a:ln>
+        </p:spPr>
+        <p:style>
+          <a:lnRef idx="0"/>
+          <a:fillRef idx="0"/>
+          <a:effectRef idx="0"/>
+          <a:fontRef idx="minor"/>
+        </p:style>
+        <p:txBody>
+          <a:bodyPr wrap="none" lIns="90000" rIns="90000" tIns="45000" bIns="45000"/>
+          <a:p>
+            <a:pPr algn="ctr">
+              <a:lnSpc>
+                <a:spcPct val="100000"/>
+              </a:lnSpc>
+            </a:pPr>
+            <a:r>
+              <a:rPr b="0" lang="en-GB" sz="3000" spc="-1" strike="noStrike">
+                <a:solidFill>
+                  <a:srgbClr val="000000"/>
+                </a:solidFill>
+                <a:latin typeface="Arial"/>
+                <a:ea typeface="DejaVu Sans"/>
+              </a:rPr>
+              <a:t>2- Je veux me re-tester avec la paire plus tard</a:t>
+            </a:r>
+            <a:endParaRPr b="0" lang="en-GB" sz="3000" spc="-1" strike="noStrike">
+              <a:latin typeface="Arial"/>
+            </a:endParaRPr>
+          </a:p>
+        </p:txBody>
+      </p:sp>
+      <p:sp>
+        <p:nvSpPr>
+          <p:cNvPr id="137" name="CustomShape 8"/>
+          <p:cNvSpPr/>
+          <p:nvPr/>
+        </p:nvSpPr>
+        <p:spPr>
+          <a:xfrm>
+            <a:off x="838440" y="4855680"/>
+            <a:ext cx="8258400" cy="545760"/>
+          </a:xfrm>
+          <a:prstGeom prst="rect">
+            <a:avLst/>
+          </a:prstGeom>
+          <a:noFill/>
+          <a:ln>
+            <a:noFill/>
+          </a:ln>
+        </p:spPr>
+        <p:style>
+          <a:lnRef idx="0"/>
+          <a:fillRef idx="0"/>
+          <a:effectRef idx="0"/>
+          <a:fontRef idx="minor"/>
+        </p:style>
+        <p:txBody>
+          <a:bodyPr wrap="none" lIns="90000" rIns="90000" tIns="45000" bIns="45000"/>
+          <a:p>
+            <a:pPr algn="ctr">
+              <a:lnSpc>
+                <a:spcPct val="100000"/>
+              </a:lnSpc>
+            </a:pPr>
+            <a:r>
+              <a:rPr b="0" lang="en-GB" sz="3000" spc="-1" strike="noStrike">
+                <a:solidFill>
+                  <a:srgbClr val="000000"/>
+                </a:solidFill>
+                <a:latin typeface="Arial"/>
+                <a:ea typeface="DejaVu Sans"/>
+              </a:rPr>
+              <a:t>3- Je ne veux pas revoir la paire ni me re-tester </a:t>
+            </a:r>
+            <a:endParaRPr b="0" lang="en-GB" sz="3000" spc="-1" strike="noStrike">
+              <a:latin typeface="Arial"/>
+            </a:endParaRPr>
+          </a:p>
+        </p:txBody>
+      </p:sp>
+      <p:sp>
+        <p:nvSpPr>
+          <p:cNvPr id="138" name="CustomShape 9"/>
+          <p:cNvSpPr/>
+          <p:nvPr/>
+        </p:nvSpPr>
+        <p:spPr>
+          <a:xfrm>
+            <a:off x="3854880" y="5780880"/>
+            <a:ext cx="4472640" cy="545760"/>
+          </a:xfrm>
+          <a:prstGeom prst="rect">
+            <a:avLst/>
+          </a:prstGeom>
+          <a:noFill/>
+          <a:ln>
+            <a:noFill/>
+          </a:ln>
+        </p:spPr>
+        <p:style>
+          <a:lnRef idx="0"/>
+          <a:fillRef idx="0"/>
+          <a:effectRef idx="0"/>
+          <a:fontRef idx="minor"/>
+        </p:style>
+        <p:txBody>
+          <a:bodyPr wrap="none" lIns="90000" rIns="90000" tIns="45000" bIns="45000"/>
+          <a:p>
+            <a:pPr algn="ctr">
+              <a:lnSpc>
+                <a:spcPct val="100000"/>
+              </a:lnSpc>
+            </a:pPr>
+            <a:r>
+              <a:rPr b="0" lang="en-GB" sz="3000" spc="-1" strike="noStrike">
+                <a:solidFill>
+                  <a:srgbClr val="000000"/>
+                </a:solidFill>
+                <a:latin typeface="Arial"/>
+                <a:ea typeface="DejaVu Sans"/>
+              </a:rPr>
+              <a:t>Tape ton choix (1, 2 ou 3)</a:t>
             </a:r>
             <a:endParaRPr b="0" lang="en-GB" sz="3000" spc="-1" strike="noStrike">
               <a:latin typeface="Arial"/>
@@ -9788,14 +10755,14 @@
       </p:grpSpPr>
       <p:sp>
         <p:nvSpPr>
-          <p:cNvPr id="151" name="CustomShape 1"/>
+          <p:cNvPr id="139" name="CustomShape 1"/>
           <p:cNvSpPr/>
           <p:nvPr/>
         </p:nvSpPr>
         <p:spPr>
           <a:xfrm>
-            <a:off x="1308240" y="997200"/>
-            <a:ext cx="8940960" cy="1917360"/>
+            <a:off x="5347800" y="3254040"/>
+            <a:ext cx="440280" cy="622440"/>
           </a:xfrm>
           <a:prstGeom prst="rect">
             <a:avLst/>
@@ -9820,61 +10787,31 @@
               </a:lnSpc>
             </a:pPr>
             <a:r>
-              <a:rPr b="0" lang="en-GB" sz="4000" spc="-1" strike="noStrike">
+              <a:rPr b="0" lang="en-GB" sz="3500" spc="-1" strike="noStrike">
                 <a:solidFill>
                   <a:srgbClr val="000000"/>
                 </a:solidFill>
                 <a:latin typeface="Arial"/>
                 <a:ea typeface="DejaVu Sans"/>
               </a:rPr>
-              <a:t>Ooups ! </a:t>
-            </a:r>
-            <a:endParaRPr b="0" lang="en-GB" sz="4000" spc="-1" strike="noStrike">
-              <a:latin typeface="Arial"/>
-            </a:endParaRPr>
-          </a:p>
-          <a:p>
-            <a:pPr algn="ctr">
-              <a:lnSpc>
-                <a:spcPct val="100000"/>
-              </a:lnSpc>
-            </a:pPr>
-            <a:endParaRPr b="0" lang="en-GB" sz="4000" spc="-1" strike="noStrike">
-              <a:latin typeface="Arial"/>
-            </a:endParaRPr>
-          </a:p>
-          <a:p>
-            <a:pPr algn="ctr">
-              <a:lnSpc>
-                <a:spcPct val="100000"/>
-              </a:lnSpc>
-            </a:pPr>
-            <a:r>
-              <a:rPr b="0" lang="en-GB" sz="4000" spc="-1" strike="noStrike">
-                <a:solidFill>
-                  <a:srgbClr val="000000"/>
-                </a:solidFill>
-                <a:latin typeface="Arial"/>
-                <a:ea typeface="DejaVu Sans"/>
-              </a:rPr>
-              <a:t>Tu n’as pas écrit le mot correctement...</a:t>
-            </a:r>
-            <a:endParaRPr b="0" lang="en-GB" sz="4000" spc="-1" strike="noStrike">
-              <a:latin typeface="Arial"/>
-            </a:endParaRPr>
-          </a:p>
-        </p:txBody>
-      </p:sp>
-      <p:sp>
-        <p:nvSpPr>
-          <p:cNvPr id="152" name="CustomShape 2"/>
+              <a:t>=</a:t>
+            </a:r>
+            <a:endParaRPr b="0" lang="en-GB" sz="3500" spc="-1" strike="noStrike">
+              <a:latin typeface="Arial"/>
+            </a:endParaRPr>
+          </a:p>
+        </p:txBody>
+      </p:sp>
+      <p:sp>
+        <p:nvSpPr>
+          <p:cNvPr id="140" name="CustomShape 2"/>
           <p:cNvSpPr/>
           <p:nvPr/>
         </p:nvSpPr>
         <p:spPr>
           <a:xfrm>
-            <a:off x="3535560" y="3851280"/>
-            <a:ext cx="1316520" cy="622440"/>
+            <a:off x="3587400" y="1260000"/>
+            <a:ext cx="3884400" cy="622440"/>
           </a:xfrm>
           <a:prstGeom prst="rect">
             <a:avLst/>
@@ -9906,252 +10843,7 @@
                 <a:latin typeface="Arial"/>
                 <a:ea typeface="DejaVu Sans"/>
               </a:rPr>
-              <a:t>Vonat</a:t>
-            </a:r>
-            <a:endParaRPr b="0" lang="en-GB" sz="3500" spc="-1" strike="noStrike">
-              <a:latin typeface="Arial"/>
-            </a:endParaRPr>
-          </a:p>
-        </p:txBody>
-      </p:sp>
-      <p:sp>
-        <p:nvSpPr>
-          <p:cNvPr id="153" name="CustomShape 3"/>
-          <p:cNvSpPr/>
-          <p:nvPr/>
-        </p:nvSpPr>
-        <p:spPr>
-          <a:xfrm>
-            <a:off x="6203160" y="3851280"/>
-            <a:ext cx="1176480" cy="622440"/>
-          </a:xfrm>
-          <a:prstGeom prst="rect">
-            <a:avLst/>
-          </a:prstGeom>
-          <a:noFill/>
-          <a:ln>
-            <a:noFill/>
-          </a:ln>
-        </p:spPr>
-        <p:style>
-          <a:lnRef idx="0"/>
-          <a:fillRef idx="0"/>
-          <a:effectRef idx="0"/>
-          <a:fontRef idx="minor"/>
-        </p:style>
-        <p:txBody>
-          <a:bodyPr wrap="none" lIns="90000" rIns="90000" tIns="45000" bIns="45000"/>
-          <a:p>
-            <a:pPr algn="ctr">
-              <a:lnSpc>
-                <a:spcPct val="100000"/>
-              </a:lnSpc>
-            </a:pPr>
-            <a:r>
-              <a:rPr b="0" lang="en-GB" sz="3500" spc="-1" strike="noStrike">
-                <a:solidFill>
-                  <a:srgbClr val="000000"/>
-                </a:solidFill>
-                <a:latin typeface="Arial"/>
-                <a:ea typeface="DejaVu Sans"/>
-              </a:rPr>
-              <a:t>Train</a:t>
-            </a:r>
-            <a:endParaRPr b="0" lang="en-GB" sz="3500" spc="-1" strike="noStrike">
-              <a:latin typeface="Arial"/>
-            </a:endParaRPr>
-          </a:p>
-        </p:txBody>
-      </p:sp>
-      <p:sp>
-        <p:nvSpPr>
-          <p:cNvPr id="154" name="CustomShape 4"/>
-          <p:cNvSpPr/>
-          <p:nvPr/>
-        </p:nvSpPr>
-        <p:spPr>
-          <a:xfrm>
-            <a:off x="5335200" y="3851280"/>
-            <a:ext cx="440280" cy="622440"/>
-          </a:xfrm>
-          <a:prstGeom prst="rect">
-            <a:avLst/>
-          </a:prstGeom>
-          <a:noFill/>
-          <a:ln>
-            <a:noFill/>
-          </a:ln>
-        </p:spPr>
-        <p:style>
-          <a:lnRef idx="0"/>
-          <a:fillRef idx="0"/>
-          <a:effectRef idx="0"/>
-          <a:fontRef idx="minor"/>
-        </p:style>
-        <p:txBody>
-          <a:bodyPr wrap="none" lIns="90000" rIns="90000" tIns="45000" bIns="45000"/>
-          <a:p>
-            <a:pPr algn="ctr">
-              <a:lnSpc>
-                <a:spcPct val="100000"/>
-              </a:lnSpc>
-            </a:pPr>
-            <a:r>
-              <a:rPr b="0" lang="en-GB" sz="3500" spc="-1" strike="noStrike">
-                <a:solidFill>
-                  <a:srgbClr val="000000"/>
-                </a:solidFill>
-                <a:latin typeface="Arial"/>
-                <a:ea typeface="DejaVu Sans"/>
-              </a:rPr>
-              <a:t>=</a:t>
-            </a:r>
-            <a:endParaRPr b="0" lang="en-GB" sz="3500" spc="-1" strike="noStrike">
-              <a:latin typeface="Arial"/>
-            </a:endParaRPr>
-          </a:p>
-        </p:txBody>
-      </p:sp>
-      <p:sp>
-        <p:nvSpPr>
-          <p:cNvPr id="155" name="CustomShape 5"/>
-          <p:cNvSpPr/>
-          <p:nvPr/>
-        </p:nvSpPr>
-        <p:spPr>
-          <a:xfrm>
-            <a:off x="6288120" y="3429000"/>
-            <a:ext cx="1158120" cy="393840"/>
-          </a:xfrm>
-          <a:prstGeom prst="rect">
-            <a:avLst/>
-          </a:prstGeom>
-          <a:noFill/>
-          <a:ln>
-            <a:noFill/>
-          </a:ln>
-        </p:spPr>
-        <p:style>
-          <a:lnRef idx="0"/>
-          <a:fillRef idx="0"/>
-          <a:effectRef idx="0"/>
-          <a:fontRef idx="minor"/>
-        </p:style>
-        <p:txBody>
-          <a:bodyPr wrap="none" lIns="90000" rIns="90000" tIns="45000" bIns="45000"/>
-          <a:p>
-            <a:pPr>
-              <a:lnSpc>
-                <a:spcPct val="100000"/>
-              </a:lnSpc>
-            </a:pPr>
-            <a:r>
-              <a:rPr b="0" lang="en-GB" sz="2000" spc="-1" strike="noStrike">
-                <a:solidFill>
-                  <a:srgbClr val="000000"/>
-                </a:solidFill>
-                <a:latin typeface="Arial"/>
-                <a:ea typeface="DejaVu Sans"/>
-              </a:rPr>
-              <a:t>Français</a:t>
-            </a:r>
-            <a:endParaRPr b="0" lang="en-GB" sz="2000" spc="-1" strike="noStrike">
-              <a:latin typeface="Arial"/>
-            </a:endParaRPr>
-          </a:p>
-        </p:txBody>
-      </p:sp>
-      <p:sp>
-        <p:nvSpPr>
-          <p:cNvPr id="156" name="CustomShape 6"/>
-          <p:cNvSpPr/>
-          <p:nvPr/>
-        </p:nvSpPr>
-        <p:spPr>
-          <a:xfrm>
-            <a:off x="3531960" y="3450960"/>
-            <a:ext cx="1200600" cy="393840"/>
-          </a:xfrm>
-          <a:prstGeom prst="rect">
-            <a:avLst/>
-          </a:prstGeom>
-          <a:noFill/>
-          <a:ln>
-            <a:noFill/>
-          </a:ln>
-        </p:spPr>
-        <p:style>
-          <a:lnRef idx="0"/>
-          <a:fillRef idx="0"/>
-          <a:effectRef idx="0"/>
-          <a:fontRef idx="minor"/>
-        </p:style>
-        <p:txBody>
-          <a:bodyPr wrap="none" lIns="90000" rIns="90000" tIns="45000" bIns="45000"/>
-          <a:p>
-            <a:pPr>
-              <a:lnSpc>
-                <a:spcPct val="100000"/>
-              </a:lnSpc>
-            </a:pPr>
-            <a:r>
-              <a:rPr b="0" lang="en-GB" sz="2000" spc="-1" strike="noStrike">
-                <a:solidFill>
-                  <a:srgbClr val="000000"/>
-                </a:solidFill>
-                <a:latin typeface="Arial"/>
-                <a:ea typeface="DejaVu Sans"/>
-              </a:rPr>
-              <a:t>Hongrois</a:t>
-            </a:r>
-            <a:endParaRPr b="0" lang="en-GB" sz="2000" spc="-1" strike="noStrike">
-              <a:latin typeface="Arial"/>
-            </a:endParaRPr>
-          </a:p>
-        </p:txBody>
-      </p:sp>
-      <p:sp>
-        <p:nvSpPr>
-          <p:cNvPr id="157" name="CustomShape 7"/>
-          <p:cNvSpPr/>
-          <p:nvPr/>
-        </p:nvSpPr>
-        <p:spPr>
-          <a:xfrm>
-            <a:off x="1576440" y="5229720"/>
-            <a:ext cx="7958160" cy="622440"/>
-          </a:xfrm>
-          <a:prstGeom prst="rect">
-            <a:avLst/>
-          </a:prstGeom>
-          <a:noFill/>
-          <a:ln>
-            <a:noFill/>
-          </a:ln>
-        </p:spPr>
-        <p:style>
-          <a:lnRef idx="0"/>
-          <a:fillRef idx="0"/>
-          <a:effectRef idx="0"/>
-          <a:fontRef idx="minor"/>
-        </p:style>
-        <p:txBody>
-          <a:bodyPr wrap="none" lIns="90000" rIns="90000" tIns="45000" bIns="45000"/>
-          <a:p>
-            <a:pPr algn="ctr">
-              <a:lnSpc>
-                <a:spcPct val="100000"/>
-              </a:lnSpc>
-            </a:pPr>
-            <a:r>
-              <a:rPr b="0" lang="en-GB" sz="3500" spc="-1" strike="noStrike">
-                <a:solidFill>
-                  <a:srgbClr val="000000"/>
-                </a:solidFill>
-                <a:latin typeface="Arial"/>
-                <a:ea typeface="DejaVu Sans"/>
-              </a:rPr>
-              <a:t>Appuie sur une touche pour réessayer !</a:t>
+              <a:t>Essaye de retenir !</a:t>
             </a:r>
             <a:endParaRPr b="0" lang="en-GB" sz="3500" spc="-1" strike="noStrike">
               <a:latin typeface="Arial"/>
@@ -10210,14 +10902,14 @@
       </p:grpSpPr>
       <p:sp>
         <p:nvSpPr>
-          <p:cNvPr id="158" name="CustomShape 1"/>
+          <p:cNvPr id="141" name="CustomShape 1"/>
           <p:cNvSpPr/>
           <p:nvPr/>
         </p:nvSpPr>
         <p:spPr>
           <a:xfrm>
-            <a:off x="1265400" y="400320"/>
-            <a:ext cx="8940960" cy="1917360"/>
+            <a:off x="3362400" y="918360"/>
+            <a:ext cx="4811040" cy="545760"/>
           </a:xfrm>
           <a:prstGeom prst="rect">
             <a:avLst/>
@@ -10242,61 +10934,31 @@
               </a:lnSpc>
             </a:pPr>
             <a:r>
-              <a:rPr b="0" lang="en-GB" sz="4000" spc="-1" strike="noStrike">
+              <a:rPr b="0" lang="en-GB" sz="3000" spc="-1" strike="noStrike">
                 <a:solidFill>
                   <a:srgbClr val="000000"/>
                 </a:solidFill>
                 <a:latin typeface="Arial"/>
                 <a:ea typeface="DejaVu Sans"/>
               </a:rPr>
-              <a:t>Ooups ! </a:t>
-            </a:r>
-            <a:endParaRPr b="0" lang="en-GB" sz="4000" spc="-1" strike="noStrike">
-              <a:latin typeface="Arial"/>
-            </a:endParaRPr>
-          </a:p>
-          <a:p>
-            <a:pPr algn="ctr">
-              <a:lnSpc>
-                <a:spcPct val="100000"/>
-              </a:lnSpc>
-            </a:pPr>
-            <a:endParaRPr b="0" lang="en-GB" sz="4000" spc="-1" strike="noStrike">
-              <a:latin typeface="Arial"/>
-            </a:endParaRPr>
-          </a:p>
-          <a:p>
-            <a:pPr algn="ctr">
-              <a:lnSpc>
-                <a:spcPct val="100000"/>
-              </a:lnSpc>
-            </a:pPr>
-            <a:r>
-              <a:rPr b="0" lang="en-GB" sz="4000" spc="-1" strike="noStrike">
-                <a:solidFill>
-                  <a:srgbClr val="000000"/>
-                </a:solidFill>
-                <a:latin typeface="Arial"/>
-                <a:ea typeface="DejaVu Sans"/>
-              </a:rPr>
-              <a:t>Tu n’as pas écrit le mot correctement...</a:t>
-            </a:r>
-            <a:endParaRPr b="0" lang="en-GB" sz="4000" spc="-1" strike="noStrike">
-              <a:latin typeface="Arial"/>
-            </a:endParaRPr>
-          </a:p>
-        </p:txBody>
-      </p:sp>
-      <p:sp>
-        <p:nvSpPr>
-          <p:cNvPr id="159" name="CustomShape 2"/>
+              <a:t>Essaye de traduire ce mot !</a:t>
+            </a:r>
+            <a:endParaRPr b="0" lang="en-GB" sz="3000" spc="-1" strike="noStrike">
+              <a:latin typeface="Arial"/>
+            </a:endParaRPr>
+          </a:p>
+        </p:txBody>
+      </p:sp>
+      <p:sp>
+        <p:nvSpPr>
+          <p:cNvPr id="142" name="CustomShape 2"/>
           <p:cNvSpPr/>
           <p:nvPr/>
         </p:nvSpPr>
         <p:spPr>
           <a:xfrm>
-            <a:off x="5292360" y="3254400"/>
-            <a:ext cx="440280" cy="622440"/>
+            <a:off x="3621960" y="2238120"/>
+            <a:ext cx="4050720" cy="545760"/>
           </a:xfrm>
           <a:prstGeom prst="rect">
             <a:avLst/>
@@ -10321,31 +10983,31 @@
               </a:lnSpc>
             </a:pPr>
             <a:r>
-              <a:rPr b="0" lang="en-GB" sz="3500" spc="-1" strike="noStrike">
+              <a:rPr b="0" lang="en-GB" sz="3000" spc="-1" strike="noStrike">
                 <a:solidFill>
                   <a:srgbClr val="000000"/>
                 </a:solidFill>
                 <a:latin typeface="Arial"/>
                 <a:ea typeface="DejaVu Sans"/>
               </a:rPr>
-              <a:t>=</a:t>
-            </a:r>
-            <a:endParaRPr b="0" lang="en-GB" sz="3500" spc="-1" strike="noStrike">
-              <a:latin typeface="Arial"/>
-            </a:endParaRPr>
-          </a:p>
-        </p:txBody>
-      </p:sp>
-      <p:sp>
-        <p:nvSpPr>
-          <p:cNvPr id="160" name="CustomShape 3"/>
+              <a:t>Ecrit le mot en français</a:t>
+            </a:r>
+            <a:endParaRPr b="0" lang="en-GB" sz="3000" spc="-1" strike="noStrike">
+              <a:latin typeface="Arial"/>
+            </a:endParaRPr>
+          </a:p>
+        </p:txBody>
+      </p:sp>
+      <p:sp>
+        <p:nvSpPr>
+          <p:cNvPr id="143" name="CustomShape 3"/>
           <p:cNvSpPr/>
           <p:nvPr/>
         </p:nvSpPr>
         <p:spPr>
           <a:xfrm>
-            <a:off x="6245280" y="2860560"/>
-            <a:ext cx="1158120" cy="393840"/>
+            <a:off x="3504240" y="3558240"/>
+            <a:ext cx="1153440" cy="545760"/>
           </a:xfrm>
           <a:prstGeom prst="rect">
             <a:avLst/>
@@ -10364,37 +11026,37 @@
         <p:txBody>
           <a:bodyPr wrap="none" lIns="90000" rIns="90000" tIns="45000" bIns="45000"/>
           <a:p>
-            <a:pPr>
+            <a:pPr algn="ctr">
               <a:lnSpc>
                 <a:spcPct val="100000"/>
               </a:lnSpc>
             </a:pPr>
             <a:r>
-              <a:rPr b="0" lang="en-GB" sz="2000" spc="-1" strike="noStrike">
+              <a:rPr b="0" lang="en-GB" sz="3000" spc="-1" strike="noStrike">
                 <a:solidFill>
                   <a:srgbClr val="000000"/>
                 </a:solidFill>
                 <a:latin typeface="Arial"/>
                 <a:ea typeface="DejaVu Sans"/>
               </a:rPr>
-              <a:t>Français</a:t>
-            </a:r>
-            <a:endParaRPr b="0" lang="en-GB" sz="2000" spc="-1" strike="noStrike">
-              <a:latin typeface="Arial"/>
-            </a:endParaRPr>
-          </a:p>
-        </p:txBody>
-      </p:sp>
-      <p:sp>
-        <p:nvSpPr>
-          <p:cNvPr id="161" name="CustomShape 4"/>
+              <a:t>Vonat</a:t>
+            </a:r>
+            <a:endParaRPr b="0" lang="en-GB" sz="3000" spc="-1" strike="noStrike">
+              <a:latin typeface="Arial"/>
+            </a:endParaRPr>
+          </a:p>
+        </p:txBody>
+      </p:sp>
+      <p:sp>
+        <p:nvSpPr>
+          <p:cNvPr id="144" name="CustomShape 4"/>
           <p:cNvSpPr/>
           <p:nvPr/>
         </p:nvSpPr>
         <p:spPr>
           <a:xfrm>
-            <a:off x="3489120" y="2854080"/>
-            <a:ext cx="1200600" cy="393840"/>
+            <a:off x="6482520" y="3558240"/>
+            <a:ext cx="391320" cy="545760"/>
           </a:xfrm>
           <a:prstGeom prst="rect">
             <a:avLst/>
@@ -10413,37 +11075,37 @@
         <p:txBody>
           <a:bodyPr wrap="none" lIns="90000" rIns="90000" tIns="45000" bIns="45000"/>
           <a:p>
-            <a:pPr>
+            <a:pPr algn="ctr">
               <a:lnSpc>
                 <a:spcPct val="100000"/>
               </a:lnSpc>
             </a:pPr>
             <a:r>
-              <a:rPr b="0" lang="en-GB" sz="2000" spc="-1" strike="noStrike">
+              <a:rPr b="0" lang="en-GB" sz="3000" spc="-1" strike="noStrike">
                 <a:solidFill>
                   <a:srgbClr val="000000"/>
                 </a:solidFill>
                 <a:latin typeface="Arial"/>
                 <a:ea typeface="DejaVu Sans"/>
               </a:rPr>
-              <a:t>Hongrois</a:t>
-            </a:r>
-            <a:endParaRPr b="0" lang="en-GB" sz="2000" spc="-1" strike="noStrike">
-              <a:latin typeface="Arial"/>
-            </a:endParaRPr>
-          </a:p>
-        </p:txBody>
-      </p:sp>
-      <p:sp>
-        <p:nvSpPr>
-          <p:cNvPr id="162" name="CustomShape 5"/>
+              <a:t>?</a:t>
+            </a:r>
+            <a:endParaRPr b="0" lang="en-GB" sz="3000" spc="-1" strike="noStrike">
+              <a:latin typeface="Arial"/>
+            </a:endParaRPr>
+          </a:p>
+        </p:txBody>
+      </p:sp>
+      <p:sp>
+        <p:nvSpPr>
+          <p:cNvPr id="145" name="CustomShape 5"/>
           <p:cNvSpPr/>
           <p:nvPr/>
         </p:nvSpPr>
         <p:spPr>
           <a:xfrm>
-            <a:off x="1473840" y="5353560"/>
-            <a:ext cx="7958160" cy="622440"/>
+            <a:off x="5241600" y="3558240"/>
+            <a:ext cx="402120" cy="545760"/>
           </a:xfrm>
           <a:prstGeom prst="rect">
             <a:avLst/>
@@ -10468,65 +11130,16 @@
               </a:lnSpc>
             </a:pPr>
             <a:r>
-              <a:rPr b="0" lang="en-GB" sz="3500" spc="-1" strike="noStrike">
+              <a:rPr b="0" lang="en-GB" sz="3000" spc="-1" strike="noStrike">
                 <a:solidFill>
                   <a:srgbClr val="000000"/>
                 </a:solidFill>
                 <a:latin typeface="Arial"/>
                 <a:ea typeface="DejaVu Sans"/>
               </a:rPr>
-              <a:t>Appuie sur une touche pour continuer !</a:t>
-            </a:r>
-            <a:endParaRPr b="0" lang="en-GB" sz="3500" spc="-1" strike="noStrike">
-              <a:latin typeface="Arial"/>
-            </a:endParaRPr>
-          </a:p>
-        </p:txBody>
-      </p:sp>
-      <p:sp>
-        <p:nvSpPr>
-          <p:cNvPr id="163" name="CustomShape 6"/>
-          <p:cNvSpPr/>
-          <p:nvPr/>
-        </p:nvSpPr>
-        <p:spPr>
-          <a:xfrm>
-            <a:off x="1545840" y="4273560"/>
-            <a:ext cx="7958160" cy="622440"/>
-          </a:xfrm>
-          <a:prstGeom prst="rect">
-            <a:avLst/>
-          </a:prstGeom>
-          <a:noFill/>
-          <a:ln>
-            <a:noFill/>
-          </a:ln>
-        </p:spPr>
-        <p:style>
-          <a:lnRef idx="0"/>
-          <a:fillRef idx="0"/>
-          <a:effectRef idx="0"/>
-          <a:fontRef idx="minor"/>
-        </p:style>
-        <p:txBody>
-          <a:bodyPr wrap="none" lIns="90000" rIns="90000" tIns="45000" bIns="45000"/>
-          <a:p>
-            <a:pPr>
-              <a:lnSpc>
-                <a:spcPct val="100000"/>
-              </a:lnSpc>
-            </a:pPr>
-            <a:r>
-              <a:rPr b="0" lang="en-GB" sz="3500" spc="-1" strike="noStrike">
-                <a:solidFill>
-                  <a:srgbClr val="000000"/>
-                </a:solidFill>
-                <a:latin typeface="Arial"/>
-                <a:ea typeface="DejaVu Sans"/>
-              </a:rPr>
-              <a:t>Tu as écrit :</a:t>
-            </a:r>
-            <a:endParaRPr b="0" lang="en-GB" sz="3500" spc="-1" strike="noStrike">
+              <a:t>=</a:t>
+            </a:r>
+            <a:endParaRPr b="0" lang="en-GB" sz="3000" spc="-1" strike="noStrike">
               <a:latin typeface="Arial"/>
             </a:endParaRPr>
           </a:p>

--- a/images/Images NEW.pptx
+++ b/images/Images NEW.pptx
@@ -30,6 +30,8 @@
     <p:sldId id="276" r:id="rId25"/>
     <p:sldId id="277" r:id="rId26"/>
     <p:sldId id="278" r:id="rId27"/>
+    <p:sldId id="279" r:id="rId28"/>
+    <p:sldId id="280" r:id="rId29"/>
   </p:sldIdLst>
   <p:sldSz cx="12192000" cy="6858000"/>
   <p:notesSz cx="7559675" cy="10691812"/>
@@ -4083,13 +4085,199 @@
               <a:rPr b="0" lang="en-GB" sz="4400" spc="-1" strike="noStrike">
                 <a:latin typeface="Arial"/>
               </a:rPr>
-              <a:t>Click to edit the title text </a:t>
+              <a:t>C</a:t>
             </a:r>
             <a:r>
               <a:rPr b="0" lang="en-GB" sz="4400" spc="-1" strike="noStrike">
                 <a:latin typeface="Arial"/>
               </a:rPr>
-              <a:t>format</a:t>
+              <a:t>l</a:t>
+            </a:r>
+            <a:r>
+              <a:rPr b="0" lang="en-GB" sz="4400" spc="-1" strike="noStrike">
+                <a:latin typeface="Arial"/>
+              </a:rPr>
+              <a:t>i</a:t>
+            </a:r>
+            <a:r>
+              <a:rPr b="0" lang="en-GB" sz="4400" spc="-1" strike="noStrike">
+                <a:latin typeface="Arial"/>
+              </a:rPr>
+              <a:t>c</a:t>
+            </a:r>
+            <a:r>
+              <a:rPr b="0" lang="en-GB" sz="4400" spc="-1" strike="noStrike">
+                <a:latin typeface="Arial"/>
+              </a:rPr>
+              <a:t>k</a:t>
+            </a:r>
+            <a:r>
+              <a:rPr b="0" lang="en-GB" sz="4400" spc="-1" strike="noStrike">
+                <a:latin typeface="Arial"/>
+              </a:rPr>
+              <a:t> </a:t>
+            </a:r>
+            <a:r>
+              <a:rPr b="0" lang="en-GB" sz="4400" spc="-1" strike="noStrike">
+                <a:latin typeface="Arial"/>
+              </a:rPr>
+              <a:t>t</a:t>
+            </a:r>
+            <a:r>
+              <a:rPr b="0" lang="en-GB" sz="4400" spc="-1" strike="noStrike">
+                <a:latin typeface="Arial"/>
+              </a:rPr>
+              <a:t>o</a:t>
+            </a:r>
+            <a:r>
+              <a:rPr b="0" lang="en-GB" sz="4400" spc="-1" strike="noStrike">
+                <a:latin typeface="Arial"/>
+              </a:rPr>
+              <a:t> </a:t>
+            </a:r>
+            <a:r>
+              <a:rPr b="0" lang="en-GB" sz="4400" spc="-1" strike="noStrike">
+                <a:latin typeface="Arial"/>
+              </a:rPr>
+              <a:t>e</a:t>
+            </a:r>
+            <a:r>
+              <a:rPr b="0" lang="en-GB" sz="4400" spc="-1" strike="noStrike">
+                <a:latin typeface="Arial"/>
+              </a:rPr>
+              <a:t>d</a:t>
+            </a:r>
+            <a:r>
+              <a:rPr b="0" lang="en-GB" sz="4400" spc="-1" strike="noStrike">
+                <a:latin typeface="Arial"/>
+              </a:rPr>
+              <a:t>i</a:t>
+            </a:r>
+            <a:r>
+              <a:rPr b="0" lang="en-GB" sz="4400" spc="-1" strike="noStrike">
+                <a:latin typeface="Arial"/>
+              </a:rPr>
+              <a:t>t </a:t>
+            </a:r>
+            <a:r>
+              <a:rPr b="0" lang="en-GB" sz="4400" spc="-1" strike="noStrike">
+                <a:latin typeface="Arial"/>
+              </a:rPr>
+              <a:t>t</a:t>
+            </a:r>
+            <a:r>
+              <a:rPr b="0" lang="en-GB" sz="4400" spc="-1" strike="noStrike">
+                <a:latin typeface="Arial"/>
+              </a:rPr>
+              <a:t>h</a:t>
+            </a:r>
+            <a:r>
+              <a:rPr b="0" lang="en-GB" sz="4400" spc="-1" strike="noStrike">
+                <a:latin typeface="Arial"/>
+              </a:rPr>
+              <a:t>e</a:t>
+            </a:r>
+            <a:r>
+              <a:rPr b="0" lang="en-GB" sz="4400" spc="-1" strike="noStrike">
+                <a:latin typeface="Arial"/>
+              </a:rPr>
+              <a:t> </a:t>
+            </a:r>
+            <a:r>
+              <a:rPr b="0" lang="en-GB" sz="4400" spc="-1" strike="noStrike">
+                <a:latin typeface="Arial"/>
+              </a:rPr>
+              <a:t>t</a:t>
+            </a:r>
+            <a:r>
+              <a:rPr b="0" lang="en-GB" sz="4400" spc="-1" strike="noStrike">
+                <a:latin typeface="Arial"/>
+              </a:rPr>
+              <a:t>i</a:t>
+            </a:r>
+            <a:r>
+              <a:rPr b="0" lang="en-GB" sz="4400" spc="-1" strike="noStrike">
+                <a:latin typeface="Arial"/>
+              </a:rPr>
+              <a:t>t</a:t>
+            </a:r>
+            <a:r>
+              <a:rPr b="0" lang="en-GB" sz="4400" spc="-1" strike="noStrike">
+                <a:latin typeface="Arial"/>
+              </a:rPr>
+              <a:t>l</a:t>
+            </a:r>
+            <a:r>
+              <a:rPr b="0" lang="en-GB" sz="4400" spc="-1" strike="noStrike">
+                <a:latin typeface="Arial"/>
+              </a:rPr>
+              <a:t>e</a:t>
+            </a:r>
+            <a:r>
+              <a:rPr b="0" lang="en-GB" sz="4400" spc="-1" strike="noStrike">
+                <a:latin typeface="Arial"/>
+              </a:rPr>
+              <a:t> </a:t>
+            </a:r>
+            <a:r>
+              <a:rPr b="0" lang="en-GB" sz="4400" spc="-1" strike="noStrike">
+                <a:latin typeface="Arial"/>
+              </a:rPr>
+              <a:t>t</a:t>
+            </a:r>
+            <a:r>
+              <a:rPr b="0" lang="en-GB" sz="4400" spc="-1" strike="noStrike">
+                <a:latin typeface="Arial"/>
+              </a:rPr>
+              <a:t>e</a:t>
+            </a:r>
+            <a:r>
+              <a:rPr b="0" lang="en-GB" sz="4400" spc="-1" strike="noStrike">
+                <a:latin typeface="Arial"/>
+              </a:rPr>
+              <a:t>x</a:t>
+            </a:r>
+            <a:r>
+              <a:rPr b="0" lang="en-GB" sz="4400" spc="-1" strike="noStrike">
+                <a:latin typeface="Arial"/>
+              </a:rPr>
+              <a:t>t </a:t>
+            </a:r>
+            <a:r>
+              <a:rPr b="0" lang="en-GB" sz="4400" spc="-1" strike="noStrike">
+                <a:latin typeface="Arial"/>
+              </a:rPr>
+              <a:t>f</a:t>
+            </a:r>
+            <a:r>
+              <a:rPr b="0" lang="en-GB" sz="4400" spc="-1" strike="noStrike">
+                <a:latin typeface="Arial"/>
+              </a:rPr>
+              <a:t>o</a:t>
+            </a:r>
+            <a:r>
+              <a:rPr b="0" lang="en-GB" sz="4400" spc="-1" strike="noStrike">
+                <a:latin typeface="Arial"/>
+              </a:rPr>
+              <a:t>r</a:t>
+            </a:r>
+            <a:r>
+              <a:rPr b="0" lang="en-GB" sz="4400" spc="-1" strike="noStrike">
+                <a:latin typeface="Arial"/>
+              </a:rPr>
+              <a:t>m</a:t>
+            </a:r>
+            <a:r>
+              <a:rPr b="0" lang="en-GB" sz="4400" spc="-1" strike="noStrike">
+                <a:latin typeface="Arial"/>
+              </a:rPr>
+              <a:t>a</a:t>
+            </a:r>
+            <a:r>
+              <a:rPr b="0" lang="en-GB" sz="4400" spc="-1" strike="noStrike">
+                <a:latin typeface="Arial"/>
+              </a:rPr>
+              <a:t>t</a:t>
             </a:r>
             <a:endParaRPr b="0" lang="en-GB" sz="4400" spc="-1" strike="noStrike">
               <a:latin typeface="Arial"/>
@@ -4838,7 +5026,7 @@
         <p:spPr>
           <a:xfrm>
             <a:off x="5453640" y="549000"/>
-            <a:ext cx="1260000" cy="545760"/>
+            <a:ext cx="1259640" cy="545400"/>
           </a:xfrm>
           <a:prstGeom prst="rect">
             <a:avLst/>
@@ -4887,7 +5075,7 @@
         <p:spPr>
           <a:xfrm>
             <a:off x="2556360" y="1527840"/>
-            <a:ext cx="7054560" cy="1002600"/>
+            <a:ext cx="7054200" cy="1002240"/>
           </a:xfrm>
           <a:prstGeom prst="rect">
             <a:avLst/>
@@ -4956,7 +5144,7 @@
         <p:spPr>
           <a:xfrm>
             <a:off x="6465960" y="3968280"/>
-            <a:ext cx="1158120" cy="393840"/>
+            <a:ext cx="1157760" cy="393480"/>
           </a:xfrm>
           <a:prstGeom prst="rect">
             <a:avLst/>
@@ -5005,7 +5193,7 @@
         <p:spPr>
           <a:xfrm>
             <a:off x="4282920" y="3968280"/>
-            <a:ext cx="1200600" cy="393840"/>
+            <a:ext cx="1200240" cy="393480"/>
           </a:xfrm>
           <a:prstGeom prst="rect">
             <a:avLst/>
@@ -5054,7 +5242,7 @@
         <p:spPr>
           <a:xfrm>
             <a:off x="4284000" y="4596480"/>
-            <a:ext cx="1153440" cy="545760"/>
+            <a:ext cx="1153080" cy="545400"/>
           </a:xfrm>
           <a:prstGeom prst="rect">
             <a:avLst/>
@@ -5081,7 +5269,7 @@
             <a:r>
               <a:rPr b="0" lang="en-GB" sz="3000" spc="-1" strike="noStrike">
                 <a:solidFill>
-                  <a:srgbClr val="000000"/>
+                  <a:srgbClr val="0d1f63"/>
                 </a:solidFill>
                 <a:latin typeface="Arial"/>
                 <a:ea typeface="DejaVu Sans"/>
@@ -5089,6 +5277,9 @@
               <a:t>Vonat</a:t>
             </a:r>
             <a:endParaRPr b="0" lang="en-GB" sz="3000" spc="-1" strike="noStrike">
+              <a:solidFill>
+                <a:srgbClr val="0d1f63"/>
+              </a:solidFill>
               <a:latin typeface="Arial"/>
             </a:endParaRPr>
           </a:p>
@@ -5103,7 +5294,7 @@
         <p:spPr>
           <a:xfrm>
             <a:off x="6590160" y="4596480"/>
-            <a:ext cx="1033200" cy="545760"/>
+            <a:ext cx="1032840" cy="545400"/>
           </a:xfrm>
           <a:prstGeom prst="rect">
             <a:avLst/>
@@ -5130,7 +5321,7 @@
             <a:r>
               <a:rPr b="0" lang="en-GB" sz="3000" spc="-1" strike="noStrike">
                 <a:solidFill>
-                  <a:srgbClr val="000000"/>
+                  <a:srgbClr val="0d1f63"/>
                 </a:solidFill>
                 <a:latin typeface="Arial"/>
                 <a:ea typeface="DejaVu Sans"/>
@@ -5138,6 +5329,9 @@
               <a:t>Train</a:t>
             </a:r>
             <a:endParaRPr b="0" lang="en-GB" sz="3000" spc="-1" strike="noStrike">
+              <a:solidFill>
+                <a:srgbClr val="0d1f63"/>
+              </a:solidFill>
               <a:latin typeface="Arial"/>
             </a:endParaRPr>
           </a:p>
@@ -5152,7 +5346,7 @@
         <p:spPr>
           <a:xfrm>
             <a:off x="3378960" y="2968200"/>
-            <a:ext cx="5405760" cy="545760"/>
+            <a:ext cx="5405400" cy="545400"/>
           </a:xfrm>
           <a:prstGeom prst="rect">
             <a:avLst/>
@@ -5212,7 +5406,7 @@
         <p:spPr>
           <a:xfrm>
             <a:off x="2830680" y="5670720"/>
-            <a:ext cx="6528600" cy="545760"/>
+            <a:ext cx="6528240" cy="545400"/>
           </a:xfrm>
           <a:prstGeom prst="rect">
             <a:avLst/>
@@ -5261,7 +5455,7 @@
         <p:spPr>
           <a:xfrm>
             <a:off x="5689800" y="4319280"/>
-            <a:ext cx="402120" cy="545760"/>
+            <a:ext cx="401760" cy="545400"/>
           </a:xfrm>
           <a:prstGeom prst="rect">
             <a:avLst/>
@@ -5359,7 +5553,7 @@
         <p:spPr>
           <a:xfrm>
             <a:off x="3362400" y="918000"/>
-            <a:ext cx="4811040" cy="545760"/>
+            <a:ext cx="4810680" cy="545400"/>
           </a:xfrm>
           <a:prstGeom prst="rect">
             <a:avLst/>
@@ -5408,7 +5602,7 @@
         <p:spPr>
           <a:xfrm>
             <a:off x="3621960" y="2237760"/>
-            <a:ext cx="4050720" cy="545760"/>
+            <a:ext cx="4050360" cy="545400"/>
           </a:xfrm>
           <a:prstGeom prst="rect">
             <a:avLst/>
@@ -5457,7 +5651,7 @@
         <p:spPr>
           <a:xfrm>
             <a:off x="6482520" y="3557880"/>
-            <a:ext cx="391320" cy="545760"/>
+            <a:ext cx="390960" cy="545400"/>
           </a:xfrm>
           <a:prstGeom prst="rect">
             <a:avLst/>
@@ -5506,7 +5700,7 @@
         <p:spPr>
           <a:xfrm>
             <a:off x="5241600" y="3557880"/>
-            <a:ext cx="402120" cy="545760"/>
+            <a:ext cx="401760" cy="545400"/>
           </a:xfrm>
           <a:prstGeom prst="rect">
             <a:avLst/>
@@ -5551,10 +5745,10 @@
   <p:timing>
     <p:tnLst>
       <p:par>
-        <p:cTn id="13" dur="indefinite" restart="never" nodeType="tmRoot">
+        <p:cTn id="17" dur="indefinite" restart="never" nodeType="tmRoot">
           <p:childTnLst>
             <p:seq>
-              <p:cTn id="14" dur="indefinite" nodeType="mainSeq"/>
+              <p:cTn id="18" dur="indefinite" nodeType="mainSeq"/>
               <p:prevCondLst>
                 <p:cond delay="0" evt="onPrev">
                   <p:tgtEl>
@@ -5604,7 +5798,7 @@
         <p:spPr>
           <a:xfrm>
             <a:off x="3320280" y="1256760"/>
-            <a:ext cx="4669200" cy="698400"/>
+            <a:ext cx="4668840" cy="698040"/>
           </a:xfrm>
           <a:prstGeom prst="rect">
             <a:avLst/>
@@ -5653,7 +5847,7 @@
         <p:spPr>
           <a:xfrm>
             <a:off x="3605760" y="2959920"/>
-            <a:ext cx="1153440" cy="545760"/>
+            <a:ext cx="1153080" cy="545400"/>
           </a:xfrm>
           <a:prstGeom prst="rect">
             <a:avLst/>
@@ -5680,7 +5874,7 @@
             <a:r>
               <a:rPr b="0" lang="en-GB" sz="3000" spc="-1" strike="noStrike">
                 <a:solidFill>
-                  <a:srgbClr val="000000"/>
+                  <a:srgbClr val="106802"/>
                 </a:solidFill>
                 <a:latin typeface="Arial"/>
                 <a:ea typeface="DejaVu Sans"/>
@@ -5688,6 +5882,9 @@
               <a:t>Vonat</a:t>
             </a:r>
             <a:endParaRPr b="0" lang="en-GB" sz="3000" spc="-1" strike="noStrike">
+              <a:solidFill>
+                <a:srgbClr val="106802"/>
+              </a:solidFill>
               <a:latin typeface="Arial"/>
             </a:endParaRPr>
           </a:p>
@@ -5702,7 +5899,7 @@
         <p:spPr>
           <a:xfrm>
             <a:off x="6263280" y="2959920"/>
-            <a:ext cx="1033200" cy="545760"/>
+            <a:ext cx="1032840" cy="545400"/>
           </a:xfrm>
           <a:prstGeom prst="rect">
             <a:avLst/>
@@ -5729,7 +5926,7 @@
             <a:r>
               <a:rPr b="0" lang="en-GB" sz="3000" spc="-1" strike="noStrike">
                 <a:solidFill>
-                  <a:srgbClr val="000000"/>
+                  <a:srgbClr val="106802"/>
                 </a:solidFill>
                 <a:latin typeface="Arial"/>
                 <a:ea typeface="DejaVu Sans"/>
@@ -5737,6 +5934,9 @@
               <a:t>Train</a:t>
             </a:r>
             <a:endParaRPr b="0" lang="en-GB" sz="3000" spc="-1" strike="noStrike">
+              <a:solidFill>
+                <a:srgbClr val="106802"/>
+              </a:solidFill>
               <a:latin typeface="Arial"/>
             </a:endParaRPr>
           </a:p>
@@ -5751,7 +5951,7 @@
         <p:spPr>
           <a:xfrm>
             <a:off x="5343120" y="2959920"/>
-            <a:ext cx="402120" cy="545760"/>
+            <a:ext cx="401760" cy="545400"/>
           </a:xfrm>
           <a:prstGeom prst="rect">
             <a:avLst/>
@@ -5800,7 +6000,7 @@
         <p:spPr>
           <a:xfrm>
             <a:off x="2279880" y="4339080"/>
-            <a:ext cx="6528600" cy="545760"/>
+            <a:ext cx="6528240" cy="545400"/>
           </a:xfrm>
           <a:prstGeom prst="rect">
             <a:avLst/>
@@ -5842,577 +6042,13 @@
       </p:sp>
     </p:spTree>
   </p:cSld>
-</p:sld>
-</file>
-
-<file path=ppt/slides/slide12.xml><?xml version="1.0" encoding="utf-8"?>
-<p:sld xmlns:a="http://schemas.openxmlformats.org/drawingml/2006/main" xmlns:p="http://schemas.openxmlformats.org/presentationml/2006/main" xmlns:r="http://schemas.openxmlformats.org/officeDocument/2006/relationships" xmlns:p14="http://schemas.microsoft.com/office/powerpoint/2010/main" xmlns:p15="http://schemas.microsoft.com/office/powerpoint/2012/main" xmlns:mc="http://schemas.openxmlformats.org/markup-compatibility/2006">
-  <p:cSld>
-    <p:spTree>
-      <p:nvGrpSpPr>
-        <p:cNvPr id="1" name=""/>
-        <p:cNvGrpSpPr/>
-        <p:nvPr/>
-      </p:nvGrpSpPr>
-      <p:grpSpPr>
-        <a:xfrm>
-          <a:off x="0" y="0"/>
-          <a:ext cx="0" cy="0"/>
-          <a:chOff x="0" y="0"/>
-          <a:chExt cx="0" cy="0"/>
-        </a:xfrm>
-      </p:grpSpPr>
-      <p:sp>
-        <p:nvSpPr>
-          <p:cNvPr id="155" name="CustomShape 1"/>
-          <p:cNvSpPr/>
-          <p:nvPr/>
-        </p:nvSpPr>
-        <p:spPr>
-          <a:xfrm>
-            <a:off x="3320280" y="1256760"/>
-            <a:ext cx="4669200" cy="698400"/>
-          </a:xfrm>
-          <a:prstGeom prst="rect">
-            <a:avLst/>
-          </a:prstGeom>
-          <a:noFill/>
-          <a:ln>
-            <a:noFill/>
-          </a:ln>
-        </p:spPr>
-        <p:style>
-          <a:lnRef idx="0"/>
-          <a:fillRef idx="0"/>
-          <a:effectRef idx="0"/>
-          <a:fontRef idx="minor"/>
-        </p:style>
-        <p:txBody>
-          <a:bodyPr wrap="none" lIns="90000" rIns="90000" tIns="45000" bIns="45000"/>
-          <a:p>
-            <a:pPr algn="ctr">
-              <a:lnSpc>
-                <a:spcPct val="100000"/>
-              </a:lnSpc>
-            </a:pPr>
-            <a:r>
-              <a:rPr b="0" lang="en-GB" sz="4000" spc="-1" strike="noStrike">
-                <a:solidFill>
-                  <a:srgbClr val="000000"/>
-                </a:solidFill>
-                <a:latin typeface="Arial"/>
-                <a:ea typeface="DejaVu Sans"/>
-              </a:rPr>
-              <a:t>Bravo ! Tu as réussi</a:t>
-            </a:r>
-            <a:endParaRPr b="0" lang="en-GB" sz="4000" spc="-1" strike="noStrike">
-              <a:latin typeface="Arial"/>
-            </a:endParaRPr>
-          </a:p>
-        </p:txBody>
-      </p:sp>
-      <p:sp>
-        <p:nvSpPr>
-          <p:cNvPr id="156" name="CustomShape 2"/>
-          <p:cNvSpPr/>
-          <p:nvPr/>
-        </p:nvSpPr>
-        <p:spPr>
-          <a:xfrm>
-            <a:off x="5343120" y="2959920"/>
-            <a:ext cx="402120" cy="545760"/>
-          </a:xfrm>
-          <a:prstGeom prst="rect">
-            <a:avLst/>
-          </a:prstGeom>
-          <a:noFill/>
-          <a:ln>
-            <a:noFill/>
-          </a:ln>
-        </p:spPr>
-        <p:style>
-          <a:lnRef idx="0"/>
-          <a:fillRef idx="0"/>
-          <a:effectRef idx="0"/>
-          <a:fontRef idx="minor"/>
-        </p:style>
-        <p:txBody>
-          <a:bodyPr wrap="none" lIns="90000" rIns="90000" tIns="45000" bIns="45000"/>
-          <a:p>
-            <a:pPr algn="ctr">
-              <a:lnSpc>
-                <a:spcPct val="100000"/>
-              </a:lnSpc>
-            </a:pPr>
-            <a:r>
-              <a:rPr b="0" lang="en-GB" sz="3000" spc="-1" strike="noStrike">
-                <a:solidFill>
-                  <a:srgbClr val="000000"/>
-                </a:solidFill>
-                <a:latin typeface="Arial"/>
-                <a:ea typeface="DejaVu Sans"/>
-              </a:rPr>
-              <a:t>=</a:t>
-            </a:r>
-            <a:endParaRPr b="0" lang="en-GB" sz="3000" spc="-1" strike="noStrike">
-              <a:latin typeface="Arial"/>
-            </a:endParaRPr>
-          </a:p>
-        </p:txBody>
-      </p:sp>
-      <p:sp>
-        <p:nvSpPr>
-          <p:cNvPr id="157" name="CustomShape 3"/>
-          <p:cNvSpPr/>
-          <p:nvPr/>
-        </p:nvSpPr>
-        <p:spPr>
-          <a:xfrm>
-            <a:off x="2279880" y="4339080"/>
-            <a:ext cx="6528600" cy="545760"/>
-          </a:xfrm>
-          <a:prstGeom prst="rect">
-            <a:avLst/>
-          </a:prstGeom>
-          <a:noFill/>
-          <a:ln>
-            <a:noFill/>
-          </a:ln>
-        </p:spPr>
-        <p:style>
-          <a:lnRef idx="0"/>
-          <a:fillRef idx="0"/>
-          <a:effectRef idx="0"/>
-          <a:fontRef idx="minor"/>
-        </p:style>
-        <p:txBody>
-          <a:bodyPr wrap="none" lIns="90000" rIns="90000" tIns="45000" bIns="45000"/>
-          <a:p>
-            <a:pPr algn="ctr">
-              <a:lnSpc>
-                <a:spcPct val="100000"/>
-              </a:lnSpc>
-            </a:pPr>
-            <a:r>
-              <a:rPr b="0" lang="en-GB" sz="3000" spc="-1" strike="noStrike">
-                <a:solidFill>
-                  <a:srgbClr val="000000"/>
-                </a:solidFill>
-                <a:latin typeface="Arial"/>
-                <a:ea typeface="DejaVu Sans"/>
-              </a:rPr>
-              <a:t>Appuie sur une touche pour continuer</a:t>
-            </a:r>
-            <a:endParaRPr b="0" lang="en-GB" sz="3000" spc="-1" strike="noStrike">
-              <a:latin typeface="Arial"/>
-            </a:endParaRPr>
-          </a:p>
-        </p:txBody>
-      </p:sp>
-    </p:spTree>
-  </p:cSld>
-</p:sld>
-</file>
-
-<file path=ppt/slides/slide13.xml><?xml version="1.0" encoding="utf-8"?>
-<p:sld xmlns:a="http://schemas.openxmlformats.org/drawingml/2006/main" xmlns:p="http://schemas.openxmlformats.org/presentationml/2006/main" xmlns:r="http://schemas.openxmlformats.org/officeDocument/2006/relationships" xmlns:p14="http://schemas.microsoft.com/office/powerpoint/2010/main" xmlns:p15="http://schemas.microsoft.com/office/powerpoint/2012/main" xmlns:mc="http://schemas.openxmlformats.org/markup-compatibility/2006">
-  <p:cSld>
-    <p:spTree>
-      <p:nvGrpSpPr>
-        <p:cNvPr id="1" name=""/>
-        <p:cNvGrpSpPr/>
-        <p:nvPr/>
-      </p:nvGrpSpPr>
-      <p:grpSpPr>
-        <a:xfrm>
-          <a:off x="0" y="0"/>
-          <a:ext cx="0" cy="0"/>
-          <a:chOff x="0" y="0"/>
-          <a:chExt cx="0" cy="0"/>
-        </a:xfrm>
-      </p:grpSpPr>
-      <p:sp>
-        <p:nvSpPr>
-          <p:cNvPr id="158" name="CustomShape 1"/>
-          <p:cNvSpPr/>
-          <p:nvPr/>
-        </p:nvSpPr>
-        <p:spPr>
-          <a:xfrm>
-            <a:off x="1308240" y="997200"/>
-            <a:ext cx="8940960" cy="1917360"/>
-          </a:xfrm>
-          <a:prstGeom prst="rect">
-            <a:avLst/>
-          </a:prstGeom>
-          <a:noFill/>
-          <a:ln>
-            <a:noFill/>
-          </a:ln>
-        </p:spPr>
-        <p:style>
-          <a:lnRef idx="0"/>
-          <a:fillRef idx="0"/>
-          <a:effectRef idx="0"/>
-          <a:fontRef idx="minor"/>
-        </p:style>
-        <p:txBody>
-          <a:bodyPr wrap="none" lIns="90000" rIns="90000" tIns="45000" bIns="45000"/>
-          <a:p>
-            <a:pPr algn="ctr">
-              <a:lnSpc>
-                <a:spcPct val="100000"/>
-              </a:lnSpc>
-            </a:pPr>
-            <a:r>
-              <a:rPr b="0" lang="en-GB" sz="4000" spc="-1" strike="noStrike">
-                <a:solidFill>
-                  <a:srgbClr val="000000"/>
-                </a:solidFill>
-                <a:latin typeface="Arial"/>
-                <a:ea typeface="DejaVu Sans"/>
-              </a:rPr>
-              <a:t>Ooups ! </a:t>
-            </a:r>
-            <a:endParaRPr b="0" lang="en-GB" sz="4000" spc="-1" strike="noStrike">
-              <a:latin typeface="Arial"/>
-            </a:endParaRPr>
-          </a:p>
-          <a:p>
-            <a:pPr algn="ctr">
-              <a:lnSpc>
-                <a:spcPct val="100000"/>
-              </a:lnSpc>
-            </a:pPr>
-            <a:endParaRPr b="0" lang="en-GB" sz="4000" spc="-1" strike="noStrike">
-              <a:latin typeface="Arial"/>
-            </a:endParaRPr>
-          </a:p>
-          <a:p>
-            <a:pPr algn="ctr">
-              <a:lnSpc>
-                <a:spcPct val="100000"/>
-              </a:lnSpc>
-            </a:pPr>
-            <a:r>
-              <a:rPr b="0" lang="en-GB" sz="4000" spc="-1" strike="noStrike">
-                <a:solidFill>
-                  <a:srgbClr val="000000"/>
-                </a:solidFill>
-                <a:latin typeface="Arial"/>
-                <a:ea typeface="DejaVu Sans"/>
-              </a:rPr>
-              <a:t>Tu n’as pas écrit le mot correctement...</a:t>
-            </a:r>
-            <a:endParaRPr b="0" lang="en-GB" sz="4000" spc="-1" strike="noStrike">
-              <a:latin typeface="Arial"/>
-            </a:endParaRPr>
-          </a:p>
-        </p:txBody>
-      </p:sp>
-      <p:sp>
-        <p:nvSpPr>
-          <p:cNvPr id="159" name="CustomShape 2"/>
-          <p:cNvSpPr/>
-          <p:nvPr/>
-        </p:nvSpPr>
-        <p:spPr>
-          <a:xfrm>
-            <a:off x="3535560" y="3851280"/>
-            <a:ext cx="1316520" cy="622440"/>
-          </a:xfrm>
-          <a:prstGeom prst="rect">
-            <a:avLst/>
-          </a:prstGeom>
-          <a:noFill/>
-          <a:ln>
-            <a:noFill/>
-          </a:ln>
-        </p:spPr>
-        <p:style>
-          <a:lnRef idx="0"/>
-          <a:fillRef idx="0"/>
-          <a:effectRef idx="0"/>
-          <a:fontRef idx="minor"/>
-        </p:style>
-        <p:txBody>
-          <a:bodyPr wrap="none" lIns="90000" rIns="90000" tIns="45000" bIns="45000"/>
-          <a:p>
-            <a:pPr algn="ctr">
-              <a:lnSpc>
-                <a:spcPct val="100000"/>
-              </a:lnSpc>
-            </a:pPr>
-            <a:r>
-              <a:rPr b="0" lang="en-GB" sz="3500" spc="-1" strike="noStrike">
-                <a:solidFill>
-                  <a:srgbClr val="000000"/>
-                </a:solidFill>
-                <a:latin typeface="Arial"/>
-                <a:ea typeface="DejaVu Sans"/>
-              </a:rPr>
-              <a:t>Vonat</a:t>
-            </a:r>
-            <a:endParaRPr b="0" lang="en-GB" sz="3500" spc="-1" strike="noStrike">
-              <a:latin typeface="Arial"/>
-            </a:endParaRPr>
-          </a:p>
-        </p:txBody>
-      </p:sp>
-      <p:sp>
-        <p:nvSpPr>
-          <p:cNvPr id="160" name="CustomShape 3"/>
-          <p:cNvSpPr/>
-          <p:nvPr/>
-        </p:nvSpPr>
-        <p:spPr>
-          <a:xfrm>
-            <a:off x="6203160" y="3851280"/>
-            <a:ext cx="1176480" cy="622440"/>
-          </a:xfrm>
-          <a:prstGeom prst="rect">
-            <a:avLst/>
-          </a:prstGeom>
-          <a:noFill/>
-          <a:ln>
-            <a:noFill/>
-          </a:ln>
-        </p:spPr>
-        <p:style>
-          <a:lnRef idx="0"/>
-          <a:fillRef idx="0"/>
-          <a:effectRef idx="0"/>
-          <a:fontRef idx="minor"/>
-        </p:style>
-        <p:txBody>
-          <a:bodyPr wrap="none" lIns="90000" rIns="90000" tIns="45000" bIns="45000"/>
-          <a:p>
-            <a:pPr algn="ctr">
-              <a:lnSpc>
-                <a:spcPct val="100000"/>
-              </a:lnSpc>
-            </a:pPr>
-            <a:r>
-              <a:rPr b="0" lang="en-GB" sz="3500" spc="-1" strike="noStrike">
-                <a:solidFill>
-                  <a:srgbClr val="000000"/>
-                </a:solidFill>
-                <a:latin typeface="Arial"/>
-                <a:ea typeface="DejaVu Sans"/>
-              </a:rPr>
-              <a:t>Train</a:t>
-            </a:r>
-            <a:endParaRPr b="0" lang="en-GB" sz="3500" spc="-1" strike="noStrike">
-              <a:latin typeface="Arial"/>
-            </a:endParaRPr>
-          </a:p>
-        </p:txBody>
-      </p:sp>
-      <p:sp>
-        <p:nvSpPr>
-          <p:cNvPr id="161" name="CustomShape 4"/>
-          <p:cNvSpPr/>
-          <p:nvPr/>
-        </p:nvSpPr>
-        <p:spPr>
-          <a:xfrm>
-            <a:off x="5335200" y="3851280"/>
-            <a:ext cx="440280" cy="622440"/>
-          </a:xfrm>
-          <a:prstGeom prst="rect">
-            <a:avLst/>
-          </a:prstGeom>
-          <a:noFill/>
-          <a:ln>
-            <a:noFill/>
-          </a:ln>
-        </p:spPr>
-        <p:style>
-          <a:lnRef idx="0"/>
-          <a:fillRef idx="0"/>
-          <a:effectRef idx="0"/>
-          <a:fontRef idx="minor"/>
-        </p:style>
-        <p:txBody>
-          <a:bodyPr wrap="none" lIns="90000" rIns="90000" tIns="45000" bIns="45000"/>
-          <a:p>
-            <a:pPr algn="ctr">
-              <a:lnSpc>
-                <a:spcPct val="100000"/>
-              </a:lnSpc>
-            </a:pPr>
-            <a:r>
-              <a:rPr b="0" lang="en-GB" sz="3500" spc="-1" strike="noStrike">
-                <a:solidFill>
-                  <a:srgbClr val="000000"/>
-                </a:solidFill>
-                <a:latin typeface="Arial"/>
-                <a:ea typeface="DejaVu Sans"/>
-              </a:rPr>
-              <a:t>=</a:t>
-            </a:r>
-            <a:endParaRPr b="0" lang="en-GB" sz="3500" spc="-1" strike="noStrike">
-              <a:latin typeface="Arial"/>
-            </a:endParaRPr>
-          </a:p>
-        </p:txBody>
-      </p:sp>
-      <p:sp>
-        <p:nvSpPr>
-          <p:cNvPr id="162" name="CustomShape 5"/>
-          <p:cNvSpPr/>
-          <p:nvPr/>
-        </p:nvSpPr>
-        <p:spPr>
-          <a:xfrm>
-            <a:off x="6288120" y="3429000"/>
-            <a:ext cx="1158120" cy="393840"/>
-          </a:xfrm>
-          <a:prstGeom prst="rect">
-            <a:avLst/>
-          </a:prstGeom>
-          <a:noFill/>
-          <a:ln>
-            <a:noFill/>
-          </a:ln>
-        </p:spPr>
-        <p:style>
-          <a:lnRef idx="0"/>
-          <a:fillRef idx="0"/>
-          <a:effectRef idx="0"/>
-          <a:fontRef idx="minor"/>
-        </p:style>
-        <p:txBody>
-          <a:bodyPr wrap="none" lIns="90000" rIns="90000" tIns="45000" bIns="45000"/>
-          <a:p>
-            <a:pPr>
-              <a:lnSpc>
-                <a:spcPct val="100000"/>
-              </a:lnSpc>
-            </a:pPr>
-            <a:r>
-              <a:rPr b="0" lang="en-GB" sz="2000" spc="-1" strike="noStrike">
-                <a:solidFill>
-                  <a:srgbClr val="000000"/>
-                </a:solidFill>
-                <a:latin typeface="Arial"/>
-                <a:ea typeface="DejaVu Sans"/>
-              </a:rPr>
-              <a:t>Français</a:t>
-            </a:r>
-            <a:endParaRPr b="0" lang="en-GB" sz="2000" spc="-1" strike="noStrike">
-              <a:latin typeface="Arial"/>
-            </a:endParaRPr>
-          </a:p>
-        </p:txBody>
-      </p:sp>
-      <p:sp>
-        <p:nvSpPr>
-          <p:cNvPr id="163" name="CustomShape 6"/>
-          <p:cNvSpPr/>
-          <p:nvPr/>
-        </p:nvSpPr>
-        <p:spPr>
-          <a:xfrm>
-            <a:off x="3531960" y="3450960"/>
-            <a:ext cx="1200600" cy="393840"/>
-          </a:xfrm>
-          <a:prstGeom prst="rect">
-            <a:avLst/>
-          </a:prstGeom>
-          <a:noFill/>
-          <a:ln>
-            <a:noFill/>
-          </a:ln>
-        </p:spPr>
-        <p:style>
-          <a:lnRef idx="0"/>
-          <a:fillRef idx="0"/>
-          <a:effectRef idx="0"/>
-          <a:fontRef idx="minor"/>
-        </p:style>
-        <p:txBody>
-          <a:bodyPr wrap="none" lIns="90000" rIns="90000" tIns="45000" bIns="45000"/>
-          <a:p>
-            <a:pPr>
-              <a:lnSpc>
-                <a:spcPct val="100000"/>
-              </a:lnSpc>
-            </a:pPr>
-            <a:r>
-              <a:rPr b="0" lang="en-GB" sz="2000" spc="-1" strike="noStrike">
-                <a:solidFill>
-                  <a:srgbClr val="000000"/>
-                </a:solidFill>
-                <a:latin typeface="Arial"/>
-                <a:ea typeface="DejaVu Sans"/>
-              </a:rPr>
-              <a:t>Hongrois</a:t>
-            </a:r>
-            <a:endParaRPr b="0" lang="en-GB" sz="2000" spc="-1" strike="noStrike">
-              <a:latin typeface="Arial"/>
-            </a:endParaRPr>
-          </a:p>
-        </p:txBody>
-      </p:sp>
-      <p:sp>
-        <p:nvSpPr>
-          <p:cNvPr id="164" name="CustomShape 7"/>
-          <p:cNvSpPr/>
-          <p:nvPr/>
-        </p:nvSpPr>
-        <p:spPr>
-          <a:xfrm>
-            <a:off x="1576440" y="5229720"/>
-            <a:ext cx="7958160" cy="622440"/>
-          </a:xfrm>
-          <a:prstGeom prst="rect">
-            <a:avLst/>
-          </a:prstGeom>
-          <a:noFill/>
-          <a:ln>
-            <a:noFill/>
-          </a:ln>
-        </p:spPr>
-        <p:style>
-          <a:lnRef idx="0"/>
-          <a:fillRef idx="0"/>
-          <a:effectRef idx="0"/>
-          <a:fontRef idx="minor"/>
-        </p:style>
-        <p:txBody>
-          <a:bodyPr wrap="none" lIns="90000" rIns="90000" tIns="45000" bIns="45000"/>
-          <a:p>
-            <a:pPr algn="ctr">
-              <a:lnSpc>
-                <a:spcPct val="100000"/>
-              </a:lnSpc>
-            </a:pPr>
-            <a:r>
-              <a:rPr b="0" lang="en-GB" sz="3500" spc="-1" strike="noStrike">
-                <a:solidFill>
-                  <a:srgbClr val="000000"/>
-                </a:solidFill>
-                <a:latin typeface="Arial"/>
-                <a:ea typeface="DejaVu Sans"/>
-              </a:rPr>
-              <a:t>Appuie sur une touche pour réessayer !</a:t>
-            </a:r>
-            <a:endParaRPr b="0" lang="en-GB" sz="3500" spc="-1" strike="noStrike">
-              <a:latin typeface="Arial"/>
-            </a:endParaRPr>
-          </a:p>
-        </p:txBody>
-      </p:sp>
-    </p:spTree>
-  </p:cSld>
   <p:timing>
     <p:tnLst>
       <p:par>
-        <p:cTn id="15" dur="indefinite" restart="never" nodeType="tmRoot">
+        <p:cTn id="19" dur="indefinite" restart="never" nodeType="tmRoot">
           <p:childTnLst>
             <p:seq>
-              <p:cTn id="16" dur="indefinite" nodeType="mainSeq"/>
+              <p:cTn id="20" dur="indefinite" nodeType="mainSeq"/>
               <p:prevCondLst>
                 <p:cond delay="0" evt="onPrev">
                   <p:tgtEl>
@@ -6436,6 +6072,295 @@
 </p:sld>
 </file>
 
+<file path=ppt/slides/slide12.xml><?xml version="1.0" encoding="utf-8"?>
+<p:sld xmlns:a="http://schemas.openxmlformats.org/drawingml/2006/main" xmlns:p="http://schemas.openxmlformats.org/presentationml/2006/main" xmlns:r="http://schemas.openxmlformats.org/officeDocument/2006/relationships" xmlns:p14="http://schemas.microsoft.com/office/powerpoint/2010/main" xmlns:p15="http://schemas.microsoft.com/office/powerpoint/2012/main" xmlns:mc="http://schemas.openxmlformats.org/markup-compatibility/2006">
+  <p:cSld>
+    <p:spTree>
+      <p:nvGrpSpPr>
+        <p:cNvPr id="1" name=""/>
+        <p:cNvGrpSpPr/>
+        <p:nvPr/>
+      </p:nvGrpSpPr>
+      <p:grpSpPr>
+        <a:xfrm>
+          <a:off x="0" y="0"/>
+          <a:ext cx="0" cy="0"/>
+          <a:chOff x="0" y="0"/>
+          <a:chExt cx="0" cy="0"/>
+        </a:xfrm>
+      </p:grpSpPr>
+      <p:sp>
+        <p:nvSpPr>
+          <p:cNvPr id="155" name="CustomShape 1"/>
+          <p:cNvSpPr/>
+          <p:nvPr/>
+        </p:nvSpPr>
+        <p:spPr>
+          <a:xfrm>
+            <a:off x="3320280" y="1256760"/>
+            <a:ext cx="4668840" cy="698040"/>
+          </a:xfrm>
+          <a:prstGeom prst="rect">
+            <a:avLst/>
+          </a:prstGeom>
+          <a:noFill/>
+          <a:ln>
+            <a:noFill/>
+          </a:ln>
+        </p:spPr>
+        <p:style>
+          <a:lnRef idx="0"/>
+          <a:fillRef idx="0"/>
+          <a:effectRef idx="0"/>
+          <a:fontRef idx="minor"/>
+        </p:style>
+        <p:txBody>
+          <a:bodyPr wrap="none" lIns="90000" rIns="90000" tIns="45000" bIns="45000"/>
+          <a:p>
+            <a:pPr algn="ctr">
+              <a:lnSpc>
+                <a:spcPct val="100000"/>
+              </a:lnSpc>
+            </a:pPr>
+            <a:r>
+              <a:rPr b="0" lang="en-GB" sz="4000" spc="-1" strike="noStrike">
+                <a:solidFill>
+                  <a:srgbClr val="000000"/>
+                </a:solidFill>
+                <a:latin typeface="Arial"/>
+                <a:ea typeface="DejaVu Sans"/>
+              </a:rPr>
+              <a:t>Bravo ! Tu as réussi</a:t>
+            </a:r>
+            <a:endParaRPr b="0" lang="en-GB" sz="4000" spc="-1" strike="noStrike">
+              <a:latin typeface="Arial"/>
+            </a:endParaRPr>
+          </a:p>
+        </p:txBody>
+      </p:sp>
+      <p:sp>
+        <p:nvSpPr>
+          <p:cNvPr id="156" name="CustomShape 2"/>
+          <p:cNvSpPr/>
+          <p:nvPr/>
+        </p:nvSpPr>
+        <p:spPr>
+          <a:xfrm>
+            <a:off x="5343120" y="2959920"/>
+            <a:ext cx="401760" cy="545400"/>
+          </a:xfrm>
+          <a:prstGeom prst="rect">
+            <a:avLst/>
+          </a:prstGeom>
+          <a:noFill/>
+          <a:ln>
+            <a:noFill/>
+          </a:ln>
+        </p:spPr>
+        <p:style>
+          <a:lnRef idx="0"/>
+          <a:fillRef idx="0"/>
+          <a:effectRef idx="0"/>
+          <a:fontRef idx="minor"/>
+        </p:style>
+        <p:txBody>
+          <a:bodyPr wrap="none" lIns="90000" rIns="90000" tIns="45000" bIns="45000"/>
+          <a:p>
+            <a:pPr algn="ctr">
+              <a:lnSpc>
+                <a:spcPct val="100000"/>
+              </a:lnSpc>
+            </a:pPr>
+            <a:r>
+              <a:rPr b="0" lang="en-GB" sz="3000" spc="-1" strike="noStrike">
+                <a:solidFill>
+                  <a:srgbClr val="000000"/>
+                </a:solidFill>
+                <a:latin typeface="Arial"/>
+                <a:ea typeface="DejaVu Sans"/>
+              </a:rPr>
+              <a:t>=</a:t>
+            </a:r>
+            <a:endParaRPr b="0" lang="en-GB" sz="3000" spc="-1" strike="noStrike">
+              <a:latin typeface="Arial"/>
+            </a:endParaRPr>
+          </a:p>
+        </p:txBody>
+      </p:sp>
+      <p:sp>
+        <p:nvSpPr>
+          <p:cNvPr id="157" name="CustomShape 3"/>
+          <p:cNvSpPr/>
+          <p:nvPr/>
+        </p:nvSpPr>
+        <p:spPr>
+          <a:xfrm>
+            <a:off x="2279880" y="4339080"/>
+            <a:ext cx="6528240" cy="545400"/>
+          </a:xfrm>
+          <a:prstGeom prst="rect">
+            <a:avLst/>
+          </a:prstGeom>
+          <a:noFill/>
+          <a:ln>
+            <a:noFill/>
+          </a:ln>
+        </p:spPr>
+        <p:style>
+          <a:lnRef idx="0"/>
+          <a:fillRef idx="0"/>
+          <a:effectRef idx="0"/>
+          <a:fontRef idx="minor"/>
+        </p:style>
+        <p:txBody>
+          <a:bodyPr wrap="none" lIns="90000" rIns="90000" tIns="45000" bIns="45000"/>
+          <a:p>
+            <a:pPr algn="ctr">
+              <a:lnSpc>
+                <a:spcPct val="100000"/>
+              </a:lnSpc>
+            </a:pPr>
+            <a:r>
+              <a:rPr b="0" lang="en-GB" sz="3000" spc="-1" strike="noStrike">
+                <a:solidFill>
+                  <a:srgbClr val="000000"/>
+                </a:solidFill>
+                <a:latin typeface="Arial"/>
+                <a:ea typeface="DejaVu Sans"/>
+              </a:rPr>
+              <a:t>Appuie sur une touche pour continuer</a:t>
+            </a:r>
+            <a:endParaRPr b="0" lang="en-GB" sz="3000" spc="-1" strike="noStrike">
+              <a:latin typeface="Arial"/>
+            </a:endParaRPr>
+          </a:p>
+        </p:txBody>
+      </p:sp>
+    </p:spTree>
+  </p:cSld>
+</p:sld>
+</file>
+
+<file path=ppt/slides/slide13.xml><?xml version="1.0" encoding="utf-8"?>
+<p:sld xmlns:a="http://schemas.openxmlformats.org/drawingml/2006/main" xmlns:p="http://schemas.openxmlformats.org/presentationml/2006/main" xmlns:r="http://schemas.openxmlformats.org/officeDocument/2006/relationships" xmlns:p14="http://schemas.microsoft.com/office/powerpoint/2010/main" xmlns:p15="http://schemas.microsoft.com/office/powerpoint/2012/main" xmlns:mc="http://schemas.openxmlformats.org/markup-compatibility/2006">
+  <p:cSld>
+    <p:spTree>
+      <p:nvGrpSpPr>
+        <p:cNvPr id="1" name=""/>
+        <p:cNvGrpSpPr/>
+        <p:nvPr/>
+      </p:nvGrpSpPr>
+      <p:grpSpPr>
+        <a:xfrm>
+          <a:off x="0" y="0"/>
+          <a:ext cx="0" cy="0"/>
+          <a:chOff x="0" y="0"/>
+          <a:chExt cx="0" cy="0"/>
+        </a:xfrm>
+      </p:grpSpPr>
+      <p:sp>
+        <p:nvSpPr>
+          <p:cNvPr id="158" name="CustomShape 1"/>
+          <p:cNvSpPr/>
+          <p:nvPr/>
+        </p:nvSpPr>
+        <p:spPr>
+          <a:xfrm>
+            <a:off x="3320280" y="1256760"/>
+            <a:ext cx="4668840" cy="698040"/>
+          </a:xfrm>
+          <a:prstGeom prst="rect">
+            <a:avLst/>
+          </a:prstGeom>
+          <a:noFill/>
+          <a:ln>
+            <a:noFill/>
+          </a:ln>
+        </p:spPr>
+        <p:style>
+          <a:lnRef idx="0"/>
+          <a:fillRef idx="0"/>
+          <a:effectRef idx="0"/>
+          <a:fontRef idx="minor"/>
+        </p:style>
+        <p:txBody>
+          <a:bodyPr wrap="none" lIns="90000" rIns="90000" tIns="45000" bIns="45000"/>
+          <a:p>
+            <a:pPr algn="ctr">
+              <a:lnSpc>
+                <a:spcPct val="100000"/>
+              </a:lnSpc>
+            </a:pPr>
+            <a:r>
+              <a:rPr b="0" lang="en-GB" sz="4000" spc="-1" strike="noStrike">
+                <a:solidFill>
+                  <a:srgbClr val="000000"/>
+                </a:solidFill>
+                <a:latin typeface="Arial"/>
+                <a:ea typeface="DejaVu Sans"/>
+              </a:rPr>
+              <a:t>Bravo ! Tu as réussi</a:t>
+            </a:r>
+            <a:endParaRPr b="0" lang="en-GB" sz="4000" spc="-1" strike="noStrike">
+              <a:latin typeface="Arial"/>
+            </a:endParaRPr>
+          </a:p>
+        </p:txBody>
+      </p:sp>
+      <p:sp>
+        <p:nvSpPr>
+          <p:cNvPr id="159" name="CustomShape 2"/>
+          <p:cNvSpPr/>
+          <p:nvPr/>
+        </p:nvSpPr>
+        <p:spPr>
+          <a:xfrm>
+            <a:off x="2279880" y="4339080"/>
+            <a:ext cx="6528240" cy="545400"/>
+          </a:xfrm>
+          <a:prstGeom prst="rect">
+            <a:avLst/>
+          </a:prstGeom>
+          <a:noFill/>
+          <a:ln>
+            <a:noFill/>
+          </a:ln>
+        </p:spPr>
+        <p:style>
+          <a:lnRef idx="0"/>
+          <a:fillRef idx="0"/>
+          <a:effectRef idx="0"/>
+          <a:fontRef idx="minor"/>
+        </p:style>
+        <p:txBody>
+          <a:bodyPr wrap="none" lIns="90000" rIns="90000" tIns="45000" bIns="45000"/>
+          <a:p>
+            <a:pPr algn="ctr">
+              <a:lnSpc>
+                <a:spcPct val="100000"/>
+              </a:lnSpc>
+            </a:pPr>
+            <a:r>
+              <a:rPr b="0" lang="en-GB" sz="3000" spc="-1" strike="noStrike">
+                <a:solidFill>
+                  <a:srgbClr val="000000"/>
+                </a:solidFill>
+                <a:latin typeface="Arial"/>
+                <a:ea typeface="DejaVu Sans"/>
+              </a:rPr>
+              <a:t>Appuie sur une touche pour continuer</a:t>
+            </a:r>
+            <a:endParaRPr b="0" lang="en-GB" sz="3000" spc="-1" strike="noStrike">
+              <a:latin typeface="Arial"/>
+            </a:endParaRPr>
+          </a:p>
+        </p:txBody>
+      </p:sp>
+    </p:spTree>
+  </p:cSld>
+</p:sld>
+</file>
+
 <file path=ppt/slides/slide14.xml><?xml version="1.0" encoding="utf-8"?>
 <p:sld xmlns:a="http://schemas.openxmlformats.org/drawingml/2006/main" xmlns:p="http://schemas.openxmlformats.org/presentationml/2006/main" xmlns:r="http://schemas.openxmlformats.org/officeDocument/2006/relationships" xmlns:p14="http://schemas.microsoft.com/office/powerpoint/2010/main" xmlns:p15="http://schemas.microsoft.com/office/powerpoint/2012/main" xmlns:mc="http://schemas.openxmlformats.org/markup-compatibility/2006">
   <p:cSld>
@@ -6455,14 +6380,14 @@
       </p:grpSpPr>
       <p:sp>
         <p:nvSpPr>
-          <p:cNvPr id="165" name="CustomShape 1"/>
+          <p:cNvPr id="160" name="CustomShape 1"/>
           <p:cNvSpPr/>
           <p:nvPr/>
         </p:nvSpPr>
         <p:spPr>
           <a:xfrm>
-            <a:off x="1265400" y="400320"/>
-            <a:ext cx="8940960" cy="1917360"/>
+            <a:off x="1308240" y="997200"/>
+            <a:ext cx="8940600" cy="1917000"/>
           </a:xfrm>
           <a:prstGeom prst="rect">
             <a:avLst/>
@@ -6534,14 +6459,14 @@
       </p:sp>
       <p:sp>
         <p:nvSpPr>
-          <p:cNvPr id="166" name="CustomShape 2"/>
+          <p:cNvPr id="161" name="CustomShape 2"/>
           <p:cNvSpPr/>
           <p:nvPr/>
         </p:nvSpPr>
         <p:spPr>
           <a:xfrm>
-            <a:off x="5292360" y="3254400"/>
-            <a:ext cx="440280" cy="622440"/>
+            <a:off x="3535560" y="3851280"/>
+            <a:ext cx="1316160" cy="622080"/>
           </a:xfrm>
           <a:prstGeom prst="rect">
             <a:avLst/>
@@ -6568,29 +6493,32 @@
             <a:r>
               <a:rPr b="0" lang="en-GB" sz="3500" spc="-1" strike="noStrike">
                 <a:solidFill>
-                  <a:srgbClr val="000000"/>
+                  <a:srgbClr val="0d1f63"/>
                 </a:solidFill>
                 <a:latin typeface="Arial"/>
                 <a:ea typeface="DejaVu Sans"/>
               </a:rPr>
-              <a:t>=</a:t>
+              <a:t>Vonat</a:t>
             </a:r>
             <a:endParaRPr b="0" lang="en-GB" sz="3500" spc="-1" strike="noStrike">
-              <a:latin typeface="Arial"/>
-            </a:endParaRPr>
-          </a:p>
-        </p:txBody>
-      </p:sp>
-      <p:sp>
-        <p:nvSpPr>
-          <p:cNvPr id="167" name="CustomShape 3"/>
+              <a:solidFill>
+                <a:srgbClr val="0d1f63"/>
+              </a:solidFill>
+              <a:latin typeface="Arial"/>
+            </a:endParaRPr>
+          </a:p>
+        </p:txBody>
+      </p:sp>
+      <p:sp>
+        <p:nvSpPr>
+          <p:cNvPr id="162" name="CustomShape 3"/>
           <p:cNvSpPr/>
           <p:nvPr/>
         </p:nvSpPr>
         <p:spPr>
           <a:xfrm>
-            <a:off x="6245280" y="2860560"/>
-            <a:ext cx="1158120" cy="393840"/>
+            <a:off x="6203160" y="3851280"/>
+            <a:ext cx="1176120" cy="622080"/>
           </a:xfrm>
           <a:prstGeom prst="rect">
             <a:avLst/>
@@ -6609,37 +6537,40 @@
         <p:txBody>
           <a:bodyPr wrap="none" lIns="90000" rIns="90000" tIns="45000" bIns="45000"/>
           <a:p>
-            <a:pPr>
+            <a:pPr algn="ctr">
               <a:lnSpc>
                 <a:spcPct val="100000"/>
               </a:lnSpc>
             </a:pPr>
             <a:r>
-              <a:rPr b="0" lang="en-GB" sz="2000" spc="-1" strike="noStrike">
+              <a:rPr b="0" lang="en-GB" sz="3500" spc="-1" strike="noStrike">
                 <a:solidFill>
-                  <a:srgbClr val="000000"/>
+                  <a:srgbClr val="0d1f63"/>
                 </a:solidFill>
                 <a:latin typeface="Arial"/>
                 <a:ea typeface="DejaVu Sans"/>
               </a:rPr>
-              <a:t>Français</a:t>
-            </a:r>
-            <a:endParaRPr b="0" lang="en-GB" sz="2000" spc="-1" strike="noStrike">
-              <a:latin typeface="Arial"/>
-            </a:endParaRPr>
-          </a:p>
-        </p:txBody>
-      </p:sp>
-      <p:sp>
-        <p:nvSpPr>
-          <p:cNvPr id="168" name="CustomShape 4"/>
+              <a:t>Train</a:t>
+            </a:r>
+            <a:endParaRPr b="0" lang="en-GB" sz="3500" spc="-1" strike="noStrike">
+              <a:solidFill>
+                <a:srgbClr val="0d1f63"/>
+              </a:solidFill>
+              <a:latin typeface="Arial"/>
+            </a:endParaRPr>
+          </a:p>
+        </p:txBody>
+      </p:sp>
+      <p:sp>
+        <p:nvSpPr>
+          <p:cNvPr id="163" name="CustomShape 4"/>
           <p:cNvSpPr/>
           <p:nvPr/>
         </p:nvSpPr>
         <p:spPr>
           <a:xfrm>
-            <a:off x="3489120" y="2854080"/>
-            <a:ext cx="1200600" cy="393840"/>
+            <a:off x="5335200" y="3851280"/>
+            <a:ext cx="439920" cy="622080"/>
           </a:xfrm>
           <a:prstGeom prst="rect">
             <a:avLst/>
@@ -6658,37 +6589,37 @@
         <p:txBody>
           <a:bodyPr wrap="none" lIns="90000" rIns="90000" tIns="45000" bIns="45000"/>
           <a:p>
-            <a:pPr>
+            <a:pPr algn="ctr">
               <a:lnSpc>
                 <a:spcPct val="100000"/>
               </a:lnSpc>
             </a:pPr>
             <a:r>
-              <a:rPr b="0" lang="en-GB" sz="2000" spc="-1" strike="noStrike">
+              <a:rPr b="0" lang="en-GB" sz="3500" spc="-1" strike="noStrike">
                 <a:solidFill>
                   <a:srgbClr val="000000"/>
                 </a:solidFill>
                 <a:latin typeface="Arial"/>
                 <a:ea typeface="DejaVu Sans"/>
               </a:rPr>
-              <a:t>Hongrois</a:t>
-            </a:r>
-            <a:endParaRPr b="0" lang="en-GB" sz="2000" spc="-1" strike="noStrike">
-              <a:latin typeface="Arial"/>
-            </a:endParaRPr>
-          </a:p>
-        </p:txBody>
-      </p:sp>
-      <p:sp>
-        <p:nvSpPr>
-          <p:cNvPr id="169" name="CustomShape 5"/>
+              <a:t>=</a:t>
+            </a:r>
+            <a:endParaRPr b="0" lang="en-GB" sz="3500" spc="-1" strike="noStrike">
+              <a:latin typeface="Arial"/>
+            </a:endParaRPr>
+          </a:p>
+        </p:txBody>
+      </p:sp>
+      <p:sp>
+        <p:nvSpPr>
+          <p:cNvPr id="164" name="CustomShape 5"/>
           <p:cNvSpPr/>
           <p:nvPr/>
         </p:nvSpPr>
         <p:spPr>
           <a:xfrm>
-            <a:off x="1473840" y="5353560"/>
-            <a:ext cx="7958160" cy="622440"/>
+            <a:off x="6288120" y="3429000"/>
+            <a:ext cx="1157760" cy="393480"/>
           </a:xfrm>
           <a:prstGeom prst="rect">
             <a:avLst/>
@@ -6707,37 +6638,37 @@
         <p:txBody>
           <a:bodyPr wrap="none" lIns="90000" rIns="90000" tIns="45000" bIns="45000"/>
           <a:p>
-            <a:pPr algn="ctr">
+            <a:pPr>
               <a:lnSpc>
                 <a:spcPct val="100000"/>
               </a:lnSpc>
             </a:pPr>
             <a:r>
-              <a:rPr b="0" lang="en-GB" sz="3500" spc="-1" strike="noStrike">
+              <a:rPr b="0" lang="en-GB" sz="2000" spc="-1" strike="noStrike">
                 <a:solidFill>
                   <a:srgbClr val="000000"/>
                 </a:solidFill>
                 <a:latin typeface="Arial"/>
                 <a:ea typeface="DejaVu Sans"/>
               </a:rPr>
-              <a:t>Appuie sur une touche pour continuer !</a:t>
-            </a:r>
-            <a:endParaRPr b="0" lang="en-GB" sz="3500" spc="-1" strike="noStrike">
-              <a:latin typeface="Arial"/>
-            </a:endParaRPr>
-          </a:p>
-        </p:txBody>
-      </p:sp>
-      <p:sp>
-        <p:nvSpPr>
-          <p:cNvPr id="170" name="CustomShape 6"/>
+              <a:t>Français</a:t>
+            </a:r>
+            <a:endParaRPr b="0" lang="en-GB" sz="2000" spc="-1" strike="noStrike">
+              <a:latin typeface="Arial"/>
+            </a:endParaRPr>
+          </a:p>
+        </p:txBody>
+      </p:sp>
+      <p:sp>
+        <p:nvSpPr>
+          <p:cNvPr id="165" name="CustomShape 6"/>
           <p:cNvSpPr/>
           <p:nvPr/>
         </p:nvSpPr>
         <p:spPr>
           <a:xfrm>
-            <a:off x="1545840" y="4273560"/>
-            <a:ext cx="7958160" cy="622440"/>
+            <a:off x="3531960" y="3450960"/>
+            <a:ext cx="1200240" cy="393480"/>
           </a:xfrm>
           <a:prstGeom prst="rect">
             <a:avLst/>
@@ -6762,6 +6693,55 @@
               </a:lnSpc>
             </a:pPr>
             <a:r>
+              <a:rPr b="0" lang="en-GB" sz="2000" spc="-1" strike="noStrike">
+                <a:solidFill>
+                  <a:srgbClr val="000000"/>
+                </a:solidFill>
+                <a:latin typeface="Arial"/>
+                <a:ea typeface="DejaVu Sans"/>
+              </a:rPr>
+              <a:t>Hongrois</a:t>
+            </a:r>
+            <a:endParaRPr b="0" lang="en-GB" sz="2000" spc="-1" strike="noStrike">
+              <a:latin typeface="Arial"/>
+            </a:endParaRPr>
+          </a:p>
+        </p:txBody>
+      </p:sp>
+      <p:sp>
+        <p:nvSpPr>
+          <p:cNvPr id="166" name="CustomShape 7"/>
+          <p:cNvSpPr/>
+          <p:nvPr/>
+        </p:nvSpPr>
+        <p:spPr>
+          <a:xfrm>
+            <a:off x="1576440" y="5229720"/>
+            <a:ext cx="7957800" cy="622080"/>
+          </a:xfrm>
+          <a:prstGeom prst="rect">
+            <a:avLst/>
+          </a:prstGeom>
+          <a:noFill/>
+          <a:ln>
+            <a:noFill/>
+          </a:ln>
+        </p:spPr>
+        <p:style>
+          <a:lnRef idx="0"/>
+          <a:fillRef idx="0"/>
+          <a:effectRef idx="0"/>
+          <a:fontRef idx="minor"/>
+        </p:style>
+        <p:txBody>
+          <a:bodyPr wrap="none" lIns="90000" rIns="90000" tIns="45000" bIns="45000"/>
+          <a:p>
+            <a:pPr algn="ctr">
+              <a:lnSpc>
+                <a:spcPct val="100000"/>
+              </a:lnSpc>
+            </a:pPr>
+            <a:r>
               <a:rPr b="0" lang="en-GB" sz="3500" spc="-1" strike="noStrike">
                 <a:solidFill>
                   <a:srgbClr val="000000"/>
@@ -6769,7 +6749,7 @@
                 <a:latin typeface="Arial"/>
                 <a:ea typeface="DejaVu Sans"/>
               </a:rPr>
-              <a:t>Tu as écrit :</a:t>
+              <a:t>Appuie sur une touche pour réessayer !</a:t>
             </a:r>
             <a:endParaRPr b="0" lang="en-GB" sz="3500" spc="-1" strike="noStrike">
               <a:latin typeface="Arial"/>
@@ -6782,10 +6762,10 @@
   <p:timing>
     <p:tnLst>
       <p:par>
-        <p:cTn id="17" dur="indefinite" restart="never" nodeType="tmRoot">
+        <p:cTn id="21" dur="indefinite" restart="never" nodeType="tmRoot">
           <p:childTnLst>
             <p:seq>
-              <p:cTn id="18" dur="indefinite" nodeType="mainSeq"/>
+              <p:cTn id="22" dur="indefinite" nodeType="mainSeq"/>
               <p:prevCondLst>
                 <p:cond delay="0" evt="onPrev">
                   <p:tgtEl>
@@ -6828,14 +6808,14 @@
       </p:grpSpPr>
       <p:sp>
         <p:nvSpPr>
-          <p:cNvPr id="171" name="CustomShape 1"/>
+          <p:cNvPr id="167" name="CustomShape 1"/>
           <p:cNvSpPr/>
           <p:nvPr/>
         </p:nvSpPr>
         <p:spPr>
           <a:xfrm>
-            <a:off x="3362400" y="917640"/>
-            <a:ext cx="4811040" cy="545760"/>
+            <a:off x="1308240" y="997200"/>
+            <a:ext cx="8940600" cy="1917000"/>
           </a:xfrm>
           <a:prstGeom prst="rect">
             <a:avLst/>
@@ -6860,31 +6840,61 @@
               </a:lnSpc>
             </a:pPr>
             <a:r>
-              <a:rPr b="0" lang="en-GB" sz="3000" spc="-1" strike="noStrike">
+              <a:rPr b="0" lang="en-GB" sz="4000" spc="-1" strike="noStrike">
                 <a:solidFill>
                   <a:srgbClr val="000000"/>
                 </a:solidFill>
                 <a:latin typeface="Arial"/>
                 <a:ea typeface="DejaVu Sans"/>
               </a:rPr>
-              <a:t>Essaye de traduire ce mot !</a:t>
-            </a:r>
-            <a:endParaRPr b="0" lang="en-GB" sz="3000" spc="-1" strike="noStrike">
-              <a:latin typeface="Arial"/>
-            </a:endParaRPr>
-          </a:p>
-        </p:txBody>
-      </p:sp>
-      <p:sp>
-        <p:nvSpPr>
-          <p:cNvPr id="172" name="CustomShape 2"/>
+              <a:t>Ooups ! </a:t>
+            </a:r>
+            <a:endParaRPr b="0" lang="en-GB" sz="4000" spc="-1" strike="noStrike">
+              <a:latin typeface="Arial"/>
+            </a:endParaRPr>
+          </a:p>
+          <a:p>
+            <a:pPr algn="ctr">
+              <a:lnSpc>
+                <a:spcPct val="100000"/>
+              </a:lnSpc>
+            </a:pPr>
+            <a:endParaRPr b="0" lang="en-GB" sz="4000" spc="-1" strike="noStrike">
+              <a:latin typeface="Arial"/>
+            </a:endParaRPr>
+          </a:p>
+          <a:p>
+            <a:pPr algn="ctr">
+              <a:lnSpc>
+                <a:spcPct val="100000"/>
+              </a:lnSpc>
+            </a:pPr>
+            <a:r>
+              <a:rPr b="0" lang="en-GB" sz="4000" spc="-1" strike="noStrike">
+                <a:solidFill>
+                  <a:srgbClr val="000000"/>
+                </a:solidFill>
+                <a:latin typeface="Arial"/>
+                <a:ea typeface="DejaVu Sans"/>
+              </a:rPr>
+              <a:t>Tu n’as pas écrit le mot correctement...</a:t>
+            </a:r>
+            <a:endParaRPr b="0" lang="en-GB" sz="4000" spc="-1" strike="noStrike">
+              <a:latin typeface="Arial"/>
+            </a:endParaRPr>
+          </a:p>
+        </p:txBody>
+      </p:sp>
+      <p:sp>
+        <p:nvSpPr>
+          <p:cNvPr id="168" name="CustomShape 2"/>
           <p:cNvSpPr/>
           <p:nvPr/>
         </p:nvSpPr>
         <p:spPr>
           <a:xfrm>
-            <a:off x="3621960" y="2237400"/>
-            <a:ext cx="4050720" cy="545760"/>
+            <a:off x="1576440" y="5229720"/>
+            <a:ext cx="7957800" cy="622080"/>
           </a:xfrm>
           <a:prstGeom prst="rect">
             <a:avLst/>
@@ -6909,134 +6919,16 @@
               </a:lnSpc>
             </a:pPr>
             <a:r>
-              <a:rPr b="0" lang="en-GB" sz="3000" spc="-1" strike="noStrike">
+              <a:rPr b="0" lang="en-GB" sz="3500" spc="-1" strike="noStrike">
                 <a:solidFill>
                   <a:srgbClr val="000000"/>
                 </a:solidFill>
                 <a:latin typeface="Arial"/>
                 <a:ea typeface="DejaVu Sans"/>
               </a:rPr>
-              <a:t>Ecrit le mot en français</a:t>
-            </a:r>
-            <a:endParaRPr b="0" lang="en-GB" sz="3000" spc="-1" strike="noStrike">
-              <a:latin typeface="Arial"/>
-            </a:endParaRPr>
-          </a:p>
-          <a:p>
-            <a:pPr algn="ctr">
-              <a:lnSpc>
-                <a:spcPct val="100000"/>
-              </a:lnSpc>
-            </a:pPr>
-            <a:r>
-              <a:rPr b="0" lang="en-GB" sz="3000" spc="-1" strike="noStrike">
-                <a:solidFill>
-                  <a:srgbClr val="000000"/>
-                </a:solidFill>
-                <a:latin typeface="Arial"/>
-                <a:ea typeface="DejaVu Sans"/>
-              </a:rPr>
-              <a:t> </a:t>
-            </a:r>
-            <a:endParaRPr b="0" lang="en-GB" sz="3000" spc="-1" strike="noStrike">
-              <a:latin typeface="Arial"/>
-            </a:endParaRPr>
-          </a:p>
-        </p:txBody>
-      </p:sp>
-      <p:sp>
-        <p:nvSpPr>
-          <p:cNvPr id="173" name="CustomShape 3"/>
-          <p:cNvSpPr/>
-          <p:nvPr/>
-        </p:nvSpPr>
-        <p:spPr>
-          <a:xfrm>
-            <a:off x="6482520" y="3557520"/>
-            <a:ext cx="391320" cy="545760"/>
-          </a:xfrm>
-          <a:prstGeom prst="rect">
-            <a:avLst/>
-          </a:prstGeom>
-          <a:noFill/>
-          <a:ln>
-            <a:noFill/>
-          </a:ln>
-        </p:spPr>
-        <p:style>
-          <a:lnRef idx="0"/>
-          <a:fillRef idx="0"/>
-          <a:effectRef idx="0"/>
-          <a:fontRef idx="minor"/>
-        </p:style>
-        <p:txBody>
-          <a:bodyPr wrap="none" lIns="90000" rIns="90000" tIns="45000" bIns="45000"/>
-          <a:p>
-            <a:pPr algn="ctr">
-              <a:lnSpc>
-                <a:spcPct val="100000"/>
-              </a:lnSpc>
-            </a:pPr>
-            <a:r>
-              <a:rPr b="0" lang="en-GB" sz="3000" spc="-1" strike="noStrike">
-                <a:solidFill>
-                  <a:srgbClr val="000000"/>
-                </a:solidFill>
-                <a:latin typeface="Arial"/>
-                <a:ea typeface="DejaVu Sans"/>
-              </a:rPr>
-              <a:t>?</a:t>
-            </a:r>
-            <a:endParaRPr b="0" lang="en-GB" sz="3000" spc="-1" strike="noStrike">
-              <a:latin typeface="Arial"/>
-            </a:endParaRPr>
-          </a:p>
-        </p:txBody>
-      </p:sp>
-      <p:sp>
-        <p:nvSpPr>
-          <p:cNvPr id="174" name="CustomShape 4"/>
-          <p:cNvSpPr/>
-          <p:nvPr/>
-        </p:nvSpPr>
-        <p:spPr>
-          <a:xfrm>
-            <a:off x="5241600" y="3557520"/>
-            <a:ext cx="402120" cy="545760"/>
-          </a:xfrm>
-          <a:prstGeom prst="rect">
-            <a:avLst/>
-          </a:prstGeom>
-          <a:noFill/>
-          <a:ln>
-            <a:noFill/>
-          </a:ln>
-        </p:spPr>
-        <p:style>
-          <a:lnRef idx="0"/>
-          <a:fillRef idx="0"/>
-          <a:effectRef idx="0"/>
-          <a:fontRef idx="minor"/>
-        </p:style>
-        <p:txBody>
-          <a:bodyPr wrap="none" lIns="90000" rIns="90000" tIns="45000" bIns="45000"/>
-          <a:p>
-            <a:pPr algn="ctr">
-              <a:lnSpc>
-                <a:spcPct val="100000"/>
-              </a:lnSpc>
-            </a:pPr>
-            <a:r>
-              <a:rPr b="0" lang="en-GB" sz="3000" spc="-1" strike="noStrike">
-                <a:solidFill>
-                  <a:srgbClr val="000000"/>
-                </a:solidFill>
-                <a:latin typeface="Arial"/>
-                <a:ea typeface="DejaVu Sans"/>
-              </a:rPr>
-              <a:t>=</a:t>
-            </a:r>
-            <a:endParaRPr b="0" lang="en-GB" sz="3000" spc="-1" strike="noStrike">
+              <a:t>Appuie sur une touche pour continuer !</a:t>
+            </a:r>
+            <a:endParaRPr b="0" lang="en-GB" sz="3500" spc="-1" strike="noStrike">
               <a:latin typeface="Arial"/>
             </a:endParaRPr>
           </a:p>
@@ -7047,10 +6939,10 @@
   <p:timing>
     <p:tnLst>
       <p:par>
-        <p:cTn id="19" dur="indefinite" restart="never" nodeType="tmRoot">
+        <p:cTn id="23" dur="indefinite" restart="never" nodeType="tmRoot">
           <p:childTnLst>
             <p:seq>
-              <p:cTn id="20" dur="indefinite" nodeType="mainSeq"/>
+              <p:cTn id="24" dur="indefinite" nodeType="mainSeq"/>
               <p:prevCondLst>
                 <p:cond delay="0" evt="onPrev">
                   <p:tgtEl>
@@ -7093,14 +6985,14 @@
       </p:grpSpPr>
       <p:sp>
         <p:nvSpPr>
-          <p:cNvPr id="175" name="CustomShape 1"/>
+          <p:cNvPr id="169" name="CustomShape 1"/>
           <p:cNvSpPr/>
           <p:nvPr/>
         </p:nvSpPr>
         <p:spPr>
           <a:xfrm>
-            <a:off x="1308240" y="997200"/>
-            <a:ext cx="8940960" cy="1917360"/>
+            <a:off x="1265400" y="400320"/>
+            <a:ext cx="8940600" cy="1917000"/>
           </a:xfrm>
           <a:prstGeom prst="rect">
             <a:avLst/>
@@ -7172,14 +7064,14 @@
       </p:sp>
       <p:sp>
         <p:nvSpPr>
-          <p:cNvPr id="176" name="CustomShape 2"/>
+          <p:cNvPr id="170" name="CustomShape 2"/>
           <p:cNvSpPr/>
           <p:nvPr/>
         </p:nvSpPr>
         <p:spPr>
           <a:xfrm>
-            <a:off x="5335200" y="3851280"/>
-            <a:ext cx="440280" cy="622440"/>
+            <a:off x="5292360" y="3254400"/>
+            <a:ext cx="439920" cy="622080"/>
           </a:xfrm>
           <a:prstGeom prst="rect">
             <a:avLst/>
@@ -7221,14 +7113,14 @@
       </p:sp>
       <p:sp>
         <p:nvSpPr>
-          <p:cNvPr id="177" name="CustomShape 3"/>
+          <p:cNvPr id="171" name="CustomShape 3"/>
           <p:cNvSpPr/>
           <p:nvPr/>
         </p:nvSpPr>
         <p:spPr>
           <a:xfrm>
-            <a:off x="6288120" y="3429000"/>
-            <a:ext cx="1158120" cy="393840"/>
+            <a:off x="6245280" y="2860560"/>
+            <a:ext cx="1157760" cy="393480"/>
           </a:xfrm>
           <a:prstGeom prst="rect">
             <a:avLst/>
@@ -7270,14 +7162,14 @@
       </p:sp>
       <p:sp>
         <p:nvSpPr>
-          <p:cNvPr id="178" name="CustomShape 4"/>
+          <p:cNvPr id="172" name="CustomShape 4"/>
           <p:cNvSpPr/>
           <p:nvPr/>
         </p:nvSpPr>
         <p:spPr>
           <a:xfrm>
-            <a:off x="3531960" y="3450960"/>
-            <a:ext cx="1200600" cy="393840"/>
+            <a:off x="3489120" y="2854080"/>
+            <a:ext cx="1200240" cy="393480"/>
           </a:xfrm>
           <a:prstGeom prst="rect">
             <a:avLst/>
@@ -7319,14 +7211,14 @@
       </p:sp>
       <p:sp>
         <p:nvSpPr>
-          <p:cNvPr id="179" name="CustomShape 5"/>
+          <p:cNvPr id="173" name="CustomShape 5"/>
           <p:cNvSpPr/>
           <p:nvPr/>
         </p:nvSpPr>
         <p:spPr>
           <a:xfrm>
-            <a:off x="1576440" y="5229720"/>
-            <a:ext cx="7958160" cy="622440"/>
+            <a:off x="1473840" y="5353560"/>
+            <a:ext cx="7957800" cy="622080"/>
           </a:xfrm>
           <a:prstGeom prst="rect">
             <a:avLst/>
@@ -7366,38 +7258,16 @@
           </a:p>
         </p:txBody>
       </p:sp>
-    </p:spTree>
-  </p:cSld>
-</p:sld>
-</file>
-
-<file path=ppt/slides/slide17.xml><?xml version="1.0" encoding="utf-8"?>
-<p:sld xmlns:a="http://schemas.openxmlformats.org/drawingml/2006/main" xmlns:p="http://schemas.openxmlformats.org/presentationml/2006/main" xmlns:r="http://schemas.openxmlformats.org/officeDocument/2006/relationships" xmlns:p14="http://schemas.microsoft.com/office/powerpoint/2010/main" xmlns:p15="http://schemas.microsoft.com/office/powerpoint/2012/main" xmlns:mc="http://schemas.openxmlformats.org/markup-compatibility/2006">
-  <p:cSld>
-    <p:spTree>
-      <p:nvGrpSpPr>
-        <p:cNvPr id="1" name=""/>
-        <p:cNvGrpSpPr/>
-        <p:nvPr/>
-      </p:nvGrpSpPr>
-      <p:grpSpPr>
-        <a:xfrm>
-          <a:off x="0" y="0"/>
-          <a:ext cx="0" cy="0"/>
-          <a:chOff x="0" y="0"/>
-          <a:chExt cx="0" cy="0"/>
-        </a:xfrm>
-      </p:grpSpPr>
-      <p:sp>
-        <p:nvSpPr>
-          <p:cNvPr id="180" name="CustomShape 1"/>
+      <p:sp>
+        <p:nvSpPr>
+          <p:cNvPr id="174" name="CustomShape 6"/>
           <p:cNvSpPr/>
           <p:nvPr/>
         </p:nvSpPr>
         <p:spPr>
           <a:xfrm>
-            <a:off x="544680" y="573120"/>
-            <a:ext cx="10738080" cy="698400"/>
+            <a:off x="1545840" y="4273560"/>
+            <a:ext cx="7957800" cy="622080"/>
           </a:xfrm>
           <a:prstGeom prst="rect">
             <a:avLst/>
@@ -7416,56 +7286,7 @@
         <p:txBody>
           <a:bodyPr wrap="none" lIns="90000" rIns="90000" tIns="45000" bIns="45000"/>
           <a:p>
-            <a:pPr algn="ctr">
-              <a:lnSpc>
-                <a:spcPct val="100000"/>
-              </a:lnSpc>
-            </a:pPr>
-            <a:r>
-              <a:rPr b="0" lang="en-GB" sz="4000" spc="-1" strike="noStrike">
-                <a:solidFill>
-                  <a:srgbClr val="000000"/>
-                </a:solidFill>
-                <a:latin typeface="Arial"/>
-                <a:ea typeface="DejaVu Sans"/>
-              </a:rPr>
-              <a:t>On va te présenter 15 paires de mots à la suite</a:t>
-            </a:r>
-            <a:endParaRPr b="0" lang="en-GB" sz="4000" spc="-1" strike="noStrike">
-              <a:latin typeface="Arial"/>
-            </a:endParaRPr>
-          </a:p>
-        </p:txBody>
-      </p:sp>
-      <p:sp>
-        <p:nvSpPr>
-          <p:cNvPr id="181" name="CustomShape 2"/>
-          <p:cNvSpPr/>
-          <p:nvPr/>
-        </p:nvSpPr>
-        <p:spPr>
-          <a:xfrm>
-            <a:off x="1671840" y="5653800"/>
-            <a:ext cx="8328600" cy="622440"/>
-          </a:xfrm>
-          <a:prstGeom prst="rect">
-            <a:avLst/>
-          </a:prstGeom>
-          <a:noFill/>
-          <a:ln>
-            <a:noFill/>
-          </a:ln>
-        </p:spPr>
-        <p:style>
-          <a:lnRef idx="0"/>
-          <a:fillRef idx="0"/>
-          <a:effectRef idx="0"/>
-          <a:fontRef idx="minor"/>
-        </p:style>
-        <p:txBody>
-          <a:bodyPr wrap="none" lIns="90000" rIns="90000" tIns="45000" bIns="45000"/>
-          <a:p>
-            <a:pPr algn="ctr">
+            <a:pPr>
               <a:lnSpc>
                 <a:spcPct val="100000"/>
               </a:lnSpc>
@@ -7478,581 +7299,7 @@
                 <a:latin typeface="Arial"/>
                 <a:ea typeface="DejaVu Sans"/>
               </a:rPr>
-              <a:t>Appuie sur une touche pour commencer !</a:t>
-            </a:r>
-            <a:endParaRPr b="0" lang="en-GB" sz="3500" spc="-1" strike="noStrike">
-              <a:latin typeface="Arial"/>
-            </a:endParaRPr>
-          </a:p>
-        </p:txBody>
-      </p:sp>
-      <p:sp>
-        <p:nvSpPr>
-          <p:cNvPr id="182" name="CustomShape 3"/>
-          <p:cNvSpPr/>
-          <p:nvPr/>
-        </p:nvSpPr>
-        <p:spPr>
-          <a:xfrm>
-            <a:off x="1020240" y="1758600"/>
-            <a:ext cx="9786960" cy="622440"/>
-          </a:xfrm>
-          <a:prstGeom prst="rect">
-            <a:avLst/>
-          </a:prstGeom>
-          <a:noFill/>
-          <a:ln>
-            <a:noFill/>
-          </a:ln>
-        </p:spPr>
-        <p:style>
-          <a:lnRef idx="0"/>
-          <a:fillRef idx="0"/>
-          <a:effectRef idx="0"/>
-          <a:fontRef idx="minor"/>
-        </p:style>
-        <p:txBody>
-          <a:bodyPr wrap="none" lIns="90000" rIns="90000" tIns="45000" bIns="45000"/>
-          <a:p>
-            <a:pPr algn="ctr">
-              <a:lnSpc>
-                <a:spcPct val="100000"/>
-              </a:lnSpc>
-            </a:pPr>
-            <a:r>
-              <a:rPr b="0" lang="en-GB" sz="3500" spc="-1" strike="noStrike">
-                <a:solidFill>
-                  <a:srgbClr val="000000"/>
-                </a:solidFill>
-                <a:latin typeface="Arial"/>
-                <a:ea typeface="DejaVu Sans"/>
-              </a:rPr>
-              <a:t>Essaye de retenir la traduction de tous les mots !</a:t>
-            </a:r>
-            <a:endParaRPr b="0" lang="en-GB" sz="3500" spc="-1" strike="noStrike">
-              <a:latin typeface="Arial"/>
-            </a:endParaRPr>
-          </a:p>
-        </p:txBody>
-      </p:sp>
-      <p:sp>
-        <p:nvSpPr>
-          <p:cNvPr id="183" name="CustomShape 4"/>
-          <p:cNvSpPr/>
-          <p:nvPr/>
-        </p:nvSpPr>
-        <p:spPr>
-          <a:xfrm>
-            <a:off x="1449720" y="3183120"/>
-            <a:ext cx="8773560" cy="1155960"/>
-          </a:xfrm>
-          <a:prstGeom prst="rect">
-            <a:avLst/>
-          </a:prstGeom>
-          <a:noFill/>
-          <a:ln>
-            <a:noFill/>
-          </a:ln>
-        </p:spPr>
-        <p:style>
-          <a:lnRef idx="0"/>
-          <a:fillRef idx="0"/>
-          <a:effectRef idx="0"/>
-          <a:fontRef idx="minor"/>
-        </p:style>
-        <p:txBody>
-          <a:bodyPr wrap="none" lIns="90000" rIns="90000" tIns="45000" bIns="45000"/>
-          <a:p>
-            <a:pPr algn="ctr">
-              <a:lnSpc>
-                <a:spcPct val="100000"/>
-              </a:lnSpc>
-            </a:pPr>
-            <a:r>
-              <a:rPr b="0" lang="en-GB" sz="3500" spc="-1" strike="noStrike">
-                <a:solidFill>
-                  <a:srgbClr val="000000"/>
-                </a:solidFill>
-                <a:latin typeface="Arial"/>
-                <a:ea typeface="DejaVu Sans"/>
-              </a:rPr>
-              <a:t>Plus tard, on te donnera le mot Hongrois et </a:t>
-            </a:r>
-            <a:endParaRPr b="0" lang="en-GB" sz="3500" spc="-1" strike="noStrike">
-              <a:latin typeface="Arial"/>
-            </a:endParaRPr>
-          </a:p>
-          <a:p>
-            <a:pPr algn="ctr">
-              <a:lnSpc>
-                <a:spcPct val="100000"/>
-              </a:lnSpc>
-            </a:pPr>
-            <a:r>
-              <a:rPr b="0" lang="en-GB" sz="3500" spc="-1" strike="noStrike">
-                <a:solidFill>
-                  <a:srgbClr val="000000"/>
-                </a:solidFill>
-                <a:latin typeface="Arial"/>
-                <a:ea typeface="DejaVu Sans"/>
-              </a:rPr>
-              <a:t>tu devras écrire la traduction en français</a:t>
-            </a:r>
-            <a:endParaRPr b="0" lang="en-GB" sz="3500" spc="-1" strike="noStrike">
-              <a:latin typeface="Arial"/>
-            </a:endParaRPr>
-          </a:p>
-        </p:txBody>
-      </p:sp>
-    </p:spTree>
-  </p:cSld>
-</p:sld>
-</file>
-
-<file path=ppt/slides/slide18.xml><?xml version="1.0" encoding="utf-8"?>
-<p:sld xmlns:a="http://schemas.openxmlformats.org/drawingml/2006/main" xmlns:p="http://schemas.openxmlformats.org/presentationml/2006/main" xmlns:r="http://schemas.openxmlformats.org/officeDocument/2006/relationships" xmlns:p14="http://schemas.microsoft.com/office/powerpoint/2010/main" xmlns:p15="http://schemas.microsoft.com/office/powerpoint/2012/main" xmlns:mc="http://schemas.openxmlformats.org/markup-compatibility/2006">
-  <p:cSld>
-    <p:spTree>
-      <p:nvGrpSpPr>
-        <p:cNvPr id="1" name=""/>
-        <p:cNvGrpSpPr/>
-        <p:nvPr/>
-      </p:nvGrpSpPr>
-      <p:grpSpPr>
-        <a:xfrm>
-          <a:off x="0" y="0"/>
-          <a:ext cx="0" cy="0"/>
-          <a:chOff x="0" y="0"/>
-          <a:chExt cx="0" cy="0"/>
-        </a:xfrm>
-      </p:grpSpPr>
-      <p:sp>
-        <p:nvSpPr>
-          <p:cNvPr id="184" name="CustomShape 1"/>
-          <p:cNvSpPr/>
-          <p:nvPr/>
-        </p:nvSpPr>
-        <p:spPr>
-          <a:xfrm>
-            <a:off x="544680" y="573120"/>
-            <a:ext cx="10738080" cy="698400"/>
-          </a:xfrm>
-          <a:prstGeom prst="rect">
-            <a:avLst/>
-          </a:prstGeom>
-          <a:noFill/>
-          <a:ln>
-            <a:noFill/>
-          </a:ln>
-        </p:spPr>
-        <p:style>
-          <a:lnRef idx="0"/>
-          <a:fillRef idx="0"/>
-          <a:effectRef idx="0"/>
-          <a:fontRef idx="minor"/>
-        </p:style>
-        <p:txBody>
-          <a:bodyPr wrap="none" lIns="90000" rIns="90000" tIns="45000" bIns="45000"/>
-          <a:p>
-            <a:pPr algn="ctr">
-              <a:lnSpc>
-                <a:spcPct val="100000"/>
-              </a:lnSpc>
-            </a:pPr>
-            <a:r>
-              <a:rPr b="0" lang="en-GB" sz="4000" spc="-1" strike="noStrike">
-                <a:solidFill>
-                  <a:srgbClr val="000000"/>
-                </a:solidFill>
-                <a:latin typeface="Arial"/>
-                <a:ea typeface="DejaVu Sans"/>
-              </a:rPr>
-              <a:t>On va te présenter 40 paires de mots à la suite</a:t>
-            </a:r>
-            <a:endParaRPr b="0" lang="en-GB" sz="4000" spc="-1" strike="noStrike">
-              <a:latin typeface="Arial"/>
-            </a:endParaRPr>
-          </a:p>
-        </p:txBody>
-      </p:sp>
-      <p:sp>
-        <p:nvSpPr>
-          <p:cNvPr id="185" name="CustomShape 2"/>
-          <p:cNvSpPr/>
-          <p:nvPr/>
-        </p:nvSpPr>
-        <p:spPr>
-          <a:xfrm>
-            <a:off x="1671840" y="5653800"/>
-            <a:ext cx="8328600" cy="622440"/>
-          </a:xfrm>
-          <a:prstGeom prst="rect">
-            <a:avLst/>
-          </a:prstGeom>
-          <a:noFill/>
-          <a:ln>
-            <a:noFill/>
-          </a:ln>
-        </p:spPr>
-        <p:style>
-          <a:lnRef idx="0"/>
-          <a:fillRef idx="0"/>
-          <a:effectRef idx="0"/>
-          <a:fontRef idx="minor"/>
-        </p:style>
-        <p:txBody>
-          <a:bodyPr wrap="none" lIns="90000" rIns="90000" tIns="45000" bIns="45000"/>
-          <a:p>
-            <a:pPr algn="ctr">
-              <a:lnSpc>
-                <a:spcPct val="100000"/>
-              </a:lnSpc>
-            </a:pPr>
-            <a:r>
-              <a:rPr b="0" lang="en-GB" sz="3500" spc="-1" strike="noStrike">
-                <a:solidFill>
-                  <a:srgbClr val="000000"/>
-                </a:solidFill>
-                <a:latin typeface="Arial"/>
-                <a:ea typeface="DejaVu Sans"/>
-              </a:rPr>
-              <a:t>Appuie sur une touche pour commencer !</a:t>
-            </a:r>
-            <a:endParaRPr b="0" lang="en-GB" sz="3500" spc="-1" strike="noStrike">
-              <a:latin typeface="Arial"/>
-            </a:endParaRPr>
-          </a:p>
-        </p:txBody>
-      </p:sp>
-      <p:sp>
-        <p:nvSpPr>
-          <p:cNvPr id="186" name="CustomShape 3"/>
-          <p:cNvSpPr/>
-          <p:nvPr/>
-        </p:nvSpPr>
-        <p:spPr>
-          <a:xfrm>
-            <a:off x="1020240" y="1758600"/>
-            <a:ext cx="9786960" cy="622440"/>
-          </a:xfrm>
-          <a:prstGeom prst="rect">
-            <a:avLst/>
-          </a:prstGeom>
-          <a:noFill/>
-          <a:ln>
-            <a:noFill/>
-          </a:ln>
-        </p:spPr>
-        <p:style>
-          <a:lnRef idx="0"/>
-          <a:fillRef idx="0"/>
-          <a:effectRef idx="0"/>
-          <a:fontRef idx="minor"/>
-        </p:style>
-        <p:txBody>
-          <a:bodyPr wrap="none" lIns="90000" rIns="90000" tIns="45000" bIns="45000"/>
-          <a:p>
-            <a:pPr algn="ctr">
-              <a:lnSpc>
-                <a:spcPct val="100000"/>
-              </a:lnSpc>
-            </a:pPr>
-            <a:r>
-              <a:rPr b="0" lang="en-GB" sz="3500" spc="-1" strike="noStrike">
-                <a:solidFill>
-                  <a:srgbClr val="000000"/>
-                </a:solidFill>
-                <a:latin typeface="Arial"/>
-                <a:ea typeface="DejaVu Sans"/>
-              </a:rPr>
-              <a:t>Essaye de retenir la traduction de tous les mots !</a:t>
-            </a:r>
-            <a:endParaRPr b="0" lang="en-GB" sz="3500" spc="-1" strike="noStrike">
-              <a:latin typeface="Arial"/>
-            </a:endParaRPr>
-          </a:p>
-        </p:txBody>
-      </p:sp>
-      <p:sp>
-        <p:nvSpPr>
-          <p:cNvPr id="187" name="CustomShape 4"/>
-          <p:cNvSpPr/>
-          <p:nvPr/>
-        </p:nvSpPr>
-        <p:spPr>
-          <a:xfrm>
-            <a:off x="1449720" y="3183120"/>
-            <a:ext cx="8773560" cy="1155960"/>
-          </a:xfrm>
-          <a:prstGeom prst="rect">
-            <a:avLst/>
-          </a:prstGeom>
-          <a:noFill/>
-          <a:ln>
-            <a:noFill/>
-          </a:ln>
-        </p:spPr>
-        <p:style>
-          <a:lnRef idx="0"/>
-          <a:fillRef idx="0"/>
-          <a:effectRef idx="0"/>
-          <a:fontRef idx="minor"/>
-        </p:style>
-        <p:txBody>
-          <a:bodyPr wrap="none" lIns="90000" rIns="90000" tIns="45000" bIns="45000"/>
-          <a:p>
-            <a:pPr algn="ctr">
-              <a:lnSpc>
-                <a:spcPct val="100000"/>
-              </a:lnSpc>
-            </a:pPr>
-            <a:r>
-              <a:rPr b="0" lang="en-GB" sz="3500" spc="-1" strike="noStrike">
-                <a:solidFill>
-                  <a:srgbClr val="000000"/>
-                </a:solidFill>
-                <a:latin typeface="Arial"/>
-                <a:ea typeface="DejaVu Sans"/>
-              </a:rPr>
-              <a:t>Plus tard, on te donnera le mot Hongrois et </a:t>
-            </a:r>
-            <a:endParaRPr b="0" lang="en-GB" sz="3500" spc="-1" strike="noStrike">
-              <a:latin typeface="Arial"/>
-            </a:endParaRPr>
-          </a:p>
-          <a:p>
-            <a:pPr algn="ctr">
-              <a:lnSpc>
-                <a:spcPct val="100000"/>
-              </a:lnSpc>
-            </a:pPr>
-            <a:r>
-              <a:rPr b="0" lang="en-GB" sz="3500" spc="-1" strike="noStrike">
-                <a:solidFill>
-                  <a:srgbClr val="000000"/>
-                </a:solidFill>
-                <a:latin typeface="Arial"/>
-                <a:ea typeface="DejaVu Sans"/>
-              </a:rPr>
-              <a:t>tu devras écrire la traduction en français</a:t>
-            </a:r>
-            <a:endParaRPr b="0" lang="en-GB" sz="3500" spc="-1" strike="noStrike">
-              <a:latin typeface="Arial"/>
-            </a:endParaRPr>
-          </a:p>
-        </p:txBody>
-      </p:sp>
-    </p:spTree>
-  </p:cSld>
-</p:sld>
-</file>
-
-<file path=ppt/slides/slide19.xml><?xml version="1.0" encoding="utf-8"?>
-<p:sld xmlns:a="http://schemas.openxmlformats.org/drawingml/2006/main" xmlns:p="http://schemas.openxmlformats.org/presentationml/2006/main" xmlns:r="http://schemas.openxmlformats.org/officeDocument/2006/relationships" xmlns:p14="http://schemas.microsoft.com/office/powerpoint/2010/main" xmlns:p15="http://schemas.microsoft.com/office/powerpoint/2012/main" xmlns:mc="http://schemas.openxmlformats.org/markup-compatibility/2006">
-  <p:cSld>
-    <p:spTree>
-      <p:nvGrpSpPr>
-        <p:cNvPr id="1" name=""/>
-        <p:cNvGrpSpPr/>
-        <p:nvPr/>
-      </p:nvGrpSpPr>
-      <p:grpSpPr>
-        <a:xfrm>
-          <a:off x="0" y="0"/>
-          <a:ext cx="0" cy="0"/>
-          <a:chOff x="0" y="0"/>
-          <a:chExt cx="0" cy="0"/>
-        </a:xfrm>
-      </p:grpSpPr>
-      <p:sp>
-        <p:nvSpPr>
-          <p:cNvPr id="188" name="CustomShape 1"/>
-          <p:cNvSpPr/>
-          <p:nvPr/>
-        </p:nvSpPr>
-        <p:spPr>
-          <a:xfrm>
-            <a:off x="2952000" y="3176640"/>
-            <a:ext cx="1478160" cy="698400"/>
-          </a:xfrm>
-          <a:prstGeom prst="rect">
-            <a:avLst/>
-          </a:prstGeom>
-          <a:noFill/>
-          <a:ln>
-            <a:noFill/>
-          </a:ln>
-        </p:spPr>
-        <p:style>
-          <a:lnRef idx="0"/>
-          <a:fillRef idx="0"/>
-          <a:effectRef idx="0"/>
-          <a:fontRef idx="minor"/>
-        </p:style>
-        <p:txBody>
-          <a:bodyPr wrap="none" lIns="90000" rIns="90000" tIns="45000" bIns="45000"/>
-          <a:p>
-            <a:pPr algn="ctr">
-              <a:lnSpc>
-                <a:spcPct val="100000"/>
-              </a:lnSpc>
-            </a:pPr>
-            <a:r>
-              <a:rPr b="0" lang="en-GB" sz="4000" spc="-1" strike="noStrike">
-                <a:solidFill>
-                  <a:srgbClr val="000000"/>
-                </a:solidFill>
-                <a:latin typeface="Arial"/>
-                <a:ea typeface="DejaVu Sans"/>
-              </a:rPr>
-              <a:t>Vonat</a:t>
-            </a:r>
-            <a:endParaRPr b="0" lang="en-GB" sz="4000" spc="-1" strike="noStrike">
-              <a:latin typeface="Arial"/>
-            </a:endParaRPr>
-          </a:p>
-        </p:txBody>
-      </p:sp>
-      <p:sp>
-        <p:nvSpPr>
-          <p:cNvPr id="189" name="CustomShape 2"/>
-          <p:cNvSpPr/>
-          <p:nvPr/>
-        </p:nvSpPr>
-        <p:spPr>
-          <a:xfrm>
-            <a:off x="5347800" y="3253680"/>
-            <a:ext cx="440280" cy="622440"/>
-          </a:xfrm>
-          <a:prstGeom prst="rect">
-            <a:avLst/>
-          </a:prstGeom>
-          <a:noFill/>
-          <a:ln>
-            <a:noFill/>
-          </a:ln>
-        </p:spPr>
-        <p:style>
-          <a:lnRef idx="0"/>
-          <a:fillRef idx="0"/>
-          <a:effectRef idx="0"/>
-          <a:fontRef idx="minor"/>
-        </p:style>
-        <p:txBody>
-          <a:bodyPr wrap="none" lIns="90000" rIns="90000" tIns="45000" bIns="45000"/>
-          <a:p>
-            <a:pPr algn="ctr">
-              <a:lnSpc>
-                <a:spcPct val="100000"/>
-              </a:lnSpc>
-            </a:pPr>
-            <a:r>
-              <a:rPr b="0" lang="en-GB" sz="3500" spc="-1" strike="noStrike">
-                <a:solidFill>
-                  <a:srgbClr val="000000"/>
-                </a:solidFill>
-                <a:latin typeface="Arial"/>
-                <a:ea typeface="DejaVu Sans"/>
-              </a:rPr>
-              <a:t>=</a:t>
-            </a:r>
-            <a:endParaRPr b="0" lang="en-GB" sz="3500" spc="-1" strike="noStrike">
-              <a:latin typeface="Arial"/>
-            </a:endParaRPr>
-          </a:p>
-        </p:txBody>
-      </p:sp>
-      <p:sp>
-        <p:nvSpPr>
-          <p:cNvPr id="190" name="CustomShape 3"/>
-          <p:cNvSpPr/>
-          <p:nvPr/>
-        </p:nvSpPr>
-        <p:spPr>
-          <a:xfrm>
-            <a:off x="6598080" y="3176640"/>
-            <a:ext cx="1316520" cy="698400"/>
-          </a:xfrm>
-          <a:prstGeom prst="rect">
-            <a:avLst/>
-          </a:prstGeom>
-          <a:noFill/>
-          <a:ln>
-            <a:noFill/>
-          </a:ln>
-        </p:spPr>
-        <p:style>
-          <a:lnRef idx="0"/>
-          <a:fillRef idx="0"/>
-          <a:effectRef idx="0"/>
-          <a:fontRef idx="minor"/>
-        </p:style>
-        <p:txBody>
-          <a:bodyPr wrap="none" lIns="90000" rIns="90000" tIns="45000" bIns="45000"/>
-          <a:p>
-            <a:pPr algn="ctr">
-              <a:lnSpc>
-                <a:spcPct val="100000"/>
-              </a:lnSpc>
-            </a:pPr>
-            <a:r>
-              <a:rPr b="0" lang="en-GB" sz="4000" spc="-1" strike="noStrike">
-                <a:solidFill>
-                  <a:srgbClr val="000000"/>
-                </a:solidFill>
-                <a:latin typeface="Arial"/>
-                <a:ea typeface="DejaVu Sans"/>
-              </a:rPr>
-              <a:t>Train</a:t>
-            </a:r>
-            <a:endParaRPr b="0" lang="en-GB" sz="4000" spc="-1" strike="noStrike">
-              <a:latin typeface="Arial"/>
-            </a:endParaRPr>
-          </a:p>
-        </p:txBody>
-      </p:sp>
-      <p:sp>
-        <p:nvSpPr>
-          <p:cNvPr id="191" name="CustomShape 4"/>
-          <p:cNvSpPr/>
-          <p:nvPr/>
-        </p:nvSpPr>
-        <p:spPr>
-          <a:xfrm>
-            <a:off x="3587400" y="1259640"/>
-            <a:ext cx="3884400" cy="622440"/>
-          </a:xfrm>
-          <a:prstGeom prst="rect">
-            <a:avLst/>
-          </a:prstGeom>
-          <a:noFill/>
-          <a:ln>
-            <a:noFill/>
-          </a:ln>
-        </p:spPr>
-        <p:style>
-          <a:lnRef idx="0"/>
-          <a:fillRef idx="0"/>
-          <a:effectRef idx="0"/>
-          <a:fontRef idx="minor"/>
-        </p:style>
-        <p:txBody>
-          <a:bodyPr wrap="none" lIns="90000" rIns="90000" tIns="45000" bIns="45000"/>
-          <a:p>
-            <a:pPr algn="ctr">
-              <a:lnSpc>
-                <a:spcPct val="100000"/>
-              </a:lnSpc>
-            </a:pPr>
-            <a:r>
-              <a:rPr b="0" lang="en-GB" sz="3500" spc="-1" strike="noStrike">
-                <a:solidFill>
-                  <a:srgbClr val="000000"/>
-                </a:solidFill>
-                <a:latin typeface="Arial"/>
-                <a:ea typeface="DejaVu Sans"/>
-              </a:rPr>
-              <a:t>Essaye de retenir !</a:t>
+              <a:t>Tu as écrit :</a:t>
             </a:r>
             <a:endParaRPr b="0" lang="en-GB" sz="3500" spc="-1" strike="noStrike">
               <a:latin typeface="Arial"/>
@@ -8065,10 +7312,10 @@
   <p:timing>
     <p:tnLst>
       <p:par>
-        <p:cTn id="21" dur="indefinite" restart="never" nodeType="tmRoot">
+        <p:cTn id="25" dur="indefinite" restart="never" nodeType="tmRoot">
           <p:childTnLst>
             <p:seq>
-              <p:cTn id="22" dur="indefinite" nodeType="mainSeq"/>
+              <p:cTn id="26" dur="indefinite" nodeType="mainSeq"/>
               <p:prevCondLst>
                 <p:cond delay="0" evt="onPrev">
                   <p:tgtEl>
@@ -8092,6 +7339,806 @@
 </p:sld>
 </file>
 
+<file path=ppt/slides/slide17.xml><?xml version="1.0" encoding="utf-8"?>
+<p:sld xmlns:a="http://schemas.openxmlformats.org/drawingml/2006/main" xmlns:p="http://schemas.openxmlformats.org/presentationml/2006/main" xmlns:r="http://schemas.openxmlformats.org/officeDocument/2006/relationships" xmlns:p14="http://schemas.microsoft.com/office/powerpoint/2010/main" xmlns:p15="http://schemas.microsoft.com/office/powerpoint/2012/main" xmlns:mc="http://schemas.openxmlformats.org/markup-compatibility/2006">
+  <p:cSld>
+    <p:spTree>
+      <p:nvGrpSpPr>
+        <p:cNvPr id="1" name=""/>
+        <p:cNvGrpSpPr/>
+        <p:nvPr/>
+      </p:nvGrpSpPr>
+      <p:grpSpPr>
+        <a:xfrm>
+          <a:off x="0" y="0"/>
+          <a:ext cx="0" cy="0"/>
+          <a:chOff x="0" y="0"/>
+          <a:chExt cx="0" cy="0"/>
+        </a:xfrm>
+      </p:grpSpPr>
+      <p:sp>
+        <p:nvSpPr>
+          <p:cNvPr id="175" name="CustomShape 1"/>
+          <p:cNvSpPr/>
+          <p:nvPr/>
+        </p:nvSpPr>
+        <p:spPr>
+          <a:xfrm>
+            <a:off x="3362400" y="917640"/>
+            <a:ext cx="4810680" cy="545400"/>
+          </a:xfrm>
+          <a:prstGeom prst="rect">
+            <a:avLst/>
+          </a:prstGeom>
+          <a:noFill/>
+          <a:ln>
+            <a:noFill/>
+          </a:ln>
+        </p:spPr>
+        <p:style>
+          <a:lnRef idx="0"/>
+          <a:fillRef idx="0"/>
+          <a:effectRef idx="0"/>
+          <a:fontRef idx="minor"/>
+        </p:style>
+        <p:txBody>
+          <a:bodyPr wrap="none" lIns="90000" rIns="90000" tIns="45000" bIns="45000"/>
+          <a:p>
+            <a:pPr algn="ctr">
+              <a:lnSpc>
+                <a:spcPct val="100000"/>
+              </a:lnSpc>
+            </a:pPr>
+            <a:r>
+              <a:rPr b="0" lang="en-GB" sz="3000" spc="-1" strike="noStrike">
+                <a:solidFill>
+                  <a:srgbClr val="000000"/>
+                </a:solidFill>
+                <a:latin typeface="Arial"/>
+                <a:ea typeface="DejaVu Sans"/>
+              </a:rPr>
+              <a:t>Essaye de traduire ce mot !</a:t>
+            </a:r>
+            <a:endParaRPr b="0" lang="en-GB" sz="3000" spc="-1" strike="noStrike">
+              <a:latin typeface="Arial"/>
+            </a:endParaRPr>
+          </a:p>
+        </p:txBody>
+      </p:sp>
+      <p:sp>
+        <p:nvSpPr>
+          <p:cNvPr id="176" name="CustomShape 2"/>
+          <p:cNvSpPr/>
+          <p:nvPr/>
+        </p:nvSpPr>
+        <p:spPr>
+          <a:xfrm>
+            <a:off x="3621960" y="2237400"/>
+            <a:ext cx="4050360" cy="545400"/>
+          </a:xfrm>
+          <a:prstGeom prst="rect">
+            <a:avLst/>
+          </a:prstGeom>
+          <a:noFill/>
+          <a:ln>
+            <a:noFill/>
+          </a:ln>
+        </p:spPr>
+        <p:style>
+          <a:lnRef idx="0"/>
+          <a:fillRef idx="0"/>
+          <a:effectRef idx="0"/>
+          <a:fontRef idx="minor"/>
+        </p:style>
+        <p:txBody>
+          <a:bodyPr wrap="none" lIns="90000" rIns="90000" tIns="45000" bIns="45000"/>
+          <a:p>
+            <a:pPr algn="ctr">
+              <a:lnSpc>
+                <a:spcPct val="100000"/>
+              </a:lnSpc>
+            </a:pPr>
+            <a:r>
+              <a:rPr b="0" lang="en-GB" sz="3000" spc="-1" strike="noStrike">
+                <a:solidFill>
+                  <a:srgbClr val="000000"/>
+                </a:solidFill>
+                <a:latin typeface="Arial"/>
+                <a:ea typeface="DejaVu Sans"/>
+              </a:rPr>
+              <a:t>Ecrit le mot en français</a:t>
+            </a:r>
+            <a:endParaRPr b="0" lang="en-GB" sz="3000" spc="-1" strike="noStrike">
+              <a:latin typeface="Arial"/>
+            </a:endParaRPr>
+          </a:p>
+          <a:p>
+            <a:pPr algn="ctr">
+              <a:lnSpc>
+                <a:spcPct val="100000"/>
+              </a:lnSpc>
+            </a:pPr>
+            <a:r>
+              <a:rPr b="0" lang="en-GB" sz="3000" spc="-1" strike="noStrike">
+                <a:solidFill>
+                  <a:srgbClr val="000000"/>
+                </a:solidFill>
+                <a:latin typeface="Arial"/>
+                <a:ea typeface="DejaVu Sans"/>
+              </a:rPr>
+              <a:t> </a:t>
+            </a:r>
+            <a:endParaRPr b="0" lang="en-GB" sz="3000" spc="-1" strike="noStrike">
+              <a:latin typeface="Arial"/>
+            </a:endParaRPr>
+          </a:p>
+        </p:txBody>
+      </p:sp>
+      <p:sp>
+        <p:nvSpPr>
+          <p:cNvPr id="177" name="CustomShape 3"/>
+          <p:cNvSpPr/>
+          <p:nvPr/>
+        </p:nvSpPr>
+        <p:spPr>
+          <a:xfrm>
+            <a:off x="6482520" y="3557520"/>
+            <a:ext cx="390960" cy="545400"/>
+          </a:xfrm>
+          <a:prstGeom prst="rect">
+            <a:avLst/>
+          </a:prstGeom>
+          <a:noFill/>
+          <a:ln>
+            <a:noFill/>
+          </a:ln>
+        </p:spPr>
+        <p:style>
+          <a:lnRef idx="0"/>
+          <a:fillRef idx="0"/>
+          <a:effectRef idx="0"/>
+          <a:fontRef idx="minor"/>
+        </p:style>
+        <p:txBody>
+          <a:bodyPr wrap="none" lIns="90000" rIns="90000" tIns="45000" bIns="45000"/>
+          <a:p>
+            <a:pPr algn="ctr">
+              <a:lnSpc>
+                <a:spcPct val="100000"/>
+              </a:lnSpc>
+            </a:pPr>
+            <a:r>
+              <a:rPr b="0" lang="en-GB" sz="3000" spc="-1" strike="noStrike">
+                <a:solidFill>
+                  <a:srgbClr val="000000"/>
+                </a:solidFill>
+                <a:latin typeface="Arial"/>
+                <a:ea typeface="DejaVu Sans"/>
+              </a:rPr>
+              <a:t>?</a:t>
+            </a:r>
+            <a:endParaRPr b="0" lang="en-GB" sz="3000" spc="-1" strike="noStrike">
+              <a:latin typeface="Arial"/>
+            </a:endParaRPr>
+          </a:p>
+        </p:txBody>
+      </p:sp>
+      <p:sp>
+        <p:nvSpPr>
+          <p:cNvPr id="178" name="CustomShape 4"/>
+          <p:cNvSpPr/>
+          <p:nvPr/>
+        </p:nvSpPr>
+        <p:spPr>
+          <a:xfrm>
+            <a:off x="5241600" y="3557520"/>
+            <a:ext cx="401760" cy="545400"/>
+          </a:xfrm>
+          <a:prstGeom prst="rect">
+            <a:avLst/>
+          </a:prstGeom>
+          <a:noFill/>
+          <a:ln>
+            <a:noFill/>
+          </a:ln>
+        </p:spPr>
+        <p:style>
+          <a:lnRef idx="0"/>
+          <a:fillRef idx="0"/>
+          <a:effectRef idx="0"/>
+          <a:fontRef idx="minor"/>
+        </p:style>
+        <p:txBody>
+          <a:bodyPr wrap="none" lIns="90000" rIns="90000" tIns="45000" bIns="45000"/>
+          <a:p>
+            <a:pPr algn="ctr">
+              <a:lnSpc>
+                <a:spcPct val="100000"/>
+              </a:lnSpc>
+            </a:pPr>
+            <a:r>
+              <a:rPr b="0" lang="en-GB" sz="3000" spc="-1" strike="noStrike">
+                <a:solidFill>
+                  <a:srgbClr val="000000"/>
+                </a:solidFill>
+                <a:latin typeface="Arial"/>
+                <a:ea typeface="DejaVu Sans"/>
+              </a:rPr>
+              <a:t>=</a:t>
+            </a:r>
+            <a:endParaRPr b="0" lang="en-GB" sz="3000" spc="-1" strike="noStrike">
+              <a:latin typeface="Arial"/>
+            </a:endParaRPr>
+          </a:p>
+        </p:txBody>
+      </p:sp>
+    </p:spTree>
+  </p:cSld>
+  <p:timing>
+    <p:tnLst>
+      <p:par>
+        <p:cTn id="27" dur="indefinite" restart="never" nodeType="tmRoot">
+          <p:childTnLst>
+            <p:seq>
+              <p:cTn id="28" dur="indefinite" nodeType="mainSeq"/>
+              <p:prevCondLst>
+                <p:cond delay="0" evt="onPrev">
+                  <p:tgtEl>
+                    <p:sldTgt/>
+                  </p:tgtEl>
+                </p:cond>
+              </p:prevCondLst>
+              <p:nextCondLst>
+                <p:cond delay="0" evt="onNext">
+                  <p:tgtEl>
+                    <p:sldTgt/>
+                  </p:tgtEl>
+                </p:cond>
+              </p:nextCondLst>
+            </p:seq>
+          </p:childTnLst>
+        </p:cTn>
+      </p:par>
+    </p:tnLst>
+  </p:timing>
+</p:sld>
+</file>
+
+<file path=ppt/slides/slide18.xml><?xml version="1.0" encoding="utf-8"?>
+<p:sld xmlns:a="http://schemas.openxmlformats.org/drawingml/2006/main" xmlns:p="http://schemas.openxmlformats.org/presentationml/2006/main" xmlns:r="http://schemas.openxmlformats.org/officeDocument/2006/relationships" xmlns:p14="http://schemas.microsoft.com/office/powerpoint/2010/main" xmlns:p15="http://schemas.microsoft.com/office/powerpoint/2012/main" xmlns:mc="http://schemas.openxmlformats.org/markup-compatibility/2006">
+  <p:cSld>
+    <p:spTree>
+      <p:nvGrpSpPr>
+        <p:cNvPr id="1" name=""/>
+        <p:cNvGrpSpPr/>
+        <p:nvPr/>
+      </p:nvGrpSpPr>
+      <p:grpSpPr>
+        <a:xfrm>
+          <a:off x="0" y="0"/>
+          <a:ext cx="0" cy="0"/>
+          <a:chOff x="0" y="0"/>
+          <a:chExt cx="0" cy="0"/>
+        </a:xfrm>
+      </p:grpSpPr>
+      <p:sp>
+        <p:nvSpPr>
+          <p:cNvPr id="179" name="CustomShape 1"/>
+          <p:cNvSpPr/>
+          <p:nvPr/>
+        </p:nvSpPr>
+        <p:spPr>
+          <a:xfrm>
+            <a:off x="1308240" y="997200"/>
+            <a:ext cx="8940600" cy="1917000"/>
+          </a:xfrm>
+          <a:prstGeom prst="rect">
+            <a:avLst/>
+          </a:prstGeom>
+          <a:noFill/>
+          <a:ln>
+            <a:noFill/>
+          </a:ln>
+        </p:spPr>
+        <p:style>
+          <a:lnRef idx="0"/>
+          <a:fillRef idx="0"/>
+          <a:effectRef idx="0"/>
+          <a:fontRef idx="minor"/>
+        </p:style>
+        <p:txBody>
+          <a:bodyPr wrap="none" lIns="90000" rIns="90000" tIns="45000" bIns="45000"/>
+          <a:p>
+            <a:pPr algn="ctr">
+              <a:lnSpc>
+                <a:spcPct val="100000"/>
+              </a:lnSpc>
+            </a:pPr>
+            <a:r>
+              <a:rPr b="0" lang="en-GB" sz="4000" spc="-1" strike="noStrike">
+                <a:solidFill>
+                  <a:srgbClr val="000000"/>
+                </a:solidFill>
+                <a:latin typeface="Arial"/>
+                <a:ea typeface="DejaVu Sans"/>
+              </a:rPr>
+              <a:t>Ooups ! </a:t>
+            </a:r>
+            <a:endParaRPr b="0" lang="en-GB" sz="4000" spc="-1" strike="noStrike">
+              <a:latin typeface="Arial"/>
+            </a:endParaRPr>
+          </a:p>
+          <a:p>
+            <a:pPr algn="ctr">
+              <a:lnSpc>
+                <a:spcPct val="100000"/>
+              </a:lnSpc>
+            </a:pPr>
+            <a:endParaRPr b="0" lang="en-GB" sz="4000" spc="-1" strike="noStrike">
+              <a:latin typeface="Arial"/>
+            </a:endParaRPr>
+          </a:p>
+          <a:p>
+            <a:pPr algn="ctr">
+              <a:lnSpc>
+                <a:spcPct val="100000"/>
+              </a:lnSpc>
+            </a:pPr>
+            <a:r>
+              <a:rPr b="0" lang="en-GB" sz="4000" spc="-1" strike="noStrike">
+                <a:solidFill>
+                  <a:srgbClr val="000000"/>
+                </a:solidFill>
+                <a:latin typeface="Arial"/>
+                <a:ea typeface="DejaVu Sans"/>
+              </a:rPr>
+              <a:t>Tu n’as pas écrit le mot correctement...</a:t>
+            </a:r>
+            <a:endParaRPr b="0" lang="en-GB" sz="4000" spc="-1" strike="noStrike">
+              <a:latin typeface="Arial"/>
+            </a:endParaRPr>
+          </a:p>
+        </p:txBody>
+      </p:sp>
+      <p:sp>
+        <p:nvSpPr>
+          <p:cNvPr id="180" name="CustomShape 2"/>
+          <p:cNvSpPr/>
+          <p:nvPr/>
+        </p:nvSpPr>
+        <p:spPr>
+          <a:xfrm>
+            <a:off x="5335200" y="3851280"/>
+            <a:ext cx="439920" cy="622080"/>
+          </a:xfrm>
+          <a:prstGeom prst="rect">
+            <a:avLst/>
+          </a:prstGeom>
+          <a:noFill/>
+          <a:ln>
+            <a:noFill/>
+          </a:ln>
+        </p:spPr>
+        <p:style>
+          <a:lnRef idx="0"/>
+          <a:fillRef idx="0"/>
+          <a:effectRef idx="0"/>
+          <a:fontRef idx="minor"/>
+        </p:style>
+        <p:txBody>
+          <a:bodyPr wrap="none" lIns="90000" rIns="90000" tIns="45000" bIns="45000"/>
+          <a:p>
+            <a:pPr algn="ctr">
+              <a:lnSpc>
+                <a:spcPct val="100000"/>
+              </a:lnSpc>
+            </a:pPr>
+            <a:r>
+              <a:rPr b="0" lang="en-GB" sz="3500" spc="-1" strike="noStrike">
+                <a:solidFill>
+                  <a:srgbClr val="000000"/>
+                </a:solidFill>
+                <a:latin typeface="Arial"/>
+                <a:ea typeface="DejaVu Sans"/>
+              </a:rPr>
+              <a:t>=</a:t>
+            </a:r>
+            <a:endParaRPr b="0" lang="en-GB" sz="3500" spc="-1" strike="noStrike">
+              <a:latin typeface="Arial"/>
+            </a:endParaRPr>
+          </a:p>
+        </p:txBody>
+      </p:sp>
+      <p:sp>
+        <p:nvSpPr>
+          <p:cNvPr id="181" name="CustomShape 3"/>
+          <p:cNvSpPr/>
+          <p:nvPr/>
+        </p:nvSpPr>
+        <p:spPr>
+          <a:xfrm>
+            <a:off x="6288120" y="3429000"/>
+            <a:ext cx="1157760" cy="393480"/>
+          </a:xfrm>
+          <a:prstGeom prst="rect">
+            <a:avLst/>
+          </a:prstGeom>
+          <a:noFill/>
+          <a:ln>
+            <a:noFill/>
+          </a:ln>
+        </p:spPr>
+        <p:style>
+          <a:lnRef idx="0"/>
+          <a:fillRef idx="0"/>
+          <a:effectRef idx="0"/>
+          <a:fontRef idx="minor"/>
+        </p:style>
+        <p:txBody>
+          <a:bodyPr wrap="none" lIns="90000" rIns="90000" tIns="45000" bIns="45000"/>
+          <a:p>
+            <a:pPr>
+              <a:lnSpc>
+                <a:spcPct val="100000"/>
+              </a:lnSpc>
+            </a:pPr>
+            <a:r>
+              <a:rPr b="0" lang="en-GB" sz="2000" spc="-1" strike="noStrike">
+                <a:solidFill>
+                  <a:srgbClr val="000000"/>
+                </a:solidFill>
+                <a:latin typeface="Arial"/>
+                <a:ea typeface="DejaVu Sans"/>
+              </a:rPr>
+              <a:t>Français</a:t>
+            </a:r>
+            <a:endParaRPr b="0" lang="en-GB" sz="2000" spc="-1" strike="noStrike">
+              <a:latin typeface="Arial"/>
+            </a:endParaRPr>
+          </a:p>
+        </p:txBody>
+      </p:sp>
+      <p:sp>
+        <p:nvSpPr>
+          <p:cNvPr id="182" name="CustomShape 4"/>
+          <p:cNvSpPr/>
+          <p:nvPr/>
+        </p:nvSpPr>
+        <p:spPr>
+          <a:xfrm>
+            <a:off x="3531960" y="3450960"/>
+            <a:ext cx="1200240" cy="393480"/>
+          </a:xfrm>
+          <a:prstGeom prst="rect">
+            <a:avLst/>
+          </a:prstGeom>
+          <a:noFill/>
+          <a:ln>
+            <a:noFill/>
+          </a:ln>
+        </p:spPr>
+        <p:style>
+          <a:lnRef idx="0"/>
+          <a:fillRef idx="0"/>
+          <a:effectRef idx="0"/>
+          <a:fontRef idx="minor"/>
+        </p:style>
+        <p:txBody>
+          <a:bodyPr wrap="none" lIns="90000" rIns="90000" tIns="45000" bIns="45000"/>
+          <a:p>
+            <a:pPr>
+              <a:lnSpc>
+                <a:spcPct val="100000"/>
+              </a:lnSpc>
+            </a:pPr>
+            <a:r>
+              <a:rPr b="0" lang="en-GB" sz="2000" spc="-1" strike="noStrike">
+                <a:solidFill>
+                  <a:srgbClr val="000000"/>
+                </a:solidFill>
+                <a:latin typeface="Arial"/>
+                <a:ea typeface="DejaVu Sans"/>
+              </a:rPr>
+              <a:t>Hongrois</a:t>
+            </a:r>
+            <a:endParaRPr b="0" lang="en-GB" sz="2000" spc="-1" strike="noStrike">
+              <a:latin typeface="Arial"/>
+            </a:endParaRPr>
+          </a:p>
+        </p:txBody>
+      </p:sp>
+      <p:sp>
+        <p:nvSpPr>
+          <p:cNvPr id="183" name="CustomShape 5"/>
+          <p:cNvSpPr/>
+          <p:nvPr/>
+        </p:nvSpPr>
+        <p:spPr>
+          <a:xfrm>
+            <a:off x="1576440" y="5229720"/>
+            <a:ext cx="7957800" cy="622080"/>
+          </a:xfrm>
+          <a:prstGeom prst="rect">
+            <a:avLst/>
+          </a:prstGeom>
+          <a:noFill/>
+          <a:ln>
+            <a:noFill/>
+          </a:ln>
+        </p:spPr>
+        <p:style>
+          <a:lnRef idx="0"/>
+          <a:fillRef idx="0"/>
+          <a:effectRef idx="0"/>
+          <a:fontRef idx="minor"/>
+        </p:style>
+        <p:txBody>
+          <a:bodyPr wrap="none" lIns="90000" rIns="90000" tIns="45000" bIns="45000"/>
+          <a:p>
+            <a:pPr algn="ctr">
+              <a:lnSpc>
+                <a:spcPct val="100000"/>
+              </a:lnSpc>
+            </a:pPr>
+            <a:r>
+              <a:rPr b="0" lang="en-GB" sz="3500" spc="-1" strike="noStrike">
+                <a:solidFill>
+                  <a:srgbClr val="000000"/>
+                </a:solidFill>
+                <a:latin typeface="Arial"/>
+                <a:ea typeface="DejaVu Sans"/>
+              </a:rPr>
+              <a:t>Appuie sur une touche pour continuer !</a:t>
+            </a:r>
+            <a:endParaRPr b="0" lang="en-GB" sz="3500" spc="-1" strike="noStrike">
+              <a:latin typeface="Arial"/>
+            </a:endParaRPr>
+          </a:p>
+        </p:txBody>
+      </p:sp>
+    </p:spTree>
+  </p:cSld>
+</p:sld>
+</file>
+
+<file path=ppt/slides/slide19.xml><?xml version="1.0" encoding="utf-8"?>
+<p:sld xmlns:a="http://schemas.openxmlformats.org/drawingml/2006/main" xmlns:p="http://schemas.openxmlformats.org/presentationml/2006/main" xmlns:r="http://schemas.openxmlformats.org/officeDocument/2006/relationships" xmlns:p14="http://schemas.microsoft.com/office/powerpoint/2010/main" xmlns:p15="http://schemas.microsoft.com/office/powerpoint/2012/main" xmlns:mc="http://schemas.openxmlformats.org/markup-compatibility/2006">
+  <p:cSld>
+    <p:spTree>
+      <p:nvGrpSpPr>
+        <p:cNvPr id="1" name=""/>
+        <p:cNvGrpSpPr/>
+        <p:nvPr/>
+      </p:nvGrpSpPr>
+      <p:grpSpPr>
+        <a:xfrm>
+          <a:off x="0" y="0"/>
+          <a:ext cx="0" cy="0"/>
+          <a:chOff x="0" y="0"/>
+          <a:chExt cx="0" cy="0"/>
+        </a:xfrm>
+      </p:grpSpPr>
+      <p:sp>
+        <p:nvSpPr>
+          <p:cNvPr id="184" name="CustomShape 1"/>
+          <p:cNvSpPr/>
+          <p:nvPr/>
+        </p:nvSpPr>
+        <p:spPr>
+          <a:xfrm>
+            <a:off x="544680" y="573120"/>
+            <a:ext cx="10737720" cy="698040"/>
+          </a:xfrm>
+          <a:prstGeom prst="rect">
+            <a:avLst/>
+          </a:prstGeom>
+          <a:noFill/>
+          <a:ln>
+            <a:noFill/>
+          </a:ln>
+        </p:spPr>
+        <p:style>
+          <a:lnRef idx="0"/>
+          <a:fillRef idx="0"/>
+          <a:effectRef idx="0"/>
+          <a:fontRef idx="minor"/>
+        </p:style>
+        <p:txBody>
+          <a:bodyPr wrap="none" lIns="90000" rIns="90000" tIns="45000" bIns="45000"/>
+          <a:p>
+            <a:pPr algn="ctr">
+              <a:lnSpc>
+                <a:spcPct val="100000"/>
+              </a:lnSpc>
+            </a:pPr>
+            <a:r>
+              <a:rPr b="0" lang="en-GB" sz="4000" spc="-1" strike="noStrike">
+                <a:solidFill>
+                  <a:srgbClr val="000000"/>
+                </a:solidFill>
+                <a:latin typeface="Arial"/>
+                <a:ea typeface="DejaVu Sans"/>
+              </a:rPr>
+              <a:t>On va te présenter 15 paires de mots à la suite</a:t>
+            </a:r>
+            <a:endParaRPr b="0" lang="en-GB" sz="4000" spc="-1" strike="noStrike">
+              <a:latin typeface="Arial"/>
+            </a:endParaRPr>
+          </a:p>
+        </p:txBody>
+      </p:sp>
+      <p:sp>
+        <p:nvSpPr>
+          <p:cNvPr id="185" name="CustomShape 2"/>
+          <p:cNvSpPr/>
+          <p:nvPr/>
+        </p:nvSpPr>
+        <p:spPr>
+          <a:xfrm>
+            <a:off x="1671840" y="5653800"/>
+            <a:ext cx="8328240" cy="622080"/>
+          </a:xfrm>
+          <a:prstGeom prst="rect">
+            <a:avLst/>
+          </a:prstGeom>
+          <a:noFill/>
+          <a:ln>
+            <a:noFill/>
+          </a:ln>
+        </p:spPr>
+        <p:style>
+          <a:lnRef idx="0"/>
+          <a:fillRef idx="0"/>
+          <a:effectRef idx="0"/>
+          <a:fontRef idx="minor"/>
+        </p:style>
+        <p:txBody>
+          <a:bodyPr wrap="none" lIns="90000" rIns="90000" tIns="45000" bIns="45000"/>
+          <a:p>
+            <a:pPr algn="ctr">
+              <a:lnSpc>
+                <a:spcPct val="100000"/>
+              </a:lnSpc>
+            </a:pPr>
+            <a:r>
+              <a:rPr b="0" lang="en-GB" sz="3500" spc="-1" strike="noStrike">
+                <a:solidFill>
+                  <a:srgbClr val="000000"/>
+                </a:solidFill>
+                <a:latin typeface="Arial"/>
+                <a:ea typeface="DejaVu Sans"/>
+              </a:rPr>
+              <a:t>Appuie sur une touche pour commencer !</a:t>
+            </a:r>
+            <a:endParaRPr b="0" lang="en-GB" sz="3500" spc="-1" strike="noStrike">
+              <a:latin typeface="Arial"/>
+            </a:endParaRPr>
+          </a:p>
+        </p:txBody>
+      </p:sp>
+      <p:sp>
+        <p:nvSpPr>
+          <p:cNvPr id="186" name="CustomShape 3"/>
+          <p:cNvSpPr/>
+          <p:nvPr/>
+        </p:nvSpPr>
+        <p:spPr>
+          <a:xfrm>
+            <a:off x="1020240" y="1758600"/>
+            <a:ext cx="9786600" cy="622080"/>
+          </a:xfrm>
+          <a:prstGeom prst="rect">
+            <a:avLst/>
+          </a:prstGeom>
+          <a:noFill/>
+          <a:ln>
+            <a:noFill/>
+          </a:ln>
+        </p:spPr>
+        <p:style>
+          <a:lnRef idx="0"/>
+          <a:fillRef idx="0"/>
+          <a:effectRef idx="0"/>
+          <a:fontRef idx="minor"/>
+        </p:style>
+        <p:txBody>
+          <a:bodyPr wrap="none" lIns="90000" rIns="90000" tIns="45000" bIns="45000"/>
+          <a:p>
+            <a:pPr algn="ctr">
+              <a:lnSpc>
+                <a:spcPct val="100000"/>
+              </a:lnSpc>
+            </a:pPr>
+            <a:r>
+              <a:rPr b="0" lang="en-GB" sz="3500" spc="-1" strike="noStrike">
+                <a:solidFill>
+                  <a:srgbClr val="000000"/>
+                </a:solidFill>
+                <a:latin typeface="Arial"/>
+                <a:ea typeface="DejaVu Sans"/>
+              </a:rPr>
+              <a:t>Essaye de retenir la traduction de tous les mots !</a:t>
+            </a:r>
+            <a:endParaRPr b="0" lang="en-GB" sz="3500" spc="-1" strike="noStrike">
+              <a:latin typeface="Arial"/>
+            </a:endParaRPr>
+          </a:p>
+        </p:txBody>
+      </p:sp>
+      <p:sp>
+        <p:nvSpPr>
+          <p:cNvPr id="187" name="CustomShape 4"/>
+          <p:cNvSpPr/>
+          <p:nvPr/>
+        </p:nvSpPr>
+        <p:spPr>
+          <a:xfrm>
+            <a:off x="1449720" y="3183120"/>
+            <a:ext cx="8773200" cy="1155600"/>
+          </a:xfrm>
+          <a:prstGeom prst="rect">
+            <a:avLst/>
+          </a:prstGeom>
+          <a:noFill/>
+          <a:ln>
+            <a:noFill/>
+          </a:ln>
+        </p:spPr>
+        <p:style>
+          <a:lnRef idx="0"/>
+          <a:fillRef idx="0"/>
+          <a:effectRef idx="0"/>
+          <a:fontRef idx="minor"/>
+        </p:style>
+        <p:txBody>
+          <a:bodyPr wrap="none" lIns="90000" rIns="90000" tIns="45000" bIns="45000"/>
+          <a:p>
+            <a:pPr algn="ctr">
+              <a:lnSpc>
+                <a:spcPct val="100000"/>
+              </a:lnSpc>
+            </a:pPr>
+            <a:r>
+              <a:rPr b="0" lang="en-GB" sz="3500" spc="-1" strike="noStrike">
+                <a:solidFill>
+                  <a:srgbClr val="000000"/>
+                </a:solidFill>
+                <a:latin typeface="Arial"/>
+                <a:ea typeface="DejaVu Sans"/>
+              </a:rPr>
+              <a:t>Plus tard, on te donnera le mot Hongrois et </a:t>
+            </a:r>
+            <a:endParaRPr b="0" lang="en-GB" sz="3500" spc="-1" strike="noStrike">
+              <a:latin typeface="Arial"/>
+            </a:endParaRPr>
+          </a:p>
+          <a:p>
+            <a:pPr algn="ctr">
+              <a:lnSpc>
+                <a:spcPct val="100000"/>
+              </a:lnSpc>
+            </a:pPr>
+            <a:r>
+              <a:rPr b="0" lang="en-GB" sz="3500" spc="-1" strike="noStrike">
+                <a:solidFill>
+                  <a:srgbClr val="000000"/>
+                </a:solidFill>
+                <a:latin typeface="Arial"/>
+                <a:ea typeface="DejaVu Sans"/>
+              </a:rPr>
+              <a:t>tu devras écrire la traduction en français</a:t>
+            </a:r>
+            <a:endParaRPr b="0" lang="en-GB" sz="3500" spc="-1" strike="noStrike">
+              <a:latin typeface="Arial"/>
+            </a:endParaRPr>
+          </a:p>
+        </p:txBody>
+      </p:sp>
+    </p:spTree>
+  </p:cSld>
+</p:sld>
+</file>
+
 <file path=ppt/slides/slide2.xml><?xml version="1.0" encoding="utf-8"?>
 <p:sld xmlns:a="http://schemas.openxmlformats.org/drawingml/2006/main" xmlns:p="http://schemas.openxmlformats.org/presentationml/2006/main" xmlns:r="http://schemas.openxmlformats.org/officeDocument/2006/relationships" xmlns:p14="http://schemas.microsoft.com/office/powerpoint/2010/main" xmlns:p15="http://schemas.microsoft.com/office/powerpoint/2012/main" xmlns:mc="http://schemas.openxmlformats.org/markup-compatibility/2006">
   <p:cSld>
@@ -8118,7 +8165,7 @@
         <p:spPr>
           <a:xfrm>
             <a:off x="5418720" y="648000"/>
-            <a:ext cx="1260000" cy="545760"/>
+            <a:ext cx="1259640" cy="545400"/>
           </a:xfrm>
           <a:prstGeom prst="rect">
             <a:avLst/>
@@ -8167,7 +8214,7 @@
         <p:spPr>
           <a:xfrm>
             <a:off x="2521440" y="1626840"/>
-            <a:ext cx="7054560" cy="1002600"/>
+            <a:ext cx="7054200" cy="1002240"/>
           </a:xfrm>
           <a:prstGeom prst="rect">
             <a:avLst/>
@@ -8316,7 +8363,7 @@
         <p:spPr>
           <a:xfrm>
             <a:off x="2880000" y="5256000"/>
-            <a:ext cx="6528600" cy="545760"/>
+            <a:ext cx="6528240" cy="545400"/>
           </a:xfrm>
           <a:prstGeom prst="rect">
             <a:avLst/>
@@ -8407,14 +8454,14 @@
       </p:grpSpPr>
       <p:sp>
         <p:nvSpPr>
-          <p:cNvPr id="192" name="CustomShape 1"/>
+          <p:cNvPr id="188" name="CustomShape 1"/>
           <p:cNvSpPr/>
           <p:nvPr/>
         </p:nvSpPr>
         <p:spPr>
           <a:xfrm>
-            <a:off x="3535920" y="206640"/>
-            <a:ext cx="4669200" cy="698400"/>
+            <a:off x="544680" y="573120"/>
+            <a:ext cx="10737720" cy="698040"/>
           </a:xfrm>
           <a:prstGeom prst="rect">
             <a:avLst/>
@@ -8446,7 +8493,7 @@
                 <a:latin typeface="Arial"/>
                 <a:ea typeface="DejaVu Sans"/>
               </a:rPr>
-              <a:t>Bravo ! Tu as réussi</a:t>
+              <a:t>On va te présenter 40 paires de mots à la suite</a:t>
             </a:r>
             <a:endParaRPr b="0" lang="en-GB" sz="4000" spc="-1" strike="noStrike">
               <a:latin typeface="Arial"/>
@@ -8456,14 +8503,14 @@
       </p:sp>
       <p:sp>
         <p:nvSpPr>
-          <p:cNvPr id="193" name="CustomShape 2"/>
+          <p:cNvPr id="189" name="CustomShape 2"/>
           <p:cNvSpPr/>
           <p:nvPr/>
         </p:nvSpPr>
         <p:spPr>
           <a:xfrm>
-            <a:off x="3948480" y="1280880"/>
-            <a:ext cx="1153440" cy="545760"/>
+            <a:off x="1671840" y="5653800"/>
+            <a:ext cx="8328240" cy="622080"/>
           </a:xfrm>
           <a:prstGeom prst="rect">
             <a:avLst/>
@@ -8488,31 +8535,31 @@
               </a:lnSpc>
             </a:pPr>
             <a:r>
-              <a:rPr b="0" lang="en-GB" sz="3000" spc="-1" strike="noStrike">
+              <a:rPr b="0" lang="en-GB" sz="3500" spc="-1" strike="noStrike">
                 <a:solidFill>
                   <a:srgbClr val="000000"/>
                 </a:solidFill>
                 <a:latin typeface="Arial"/>
                 <a:ea typeface="DejaVu Sans"/>
               </a:rPr>
-              <a:t>Vonat</a:t>
-            </a:r>
-            <a:endParaRPr b="0" lang="en-GB" sz="3000" spc="-1" strike="noStrike">
-              <a:latin typeface="Arial"/>
-            </a:endParaRPr>
-          </a:p>
-        </p:txBody>
-      </p:sp>
-      <p:sp>
-        <p:nvSpPr>
-          <p:cNvPr id="194" name="CustomShape 3"/>
+              <a:t>Appuie sur une touche pour commencer !</a:t>
+            </a:r>
+            <a:endParaRPr b="0" lang="en-GB" sz="3500" spc="-1" strike="noStrike">
+              <a:latin typeface="Arial"/>
+            </a:endParaRPr>
+          </a:p>
+        </p:txBody>
+      </p:sp>
+      <p:sp>
+        <p:nvSpPr>
+          <p:cNvPr id="190" name="CustomShape 3"/>
           <p:cNvSpPr/>
           <p:nvPr/>
         </p:nvSpPr>
         <p:spPr>
           <a:xfrm>
-            <a:off x="6606360" y="1280880"/>
-            <a:ext cx="1033200" cy="545760"/>
+            <a:off x="1020240" y="1758600"/>
+            <a:ext cx="9786600" cy="622080"/>
           </a:xfrm>
           <a:prstGeom prst="rect">
             <a:avLst/>
@@ -8537,31 +8584,31 @@
               </a:lnSpc>
             </a:pPr>
             <a:r>
-              <a:rPr b="0" lang="en-GB" sz="3000" spc="-1" strike="noStrike">
+              <a:rPr b="0" lang="en-GB" sz="3500" spc="-1" strike="noStrike">
                 <a:solidFill>
                   <a:srgbClr val="000000"/>
                 </a:solidFill>
                 <a:latin typeface="Arial"/>
                 <a:ea typeface="DejaVu Sans"/>
               </a:rPr>
-              <a:t>Train</a:t>
-            </a:r>
-            <a:endParaRPr b="0" lang="en-GB" sz="3000" spc="-1" strike="noStrike">
-              <a:latin typeface="Arial"/>
-            </a:endParaRPr>
-          </a:p>
-        </p:txBody>
-      </p:sp>
-      <p:sp>
-        <p:nvSpPr>
-          <p:cNvPr id="195" name="CustomShape 4"/>
+              <a:t>Essaye de retenir la traduction de tous les mots !</a:t>
+            </a:r>
+            <a:endParaRPr b="0" lang="en-GB" sz="3500" spc="-1" strike="noStrike">
+              <a:latin typeface="Arial"/>
+            </a:endParaRPr>
+          </a:p>
+        </p:txBody>
+      </p:sp>
+      <p:sp>
+        <p:nvSpPr>
+          <p:cNvPr id="191" name="CustomShape 4"/>
           <p:cNvSpPr/>
           <p:nvPr/>
         </p:nvSpPr>
         <p:spPr>
           <a:xfrm>
-            <a:off x="5686200" y="1280880"/>
-            <a:ext cx="402120" cy="545760"/>
+            <a:off x="1449720" y="3183120"/>
+            <a:ext cx="8773200" cy="1155600"/>
           </a:xfrm>
           <a:prstGeom prst="rect">
             <a:avLst/>
@@ -8586,31 +8633,73 @@
               </a:lnSpc>
             </a:pPr>
             <a:r>
-              <a:rPr b="0" lang="en-GB" sz="3000" spc="-1" strike="noStrike">
+              <a:rPr b="0" lang="en-GB" sz="3500" spc="-1" strike="noStrike">
                 <a:solidFill>
                   <a:srgbClr val="000000"/>
                 </a:solidFill>
                 <a:latin typeface="Arial"/>
                 <a:ea typeface="DejaVu Sans"/>
               </a:rPr>
-              <a:t>=</a:t>
-            </a:r>
-            <a:endParaRPr b="0" lang="en-GB" sz="3000" spc="-1" strike="noStrike">
-              <a:latin typeface="Arial"/>
-            </a:endParaRPr>
-          </a:p>
-        </p:txBody>
-      </p:sp>
-      <p:sp>
-        <p:nvSpPr>
-          <p:cNvPr id="196" name="CustomShape 5"/>
+              <a:t>Plus tard, on te donnera le mot Hongrois et </a:t>
+            </a:r>
+            <a:endParaRPr b="0" lang="en-GB" sz="3500" spc="-1" strike="noStrike">
+              <a:latin typeface="Arial"/>
+            </a:endParaRPr>
+          </a:p>
+          <a:p>
+            <a:pPr algn="ctr">
+              <a:lnSpc>
+                <a:spcPct val="100000"/>
+              </a:lnSpc>
+            </a:pPr>
+            <a:r>
+              <a:rPr b="0" lang="en-GB" sz="3500" spc="-1" strike="noStrike">
+                <a:solidFill>
+                  <a:srgbClr val="000000"/>
+                </a:solidFill>
+                <a:latin typeface="Arial"/>
+                <a:ea typeface="DejaVu Sans"/>
+              </a:rPr>
+              <a:t>tu devras écrire la traduction en français</a:t>
+            </a:r>
+            <a:endParaRPr b="0" lang="en-GB" sz="3500" spc="-1" strike="noStrike">
+              <a:latin typeface="Arial"/>
+            </a:endParaRPr>
+          </a:p>
+        </p:txBody>
+      </p:sp>
+    </p:spTree>
+  </p:cSld>
+</p:sld>
+</file>
+
+<file path=ppt/slides/slide21.xml><?xml version="1.0" encoding="utf-8"?>
+<p:sld xmlns:a="http://schemas.openxmlformats.org/drawingml/2006/main" xmlns:p="http://schemas.openxmlformats.org/presentationml/2006/main" xmlns:r="http://schemas.openxmlformats.org/officeDocument/2006/relationships" xmlns:p14="http://schemas.microsoft.com/office/powerpoint/2010/main" xmlns:p15="http://schemas.microsoft.com/office/powerpoint/2012/main" xmlns:mc="http://schemas.openxmlformats.org/markup-compatibility/2006">
+  <p:cSld>
+    <p:spTree>
+      <p:nvGrpSpPr>
+        <p:cNvPr id="1" name=""/>
+        <p:cNvGrpSpPr/>
+        <p:nvPr/>
+      </p:nvGrpSpPr>
+      <p:grpSpPr>
+        <a:xfrm>
+          <a:off x="0" y="0"/>
+          <a:ext cx="0" cy="0"/>
+          <a:chOff x="0" y="0"/>
+          <a:chExt cx="0" cy="0"/>
+        </a:xfrm>
+      </p:grpSpPr>
+      <p:sp>
+        <p:nvSpPr>
+          <p:cNvPr id="192" name="CustomShape 1"/>
           <p:cNvSpPr/>
           <p:nvPr/>
         </p:nvSpPr>
         <p:spPr>
           <a:xfrm>
-            <a:off x="3446640" y="2112840"/>
-            <a:ext cx="5033520" cy="698400"/>
+            <a:off x="2952000" y="3176640"/>
+            <a:ext cx="1477800" cy="698040"/>
           </a:xfrm>
           <a:prstGeom prst="rect">
             <a:avLst/>
@@ -8642,7 +8731,7 @@
                 <a:latin typeface="Arial"/>
                 <a:ea typeface="DejaVu Sans"/>
               </a:rPr>
-              <a:t>Que souhaiterais-tu ?</a:t>
+              <a:t>Vonat</a:t>
             </a:r>
             <a:endParaRPr b="0" lang="en-GB" sz="4000" spc="-1" strike="noStrike">
               <a:latin typeface="Arial"/>
@@ -8652,14 +8741,14 @@
       </p:sp>
       <p:sp>
         <p:nvSpPr>
-          <p:cNvPr id="197" name="CustomShape 6"/>
+          <p:cNvPr id="193" name="CustomShape 2"/>
           <p:cNvSpPr/>
           <p:nvPr/>
         </p:nvSpPr>
         <p:spPr>
           <a:xfrm>
-            <a:off x="833400" y="3191760"/>
-            <a:ext cx="7371360" cy="545760"/>
+            <a:off x="5347800" y="3253680"/>
+            <a:ext cx="439920" cy="622080"/>
           </a:xfrm>
           <a:prstGeom prst="rect">
             <a:avLst/>
@@ -8684,31 +8773,31 @@
               </a:lnSpc>
             </a:pPr>
             <a:r>
-              <a:rPr b="0" lang="en-GB" sz="3000" spc="-1" strike="noStrike">
+              <a:rPr b="0" lang="en-GB" sz="3500" spc="-1" strike="noStrike">
                 <a:solidFill>
                   <a:srgbClr val="000000"/>
                 </a:solidFill>
                 <a:latin typeface="Arial"/>
                 <a:ea typeface="DejaVu Sans"/>
               </a:rPr>
-              <a:t>1- Je veux revoir la paire de mots plus tard</a:t>
-            </a:r>
-            <a:endParaRPr b="0" lang="en-GB" sz="3000" spc="-1" strike="noStrike">
-              <a:latin typeface="Arial"/>
-            </a:endParaRPr>
-          </a:p>
-        </p:txBody>
-      </p:sp>
-      <p:sp>
-        <p:nvSpPr>
-          <p:cNvPr id="198" name="CustomShape 7"/>
+              <a:t>=</a:t>
+            </a:r>
+            <a:endParaRPr b="0" lang="en-GB" sz="3500" spc="-1" strike="noStrike">
+              <a:latin typeface="Arial"/>
+            </a:endParaRPr>
+          </a:p>
+        </p:txBody>
+      </p:sp>
+      <p:sp>
+        <p:nvSpPr>
+          <p:cNvPr id="194" name="CustomShape 3"/>
           <p:cNvSpPr/>
           <p:nvPr/>
         </p:nvSpPr>
         <p:spPr>
           <a:xfrm>
-            <a:off x="837360" y="4023720"/>
-            <a:ext cx="7920000" cy="545760"/>
+            <a:off x="6598080" y="3176640"/>
+            <a:ext cx="1316160" cy="698040"/>
           </a:xfrm>
           <a:prstGeom prst="rect">
             <a:avLst/>
@@ -8733,31 +8822,31 @@
               </a:lnSpc>
             </a:pPr>
             <a:r>
-              <a:rPr b="0" lang="en-GB" sz="3000" spc="-1" strike="noStrike">
+              <a:rPr b="0" lang="en-GB" sz="4000" spc="-1" strike="noStrike">
                 <a:solidFill>
                   <a:srgbClr val="000000"/>
                 </a:solidFill>
                 <a:latin typeface="Arial"/>
                 <a:ea typeface="DejaVu Sans"/>
               </a:rPr>
-              <a:t>2- Je veux me re-tester avec la paire plus tard</a:t>
-            </a:r>
-            <a:endParaRPr b="0" lang="en-GB" sz="3000" spc="-1" strike="noStrike">
-              <a:latin typeface="Arial"/>
-            </a:endParaRPr>
-          </a:p>
-        </p:txBody>
-      </p:sp>
-      <p:sp>
-        <p:nvSpPr>
-          <p:cNvPr id="199" name="CustomShape 8"/>
+              <a:t>Train</a:t>
+            </a:r>
+            <a:endParaRPr b="0" lang="en-GB" sz="4000" spc="-1" strike="noStrike">
+              <a:latin typeface="Arial"/>
+            </a:endParaRPr>
+          </a:p>
+        </p:txBody>
+      </p:sp>
+      <p:sp>
+        <p:nvSpPr>
+          <p:cNvPr id="195" name="CustomShape 4"/>
           <p:cNvSpPr/>
           <p:nvPr/>
         </p:nvSpPr>
         <p:spPr>
           <a:xfrm>
-            <a:off x="838800" y="4855680"/>
-            <a:ext cx="8258400" cy="545760"/>
+            <a:off x="3587400" y="1259640"/>
+            <a:ext cx="3884040" cy="622080"/>
           </a:xfrm>
           <a:prstGeom prst="rect">
             <a:avLst/>
@@ -8782,65 +8871,16 @@
               </a:lnSpc>
             </a:pPr>
             <a:r>
-              <a:rPr b="0" lang="en-GB" sz="3000" spc="-1" strike="noStrike">
+              <a:rPr b="0" lang="en-GB" sz="3500" spc="-1" strike="noStrike">
                 <a:solidFill>
                   <a:srgbClr val="000000"/>
                 </a:solidFill>
                 <a:latin typeface="Arial"/>
                 <a:ea typeface="DejaVu Sans"/>
               </a:rPr>
-              <a:t>3- Je ne veux pas revoir la paire ni me re-tester </a:t>
-            </a:r>
-            <a:endParaRPr b="0" lang="en-GB" sz="3000" spc="-1" strike="noStrike">
-              <a:latin typeface="Arial"/>
-            </a:endParaRPr>
-          </a:p>
-        </p:txBody>
-      </p:sp>
-      <p:sp>
-        <p:nvSpPr>
-          <p:cNvPr id="200" name="CustomShape 9"/>
-          <p:cNvSpPr/>
-          <p:nvPr/>
-        </p:nvSpPr>
-        <p:spPr>
-          <a:xfrm>
-            <a:off x="3855240" y="5780880"/>
-            <a:ext cx="4472640" cy="545760"/>
-          </a:xfrm>
-          <a:prstGeom prst="rect">
-            <a:avLst/>
-          </a:prstGeom>
-          <a:noFill/>
-          <a:ln>
-            <a:noFill/>
-          </a:ln>
-        </p:spPr>
-        <p:style>
-          <a:lnRef idx="0"/>
-          <a:fillRef idx="0"/>
-          <a:effectRef idx="0"/>
-          <a:fontRef idx="minor"/>
-        </p:style>
-        <p:txBody>
-          <a:bodyPr wrap="none" lIns="90000" rIns="90000" tIns="45000" bIns="45000"/>
-          <a:p>
-            <a:pPr algn="ctr">
-              <a:lnSpc>
-                <a:spcPct val="100000"/>
-              </a:lnSpc>
-            </a:pPr>
-            <a:r>
-              <a:rPr b="0" lang="en-GB" sz="3000" spc="-1" strike="noStrike">
-                <a:solidFill>
-                  <a:srgbClr val="000000"/>
-                </a:solidFill>
-                <a:latin typeface="Arial"/>
-                <a:ea typeface="DejaVu Sans"/>
-              </a:rPr>
-              <a:t>Tape ton choix (1, 2 ou 3)</a:t>
-            </a:r>
-            <a:endParaRPr b="0" lang="en-GB" sz="3000" spc="-1" strike="noStrike">
+              <a:t>Essaye de retenir !</a:t>
+            </a:r>
+            <a:endParaRPr b="0" lang="en-GB" sz="3500" spc="-1" strike="noStrike">
               <a:latin typeface="Arial"/>
             </a:endParaRPr>
           </a:p>
@@ -8851,10 +8891,10 @@
   <p:timing>
     <p:tnLst>
       <p:par>
-        <p:cTn id="23" dur="indefinite" restart="never" nodeType="tmRoot">
+        <p:cTn id="29" dur="indefinite" restart="never" nodeType="tmRoot">
           <p:childTnLst>
             <p:seq>
-              <p:cTn id="24" dur="indefinite" nodeType="mainSeq"/>
+              <p:cTn id="30" dur="indefinite" nodeType="mainSeq"/>
               <p:prevCondLst>
                 <p:cond delay="0" evt="onPrev">
                   <p:tgtEl>
@@ -8878,371 +8918,6 @@
 </p:sld>
 </file>
 
-<file path=ppt/slides/slide21.xml><?xml version="1.0" encoding="utf-8"?>
-<p:sld xmlns:a="http://schemas.openxmlformats.org/drawingml/2006/main" xmlns:p="http://schemas.openxmlformats.org/presentationml/2006/main" xmlns:r="http://schemas.openxmlformats.org/officeDocument/2006/relationships" xmlns:p14="http://schemas.microsoft.com/office/powerpoint/2010/main" xmlns:p15="http://schemas.microsoft.com/office/powerpoint/2012/main" xmlns:mc="http://schemas.openxmlformats.org/markup-compatibility/2006">
-  <p:cSld>
-    <p:spTree>
-      <p:nvGrpSpPr>
-        <p:cNvPr id="1" name=""/>
-        <p:cNvGrpSpPr/>
-        <p:nvPr/>
-      </p:nvGrpSpPr>
-      <p:grpSpPr>
-        <a:xfrm>
-          <a:off x="0" y="0"/>
-          <a:ext cx="0" cy="0"/>
-          <a:chOff x="0" y="0"/>
-          <a:chExt cx="0" cy="0"/>
-        </a:xfrm>
-      </p:grpSpPr>
-      <p:sp>
-        <p:nvSpPr>
-          <p:cNvPr id="201" name="CustomShape 1"/>
-          <p:cNvSpPr/>
-          <p:nvPr/>
-        </p:nvSpPr>
-        <p:spPr>
-          <a:xfrm>
-            <a:off x="3535560" y="206640"/>
-            <a:ext cx="4669200" cy="698400"/>
-          </a:xfrm>
-          <a:prstGeom prst="rect">
-            <a:avLst/>
-          </a:prstGeom>
-          <a:noFill/>
-          <a:ln>
-            <a:noFill/>
-          </a:ln>
-        </p:spPr>
-        <p:style>
-          <a:lnRef idx="0"/>
-          <a:fillRef idx="0"/>
-          <a:effectRef idx="0"/>
-          <a:fontRef idx="minor"/>
-        </p:style>
-        <p:txBody>
-          <a:bodyPr wrap="none" lIns="90000" rIns="90000" tIns="45000" bIns="45000"/>
-          <a:p>
-            <a:pPr algn="ctr">
-              <a:lnSpc>
-                <a:spcPct val="100000"/>
-              </a:lnSpc>
-            </a:pPr>
-            <a:r>
-              <a:rPr b="0" lang="en-GB" sz="4000" spc="-1" strike="noStrike">
-                <a:solidFill>
-                  <a:srgbClr val="000000"/>
-                </a:solidFill>
-                <a:latin typeface="Arial"/>
-                <a:ea typeface="DejaVu Sans"/>
-              </a:rPr>
-              <a:t>Bravo ! Tu as réussi</a:t>
-            </a:r>
-            <a:endParaRPr b="0" lang="en-GB" sz="4000" spc="-1" strike="noStrike">
-              <a:latin typeface="Arial"/>
-            </a:endParaRPr>
-          </a:p>
-        </p:txBody>
-      </p:sp>
-      <p:sp>
-        <p:nvSpPr>
-          <p:cNvPr id="202" name="CustomShape 2"/>
-          <p:cNvSpPr/>
-          <p:nvPr/>
-        </p:nvSpPr>
-        <p:spPr>
-          <a:xfrm>
-            <a:off x="5685840" y="1280880"/>
-            <a:ext cx="402120" cy="545760"/>
-          </a:xfrm>
-          <a:prstGeom prst="rect">
-            <a:avLst/>
-          </a:prstGeom>
-          <a:noFill/>
-          <a:ln>
-            <a:noFill/>
-          </a:ln>
-        </p:spPr>
-        <p:style>
-          <a:lnRef idx="0"/>
-          <a:fillRef idx="0"/>
-          <a:effectRef idx="0"/>
-          <a:fontRef idx="minor"/>
-        </p:style>
-        <p:txBody>
-          <a:bodyPr wrap="none" lIns="90000" rIns="90000" tIns="45000" bIns="45000"/>
-          <a:p>
-            <a:pPr algn="ctr">
-              <a:lnSpc>
-                <a:spcPct val="100000"/>
-              </a:lnSpc>
-            </a:pPr>
-            <a:r>
-              <a:rPr b="0" lang="en-GB" sz="3000" spc="-1" strike="noStrike">
-                <a:solidFill>
-                  <a:srgbClr val="000000"/>
-                </a:solidFill>
-                <a:latin typeface="Arial"/>
-                <a:ea typeface="DejaVu Sans"/>
-              </a:rPr>
-              <a:t>=</a:t>
-            </a:r>
-            <a:endParaRPr b="0" lang="en-GB" sz="3000" spc="-1" strike="noStrike">
-              <a:latin typeface="Arial"/>
-            </a:endParaRPr>
-          </a:p>
-        </p:txBody>
-      </p:sp>
-      <p:sp>
-        <p:nvSpPr>
-          <p:cNvPr id="203" name="CustomShape 3"/>
-          <p:cNvSpPr/>
-          <p:nvPr/>
-        </p:nvSpPr>
-        <p:spPr>
-          <a:xfrm>
-            <a:off x="3446280" y="2112840"/>
-            <a:ext cx="5033520" cy="698400"/>
-          </a:xfrm>
-          <a:prstGeom prst="rect">
-            <a:avLst/>
-          </a:prstGeom>
-          <a:noFill/>
-          <a:ln>
-            <a:noFill/>
-          </a:ln>
-        </p:spPr>
-        <p:style>
-          <a:lnRef idx="0"/>
-          <a:fillRef idx="0"/>
-          <a:effectRef idx="0"/>
-          <a:fontRef idx="minor"/>
-        </p:style>
-        <p:txBody>
-          <a:bodyPr wrap="none" lIns="90000" rIns="90000" tIns="45000" bIns="45000"/>
-          <a:p>
-            <a:pPr algn="ctr">
-              <a:lnSpc>
-                <a:spcPct val="100000"/>
-              </a:lnSpc>
-            </a:pPr>
-            <a:r>
-              <a:rPr b="0" lang="en-GB" sz="4000" spc="-1" strike="noStrike">
-                <a:solidFill>
-                  <a:srgbClr val="000000"/>
-                </a:solidFill>
-                <a:latin typeface="Arial"/>
-                <a:ea typeface="DejaVu Sans"/>
-              </a:rPr>
-              <a:t>Que souhaiterais-tu ?</a:t>
-            </a:r>
-            <a:endParaRPr b="0" lang="en-GB" sz="4000" spc="-1" strike="noStrike">
-              <a:latin typeface="Arial"/>
-            </a:endParaRPr>
-          </a:p>
-        </p:txBody>
-      </p:sp>
-      <p:sp>
-        <p:nvSpPr>
-          <p:cNvPr id="204" name="CustomShape 4"/>
-          <p:cNvSpPr/>
-          <p:nvPr/>
-        </p:nvSpPr>
-        <p:spPr>
-          <a:xfrm>
-            <a:off x="833040" y="3191760"/>
-            <a:ext cx="7371360" cy="545760"/>
-          </a:xfrm>
-          <a:prstGeom prst="rect">
-            <a:avLst/>
-          </a:prstGeom>
-          <a:noFill/>
-          <a:ln>
-            <a:noFill/>
-          </a:ln>
-        </p:spPr>
-        <p:style>
-          <a:lnRef idx="0"/>
-          <a:fillRef idx="0"/>
-          <a:effectRef idx="0"/>
-          <a:fontRef idx="minor"/>
-        </p:style>
-        <p:txBody>
-          <a:bodyPr wrap="none" lIns="90000" rIns="90000" tIns="45000" bIns="45000"/>
-          <a:p>
-            <a:pPr algn="ctr">
-              <a:lnSpc>
-                <a:spcPct val="100000"/>
-              </a:lnSpc>
-            </a:pPr>
-            <a:r>
-              <a:rPr b="0" lang="en-GB" sz="3000" spc="-1" strike="noStrike">
-                <a:solidFill>
-                  <a:srgbClr val="000000"/>
-                </a:solidFill>
-                <a:latin typeface="Arial"/>
-                <a:ea typeface="DejaVu Sans"/>
-              </a:rPr>
-              <a:t>1- Je veux revoir la paire de mots plus tard</a:t>
-            </a:r>
-            <a:endParaRPr b="0" lang="en-GB" sz="3000" spc="-1" strike="noStrike">
-              <a:latin typeface="Arial"/>
-            </a:endParaRPr>
-          </a:p>
-        </p:txBody>
-      </p:sp>
-      <p:sp>
-        <p:nvSpPr>
-          <p:cNvPr id="205" name="CustomShape 5"/>
-          <p:cNvSpPr/>
-          <p:nvPr/>
-        </p:nvSpPr>
-        <p:spPr>
-          <a:xfrm>
-            <a:off x="837000" y="4023720"/>
-            <a:ext cx="7920000" cy="545760"/>
-          </a:xfrm>
-          <a:prstGeom prst="rect">
-            <a:avLst/>
-          </a:prstGeom>
-          <a:noFill/>
-          <a:ln>
-            <a:noFill/>
-          </a:ln>
-        </p:spPr>
-        <p:style>
-          <a:lnRef idx="0"/>
-          <a:fillRef idx="0"/>
-          <a:effectRef idx="0"/>
-          <a:fontRef idx="minor"/>
-        </p:style>
-        <p:txBody>
-          <a:bodyPr wrap="none" lIns="90000" rIns="90000" tIns="45000" bIns="45000"/>
-          <a:p>
-            <a:pPr algn="ctr">
-              <a:lnSpc>
-                <a:spcPct val="100000"/>
-              </a:lnSpc>
-            </a:pPr>
-            <a:r>
-              <a:rPr b="0" lang="en-GB" sz="3000" spc="-1" strike="noStrike">
-                <a:solidFill>
-                  <a:srgbClr val="000000"/>
-                </a:solidFill>
-                <a:latin typeface="Arial"/>
-                <a:ea typeface="DejaVu Sans"/>
-              </a:rPr>
-              <a:t>2- Je veux me re-tester avec la paire plus tard</a:t>
-            </a:r>
-            <a:endParaRPr b="0" lang="en-GB" sz="3000" spc="-1" strike="noStrike">
-              <a:latin typeface="Arial"/>
-            </a:endParaRPr>
-          </a:p>
-        </p:txBody>
-      </p:sp>
-      <p:sp>
-        <p:nvSpPr>
-          <p:cNvPr id="206" name="CustomShape 6"/>
-          <p:cNvSpPr/>
-          <p:nvPr/>
-        </p:nvSpPr>
-        <p:spPr>
-          <a:xfrm>
-            <a:off x="838440" y="4855680"/>
-            <a:ext cx="8258400" cy="545760"/>
-          </a:xfrm>
-          <a:prstGeom prst="rect">
-            <a:avLst/>
-          </a:prstGeom>
-          <a:noFill/>
-          <a:ln>
-            <a:noFill/>
-          </a:ln>
-        </p:spPr>
-        <p:style>
-          <a:lnRef idx="0"/>
-          <a:fillRef idx="0"/>
-          <a:effectRef idx="0"/>
-          <a:fontRef idx="minor"/>
-        </p:style>
-        <p:txBody>
-          <a:bodyPr wrap="none" lIns="90000" rIns="90000" tIns="45000" bIns="45000"/>
-          <a:p>
-            <a:pPr algn="ctr">
-              <a:lnSpc>
-                <a:spcPct val="100000"/>
-              </a:lnSpc>
-            </a:pPr>
-            <a:r>
-              <a:rPr b="0" lang="en-GB" sz="3000" spc="-1" strike="noStrike">
-                <a:solidFill>
-                  <a:srgbClr val="000000"/>
-                </a:solidFill>
-                <a:latin typeface="Arial"/>
-                <a:ea typeface="DejaVu Sans"/>
-              </a:rPr>
-              <a:t>3- Je ne veux pas revoir la paire ni me re-tester </a:t>
-            </a:r>
-            <a:endParaRPr b="0" lang="en-GB" sz="3000" spc="-1" strike="noStrike">
-              <a:latin typeface="Arial"/>
-            </a:endParaRPr>
-          </a:p>
-        </p:txBody>
-      </p:sp>
-      <p:sp>
-        <p:nvSpPr>
-          <p:cNvPr id="207" name="CustomShape 7"/>
-          <p:cNvSpPr/>
-          <p:nvPr/>
-        </p:nvSpPr>
-        <p:spPr>
-          <a:xfrm>
-            <a:off x="3854880" y="5780880"/>
-            <a:ext cx="4472640" cy="545760"/>
-          </a:xfrm>
-          <a:prstGeom prst="rect">
-            <a:avLst/>
-          </a:prstGeom>
-          <a:noFill/>
-          <a:ln>
-            <a:noFill/>
-          </a:ln>
-        </p:spPr>
-        <p:style>
-          <a:lnRef idx="0"/>
-          <a:fillRef idx="0"/>
-          <a:effectRef idx="0"/>
-          <a:fontRef idx="minor"/>
-        </p:style>
-        <p:txBody>
-          <a:bodyPr wrap="none" lIns="90000" rIns="90000" tIns="45000" bIns="45000"/>
-          <a:p>
-            <a:pPr algn="ctr">
-              <a:lnSpc>
-                <a:spcPct val="100000"/>
-              </a:lnSpc>
-            </a:pPr>
-            <a:r>
-              <a:rPr b="0" lang="en-GB" sz="3000" spc="-1" strike="noStrike">
-                <a:solidFill>
-                  <a:srgbClr val="000000"/>
-                </a:solidFill>
-                <a:latin typeface="Arial"/>
-                <a:ea typeface="DejaVu Sans"/>
-              </a:rPr>
-              <a:t>Tape ton choix (1, 2 ou 3)</a:t>
-            </a:r>
-            <a:endParaRPr b="0" lang="en-GB" sz="3000" spc="-1" strike="noStrike">
-              <a:latin typeface="Arial"/>
-            </a:endParaRPr>
-          </a:p>
-        </p:txBody>
-      </p:sp>
-    </p:spTree>
-  </p:cSld>
-</p:sld>
-</file>
-
 <file path=ppt/slides/slide22.xml><?xml version="1.0" encoding="utf-8"?>
 <p:sld xmlns:a="http://schemas.openxmlformats.org/drawingml/2006/main" xmlns:p="http://schemas.openxmlformats.org/presentationml/2006/main" xmlns:r="http://schemas.openxmlformats.org/officeDocument/2006/relationships" xmlns:p14="http://schemas.microsoft.com/office/powerpoint/2010/main" xmlns:p15="http://schemas.microsoft.com/office/powerpoint/2012/main" xmlns:mc="http://schemas.openxmlformats.org/markup-compatibility/2006">
   <p:cSld>
@@ -9262,14 +8937,14 @@
       </p:grpSpPr>
       <p:sp>
         <p:nvSpPr>
-          <p:cNvPr id="208" name="CustomShape 1"/>
+          <p:cNvPr id="196" name="CustomShape 1"/>
           <p:cNvSpPr/>
           <p:nvPr/>
         </p:nvSpPr>
         <p:spPr>
           <a:xfrm>
-            <a:off x="3535560" y="206640"/>
-            <a:ext cx="4669200" cy="698400"/>
+            <a:off x="3535920" y="206640"/>
+            <a:ext cx="4668840" cy="698040"/>
           </a:xfrm>
           <a:prstGeom prst="rect">
             <a:avLst/>
@@ -9311,14 +8986,14 @@
       </p:sp>
       <p:sp>
         <p:nvSpPr>
-          <p:cNvPr id="209" name="CustomShape 2"/>
+          <p:cNvPr id="197" name="CustomShape 2"/>
           <p:cNvSpPr/>
           <p:nvPr/>
         </p:nvSpPr>
         <p:spPr>
           <a:xfrm>
-            <a:off x="5685840" y="1280880"/>
-            <a:ext cx="402120" cy="545760"/>
+            <a:off x="3948480" y="1280880"/>
+            <a:ext cx="1153080" cy="545400"/>
           </a:xfrm>
           <a:prstGeom prst="rect">
             <a:avLst/>
@@ -9350,7 +9025,7 @@
                 <a:latin typeface="Arial"/>
                 <a:ea typeface="DejaVu Sans"/>
               </a:rPr>
-              <a:t>=</a:t>
+              <a:t>Vonat</a:t>
             </a:r>
             <a:endParaRPr b="0" lang="en-GB" sz="3000" spc="-1" strike="noStrike">
               <a:latin typeface="Arial"/>
@@ -9360,14 +9035,14 @@
       </p:sp>
       <p:sp>
         <p:nvSpPr>
-          <p:cNvPr id="210" name="CustomShape 3"/>
+          <p:cNvPr id="198" name="CustomShape 3"/>
           <p:cNvSpPr/>
           <p:nvPr/>
         </p:nvSpPr>
         <p:spPr>
           <a:xfrm>
-            <a:off x="3446280" y="2112840"/>
-            <a:ext cx="5033520" cy="698400"/>
+            <a:off x="6606360" y="1280880"/>
+            <a:ext cx="1032840" cy="545400"/>
           </a:xfrm>
           <a:prstGeom prst="rect">
             <a:avLst/>
@@ -9392,31 +9067,31 @@
               </a:lnSpc>
             </a:pPr>
             <a:r>
-              <a:rPr b="0" lang="en-GB" sz="4000" spc="-1" strike="noStrike">
+              <a:rPr b="0" lang="en-GB" sz="3000" spc="-1" strike="noStrike">
                 <a:solidFill>
                   <a:srgbClr val="000000"/>
                 </a:solidFill>
                 <a:latin typeface="Arial"/>
                 <a:ea typeface="DejaVu Sans"/>
               </a:rPr>
-              <a:t>Que souhaiterais-tu ?</a:t>
-            </a:r>
-            <a:endParaRPr b="0" lang="en-GB" sz="4000" spc="-1" strike="noStrike">
-              <a:latin typeface="Arial"/>
-            </a:endParaRPr>
-          </a:p>
-        </p:txBody>
-      </p:sp>
-      <p:sp>
-        <p:nvSpPr>
-          <p:cNvPr id="211" name="CustomShape 4"/>
+              <a:t>Train</a:t>
+            </a:r>
+            <a:endParaRPr b="0" lang="en-GB" sz="3000" spc="-1" strike="noStrike">
+              <a:latin typeface="Arial"/>
+            </a:endParaRPr>
+          </a:p>
+        </p:txBody>
+      </p:sp>
+      <p:sp>
+        <p:nvSpPr>
+          <p:cNvPr id="199" name="CustomShape 4"/>
           <p:cNvSpPr/>
           <p:nvPr/>
         </p:nvSpPr>
         <p:spPr>
           <a:xfrm>
-            <a:off x="833040" y="3191760"/>
-            <a:ext cx="7371360" cy="545760"/>
+            <a:off x="5686200" y="1280880"/>
+            <a:ext cx="401760" cy="545400"/>
           </a:xfrm>
           <a:prstGeom prst="rect">
             <a:avLst/>
@@ -9448,7 +9123,7 @@
                 <a:latin typeface="Arial"/>
                 <a:ea typeface="DejaVu Sans"/>
               </a:rPr>
-              <a:t>1- Je veux revoir la paire de mots plus tard</a:t>
+              <a:t>=</a:t>
             </a:r>
             <a:endParaRPr b="0" lang="en-GB" sz="3000" spc="-1" strike="noStrike">
               <a:latin typeface="Arial"/>
@@ -9458,14 +9133,14 @@
       </p:sp>
       <p:sp>
         <p:nvSpPr>
-          <p:cNvPr id="212" name="CustomShape 5"/>
+          <p:cNvPr id="200" name="CustomShape 5"/>
           <p:cNvSpPr/>
           <p:nvPr/>
         </p:nvSpPr>
         <p:spPr>
           <a:xfrm>
-            <a:off x="837000" y="4023720"/>
-            <a:ext cx="7920000" cy="545760"/>
+            <a:off x="3446640" y="2112840"/>
+            <a:ext cx="5033160" cy="698040"/>
           </a:xfrm>
           <a:prstGeom prst="rect">
             <a:avLst/>
@@ -9490,31 +9165,31 @@
               </a:lnSpc>
             </a:pPr>
             <a:r>
-              <a:rPr b="0" lang="en-GB" sz="3000" spc="-1" strike="noStrike">
+              <a:rPr b="0" lang="en-GB" sz="4000" spc="-1" strike="noStrike">
                 <a:solidFill>
                   <a:srgbClr val="000000"/>
                 </a:solidFill>
                 <a:latin typeface="Arial"/>
                 <a:ea typeface="DejaVu Sans"/>
               </a:rPr>
-              <a:t>2- Je veux me re-tester avec la paire plus tard</a:t>
-            </a:r>
-            <a:endParaRPr b="0" lang="en-GB" sz="3000" spc="-1" strike="noStrike">
-              <a:latin typeface="Arial"/>
-            </a:endParaRPr>
-          </a:p>
-        </p:txBody>
-      </p:sp>
-      <p:sp>
-        <p:nvSpPr>
-          <p:cNvPr id="213" name="CustomShape 6"/>
+              <a:t>Que souhaiterais-tu ?</a:t>
+            </a:r>
+            <a:endParaRPr b="0" lang="en-GB" sz="4000" spc="-1" strike="noStrike">
+              <a:latin typeface="Arial"/>
+            </a:endParaRPr>
+          </a:p>
+        </p:txBody>
+      </p:sp>
+      <p:sp>
+        <p:nvSpPr>
+          <p:cNvPr id="201" name="CustomShape 6"/>
           <p:cNvSpPr/>
           <p:nvPr/>
         </p:nvSpPr>
         <p:spPr>
           <a:xfrm>
-            <a:off x="838440" y="4855680"/>
-            <a:ext cx="8258400" cy="545760"/>
+            <a:off x="833400" y="3191760"/>
+            <a:ext cx="7371000" cy="545400"/>
           </a:xfrm>
           <a:prstGeom prst="rect">
             <a:avLst/>
@@ -9546,7 +9221,7 @@
                 <a:latin typeface="Arial"/>
                 <a:ea typeface="DejaVu Sans"/>
               </a:rPr>
-              <a:t>3- Je ne veux pas revoir la paire ni me re-tester </a:t>
+              <a:t>1- Je veux revoir la paire de mots plus tard</a:t>
             </a:r>
             <a:endParaRPr b="0" lang="en-GB" sz="3000" spc="-1" strike="noStrike">
               <a:latin typeface="Arial"/>
@@ -9556,14 +9231,14 @@
       </p:sp>
       <p:sp>
         <p:nvSpPr>
-          <p:cNvPr id="214" name="CustomShape 7"/>
+          <p:cNvPr id="202" name="CustomShape 7"/>
           <p:cNvSpPr/>
           <p:nvPr/>
         </p:nvSpPr>
         <p:spPr>
           <a:xfrm>
-            <a:off x="3854880" y="5780880"/>
-            <a:ext cx="4472640" cy="545760"/>
+            <a:off x="837360" y="4023720"/>
+            <a:ext cx="7919640" cy="545400"/>
           </a:xfrm>
           <a:prstGeom prst="rect">
             <a:avLst/>
@@ -9595,6 +9270,104 @@
                 <a:latin typeface="Arial"/>
                 <a:ea typeface="DejaVu Sans"/>
               </a:rPr>
+              <a:t>2- Je veux me re-tester avec la paire plus tard</a:t>
+            </a:r>
+            <a:endParaRPr b="0" lang="en-GB" sz="3000" spc="-1" strike="noStrike">
+              <a:latin typeface="Arial"/>
+            </a:endParaRPr>
+          </a:p>
+        </p:txBody>
+      </p:sp>
+      <p:sp>
+        <p:nvSpPr>
+          <p:cNvPr id="203" name="CustomShape 8"/>
+          <p:cNvSpPr/>
+          <p:nvPr/>
+        </p:nvSpPr>
+        <p:spPr>
+          <a:xfrm>
+            <a:off x="838800" y="4855680"/>
+            <a:ext cx="8258040" cy="545400"/>
+          </a:xfrm>
+          <a:prstGeom prst="rect">
+            <a:avLst/>
+          </a:prstGeom>
+          <a:noFill/>
+          <a:ln>
+            <a:noFill/>
+          </a:ln>
+        </p:spPr>
+        <p:style>
+          <a:lnRef idx="0"/>
+          <a:fillRef idx="0"/>
+          <a:effectRef idx="0"/>
+          <a:fontRef idx="minor"/>
+        </p:style>
+        <p:txBody>
+          <a:bodyPr wrap="none" lIns="90000" rIns="90000" tIns="45000" bIns="45000"/>
+          <a:p>
+            <a:pPr algn="ctr">
+              <a:lnSpc>
+                <a:spcPct val="100000"/>
+              </a:lnSpc>
+            </a:pPr>
+            <a:r>
+              <a:rPr b="0" lang="en-GB" sz="3000" spc="-1" strike="noStrike">
+                <a:solidFill>
+                  <a:srgbClr val="000000"/>
+                </a:solidFill>
+                <a:latin typeface="Arial"/>
+                <a:ea typeface="DejaVu Sans"/>
+              </a:rPr>
+              <a:t>3- Je ne veux pas revoir la paire ni me re-tester </a:t>
+            </a:r>
+            <a:endParaRPr b="0" lang="en-GB" sz="3000" spc="-1" strike="noStrike">
+              <a:latin typeface="Arial"/>
+            </a:endParaRPr>
+          </a:p>
+        </p:txBody>
+      </p:sp>
+      <p:sp>
+        <p:nvSpPr>
+          <p:cNvPr id="204" name="CustomShape 9"/>
+          <p:cNvSpPr/>
+          <p:nvPr/>
+        </p:nvSpPr>
+        <p:spPr>
+          <a:xfrm>
+            <a:off x="3855240" y="5780880"/>
+            <a:ext cx="4472280" cy="545400"/>
+          </a:xfrm>
+          <a:prstGeom prst="rect">
+            <a:avLst/>
+          </a:prstGeom>
+          <a:noFill/>
+          <a:ln>
+            <a:noFill/>
+          </a:ln>
+        </p:spPr>
+        <p:style>
+          <a:lnRef idx="0"/>
+          <a:fillRef idx="0"/>
+          <a:effectRef idx="0"/>
+          <a:fontRef idx="minor"/>
+        </p:style>
+        <p:txBody>
+          <a:bodyPr wrap="none" lIns="90000" rIns="90000" tIns="45000" bIns="45000"/>
+          <a:p>
+            <a:pPr algn="ctr">
+              <a:lnSpc>
+                <a:spcPct val="100000"/>
+              </a:lnSpc>
+            </a:pPr>
+            <a:r>
+              <a:rPr b="0" lang="en-GB" sz="3000" spc="-1" strike="noStrike">
+                <a:solidFill>
+                  <a:srgbClr val="000000"/>
+                </a:solidFill>
+                <a:latin typeface="Arial"/>
+                <a:ea typeface="DejaVu Sans"/>
+              </a:rPr>
               <a:t>Tape ton choix (1, 2 ou 3)</a:t>
             </a:r>
             <a:endParaRPr b="0" lang="en-GB" sz="3000" spc="-1" strike="noStrike">
@@ -9605,6 +9378,33 @@
       </p:sp>
     </p:spTree>
   </p:cSld>
+  <p:timing>
+    <p:tnLst>
+      <p:par>
+        <p:cTn id="31" dur="indefinite" restart="never" nodeType="tmRoot">
+          <p:childTnLst>
+            <p:seq>
+              <p:cTn id="32" dur="indefinite" nodeType="mainSeq"/>
+              <p:prevCondLst>
+                <p:cond delay="0" evt="onPrev">
+                  <p:tgtEl>
+                    <p:sldTgt/>
+                  </p:tgtEl>
+                </p:cond>
+              </p:prevCondLst>
+              <p:nextCondLst>
+                <p:cond delay="0" evt="onNext">
+                  <p:tgtEl>
+                    <p:sldTgt/>
+                  </p:tgtEl>
+                </p:cond>
+              </p:nextCondLst>
+            </p:seq>
+          </p:childTnLst>
+        </p:cTn>
+      </p:par>
+    </p:tnLst>
+  </p:timing>
 </p:sld>
 </file>
 
@@ -9627,14 +9427,14 @@
       </p:grpSpPr>
       <p:sp>
         <p:nvSpPr>
-          <p:cNvPr id="215" name="CustomShape 1"/>
+          <p:cNvPr id="205" name="CustomShape 1"/>
           <p:cNvSpPr/>
           <p:nvPr/>
         </p:nvSpPr>
         <p:spPr>
           <a:xfrm>
-            <a:off x="838080" y="365040"/>
-            <a:ext cx="10513800" cy="1323720"/>
+            <a:off x="3535560" y="206640"/>
+            <a:ext cx="4668840" cy="698040"/>
           </a:xfrm>
           <a:prstGeom prst="rect">
             <a:avLst/>
@@ -9650,17 +9450,40 @@
           <a:effectRef idx="0"/>
           <a:fontRef idx="minor"/>
         </p:style>
-      </p:sp>
-      <p:sp>
-        <p:nvSpPr>
-          <p:cNvPr id="216" name="CustomShape 2"/>
+        <p:txBody>
+          <a:bodyPr wrap="none" lIns="90000" rIns="90000" tIns="45000" bIns="45000"/>
+          <a:p>
+            <a:pPr algn="ctr">
+              <a:lnSpc>
+                <a:spcPct val="100000"/>
+              </a:lnSpc>
+            </a:pPr>
+            <a:r>
+              <a:rPr b="0" lang="en-GB" sz="4000" spc="-1" strike="noStrike">
+                <a:solidFill>
+                  <a:srgbClr val="000000"/>
+                </a:solidFill>
+                <a:latin typeface="Arial"/>
+                <a:ea typeface="DejaVu Sans"/>
+              </a:rPr>
+              <a:t>Bravo ! Tu as réussi</a:t>
+            </a:r>
+            <a:endParaRPr b="0" lang="en-GB" sz="4000" spc="-1" strike="noStrike">
+              <a:latin typeface="Arial"/>
+            </a:endParaRPr>
+          </a:p>
+        </p:txBody>
+      </p:sp>
+      <p:sp>
+        <p:nvSpPr>
+          <p:cNvPr id="206" name="CustomShape 2"/>
           <p:cNvSpPr/>
           <p:nvPr/>
         </p:nvSpPr>
         <p:spPr>
           <a:xfrm>
-            <a:off x="838080" y="1825560"/>
-            <a:ext cx="3384360" cy="2073600"/>
+            <a:off x="5685840" y="1280880"/>
+            <a:ext cx="401760" cy="545400"/>
           </a:xfrm>
           <a:prstGeom prst="rect">
             <a:avLst/>
@@ -9676,17 +9499,40 @@
           <a:effectRef idx="0"/>
           <a:fontRef idx="minor"/>
         </p:style>
-      </p:sp>
-      <p:sp>
-        <p:nvSpPr>
-          <p:cNvPr id="217" name="CustomShape 3"/>
+        <p:txBody>
+          <a:bodyPr wrap="none" lIns="90000" rIns="90000" tIns="45000" bIns="45000"/>
+          <a:p>
+            <a:pPr algn="ctr">
+              <a:lnSpc>
+                <a:spcPct val="100000"/>
+              </a:lnSpc>
+            </a:pPr>
+            <a:r>
+              <a:rPr b="0" lang="en-GB" sz="3000" spc="-1" strike="noStrike">
+                <a:solidFill>
+                  <a:srgbClr val="000000"/>
+                </a:solidFill>
+                <a:latin typeface="Arial"/>
+                <a:ea typeface="DejaVu Sans"/>
+              </a:rPr>
+              <a:t>=</a:t>
+            </a:r>
+            <a:endParaRPr b="0" lang="en-GB" sz="3000" spc="-1" strike="noStrike">
+              <a:latin typeface="Arial"/>
+            </a:endParaRPr>
+          </a:p>
+        </p:txBody>
+      </p:sp>
+      <p:sp>
+        <p:nvSpPr>
+          <p:cNvPr id="207" name="CustomShape 3"/>
           <p:cNvSpPr/>
           <p:nvPr/>
         </p:nvSpPr>
         <p:spPr>
           <a:xfrm>
-            <a:off x="4393440" y="1825560"/>
-            <a:ext cx="3384360" cy="2073600"/>
+            <a:off x="3446280" y="2112840"/>
+            <a:ext cx="5033160" cy="698040"/>
           </a:xfrm>
           <a:prstGeom prst="rect">
             <a:avLst/>
@@ -9702,17 +9548,40 @@
           <a:effectRef idx="0"/>
           <a:fontRef idx="minor"/>
         </p:style>
-      </p:sp>
-      <p:sp>
-        <p:nvSpPr>
-          <p:cNvPr id="218" name="CustomShape 4"/>
+        <p:txBody>
+          <a:bodyPr wrap="none" lIns="90000" rIns="90000" tIns="45000" bIns="45000"/>
+          <a:p>
+            <a:pPr algn="ctr">
+              <a:lnSpc>
+                <a:spcPct val="100000"/>
+              </a:lnSpc>
+            </a:pPr>
+            <a:r>
+              <a:rPr b="0" lang="en-GB" sz="4000" spc="-1" strike="noStrike">
+                <a:solidFill>
+                  <a:srgbClr val="000000"/>
+                </a:solidFill>
+                <a:latin typeface="Arial"/>
+                <a:ea typeface="DejaVu Sans"/>
+              </a:rPr>
+              <a:t>Que souhaiterais-tu ?</a:t>
+            </a:r>
+            <a:endParaRPr b="0" lang="en-GB" sz="4000" spc="-1" strike="noStrike">
+              <a:latin typeface="Arial"/>
+            </a:endParaRPr>
+          </a:p>
+        </p:txBody>
+      </p:sp>
+      <p:sp>
+        <p:nvSpPr>
+          <p:cNvPr id="208" name="CustomShape 4"/>
           <p:cNvSpPr/>
           <p:nvPr/>
         </p:nvSpPr>
         <p:spPr>
           <a:xfrm>
-            <a:off x="7949160" y="1825560"/>
-            <a:ext cx="3384360" cy="2073600"/>
+            <a:off x="833040" y="3191760"/>
+            <a:ext cx="7371000" cy="545400"/>
           </a:xfrm>
           <a:prstGeom prst="rect">
             <a:avLst/>
@@ -9728,17 +9597,40 @@
           <a:effectRef idx="0"/>
           <a:fontRef idx="minor"/>
         </p:style>
-      </p:sp>
-      <p:sp>
-        <p:nvSpPr>
-          <p:cNvPr id="219" name="CustomShape 5"/>
+        <p:txBody>
+          <a:bodyPr wrap="none" lIns="90000" rIns="90000" tIns="45000" bIns="45000"/>
+          <a:p>
+            <a:pPr algn="ctr">
+              <a:lnSpc>
+                <a:spcPct val="100000"/>
+              </a:lnSpc>
+            </a:pPr>
+            <a:r>
+              <a:rPr b="0" lang="en-GB" sz="3000" spc="-1" strike="noStrike">
+                <a:solidFill>
+                  <a:srgbClr val="000000"/>
+                </a:solidFill>
+                <a:latin typeface="Arial"/>
+                <a:ea typeface="DejaVu Sans"/>
+              </a:rPr>
+              <a:t>1- Je veux revoir la paire de mots plus tard</a:t>
+            </a:r>
+            <a:endParaRPr b="0" lang="en-GB" sz="3000" spc="-1" strike="noStrike">
+              <a:latin typeface="Arial"/>
+            </a:endParaRPr>
+          </a:p>
+        </p:txBody>
+      </p:sp>
+      <p:sp>
+        <p:nvSpPr>
+          <p:cNvPr id="209" name="CustomShape 5"/>
           <p:cNvSpPr/>
           <p:nvPr/>
         </p:nvSpPr>
         <p:spPr>
           <a:xfrm>
-            <a:off x="838080" y="4098240"/>
-            <a:ext cx="3384360" cy="2073600"/>
+            <a:off x="837000" y="4023720"/>
+            <a:ext cx="7919640" cy="545400"/>
           </a:xfrm>
           <a:prstGeom prst="rect">
             <a:avLst/>
@@ -9754,17 +9646,40 @@
           <a:effectRef idx="0"/>
           <a:fontRef idx="minor"/>
         </p:style>
-      </p:sp>
-      <p:sp>
-        <p:nvSpPr>
-          <p:cNvPr id="220" name="CustomShape 6"/>
+        <p:txBody>
+          <a:bodyPr wrap="none" lIns="90000" rIns="90000" tIns="45000" bIns="45000"/>
+          <a:p>
+            <a:pPr algn="ctr">
+              <a:lnSpc>
+                <a:spcPct val="100000"/>
+              </a:lnSpc>
+            </a:pPr>
+            <a:r>
+              <a:rPr b="0" lang="en-GB" sz="3000" spc="-1" strike="noStrike">
+                <a:solidFill>
+                  <a:srgbClr val="000000"/>
+                </a:solidFill>
+                <a:latin typeface="Arial"/>
+                <a:ea typeface="DejaVu Sans"/>
+              </a:rPr>
+              <a:t>2- Je veux me re-tester avec la paire plus tard</a:t>
+            </a:r>
+            <a:endParaRPr b="0" lang="en-GB" sz="3000" spc="-1" strike="noStrike">
+              <a:latin typeface="Arial"/>
+            </a:endParaRPr>
+          </a:p>
+        </p:txBody>
+      </p:sp>
+      <p:sp>
+        <p:nvSpPr>
+          <p:cNvPr id="210" name="CustomShape 6"/>
           <p:cNvSpPr/>
           <p:nvPr/>
         </p:nvSpPr>
         <p:spPr>
           <a:xfrm>
-            <a:off x="4393440" y="4098240"/>
-            <a:ext cx="3384360" cy="2073600"/>
+            <a:off x="838440" y="4855680"/>
+            <a:ext cx="8258040" cy="545400"/>
           </a:xfrm>
           <a:prstGeom prst="rect">
             <a:avLst/>
@@ -9780,17 +9695,40 @@
           <a:effectRef idx="0"/>
           <a:fontRef idx="minor"/>
         </p:style>
-      </p:sp>
-      <p:sp>
-        <p:nvSpPr>
-          <p:cNvPr id="221" name="CustomShape 7"/>
+        <p:txBody>
+          <a:bodyPr wrap="none" lIns="90000" rIns="90000" tIns="45000" bIns="45000"/>
+          <a:p>
+            <a:pPr algn="ctr">
+              <a:lnSpc>
+                <a:spcPct val="100000"/>
+              </a:lnSpc>
+            </a:pPr>
+            <a:r>
+              <a:rPr b="0" lang="en-GB" sz="3000" spc="-1" strike="noStrike">
+                <a:solidFill>
+                  <a:srgbClr val="000000"/>
+                </a:solidFill>
+                <a:latin typeface="Arial"/>
+                <a:ea typeface="DejaVu Sans"/>
+              </a:rPr>
+              <a:t>3- Je ne veux pas revoir la paire ni me re-tester </a:t>
+            </a:r>
+            <a:endParaRPr b="0" lang="en-GB" sz="3000" spc="-1" strike="noStrike">
+              <a:latin typeface="Arial"/>
+            </a:endParaRPr>
+          </a:p>
+        </p:txBody>
+      </p:sp>
+      <p:sp>
+        <p:nvSpPr>
+          <p:cNvPr id="211" name="CustomShape 7"/>
           <p:cNvSpPr/>
           <p:nvPr/>
         </p:nvSpPr>
         <p:spPr>
           <a:xfrm>
-            <a:off x="7949160" y="4098240"/>
-            <a:ext cx="3384360" cy="2073600"/>
+            <a:off x="3854880" y="5780880"/>
+            <a:ext cx="4472280" cy="545400"/>
           </a:xfrm>
           <a:prstGeom prst="rect">
             <a:avLst/>
@@ -9806,10 +9744,602 @@
           <a:effectRef idx="0"/>
           <a:fontRef idx="minor"/>
         </p:style>
+        <p:txBody>
+          <a:bodyPr wrap="none" lIns="90000" rIns="90000" tIns="45000" bIns="45000"/>
+          <a:p>
+            <a:pPr algn="ctr">
+              <a:lnSpc>
+                <a:spcPct val="100000"/>
+              </a:lnSpc>
+            </a:pPr>
+            <a:r>
+              <a:rPr b="0" lang="en-GB" sz="3000" spc="-1" strike="noStrike">
+                <a:solidFill>
+                  <a:srgbClr val="000000"/>
+                </a:solidFill>
+                <a:latin typeface="Arial"/>
+                <a:ea typeface="DejaVu Sans"/>
+              </a:rPr>
+              <a:t>Tape ton choix (1, 2 ou 3)</a:t>
+            </a:r>
+            <a:endParaRPr b="0" lang="en-GB" sz="3000" spc="-1" strike="noStrike">
+              <a:latin typeface="Arial"/>
+            </a:endParaRPr>
+          </a:p>
+        </p:txBody>
+      </p:sp>
+    </p:spTree>
+  </p:cSld>
+</p:sld>
+</file>
+
+<file path=ppt/slides/slide24.xml><?xml version="1.0" encoding="utf-8"?>
+<p:sld xmlns:a="http://schemas.openxmlformats.org/drawingml/2006/main" xmlns:p="http://schemas.openxmlformats.org/presentationml/2006/main" xmlns:r="http://schemas.openxmlformats.org/officeDocument/2006/relationships" xmlns:p14="http://schemas.microsoft.com/office/powerpoint/2010/main" xmlns:p15="http://schemas.microsoft.com/office/powerpoint/2012/main" xmlns:mc="http://schemas.openxmlformats.org/markup-compatibility/2006">
+  <p:cSld>
+    <p:spTree>
+      <p:nvGrpSpPr>
+        <p:cNvPr id="1" name=""/>
+        <p:cNvGrpSpPr/>
+        <p:nvPr/>
+      </p:nvGrpSpPr>
+      <p:grpSpPr>
+        <a:xfrm>
+          <a:off x="0" y="0"/>
+          <a:ext cx="0" cy="0"/>
+          <a:chOff x="0" y="0"/>
+          <a:chExt cx="0" cy="0"/>
+        </a:xfrm>
+      </p:grpSpPr>
+      <p:sp>
+        <p:nvSpPr>
+          <p:cNvPr id="212" name="CustomShape 1"/>
+          <p:cNvSpPr/>
+          <p:nvPr/>
+        </p:nvSpPr>
+        <p:spPr>
+          <a:xfrm>
+            <a:off x="3535560" y="206640"/>
+            <a:ext cx="4668840" cy="698040"/>
+          </a:xfrm>
+          <a:prstGeom prst="rect">
+            <a:avLst/>
+          </a:prstGeom>
+          <a:noFill/>
+          <a:ln>
+            <a:noFill/>
+          </a:ln>
+        </p:spPr>
+        <p:style>
+          <a:lnRef idx="0"/>
+          <a:fillRef idx="0"/>
+          <a:effectRef idx="0"/>
+          <a:fontRef idx="minor"/>
+        </p:style>
+        <p:txBody>
+          <a:bodyPr wrap="none" lIns="90000" rIns="90000" tIns="45000" bIns="45000"/>
+          <a:p>
+            <a:pPr algn="ctr">
+              <a:lnSpc>
+                <a:spcPct val="100000"/>
+              </a:lnSpc>
+            </a:pPr>
+            <a:r>
+              <a:rPr b="0" lang="en-GB" sz="4000" spc="-1" strike="noStrike">
+                <a:solidFill>
+                  <a:srgbClr val="000000"/>
+                </a:solidFill>
+                <a:latin typeface="Arial"/>
+                <a:ea typeface="DejaVu Sans"/>
+              </a:rPr>
+              <a:t>Bravo ! Tu as réussi</a:t>
+            </a:r>
+            <a:endParaRPr b="0" lang="en-GB" sz="4000" spc="-1" strike="noStrike">
+              <a:latin typeface="Arial"/>
+            </a:endParaRPr>
+          </a:p>
+        </p:txBody>
+      </p:sp>
+      <p:sp>
+        <p:nvSpPr>
+          <p:cNvPr id="213" name="CustomShape 2"/>
+          <p:cNvSpPr/>
+          <p:nvPr/>
+        </p:nvSpPr>
+        <p:spPr>
+          <a:xfrm>
+            <a:off x="5685840" y="1280880"/>
+            <a:ext cx="401760" cy="545400"/>
+          </a:xfrm>
+          <a:prstGeom prst="rect">
+            <a:avLst/>
+          </a:prstGeom>
+          <a:noFill/>
+          <a:ln>
+            <a:noFill/>
+          </a:ln>
+        </p:spPr>
+        <p:style>
+          <a:lnRef idx="0"/>
+          <a:fillRef idx="0"/>
+          <a:effectRef idx="0"/>
+          <a:fontRef idx="minor"/>
+        </p:style>
+        <p:txBody>
+          <a:bodyPr wrap="none" lIns="90000" rIns="90000" tIns="45000" bIns="45000"/>
+          <a:p>
+            <a:pPr algn="ctr">
+              <a:lnSpc>
+                <a:spcPct val="100000"/>
+              </a:lnSpc>
+            </a:pPr>
+            <a:r>
+              <a:rPr b="0" lang="en-GB" sz="3000" spc="-1" strike="noStrike">
+                <a:solidFill>
+                  <a:srgbClr val="000000"/>
+                </a:solidFill>
+                <a:latin typeface="Arial"/>
+                <a:ea typeface="DejaVu Sans"/>
+              </a:rPr>
+              <a:t>=</a:t>
+            </a:r>
+            <a:endParaRPr b="0" lang="en-GB" sz="3000" spc="-1" strike="noStrike">
+              <a:latin typeface="Arial"/>
+            </a:endParaRPr>
+          </a:p>
+        </p:txBody>
+      </p:sp>
+      <p:sp>
+        <p:nvSpPr>
+          <p:cNvPr id="214" name="CustomShape 3"/>
+          <p:cNvSpPr/>
+          <p:nvPr/>
+        </p:nvSpPr>
+        <p:spPr>
+          <a:xfrm>
+            <a:off x="3446280" y="2112840"/>
+            <a:ext cx="5033160" cy="698040"/>
+          </a:xfrm>
+          <a:prstGeom prst="rect">
+            <a:avLst/>
+          </a:prstGeom>
+          <a:noFill/>
+          <a:ln>
+            <a:noFill/>
+          </a:ln>
+        </p:spPr>
+        <p:style>
+          <a:lnRef idx="0"/>
+          <a:fillRef idx="0"/>
+          <a:effectRef idx="0"/>
+          <a:fontRef idx="minor"/>
+        </p:style>
+        <p:txBody>
+          <a:bodyPr wrap="none" lIns="90000" rIns="90000" tIns="45000" bIns="45000"/>
+          <a:p>
+            <a:pPr algn="ctr">
+              <a:lnSpc>
+                <a:spcPct val="100000"/>
+              </a:lnSpc>
+            </a:pPr>
+            <a:r>
+              <a:rPr b="0" lang="en-GB" sz="4000" spc="-1" strike="noStrike">
+                <a:solidFill>
+                  <a:srgbClr val="000000"/>
+                </a:solidFill>
+                <a:latin typeface="Arial"/>
+                <a:ea typeface="DejaVu Sans"/>
+              </a:rPr>
+              <a:t>Que souhaiterais-tu ?</a:t>
+            </a:r>
+            <a:endParaRPr b="0" lang="en-GB" sz="4000" spc="-1" strike="noStrike">
+              <a:latin typeface="Arial"/>
+            </a:endParaRPr>
+          </a:p>
+        </p:txBody>
+      </p:sp>
+      <p:sp>
+        <p:nvSpPr>
+          <p:cNvPr id="215" name="CustomShape 4"/>
+          <p:cNvSpPr/>
+          <p:nvPr/>
+        </p:nvSpPr>
+        <p:spPr>
+          <a:xfrm>
+            <a:off x="833040" y="3191760"/>
+            <a:ext cx="7371000" cy="545400"/>
+          </a:xfrm>
+          <a:prstGeom prst="rect">
+            <a:avLst/>
+          </a:prstGeom>
+          <a:noFill/>
+          <a:ln>
+            <a:noFill/>
+          </a:ln>
+        </p:spPr>
+        <p:style>
+          <a:lnRef idx="0"/>
+          <a:fillRef idx="0"/>
+          <a:effectRef idx="0"/>
+          <a:fontRef idx="minor"/>
+        </p:style>
+        <p:txBody>
+          <a:bodyPr wrap="none" lIns="90000" rIns="90000" tIns="45000" bIns="45000"/>
+          <a:p>
+            <a:pPr algn="ctr">
+              <a:lnSpc>
+                <a:spcPct val="100000"/>
+              </a:lnSpc>
+            </a:pPr>
+            <a:r>
+              <a:rPr b="0" lang="en-GB" sz="3000" spc="-1" strike="noStrike">
+                <a:solidFill>
+                  <a:srgbClr val="000000"/>
+                </a:solidFill>
+                <a:latin typeface="Arial"/>
+                <a:ea typeface="DejaVu Sans"/>
+              </a:rPr>
+              <a:t>1- Je veux revoir la paire de mots plus tard</a:t>
+            </a:r>
+            <a:endParaRPr b="0" lang="en-GB" sz="3000" spc="-1" strike="noStrike">
+              <a:latin typeface="Arial"/>
+            </a:endParaRPr>
+          </a:p>
+        </p:txBody>
+      </p:sp>
+      <p:sp>
+        <p:nvSpPr>
+          <p:cNvPr id="216" name="CustomShape 5"/>
+          <p:cNvSpPr/>
+          <p:nvPr/>
+        </p:nvSpPr>
+        <p:spPr>
+          <a:xfrm>
+            <a:off x="837000" y="4023720"/>
+            <a:ext cx="7919640" cy="545400"/>
+          </a:xfrm>
+          <a:prstGeom prst="rect">
+            <a:avLst/>
+          </a:prstGeom>
+          <a:noFill/>
+          <a:ln>
+            <a:noFill/>
+          </a:ln>
+        </p:spPr>
+        <p:style>
+          <a:lnRef idx="0"/>
+          <a:fillRef idx="0"/>
+          <a:effectRef idx="0"/>
+          <a:fontRef idx="minor"/>
+        </p:style>
+        <p:txBody>
+          <a:bodyPr wrap="none" lIns="90000" rIns="90000" tIns="45000" bIns="45000"/>
+          <a:p>
+            <a:pPr algn="ctr">
+              <a:lnSpc>
+                <a:spcPct val="100000"/>
+              </a:lnSpc>
+            </a:pPr>
+            <a:r>
+              <a:rPr b="0" lang="en-GB" sz="3000" spc="-1" strike="noStrike">
+                <a:solidFill>
+                  <a:srgbClr val="000000"/>
+                </a:solidFill>
+                <a:latin typeface="Arial"/>
+                <a:ea typeface="DejaVu Sans"/>
+              </a:rPr>
+              <a:t>2- Je veux me re-tester avec la paire plus tard</a:t>
+            </a:r>
+            <a:endParaRPr b="0" lang="en-GB" sz="3000" spc="-1" strike="noStrike">
+              <a:latin typeface="Arial"/>
+            </a:endParaRPr>
+          </a:p>
+        </p:txBody>
+      </p:sp>
+      <p:sp>
+        <p:nvSpPr>
+          <p:cNvPr id="217" name="CustomShape 6"/>
+          <p:cNvSpPr/>
+          <p:nvPr/>
+        </p:nvSpPr>
+        <p:spPr>
+          <a:xfrm>
+            <a:off x="838440" y="4855680"/>
+            <a:ext cx="8258040" cy="545400"/>
+          </a:xfrm>
+          <a:prstGeom prst="rect">
+            <a:avLst/>
+          </a:prstGeom>
+          <a:noFill/>
+          <a:ln>
+            <a:noFill/>
+          </a:ln>
+        </p:spPr>
+        <p:style>
+          <a:lnRef idx="0"/>
+          <a:fillRef idx="0"/>
+          <a:effectRef idx="0"/>
+          <a:fontRef idx="minor"/>
+        </p:style>
+        <p:txBody>
+          <a:bodyPr wrap="none" lIns="90000" rIns="90000" tIns="45000" bIns="45000"/>
+          <a:p>
+            <a:pPr algn="ctr">
+              <a:lnSpc>
+                <a:spcPct val="100000"/>
+              </a:lnSpc>
+            </a:pPr>
+            <a:r>
+              <a:rPr b="0" lang="en-GB" sz="3000" spc="-1" strike="noStrike">
+                <a:solidFill>
+                  <a:srgbClr val="000000"/>
+                </a:solidFill>
+                <a:latin typeface="Arial"/>
+                <a:ea typeface="DejaVu Sans"/>
+              </a:rPr>
+              <a:t>3- Je ne veux pas revoir la paire ni me re-tester </a:t>
+            </a:r>
+            <a:endParaRPr b="0" lang="en-GB" sz="3000" spc="-1" strike="noStrike">
+              <a:latin typeface="Arial"/>
+            </a:endParaRPr>
+          </a:p>
+        </p:txBody>
+      </p:sp>
+      <p:sp>
+        <p:nvSpPr>
+          <p:cNvPr id="218" name="CustomShape 7"/>
+          <p:cNvSpPr/>
+          <p:nvPr/>
+        </p:nvSpPr>
+        <p:spPr>
+          <a:xfrm>
+            <a:off x="3854880" y="5780880"/>
+            <a:ext cx="4472280" cy="545400"/>
+          </a:xfrm>
+          <a:prstGeom prst="rect">
+            <a:avLst/>
+          </a:prstGeom>
+          <a:noFill/>
+          <a:ln>
+            <a:noFill/>
+          </a:ln>
+        </p:spPr>
+        <p:style>
+          <a:lnRef idx="0"/>
+          <a:fillRef idx="0"/>
+          <a:effectRef idx="0"/>
+          <a:fontRef idx="minor"/>
+        </p:style>
+        <p:txBody>
+          <a:bodyPr wrap="none" lIns="90000" rIns="90000" tIns="45000" bIns="45000"/>
+          <a:p>
+            <a:pPr algn="ctr">
+              <a:lnSpc>
+                <a:spcPct val="100000"/>
+              </a:lnSpc>
+            </a:pPr>
+            <a:r>
+              <a:rPr b="0" lang="en-GB" sz="3000" spc="-1" strike="noStrike">
+                <a:solidFill>
+                  <a:srgbClr val="000000"/>
+                </a:solidFill>
+                <a:latin typeface="Arial"/>
+                <a:ea typeface="DejaVu Sans"/>
+              </a:rPr>
+              <a:t>Tape ton choix (1, 2 ou 3)</a:t>
+            </a:r>
+            <a:endParaRPr b="0" lang="en-GB" sz="3000" spc="-1" strike="noStrike">
+              <a:latin typeface="Arial"/>
+            </a:endParaRPr>
+          </a:p>
+        </p:txBody>
+      </p:sp>
+    </p:spTree>
+  </p:cSld>
+</p:sld>
+</file>
+
+<file path=ppt/slides/slide25.xml><?xml version="1.0" encoding="utf-8"?>
+<p:sld xmlns:a="http://schemas.openxmlformats.org/drawingml/2006/main" xmlns:p="http://schemas.openxmlformats.org/presentationml/2006/main" xmlns:r="http://schemas.openxmlformats.org/officeDocument/2006/relationships" xmlns:p14="http://schemas.microsoft.com/office/powerpoint/2010/main" xmlns:p15="http://schemas.microsoft.com/office/powerpoint/2012/main" xmlns:mc="http://schemas.openxmlformats.org/markup-compatibility/2006">
+  <p:cSld>
+    <p:spTree>
+      <p:nvGrpSpPr>
+        <p:cNvPr id="1" name=""/>
+        <p:cNvGrpSpPr/>
+        <p:nvPr/>
+      </p:nvGrpSpPr>
+      <p:grpSpPr>
+        <a:xfrm>
+          <a:off x="0" y="0"/>
+          <a:ext cx="0" cy="0"/>
+          <a:chOff x="0" y="0"/>
+          <a:chExt cx="0" cy="0"/>
+        </a:xfrm>
+      </p:grpSpPr>
+      <p:sp>
+        <p:nvSpPr>
+          <p:cNvPr id="219" name="CustomShape 1"/>
+          <p:cNvSpPr/>
+          <p:nvPr/>
+        </p:nvSpPr>
+        <p:spPr>
+          <a:xfrm>
+            <a:off x="838080" y="365040"/>
+            <a:ext cx="10513440" cy="1323360"/>
+          </a:xfrm>
+          <a:prstGeom prst="rect">
+            <a:avLst/>
+          </a:prstGeom>
+          <a:noFill/>
+          <a:ln>
+            <a:noFill/>
+          </a:ln>
+        </p:spPr>
+        <p:style>
+          <a:lnRef idx="0"/>
+          <a:fillRef idx="0"/>
+          <a:effectRef idx="0"/>
+          <a:fontRef idx="minor"/>
+        </p:style>
+      </p:sp>
+      <p:sp>
+        <p:nvSpPr>
+          <p:cNvPr id="220" name="CustomShape 2"/>
+          <p:cNvSpPr/>
+          <p:nvPr/>
+        </p:nvSpPr>
+        <p:spPr>
+          <a:xfrm>
+            <a:off x="838080" y="1825560"/>
+            <a:ext cx="3384000" cy="2073240"/>
+          </a:xfrm>
+          <a:prstGeom prst="rect">
+            <a:avLst/>
+          </a:prstGeom>
+          <a:noFill/>
+          <a:ln>
+            <a:noFill/>
+          </a:ln>
+        </p:spPr>
+        <p:style>
+          <a:lnRef idx="0"/>
+          <a:fillRef idx="0"/>
+          <a:effectRef idx="0"/>
+          <a:fontRef idx="minor"/>
+        </p:style>
+      </p:sp>
+      <p:sp>
+        <p:nvSpPr>
+          <p:cNvPr id="221" name="CustomShape 3"/>
+          <p:cNvSpPr/>
+          <p:nvPr/>
+        </p:nvSpPr>
+        <p:spPr>
+          <a:xfrm>
+            <a:off x="4393440" y="1825560"/>
+            <a:ext cx="3384000" cy="2073240"/>
+          </a:xfrm>
+          <a:prstGeom prst="rect">
+            <a:avLst/>
+          </a:prstGeom>
+          <a:noFill/>
+          <a:ln>
+            <a:noFill/>
+          </a:ln>
+        </p:spPr>
+        <p:style>
+          <a:lnRef idx="0"/>
+          <a:fillRef idx="0"/>
+          <a:effectRef idx="0"/>
+          <a:fontRef idx="minor"/>
+        </p:style>
+      </p:sp>
+      <p:sp>
+        <p:nvSpPr>
+          <p:cNvPr id="222" name="CustomShape 4"/>
+          <p:cNvSpPr/>
+          <p:nvPr/>
+        </p:nvSpPr>
+        <p:spPr>
+          <a:xfrm>
+            <a:off x="7949160" y="1825560"/>
+            <a:ext cx="3384000" cy="2073240"/>
+          </a:xfrm>
+          <a:prstGeom prst="rect">
+            <a:avLst/>
+          </a:prstGeom>
+          <a:noFill/>
+          <a:ln>
+            <a:noFill/>
+          </a:ln>
+        </p:spPr>
+        <p:style>
+          <a:lnRef idx="0"/>
+          <a:fillRef idx="0"/>
+          <a:effectRef idx="0"/>
+          <a:fontRef idx="minor"/>
+        </p:style>
+      </p:sp>
+      <p:sp>
+        <p:nvSpPr>
+          <p:cNvPr id="223" name="CustomShape 5"/>
+          <p:cNvSpPr/>
+          <p:nvPr/>
+        </p:nvSpPr>
+        <p:spPr>
+          <a:xfrm>
+            <a:off x="838080" y="4098240"/>
+            <a:ext cx="3384000" cy="2073240"/>
+          </a:xfrm>
+          <a:prstGeom prst="rect">
+            <a:avLst/>
+          </a:prstGeom>
+          <a:noFill/>
+          <a:ln>
+            <a:noFill/>
+          </a:ln>
+        </p:spPr>
+        <p:style>
+          <a:lnRef idx="0"/>
+          <a:fillRef idx="0"/>
+          <a:effectRef idx="0"/>
+          <a:fontRef idx="minor"/>
+        </p:style>
+      </p:sp>
+      <p:sp>
+        <p:nvSpPr>
+          <p:cNvPr id="224" name="CustomShape 6"/>
+          <p:cNvSpPr/>
+          <p:nvPr/>
+        </p:nvSpPr>
+        <p:spPr>
+          <a:xfrm>
+            <a:off x="4393440" y="4098240"/>
+            <a:ext cx="3384000" cy="2073240"/>
+          </a:xfrm>
+          <a:prstGeom prst="rect">
+            <a:avLst/>
+          </a:prstGeom>
+          <a:noFill/>
+          <a:ln>
+            <a:noFill/>
+          </a:ln>
+        </p:spPr>
+        <p:style>
+          <a:lnRef idx="0"/>
+          <a:fillRef idx="0"/>
+          <a:effectRef idx="0"/>
+          <a:fontRef idx="minor"/>
+        </p:style>
+      </p:sp>
+      <p:sp>
+        <p:nvSpPr>
+          <p:cNvPr id="225" name="CustomShape 7"/>
+          <p:cNvSpPr/>
+          <p:nvPr/>
+        </p:nvSpPr>
+        <p:spPr>
+          <a:xfrm>
+            <a:off x="7949160" y="4098240"/>
+            <a:ext cx="3384000" cy="2073240"/>
+          </a:xfrm>
+          <a:prstGeom prst="rect">
+            <a:avLst/>
+          </a:prstGeom>
+          <a:noFill/>
+          <a:ln>
+            <a:noFill/>
+          </a:ln>
+        </p:spPr>
+        <p:style>
+          <a:lnRef idx="0"/>
+          <a:fillRef idx="0"/>
+          <a:effectRef idx="0"/>
+          <a:fontRef idx="minor"/>
+        </p:style>
       </p:sp>
       <p:pic>
         <p:nvPicPr>
-          <p:cNvPr id="222" name="" descr=""/>
+          <p:cNvPr id="226" name="" descr=""/>
           <p:cNvPicPr/>
           <p:nvPr/>
         </p:nvPicPr>
@@ -9820,7 +10350,7 @@
         <p:spPr>
           <a:xfrm>
             <a:off x="4176000" y="2376000"/>
-            <a:ext cx="3403440" cy="4164120"/>
+            <a:ext cx="3403080" cy="4163760"/>
           </a:xfrm>
           <a:prstGeom prst="rect">
             <a:avLst/>
@@ -9832,14 +10362,14 @@
       </p:pic>
       <p:sp>
         <p:nvSpPr>
-          <p:cNvPr id="223" name="CustomShape 8"/>
+          <p:cNvPr id="227" name="CustomShape 8"/>
           <p:cNvSpPr/>
           <p:nvPr/>
         </p:nvSpPr>
         <p:spPr>
           <a:xfrm>
             <a:off x="3535920" y="206640"/>
-            <a:ext cx="4669200" cy="698400"/>
+            <a:ext cx="4668840" cy="698040"/>
           </a:xfrm>
           <a:prstGeom prst="rect">
             <a:avLst/>
@@ -9914,10 +10444,10 @@
   <p:timing>
     <p:tnLst>
       <p:par>
-        <p:cTn id="25" dur="indefinite" restart="never" nodeType="tmRoot">
+        <p:cTn id="33" dur="indefinite" restart="never" nodeType="tmRoot">
           <p:childTnLst>
             <p:seq>
-              <p:cTn id="26" dur="indefinite" nodeType="mainSeq"/>
+              <p:cTn id="34" dur="indefinite" nodeType="mainSeq"/>
               <p:prevCondLst>
                 <p:cond delay="0" evt="onPrev">
                   <p:tgtEl>
@@ -9967,7 +10497,7 @@
         <p:spPr>
           <a:xfrm>
             <a:off x="5421240" y="1664640"/>
-            <a:ext cx="1260000" cy="545760"/>
+            <a:ext cx="1259640" cy="545400"/>
           </a:xfrm>
           <a:prstGeom prst="rect">
             <a:avLst/>
@@ -9999,17 +10529,7 @@
                 <a:latin typeface="Arial"/>
                 <a:ea typeface="DejaVu Sans"/>
               </a:rPr>
-              <a:t>Quel est </a:t>
-            </a:r>
-            <a:r>
-              <a:rPr b="0" lang="en-GB" sz="3000" spc="-1" strike="noStrike">
-                <a:solidFill>
-                  <a:srgbClr val="000000"/>
-                </a:solidFill>
-                <a:latin typeface="Arial"/>
-                <a:ea typeface="DejaVu Sans"/>
-              </a:rPr>
-              <a:t>ton numéro d’identification ?</a:t>
+              <a:t>Quel est ton numéro d’identification ?</a:t>
             </a:r>
             <a:endParaRPr b="0" lang="en-GB" sz="3000" spc="-1" strike="noStrike">
               <a:latin typeface="Arial"/>
@@ -10019,6 +10539,33 @@
       </p:sp>
     </p:spTree>
   </p:cSld>
+  <p:timing>
+    <p:tnLst>
+      <p:par>
+        <p:cTn id="5" dur="indefinite" restart="never" nodeType="tmRoot">
+          <p:childTnLst>
+            <p:seq>
+              <p:cTn id="6" dur="indefinite" nodeType="mainSeq"/>
+              <p:prevCondLst>
+                <p:cond delay="0" evt="onPrev">
+                  <p:tgtEl>
+                    <p:sldTgt/>
+                  </p:tgtEl>
+                </p:cond>
+              </p:prevCondLst>
+              <p:nextCondLst>
+                <p:cond delay="0" evt="onNext">
+                  <p:tgtEl>
+                    <p:sldTgt/>
+                  </p:tgtEl>
+                </p:cond>
+              </p:nextCondLst>
+            </p:seq>
+          </p:childTnLst>
+        </p:cTn>
+      </p:par>
+    </p:tnLst>
+  </p:timing>
 </p:sld>
 </file>
 
@@ -10048,7 +10595,7 @@
         <p:spPr>
           <a:xfrm>
             <a:off x="5423040" y="1664640"/>
-            <a:ext cx="1260000" cy="545760"/>
+            <a:ext cx="1259640" cy="545400"/>
           </a:xfrm>
           <a:prstGeom prst="rect">
             <a:avLst/>
@@ -10080,17 +10627,7 @@
                 <a:latin typeface="Arial"/>
                 <a:ea typeface="DejaVu Sans"/>
               </a:rPr>
-              <a:t>Quel est </a:t>
-            </a:r>
-            <a:r>
-              <a:rPr b="0" lang="en-GB" sz="3000" spc="-1" strike="noStrike">
-                <a:solidFill>
-                  <a:srgbClr val="000000"/>
-                </a:solidFill>
-                <a:latin typeface="Arial"/>
-                <a:ea typeface="DejaVu Sans"/>
-              </a:rPr>
-              <a:t>ton âge, en chiffre (ex: 12) ?</a:t>
+              <a:t>Quel est ton âge, en chiffre (ex: 12) ?</a:t>
             </a:r>
             <a:endParaRPr b="0" lang="en-GB" sz="3000" spc="-1" strike="noStrike">
               <a:latin typeface="Arial"/>
@@ -10103,10 +10640,10 @@
   <p:timing>
     <p:tnLst>
       <p:par>
-        <p:cTn id="5" dur="indefinite" restart="never" nodeType="tmRoot">
+        <p:cTn id="7" dur="indefinite" restart="never" nodeType="tmRoot">
           <p:childTnLst>
             <p:seq>
-              <p:cTn id="6" dur="indefinite" nodeType="mainSeq"/>
+              <p:cTn id="8" dur="indefinite" nodeType="mainSeq"/>
               <p:prevCondLst>
                 <p:cond delay="0" evt="onPrev">
                   <p:tgtEl>
@@ -10156,7 +10693,7 @@
         <p:spPr>
           <a:xfrm>
             <a:off x="5425920" y="1664640"/>
-            <a:ext cx="1260000" cy="545760"/>
+            <a:ext cx="1259640" cy="545400"/>
           </a:xfrm>
           <a:prstGeom prst="rect">
             <a:avLst/>
@@ -10188,17 +10725,7 @@
                 <a:latin typeface="Arial"/>
                 <a:ea typeface="DejaVu Sans"/>
               </a:rPr>
-              <a:t>Quel est </a:t>
-            </a:r>
-            <a:r>
-              <a:rPr b="0" lang="en-GB" sz="3000" spc="-1" strike="noStrike">
-                <a:solidFill>
-                  <a:srgbClr val="000000"/>
-                </a:solidFill>
-                <a:latin typeface="Arial"/>
-                <a:ea typeface="DejaVu Sans"/>
-              </a:rPr>
-              <a:t>ton sexe (G ou F) ?</a:t>
+              <a:t>Quel est ton sexe (G ou F) ?</a:t>
             </a:r>
             <a:endParaRPr b="0" lang="en-GB" sz="3000" spc="-1" strike="noStrike">
               <a:latin typeface="Arial"/>
@@ -10211,10 +10738,10 @@
   <p:timing>
     <p:tnLst>
       <p:par>
-        <p:cTn id="7" dur="indefinite" restart="never" nodeType="tmRoot">
+        <p:cTn id="9" dur="indefinite" restart="never" nodeType="tmRoot">
           <p:childTnLst>
             <p:seq>
-              <p:cTn id="8" dur="indefinite" nodeType="mainSeq"/>
+              <p:cTn id="10" dur="indefinite" nodeType="mainSeq"/>
               <p:prevCondLst>
                 <p:cond delay="0" evt="onPrev">
                   <p:tgtEl>
@@ -10264,7 +10791,7 @@
         <p:spPr>
           <a:xfrm>
             <a:off x="5425920" y="1664640"/>
-            <a:ext cx="1260000" cy="545760"/>
+            <a:ext cx="1259640" cy="545400"/>
           </a:xfrm>
           <a:prstGeom prst="rect">
             <a:avLst/>
@@ -10296,17 +10823,7 @@
                 <a:latin typeface="Arial"/>
                 <a:ea typeface="DejaVu Sans"/>
               </a:rPr>
-              <a:t>Quel est </a:t>
-            </a:r>
-            <a:r>
-              <a:rPr b="0" lang="en-GB" sz="3000" spc="-1" strike="noStrike">
-                <a:solidFill>
-                  <a:srgbClr val="000000"/>
-                </a:solidFill>
-                <a:latin typeface="Arial"/>
-                <a:ea typeface="DejaVu Sans"/>
-              </a:rPr>
-              <a:t>ton degré scolaire (ex: 8H) ?</a:t>
+              <a:t>Quel est ton degré scolaire (ex: 8H) ?</a:t>
             </a:r>
             <a:endParaRPr b="0" lang="en-GB" sz="3000" spc="-1" strike="noStrike">
               <a:latin typeface="Arial"/>
@@ -10316,6 +10833,33 @@
       </p:sp>
     </p:spTree>
   </p:cSld>
+  <p:timing>
+    <p:tnLst>
+      <p:par>
+        <p:cTn id="11" dur="indefinite" restart="never" nodeType="tmRoot">
+          <p:childTnLst>
+            <p:seq>
+              <p:cTn id="12" dur="indefinite" nodeType="mainSeq"/>
+              <p:prevCondLst>
+                <p:cond delay="0" evt="onPrev">
+                  <p:tgtEl>
+                    <p:sldTgt/>
+                  </p:tgtEl>
+                </p:cond>
+              </p:prevCondLst>
+              <p:nextCondLst>
+                <p:cond delay="0" evt="onNext">
+                  <p:tgtEl>
+                    <p:sldTgt/>
+                  </p:tgtEl>
+                </p:cond>
+              </p:nextCondLst>
+            </p:seq>
+          </p:childTnLst>
+        </p:cTn>
+      </p:par>
+    </p:tnLst>
+  </p:timing>
 </p:sld>
 </file>
 
@@ -10345,7 +10889,7 @@
         <p:spPr>
           <a:xfrm>
             <a:off x="3535560" y="206640"/>
-            <a:ext cx="4669200" cy="698400"/>
+            <a:ext cx="4668840" cy="698040"/>
           </a:xfrm>
           <a:prstGeom prst="rect">
             <a:avLst/>
@@ -10394,7 +10938,7 @@
         <p:spPr>
           <a:xfrm>
             <a:off x="3948120" y="1280880"/>
-            <a:ext cx="1153440" cy="545760"/>
+            <a:ext cx="1153080" cy="545400"/>
           </a:xfrm>
           <a:prstGeom prst="rect">
             <a:avLst/>
@@ -10420,7 +10964,7 @@
         <p:spPr>
           <a:xfrm>
             <a:off x="6606000" y="1280880"/>
-            <a:ext cx="1033200" cy="545760"/>
+            <a:ext cx="1032840" cy="545400"/>
           </a:xfrm>
           <a:prstGeom prst="rect">
             <a:avLst/>
@@ -10446,7 +10990,7 @@
         <p:spPr>
           <a:xfrm>
             <a:off x="5685840" y="1280880"/>
-            <a:ext cx="402120" cy="545760"/>
+            <a:ext cx="401760" cy="545400"/>
           </a:xfrm>
           <a:prstGeom prst="rect">
             <a:avLst/>
@@ -10495,7 +11039,7 @@
         <p:spPr>
           <a:xfrm>
             <a:off x="3446280" y="2112840"/>
-            <a:ext cx="5033520" cy="698400"/>
+            <a:ext cx="5033160" cy="698040"/>
           </a:xfrm>
           <a:prstGeom prst="rect">
             <a:avLst/>
@@ -10544,7 +11088,7 @@
         <p:spPr>
           <a:xfrm>
             <a:off x="833040" y="3191760"/>
-            <a:ext cx="7371360" cy="545760"/>
+            <a:ext cx="7371000" cy="545400"/>
           </a:xfrm>
           <a:prstGeom prst="rect">
             <a:avLst/>
@@ -10593,7 +11137,7 @@
         <p:spPr>
           <a:xfrm>
             <a:off x="837000" y="4023720"/>
-            <a:ext cx="7920000" cy="545760"/>
+            <a:ext cx="7919640" cy="545400"/>
           </a:xfrm>
           <a:prstGeom prst="rect">
             <a:avLst/>
@@ -10642,7 +11186,7 @@
         <p:spPr>
           <a:xfrm>
             <a:off x="838440" y="4855680"/>
-            <a:ext cx="8258400" cy="545760"/>
+            <a:ext cx="8258040" cy="545400"/>
           </a:xfrm>
           <a:prstGeom prst="rect">
             <a:avLst/>
@@ -10691,7 +11235,7 @@
         <p:spPr>
           <a:xfrm>
             <a:off x="3854880" y="5780880"/>
-            <a:ext cx="4472640" cy="545760"/>
+            <a:ext cx="4472280" cy="545400"/>
           </a:xfrm>
           <a:prstGeom prst="rect">
             <a:avLst/>
@@ -10762,7 +11306,7 @@
         <p:spPr>
           <a:xfrm>
             <a:off x="5347800" y="3254040"/>
-            <a:ext cx="440280" cy="622440"/>
+            <a:ext cx="439920" cy="622080"/>
           </a:xfrm>
           <a:prstGeom prst="rect">
             <a:avLst/>
@@ -10811,7 +11355,7 @@
         <p:spPr>
           <a:xfrm>
             <a:off x="3587400" y="1260000"/>
-            <a:ext cx="3884400" cy="622440"/>
+            <a:ext cx="3884040" cy="622080"/>
           </a:xfrm>
           <a:prstGeom prst="rect">
             <a:avLst/>
@@ -10856,10 +11400,10 @@
   <p:timing>
     <p:tnLst>
       <p:par>
-        <p:cTn id="9" dur="indefinite" restart="never" nodeType="tmRoot">
+        <p:cTn id="13" dur="indefinite" restart="never" nodeType="tmRoot">
           <p:childTnLst>
             <p:seq>
-              <p:cTn id="10" dur="indefinite" nodeType="mainSeq"/>
+              <p:cTn id="14" dur="indefinite" nodeType="mainSeq"/>
               <p:prevCondLst>
                 <p:cond delay="0" evt="onPrev">
                   <p:tgtEl>
@@ -10909,7 +11453,7 @@
         <p:spPr>
           <a:xfrm>
             <a:off x="3362400" y="918360"/>
-            <a:ext cx="4811040" cy="545760"/>
+            <a:ext cx="4810680" cy="545400"/>
           </a:xfrm>
           <a:prstGeom prst="rect">
             <a:avLst/>
@@ -10958,7 +11502,7 @@
         <p:spPr>
           <a:xfrm>
             <a:off x="3621960" y="2238120"/>
-            <a:ext cx="4050720" cy="545760"/>
+            <a:ext cx="4050360" cy="545400"/>
           </a:xfrm>
           <a:prstGeom prst="rect">
             <a:avLst/>
@@ -11007,7 +11551,7 @@
         <p:spPr>
           <a:xfrm>
             <a:off x="3504240" y="3558240"/>
-            <a:ext cx="1153440" cy="545760"/>
+            <a:ext cx="1153080" cy="545400"/>
           </a:xfrm>
           <a:prstGeom prst="rect">
             <a:avLst/>
@@ -11034,7 +11578,7 @@
             <a:r>
               <a:rPr b="0" lang="en-GB" sz="3000" spc="-1" strike="noStrike">
                 <a:solidFill>
-                  <a:srgbClr val="000000"/>
+                  <a:srgbClr val="0d1f63"/>
                 </a:solidFill>
                 <a:latin typeface="Arial"/>
                 <a:ea typeface="DejaVu Sans"/>
@@ -11042,6 +11586,9 @@
               <a:t>Vonat</a:t>
             </a:r>
             <a:endParaRPr b="0" lang="en-GB" sz="3000" spc="-1" strike="noStrike">
+              <a:solidFill>
+                <a:srgbClr val="0d1f63"/>
+              </a:solidFill>
               <a:latin typeface="Arial"/>
             </a:endParaRPr>
           </a:p>
@@ -11056,7 +11603,7 @@
         <p:spPr>
           <a:xfrm>
             <a:off x="6482520" y="3558240"/>
-            <a:ext cx="391320" cy="545760"/>
+            <a:ext cx="390960" cy="545400"/>
           </a:xfrm>
           <a:prstGeom prst="rect">
             <a:avLst/>
@@ -11105,7 +11652,7 @@
         <p:spPr>
           <a:xfrm>
             <a:off x="5241600" y="3558240"/>
-            <a:ext cx="402120" cy="545760"/>
+            <a:ext cx="401760" cy="545400"/>
           </a:xfrm>
           <a:prstGeom prst="rect">
             <a:avLst/>
@@ -11150,10 +11697,10 @@
   <p:timing>
     <p:tnLst>
       <p:par>
-        <p:cTn id="11" dur="indefinite" restart="never" nodeType="tmRoot">
+        <p:cTn id="15" dur="indefinite" restart="never" nodeType="tmRoot">
           <p:childTnLst>
             <p:seq>
-              <p:cTn id="12" dur="indefinite" nodeType="mainSeq"/>
+              <p:cTn id="16" dur="indefinite" nodeType="mainSeq"/>
               <p:prevCondLst>
                 <p:cond delay="0" evt="onPrev">
                   <p:tgtEl>

--- a/images/Images NEW.pptx
+++ b/images/Images NEW.pptx
@@ -32,6 +32,8 @@
     <p:sldId id="278" r:id="rId27"/>
     <p:sldId id="279" r:id="rId28"/>
     <p:sldId id="280" r:id="rId29"/>
+    <p:sldId id="281" r:id="rId30"/>
+    <p:sldId id="282" r:id="rId31"/>
   </p:sldIdLst>
   <p:sldSz cx="12192000" cy="6858000"/>
   <p:notesSz cx="7559675" cy="10691812"/>
@@ -97,7 +99,9 @@
           </a:prstGeom>
         </p:spPr>
         <p:txBody>
-          <a:bodyPr lIns="0" rIns="0" tIns="0" bIns="0" anchor="ctr"/>
+          <a:bodyPr lIns="0" rIns="0" tIns="0" bIns="0" anchor="ctr">
+            <a:noAutofit/>
+          </a:bodyPr>
           <a:p>
             <a:pPr algn="ctr"/>
             <a:endParaRPr b="0" lang="en-GB" sz="4400" spc="-1" strike="noStrike">
@@ -208,7 +212,9 @@
           </a:prstGeom>
         </p:spPr>
         <p:txBody>
-          <a:bodyPr lIns="0" rIns="0" tIns="0" bIns="0" anchor="ctr"/>
+          <a:bodyPr lIns="0" rIns="0" tIns="0" bIns="0" anchor="ctr">
+            <a:noAutofit/>
+          </a:bodyPr>
           <a:p>
             <a:pPr algn="ctr"/>
             <a:endParaRPr b="0" lang="en-GB" sz="4400" spc="-1" strike="noStrike">
@@ -379,7 +385,9 @@
           </a:prstGeom>
         </p:spPr>
         <p:txBody>
-          <a:bodyPr lIns="0" rIns="0" tIns="0" bIns="0" anchor="ctr"/>
+          <a:bodyPr lIns="0" rIns="0" tIns="0" bIns="0" anchor="ctr">
+            <a:noAutofit/>
+          </a:bodyPr>
           <a:p>
             <a:pPr algn="ctr"/>
             <a:endParaRPr b="0" lang="en-GB" sz="4400" spc="-1" strike="noStrike">
@@ -632,7 +640,9 @@
           </a:prstGeom>
         </p:spPr>
         <p:txBody>
-          <a:bodyPr lIns="0" rIns="0" tIns="0" bIns="0" anchor="ctr"/>
+          <a:bodyPr lIns="0" rIns="0" tIns="0" bIns="0" anchor="ctr">
+            <a:noAutofit/>
+          </a:bodyPr>
           <a:p>
             <a:pPr algn="ctr"/>
             <a:endParaRPr b="0" lang="en-GB" sz="4400" spc="-1" strike="noStrike">
@@ -661,7 +671,9 @@
           </a:prstGeom>
         </p:spPr>
         <p:txBody>
-          <a:bodyPr lIns="0" rIns="0" tIns="0" bIns="0" anchor="ctr"/>
+          <a:bodyPr lIns="0" rIns="0" tIns="0" bIns="0" anchor="ctr">
+            <a:noAutofit/>
+          </a:bodyPr>
           <a:p>
             <a:pPr algn="ctr"/>
             <a:endParaRPr b="0" lang="en-GB" sz="3200" spc="-1" strike="noStrike">
@@ -712,7 +724,9 @@
           </a:prstGeom>
         </p:spPr>
         <p:txBody>
-          <a:bodyPr lIns="0" rIns="0" tIns="0" bIns="0" anchor="ctr"/>
+          <a:bodyPr lIns="0" rIns="0" tIns="0" bIns="0" anchor="ctr">
+            <a:noAutofit/>
+          </a:bodyPr>
           <a:p>
             <a:pPr algn="ctr"/>
             <a:endParaRPr b="0" lang="en-GB" sz="4400" spc="-1" strike="noStrike">
@@ -793,7 +807,9 @@
           </a:prstGeom>
         </p:spPr>
         <p:txBody>
-          <a:bodyPr lIns="0" rIns="0" tIns="0" bIns="0" anchor="ctr"/>
+          <a:bodyPr lIns="0" rIns="0" tIns="0" bIns="0" anchor="ctr">
+            <a:noAutofit/>
+          </a:bodyPr>
           <a:p>
             <a:pPr algn="ctr"/>
             <a:endParaRPr b="0" lang="en-GB" sz="4400" spc="-1" strike="noStrike">
@@ -904,7 +920,9 @@
           </a:prstGeom>
         </p:spPr>
         <p:txBody>
-          <a:bodyPr lIns="0" rIns="0" tIns="0" bIns="0" anchor="ctr"/>
+          <a:bodyPr lIns="0" rIns="0" tIns="0" bIns="0" anchor="ctr">
+            <a:noAutofit/>
+          </a:bodyPr>
           <a:p>
             <a:pPr algn="ctr"/>
             <a:endParaRPr b="0" lang="en-GB" sz="4400" spc="-1" strike="noStrike">
@@ -955,7 +973,9 @@
           </a:prstGeom>
         </p:spPr>
         <p:txBody>
-          <a:bodyPr lIns="0" rIns="0" tIns="0" bIns="0" anchor="ctr"/>
+          <a:bodyPr lIns="0" rIns="0" tIns="0" bIns="0" anchor="ctr">
+            <a:noAutofit/>
+          </a:bodyPr>
           <a:p>
             <a:pPr algn="ctr"/>
             <a:endParaRPr b="0" lang="en-GB" sz="3200" spc="-1" strike="noStrike">
@@ -1006,7 +1026,9 @@
           </a:prstGeom>
         </p:spPr>
         <p:txBody>
-          <a:bodyPr lIns="0" rIns="0" tIns="0" bIns="0" anchor="ctr"/>
+          <a:bodyPr lIns="0" rIns="0" tIns="0" bIns="0" anchor="ctr">
+            <a:noAutofit/>
+          </a:bodyPr>
           <a:p>
             <a:pPr algn="ctr"/>
             <a:endParaRPr b="0" lang="en-GB" sz="4400" spc="-1" strike="noStrike">
@@ -1147,7 +1169,9 @@
           </a:prstGeom>
         </p:spPr>
         <p:txBody>
-          <a:bodyPr lIns="0" rIns="0" tIns="0" bIns="0" anchor="ctr"/>
+          <a:bodyPr lIns="0" rIns="0" tIns="0" bIns="0" anchor="ctr">
+            <a:noAutofit/>
+          </a:bodyPr>
           <a:p>
             <a:pPr algn="ctr"/>
             <a:endParaRPr b="0" lang="en-GB" sz="4400" spc="-1" strike="noStrike">
@@ -1176,7 +1200,9 @@
           </a:prstGeom>
         </p:spPr>
         <p:txBody>
-          <a:bodyPr lIns="0" rIns="0" tIns="0" bIns="0" anchor="ctr"/>
+          <a:bodyPr lIns="0" rIns="0" tIns="0" bIns="0" anchor="ctr">
+            <a:noAutofit/>
+          </a:bodyPr>
           <a:p>
             <a:pPr algn="ctr"/>
             <a:endParaRPr b="0" lang="en-GB" sz="3200" spc="-1" strike="noStrike">
@@ -1227,7 +1253,9 @@
           </a:prstGeom>
         </p:spPr>
         <p:txBody>
-          <a:bodyPr lIns="0" rIns="0" tIns="0" bIns="0" anchor="ctr"/>
+          <a:bodyPr lIns="0" rIns="0" tIns="0" bIns="0" anchor="ctr">
+            <a:noAutofit/>
+          </a:bodyPr>
           <a:p>
             <a:pPr algn="ctr"/>
             <a:endParaRPr b="0" lang="en-GB" sz="4400" spc="-1" strike="noStrike">
@@ -1368,7 +1396,9 @@
           </a:prstGeom>
         </p:spPr>
         <p:txBody>
-          <a:bodyPr lIns="0" rIns="0" tIns="0" bIns="0" anchor="ctr"/>
+          <a:bodyPr lIns="0" rIns="0" tIns="0" bIns="0" anchor="ctr">
+            <a:noAutofit/>
+          </a:bodyPr>
           <a:p>
             <a:pPr algn="ctr"/>
             <a:endParaRPr b="0" lang="en-GB" sz="4400" spc="-1" strike="noStrike">
@@ -1509,7 +1539,9 @@
           </a:prstGeom>
         </p:spPr>
         <p:txBody>
-          <a:bodyPr lIns="0" rIns="0" tIns="0" bIns="0" anchor="ctr"/>
+          <a:bodyPr lIns="0" rIns="0" tIns="0" bIns="0" anchor="ctr">
+            <a:noAutofit/>
+          </a:bodyPr>
           <a:p>
             <a:pPr algn="ctr"/>
             <a:endParaRPr b="0" lang="en-GB" sz="4400" spc="-1" strike="noStrike">
@@ -1620,7 +1652,9 @@
           </a:prstGeom>
         </p:spPr>
         <p:txBody>
-          <a:bodyPr lIns="0" rIns="0" tIns="0" bIns="0" anchor="ctr"/>
+          <a:bodyPr lIns="0" rIns="0" tIns="0" bIns="0" anchor="ctr">
+            <a:noAutofit/>
+          </a:bodyPr>
           <a:p>
             <a:pPr algn="ctr"/>
             <a:endParaRPr b="0" lang="en-GB" sz="4400" spc="-1" strike="noStrike">
@@ -1791,7 +1825,9 @@
           </a:prstGeom>
         </p:spPr>
         <p:txBody>
-          <a:bodyPr lIns="0" rIns="0" tIns="0" bIns="0" anchor="ctr"/>
+          <a:bodyPr lIns="0" rIns="0" tIns="0" bIns="0" anchor="ctr">
+            <a:noAutofit/>
+          </a:bodyPr>
           <a:p>
             <a:pPr algn="ctr"/>
             <a:endParaRPr b="0" lang="en-GB" sz="4400" spc="-1" strike="noStrike">
@@ -2044,7 +2080,9 @@
           </a:prstGeom>
         </p:spPr>
         <p:txBody>
-          <a:bodyPr lIns="0" rIns="0" tIns="0" bIns="0" anchor="ctr"/>
+          <a:bodyPr lIns="0" rIns="0" tIns="0" bIns="0" anchor="ctr">
+            <a:noAutofit/>
+          </a:bodyPr>
           <a:p>
             <a:pPr algn="ctr"/>
             <a:endParaRPr b="0" lang="en-GB" sz="4400" spc="-1" strike="noStrike">
@@ -2073,7 +2111,9 @@
           </a:prstGeom>
         </p:spPr>
         <p:txBody>
-          <a:bodyPr lIns="0" rIns="0" tIns="0" bIns="0" anchor="ctr"/>
+          <a:bodyPr lIns="0" rIns="0" tIns="0" bIns="0" anchor="ctr">
+            <a:noAutofit/>
+          </a:bodyPr>
           <a:p>
             <a:pPr algn="ctr"/>
             <a:endParaRPr b="0" lang="en-GB" sz="3200" spc="-1" strike="noStrike">
@@ -2124,7 +2164,9 @@
           </a:prstGeom>
         </p:spPr>
         <p:txBody>
-          <a:bodyPr lIns="0" rIns="0" tIns="0" bIns="0" anchor="ctr"/>
+          <a:bodyPr lIns="0" rIns="0" tIns="0" bIns="0" anchor="ctr">
+            <a:noAutofit/>
+          </a:bodyPr>
           <a:p>
             <a:pPr algn="ctr"/>
             <a:endParaRPr b="0" lang="en-GB" sz="4400" spc="-1" strike="noStrike">
@@ -2205,7 +2247,9 @@
           </a:prstGeom>
         </p:spPr>
         <p:txBody>
-          <a:bodyPr lIns="0" rIns="0" tIns="0" bIns="0" anchor="ctr"/>
+          <a:bodyPr lIns="0" rIns="0" tIns="0" bIns="0" anchor="ctr">
+            <a:noAutofit/>
+          </a:bodyPr>
           <a:p>
             <a:pPr algn="ctr"/>
             <a:endParaRPr b="0" lang="en-GB" sz="4400" spc="-1" strike="noStrike">
@@ -2316,7 +2360,9 @@
           </a:prstGeom>
         </p:spPr>
         <p:txBody>
-          <a:bodyPr lIns="0" rIns="0" tIns="0" bIns="0" anchor="ctr"/>
+          <a:bodyPr lIns="0" rIns="0" tIns="0" bIns="0" anchor="ctr">
+            <a:noAutofit/>
+          </a:bodyPr>
           <a:p>
             <a:pPr algn="ctr"/>
             <a:endParaRPr b="0" lang="en-GB" sz="4400" spc="-1" strike="noStrike">
@@ -2367,7 +2413,9 @@
           </a:prstGeom>
         </p:spPr>
         <p:txBody>
-          <a:bodyPr lIns="0" rIns="0" tIns="0" bIns="0" anchor="ctr"/>
+          <a:bodyPr lIns="0" rIns="0" tIns="0" bIns="0" anchor="ctr">
+            <a:noAutofit/>
+          </a:bodyPr>
           <a:p>
             <a:pPr algn="ctr"/>
             <a:endParaRPr b="0" lang="en-GB" sz="4400" spc="-1" strike="noStrike">
@@ -2448,7 +2496,9 @@
           </a:prstGeom>
         </p:spPr>
         <p:txBody>
-          <a:bodyPr lIns="0" rIns="0" tIns="0" bIns="0" anchor="ctr"/>
+          <a:bodyPr lIns="0" rIns="0" tIns="0" bIns="0" anchor="ctr">
+            <a:noAutofit/>
+          </a:bodyPr>
           <a:p>
             <a:pPr algn="ctr"/>
             <a:endParaRPr b="0" lang="en-GB" sz="3200" spc="-1" strike="noStrike">
@@ -2499,7 +2549,9 @@
           </a:prstGeom>
         </p:spPr>
         <p:txBody>
-          <a:bodyPr lIns="0" rIns="0" tIns="0" bIns="0" anchor="ctr"/>
+          <a:bodyPr lIns="0" rIns="0" tIns="0" bIns="0" anchor="ctr">
+            <a:noAutofit/>
+          </a:bodyPr>
           <a:p>
             <a:pPr algn="ctr"/>
             <a:endParaRPr b="0" lang="en-GB" sz="4400" spc="-1" strike="noStrike">
@@ -2640,7 +2692,9 @@
           </a:prstGeom>
         </p:spPr>
         <p:txBody>
-          <a:bodyPr lIns="0" rIns="0" tIns="0" bIns="0" anchor="ctr"/>
+          <a:bodyPr lIns="0" rIns="0" tIns="0" bIns="0" anchor="ctr">
+            <a:noAutofit/>
+          </a:bodyPr>
           <a:p>
             <a:pPr algn="ctr"/>
             <a:endParaRPr b="0" lang="en-GB" sz="4400" spc="-1" strike="noStrike">
@@ -2781,7 +2835,9 @@
           </a:prstGeom>
         </p:spPr>
         <p:txBody>
-          <a:bodyPr lIns="0" rIns="0" tIns="0" bIns="0" anchor="ctr"/>
+          <a:bodyPr lIns="0" rIns="0" tIns="0" bIns="0" anchor="ctr">
+            <a:noAutofit/>
+          </a:bodyPr>
           <a:p>
             <a:pPr algn="ctr"/>
             <a:endParaRPr b="0" lang="en-GB" sz="4400" spc="-1" strike="noStrike">
@@ -2922,7 +2978,9 @@
           </a:prstGeom>
         </p:spPr>
         <p:txBody>
-          <a:bodyPr lIns="0" rIns="0" tIns="0" bIns="0" anchor="ctr"/>
+          <a:bodyPr lIns="0" rIns="0" tIns="0" bIns="0" anchor="ctr">
+            <a:noAutofit/>
+          </a:bodyPr>
           <a:p>
             <a:pPr algn="ctr"/>
             <a:endParaRPr b="0" lang="en-GB" sz="4400" spc="-1" strike="noStrike">
@@ -3033,7 +3091,9 @@
           </a:prstGeom>
         </p:spPr>
         <p:txBody>
-          <a:bodyPr lIns="0" rIns="0" tIns="0" bIns="0" anchor="ctr"/>
+          <a:bodyPr lIns="0" rIns="0" tIns="0" bIns="0" anchor="ctr">
+            <a:noAutofit/>
+          </a:bodyPr>
           <a:p>
             <a:pPr algn="ctr"/>
             <a:endParaRPr b="0" lang="en-GB" sz="4400" spc="-1" strike="noStrike">
@@ -3204,7 +3264,9 @@
           </a:prstGeom>
         </p:spPr>
         <p:txBody>
-          <a:bodyPr lIns="0" rIns="0" tIns="0" bIns="0" anchor="ctr"/>
+          <a:bodyPr lIns="0" rIns="0" tIns="0" bIns="0" anchor="ctr">
+            <a:noAutofit/>
+          </a:bodyPr>
           <a:p>
             <a:pPr algn="ctr"/>
             <a:endParaRPr b="0" lang="en-GB" sz="4400" spc="-1" strike="noStrike">
@@ -3435,7 +3497,9 @@
           </a:prstGeom>
         </p:spPr>
         <p:txBody>
-          <a:bodyPr lIns="0" rIns="0" tIns="0" bIns="0" anchor="ctr"/>
+          <a:bodyPr lIns="0" rIns="0" tIns="0" bIns="0" anchor="ctr">
+            <a:noAutofit/>
+          </a:bodyPr>
           <a:p>
             <a:pPr algn="ctr"/>
             <a:endParaRPr b="0" lang="en-GB" sz="4400" spc="-1" strike="noStrike">
@@ -3546,7 +3610,9 @@
           </a:prstGeom>
         </p:spPr>
         <p:txBody>
-          <a:bodyPr lIns="0" rIns="0" tIns="0" bIns="0" anchor="ctr"/>
+          <a:bodyPr lIns="0" rIns="0" tIns="0" bIns="0" anchor="ctr">
+            <a:noAutofit/>
+          </a:bodyPr>
           <a:p>
             <a:pPr algn="ctr"/>
             <a:endParaRPr b="0" lang="en-GB" sz="4400" spc="-1" strike="noStrike">
@@ -3597,7 +3663,9 @@
           </a:prstGeom>
         </p:spPr>
         <p:txBody>
-          <a:bodyPr lIns="0" rIns="0" tIns="0" bIns="0" anchor="ctr"/>
+          <a:bodyPr lIns="0" rIns="0" tIns="0" bIns="0" anchor="ctr">
+            <a:noAutofit/>
+          </a:bodyPr>
           <a:p>
             <a:pPr algn="ctr"/>
             <a:endParaRPr b="0" lang="en-GB" sz="3200" spc="-1" strike="noStrike">
@@ -3648,7 +3716,9 @@
           </a:prstGeom>
         </p:spPr>
         <p:txBody>
-          <a:bodyPr lIns="0" rIns="0" tIns="0" bIns="0" anchor="ctr"/>
+          <a:bodyPr lIns="0" rIns="0" tIns="0" bIns="0" anchor="ctr">
+            <a:noAutofit/>
+          </a:bodyPr>
           <a:p>
             <a:pPr algn="ctr"/>
             <a:endParaRPr b="0" lang="en-GB" sz="4400" spc="-1" strike="noStrike">
@@ -3789,7 +3859,9 @@
           </a:prstGeom>
         </p:spPr>
         <p:txBody>
-          <a:bodyPr lIns="0" rIns="0" tIns="0" bIns="0" anchor="ctr"/>
+          <a:bodyPr lIns="0" rIns="0" tIns="0" bIns="0" anchor="ctr">
+            <a:noAutofit/>
+          </a:bodyPr>
           <a:p>
             <a:pPr algn="ctr"/>
             <a:endParaRPr b="0" lang="en-GB" sz="4400" spc="-1" strike="noStrike">
@@ -3930,7 +4002,9 @@
           </a:prstGeom>
         </p:spPr>
         <p:txBody>
-          <a:bodyPr lIns="0" rIns="0" tIns="0" bIns="0" anchor="ctr"/>
+          <a:bodyPr lIns="0" rIns="0" tIns="0" bIns="0" anchor="ctr">
+            <a:noAutofit/>
+          </a:bodyPr>
           <a:p>
             <a:pPr algn="ctr"/>
             <a:endParaRPr b="0" lang="en-GB" sz="4400" spc="-1" strike="noStrike">
@@ -4078,206 +4152,22 @@
           </a:prstGeom>
         </p:spPr>
         <p:txBody>
-          <a:bodyPr lIns="0" rIns="0" tIns="0" bIns="0" anchor="ctr"/>
+          <a:bodyPr lIns="0" rIns="0" tIns="0" bIns="0" anchor="ctr">
+            <a:noAutofit/>
+          </a:bodyPr>
           <a:p>
             <a:pPr algn="ctr"/>
             <a:r>
               <a:rPr b="0" lang="en-GB" sz="4400" spc="-1" strike="noStrike">
                 <a:latin typeface="Arial"/>
               </a:rPr>
-              <a:t>C</a:t>
+              <a:t>Click to edit the title text </a:t>
             </a:r>
             <a:r>
               <a:rPr b="0" lang="en-GB" sz="4400" spc="-1" strike="noStrike">
                 <a:latin typeface="Arial"/>
               </a:rPr>
-              <a:t>l</a:t>
-            </a:r>
-            <a:r>
-              <a:rPr b="0" lang="en-GB" sz="4400" spc="-1" strike="noStrike">
-                <a:latin typeface="Arial"/>
-              </a:rPr>
-              <a:t>i</a:t>
-            </a:r>
-            <a:r>
-              <a:rPr b="0" lang="en-GB" sz="4400" spc="-1" strike="noStrike">
-                <a:latin typeface="Arial"/>
-              </a:rPr>
-              <a:t>c</a:t>
-            </a:r>
-            <a:r>
-              <a:rPr b="0" lang="en-GB" sz="4400" spc="-1" strike="noStrike">
-                <a:latin typeface="Arial"/>
-              </a:rPr>
-              <a:t>k</a:t>
-            </a:r>
-            <a:r>
-              <a:rPr b="0" lang="en-GB" sz="4400" spc="-1" strike="noStrike">
-                <a:latin typeface="Arial"/>
-              </a:rPr>
-              <a:t> </a:t>
-            </a:r>
-            <a:r>
-              <a:rPr b="0" lang="en-GB" sz="4400" spc="-1" strike="noStrike">
-                <a:latin typeface="Arial"/>
-              </a:rPr>
-              <a:t>t</a:t>
-            </a:r>
-            <a:r>
-              <a:rPr b="0" lang="en-GB" sz="4400" spc="-1" strike="noStrike">
-                <a:latin typeface="Arial"/>
-              </a:rPr>
-              <a:t>o</a:t>
-            </a:r>
-            <a:r>
-              <a:rPr b="0" lang="en-GB" sz="4400" spc="-1" strike="noStrike">
-                <a:latin typeface="Arial"/>
-              </a:rPr>
-              <a:t> </a:t>
-            </a:r>
-            <a:r>
-              <a:rPr b="0" lang="en-GB" sz="4400" spc="-1" strike="noStrike">
-                <a:latin typeface="Arial"/>
-              </a:rPr>
-              <a:t>e</a:t>
-            </a:r>
-            <a:r>
-              <a:rPr b="0" lang="en-GB" sz="4400" spc="-1" strike="noStrike">
-                <a:latin typeface="Arial"/>
-              </a:rPr>
-              <a:t>d</a:t>
-            </a:r>
-            <a:r>
-              <a:rPr b="0" lang="en-GB" sz="4400" spc="-1" strike="noStrike">
-                <a:latin typeface="Arial"/>
-              </a:rPr>
-              <a:t>i</a:t>
-            </a:r>
-            <a:r>
-              <a:rPr b="0" lang="en-GB" sz="4400" spc="-1" strike="noStrike">
-                <a:latin typeface="Arial"/>
-              </a:rPr>
-              <a:t>t </a:t>
-            </a:r>
-            <a:r>
-              <a:rPr b="0" lang="en-GB" sz="4400" spc="-1" strike="noStrike">
-                <a:latin typeface="Arial"/>
-              </a:rPr>
-              <a:t>t</a:t>
-            </a:r>
-            <a:r>
-              <a:rPr b="0" lang="en-GB" sz="4400" spc="-1" strike="noStrike">
-                <a:latin typeface="Arial"/>
-              </a:rPr>
-              <a:t>h</a:t>
-            </a:r>
-            <a:r>
-              <a:rPr b="0" lang="en-GB" sz="4400" spc="-1" strike="noStrike">
-                <a:latin typeface="Arial"/>
-              </a:rPr>
-              <a:t>e</a:t>
-            </a:r>
-            <a:r>
-              <a:rPr b="0" lang="en-GB" sz="4400" spc="-1" strike="noStrike">
-                <a:latin typeface="Arial"/>
-              </a:rPr>
-              <a:t> </a:t>
-            </a:r>
-            <a:r>
-              <a:rPr b="0" lang="en-GB" sz="4400" spc="-1" strike="noStrike">
-                <a:latin typeface="Arial"/>
-              </a:rPr>
-              <a:t>t</a:t>
-            </a:r>
-            <a:r>
-              <a:rPr b="0" lang="en-GB" sz="4400" spc="-1" strike="noStrike">
-                <a:latin typeface="Arial"/>
-              </a:rPr>
-              <a:t>i</a:t>
-            </a:r>
-            <a:r>
-              <a:rPr b="0" lang="en-GB" sz="4400" spc="-1" strike="noStrike">
-                <a:latin typeface="Arial"/>
-              </a:rPr>
-              <a:t>t</a:t>
-            </a:r>
-            <a:r>
-              <a:rPr b="0" lang="en-GB" sz="4400" spc="-1" strike="noStrike">
-                <a:latin typeface="Arial"/>
-              </a:rPr>
-              <a:t>l</a:t>
-            </a:r>
-            <a:r>
-              <a:rPr b="0" lang="en-GB" sz="4400" spc="-1" strike="noStrike">
-                <a:latin typeface="Arial"/>
-              </a:rPr>
-              <a:t>e</a:t>
-            </a:r>
-            <a:r>
-              <a:rPr b="0" lang="en-GB" sz="4400" spc="-1" strike="noStrike">
-                <a:latin typeface="Arial"/>
-              </a:rPr>
-              <a:t> </a:t>
-            </a:r>
-            <a:r>
-              <a:rPr b="0" lang="en-GB" sz="4400" spc="-1" strike="noStrike">
-                <a:latin typeface="Arial"/>
-              </a:rPr>
-              <a:t>t</a:t>
-            </a:r>
-            <a:r>
-              <a:rPr b="0" lang="en-GB" sz="4400" spc="-1" strike="noStrike">
-                <a:latin typeface="Arial"/>
-              </a:rPr>
-              <a:t>e</a:t>
-            </a:r>
-            <a:r>
-              <a:rPr b="0" lang="en-GB" sz="4400" spc="-1" strike="noStrike">
-                <a:latin typeface="Arial"/>
-              </a:rPr>
-              <a:t>x</a:t>
-            </a:r>
-            <a:r>
-              <a:rPr b="0" lang="en-GB" sz="4400" spc="-1" strike="noStrike">
-                <a:latin typeface="Arial"/>
-              </a:rPr>
-              <a:t>t </a:t>
-            </a:r>
-            <a:r>
-              <a:rPr b="0" lang="en-GB" sz="4400" spc="-1" strike="noStrike">
-                <a:latin typeface="Arial"/>
-              </a:rPr>
-              <a:t>f</a:t>
-            </a:r>
-            <a:r>
-              <a:rPr b="0" lang="en-GB" sz="4400" spc="-1" strike="noStrike">
-                <a:latin typeface="Arial"/>
-              </a:rPr>
-              <a:t>o</a:t>
-            </a:r>
-            <a:r>
-              <a:rPr b="0" lang="en-GB" sz="4400" spc="-1" strike="noStrike">
-                <a:latin typeface="Arial"/>
-              </a:rPr>
-              <a:t>r</a:t>
-            </a:r>
-            <a:r>
-              <a:rPr b="0" lang="en-GB" sz="4400" spc="-1" strike="noStrike">
-                <a:latin typeface="Arial"/>
-              </a:rPr>
-              <a:t>m</a:t>
-            </a:r>
-            <a:r>
-              <a:rPr b="0" lang="en-GB" sz="4400" spc="-1" strike="noStrike">
-                <a:latin typeface="Arial"/>
-              </a:rPr>
-              <a:t>a</a:t>
-            </a:r>
-            <a:r>
-              <a:rPr b="0" lang="en-GB" sz="4400" spc="-1" strike="noStrike">
-                <a:latin typeface="Arial"/>
-              </a:rPr>
-              <a:t>t</a:t>
+              <a:t>format</a:t>
             </a:r>
             <a:endParaRPr b="0" lang="en-GB" sz="4400" spc="-1" strike="noStrike">
               <a:latin typeface="Arial"/>
@@ -4528,14 +4418,22 @@
           </a:prstGeom>
         </p:spPr>
         <p:txBody>
-          <a:bodyPr lIns="0" rIns="0" tIns="0" bIns="0" anchor="ctr"/>
+          <a:bodyPr lIns="0" rIns="0" tIns="0" bIns="0" anchor="ctr">
+            <a:noAutofit/>
+          </a:bodyPr>
           <a:p>
             <a:pPr algn="ctr"/>
             <a:r>
               <a:rPr b="0" lang="en-GB" sz="4400" spc="-1" strike="noStrike">
                 <a:latin typeface="Arial"/>
               </a:rPr>
-              <a:t>Click to edit the title text format</a:t>
+              <a:t>Click to edit the title </a:t>
+            </a:r>
+            <a:r>
+              <a:rPr b="0" lang="en-GB" sz="4400" spc="-1" strike="noStrike">
+                <a:latin typeface="Arial"/>
+              </a:rPr>
+              <a:t>text format</a:t>
             </a:r>
             <a:endParaRPr b="0" lang="en-GB" sz="4400" spc="-1" strike="noStrike">
               <a:latin typeface="Arial"/>
@@ -4786,14 +4684,88 @@
           </a:prstGeom>
         </p:spPr>
         <p:txBody>
-          <a:bodyPr lIns="0" rIns="0" tIns="0" bIns="0" anchor="ctr"/>
+          <a:bodyPr lIns="0" rIns="0" tIns="0" bIns="0" anchor="ctr">
+            <a:noAutofit/>
+          </a:bodyPr>
           <a:p>
             <a:pPr algn="ctr"/>
             <a:r>
               <a:rPr b="0" lang="en-GB" sz="4400" spc="-1" strike="noStrike">
                 <a:latin typeface="Arial"/>
               </a:rPr>
-              <a:t>Click to edit the title text format</a:t>
+              <a:t>Cli</a:t>
+            </a:r>
+            <a:r>
+              <a:rPr b="0" lang="en-GB" sz="4400" spc="-1" strike="noStrike">
+                <a:latin typeface="Arial"/>
+              </a:rPr>
+              <a:t>ck </a:t>
+            </a:r>
+            <a:r>
+              <a:rPr b="0" lang="en-GB" sz="4400" spc="-1" strike="noStrike">
+                <a:latin typeface="Arial"/>
+              </a:rPr>
+              <a:t>to </a:t>
+            </a:r>
+            <a:r>
+              <a:rPr b="0" lang="en-GB" sz="4400" spc="-1" strike="noStrike">
+                <a:latin typeface="Arial"/>
+              </a:rPr>
+              <a:t>edi</a:t>
+            </a:r>
+            <a:r>
+              <a:rPr b="0" lang="en-GB" sz="4400" spc="-1" strike="noStrike">
+                <a:latin typeface="Arial"/>
+              </a:rPr>
+              <a:t>t </a:t>
+            </a:r>
+            <a:r>
+              <a:rPr b="0" lang="en-GB" sz="4400" spc="-1" strike="noStrike">
+                <a:latin typeface="Arial"/>
+              </a:rPr>
+              <a:t>the </a:t>
+            </a:r>
+            <a:r>
+              <a:rPr b="0" lang="en-GB" sz="4400" spc="-1" strike="noStrike">
+                <a:latin typeface="Arial"/>
+              </a:rPr>
+              <a:t>titl</a:t>
+            </a:r>
+            <a:r>
+              <a:rPr b="0" lang="en-GB" sz="4400" spc="-1" strike="noStrike">
+                <a:latin typeface="Arial"/>
+              </a:rPr>
+              <a:t>e </a:t>
+            </a:r>
+            <a:r>
+              <a:rPr b="0" lang="en-GB" sz="4400" spc="-1" strike="noStrike">
+                <a:latin typeface="Arial"/>
+              </a:rPr>
+              <a:t>tex</a:t>
+            </a:r>
+            <a:r>
+              <a:rPr b="0" lang="en-GB" sz="4400" spc="-1" strike="noStrike">
+                <a:latin typeface="Arial"/>
+              </a:rPr>
+              <a:t>t </a:t>
+            </a:r>
+            <a:r>
+              <a:rPr b="0" lang="en-GB" sz="4400" spc="-1" strike="noStrike">
+                <a:latin typeface="Arial"/>
+              </a:rPr>
+              <a:t>for</a:t>
+            </a:r>
+            <a:r>
+              <a:rPr b="0" lang="en-GB" sz="4400" spc="-1" strike="noStrike">
+                <a:latin typeface="Arial"/>
+              </a:rPr>
+              <a:t>ma</a:t>
+            </a:r>
+            <a:r>
+              <a:rPr b="0" lang="en-GB" sz="4400" spc="-1" strike="noStrike">
+                <a:latin typeface="Arial"/>
+              </a:rPr>
+              <a:t>t</a:t>
             </a:r>
             <a:endParaRPr b="0" lang="en-GB" sz="4400" spc="-1" strike="noStrike">
               <a:latin typeface="Arial"/>
@@ -5026,7 +4998,7 @@
         <p:spPr>
           <a:xfrm>
             <a:off x="5453640" y="549000"/>
-            <a:ext cx="1259640" cy="545400"/>
+            <a:ext cx="1258560" cy="544320"/>
           </a:xfrm>
           <a:prstGeom prst="rect">
             <a:avLst/>
@@ -5043,7 +5015,9 @@
           <a:fontRef idx="minor"/>
         </p:style>
         <p:txBody>
-          <a:bodyPr wrap="none" lIns="90000" rIns="90000" tIns="45000" bIns="45000"/>
+          <a:bodyPr wrap="none" lIns="90000" rIns="90000" tIns="45000" bIns="45000">
+            <a:noAutofit/>
+          </a:bodyPr>
           <a:p>
             <a:pPr>
               <a:lnSpc>
@@ -5075,7 +5049,7 @@
         <p:spPr>
           <a:xfrm>
             <a:off x="2556360" y="1527840"/>
-            <a:ext cx="7054200" cy="1002240"/>
+            <a:ext cx="7053120" cy="1001160"/>
           </a:xfrm>
           <a:prstGeom prst="rect">
             <a:avLst/>
@@ -5092,7 +5066,9 @@
           <a:fontRef idx="minor"/>
         </p:style>
         <p:txBody>
-          <a:bodyPr wrap="none" lIns="90000" rIns="90000" tIns="45000" bIns="45000"/>
+          <a:bodyPr wrap="none" lIns="90000" rIns="90000" tIns="45000" bIns="45000">
+            <a:noAutofit/>
+          </a:bodyPr>
           <a:p>
             <a:pPr algn="ctr">
               <a:lnSpc>
@@ -5144,7 +5120,7 @@
         <p:spPr>
           <a:xfrm>
             <a:off x="6465960" y="3968280"/>
-            <a:ext cx="1157760" cy="393480"/>
+            <a:ext cx="1156680" cy="392400"/>
           </a:xfrm>
           <a:prstGeom prst="rect">
             <a:avLst/>
@@ -5161,7 +5137,9 @@
           <a:fontRef idx="minor"/>
         </p:style>
         <p:txBody>
-          <a:bodyPr wrap="none" lIns="90000" rIns="90000" tIns="45000" bIns="45000"/>
+          <a:bodyPr wrap="none" lIns="90000" rIns="90000" tIns="45000" bIns="45000">
+            <a:noAutofit/>
+          </a:bodyPr>
           <a:p>
             <a:pPr>
               <a:lnSpc>
@@ -5193,7 +5171,7 @@
         <p:spPr>
           <a:xfrm>
             <a:off x="4282920" y="3968280"/>
-            <a:ext cx="1200240" cy="393480"/>
+            <a:ext cx="1199160" cy="392400"/>
           </a:xfrm>
           <a:prstGeom prst="rect">
             <a:avLst/>
@@ -5210,7 +5188,9 @@
           <a:fontRef idx="minor"/>
         </p:style>
         <p:txBody>
-          <a:bodyPr wrap="none" lIns="90000" rIns="90000" tIns="45000" bIns="45000"/>
+          <a:bodyPr wrap="none" lIns="90000" rIns="90000" tIns="45000" bIns="45000">
+            <a:noAutofit/>
+          </a:bodyPr>
           <a:p>
             <a:pPr>
               <a:lnSpc>
@@ -5242,7 +5222,7 @@
         <p:spPr>
           <a:xfrm>
             <a:off x="4284000" y="4596480"/>
-            <a:ext cx="1153080" cy="545400"/>
+            <a:ext cx="1152000" cy="544320"/>
           </a:xfrm>
           <a:prstGeom prst="rect">
             <a:avLst/>
@@ -5259,7 +5239,9 @@
           <a:fontRef idx="minor"/>
         </p:style>
         <p:txBody>
-          <a:bodyPr wrap="none" lIns="90000" rIns="90000" tIns="45000" bIns="45000"/>
+          <a:bodyPr wrap="none" lIns="90000" rIns="90000" tIns="45000" bIns="45000">
+            <a:noAutofit/>
+          </a:bodyPr>
           <a:p>
             <a:pPr>
               <a:lnSpc>
@@ -5277,9 +5259,6 @@
               <a:t>Vonat</a:t>
             </a:r>
             <a:endParaRPr b="0" lang="en-GB" sz="3000" spc="-1" strike="noStrike">
-              <a:solidFill>
-                <a:srgbClr val="0d1f63"/>
-              </a:solidFill>
               <a:latin typeface="Arial"/>
             </a:endParaRPr>
           </a:p>
@@ -5294,7 +5273,7 @@
         <p:spPr>
           <a:xfrm>
             <a:off x="6590160" y="4596480"/>
-            <a:ext cx="1032840" cy="545400"/>
+            <a:ext cx="1031760" cy="544320"/>
           </a:xfrm>
           <a:prstGeom prst="rect">
             <a:avLst/>
@@ -5311,7 +5290,9 @@
           <a:fontRef idx="minor"/>
         </p:style>
         <p:txBody>
-          <a:bodyPr wrap="none" lIns="90000" rIns="90000" tIns="45000" bIns="45000"/>
+          <a:bodyPr wrap="none" lIns="90000" rIns="90000" tIns="45000" bIns="45000">
+            <a:noAutofit/>
+          </a:bodyPr>
           <a:p>
             <a:pPr>
               <a:lnSpc>
@@ -5329,9 +5310,6 @@
               <a:t>Train</a:t>
             </a:r>
             <a:endParaRPr b="0" lang="en-GB" sz="3000" spc="-1" strike="noStrike">
-              <a:solidFill>
-                <a:srgbClr val="0d1f63"/>
-              </a:solidFill>
               <a:latin typeface="Arial"/>
             </a:endParaRPr>
           </a:p>
@@ -5346,7 +5324,7 @@
         <p:spPr>
           <a:xfrm>
             <a:off x="3378960" y="2968200"/>
-            <a:ext cx="5405400" cy="545400"/>
+            <a:ext cx="5404320" cy="544320"/>
           </a:xfrm>
           <a:prstGeom prst="rect">
             <a:avLst/>
@@ -5363,7 +5341,9 @@
           <a:fontRef idx="minor"/>
         </p:style>
         <p:txBody>
-          <a:bodyPr wrap="none" lIns="90000" rIns="90000" tIns="45000" bIns="45000"/>
+          <a:bodyPr wrap="none" lIns="90000" rIns="90000" tIns="45000" bIns="45000">
+            <a:noAutofit/>
+          </a:bodyPr>
           <a:p>
             <a:pPr algn="ctr">
               <a:lnSpc>
@@ -5406,7 +5386,7 @@
         <p:spPr>
           <a:xfrm>
             <a:off x="2830680" y="5670720"/>
-            <a:ext cx="6528240" cy="545400"/>
+            <a:ext cx="6527160" cy="544320"/>
           </a:xfrm>
           <a:prstGeom prst="rect">
             <a:avLst/>
@@ -5423,7 +5403,9 @@
           <a:fontRef idx="minor"/>
         </p:style>
         <p:txBody>
-          <a:bodyPr wrap="none" lIns="90000" rIns="90000" tIns="45000" bIns="45000"/>
+          <a:bodyPr wrap="none" lIns="90000" rIns="90000" tIns="45000" bIns="45000">
+            <a:noAutofit/>
+          </a:bodyPr>
           <a:p>
             <a:pPr algn="ctr">
               <a:lnSpc>
@@ -5455,7 +5437,7 @@
         <p:spPr>
           <a:xfrm>
             <a:off x="5689800" y="4319280"/>
-            <a:ext cx="401760" cy="545400"/>
+            <a:ext cx="400680" cy="544320"/>
           </a:xfrm>
           <a:prstGeom prst="rect">
             <a:avLst/>
@@ -5472,7 +5454,9 @@
           <a:fontRef idx="minor"/>
         </p:style>
         <p:txBody>
-          <a:bodyPr wrap="none" lIns="90000" rIns="90000" tIns="45000" bIns="45000"/>
+          <a:bodyPr wrap="none" lIns="90000" rIns="90000" tIns="45000" bIns="45000">
+            <a:noAutofit/>
+          </a:bodyPr>
           <a:p>
             <a:pPr algn="ctr">
               <a:lnSpc>
@@ -5497,33 +5481,14 @@
       </p:sp>
     </p:spTree>
   </p:cSld>
-  <p:timing>
-    <p:tnLst>
-      <p:par>
-        <p:cTn id="1" dur="indefinite" restart="never" nodeType="tmRoot">
-          <p:childTnLst>
-            <p:seq>
-              <p:cTn id="2" dur="indefinite" nodeType="mainSeq"/>
-              <p:prevCondLst>
-                <p:cond delay="0" evt="onPrev">
-                  <p:tgtEl>
-                    <p:sldTgt/>
-                  </p:tgtEl>
-                </p:cond>
-              </p:prevCondLst>
-              <p:nextCondLst>
-                <p:cond delay="0" evt="onNext">
-                  <p:tgtEl>
-                    <p:sldTgt/>
-                  </p:tgtEl>
-                </p:cond>
-              </p:nextCondLst>
-            </p:seq>
-          </p:childTnLst>
-        </p:cTn>
-      </p:par>
-    </p:tnLst>
-  </p:timing>
+  <mc:AlternateContent>
+    <mc:Choice Requires="p14">
+      <p:transition spd="slow" p14:dur="2000"/>
+    </mc:Choice>
+    <mc:Fallback>
+      <p:transition spd="slow"/>
+    </mc:Fallback>
+  </mc:AlternateContent>
 </p:sld>
 </file>
 
@@ -5553,7 +5518,7 @@
         <p:spPr>
           <a:xfrm>
             <a:off x="3362400" y="918000"/>
-            <a:ext cx="4810680" cy="545400"/>
+            <a:ext cx="4809600" cy="544320"/>
           </a:xfrm>
           <a:prstGeom prst="rect">
             <a:avLst/>
@@ -5570,7 +5535,9 @@
           <a:fontRef idx="minor"/>
         </p:style>
         <p:txBody>
-          <a:bodyPr wrap="none" lIns="90000" rIns="90000" tIns="45000" bIns="45000"/>
+          <a:bodyPr wrap="none" lIns="90000" rIns="90000" tIns="45000" bIns="45000">
+            <a:noAutofit/>
+          </a:bodyPr>
           <a:p>
             <a:pPr algn="ctr">
               <a:lnSpc>
@@ -5602,7 +5569,7 @@
         <p:spPr>
           <a:xfrm>
             <a:off x="3621960" y="2237760"/>
-            <a:ext cx="4050360" cy="545400"/>
+            <a:ext cx="4049280" cy="544320"/>
           </a:xfrm>
           <a:prstGeom prst="rect">
             <a:avLst/>
@@ -5619,7 +5586,9 @@
           <a:fontRef idx="minor"/>
         </p:style>
         <p:txBody>
-          <a:bodyPr wrap="none" lIns="90000" rIns="90000" tIns="45000" bIns="45000"/>
+          <a:bodyPr wrap="none" lIns="90000" rIns="90000" tIns="45000" bIns="45000">
+            <a:noAutofit/>
+          </a:bodyPr>
           <a:p>
             <a:pPr algn="ctr">
               <a:lnSpc>
@@ -5651,7 +5620,7 @@
         <p:spPr>
           <a:xfrm>
             <a:off x="6482520" y="3557880"/>
-            <a:ext cx="390960" cy="545400"/>
+            <a:ext cx="389880" cy="544320"/>
           </a:xfrm>
           <a:prstGeom prst="rect">
             <a:avLst/>
@@ -5668,7 +5637,9 @@
           <a:fontRef idx="minor"/>
         </p:style>
         <p:txBody>
-          <a:bodyPr wrap="none" lIns="90000" rIns="90000" tIns="45000" bIns="45000"/>
+          <a:bodyPr wrap="none" lIns="90000" rIns="90000" tIns="45000" bIns="45000">
+            <a:noAutofit/>
+          </a:bodyPr>
           <a:p>
             <a:pPr algn="ctr">
               <a:lnSpc>
@@ -5700,7 +5671,7 @@
         <p:spPr>
           <a:xfrm>
             <a:off x="5241600" y="3557880"/>
-            <a:ext cx="401760" cy="545400"/>
+            <a:ext cx="400680" cy="544320"/>
           </a:xfrm>
           <a:prstGeom prst="rect">
             <a:avLst/>
@@ -5717,7 +5688,9 @@
           <a:fontRef idx="minor"/>
         </p:style>
         <p:txBody>
-          <a:bodyPr wrap="none" lIns="90000" rIns="90000" tIns="45000" bIns="45000"/>
+          <a:bodyPr wrap="none" lIns="90000" rIns="90000" tIns="45000" bIns="45000">
+            <a:noAutofit/>
+          </a:bodyPr>
           <a:p>
             <a:pPr algn="ctr">
               <a:lnSpc>
@@ -5742,33 +5715,14 @@
       </p:sp>
     </p:spTree>
   </p:cSld>
-  <p:timing>
-    <p:tnLst>
-      <p:par>
-        <p:cTn id="17" dur="indefinite" restart="never" nodeType="tmRoot">
-          <p:childTnLst>
-            <p:seq>
-              <p:cTn id="18" dur="indefinite" nodeType="mainSeq"/>
-              <p:prevCondLst>
-                <p:cond delay="0" evt="onPrev">
-                  <p:tgtEl>
-                    <p:sldTgt/>
-                  </p:tgtEl>
-                </p:cond>
-              </p:prevCondLst>
-              <p:nextCondLst>
-                <p:cond delay="0" evt="onNext">
-                  <p:tgtEl>
-                    <p:sldTgt/>
-                  </p:tgtEl>
-                </p:cond>
-              </p:nextCondLst>
-            </p:seq>
-          </p:childTnLst>
-        </p:cTn>
-      </p:par>
-    </p:tnLst>
-  </p:timing>
+  <mc:AlternateContent>
+    <mc:Choice Requires="p14">
+      <p:transition spd="slow" p14:dur="2000"/>
+    </mc:Choice>
+    <mc:Fallback>
+      <p:transition spd="slow"/>
+    </mc:Fallback>
+  </mc:AlternateContent>
 </p:sld>
 </file>
 
@@ -5798,7 +5752,7 @@
         <p:spPr>
           <a:xfrm>
             <a:off x="3320280" y="1256760"/>
-            <a:ext cx="4668840" cy="698040"/>
+            <a:ext cx="4667760" cy="696960"/>
           </a:xfrm>
           <a:prstGeom prst="rect">
             <a:avLst/>
@@ -5815,7 +5769,9 @@
           <a:fontRef idx="minor"/>
         </p:style>
         <p:txBody>
-          <a:bodyPr wrap="none" lIns="90000" rIns="90000" tIns="45000" bIns="45000"/>
+          <a:bodyPr wrap="none" lIns="90000" rIns="90000" tIns="45000" bIns="45000">
+            <a:noAutofit/>
+          </a:bodyPr>
           <a:p>
             <a:pPr algn="ctr">
               <a:lnSpc>
@@ -5847,7 +5803,7 @@
         <p:spPr>
           <a:xfrm>
             <a:off x="3605760" y="2959920"/>
-            <a:ext cx="1153080" cy="545400"/>
+            <a:ext cx="1152000" cy="544320"/>
           </a:xfrm>
           <a:prstGeom prst="rect">
             <a:avLst/>
@@ -5864,7 +5820,9 @@
           <a:fontRef idx="minor"/>
         </p:style>
         <p:txBody>
-          <a:bodyPr wrap="none" lIns="90000" rIns="90000" tIns="45000" bIns="45000"/>
+          <a:bodyPr wrap="none" lIns="90000" rIns="90000" tIns="45000" bIns="45000">
+            <a:noAutofit/>
+          </a:bodyPr>
           <a:p>
             <a:pPr algn="ctr">
               <a:lnSpc>
@@ -5882,9 +5840,6 @@
               <a:t>Vonat</a:t>
             </a:r>
             <a:endParaRPr b="0" lang="en-GB" sz="3000" spc="-1" strike="noStrike">
-              <a:solidFill>
-                <a:srgbClr val="106802"/>
-              </a:solidFill>
               <a:latin typeface="Arial"/>
             </a:endParaRPr>
           </a:p>
@@ -5899,7 +5854,7 @@
         <p:spPr>
           <a:xfrm>
             <a:off x="6263280" y="2959920"/>
-            <a:ext cx="1032840" cy="545400"/>
+            <a:ext cx="1031760" cy="544320"/>
           </a:xfrm>
           <a:prstGeom prst="rect">
             <a:avLst/>
@@ -5916,7 +5871,9 @@
           <a:fontRef idx="minor"/>
         </p:style>
         <p:txBody>
-          <a:bodyPr wrap="none" lIns="90000" rIns="90000" tIns="45000" bIns="45000"/>
+          <a:bodyPr wrap="none" lIns="90000" rIns="90000" tIns="45000" bIns="45000">
+            <a:noAutofit/>
+          </a:bodyPr>
           <a:p>
             <a:pPr algn="ctr">
               <a:lnSpc>
@@ -5934,9 +5891,6 @@
               <a:t>Train</a:t>
             </a:r>
             <a:endParaRPr b="0" lang="en-GB" sz="3000" spc="-1" strike="noStrike">
-              <a:solidFill>
-                <a:srgbClr val="106802"/>
-              </a:solidFill>
               <a:latin typeface="Arial"/>
             </a:endParaRPr>
           </a:p>
@@ -5951,7 +5905,7 @@
         <p:spPr>
           <a:xfrm>
             <a:off x="5343120" y="2959920"/>
-            <a:ext cx="401760" cy="545400"/>
+            <a:ext cx="400680" cy="544320"/>
           </a:xfrm>
           <a:prstGeom prst="rect">
             <a:avLst/>
@@ -5968,7 +5922,9 @@
           <a:fontRef idx="minor"/>
         </p:style>
         <p:txBody>
-          <a:bodyPr wrap="none" lIns="90000" rIns="90000" tIns="45000" bIns="45000"/>
+          <a:bodyPr wrap="none" lIns="90000" rIns="90000" tIns="45000" bIns="45000">
+            <a:noAutofit/>
+          </a:bodyPr>
           <a:p>
             <a:pPr algn="ctr">
               <a:lnSpc>
@@ -6000,7 +5956,7 @@
         <p:spPr>
           <a:xfrm>
             <a:off x="2279880" y="4339080"/>
-            <a:ext cx="6528240" cy="545400"/>
+            <a:ext cx="6527160" cy="544320"/>
           </a:xfrm>
           <a:prstGeom prst="rect">
             <a:avLst/>
@@ -6017,7 +5973,9 @@
           <a:fontRef idx="minor"/>
         </p:style>
         <p:txBody>
-          <a:bodyPr wrap="none" lIns="90000" rIns="90000" tIns="45000" bIns="45000"/>
+          <a:bodyPr wrap="none" lIns="90000" rIns="90000" tIns="45000" bIns="45000">
+            <a:noAutofit/>
+          </a:bodyPr>
           <a:p>
             <a:pPr algn="ctr">
               <a:lnSpc>
@@ -6042,33 +6000,14 @@
       </p:sp>
     </p:spTree>
   </p:cSld>
-  <p:timing>
-    <p:tnLst>
-      <p:par>
-        <p:cTn id="19" dur="indefinite" restart="never" nodeType="tmRoot">
-          <p:childTnLst>
-            <p:seq>
-              <p:cTn id="20" dur="indefinite" nodeType="mainSeq"/>
-              <p:prevCondLst>
-                <p:cond delay="0" evt="onPrev">
-                  <p:tgtEl>
-                    <p:sldTgt/>
-                  </p:tgtEl>
-                </p:cond>
-              </p:prevCondLst>
-              <p:nextCondLst>
-                <p:cond delay="0" evt="onNext">
-                  <p:tgtEl>
-                    <p:sldTgt/>
-                  </p:tgtEl>
-                </p:cond>
-              </p:nextCondLst>
-            </p:seq>
-          </p:childTnLst>
-        </p:cTn>
-      </p:par>
-    </p:tnLst>
-  </p:timing>
+  <mc:AlternateContent>
+    <mc:Choice Requires="p14">
+      <p:transition spd="slow" p14:dur="2000"/>
+    </mc:Choice>
+    <mc:Fallback>
+      <p:transition spd="slow"/>
+    </mc:Fallback>
+  </mc:AlternateContent>
 </p:sld>
 </file>
 
@@ -6098,7 +6037,7 @@
         <p:spPr>
           <a:xfrm>
             <a:off x="3320280" y="1256760"/>
-            <a:ext cx="4668840" cy="698040"/>
+            <a:ext cx="4667760" cy="696960"/>
           </a:xfrm>
           <a:prstGeom prst="rect">
             <a:avLst/>
@@ -6115,7 +6054,9 @@
           <a:fontRef idx="minor"/>
         </p:style>
         <p:txBody>
-          <a:bodyPr wrap="none" lIns="90000" rIns="90000" tIns="45000" bIns="45000"/>
+          <a:bodyPr wrap="none" lIns="90000" rIns="90000" tIns="45000" bIns="45000">
+            <a:noAutofit/>
+          </a:bodyPr>
           <a:p>
             <a:pPr algn="ctr">
               <a:lnSpc>
@@ -6147,7 +6088,7 @@
         <p:spPr>
           <a:xfrm>
             <a:off x="5343120" y="2959920"/>
-            <a:ext cx="401760" cy="545400"/>
+            <a:ext cx="400680" cy="544320"/>
           </a:xfrm>
           <a:prstGeom prst="rect">
             <a:avLst/>
@@ -6164,7 +6105,9 @@
           <a:fontRef idx="minor"/>
         </p:style>
         <p:txBody>
-          <a:bodyPr wrap="none" lIns="90000" rIns="90000" tIns="45000" bIns="45000"/>
+          <a:bodyPr wrap="none" lIns="90000" rIns="90000" tIns="45000" bIns="45000">
+            <a:noAutofit/>
+          </a:bodyPr>
           <a:p>
             <a:pPr algn="ctr">
               <a:lnSpc>
@@ -6196,7 +6139,7 @@
         <p:spPr>
           <a:xfrm>
             <a:off x="2279880" y="4339080"/>
-            <a:ext cx="6528240" cy="545400"/>
+            <a:ext cx="6527160" cy="544320"/>
           </a:xfrm>
           <a:prstGeom prst="rect">
             <a:avLst/>
@@ -6213,7 +6156,9 @@
           <a:fontRef idx="minor"/>
         </p:style>
         <p:txBody>
-          <a:bodyPr wrap="none" lIns="90000" rIns="90000" tIns="45000" bIns="45000"/>
+          <a:bodyPr wrap="none" lIns="90000" rIns="90000" tIns="45000" bIns="45000">
+            <a:noAutofit/>
+          </a:bodyPr>
           <a:p>
             <a:pPr algn="ctr">
               <a:lnSpc>
@@ -6238,6 +6183,14 @@
       </p:sp>
     </p:spTree>
   </p:cSld>
+  <mc:AlternateContent>
+    <mc:Choice Requires="p14">
+      <p:transition spd="slow" p14:dur="2000"/>
+    </mc:Choice>
+    <mc:Fallback>
+      <p:transition spd="slow"/>
+    </mc:Fallback>
+  </mc:AlternateContent>
 </p:sld>
 </file>
 
@@ -6267,7 +6220,7 @@
         <p:spPr>
           <a:xfrm>
             <a:off x="3320280" y="1256760"/>
-            <a:ext cx="4668840" cy="698040"/>
+            <a:ext cx="4667760" cy="696960"/>
           </a:xfrm>
           <a:prstGeom prst="rect">
             <a:avLst/>
@@ -6284,7 +6237,9 @@
           <a:fontRef idx="minor"/>
         </p:style>
         <p:txBody>
-          <a:bodyPr wrap="none" lIns="90000" rIns="90000" tIns="45000" bIns="45000"/>
+          <a:bodyPr wrap="none" lIns="90000" rIns="90000" tIns="45000" bIns="45000">
+            <a:noAutofit/>
+          </a:bodyPr>
           <a:p>
             <a:pPr algn="ctr">
               <a:lnSpc>
@@ -6316,7 +6271,7 @@
         <p:spPr>
           <a:xfrm>
             <a:off x="2279880" y="4339080"/>
-            <a:ext cx="6528240" cy="545400"/>
+            <a:ext cx="6527160" cy="544320"/>
           </a:xfrm>
           <a:prstGeom prst="rect">
             <a:avLst/>
@@ -6333,7 +6288,9 @@
           <a:fontRef idx="minor"/>
         </p:style>
         <p:txBody>
-          <a:bodyPr wrap="none" lIns="90000" rIns="90000" tIns="45000" bIns="45000"/>
+          <a:bodyPr wrap="none" lIns="90000" rIns="90000" tIns="45000" bIns="45000">
+            <a:noAutofit/>
+          </a:bodyPr>
           <a:p>
             <a:pPr algn="ctr">
               <a:lnSpc>
@@ -6358,6 +6315,14 @@
       </p:sp>
     </p:spTree>
   </p:cSld>
+  <mc:AlternateContent>
+    <mc:Choice Requires="p14">
+      <p:transition spd="slow" p14:dur="2000"/>
+    </mc:Choice>
+    <mc:Fallback>
+      <p:transition spd="slow"/>
+    </mc:Fallback>
+  </mc:AlternateContent>
 </p:sld>
 </file>
 
@@ -6387,7 +6352,7 @@
         <p:spPr>
           <a:xfrm>
             <a:off x="1308240" y="997200"/>
-            <a:ext cx="8940600" cy="1917000"/>
+            <a:ext cx="8939520" cy="1915920"/>
           </a:xfrm>
           <a:prstGeom prst="rect">
             <a:avLst/>
@@ -6404,7 +6369,9 @@
           <a:fontRef idx="minor"/>
         </p:style>
         <p:txBody>
-          <a:bodyPr wrap="none" lIns="90000" rIns="90000" tIns="45000" bIns="45000"/>
+          <a:bodyPr wrap="none" lIns="90000" rIns="90000" tIns="45000" bIns="45000">
+            <a:noAutofit/>
+          </a:bodyPr>
           <a:p>
             <a:pPr algn="ctr">
               <a:lnSpc>
@@ -6466,7 +6433,7 @@
         <p:spPr>
           <a:xfrm>
             <a:off x="3535560" y="3851280"/>
-            <a:ext cx="1316160" cy="622080"/>
+            <a:ext cx="1315080" cy="621000"/>
           </a:xfrm>
           <a:prstGeom prst="rect">
             <a:avLst/>
@@ -6483,7 +6450,9 @@
           <a:fontRef idx="minor"/>
         </p:style>
         <p:txBody>
-          <a:bodyPr wrap="none" lIns="90000" rIns="90000" tIns="45000" bIns="45000"/>
+          <a:bodyPr wrap="none" lIns="90000" rIns="90000" tIns="45000" bIns="45000">
+            <a:noAutofit/>
+          </a:bodyPr>
           <a:p>
             <a:pPr algn="ctr">
               <a:lnSpc>
@@ -6501,9 +6470,6 @@
               <a:t>Vonat</a:t>
             </a:r>
             <a:endParaRPr b="0" lang="en-GB" sz="3500" spc="-1" strike="noStrike">
-              <a:solidFill>
-                <a:srgbClr val="0d1f63"/>
-              </a:solidFill>
               <a:latin typeface="Arial"/>
             </a:endParaRPr>
           </a:p>
@@ -6518,7 +6484,7 @@
         <p:spPr>
           <a:xfrm>
             <a:off x="6203160" y="3851280"/>
-            <a:ext cx="1176120" cy="622080"/>
+            <a:ext cx="1175040" cy="621000"/>
           </a:xfrm>
           <a:prstGeom prst="rect">
             <a:avLst/>
@@ -6535,7 +6501,9 @@
           <a:fontRef idx="minor"/>
         </p:style>
         <p:txBody>
-          <a:bodyPr wrap="none" lIns="90000" rIns="90000" tIns="45000" bIns="45000"/>
+          <a:bodyPr wrap="none" lIns="90000" rIns="90000" tIns="45000" bIns="45000">
+            <a:noAutofit/>
+          </a:bodyPr>
           <a:p>
             <a:pPr algn="ctr">
               <a:lnSpc>
@@ -6553,9 +6521,6 @@
               <a:t>Train</a:t>
             </a:r>
             <a:endParaRPr b="0" lang="en-GB" sz="3500" spc="-1" strike="noStrike">
-              <a:solidFill>
-                <a:srgbClr val="0d1f63"/>
-              </a:solidFill>
               <a:latin typeface="Arial"/>
             </a:endParaRPr>
           </a:p>
@@ -6570,7 +6535,7 @@
         <p:spPr>
           <a:xfrm>
             <a:off x="5335200" y="3851280"/>
-            <a:ext cx="439920" cy="622080"/>
+            <a:ext cx="438840" cy="621000"/>
           </a:xfrm>
           <a:prstGeom prst="rect">
             <a:avLst/>
@@ -6587,7 +6552,9 @@
           <a:fontRef idx="minor"/>
         </p:style>
         <p:txBody>
-          <a:bodyPr wrap="none" lIns="90000" rIns="90000" tIns="45000" bIns="45000"/>
+          <a:bodyPr wrap="none" lIns="90000" rIns="90000" tIns="45000" bIns="45000">
+            <a:noAutofit/>
+          </a:bodyPr>
           <a:p>
             <a:pPr algn="ctr">
               <a:lnSpc>
@@ -6619,7 +6586,7 @@
         <p:spPr>
           <a:xfrm>
             <a:off x="6288120" y="3429000"/>
-            <a:ext cx="1157760" cy="393480"/>
+            <a:ext cx="1156680" cy="392400"/>
           </a:xfrm>
           <a:prstGeom prst="rect">
             <a:avLst/>
@@ -6636,7 +6603,9 @@
           <a:fontRef idx="minor"/>
         </p:style>
         <p:txBody>
-          <a:bodyPr wrap="none" lIns="90000" rIns="90000" tIns="45000" bIns="45000"/>
+          <a:bodyPr wrap="none" lIns="90000" rIns="90000" tIns="45000" bIns="45000">
+            <a:noAutofit/>
+          </a:bodyPr>
           <a:p>
             <a:pPr>
               <a:lnSpc>
@@ -6668,7 +6637,7 @@
         <p:spPr>
           <a:xfrm>
             <a:off x="3531960" y="3450960"/>
-            <a:ext cx="1200240" cy="393480"/>
+            <a:ext cx="1199160" cy="392400"/>
           </a:xfrm>
           <a:prstGeom prst="rect">
             <a:avLst/>
@@ -6685,7 +6654,9 @@
           <a:fontRef idx="minor"/>
         </p:style>
         <p:txBody>
-          <a:bodyPr wrap="none" lIns="90000" rIns="90000" tIns="45000" bIns="45000"/>
+          <a:bodyPr wrap="none" lIns="90000" rIns="90000" tIns="45000" bIns="45000">
+            <a:noAutofit/>
+          </a:bodyPr>
           <a:p>
             <a:pPr>
               <a:lnSpc>
@@ -6717,7 +6688,7 @@
         <p:spPr>
           <a:xfrm>
             <a:off x="1576440" y="5229720"/>
-            <a:ext cx="7957800" cy="622080"/>
+            <a:ext cx="7956720" cy="621000"/>
           </a:xfrm>
           <a:prstGeom prst="rect">
             <a:avLst/>
@@ -6734,7 +6705,9 @@
           <a:fontRef idx="minor"/>
         </p:style>
         <p:txBody>
-          <a:bodyPr wrap="none" lIns="90000" rIns="90000" tIns="45000" bIns="45000"/>
+          <a:bodyPr wrap="none" lIns="90000" rIns="90000" tIns="45000" bIns="45000">
+            <a:noAutofit/>
+          </a:bodyPr>
           <a:p>
             <a:pPr algn="ctr">
               <a:lnSpc>
@@ -6759,33 +6732,14 @@
       </p:sp>
     </p:spTree>
   </p:cSld>
-  <p:timing>
-    <p:tnLst>
-      <p:par>
-        <p:cTn id="21" dur="indefinite" restart="never" nodeType="tmRoot">
-          <p:childTnLst>
-            <p:seq>
-              <p:cTn id="22" dur="indefinite" nodeType="mainSeq"/>
-              <p:prevCondLst>
-                <p:cond delay="0" evt="onPrev">
-                  <p:tgtEl>
-                    <p:sldTgt/>
-                  </p:tgtEl>
-                </p:cond>
-              </p:prevCondLst>
-              <p:nextCondLst>
-                <p:cond delay="0" evt="onNext">
-                  <p:tgtEl>
-                    <p:sldTgt/>
-                  </p:tgtEl>
-                </p:cond>
-              </p:nextCondLst>
-            </p:seq>
-          </p:childTnLst>
-        </p:cTn>
-      </p:par>
-    </p:tnLst>
-  </p:timing>
+  <mc:AlternateContent>
+    <mc:Choice Requires="p14">
+      <p:transition spd="slow" p14:dur="2000"/>
+    </mc:Choice>
+    <mc:Fallback>
+      <p:transition spd="slow"/>
+    </mc:Fallback>
+  </mc:AlternateContent>
 </p:sld>
 </file>
 
@@ -6815,7 +6769,7 @@
         <p:spPr>
           <a:xfrm>
             <a:off x="1308240" y="997200"/>
-            <a:ext cx="8940600" cy="1917000"/>
+            <a:ext cx="8939520" cy="1915920"/>
           </a:xfrm>
           <a:prstGeom prst="rect">
             <a:avLst/>
@@ -6832,7 +6786,9 @@
           <a:fontRef idx="minor"/>
         </p:style>
         <p:txBody>
-          <a:bodyPr wrap="none" lIns="90000" rIns="90000" tIns="45000" bIns="45000"/>
+          <a:bodyPr wrap="none" lIns="90000" rIns="90000" tIns="45000" bIns="45000">
+            <a:noAutofit/>
+          </a:bodyPr>
           <a:p>
             <a:pPr algn="ctr">
               <a:lnSpc>
@@ -6894,7 +6850,7 @@
         <p:spPr>
           <a:xfrm>
             <a:off x="1576440" y="5229720"/>
-            <a:ext cx="7957800" cy="622080"/>
+            <a:ext cx="7956720" cy="621000"/>
           </a:xfrm>
           <a:prstGeom prst="rect">
             <a:avLst/>
@@ -6911,7 +6867,9 @@
           <a:fontRef idx="minor"/>
         </p:style>
         <p:txBody>
-          <a:bodyPr wrap="none" lIns="90000" rIns="90000" tIns="45000" bIns="45000"/>
+          <a:bodyPr wrap="none" lIns="90000" rIns="90000" tIns="45000" bIns="45000">
+            <a:noAutofit/>
+          </a:bodyPr>
           <a:p>
             <a:pPr algn="ctr">
               <a:lnSpc>
@@ -6936,33 +6894,14 @@
       </p:sp>
     </p:spTree>
   </p:cSld>
-  <p:timing>
-    <p:tnLst>
-      <p:par>
-        <p:cTn id="23" dur="indefinite" restart="never" nodeType="tmRoot">
-          <p:childTnLst>
-            <p:seq>
-              <p:cTn id="24" dur="indefinite" nodeType="mainSeq"/>
-              <p:prevCondLst>
-                <p:cond delay="0" evt="onPrev">
-                  <p:tgtEl>
-                    <p:sldTgt/>
-                  </p:tgtEl>
-                </p:cond>
-              </p:prevCondLst>
-              <p:nextCondLst>
-                <p:cond delay="0" evt="onNext">
-                  <p:tgtEl>
-                    <p:sldTgt/>
-                  </p:tgtEl>
-                </p:cond>
-              </p:nextCondLst>
-            </p:seq>
-          </p:childTnLst>
-        </p:cTn>
-      </p:par>
-    </p:tnLst>
-  </p:timing>
+  <mc:AlternateContent>
+    <mc:Choice Requires="p14">
+      <p:transition spd="slow" p14:dur="2000"/>
+    </mc:Choice>
+    <mc:Fallback>
+      <p:transition spd="slow"/>
+    </mc:Fallback>
+  </mc:AlternateContent>
 </p:sld>
 </file>
 
@@ -6992,7 +6931,7 @@
         <p:spPr>
           <a:xfrm>
             <a:off x="1265400" y="400320"/>
-            <a:ext cx="8940600" cy="1917000"/>
+            <a:ext cx="8939520" cy="1915920"/>
           </a:xfrm>
           <a:prstGeom prst="rect">
             <a:avLst/>
@@ -7009,7 +6948,9 @@
           <a:fontRef idx="minor"/>
         </p:style>
         <p:txBody>
-          <a:bodyPr wrap="none" lIns="90000" rIns="90000" tIns="45000" bIns="45000"/>
+          <a:bodyPr wrap="none" lIns="90000" rIns="90000" tIns="45000" bIns="45000">
+            <a:noAutofit/>
+          </a:bodyPr>
           <a:p>
             <a:pPr algn="ctr">
               <a:lnSpc>
@@ -7071,7 +7012,7 @@
         <p:spPr>
           <a:xfrm>
             <a:off x="5292360" y="3254400"/>
-            <a:ext cx="439920" cy="622080"/>
+            <a:ext cx="438840" cy="621000"/>
           </a:xfrm>
           <a:prstGeom prst="rect">
             <a:avLst/>
@@ -7088,7 +7029,9 @@
           <a:fontRef idx="minor"/>
         </p:style>
         <p:txBody>
-          <a:bodyPr wrap="none" lIns="90000" rIns="90000" tIns="45000" bIns="45000"/>
+          <a:bodyPr wrap="none" lIns="90000" rIns="90000" tIns="45000" bIns="45000">
+            <a:noAutofit/>
+          </a:bodyPr>
           <a:p>
             <a:pPr algn="ctr">
               <a:lnSpc>
@@ -7120,7 +7063,7 @@
         <p:spPr>
           <a:xfrm>
             <a:off x="6245280" y="2860560"/>
-            <a:ext cx="1157760" cy="393480"/>
+            <a:ext cx="1156680" cy="392400"/>
           </a:xfrm>
           <a:prstGeom prst="rect">
             <a:avLst/>
@@ -7137,7 +7080,9 @@
           <a:fontRef idx="minor"/>
         </p:style>
         <p:txBody>
-          <a:bodyPr wrap="none" lIns="90000" rIns="90000" tIns="45000" bIns="45000"/>
+          <a:bodyPr wrap="none" lIns="90000" rIns="90000" tIns="45000" bIns="45000">
+            <a:noAutofit/>
+          </a:bodyPr>
           <a:p>
             <a:pPr>
               <a:lnSpc>
@@ -7169,7 +7114,7 @@
         <p:spPr>
           <a:xfrm>
             <a:off x="3489120" y="2854080"/>
-            <a:ext cx="1200240" cy="393480"/>
+            <a:ext cx="1199160" cy="392400"/>
           </a:xfrm>
           <a:prstGeom prst="rect">
             <a:avLst/>
@@ -7186,7 +7131,9 @@
           <a:fontRef idx="minor"/>
         </p:style>
         <p:txBody>
-          <a:bodyPr wrap="none" lIns="90000" rIns="90000" tIns="45000" bIns="45000"/>
+          <a:bodyPr wrap="none" lIns="90000" rIns="90000" tIns="45000" bIns="45000">
+            <a:noAutofit/>
+          </a:bodyPr>
           <a:p>
             <a:pPr>
               <a:lnSpc>
@@ -7218,7 +7165,7 @@
         <p:spPr>
           <a:xfrm>
             <a:off x="1473840" y="5353560"/>
-            <a:ext cx="7957800" cy="622080"/>
+            <a:ext cx="7956720" cy="621000"/>
           </a:xfrm>
           <a:prstGeom prst="rect">
             <a:avLst/>
@@ -7235,7 +7182,9 @@
           <a:fontRef idx="minor"/>
         </p:style>
         <p:txBody>
-          <a:bodyPr wrap="none" lIns="90000" rIns="90000" tIns="45000" bIns="45000"/>
+          <a:bodyPr wrap="none" lIns="90000" rIns="90000" tIns="45000" bIns="45000">
+            <a:noAutofit/>
+          </a:bodyPr>
           <a:p>
             <a:pPr algn="ctr">
               <a:lnSpc>
@@ -7267,7 +7216,7 @@
         <p:spPr>
           <a:xfrm>
             <a:off x="1545840" y="4273560"/>
-            <a:ext cx="7957800" cy="622080"/>
+            <a:ext cx="7956720" cy="621000"/>
           </a:xfrm>
           <a:prstGeom prst="rect">
             <a:avLst/>
@@ -7284,7 +7233,9 @@
           <a:fontRef idx="minor"/>
         </p:style>
         <p:txBody>
-          <a:bodyPr wrap="none" lIns="90000" rIns="90000" tIns="45000" bIns="45000"/>
+          <a:bodyPr wrap="none" lIns="90000" rIns="90000" tIns="45000" bIns="45000">
+            <a:noAutofit/>
+          </a:bodyPr>
           <a:p>
             <a:pPr>
               <a:lnSpc>
@@ -7309,33 +7260,14 @@
       </p:sp>
     </p:spTree>
   </p:cSld>
-  <p:timing>
-    <p:tnLst>
-      <p:par>
-        <p:cTn id="25" dur="indefinite" restart="never" nodeType="tmRoot">
-          <p:childTnLst>
-            <p:seq>
-              <p:cTn id="26" dur="indefinite" nodeType="mainSeq"/>
-              <p:prevCondLst>
-                <p:cond delay="0" evt="onPrev">
-                  <p:tgtEl>
-                    <p:sldTgt/>
-                  </p:tgtEl>
-                </p:cond>
-              </p:prevCondLst>
-              <p:nextCondLst>
-                <p:cond delay="0" evt="onNext">
-                  <p:tgtEl>
-                    <p:sldTgt/>
-                  </p:tgtEl>
-                </p:cond>
-              </p:nextCondLst>
-            </p:seq>
-          </p:childTnLst>
-        </p:cTn>
-      </p:par>
-    </p:tnLst>
-  </p:timing>
+  <mc:AlternateContent>
+    <mc:Choice Requires="p14">
+      <p:transition spd="slow" p14:dur="2000"/>
+    </mc:Choice>
+    <mc:Fallback>
+      <p:transition spd="slow"/>
+    </mc:Fallback>
+  </mc:AlternateContent>
 </p:sld>
 </file>
 
@@ -7365,7 +7297,7 @@
         <p:spPr>
           <a:xfrm>
             <a:off x="3362400" y="917640"/>
-            <a:ext cx="4810680" cy="545400"/>
+            <a:ext cx="4809600" cy="544320"/>
           </a:xfrm>
           <a:prstGeom prst="rect">
             <a:avLst/>
@@ -7382,7 +7314,9 @@
           <a:fontRef idx="minor"/>
         </p:style>
         <p:txBody>
-          <a:bodyPr wrap="none" lIns="90000" rIns="90000" tIns="45000" bIns="45000"/>
+          <a:bodyPr wrap="none" lIns="90000" rIns="90000" tIns="45000" bIns="45000">
+            <a:noAutofit/>
+          </a:bodyPr>
           <a:p>
             <a:pPr algn="ctr">
               <a:lnSpc>
@@ -7414,7 +7348,7 @@
         <p:spPr>
           <a:xfrm>
             <a:off x="3621960" y="2237400"/>
-            <a:ext cx="4050360" cy="545400"/>
+            <a:ext cx="4049280" cy="544320"/>
           </a:xfrm>
           <a:prstGeom prst="rect">
             <a:avLst/>
@@ -7431,7 +7365,9 @@
           <a:fontRef idx="minor"/>
         </p:style>
         <p:txBody>
-          <a:bodyPr wrap="none" lIns="90000" rIns="90000" tIns="45000" bIns="45000"/>
+          <a:bodyPr wrap="none" lIns="90000" rIns="90000" tIns="45000" bIns="45000">
+            <a:noAutofit/>
+          </a:bodyPr>
           <a:p>
             <a:pPr algn="ctr">
               <a:lnSpc>
@@ -7483,7 +7419,7 @@
         <p:spPr>
           <a:xfrm>
             <a:off x="6482520" y="3557520"/>
-            <a:ext cx="390960" cy="545400"/>
+            <a:ext cx="389880" cy="544320"/>
           </a:xfrm>
           <a:prstGeom prst="rect">
             <a:avLst/>
@@ -7500,7 +7436,9 @@
           <a:fontRef idx="minor"/>
         </p:style>
         <p:txBody>
-          <a:bodyPr wrap="none" lIns="90000" rIns="90000" tIns="45000" bIns="45000"/>
+          <a:bodyPr wrap="none" lIns="90000" rIns="90000" tIns="45000" bIns="45000">
+            <a:noAutofit/>
+          </a:bodyPr>
           <a:p>
             <a:pPr algn="ctr">
               <a:lnSpc>
@@ -7532,7 +7470,7 @@
         <p:spPr>
           <a:xfrm>
             <a:off x="5241600" y="3557520"/>
-            <a:ext cx="401760" cy="545400"/>
+            <a:ext cx="400680" cy="544320"/>
           </a:xfrm>
           <a:prstGeom prst="rect">
             <a:avLst/>
@@ -7549,7 +7487,9 @@
           <a:fontRef idx="minor"/>
         </p:style>
         <p:txBody>
-          <a:bodyPr wrap="none" lIns="90000" rIns="90000" tIns="45000" bIns="45000"/>
+          <a:bodyPr wrap="none" lIns="90000" rIns="90000" tIns="45000" bIns="45000">
+            <a:noAutofit/>
+          </a:bodyPr>
           <a:p>
             <a:pPr algn="ctr">
               <a:lnSpc>
@@ -7574,33 +7514,14 @@
       </p:sp>
     </p:spTree>
   </p:cSld>
-  <p:timing>
-    <p:tnLst>
-      <p:par>
-        <p:cTn id="27" dur="indefinite" restart="never" nodeType="tmRoot">
-          <p:childTnLst>
-            <p:seq>
-              <p:cTn id="28" dur="indefinite" nodeType="mainSeq"/>
-              <p:prevCondLst>
-                <p:cond delay="0" evt="onPrev">
-                  <p:tgtEl>
-                    <p:sldTgt/>
-                  </p:tgtEl>
-                </p:cond>
-              </p:prevCondLst>
-              <p:nextCondLst>
-                <p:cond delay="0" evt="onNext">
-                  <p:tgtEl>
-                    <p:sldTgt/>
-                  </p:tgtEl>
-                </p:cond>
-              </p:nextCondLst>
-            </p:seq>
-          </p:childTnLst>
-        </p:cTn>
-      </p:par>
-    </p:tnLst>
-  </p:timing>
+  <mc:AlternateContent>
+    <mc:Choice Requires="p14">
+      <p:transition spd="slow" p14:dur="2000"/>
+    </mc:Choice>
+    <mc:Fallback>
+      <p:transition spd="slow"/>
+    </mc:Fallback>
+  </mc:AlternateContent>
 </p:sld>
 </file>
 
@@ -7630,7 +7551,7 @@
         <p:spPr>
           <a:xfrm>
             <a:off x="1308240" y="997200"/>
-            <a:ext cx="8940600" cy="1917000"/>
+            <a:ext cx="8939520" cy="1915920"/>
           </a:xfrm>
           <a:prstGeom prst="rect">
             <a:avLst/>
@@ -7647,7 +7568,9 @@
           <a:fontRef idx="minor"/>
         </p:style>
         <p:txBody>
-          <a:bodyPr wrap="none" lIns="90000" rIns="90000" tIns="45000" bIns="45000"/>
+          <a:bodyPr wrap="none" lIns="90000" rIns="90000" tIns="45000" bIns="45000">
+            <a:noAutofit/>
+          </a:bodyPr>
           <a:p>
             <a:pPr algn="ctr">
               <a:lnSpc>
@@ -7709,7 +7632,7 @@
         <p:spPr>
           <a:xfrm>
             <a:off x="5335200" y="3851280"/>
-            <a:ext cx="439920" cy="622080"/>
+            <a:ext cx="438840" cy="621000"/>
           </a:xfrm>
           <a:prstGeom prst="rect">
             <a:avLst/>
@@ -7726,7 +7649,9 @@
           <a:fontRef idx="minor"/>
         </p:style>
         <p:txBody>
-          <a:bodyPr wrap="none" lIns="90000" rIns="90000" tIns="45000" bIns="45000"/>
+          <a:bodyPr wrap="none" lIns="90000" rIns="90000" tIns="45000" bIns="45000">
+            <a:noAutofit/>
+          </a:bodyPr>
           <a:p>
             <a:pPr algn="ctr">
               <a:lnSpc>
@@ -7758,7 +7683,7 @@
         <p:spPr>
           <a:xfrm>
             <a:off x="6288120" y="3429000"/>
-            <a:ext cx="1157760" cy="393480"/>
+            <a:ext cx="1156680" cy="392400"/>
           </a:xfrm>
           <a:prstGeom prst="rect">
             <a:avLst/>
@@ -7775,7 +7700,9 @@
           <a:fontRef idx="minor"/>
         </p:style>
         <p:txBody>
-          <a:bodyPr wrap="none" lIns="90000" rIns="90000" tIns="45000" bIns="45000"/>
+          <a:bodyPr wrap="none" lIns="90000" rIns="90000" tIns="45000" bIns="45000">
+            <a:noAutofit/>
+          </a:bodyPr>
           <a:p>
             <a:pPr>
               <a:lnSpc>
@@ -7807,7 +7734,7 @@
         <p:spPr>
           <a:xfrm>
             <a:off x="3531960" y="3450960"/>
-            <a:ext cx="1200240" cy="393480"/>
+            <a:ext cx="1199160" cy="392400"/>
           </a:xfrm>
           <a:prstGeom prst="rect">
             <a:avLst/>
@@ -7824,7 +7751,9 @@
           <a:fontRef idx="minor"/>
         </p:style>
         <p:txBody>
-          <a:bodyPr wrap="none" lIns="90000" rIns="90000" tIns="45000" bIns="45000"/>
+          <a:bodyPr wrap="none" lIns="90000" rIns="90000" tIns="45000" bIns="45000">
+            <a:noAutofit/>
+          </a:bodyPr>
           <a:p>
             <a:pPr>
               <a:lnSpc>
@@ -7856,7 +7785,7 @@
         <p:spPr>
           <a:xfrm>
             <a:off x="1576440" y="5229720"/>
-            <a:ext cx="7957800" cy="622080"/>
+            <a:ext cx="7956720" cy="621000"/>
           </a:xfrm>
           <a:prstGeom prst="rect">
             <a:avLst/>
@@ -7873,7 +7802,9 @@
           <a:fontRef idx="minor"/>
         </p:style>
         <p:txBody>
-          <a:bodyPr wrap="none" lIns="90000" rIns="90000" tIns="45000" bIns="45000"/>
+          <a:bodyPr wrap="none" lIns="90000" rIns="90000" tIns="45000" bIns="45000">
+            <a:noAutofit/>
+          </a:bodyPr>
           <a:p>
             <a:pPr algn="ctr">
               <a:lnSpc>
@@ -7898,6 +7829,14 @@
       </p:sp>
     </p:spTree>
   </p:cSld>
+  <mc:AlternateContent>
+    <mc:Choice Requires="p14">
+      <p:transition spd="slow" p14:dur="2000"/>
+    </mc:Choice>
+    <mc:Fallback>
+      <p:transition spd="slow"/>
+    </mc:Fallback>
+  </mc:AlternateContent>
 </p:sld>
 </file>
 
@@ -7927,7 +7866,7 @@
         <p:spPr>
           <a:xfrm>
             <a:off x="544680" y="573120"/>
-            <a:ext cx="10737720" cy="698040"/>
+            <a:ext cx="10736640" cy="696960"/>
           </a:xfrm>
           <a:prstGeom prst="rect">
             <a:avLst/>
@@ -7944,7 +7883,9 @@
           <a:fontRef idx="minor"/>
         </p:style>
         <p:txBody>
-          <a:bodyPr wrap="none" lIns="90000" rIns="90000" tIns="45000" bIns="45000"/>
+          <a:bodyPr wrap="none" lIns="90000" rIns="90000" tIns="45000" bIns="45000">
+            <a:noAutofit/>
+          </a:bodyPr>
           <a:p>
             <a:pPr algn="ctr">
               <a:lnSpc>
@@ -7976,7 +7917,7 @@
         <p:spPr>
           <a:xfrm>
             <a:off x="1671840" y="5653800"/>
-            <a:ext cx="8328240" cy="622080"/>
+            <a:ext cx="8327160" cy="621000"/>
           </a:xfrm>
           <a:prstGeom prst="rect">
             <a:avLst/>
@@ -7993,7 +7934,9 @@
           <a:fontRef idx="minor"/>
         </p:style>
         <p:txBody>
-          <a:bodyPr wrap="none" lIns="90000" rIns="90000" tIns="45000" bIns="45000"/>
+          <a:bodyPr wrap="none" lIns="90000" rIns="90000" tIns="45000" bIns="45000">
+            <a:noAutofit/>
+          </a:bodyPr>
           <a:p>
             <a:pPr algn="ctr">
               <a:lnSpc>
@@ -8025,7 +7968,7 @@
         <p:spPr>
           <a:xfrm>
             <a:off x="1020240" y="1758600"/>
-            <a:ext cx="9786600" cy="622080"/>
+            <a:ext cx="9785520" cy="621000"/>
           </a:xfrm>
           <a:prstGeom prst="rect">
             <a:avLst/>
@@ -8042,7 +7985,9 @@
           <a:fontRef idx="minor"/>
         </p:style>
         <p:txBody>
-          <a:bodyPr wrap="none" lIns="90000" rIns="90000" tIns="45000" bIns="45000"/>
+          <a:bodyPr wrap="none" lIns="90000" rIns="90000" tIns="45000" bIns="45000">
+            <a:noAutofit/>
+          </a:bodyPr>
           <a:p>
             <a:pPr algn="ctr">
               <a:lnSpc>
@@ -8074,7 +8019,7 @@
         <p:spPr>
           <a:xfrm>
             <a:off x="1449720" y="3183120"/>
-            <a:ext cx="8773200" cy="1155600"/>
+            <a:ext cx="8772120" cy="1154520"/>
           </a:xfrm>
           <a:prstGeom prst="rect">
             <a:avLst/>
@@ -8091,7 +8036,9 @@
           <a:fontRef idx="minor"/>
         </p:style>
         <p:txBody>
-          <a:bodyPr wrap="none" lIns="90000" rIns="90000" tIns="45000" bIns="45000"/>
+          <a:bodyPr wrap="none" lIns="90000" rIns="90000" tIns="45000" bIns="45000">
+            <a:noAutofit/>
+          </a:bodyPr>
           <a:p>
             <a:pPr algn="ctr">
               <a:lnSpc>
@@ -8136,6 +8083,14 @@
       </p:sp>
     </p:spTree>
   </p:cSld>
+  <mc:AlternateContent>
+    <mc:Choice Requires="p14">
+      <p:transition spd="slow" p14:dur="2000"/>
+    </mc:Choice>
+    <mc:Fallback>
+      <p:transition spd="slow"/>
+    </mc:Fallback>
+  </mc:AlternateContent>
 </p:sld>
 </file>
 
@@ -8165,7 +8120,7 @@
         <p:spPr>
           <a:xfrm>
             <a:off x="5418720" y="648000"/>
-            <a:ext cx="1259640" cy="545400"/>
+            <a:ext cx="1258560" cy="544320"/>
           </a:xfrm>
           <a:prstGeom prst="rect">
             <a:avLst/>
@@ -8182,7 +8137,9 @@
           <a:fontRef idx="minor"/>
         </p:style>
         <p:txBody>
-          <a:bodyPr wrap="none" lIns="90000" rIns="90000" tIns="45000" bIns="45000"/>
+          <a:bodyPr wrap="none" lIns="90000" rIns="90000" tIns="45000" bIns="45000">
+            <a:noAutofit/>
+          </a:bodyPr>
           <a:p>
             <a:pPr>
               <a:lnSpc>
@@ -8214,7 +8171,7 @@
         <p:spPr>
           <a:xfrm>
             <a:off x="2521440" y="1626840"/>
-            <a:ext cx="7054200" cy="1002240"/>
+            <a:ext cx="7053120" cy="1001160"/>
           </a:xfrm>
           <a:prstGeom prst="rect">
             <a:avLst/>
@@ -8231,7 +8188,9 @@
           <a:fontRef idx="minor"/>
         </p:style>
         <p:txBody>
-          <a:bodyPr wrap="none" lIns="90000" rIns="90000" tIns="45000" bIns="45000"/>
+          <a:bodyPr wrap="none" lIns="90000" rIns="90000" tIns="45000" bIns="45000">
+            <a:noAutofit/>
+          </a:bodyPr>
           <a:p>
             <a:pPr algn="ctr">
               <a:lnSpc>
@@ -8363,7 +8322,7 @@
         <p:spPr>
           <a:xfrm>
             <a:off x="2880000" y="5256000"/>
-            <a:ext cx="6528240" cy="545400"/>
+            <a:ext cx="6527160" cy="544320"/>
           </a:xfrm>
           <a:prstGeom prst="rect">
             <a:avLst/>
@@ -8380,7 +8339,9 @@
           <a:fontRef idx="minor"/>
         </p:style>
         <p:txBody>
-          <a:bodyPr wrap="none" lIns="90000" rIns="90000" tIns="45000" bIns="45000"/>
+          <a:bodyPr wrap="none" lIns="90000" rIns="90000" tIns="45000" bIns="45000">
+            <a:noAutofit/>
+          </a:bodyPr>
           <a:p>
             <a:pPr algn="ctr">
               <a:lnSpc>
@@ -8405,33 +8366,14 @@
       </p:sp>
     </p:spTree>
   </p:cSld>
-  <p:timing>
-    <p:tnLst>
-      <p:par>
-        <p:cTn id="3" dur="indefinite" restart="never" nodeType="tmRoot">
-          <p:childTnLst>
-            <p:seq>
-              <p:cTn id="4" dur="indefinite" nodeType="mainSeq"/>
-              <p:prevCondLst>
-                <p:cond delay="0" evt="onPrev">
-                  <p:tgtEl>
-                    <p:sldTgt/>
-                  </p:tgtEl>
-                </p:cond>
-              </p:prevCondLst>
-              <p:nextCondLst>
-                <p:cond delay="0" evt="onNext">
-                  <p:tgtEl>
-                    <p:sldTgt/>
-                  </p:tgtEl>
-                </p:cond>
-              </p:nextCondLst>
-            </p:seq>
-          </p:childTnLst>
-        </p:cTn>
-      </p:par>
-    </p:tnLst>
-  </p:timing>
+  <mc:AlternateContent>
+    <mc:Choice Requires="p14">
+      <p:transition spd="slow" p14:dur="2000"/>
+    </mc:Choice>
+    <mc:Fallback>
+      <p:transition spd="slow"/>
+    </mc:Fallback>
+  </mc:AlternateContent>
 </p:sld>
 </file>
 
@@ -8461,7 +8403,7 @@
         <p:spPr>
           <a:xfrm>
             <a:off x="544680" y="573120"/>
-            <a:ext cx="10737720" cy="698040"/>
+            <a:ext cx="10736640" cy="696960"/>
           </a:xfrm>
           <a:prstGeom prst="rect">
             <a:avLst/>
@@ -8478,7 +8420,9 @@
           <a:fontRef idx="minor"/>
         </p:style>
         <p:txBody>
-          <a:bodyPr wrap="none" lIns="90000" rIns="90000" tIns="45000" bIns="45000"/>
+          <a:bodyPr wrap="none" lIns="90000" rIns="90000" tIns="45000" bIns="45000">
+            <a:noAutofit/>
+          </a:bodyPr>
           <a:p>
             <a:pPr algn="ctr">
               <a:lnSpc>
@@ -8510,7 +8454,7 @@
         <p:spPr>
           <a:xfrm>
             <a:off x="1671840" y="5653800"/>
-            <a:ext cx="8328240" cy="622080"/>
+            <a:ext cx="8327160" cy="621000"/>
           </a:xfrm>
           <a:prstGeom prst="rect">
             <a:avLst/>
@@ -8527,7 +8471,9 @@
           <a:fontRef idx="minor"/>
         </p:style>
         <p:txBody>
-          <a:bodyPr wrap="none" lIns="90000" rIns="90000" tIns="45000" bIns="45000"/>
+          <a:bodyPr wrap="none" lIns="90000" rIns="90000" tIns="45000" bIns="45000">
+            <a:noAutofit/>
+          </a:bodyPr>
           <a:p>
             <a:pPr algn="ctr">
               <a:lnSpc>
@@ -8559,7 +8505,7 @@
         <p:spPr>
           <a:xfrm>
             <a:off x="1020240" y="1758600"/>
-            <a:ext cx="9786600" cy="622080"/>
+            <a:ext cx="9785520" cy="621000"/>
           </a:xfrm>
           <a:prstGeom prst="rect">
             <a:avLst/>
@@ -8576,7 +8522,9 @@
           <a:fontRef idx="minor"/>
         </p:style>
         <p:txBody>
-          <a:bodyPr wrap="none" lIns="90000" rIns="90000" tIns="45000" bIns="45000"/>
+          <a:bodyPr wrap="none" lIns="90000" rIns="90000" tIns="45000" bIns="45000">
+            <a:noAutofit/>
+          </a:bodyPr>
           <a:p>
             <a:pPr algn="ctr">
               <a:lnSpc>
@@ -8608,7 +8556,7 @@
         <p:spPr>
           <a:xfrm>
             <a:off x="1449720" y="3183120"/>
-            <a:ext cx="8773200" cy="1155600"/>
+            <a:ext cx="8772120" cy="1154520"/>
           </a:xfrm>
           <a:prstGeom prst="rect">
             <a:avLst/>
@@ -8625,7 +8573,9 @@
           <a:fontRef idx="minor"/>
         </p:style>
         <p:txBody>
-          <a:bodyPr wrap="none" lIns="90000" rIns="90000" tIns="45000" bIns="45000"/>
+          <a:bodyPr wrap="none" lIns="90000" rIns="90000" tIns="45000" bIns="45000">
+            <a:noAutofit/>
+          </a:bodyPr>
           <a:p>
             <a:pPr algn="ctr">
               <a:lnSpc>
@@ -8670,6 +8620,14 @@
       </p:sp>
     </p:spTree>
   </p:cSld>
+  <mc:AlternateContent>
+    <mc:Choice Requires="p14">
+      <p:transition spd="slow" p14:dur="2000"/>
+    </mc:Choice>
+    <mc:Fallback>
+      <p:transition spd="slow"/>
+    </mc:Fallback>
+  </mc:AlternateContent>
 </p:sld>
 </file>
 
@@ -8699,7 +8657,7 @@
         <p:spPr>
           <a:xfrm>
             <a:off x="2952000" y="3176640"/>
-            <a:ext cx="1477800" cy="698040"/>
+            <a:ext cx="1476720" cy="696960"/>
           </a:xfrm>
           <a:prstGeom prst="rect">
             <a:avLst/>
@@ -8716,7 +8674,9 @@
           <a:fontRef idx="minor"/>
         </p:style>
         <p:txBody>
-          <a:bodyPr wrap="none" lIns="90000" rIns="90000" tIns="45000" bIns="45000"/>
+          <a:bodyPr wrap="none" lIns="90000" rIns="90000" tIns="45000" bIns="45000">
+            <a:noAutofit/>
+          </a:bodyPr>
           <a:p>
             <a:pPr algn="ctr">
               <a:lnSpc>
@@ -8748,7 +8708,7 @@
         <p:spPr>
           <a:xfrm>
             <a:off x="5347800" y="3253680"/>
-            <a:ext cx="439920" cy="622080"/>
+            <a:ext cx="438840" cy="621000"/>
           </a:xfrm>
           <a:prstGeom prst="rect">
             <a:avLst/>
@@ -8765,7 +8725,9 @@
           <a:fontRef idx="minor"/>
         </p:style>
         <p:txBody>
-          <a:bodyPr wrap="none" lIns="90000" rIns="90000" tIns="45000" bIns="45000"/>
+          <a:bodyPr wrap="none" lIns="90000" rIns="90000" tIns="45000" bIns="45000">
+            <a:noAutofit/>
+          </a:bodyPr>
           <a:p>
             <a:pPr algn="ctr">
               <a:lnSpc>
@@ -8797,7 +8759,7 @@
         <p:spPr>
           <a:xfrm>
             <a:off x="6598080" y="3176640"/>
-            <a:ext cx="1316160" cy="698040"/>
+            <a:ext cx="1315080" cy="696960"/>
           </a:xfrm>
           <a:prstGeom prst="rect">
             <a:avLst/>
@@ -8814,7 +8776,9 @@
           <a:fontRef idx="minor"/>
         </p:style>
         <p:txBody>
-          <a:bodyPr wrap="none" lIns="90000" rIns="90000" tIns="45000" bIns="45000"/>
+          <a:bodyPr wrap="none" lIns="90000" rIns="90000" tIns="45000" bIns="45000">
+            <a:noAutofit/>
+          </a:bodyPr>
           <a:p>
             <a:pPr algn="ctr">
               <a:lnSpc>
@@ -8846,7 +8810,7 @@
         <p:spPr>
           <a:xfrm>
             <a:off x="3587400" y="1259640"/>
-            <a:ext cx="3884040" cy="622080"/>
+            <a:ext cx="3882960" cy="621000"/>
           </a:xfrm>
           <a:prstGeom prst="rect">
             <a:avLst/>
@@ -8863,7 +8827,9 @@
           <a:fontRef idx="minor"/>
         </p:style>
         <p:txBody>
-          <a:bodyPr wrap="none" lIns="90000" rIns="90000" tIns="45000" bIns="45000"/>
+          <a:bodyPr wrap="none" lIns="90000" rIns="90000" tIns="45000" bIns="45000">
+            <a:noAutofit/>
+          </a:bodyPr>
           <a:p>
             <a:pPr algn="ctr">
               <a:lnSpc>
@@ -8888,33 +8854,14 @@
       </p:sp>
     </p:spTree>
   </p:cSld>
-  <p:timing>
-    <p:tnLst>
-      <p:par>
-        <p:cTn id="29" dur="indefinite" restart="never" nodeType="tmRoot">
-          <p:childTnLst>
-            <p:seq>
-              <p:cTn id="30" dur="indefinite" nodeType="mainSeq"/>
-              <p:prevCondLst>
-                <p:cond delay="0" evt="onPrev">
-                  <p:tgtEl>
-                    <p:sldTgt/>
-                  </p:tgtEl>
-                </p:cond>
-              </p:prevCondLst>
-              <p:nextCondLst>
-                <p:cond delay="0" evt="onNext">
-                  <p:tgtEl>
-                    <p:sldTgt/>
-                  </p:tgtEl>
-                </p:cond>
-              </p:nextCondLst>
-            </p:seq>
-          </p:childTnLst>
-        </p:cTn>
-      </p:par>
-    </p:tnLst>
-  </p:timing>
+  <mc:AlternateContent>
+    <mc:Choice Requires="p14">
+      <p:transition spd="slow" p14:dur="2000"/>
+    </mc:Choice>
+    <mc:Fallback>
+      <p:transition spd="slow"/>
+    </mc:Fallback>
+  </mc:AlternateContent>
 </p:sld>
 </file>
 
@@ -8944,7 +8891,7 @@
         <p:spPr>
           <a:xfrm>
             <a:off x="3535920" y="206640"/>
-            <a:ext cx="4668840" cy="698040"/>
+            <a:ext cx="4667760" cy="696960"/>
           </a:xfrm>
           <a:prstGeom prst="rect">
             <a:avLst/>
@@ -8961,7 +8908,9 @@
           <a:fontRef idx="minor"/>
         </p:style>
         <p:txBody>
-          <a:bodyPr wrap="none" lIns="90000" rIns="90000" tIns="45000" bIns="45000"/>
+          <a:bodyPr wrap="none" lIns="90000" rIns="90000" tIns="45000" bIns="45000">
+            <a:noAutofit/>
+          </a:bodyPr>
           <a:p>
             <a:pPr algn="ctr">
               <a:lnSpc>
@@ -8993,7 +8942,7 @@
         <p:spPr>
           <a:xfrm>
             <a:off x="3948480" y="1280880"/>
-            <a:ext cx="1153080" cy="545400"/>
+            <a:ext cx="1152000" cy="544320"/>
           </a:xfrm>
           <a:prstGeom prst="rect">
             <a:avLst/>
@@ -9010,7 +8959,9 @@
           <a:fontRef idx="minor"/>
         </p:style>
         <p:txBody>
-          <a:bodyPr wrap="none" lIns="90000" rIns="90000" tIns="45000" bIns="45000"/>
+          <a:bodyPr wrap="none" lIns="90000" rIns="90000" tIns="45000" bIns="45000">
+            <a:noAutofit/>
+          </a:bodyPr>
           <a:p>
             <a:pPr algn="ctr">
               <a:lnSpc>
@@ -9042,7 +8993,7 @@
         <p:spPr>
           <a:xfrm>
             <a:off x="6606360" y="1280880"/>
-            <a:ext cx="1032840" cy="545400"/>
+            <a:ext cx="1031760" cy="544320"/>
           </a:xfrm>
           <a:prstGeom prst="rect">
             <a:avLst/>
@@ -9059,7 +9010,9 @@
           <a:fontRef idx="minor"/>
         </p:style>
         <p:txBody>
-          <a:bodyPr wrap="none" lIns="90000" rIns="90000" tIns="45000" bIns="45000"/>
+          <a:bodyPr wrap="none" lIns="90000" rIns="90000" tIns="45000" bIns="45000">
+            <a:noAutofit/>
+          </a:bodyPr>
           <a:p>
             <a:pPr algn="ctr">
               <a:lnSpc>
@@ -9091,7 +9044,7 @@
         <p:spPr>
           <a:xfrm>
             <a:off x="5686200" y="1280880"/>
-            <a:ext cx="401760" cy="545400"/>
+            <a:ext cx="400680" cy="544320"/>
           </a:xfrm>
           <a:prstGeom prst="rect">
             <a:avLst/>
@@ -9108,7 +9061,9 @@
           <a:fontRef idx="minor"/>
         </p:style>
         <p:txBody>
-          <a:bodyPr wrap="none" lIns="90000" rIns="90000" tIns="45000" bIns="45000"/>
+          <a:bodyPr wrap="none" lIns="90000" rIns="90000" tIns="45000" bIns="45000">
+            <a:noAutofit/>
+          </a:bodyPr>
           <a:p>
             <a:pPr algn="ctr">
               <a:lnSpc>
@@ -9140,7 +9095,7 @@
         <p:spPr>
           <a:xfrm>
             <a:off x="3446640" y="2112840"/>
-            <a:ext cx="5033160" cy="698040"/>
+            <a:ext cx="5032080" cy="696960"/>
           </a:xfrm>
           <a:prstGeom prst="rect">
             <a:avLst/>
@@ -9157,7 +9112,9 @@
           <a:fontRef idx="minor"/>
         </p:style>
         <p:txBody>
-          <a:bodyPr wrap="none" lIns="90000" rIns="90000" tIns="45000" bIns="45000"/>
+          <a:bodyPr wrap="none" lIns="90000" rIns="90000" tIns="45000" bIns="45000">
+            <a:noAutofit/>
+          </a:bodyPr>
           <a:p>
             <a:pPr algn="ctr">
               <a:lnSpc>
@@ -9189,7 +9146,7 @@
         <p:spPr>
           <a:xfrm>
             <a:off x="833400" y="3191760"/>
-            <a:ext cx="7371000" cy="545400"/>
+            <a:ext cx="7369920" cy="544320"/>
           </a:xfrm>
           <a:prstGeom prst="rect">
             <a:avLst/>
@@ -9206,7 +9163,9 @@
           <a:fontRef idx="minor"/>
         </p:style>
         <p:txBody>
-          <a:bodyPr wrap="none" lIns="90000" rIns="90000" tIns="45000" bIns="45000"/>
+          <a:bodyPr wrap="none" lIns="90000" rIns="90000" tIns="45000" bIns="45000">
+            <a:noAutofit/>
+          </a:bodyPr>
           <a:p>
             <a:pPr algn="ctr">
               <a:lnSpc>
@@ -9238,7 +9197,7 @@
         <p:spPr>
           <a:xfrm>
             <a:off x="837360" y="4023720"/>
-            <a:ext cx="7919640" cy="545400"/>
+            <a:ext cx="7918560" cy="544320"/>
           </a:xfrm>
           <a:prstGeom prst="rect">
             <a:avLst/>
@@ -9255,7 +9214,9 @@
           <a:fontRef idx="minor"/>
         </p:style>
         <p:txBody>
-          <a:bodyPr wrap="none" lIns="90000" rIns="90000" tIns="45000" bIns="45000"/>
+          <a:bodyPr wrap="none" lIns="90000" rIns="90000" tIns="45000" bIns="45000">
+            <a:noAutofit/>
+          </a:bodyPr>
           <a:p>
             <a:pPr algn="ctr">
               <a:lnSpc>
@@ -9287,7 +9248,7 @@
         <p:spPr>
           <a:xfrm>
             <a:off x="838800" y="4855680"/>
-            <a:ext cx="8258040" cy="545400"/>
+            <a:ext cx="8256960" cy="544320"/>
           </a:xfrm>
           <a:prstGeom prst="rect">
             <a:avLst/>
@@ -9304,7 +9265,9 @@
           <a:fontRef idx="minor"/>
         </p:style>
         <p:txBody>
-          <a:bodyPr wrap="none" lIns="90000" rIns="90000" tIns="45000" bIns="45000"/>
+          <a:bodyPr wrap="none" lIns="90000" rIns="90000" tIns="45000" bIns="45000">
+            <a:noAutofit/>
+          </a:bodyPr>
           <a:p>
             <a:pPr algn="ctr">
               <a:lnSpc>
@@ -9336,7 +9299,7 @@
         <p:spPr>
           <a:xfrm>
             <a:off x="3855240" y="5780880"/>
-            <a:ext cx="4472280" cy="545400"/>
+            <a:ext cx="4471200" cy="544320"/>
           </a:xfrm>
           <a:prstGeom prst="rect">
             <a:avLst/>
@@ -9353,7 +9316,9 @@
           <a:fontRef idx="minor"/>
         </p:style>
         <p:txBody>
-          <a:bodyPr wrap="none" lIns="90000" rIns="90000" tIns="45000" bIns="45000"/>
+          <a:bodyPr wrap="none" lIns="90000" rIns="90000" tIns="45000" bIns="45000">
+            <a:noAutofit/>
+          </a:bodyPr>
           <a:p>
             <a:pPr algn="ctr">
               <a:lnSpc>
@@ -9378,33 +9343,14 @@
       </p:sp>
     </p:spTree>
   </p:cSld>
-  <p:timing>
-    <p:tnLst>
-      <p:par>
-        <p:cTn id="31" dur="indefinite" restart="never" nodeType="tmRoot">
-          <p:childTnLst>
-            <p:seq>
-              <p:cTn id="32" dur="indefinite" nodeType="mainSeq"/>
-              <p:prevCondLst>
-                <p:cond delay="0" evt="onPrev">
-                  <p:tgtEl>
-                    <p:sldTgt/>
-                  </p:tgtEl>
-                </p:cond>
-              </p:prevCondLst>
-              <p:nextCondLst>
-                <p:cond delay="0" evt="onNext">
-                  <p:tgtEl>
-                    <p:sldTgt/>
-                  </p:tgtEl>
-                </p:cond>
-              </p:nextCondLst>
-            </p:seq>
-          </p:childTnLst>
-        </p:cTn>
-      </p:par>
-    </p:tnLst>
-  </p:timing>
+  <mc:AlternateContent>
+    <mc:Choice Requires="p14">
+      <p:transition spd="slow" p14:dur="2000"/>
+    </mc:Choice>
+    <mc:Fallback>
+      <p:transition spd="slow"/>
+    </mc:Fallback>
+  </mc:AlternateContent>
 </p:sld>
 </file>
 
@@ -9434,7 +9380,7 @@
         <p:spPr>
           <a:xfrm>
             <a:off x="3535560" y="206640"/>
-            <a:ext cx="4668840" cy="698040"/>
+            <a:ext cx="4667760" cy="696960"/>
           </a:xfrm>
           <a:prstGeom prst="rect">
             <a:avLst/>
@@ -9451,7 +9397,9 @@
           <a:fontRef idx="minor"/>
         </p:style>
         <p:txBody>
-          <a:bodyPr wrap="none" lIns="90000" rIns="90000" tIns="45000" bIns="45000"/>
+          <a:bodyPr wrap="none" lIns="90000" rIns="90000" tIns="45000" bIns="45000">
+            <a:noAutofit/>
+          </a:bodyPr>
           <a:p>
             <a:pPr algn="ctr">
               <a:lnSpc>
@@ -9483,7 +9431,7 @@
         <p:spPr>
           <a:xfrm>
             <a:off x="5685840" y="1280880"/>
-            <a:ext cx="401760" cy="545400"/>
+            <a:ext cx="400680" cy="544320"/>
           </a:xfrm>
           <a:prstGeom prst="rect">
             <a:avLst/>
@@ -9500,7 +9448,9 @@
           <a:fontRef idx="minor"/>
         </p:style>
         <p:txBody>
-          <a:bodyPr wrap="none" lIns="90000" rIns="90000" tIns="45000" bIns="45000"/>
+          <a:bodyPr wrap="none" lIns="90000" rIns="90000" tIns="45000" bIns="45000">
+            <a:noAutofit/>
+          </a:bodyPr>
           <a:p>
             <a:pPr algn="ctr">
               <a:lnSpc>
@@ -9532,7 +9482,7 @@
         <p:spPr>
           <a:xfrm>
             <a:off x="3446280" y="2112840"/>
-            <a:ext cx="5033160" cy="698040"/>
+            <a:ext cx="5032080" cy="696960"/>
           </a:xfrm>
           <a:prstGeom prst="rect">
             <a:avLst/>
@@ -9549,7 +9499,9 @@
           <a:fontRef idx="minor"/>
         </p:style>
         <p:txBody>
-          <a:bodyPr wrap="none" lIns="90000" rIns="90000" tIns="45000" bIns="45000"/>
+          <a:bodyPr wrap="none" lIns="90000" rIns="90000" tIns="45000" bIns="45000">
+            <a:noAutofit/>
+          </a:bodyPr>
           <a:p>
             <a:pPr algn="ctr">
               <a:lnSpc>
@@ -9581,7 +9533,7 @@
         <p:spPr>
           <a:xfrm>
             <a:off x="833040" y="3191760"/>
-            <a:ext cx="7371000" cy="545400"/>
+            <a:ext cx="7369920" cy="544320"/>
           </a:xfrm>
           <a:prstGeom prst="rect">
             <a:avLst/>
@@ -9598,7 +9550,9 @@
           <a:fontRef idx="minor"/>
         </p:style>
         <p:txBody>
-          <a:bodyPr wrap="none" lIns="90000" rIns="90000" tIns="45000" bIns="45000"/>
+          <a:bodyPr wrap="none" lIns="90000" rIns="90000" tIns="45000" bIns="45000">
+            <a:noAutofit/>
+          </a:bodyPr>
           <a:p>
             <a:pPr algn="ctr">
               <a:lnSpc>
@@ -9630,7 +9584,7 @@
         <p:spPr>
           <a:xfrm>
             <a:off x="837000" y="4023720"/>
-            <a:ext cx="7919640" cy="545400"/>
+            <a:ext cx="7918560" cy="544320"/>
           </a:xfrm>
           <a:prstGeom prst="rect">
             <a:avLst/>
@@ -9647,7 +9601,9 @@
           <a:fontRef idx="minor"/>
         </p:style>
         <p:txBody>
-          <a:bodyPr wrap="none" lIns="90000" rIns="90000" tIns="45000" bIns="45000"/>
+          <a:bodyPr wrap="none" lIns="90000" rIns="90000" tIns="45000" bIns="45000">
+            <a:noAutofit/>
+          </a:bodyPr>
           <a:p>
             <a:pPr algn="ctr">
               <a:lnSpc>
@@ -9679,7 +9635,7 @@
         <p:spPr>
           <a:xfrm>
             <a:off x="838440" y="4855680"/>
-            <a:ext cx="8258040" cy="545400"/>
+            <a:ext cx="8256960" cy="544320"/>
           </a:xfrm>
           <a:prstGeom prst="rect">
             <a:avLst/>
@@ -9696,7 +9652,9 @@
           <a:fontRef idx="minor"/>
         </p:style>
         <p:txBody>
-          <a:bodyPr wrap="none" lIns="90000" rIns="90000" tIns="45000" bIns="45000"/>
+          <a:bodyPr wrap="none" lIns="90000" rIns="90000" tIns="45000" bIns="45000">
+            <a:noAutofit/>
+          </a:bodyPr>
           <a:p>
             <a:pPr algn="ctr">
               <a:lnSpc>
@@ -9728,7 +9686,7 @@
         <p:spPr>
           <a:xfrm>
             <a:off x="3854880" y="5780880"/>
-            <a:ext cx="4472280" cy="545400"/>
+            <a:ext cx="4471200" cy="544320"/>
           </a:xfrm>
           <a:prstGeom prst="rect">
             <a:avLst/>
@@ -9745,7 +9703,9 @@
           <a:fontRef idx="minor"/>
         </p:style>
         <p:txBody>
-          <a:bodyPr wrap="none" lIns="90000" rIns="90000" tIns="45000" bIns="45000"/>
+          <a:bodyPr wrap="none" lIns="90000" rIns="90000" tIns="45000" bIns="45000">
+            <a:noAutofit/>
+          </a:bodyPr>
           <a:p>
             <a:pPr algn="ctr">
               <a:lnSpc>
@@ -9770,6 +9730,14 @@
       </p:sp>
     </p:spTree>
   </p:cSld>
+  <mc:AlternateContent>
+    <mc:Choice Requires="p14">
+      <p:transition spd="slow" p14:dur="2000"/>
+    </mc:Choice>
+    <mc:Fallback>
+      <p:transition spd="slow"/>
+    </mc:Fallback>
+  </mc:AlternateContent>
 </p:sld>
 </file>
 
@@ -9799,7 +9767,7 @@
         <p:spPr>
           <a:xfrm>
             <a:off x="3535560" y="206640"/>
-            <a:ext cx="4668840" cy="698040"/>
+            <a:ext cx="4667760" cy="696960"/>
           </a:xfrm>
           <a:prstGeom prst="rect">
             <a:avLst/>
@@ -9816,7 +9784,9 @@
           <a:fontRef idx="minor"/>
         </p:style>
         <p:txBody>
-          <a:bodyPr wrap="none" lIns="90000" rIns="90000" tIns="45000" bIns="45000"/>
+          <a:bodyPr wrap="none" lIns="90000" rIns="90000" tIns="45000" bIns="45000">
+            <a:noAutofit/>
+          </a:bodyPr>
           <a:p>
             <a:pPr algn="ctr">
               <a:lnSpc>
@@ -9848,7 +9818,7 @@
         <p:spPr>
           <a:xfrm>
             <a:off x="5685840" y="1280880"/>
-            <a:ext cx="401760" cy="545400"/>
+            <a:ext cx="400680" cy="544320"/>
           </a:xfrm>
           <a:prstGeom prst="rect">
             <a:avLst/>
@@ -9865,7 +9835,9 @@
           <a:fontRef idx="minor"/>
         </p:style>
         <p:txBody>
-          <a:bodyPr wrap="none" lIns="90000" rIns="90000" tIns="45000" bIns="45000"/>
+          <a:bodyPr wrap="none" lIns="90000" rIns="90000" tIns="45000" bIns="45000">
+            <a:noAutofit/>
+          </a:bodyPr>
           <a:p>
             <a:pPr algn="ctr">
               <a:lnSpc>
@@ -9897,7 +9869,7 @@
         <p:spPr>
           <a:xfrm>
             <a:off x="3446280" y="2112840"/>
-            <a:ext cx="5033160" cy="698040"/>
+            <a:ext cx="5032080" cy="696960"/>
           </a:xfrm>
           <a:prstGeom prst="rect">
             <a:avLst/>
@@ -9914,7 +9886,9 @@
           <a:fontRef idx="minor"/>
         </p:style>
         <p:txBody>
-          <a:bodyPr wrap="none" lIns="90000" rIns="90000" tIns="45000" bIns="45000"/>
+          <a:bodyPr wrap="none" lIns="90000" rIns="90000" tIns="45000" bIns="45000">
+            <a:noAutofit/>
+          </a:bodyPr>
           <a:p>
             <a:pPr algn="ctr">
               <a:lnSpc>
@@ -9946,7 +9920,7 @@
         <p:spPr>
           <a:xfrm>
             <a:off x="833040" y="3191760"/>
-            <a:ext cx="7371000" cy="545400"/>
+            <a:ext cx="7369920" cy="544320"/>
           </a:xfrm>
           <a:prstGeom prst="rect">
             <a:avLst/>
@@ -9963,7 +9937,9 @@
           <a:fontRef idx="minor"/>
         </p:style>
         <p:txBody>
-          <a:bodyPr wrap="none" lIns="90000" rIns="90000" tIns="45000" bIns="45000"/>
+          <a:bodyPr wrap="none" lIns="90000" rIns="90000" tIns="45000" bIns="45000">
+            <a:noAutofit/>
+          </a:bodyPr>
           <a:p>
             <a:pPr algn="ctr">
               <a:lnSpc>
@@ -9995,7 +9971,7 @@
         <p:spPr>
           <a:xfrm>
             <a:off x="837000" y="4023720"/>
-            <a:ext cx="7919640" cy="545400"/>
+            <a:ext cx="7918560" cy="544320"/>
           </a:xfrm>
           <a:prstGeom prst="rect">
             <a:avLst/>
@@ -10012,7 +9988,9 @@
           <a:fontRef idx="minor"/>
         </p:style>
         <p:txBody>
-          <a:bodyPr wrap="none" lIns="90000" rIns="90000" tIns="45000" bIns="45000"/>
+          <a:bodyPr wrap="none" lIns="90000" rIns="90000" tIns="45000" bIns="45000">
+            <a:noAutofit/>
+          </a:bodyPr>
           <a:p>
             <a:pPr algn="ctr">
               <a:lnSpc>
@@ -10044,7 +10022,7 @@
         <p:spPr>
           <a:xfrm>
             <a:off x="838440" y="4855680"/>
-            <a:ext cx="8258040" cy="545400"/>
+            <a:ext cx="8256960" cy="544320"/>
           </a:xfrm>
           <a:prstGeom prst="rect">
             <a:avLst/>
@@ -10061,7 +10039,9 @@
           <a:fontRef idx="minor"/>
         </p:style>
         <p:txBody>
-          <a:bodyPr wrap="none" lIns="90000" rIns="90000" tIns="45000" bIns="45000"/>
+          <a:bodyPr wrap="none" lIns="90000" rIns="90000" tIns="45000" bIns="45000">
+            <a:noAutofit/>
+          </a:bodyPr>
           <a:p>
             <a:pPr algn="ctr">
               <a:lnSpc>
@@ -10093,7 +10073,7 @@
         <p:spPr>
           <a:xfrm>
             <a:off x="3854880" y="5780880"/>
-            <a:ext cx="4472280" cy="545400"/>
+            <a:ext cx="4471200" cy="544320"/>
           </a:xfrm>
           <a:prstGeom prst="rect">
             <a:avLst/>
@@ -10110,7 +10090,9 @@
           <a:fontRef idx="minor"/>
         </p:style>
         <p:txBody>
-          <a:bodyPr wrap="none" lIns="90000" rIns="90000" tIns="45000" bIns="45000"/>
+          <a:bodyPr wrap="none" lIns="90000" rIns="90000" tIns="45000" bIns="45000">
+            <a:noAutofit/>
+          </a:bodyPr>
           <a:p>
             <a:pPr algn="ctr">
               <a:lnSpc>
@@ -10135,6 +10117,14 @@
       </p:sp>
     </p:spTree>
   </p:cSld>
+  <mc:AlternateContent>
+    <mc:Choice Requires="p14">
+      <p:transition spd="slow" p14:dur="2000"/>
+    </mc:Choice>
+    <mc:Fallback>
+      <p:transition spd="slow"/>
+    </mc:Fallback>
+  </mc:AlternateContent>
 </p:sld>
 </file>
 
@@ -10163,8 +10153,8 @@
         </p:nvSpPr>
         <p:spPr>
           <a:xfrm>
-            <a:off x="838080" y="365040"/>
-            <a:ext cx="10513440" cy="1323360"/>
+            <a:off x="3535200" y="206640"/>
+            <a:ext cx="4667760" cy="696960"/>
           </a:xfrm>
           <a:prstGeom prst="rect">
             <a:avLst/>
@@ -10180,6 +10170,31 @@
           <a:effectRef idx="0"/>
           <a:fontRef idx="minor"/>
         </p:style>
+        <p:txBody>
+          <a:bodyPr wrap="none" lIns="90000" rIns="90000" tIns="45000" bIns="45000">
+            <a:noAutofit/>
+          </a:bodyPr>
+          <a:p>
+            <a:pPr algn="ctr">
+              <a:lnSpc>
+                <a:spcPct val="100000"/>
+              </a:lnSpc>
+            </a:pPr>
+            <a:r>
+              <a:rPr b="0" lang="en-GB" sz="4000" spc="-1" strike="noStrike">
+                <a:solidFill>
+                  <a:srgbClr val="000000"/>
+                </a:solidFill>
+                <a:latin typeface="Arial"/>
+                <a:ea typeface="DejaVu Sans"/>
+              </a:rPr>
+              <a:t>Bravo ! Tu as finit le test !</a:t>
+            </a:r>
+            <a:endParaRPr b="0" lang="en-GB" sz="4000" spc="-1" strike="noStrike">
+              <a:latin typeface="Arial"/>
+            </a:endParaRPr>
+          </a:p>
+        </p:txBody>
       </p:sp>
       <p:sp>
         <p:nvSpPr>
@@ -10189,8 +10204,8 @@
         </p:nvSpPr>
         <p:spPr>
           <a:xfrm>
-            <a:off x="838080" y="1825560"/>
-            <a:ext cx="3384000" cy="2073240"/>
+            <a:off x="5685480" y="1280880"/>
+            <a:ext cx="400680" cy="544320"/>
           </a:xfrm>
           <a:prstGeom prst="rect">
             <a:avLst/>
@@ -10206,6 +10221,131 @@
           <a:effectRef idx="0"/>
           <a:fontRef idx="minor"/>
         </p:style>
+        <p:txBody>
+          <a:bodyPr wrap="none" lIns="90000" rIns="90000" tIns="45000" bIns="45000">
+            <a:noAutofit/>
+          </a:bodyPr>
+          <a:p>
+            <a:pPr algn="ctr">
+              <a:lnSpc>
+                <a:spcPct val="100000"/>
+              </a:lnSpc>
+            </a:pPr>
+            <a:r>
+              <a:rPr b="0" lang="en-GB" sz="3000" spc="-1" strike="noStrike">
+                <a:solidFill>
+                  <a:srgbClr val="000000"/>
+                </a:solidFill>
+                <a:latin typeface="Arial"/>
+                <a:ea typeface="DejaVu Sans"/>
+              </a:rPr>
+              <a:t>Une dernière question: </a:t>
+            </a:r>
+            <a:endParaRPr b="0" lang="en-GB" sz="3000" spc="-1" strike="noStrike">
+              <a:latin typeface="Arial"/>
+            </a:endParaRPr>
+          </a:p>
+          <a:p>
+            <a:pPr algn="ctr">
+              <a:lnSpc>
+                <a:spcPct val="100000"/>
+              </a:lnSpc>
+            </a:pPr>
+            <a:endParaRPr b="0" lang="en-GB" sz="3000" spc="-1" strike="noStrike">
+              <a:latin typeface="Arial"/>
+            </a:endParaRPr>
+          </a:p>
+          <a:p>
+            <a:pPr algn="ctr">
+              <a:lnSpc>
+                <a:spcPct val="100000"/>
+              </a:lnSpc>
+            </a:pPr>
+            <a:r>
+              <a:rPr b="0" lang="en-GB" sz="3000" spc="-1" strike="noStrike">
+                <a:solidFill>
+                  <a:srgbClr val="000000"/>
+                </a:solidFill>
+                <a:latin typeface="Arial"/>
+                <a:ea typeface="DejaVu Sans"/>
+              </a:rPr>
+              <a:t>si DANS UNE SEMAINE on te présente les mots Hongrois </a:t>
+            </a:r>
+            <a:endParaRPr b="0" lang="en-GB" sz="3000" spc="-1" strike="noStrike">
+              <a:latin typeface="Arial"/>
+            </a:endParaRPr>
+          </a:p>
+          <a:p>
+            <a:pPr algn="ctr">
+              <a:lnSpc>
+                <a:spcPct val="100000"/>
+              </a:lnSpc>
+            </a:pPr>
+            <a:r>
+              <a:rPr b="0" lang="en-GB" sz="3000" spc="-1" strike="noStrike">
+                <a:solidFill>
+                  <a:srgbClr val="000000"/>
+                </a:solidFill>
+                <a:latin typeface="Arial"/>
+                <a:ea typeface="DejaVu Sans"/>
+              </a:rPr>
+              <a:t>que tu viens d’apprendre; </a:t>
+            </a:r>
+            <a:endParaRPr b="0" lang="en-GB" sz="3000" spc="-1" strike="noStrike">
+              <a:latin typeface="Arial"/>
+            </a:endParaRPr>
+          </a:p>
+          <a:p>
+            <a:pPr algn="ctr">
+              <a:lnSpc>
+                <a:spcPct val="100000"/>
+              </a:lnSpc>
+            </a:pPr>
+            <a:endParaRPr b="0" lang="en-GB" sz="3000" spc="-1" strike="noStrike">
+              <a:latin typeface="Arial"/>
+            </a:endParaRPr>
+          </a:p>
+          <a:p>
+            <a:pPr algn="ctr">
+              <a:lnSpc>
+                <a:spcPct val="100000"/>
+              </a:lnSpc>
+            </a:pPr>
+            <a:r>
+              <a:rPr b="0" lang="en-GB" sz="3000" spc="-1" strike="noStrike">
+                <a:solidFill>
+                  <a:srgbClr val="000000"/>
+                </a:solidFill>
+                <a:latin typeface="Arial"/>
+                <a:ea typeface="DejaVu Sans"/>
+              </a:rPr>
+              <a:t>combien environ penses-tu pouvoir en traduire </a:t>
+            </a:r>
+            <a:endParaRPr b="0" lang="en-GB" sz="3000" spc="-1" strike="noStrike">
+              <a:latin typeface="Arial"/>
+            </a:endParaRPr>
+          </a:p>
+          <a:p>
+            <a:pPr algn="ctr">
+              <a:lnSpc>
+                <a:spcPct val="100000"/>
+              </a:lnSpc>
+            </a:pPr>
+            <a:r>
+              <a:rPr b="0" lang="en-GB" sz="3000" spc="-1" strike="noStrike">
+                <a:solidFill>
+                  <a:srgbClr val="000000"/>
+                </a:solidFill>
+                <a:latin typeface="Arial"/>
+                <a:ea typeface="DejaVu Sans"/>
+              </a:rPr>
+              <a:t>correctement en français ?</a:t>
+            </a:r>
+            <a:endParaRPr b="0" lang="en-GB" sz="3000" spc="-1" strike="noStrike">
+              <a:latin typeface="Arial"/>
+            </a:endParaRPr>
+          </a:p>
+        </p:txBody>
       </p:sp>
       <p:sp>
         <p:nvSpPr>
@@ -10215,8 +10355,8 @@
         </p:nvSpPr>
         <p:spPr>
           <a:xfrm>
-            <a:off x="4393440" y="1825560"/>
-            <a:ext cx="3384000" cy="2073240"/>
+            <a:off x="3854520" y="5780880"/>
+            <a:ext cx="4471200" cy="544320"/>
           </a:xfrm>
           <a:prstGeom prst="rect">
             <a:avLst/>
@@ -10232,6 +10372,31 @@
           <a:effectRef idx="0"/>
           <a:fontRef idx="minor"/>
         </p:style>
+        <p:txBody>
+          <a:bodyPr wrap="none" lIns="90000" rIns="90000" tIns="45000" bIns="45000">
+            <a:noAutofit/>
+          </a:bodyPr>
+          <a:p>
+            <a:pPr algn="ctr">
+              <a:lnSpc>
+                <a:spcPct val="100000"/>
+              </a:lnSpc>
+            </a:pPr>
+            <a:r>
+              <a:rPr b="0" lang="en-GB" sz="3000" spc="-1" strike="noStrike">
+                <a:solidFill>
+                  <a:srgbClr val="000000"/>
+                </a:solidFill>
+                <a:latin typeface="Arial"/>
+                <a:ea typeface="DejaVu Sans"/>
+              </a:rPr>
+              <a:t>Inscrit un chiffre entre 0 et 100 et appuie sur « enter » </a:t>
+            </a:r>
+            <a:endParaRPr b="0" lang="en-GB" sz="3000" spc="-1" strike="noStrike">
+              <a:latin typeface="Arial"/>
+            </a:endParaRPr>
+          </a:p>
+        </p:txBody>
       </p:sp>
       <p:sp>
         <p:nvSpPr>
@@ -10241,8 +10406,8 @@
         </p:nvSpPr>
         <p:spPr>
           <a:xfrm>
-            <a:off x="7949160" y="1825560"/>
-            <a:ext cx="3384000" cy="2073240"/>
+            <a:off x="1944000" y="4855680"/>
+            <a:ext cx="8256960" cy="544320"/>
           </a:xfrm>
           <a:prstGeom prst="rect">
             <a:avLst/>
@@ -10258,17 +10423,72 @@
           <a:effectRef idx="0"/>
           <a:fontRef idx="minor"/>
         </p:style>
-      </p:sp>
-      <p:sp>
-        <p:nvSpPr>
-          <p:cNvPr id="223" name="CustomShape 5"/>
+        <p:txBody>
+          <a:bodyPr wrap="none" lIns="90000" rIns="90000" tIns="45000" bIns="45000">
+            <a:noAutofit/>
+          </a:bodyPr>
+          <a:p>
+            <a:pPr algn="ctr">
+              <a:lnSpc>
+                <a:spcPct val="100000"/>
+              </a:lnSpc>
+            </a:pPr>
+            <a:r>
+              <a:rPr b="0" lang="en-GB" sz="3000" spc="-1" strike="noStrike">
+                <a:solidFill>
+                  <a:srgbClr val="000000"/>
+                </a:solidFill>
+                <a:latin typeface="Arial"/>
+                <a:ea typeface="DejaVu Sans"/>
+              </a:rPr>
+              <a:t>( 0% = aucun; 100% = tous)</a:t>
+            </a:r>
+            <a:endParaRPr b="0" lang="en-GB" sz="3000" spc="-1" strike="noStrike">
+              <a:latin typeface="Arial"/>
+            </a:endParaRPr>
+          </a:p>
+        </p:txBody>
+      </p:sp>
+    </p:spTree>
+  </p:cSld>
+  <mc:AlternateContent>
+    <mc:Choice Requires="p14">
+      <p:transition spd="slow" p14:dur="2000"/>
+    </mc:Choice>
+    <mc:Fallback>
+      <p:transition spd="slow"/>
+    </mc:Fallback>
+  </mc:AlternateContent>
+</p:sld>
+</file>
+
+<file path=ppt/slides/slide26.xml><?xml version="1.0" encoding="utf-8"?>
+<p:sld xmlns:a="http://schemas.openxmlformats.org/drawingml/2006/main" xmlns:p="http://schemas.openxmlformats.org/presentationml/2006/main" xmlns:r="http://schemas.openxmlformats.org/officeDocument/2006/relationships" xmlns:p14="http://schemas.microsoft.com/office/powerpoint/2010/main" xmlns:p15="http://schemas.microsoft.com/office/powerpoint/2012/main" xmlns:mc="http://schemas.openxmlformats.org/markup-compatibility/2006">
+  <p:cSld>
+    <p:spTree>
+      <p:nvGrpSpPr>
+        <p:cNvPr id="1" name=""/>
+        <p:cNvGrpSpPr/>
+        <p:nvPr/>
+      </p:nvGrpSpPr>
+      <p:grpSpPr>
+        <a:xfrm>
+          <a:off x="0" y="0"/>
+          <a:ext cx="0" cy="0"/>
+          <a:chOff x="0" y="0"/>
+          <a:chExt cx="0" cy="0"/>
+        </a:xfrm>
+      </p:grpSpPr>
+      <p:sp>
+        <p:nvSpPr>
+          <p:cNvPr id="223" name="CustomShape 1"/>
           <p:cNvSpPr/>
           <p:nvPr/>
         </p:nvSpPr>
         <p:spPr>
           <a:xfrm>
-            <a:off x="838080" y="4098240"/>
-            <a:ext cx="3384000" cy="2073240"/>
+            <a:off x="838080" y="365040"/>
+            <a:ext cx="10512360" cy="1322280"/>
           </a:xfrm>
           <a:prstGeom prst="rect">
             <a:avLst/>
@@ -10287,14 +10507,14 @@
       </p:sp>
       <p:sp>
         <p:nvSpPr>
-          <p:cNvPr id="224" name="CustomShape 6"/>
+          <p:cNvPr id="224" name="CustomShape 2"/>
           <p:cNvSpPr/>
           <p:nvPr/>
         </p:nvSpPr>
         <p:spPr>
           <a:xfrm>
-            <a:off x="4393440" y="4098240"/>
-            <a:ext cx="3384000" cy="2073240"/>
+            <a:off x="838080" y="1825560"/>
+            <a:ext cx="3382920" cy="2072160"/>
           </a:xfrm>
           <a:prstGeom prst="rect">
             <a:avLst/>
@@ -10313,14 +10533,14 @@
       </p:sp>
       <p:sp>
         <p:nvSpPr>
-          <p:cNvPr id="225" name="CustomShape 7"/>
+          <p:cNvPr id="225" name="CustomShape 3"/>
           <p:cNvSpPr/>
           <p:nvPr/>
         </p:nvSpPr>
         <p:spPr>
           <a:xfrm>
-            <a:off x="7949160" y="4098240"/>
-            <a:ext cx="3384000" cy="2073240"/>
+            <a:off x="4393440" y="1825560"/>
+            <a:ext cx="3382920" cy="2072160"/>
           </a:xfrm>
           <a:prstGeom prst="rect">
             <a:avLst/>
@@ -10337,9 +10557,406 @@
           <a:fontRef idx="minor"/>
         </p:style>
       </p:sp>
+      <p:sp>
+        <p:nvSpPr>
+          <p:cNvPr id="226" name="CustomShape 4"/>
+          <p:cNvSpPr/>
+          <p:nvPr/>
+        </p:nvSpPr>
+        <p:spPr>
+          <a:xfrm>
+            <a:off x="7949160" y="1825560"/>
+            <a:ext cx="3382920" cy="2072160"/>
+          </a:xfrm>
+          <a:prstGeom prst="rect">
+            <a:avLst/>
+          </a:prstGeom>
+          <a:noFill/>
+          <a:ln>
+            <a:noFill/>
+          </a:ln>
+        </p:spPr>
+        <p:style>
+          <a:lnRef idx="0"/>
+          <a:fillRef idx="0"/>
+          <a:effectRef idx="0"/>
+          <a:fontRef idx="minor"/>
+        </p:style>
+      </p:sp>
+      <p:sp>
+        <p:nvSpPr>
+          <p:cNvPr id="227" name="CustomShape 5"/>
+          <p:cNvSpPr/>
+          <p:nvPr/>
+        </p:nvSpPr>
+        <p:spPr>
+          <a:xfrm>
+            <a:off x="838080" y="4098240"/>
+            <a:ext cx="3382920" cy="2072160"/>
+          </a:xfrm>
+          <a:prstGeom prst="rect">
+            <a:avLst/>
+          </a:prstGeom>
+          <a:noFill/>
+          <a:ln>
+            <a:noFill/>
+          </a:ln>
+        </p:spPr>
+        <p:style>
+          <a:lnRef idx="0"/>
+          <a:fillRef idx="0"/>
+          <a:effectRef idx="0"/>
+          <a:fontRef idx="minor"/>
+        </p:style>
+      </p:sp>
+      <p:sp>
+        <p:nvSpPr>
+          <p:cNvPr id="228" name="CustomShape 6"/>
+          <p:cNvSpPr/>
+          <p:nvPr/>
+        </p:nvSpPr>
+        <p:spPr>
+          <a:xfrm>
+            <a:off x="4393440" y="4098240"/>
+            <a:ext cx="3382920" cy="2072160"/>
+          </a:xfrm>
+          <a:prstGeom prst="rect">
+            <a:avLst/>
+          </a:prstGeom>
+          <a:noFill/>
+          <a:ln>
+            <a:noFill/>
+          </a:ln>
+        </p:spPr>
+        <p:style>
+          <a:lnRef idx="0"/>
+          <a:fillRef idx="0"/>
+          <a:effectRef idx="0"/>
+          <a:fontRef idx="minor"/>
+        </p:style>
+      </p:sp>
+      <p:sp>
+        <p:nvSpPr>
+          <p:cNvPr id="229" name="CustomShape 7"/>
+          <p:cNvSpPr/>
+          <p:nvPr/>
+        </p:nvSpPr>
+        <p:spPr>
+          <a:xfrm>
+            <a:off x="7949160" y="4098240"/>
+            <a:ext cx="3382920" cy="2072160"/>
+          </a:xfrm>
+          <a:prstGeom prst="rect">
+            <a:avLst/>
+          </a:prstGeom>
+          <a:noFill/>
+          <a:ln>
+            <a:noFill/>
+          </a:ln>
+        </p:spPr>
+        <p:style>
+          <a:lnRef idx="0"/>
+          <a:fillRef idx="0"/>
+          <a:effectRef idx="0"/>
+          <a:fontRef idx="minor"/>
+        </p:style>
+      </p:sp>
+      <p:sp>
+        <p:nvSpPr>
+          <p:cNvPr id="230" name="CustomShape 8"/>
+          <p:cNvSpPr/>
+          <p:nvPr/>
+        </p:nvSpPr>
+        <p:spPr>
+          <a:xfrm>
+            <a:off x="3535920" y="206640"/>
+            <a:ext cx="4667760" cy="696960"/>
+          </a:xfrm>
+          <a:prstGeom prst="rect">
+            <a:avLst/>
+          </a:prstGeom>
+          <a:noFill/>
+          <a:ln>
+            <a:noFill/>
+          </a:ln>
+        </p:spPr>
+        <p:style>
+          <a:lnRef idx="0"/>
+          <a:fillRef idx="0"/>
+          <a:effectRef idx="0"/>
+          <a:fontRef idx="minor"/>
+        </p:style>
+        <p:txBody>
+          <a:bodyPr wrap="none" lIns="90000" rIns="90000" tIns="45000" bIns="45000">
+            <a:noAutofit/>
+          </a:bodyPr>
+          <a:p>
+            <a:pPr algn="ctr">
+              <a:lnSpc>
+                <a:spcPct val="100000"/>
+              </a:lnSpc>
+            </a:pPr>
+            <a:r>
+              <a:rPr b="0" lang="en-GB" sz="4000" spc="-1" strike="noStrike">
+                <a:solidFill>
+                  <a:srgbClr val="000000"/>
+                </a:solidFill>
+                <a:latin typeface="Arial"/>
+                <a:ea typeface="DejaVu Sans"/>
+              </a:rPr>
+              <a:t>Merci d’avoir participé !</a:t>
+            </a:r>
+            <a:endParaRPr b="0" lang="en-GB" sz="4000" spc="-1" strike="noStrike">
+              <a:latin typeface="Arial"/>
+            </a:endParaRPr>
+          </a:p>
+          <a:p>
+            <a:pPr algn="ctr">
+              <a:lnSpc>
+                <a:spcPct val="100000"/>
+              </a:lnSpc>
+            </a:pPr>
+            <a:endParaRPr b="0" lang="en-GB" sz="4000" spc="-1" strike="noStrike">
+              <a:latin typeface="Arial"/>
+            </a:endParaRPr>
+          </a:p>
+          <a:p>
+            <a:pPr algn="ctr">
+              <a:lnSpc>
+                <a:spcPct val="100000"/>
+              </a:lnSpc>
+            </a:pPr>
+            <a:r>
+              <a:rPr b="0" lang="en-GB" sz="4000" spc="-1" strike="noStrike">
+                <a:solidFill>
+                  <a:srgbClr val="000000"/>
+                </a:solidFill>
+                <a:latin typeface="Arial"/>
+                <a:ea typeface="DejaVu Sans"/>
+              </a:rPr>
+              <a:t>À bientôt !</a:t>
+            </a:r>
+            <a:endParaRPr b="0" lang="en-GB" sz="4000" spc="-1" strike="noStrike">
+              <a:latin typeface="Arial"/>
+            </a:endParaRPr>
+          </a:p>
+        </p:txBody>
+      </p:sp>
+    </p:spTree>
+  </p:cSld>
+  <mc:AlternateContent>
+    <mc:Choice Requires="p14">
+      <p:transition spd="slow" p14:dur="2000"/>
+    </mc:Choice>
+    <mc:Fallback>
+      <p:transition spd="slow"/>
+    </mc:Fallback>
+  </mc:AlternateContent>
+</p:sld>
+</file>
+
+<file path=ppt/slides/slide27.xml><?xml version="1.0" encoding="utf-8"?>
+<p:sld xmlns:a="http://schemas.openxmlformats.org/drawingml/2006/main" xmlns:p="http://schemas.openxmlformats.org/presentationml/2006/main" xmlns:r="http://schemas.openxmlformats.org/officeDocument/2006/relationships" xmlns:p14="http://schemas.microsoft.com/office/powerpoint/2010/main" xmlns:p15="http://schemas.microsoft.com/office/powerpoint/2012/main" xmlns:mc="http://schemas.openxmlformats.org/markup-compatibility/2006">
+  <p:cSld>
+    <p:spTree>
+      <p:nvGrpSpPr>
+        <p:cNvPr id="1" name=""/>
+        <p:cNvGrpSpPr/>
+        <p:nvPr/>
+      </p:nvGrpSpPr>
+      <p:grpSpPr>
+        <a:xfrm>
+          <a:off x="0" y="0"/>
+          <a:ext cx="0" cy="0"/>
+          <a:chOff x="0" y="0"/>
+          <a:chExt cx="0" cy="0"/>
+        </a:xfrm>
+      </p:grpSpPr>
+      <p:sp>
+        <p:nvSpPr>
+          <p:cNvPr id="231" name="CustomShape 1"/>
+          <p:cNvSpPr/>
+          <p:nvPr/>
+        </p:nvSpPr>
+        <p:spPr>
+          <a:xfrm>
+            <a:off x="838080" y="365040"/>
+            <a:ext cx="10512360" cy="1322280"/>
+          </a:xfrm>
+          <a:prstGeom prst="rect">
+            <a:avLst/>
+          </a:prstGeom>
+          <a:noFill/>
+          <a:ln>
+            <a:noFill/>
+          </a:ln>
+        </p:spPr>
+        <p:style>
+          <a:lnRef idx="0"/>
+          <a:fillRef idx="0"/>
+          <a:effectRef idx="0"/>
+          <a:fontRef idx="minor"/>
+        </p:style>
+      </p:sp>
+      <p:sp>
+        <p:nvSpPr>
+          <p:cNvPr id="232" name="CustomShape 2"/>
+          <p:cNvSpPr/>
+          <p:nvPr/>
+        </p:nvSpPr>
+        <p:spPr>
+          <a:xfrm>
+            <a:off x="838080" y="1825560"/>
+            <a:ext cx="3382920" cy="2072160"/>
+          </a:xfrm>
+          <a:prstGeom prst="rect">
+            <a:avLst/>
+          </a:prstGeom>
+          <a:noFill/>
+          <a:ln>
+            <a:noFill/>
+          </a:ln>
+        </p:spPr>
+        <p:style>
+          <a:lnRef idx="0"/>
+          <a:fillRef idx="0"/>
+          <a:effectRef idx="0"/>
+          <a:fontRef idx="minor"/>
+        </p:style>
+      </p:sp>
+      <p:sp>
+        <p:nvSpPr>
+          <p:cNvPr id="233" name="CustomShape 3"/>
+          <p:cNvSpPr/>
+          <p:nvPr/>
+        </p:nvSpPr>
+        <p:spPr>
+          <a:xfrm>
+            <a:off x="4393440" y="1825560"/>
+            <a:ext cx="3382920" cy="2072160"/>
+          </a:xfrm>
+          <a:prstGeom prst="rect">
+            <a:avLst/>
+          </a:prstGeom>
+          <a:noFill/>
+          <a:ln>
+            <a:noFill/>
+          </a:ln>
+        </p:spPr>
+        <p:style>
+          <a:lnRef idx="0"/>
+          <a:fillRef idx="0"/>
+          <a:effectRef idx="0"/>
+          <a:fontRef idx="minor"/>
+        </p:style>
+      </p:sp>
+      <p:sp>
+        <p:nvSpPr>
+          <p:cNvPr id="234" name="CustomShape 4"/>
+          <p:cNvSpPr/>
+          <p:nvPr/>
+        </p:nvSpPr>
+        <p:spPr>
+          <a:xfrm>
+            <a:off x="7949160" y="1825560"/>
+            <a:ext cx="3382920" cy="2072160"/>
+          </a:xfrm>
+          <a:prstGeom prst="rect">
+            <a:avLst/>
+          </a:prstGeom>
+          <a:noFill/>
+          <a:ln>
+            <a:noFill/>
+          </a:ln>
+        </p:spPr>
+        <p:style>
+          <a:lnRef idx="0"/>
+          <a:fillRef idx="0"/>
+          <a:effectRef idx="0"/>
+          <a:fontRef idx="minor"/>
+        </p:style>
+      </p:sp>
+      <p:sp>
+        <p:nvSpPr>
+          <p:cNvPr id="235" name="CustomShape 5"/>
+          <p:cNvSpPr/>
+          <p:nvPr/>
+        </p:nvSpPr>
+        <p:spPr>
+          <a:xfrm>
+            <a:off x="838080" y="4098240"/>
+            <a:ext cx="3382920" cy="2072160"/>
+          </a:xfrm>
+          <a:prstGeom prst="rect">
+            <a:avLst/>
+          </a:prstGeom>
+          <a:noFill/>
+          <a:ln>
+            <a:noFill/>
+          </a:ln>
+        </p:spPr>
+        <p:style>
+          <a:lnRef idx="0"/>
+          <a:fillRef idx="0"/>
+          <a:effectRef idx="0"/>
+          <a:fontRef idx="minor"/>
+        </p:style>
+      </p:sp>
+      <p:sp>
+        <p:nvSpPr>
+          <p:cNvPr id="236" name="CustomShape 6"/>
+          <p:cNvSpPr/>
+          <p:nvPr/>
+        </p:nvSpPr>
+        <p:spPr>
+          <a:xfrm>
+            <a:off x="4393440" y="4098240"/>
+            <a:ext cx="3382920" cy="2072160"/>
+          </a:xfrm>
+          <a:prstGeom prst="rect">
+            <a:avLst/>
+          </a:prstGeom>
+          <a:noFill/>
+          <a:ln>
+            <a:noFill/>
+          </a:ln>
+        </p:spPr>
+        <p:style>
+          <a:lnRef idx="0"/>
+          <a:fillRef idx="0"/>
+          <a:effectRef idx="0"/>
+          <a:fontRef idx="minor"/>
+        </p:style>
+      </p:sp>
+      <p:sp>
+        <p:nvSpPr>
+          <p:cNvPr id="237" name="CustomShape 7"/>
+          <p:cNvSpPr/>
+          <p:nvPr/>
+        </p:nvSpPr>
+        <p:spPr>
+          <a:xfrm>
+            <a:off x="7949160" y="4098240"/>
+            <a:ext cx="3382920" cy="2072160"/>
+          </a:xfrm>
+          <a:prstGeom prst="rect">
+            <a:avLst/>
+          </a:prstGeom>
+          <a:noFill/>
+          <a:ln>
+            <a:noFill/>
+          </a:ln>
+        </p:spPr>
+        <p:style>
+          <a:lnRef idx="0"/>
+          <a:fillRef idx="0"/>
+          <a:effectRef idx="0"/>
+          <a:fontRef idx="minor"/>
+        </p:style>
+      </p:sp>
       <p:pic>
         <p:nvPicPr>
-          <p:cNvPr id="226" name="" descr=""/>
+          <p:cNvPr id="238" name="" descr=""/>
           <p:cNvPicPr/>
           <p:nvPr/>
         </p:nvPicPr>
@@ -10350,7 +10967,7 @@
         <p:spPr>
           <a:xfrm>
             <a:off x="4176000" y="2376000"/>
-            <a:ext cx="3403080" cy="4163760"/>
+            <a:ext cx="3402000" cy="4162680"/>
           </a:xfrm>
           <a:prstGeom prst="rect">
             <a:avLst/>
@@ -10362,14 +10979,14 @@
       </p:pic>
       <p:sp>
         <p:nvSpPr>
-          <p:cNvPr id="227" name="CustomShape 8"/>
+          <p:cNvPr id="239" name="CustomShape 8"/>
           <p:cNvSpPr/>
           <p:nvPr/>
         </p:nvSpPr>
         <p:spPr>
           <a:xfrm>
             <a:off x="3535920" y="206640"/>
-            <a:ext cx="4668840" cy="698040"/>
+            <a:ext cx="4667760" cy="696960"/>
           </a:xfrm>
           <a:prstGeom prst="rect">
             <a:avLst/>
@@ -10386,7 +11003,9 @@
           <a:fontRef idx="minor"/>
         </p:style>
         <p:txBody>
-          <a:bodyPr wrap="none" lIns="90000" rIns="90000" tIns="45000" bIns="45000"/>
+          <a:bodyPr wrap="none" lIns="90000" rIns="90000" tIns="45000" bIns="45000">
+            <a:noAutofit/>
+          </a:bodyPr>
           <a:p>
             <a:pPr algn="ctr">
               <a:lnSpc>
@@ -10441,33 +11060,14 @@
       </p:sp>
     </p:spTree>
   </p:cSld>
-  <p:timing>
-    <p:tnLst>
-      <p:par>
-        <p:cTn id="33" dur="indefinite" restart="never" nodeType="tmRoot">
-          <p:childTnLst>
-            <p:seq>
-              <p:cTn id="34" dur="indefinite" nodeType="mainSeq"/>
-              <p:prevCondLst>
-                <p:cond delay="0" evt="onPrev">
-                  <p:tgtEl>
-                    <p:sldTgt/>
-                  </p:tgtEl>
-                </p:cond>
-              </p:prevCondLst>
-              <p:nextCondLst>
-                <p:cond delay="0" evt="onNext">
-                  <p:tgtEl>
-                    <p:sldTgt/>
-                  </p:tgtEl>
-                </p:cond>
-              </p:nextCondLst>
-            </p:seq>
-          </p:childTnLst>
-        </p:cTn>
-      </p:par>
-    </p:tnLst>
-  </p:timing>
+  <mc:AlternateContent>
+    <mc:Choice Requires="p14">
+      <p:transition spd="slow" p14:dur="2000"/>
+    </mc:Choice>
+    <mc:Fallback>
+      <p:transition spd="slow"/>
+    </mc:Fallback>
+  </mc:AlternateContent>
 </p:sld>
 </file>
 
@@ -10497,7 +11097,7 @@
         <p:spPr>
           <a:xfrm>
             <a:off x="5421240" y="1664640"/>
-            <a:ext cx="1259640" cy="545400"/>
+            <a:ext cx="1258560" cy="544320"/>
           </a:xfrm>
           <a:prstGeom prst="rect">
             <a:avLst/>
@@ -10514,7 +11114,9 @@
           <a:fontRef idx="minor"/>
         </p:style>
         <p:txBody>
-          <a:bodyPr wrap="none" lIns="90000" rIns="90000" tIns="45000" bIns="45000"/>
+          <a:bodyPr wrap="none" lIns="90000" rIns="90000" tIns="45000" bIns="45000">
+            <a:noAutofit/>
+          </a:bodyPr>
           <a:p>
             <a:pPr algn="ctr">
               <a:lnSpc>
@@ -10539,33 +11141,14 @@
       </p:sp>
     </p:spTree>
   </p:cSld>
-  <p:timing>
-    <p:tnLst>
-      <p:par>
-        <p:cTn id="5" dur="indefinite" restart="never" nodeType="tmRoot">
-          <p:childTnLst>
-            <p:seq>
-              <p:cTn id="6" dur="indefinite" nodeType="mainSeq"/>
-              <p:prevCondLst>
-                <p:cond delay="0" evt="onPrev">
-                  <p:tgtEl>
-                    <p:sldTgt/>
-                  </p:tgtEl>
-                </p:cond>
-              </p:prevCondLst>
-              <p:nextCondLst>
-                <p:cond delay="0" evt="onNext">
-                  <p:tgtEl>
-                    <p:sldTgt/>
-                  </p:tgtEl>
-                </p:cond>
-              </p:nextCondLst>
-            </p:seq>
-          </p:childTnLst>
-        </p:cTn>
-      </p:par>
-    </p:tnLst>
-  </p:timing>
+  <mc:AlternateContent>
+    <mc:Choice Requires="p14">
+      <p:transition spd="slow" p14:dur="2000"/>
+    </mc:Choice>
+    <mc:Fallback>
+      <p:transition spd="slow"/>
+    </mc:Fallback>
+  </mc:AlternateContent>
 </p:sld>
 </file>
 
@@ -10595,7 +11178,7 @@
         <p:spPr>
           <a:xfrm>
             <a:off x="5423040" y="1664640"/>
-            <a:ext cx="1259640" cy="545400"/>
+            <a:ext cx="1258560" cy="544320"/>
           </a:xfrm>
           <a:prstGeom prst="rect">
             <a:avLst/>
@@ -10612,7 +11195,9 @@
           <a:fontRef idx="minor"/>
         </p:style>
         <p:txBody>
-          <a:bodyPr wrap="none" lIns="90000" rIns="90000" tIns="45000" bIns="45000"/>
+          <a:bodyPr wrap="none" lIns="90000" rIns="90000" tIns="45000" bIns="45000">
+            <a:noAutofit/>
+          </a:bodyPr>
           <a:p>
             <a:pPr algn="ctr">
               <a:lnSpc>
@@ -10637,33 +11222,14 @@
       </p:sp>
     </p:spTree>
   </p:cSld>
-  <p:timing>
-    <p:tnLst>
-      <p:par>
-        <p:cTn id="7" dur="indefinite" restart="never" nodeType="tmRoot">
-          <p:childTnLst>
-            <p:seq>
-              <p:cTn id="8" dur="indefinite" nodeType="mainSeq"/>
-              <p:prevCondLst>
-                <p:cond delay="0" evt="onPrev">
-                  <p:tgtEl>
-                    <p:sldTgt/>
-                  </p:tgtEl>
-                </p:cond>
-              </p:prevCondLst>
-              <p:nextCondLst>
-                <p:cond delay="0" evt="onNext">
-                  <p:tgtEl>
-                    <p:sldTgt/>
-                  </p:tgtEl>
-                </p:cond>
-              </p:nextCondLst>
-            </p:seq>
-          </p:childTnLst>
-        </p:cTn>
-      </p:par>
-    </p:tnLst>
-  </p:timing>
+  <mc:AlternateContent>
+    <mc:Choice Requires="p14">
+      <p:transition spd="slow" p14:dur="2000"/>
+    </mc:Choice>
+    <mc:Fallback>
+      <p:transition spd="slow"/>
+    </mc:Fallback>
+  </mc:AlternateContent>
 </p:sld>
 </file>
 
@@ -10693,7 +11259,7 @@
         <p:spPr>
           <a:xfrm>
             <a:off x="5425920" y="1664640"/>
-            <a:ext cx="1259640" cy="545400"/>
+            <a:ext cx="1258560" cy="544320"/>
           </a:xfrm>
           <a:prstGeom prst="rect">
             <a:avLst/>
@@ -10710,7 +11276,9 @@
           <a:fontRef idx="minor"/>
         </p:style>
         <p:txBody>
-          <a:bodyPr wrap="none" lIns="90000" rIns="90000" tIns="45000" bIns="45000"/>
+          <a:bodyPr wrap="none" lIns="90000" rIns="90000" tIns="45000" bIns="45000">
+            <a:noAutofit/>
+          </a:bodyPr>
           <a:p>
             <a:pPr algn="ctr">
               <a:lnSpc>
@@ -10735,33 +11303,14 @@
       </p:sp>
     </p:spTree>
   </p:cSld>
-  <p:timing>
-    <p:tnLst>
-      <p:par>
-        <p:cTn id="9" dur="indefinite" restart="never" nodeType="tmRoot">
-          <p:childTnLst>
-            <p:seq>
-              <p:cTn id="10" dur="indefinite" nodeType="mainSeq"/>
-              <p:prevCondLst>
-                <p:cond delay="0" evt="onPrev">
-                  <p:tgtEl>
-                    <p:sldTgt/>
-                  </p:tgtEl>
-                </p:cond>
-              </p:prevCondLst>
-              <p:nextCondLst>
-                <p:cond delay="0" evt="onNext">
-                  <p:tgtEl>
-                    <p:sldTgt/>
-                  </p:tgtEl>
-                </p:cond>
-              </p:nextCondLst>
-            </p:seq>
-          </p:childTnLst>
-        </p:cTn>
-      </p:par>
-    </p:tnLst>
-  </p:timing>
+  <mc:AlternateContent>
+    <mc:Choice Requires="p14">
+      <p:transition spd="slow" p14:dur="2000"/>
+    </mc:Choice>
+    <mc:Fallback>
+      <p:transition spd="slow"/>
+    </mc:Fallback>
+  </mc:AlternateContent>
 </p:sld>
 </file>
 
@@ -10791,7 +11340,7 @@
         <p:spPr>
           <a:xfrm>
             <a:off x="5425920" y="1664640"/>
-            <a:ext cx="1259640" cy="545400"/>
+            <a:ext cx="1258560" cy="544320"/>
           </a:xfrm>
           <a:prstGeom prst="rect">
             <a:avLst/>
@@ -10808,7 +11357,9 @@
           <a:fontRef idx="minor"/>
         </p:style>
         <p:txBody>
-          <a:bodyPr wrap="none" lIns="90000" rIns="90000" tIns="45000" bIns="45000"/>
+          <a:bodyPr wrap="none" lIns="90000" rIns="90000" tIns="45000" bIns="45000">
+            <a:noAutofit/>
+          </a:bodyPr>
           <a:p>
             <a:pPr algn="ctr">
               <a:lnSpc>
@@ -10833,33 +11384,14 @@
       </p:sp>
     </p:spTree>
   </p:cSld>
-  <p:timing>
-    <p:tnLst>
-      <p:par>
-        <p:cTn id="11" dur="indefinite" restart="never" nodeType="tmRoot">
-          <p:childTnLst>
-            <p:seq>
-              <p:cTn id="12" dur="indefinite" nodeType="mainSeq"/>
-              <p:prevCondLst>
-                <p:cond delay="0" evt="onPrev">
-                  <p:tgtEl>
-                    <p:sldTgt/>
-                  </p:tgtEl>
-                </p:cond>
-              </p:prevCondLst>
-              <p:nextCondLst>
-                <p:cond delay="0" evt="onNext">
-                  <p:tgtEl>
-                    <p:sldTgt/>
-                  </p:tgtEl>
-                </p:cond>
-              </p:nextCondLst>
-            </p:seq>
-          </p:childTnLst>
-        </p:cTn>
-      </p:par>
-    </p:tnLst>
-  </p:timing>
+  <mc:AlternateContent>
+    <mc:Choice Requires="p14">
+      <p:transition spd="slow" p14:dur="2000"/>
+    </mc:Choice>
+    <mc:Fallback>
+      <p:transition spd="slow"/>
+    </mc:Fallback>
+  </mc:AlternateContent>
 </p:sld>
 </file>
 
@@ -10889,7 +11421,7 @@
         <p:spPr>
           <a:xfrm>
             <a:off x="3535560" y="206640"/>
-            <a:ext cx="4668840" cy="698040"/>
+            <a:ext cx="4667760" cy="696960"/>
           </a:xfrm>
           <a:prstGeom prst="rect">
             <a:avLst/>
@@ -10906,7 +11438,9 @@
           <a:fontRef idx="minor"/>
         </p:style>
         <p:txBody>
-          <a:bodyPr wrap="none" lIns="90000" rIns="90000" tIns="45000" bIns="45000"/>
+          <a:bodyPr wrap="none" lIns="90000" rIns="90000" tIns="45000" bIns="45000">
+            <a:noAutofit/>
+          </a:bodyPr>
           <a:p>
             <a:pPr algn="ctr">
               <a:lnSpc>
@@ -10938,7 +11472,7 @@
         <p:spPr>
           <a:xfrm>
             <a:off x="3948120" y="1280880"/>
-            <a:ext cx="1153080" cy="545400"/>
+            <a:ext cx="1152000" cy="544320"/>
           </a:xfrm>
           <a:prstGeom prst="rect">
             <a:avLst/>
@@ -10964,7 +11498,7 @@
         <p:spPr>
           <a:xfrm>
             <a:off x="6606000" y="1280880"/>
-            <a:ext cx="1032840" cy="545400"/>
+            <a:ext cx="1031760" cy="544320"/>
           </a:xfrm>
           <a:prstGeom prst="rect">
             <a:avLst/>
@@ -10990,7 +11524,7 @@
         <p:spPr>
           <a:xfrm>
             <a:off x="5685840" y="1280880"/>
-            <a:ext cx="401760" cy="545400"/>
+            <a:ext cx="400680" cy="544320"/>
           </a:xfrm>
           <a:prstGeom prst="rect">
             <a:avLst/>
@@ -11007,7 +11541,9 @@
           <a:fontRef idx="minor"/>
         </p:style>
         <p:txBody>
-          <a:bodyPr wrap="none" lIns="90000" rIns="90000" tIns="45000" bIns="45000"/>
+          <a:bodyPr wrap="none" lIns="90000" rIns="90000" tIns="45000" bIns="45000">
+            <a:noAutofit/>
+          </a:bodyPr>
           <a:p>
             <a:pPr algn="ctr">
               <a:lnSpc>
@@ -11039,7 +11575,7 @@
         <p:spPr>
           <a:xfrm>
             <a:off x="3446280" y="2112840"/>
-            <a:ext cx="5033160" cy="698040"/>
+            <a:ext cx="5032080" cy="696960"/>
           </a:xfrm>
           <a:prstGeom prst="rect">
             <a:avLst/>
@@ -11056,7 +11592,9 @@
           <a:fontRef idx="minor"/>
         </p:style>
         <p:txBody>
-          <a:bodyPr wrap="none" lIns="90000" rIns="90000" tIns="45000" bIns="45000"/>
+          <a:bodyPr wrap="none" lIns="90000" rIns="90000" tIns="45000" bIns="45000">
+            <a:noAutofit/>
+          </a:bodyPr>
           <a:p>
             <a:pPr algn="ctr">
               <a:lnSpc>
@@ -11088,7 +11626,7 @@
         <p:spPr>
           <a:xfrm>
             <a:off x="833040" y="3191760"/>
-            <a:ext cx="7371000" cy="545400"/>
+            <a:ext cx="7369920" cy="544320"/>
           </a:xfrm>
           <a:prstGeom prst="rect">
             <a:avLst/>
@@ -11105,7 +11643,9 @@
           <a:fontRef idx="minor"/>
         </p:style>
         <p:txBody>
-          <a:bodyPr wrap="none" lIns="90000" rIns="90000" tIns="45000" bIns="45000"/>
+          <a:bodyPr wrap="none" lIns="90000" rIns="90000" tIns="45000" bIns="45000">
+            <a:noAutofit/>
+          </a:bodyPr>
           <a:p>
             <a:pPr algn="ctr">
               <a:lnSpc>
@@ -11137,7 +11677,7 @@
         <p:spPr>
           <a:xfrm>
             <a:off x="837000" y="4023720"/>
-            <a:ext cx="7919640" cy="545400"/>
+            <a:ext cx="7918560" cy="544320"/>
           </a:xfrm>
           <a:prstGeom prst="rect">
             <a:avLst/>
@@ -11154,7 +11694,9 @@
           <a:fontRef idx="minor"/>
         </p:style>
         <p:txBody>
-          <a:bodyPr wrap="none" lIns="90000" rIns="90000" tIns="45000" bIns="45000"/>
+          <a:bodyPr wrap="none" lIns="90000" rIns="90000" tIns="45000" bIns="45000">
+            <a:noAutofit/>
+          </a:bodyPr>
           <a:p>
             <a:pPr algn="ctr">
               <a:lnSpc>
@@ -11186,7 +11728,7 @@
         <p:spPr>
           <a:xfrm>
             <a:off x="838440" y="4855680"/>
-            <a:ext cx="8258040" cy="545400"/>
+            <a:ext cx="8256960" cy="544320"/>
           </a:xfrm>
           <a:prstGeom prst="rect">
             <a:avLst/>
@@ -11203,7 +11745,9 @@
           <a:fontRef idx="minor"/>
         </p:style>
         <p:txBody>
-          <a:bodyPr wrap="none" lIns="90000" rIns="90000" tIns="45000" bIns="45000"/>
+          <a:bodyPr wrap="none" lIns="90000" rIns="90000" tIns="45000" bIns="45000">
+            <a:noAutofit/>
+          </a:bodyPr>
           <a:p>
             <a:pPr algn="ctr">
               <a:lnSpc>
@@ -11235,7 +11779,7 @@
         <p:spPr>
           <a:xfrm>
             <a:off x="3854880" y="5780880"/>
-            <a:ext cx="4472280" cy="545400"/>
+            <a:ext cx="4471200" cy="544320"/>
           </a:xfrm>
           <a:prstGeom prst="rect">
             <a:avLst/>
@@ -11252,7 +11796,9 @@
           <a:fontRef idx="minor"/>
         </p:style>
         <p:txBody>
-          <a:bodyPr wrap="none" lIns="90000" rIns="90000" tIns="45000" bIns="45000"/>
+          <a:bodyPr wrap="none" lIns="90000" rIns="90000" tIns="45000" bIns="45000">
+            <a:noAutofit/>
+          </a:bodyPr>
           <a:p>
             <a:pPr algn="ctr">
               <a:lnSpc>
@@ -11277,6 +11823,14 @@
       </p:sp>
     </p:spTree>
   </p:cSld>
+  <mc:AlternateContent>
+    <mc:Choice Requires="p14">
+      <p:transition spd="slow" p14:dur="2000"/>
+    </mc:Choice>
+    <mc:Fallback>
+      <p:transition spd="slow"/>
+    </mc:Fallback>
+  </mc:AlternateContent>
 </p:sld>
 </file>
 
@@ -11306,7 +11860,7 @@
         <p:spPr>
           <a:xfrm>
             <a:off x="5347800" y="3254040"/>
-            <a:ext cx="439920" cy="622080"/>
+            <a:ext cx="438840" cy="621000"/>
           </a:xfrm>
           <a:prstGeom prst="rect">
             <a:avLst/>
@@ -11323,7 +11877,9 @@
           <a:fontRef idx="minor"/>
         </p:style>
         <p:txBody>
-          <a:bodyPr wrap="none" lIns="90000" rIns="90000" tIns="45000" bIns="45000"/>
+          <a:bodyPr wrap="none" lIns="90000" rIns="90000" tIns="45000" bIns="45000">
+            <a:noAutofit/>
+          </a:bodyPr>
           <a:p>
             <a:pPr algn="ctr">
               <a:lnSpc>
@@ -11355,7 +11911,7 @@
         <p:spPr>
           <a:xfrm>
             <a:off x="3587400" y="1260000"/>
-            <a:ext cx="3884040" cy="622080"/>
+            <a:ext cx="3882960" cy="621000"/>
           </a:xfrm>
           <a:prstGeom prst="rect">
             <a:avLst/>
@@ -11372,7 +11928,9 @@
           <a:fontRef idx="minor"/>
         </p:style>
         <p:txBody>
-          <a:bodyPr wrap="none" lIns="90000" rIns="90000" tIns="45000" bIns="45000"/>
+          <a:bodyPr wrap="none" lIns="90000" rIns="90000" tIns="45000" bIns="45000">
+            <a:noAutofit/>
+          </a:bodyPr>
           <a:p>
             <a:pPr algn="ctr">
               <a:lnSpc>
@@ -11397,33 +11955,14 @@
       </p:sp>
     </p:spTree>
   </p:cSld>
-  <p:timing>
-    <p:tnLst>
-      <p:par>
-        <p:cTn id="13" dur="indefinite" restart="never" nodeType="tmRoot">
-          <p:childTnLst>
-            <p:seq>
-              <p:cTn id="14" dur="indefinite" nodeType="mainSeq"/>
-              <p:prevCondLst>
-                <p:cond delay="0" evt="onPrev">
-                  <p:tgtEl>
-                    <p:sldTgt/>
-                  </p:tgtEl>
-                </p:cond>
-              </p:prevCondLst>
-              <p:nextCondLst>
-                <p:cond delay="0" evt="onNext">
-                  <p:tgtEl>
-                    <p:sldTgt/>
-                  </p:tgtEl>
-                </p:cond>
-              </p:nextCondLst>
-            </p:seq>
-          </p:childTnLst>
-        </p:cTn>
-      </p:par>
-    </p:tnLst>
-  </p:timing>
+  <mc:AlternateContent>
+    <mc:Choice Requires="p14">
+      <p:transition spd="slow" p14:dur="2000"/>
+    </mc:Choice>
+    <mc:Fallback>
+      <p:transition spd="slow"/>
+    </mc:Fallback>
+  </mc:AlternateContent>
 </p:sld>
 </file>
 
@@ -11453,7 +11992,7 @@
         <p:spPr>
           <a:xfrm>
             <a:off x="3362400" y="918360"/>
-            <a:ext cx="4810680" cy="545400"/>
+            <a:ext cx="4809600" cy="544320"/>
           </a:xfrm>
           <a:prstGeom prst="rect">
             <a:avLst/>
@@ -11470,7 +12009,9 @@
           <a:fontRef idx="minor"/>
         </p:style>
         <p:txBody>
-          <a:bodyPr wrap="none" lIns="90000" rIns="90000" tIns="45000" bIns="45000"/>
+          <a:bodyPr wrap="none" lIns="90000" rIns="90000" tIns="45000" bIns="45000">
+            <a:noAutofit/>
+          </a:bodyPr>
           <a:p>
             <a:pPr algn="ctr">
               <a:lnSpc>
@@ -11502,7 +12043,7 @@
         <p:spPr>
           <a:xfrm>
             <a:off x="3621960" y="2238120"/>
-            <a:ext cx="4050360" cy="545400"/>
+            <a:ext cx="4049280" cy="544320"/>
           </a:xfrm>
           <a:prstGeom prst="rect">
             <a:avLst/>
@@ -11519,7 +12060,9 @@
           <a:fontRef idx="minor"/>
         </p:style>
         <p:txBody>
-          <a:bodyPr wrap="none" lIns="90000" rIns="90000" tIns="45000" bIns="45000"/>
+          <a:bodyPr wrap="none" lIns="90000" rIns="90000" tIns="45000" bIns="45000">
+            <a:noAutofit/>
+          </a:bodyPr>
           <a:p>
             <a:pPr algn="ctr">
               <a:lnSpc>
@@ -11551,7 +12094,7 @@
         <p:spPr>
           <a:xfrm>
             <a:off x="3504240" y="3558240"/>
-            <a:ext cx="1153080" cy="545400"/>
+            <a:ext cx="1152000" cy="544320"/>
           </a:xfrm>
           <a:prstGeom prst="rect">
             <a:avLst/>
@@ -11568,7 +12111,9 @@
           <a:fontRef idx="minor"/>
         </p:style>
         <p:txBody>
-          <a:bodyPr wrap="none" lIns="90000" rIns="90000" tIns="45000" bIns="45000"/>
+          <a:bodyPr wrap="none" lIns="90000" rIns="90000" tIns="45000" bIns="45000">
+            <a:noAutofit/>
+          </a:bodyPr>
           <a:p>
             <a:pPr algn="ctr">
               <a:lnSpc>
@@ -11586,9 +12131,6 @@
               <a:t>Vonat</a:t>
             </a:r>
             <a:endParaRPr b="0" lang="en-GB" sz="3000" spc="-1" strike="noStrike">
-              <a:solidFill>
-                <a:srgbClr val="0d1f63"/>
-              </a:solidFill>
               <a:latin typeface="Arial"/>
             </a:endParaRPr>
           </a:p>
@@ -11603,7 +12145,7 @@
         <p:spPr>
           <a:xfrm>
             <a:off x="6482520" y="3558240"/>
-            <a:ext cx="390960" cy="545400"/>
+            <a:ext cx="389880" cy="544320"/>
           </a:xfrm>
           <a:prstGeom prst="rect">
             <a:avLst/>
@@ -11620,7 +12162,9 @@
           <a:fontRef idx="minor"/>
         </p:style>
         <p:txBody>
-          <a:bodyPr wrap="none" lIns="90000" rIns="90000" tIns="45000" bIns="45000"/>
+          <a:bodyPr wrap="none" lIns="90000" rIns="90000" tIns="45000" bIns="45000">
+            <a:noAutofit/>
+          </a:bodyPr>
           <a:p>
             <a:pPr algn="ctr">
               <a:lnSpc>
@@ -11652,7 +12196,7 @@
         <p:spPr>
           <a:xfrm>
             <a:off x="5241600" y="3558240"/>
-            <a:ext cx="401760" cy="545400"/>
+            <a:ext cx="400680" cy="544320"/>
           </a:xfrm>
           <a:prstGeom prst="rect">
             <a:avLst/>
@@ -11669,7 +12213,9 @@
           <a:fontRef idx="minor"/>
         </p:style>
         <p:txBody>
-          <a:bodyPr wrap="none" lIns="90000" rIns="90000" tIns="45000" bIns="45000"/>
+          <a:bodyPr wrap="none" lIns="90000" rIns="90000" tIns="45000" bIns="45000">
+            <a:noAutofit/>
+          </a:bodyPr>
           <a:p>
             <a:pPr algn="ctr">
               <a:lnSpc>
@@ -11694,33 +12240,14 @@
       </p:sp>
     </p:spTree>
   </p:cSld>
-  <p:timing>
-    <p:tnLst>
-      <p:par>
-        <p:cTn id="15" dur="indefinite" restart="never" nodeType="tmRoot">
-          <p:childTnLst>
-            <p:seq>
-              <p:cTn id="16" dur="indefinite" nodeType="mainSeq"/>
-              <p:prevCondLst>
-                <p:cond delay="0" evt="onPrev">
-                  <p:tgtEl>
-                    <p:sldTgt/>
-                  </p:tgtEl>
-                </p:cond>
-              </p:prevCondLst>
-              <p:nextCondLst>
-                <p:cond delay="0" evt="onNext">
-                  <p:tgtEl>
-                    <p:sldTgt/>
-                  </p:tgtEl>
-                </p:cond>
-              </p:nextCondLst>
-            </p:seq>
-          </p:childTnLst>
-        </p:cTn>
-      </p:par>
-    </p:tnLst>
-  </p:timing>
+  <mc:AlternateContent>
+    <mc:Choice Requires="p14">
+      <p:transition spd="slow" p14:dur="2000"/>
+    </mc:Choice>
+    <mc:Fallback>
+      <p:transition spd="slow"/>
+    </mc:Fallback>
+  </mc:AlternateContent>
 </p:sld>
 </file>
 
@@ -11838,18 +12365,21 @@
             </a:schemeClr>
           </a:solidFill>
           <a:prstDash val="solid"/>
+          <a:miter/>
         </a:ln>
         <a:ln w="25400" cap="flat" cmpd="sng" algn="ctr">
           <a:solidFill>
             <a:schemeClr val="phClr"/>
           </a:solidFill>
           <a:prstDash val="solid"/>
+          <a:miter/>
         </a:ln>
         <a:ln w="38100" cap="flat" cmpd="sng" algn="ctr">
           <a:solidFill>
             <a:schemeClr val="phClr"/>
           </a:solidFill>
           <a:prstDash val="solid"/>
+          <a:miter/>
         </a:ln>
       </a:lnStyleLst>
       <a:effectStyleLst>
@@ -12061,18 +12591,21 @@
             </a:schemeClr>
           </a:solidFill>
           <a:prstDash val="solid"/>
+          <a:miter/>
         </a:ln>
         <a:ln w="25400" cap="flat" cmpd="sng" algn="ctr">
           <a:solidFill>
             <a:schemeClr val="phClr"/>
           </a:solidFill>
           <a:prstDash val="solid"/>
+          <a:miter/>
         </a:ln>
         <a:ln w="38100" cap="flat" cmpd="sng" algn="ctr">
           <a:solidFill>
             <a:schemeClr val="phClr"/>
           </a:solidFill>
           <a:prstDash val="solid"/>
+          <a:miter/>
         </a:ln>
       </a:lnStyleLst>
       <a:effectStyleLst>
@@ -12284,18 +12817,21 @@
             </a:schemeClr>
           </a:solidFill>
           <a:prstDash val="solid"/>
+          <a:miter/>
         </a:ln>
         <a:ln w="25400" cap="flat" cmpd="sng" algn="ctr">
           <a:solidFill>
             <a:schemeClr val="phClr"/>
           </a:solidFill>
           <a:prstDash val="solid"/>
+          <a:miter/>
         </a:ln>
         <a:ln w="38100" cap="flat" cmpd="sng" algn="ctr">
           <a:solidFill>
             <a:schemeClr val="phClr"/>
           </a:solidFill>
           <a:prstDash val="solid"/>
+          <a:miter/>
         </a:ln>
       </a:lnStyleLst>
       <a:effectStyleLst>
